--- a/companion-website/public/files/0. Intro.pptx
+++ b/companion-website/public/files/0. Intro.pptx
@@ -5,7 +5,7 @@
     <p:sldMasterId id="2147483648" r:id="rId1"/>
   </p:sldMasterIdLst>
   <p:notesMasterIdLst>
-    <p:notesMasterId r:id="rId9"/>
+    <p:notesMasterId r:id="rId12"/>
   </p:notesMasterIdLst>
   <p:sldIdLst>
     <p:sldId id="275" r:id="rId2"/>
@@ -14,7 +14,10 @@
     <p:sldId id="277" r:id="rId5"/>
     <p:sldId id="441" r:id="rId6"/>
     <p:sldId id="452" r:id="rId7"/>
-    <p:sldId id="448" r:id="rId8"/>
+    <p:sldId id="453" r:id="rId8"/>
+    <p:sldId id="448" r:id="rId9"/>
+    <p:sldId id="456" r:id="rId10"/>
+    <p:sldId id="455" r:id="rId11"/>
   </p:sldIdLst>
   <p:sldSz cx="9144000" cy="6858000" type="screen4x3"/>
   <p:notesSz cx="6858000" cy="9144000"/>
@@ -214,7 +217,7 @@
           <a:p>
             <a:fld id="{8F7EB338-8BB0-B64B-9F79-C87EA24D723F}" type="datetimeFigureOut">
               <a:rPr lang="en-US" smtClean="0"/>
-              <a:t>7/28/20</a:t>
+              <a:t>8/21/20</a:t>
             </a:fld>
             <a:endParaRPr lang="en-US"/>
           </a:p>
@@ -639,7 +642,175 @@
     </p:spTree>
     <p:extLst>
       <p:ext uri="{BB962C8B-B14F-4D97-AF65-F5344CB8AC3E}">
+        <p14:creationId xmlns:p14="http://schemas.microsoft.com/office/powerpoint/2010/main" val="1390784773"/>
+      </p:ext>
+    </p:extLst>
+  </p:cSld>
+  <p:clrMapOvr>
+    <a:masterClrMapping/>
+  </p:clrMapOvr>
+</p:notes>
+</file>
+
+<file path=ppt/notesSlides/notesSlide3.xml><?xml version="1.0" encoding="utf-8"?>
+<p:notes xmlns:a="http://schemas.openxmlformats.org/drawingml/2006/main" xmlns:r="http://schemas.openxmlformats.org/officeDocument/2006/relationships" xmlns:p="http://schemas.openxmlformats.org/presentationml/2006/main">
+  <p:cSld>
+    <p:spTree>
+      <p:nvGrpSpPr>
+        <p:cNvPr id="1" name=""/>
+        <p:cNvGrpSpPr/>
+        <p:nvPr/>
+      </p:nvGrpSpPr>
+      <p:grpSpPr>
+        <a:xfrm>
+          <a:off x="0" y="0"/>
+          <a:ext cx="0" cy="0"/>
+          <a:chOff x="0" y="0"/>
+          <a:chExt cx="0" cy="0"/>
+        </a:xfrm>
+      </p:grpSpPr>
+      <p:sp>
+        <p:nvSpPr>
+          <p:cNvPr id="2" name="Slide Image Placeholder 1"/>
+          <p:cNvSpPr>
+            <a:spLocks noGrp="1" noRot="1" noChangeAspect="1"/>
+          </p:cNvSpPr>
+          <p:nvPr>
+            <p:ph type="sldImg"/>
+          </p:nvPr>
+        </p:nvSpPr>
+        <p:spPr/>
+      </p:sp>
+      <p:sp>
+        <p:nvSpPr>
+          <p:cNvPr id="3" name="Notes Placeholder 2"/>
+          <p:cNvSpPr>
+            <a:spLocks noGrp="1"/>
+          </p:cNvSpPr>
+          <p:nvPr>
+            <p:ph type="body" idx="1"/>
+          </p:nvPr>
+        </p:nvSpPr>
+        <p:spPr/>
+        <p:txBody>
+          <a:bodyPr/>
+          <a:lstStyle/>
+          <a:p>
+            <a:endParaRPr lang="en-US" dirty="0"/>
+          </a:p>
+        </p:txBody>
+      </p:sp>
+      <p:sp>
+        <p:nvSpPr>
+          <p:cNvPr id="4" name="Slide Number Placeholder 3"/>
+          <p:cNvSpPr>
+            <a:spLocks noGrp="1"/>
+          </p:cNvSpPr>
+          <p:nvPr>
+            <p:ph type="sldNum" sz="quarter" idx="10"/>
+          </p:nvPr>
+        </p:nvSpPr>
+        <p:spPr/>
+        <p:txBody>
+          <a:bodyPr/>
+          <a:lstStyle/>
+          <a:p>
+            <a:fld id="{0A2C3B37-55FA-284F-9E83-751B4EA6E9B4}" type="slidenum">
+              <a:rPr lang="en-US" smtClean="0"/>
+              <a:t>8</a:t>
+            </a:fld>
+            <a:endParaRPr lang="en-US"/>
+          </a:p>
+        </p:txBody>
+      </p:sp>
+    </p:spTree>
+    <p:extLst>
+      <p:ext uri="{BB962C8B-B14F-4D97-AF65-F5344CB8AC3E}">
         <p14:creationId xmlns:p14="http://schemas.microsoft.com/office/powerpoint/2010/main" val="3015579558"/>
+      </p:ext>
+    </p:extLst>
+  </p:cSld>
+  <p:clrMapOvr>
+    <a:masterClrMapping/>
+  </p:clrMapOvr>
+</p:notes>
+</file>
+
+<file path=ppt/notesSlides/notesSlide4.xml><?xml version="1.0" encoding="utf-8"?>
+<p:notes xmlns:a="http://schemas.openxmlformats.org/drawingml/2006/main" xmlns:r="http://schemas.openxmlformats.org/officeDocument/2006/relationships" xmlns:p="http://schemas.openxmlformats.org/presentationml/2006/main">
+  <p:cSld>
+    <p:spTree>
+      <p:nvGrpSpPr>
+        <p:cNvPr id="1" name=""/>
+        <p:cNvGrpSpPr/>
+        <p:nvPr/>
+      </p:nvGrpSpPr>
+      <p:grpSpPr>
+        <a:xfrm>
+          <a:off x="0" y="0"/>
+          <a:ext cx="0" cy="0"/>
+          <a:chOff x="0" y="0"/>
+          <a:chExt cx="0" cy="0"/>
+        </a:xfrm>
+      </p:grpSpPr>
+      <p:sp>
+        <p:nvSpPr>
+          <p:cNvPr id="2" name="Slide Image Placeholder 1"/>
+          <p:cNvSpPr>
+            <a:spLocks noGrp="1" noRot="1" noChangeAspect="1"/>
+          </p:cNvSpPr>
+          <p:nvPr>
+            <p:ph type="sldImg"/>
+          </p:nvPr>
+        </p:nvSpPr>
+        <p:spPr/>
+      </p:sp>
+      <p:sp>
+        <p:nvSpPr>
+          <p:cNvPr id="3" name="Notes Placeholder 2"/>
+          <p:cNvSpPr>
+            <a:spLocks noGrp="1"/>
+          </p:cNvSpPr>
+          <p:nvPr>
+            <p:ph type="body" idx="1"/>
+          </p:nvPr>
+        </p:nvSpPr>
+        <p:spPr/>
+        <p:txBody>
+          <a:bodyPr/>
+          <a:lstStyle/>
+          <a:p>
+            <a:endParaRPr lang="en-US" dirty="0"/>
+          </a:p>
+        </p:txBody>
+      </p:sp>
+      <p:sp>
+        <p:nvSpPr>
+          <p:cNvPr id="4" name="Slide Number Placeholder 3"/>
+          <p:cNvSpPr>
+            <a:spLocks noGrp="1"/>
+          </p:cNvSpPr>
+          <p:nvPr>
+            <p:ph type="sldNum" sz="quarter" idx="10"/>
+          </p:nvPr>
+        </p:nvSpPr>
+        <p:spPr/>
+        <p:txBody>
+          <a:bodyPr/>
+          <a:lstStyle/>
+          <a:p>
+            <a:fld id="{0A2C3B37-55FA-284F-9E83-751B4EA6E9B4}" type="slidenum">
+              <a:rPr lang="en-US" smtClean="0"/>
+              <a:t>10</a:t>
+            </a:fld>
+            <a:endParaRPr lang="en-US"/>
+          </a:p>
+        </p:txBody>
+      </p:sp>
+    </p:spTree>
+    <p:extLst>
+      <p:ext uri="{BB962C8B-B14F-4D97-AF65-F5344CB8AC3E}">
+        <p14:creationId xmlns:p14="http://schemas.microsoft.com/office/powerpoint/2010/main" val="4226027197"/>
       </p:ext>
     </p:extLst>
   </p:cSld>
@@ -833,7 +1004,7 @@
             <a:fld id="{DBE77699-C466-4996-ADED-71C8160E04A2}" type="datetimeFigureOut">
               <a:rPr lang="en-US" smtClean="0"/>
               <a:pPr/>
-              <a:t>7/28/20</a:t>
+              <a:t>8/21/20</a:t>
             </a:fld>
             <a:endParaRPr lang="en-US"/>
           </a:p>
@@ -998,7 +1169,7 @@
             <a:fld id="{DBE77699-C466-4996-ADED-71C8160E04A2}" type="datetimeFigureOut">
               <a:rPr lang="en-US" smtClean="0"/>
               <a:pPr/>
-              <a:t>7/28/20</a:t>
+              <a:t>8/21/20</a:t>
             </a:fld>
             <a:endParaRPr lang="en-US"/>
           </a:p>
@@ -1173,7 +1344,7 @@
             <a:fld id="{DBE77699-C466-4996-ADED-71C8160E04A2}" type="datetimeFigureOut">
               <a:rPr lang="en-US" smtClean="0"/>
               <a:pPr/>
-              <a:t>7/28/20</a:t>
+              <a:t>8/21/20</a:t>
             </a:fld>
             <a:endParaRPr lang="en-US"/>
           </a:p>
@@ -1338,7 +1509,7 @@
             <a:fld id="{DBE77699-C466-4996-ADED-71C8160E04A2}" type="datetimeFigureOut">
               <a:rPr lang="en-US" smtClean="0"/>
               <a:pPr/>
-              <a:t>7/28/20</a:t>
+              <a:t>8/21/20</a:t>
             </a:fld>
             <a:endParaRPr lang="en-US"/>
           </a:p>
@@ -1580,7 +1751,7 @@
             <a:fld id="{DBE77699-C466-4996-ADED-71C8160E04A2}" type="datetimeFigureOut">
               <a:rPr lang="en-US" smtClean="0"/>
               <a:pPr/>
-              <a:t>7/28/20</a:t>
+              <a:t>8/21/20</a:t>
             </a:fld>
             <a:endParaRPr lang="en-US"/>
           </a:p>
@@ -1862,7 +2033,7 @@
             <a:fld id="{DBE77699-C466-4996-ADED-71C8160E04A2}" type="datetimeFigureOut">
               <a:rPr lang="en-US" smtClean="0"/>
               <a:pPr/>
-              <a:t>7/28/20</a:t>
+              <a:t>8/21/20</a:t>
             </a:fld>
             <a:endParaRPr lang="en-US"/>
           </a:p>
@@ -2278,7 +2449,7 @@
             <a:fld id="{DBE77699-C466-4996-ADED-71C8160E04A2}" type="datetimeFigureOut">
               <a:rPr lang="en-US" smtClean="0"/>
               <a:pPr/>
-              <a:t>7/28/20</a:t>
+              <a:t>8/21/20</a:t>
             </a:fld>
             <a:endParaRPr lang="en-US"/>
           </a:p>
@@ -2392,7 +2563,7 @@
             <a:fld id="{DBE77699-C466-4996-ADED-71C8160E04A2}" type="datetimeFigureOut">
               <a:rPr lang="en-US" smtClean="0"/>
               <a:pPr/>
-              <a:t>7/28/20</a:t>
+              <a:t>8/21/20</a:t>
             </a:fld>
             <a:endParaRPr lang="en-US"/>
           </a:p>
@@ -2484,7 +2655,7 @@
             <a:fld id="{DBE77699-C466-4996-ADED-71C8160E04A2}" type="datetimeFigureOut">
               <a:rPr lang="en-US" smtClean="0"/>
               <a:pPr/>
-              <a:t>7/28/20</a:t>
+              <a:t>8/21/20</a:t>
             </a:fld>
             <a:endParaRPr lang="en-US"/>
           </a:p>
@@ -2756,7 +2927,7 @@
             <a:fld id="{DBE77699-C466-4996-ADED-71C8160E04A2}" type="datetimeFigureOut">
               <a:rPr lang="en-US" smtClean="0"/>
               <a:pPr/>
-              <a:t>7/28/20</a:t>
+              <a:t>8/21/20</a:t>
             </a:fld>
             <a:endParaRPr lang="en-US"/>
           </a:p>
@@ -3005,7 +3176,7 @@
             <a:fld id="{DBE77699-C466-4996-ADED-71C8160E04A2}" type="datetimeFigureOut">
               <a:rPr lang="en-US" smtClean="0"/>
               <a:pPr/>
-              <a:t>7/28/20</a:t>
+              <a:t>8/21/20</a:t>
             </a:fld>
             <a:endParaRPr lang="en-US"/>
           </a:p>
@@ -3216,7 +3387,7 @@
             <a:fld id="{DBE77699-C466-4996-ADED-71C8160E04A2}" type="datetimeFigureOut">
               <a:rPr lang="en-US" smtClean="0"/>
               <a:pPr/>
-              <a:t>7/28/20</a:t>
+              <a:t>8/21/20</a:t>
             </a:fld>
             <a:endParaRPr lang="en-US"/>
           </a:p>
@@ -4565,6 +4736,891 @@
   <p:clrMapOvr>
     <a:masterClrMapping/>
   </p:clrMapOvr>
+</p:sld>
+</file>
+
+<file path=ppt/slides/slide10.xml><?xml version="1.0" encoding="utf-8"?>
+<p:sld xmlns:a="http://schemas.openxmlformats.org/drawingml/2006/main" xmlns:r="http://schemas.openxmlformats.org/officeDocument/2006/relationships" xmlns:p="http://schemas.openxmlformats.org/presentationml/2006/main">
+  <p:cSld>
+    <p:spTree>
+      <p:nvGrpSpPr>
+        <p:cNvPr id="1" name=""/>
+        <p:cNvGrpSpPr/>
+        <p:nvPr/>
+      </p:nvGrpSpPr>
+      <p:grpSpPr>
+        <a:xfrm>
+          <a:off x="0" y="0"/>
+          <a:ext cx="0" cy="0"/>
+          <a:chOff x="0" y="0"/>
+          <a:chExt cx="0" cy="0"/>
+        </a:xfrm>
+      </p:grpSpPr>
+      <p:sp>
+        <p:nvSpPr>
+          <p:cNvPr id="6" name="TextBox 5"/>
+          <p:cNvSpPr txBox="1"/>
+          <p:nvPr/>
+        </p:nvSpPr>
+        <p:spPr>
+          <a:xfrm>
+            <a:off x="228600" y="152400"/>
+            <a:ext cx="8610600" cy="769441"/>
+          </a:xfrm>
+          <a:prstGeom prst="rect">
+            <a:avLst/>
+          </a:prstGeom>
+          <a:noFill/>
+        </p:spPr>
+        <p:txBody>
+          <a:bodyPr wrap="square" rtlCol="0">
+            <a:spAutoFit/>
+          </a:bodyPr>
+          <a:lstStyle/>
+          <a:p>
+            <a:r>
+              <a:rPr lang="en-US" sz="4400" b="1" dirty="0"/>
+              <a:t>Key Takeaways</a:t>
+            </a:r>
+          </a:p>
+        </p:txBody>
+      </p:sp>
+      <p:grpSp>
+        <p:nvGrpSpPr>
+          <p:cNvPr id="12" name="Group 11">
+            <a:extLst>
+              <a:ext uri="{FF2B5EF4-FFF2-40B4-BE49-F238E27FC236}">
+                <a16:creationId xmlns:a16="http://schemas.microsoft.com/office/drawing/2014/main" id="{9C7293A5-9F6A-4A42-B28F-77E682AEFD25}"/>
+              </a:ext>
+            </a:extLst>
+          </p:cNvPr>
+          <p:cNvGrpSpPr/>
+          <p:nvPr/>
+        </p:nvGrpSpPr>
+        <p:grpSpPr>
+          <a:xfrm>
+            <a:off x="533400" y="2895600"/>
+            <a:ext cx="8001000" cy="685800"/>
+            <a:chOff x="533400" y="2895600"/>
+            <a:chExt cx="8001000" cy="685800"/>
+          </a:xfrm>
+        </p:grpSpPr>
+        <p:sp>
+          <p:nvSpPr>
+            <p:cNvPr id="7" name="Oval 6">
+              <a:extLst>
+                <a:ext uri="{FF2B5EF4-FFF2-40B4-BE49-F238E27FC236}">
+                  <a16:creationId xmlns:a16="http://schemas.microsoft.com/office/drawing/2014/main" id="{536B79E8-7DCE-0445-821B-D0B03DF78CAA}"/>
+                </a:ext>
+              </a:extLst>
+            </p:cNvPr>
+            <p:cNvSpPr/>
+            <p:nvPr/>
+          </p:nvSpPr>
+          <p:spPr>
+            <a:xfrm>
+              <a:off x="533400" y="2895600"/>
+              <a:ext cx="685800" cy="685800"/>
+            </a:xfrm>
+            <a:prstGeom prst="ellipse">
+              <a:avLst/>
+            </a:prstGeom>
+            <a:solidFill>
+              <a:srgbClr val="009EC0"/>
+            </a:solidFill>
+            <a:ln>
+              <a:noFill/>
+            </a:ln>
+          </p:spPr>
+          <p:style>
+            <a:lnRef idx="2">
+              <a:schemeClr val="accent1">
+                <a:shade val="50000"/>
+              </a:schemeClr>
+            </a:lnRef>
+            <a:fillRef idx="1">
+              <a:schemeClr val="accent1"/>
+            </a:fillRef>
+            <a:effectRef idx="0">
+              <a:schemeClr val="accent1"/>
+            </a:effectRef>
+            <a:fontRef idx="minor">
+              <a:schemeClr val="lt1"/>
+            </a:fontRef>
+          </p:style>
+          <p:txBody>
+            <a:bodyPr rtlCol="0" anchor="ctr"/>
+            <a:lstStyle/>
+            <a:p>
+              <a:pPr algn="ctr"/>
+              <a:r>
+                <a:rPr lang="en-US" sz="2800" dirty="0">
+                  <a:solidFill>
+                    <a:schemeClr val="tx1"/>
+                  </a:solidFill>
+                </a:rPr>
+                <a:t>2</a:t>
+              </a:r>
+            </a:p>
+          </p:txBody>
+        </p:sp>
+        <p:sp>
+          <p:nvSpPr>
+            <p:cNvPr id="4" name="Rectangle 3">
+              <a:extLst>
+                <a:ext uri="{FF2B5EF4-FFF2-40B4-BE49-F238E27FC236}">
+                  <a16:creationId xmlns:a16="http://schemas.microsoft.com/office/drawing/2014/main" id="{8330B7FE-A318-9845-8F59-02267667CECB}"/>
+                </a:ext>
+              </a:extLst>
+            </p:cNvPr>
+            <p:cNvSpPr/>
+            <p:nvPr/>
+          </p:nvSpPr>
+          <p:spPr>
+            <a:xfrm>
+              <a:off x="1447800" y="2895600"/>
+              <a:ext cx="7086600" cy="685800"/>
+            </a:xfrm>
+            <a:prstGeom prst="rect">
+              <a:avLst/>
+            </a:prstGeom>
+            <a:noFill/>
+            <a:ln>
+              <a:noFill/>
+            </a:ln>
+          </p:spPr>
+          <p:style>
+            <a:lnRef idx="2">
+              <a:schemeClr val="accent1">
+                <a:shade val="50000"/>
+              </a:schemeClr>
+            </a:lnRef>
+            <a:fillRef idx="1">
+              <a:schemeClr val="accent1"/>
+            </a:fillRef>
+            <a:effectRef idx="0">
+              <a:schemeClr val="accent1"/>
+            </a:effectRef>
+            <a:fontRef idx="minor">
+              <a:schemeClr val="lt1"/>
+            </a:fontRef>
+          </p:style>
+          <p:txBody>
+            <a:bodyPr rtlCol="0" anchor="ctr"/>
+            <a:lstStyle/>
+            <a:p>
+              <a:r>
+                <a:rPr lang="en-US" sz="2400" dirty="0">
+                  <a:solidFill>
+                    <a:schemeClr val="tx1"/>
+                  </a:solidFill>
+                </a:rPr>
+                <a:t>Belief in Jesus is based upon one fact in history: </a:t>
+              </a:r>
+              <a:r>
+                <a:rPr lang="en-US" sz="2400" b="1" dirty="0">
+                  <a:solidFill>
+                    <a:schemeClr val="tx1"/>
+                  </a:solidFill>
+                  <a:highlight>
+                    <a:srgbClr val="C00002"/>
+                  </a:highlight>
+                </a:rPr>
+                <a:t>Jesus’ resurrection</a:t>
+              </a:r>
+            </a:p>
+          </p:txBody>
+        </p:sp>
+      </p:grpSp>
+      <p:grpSp>
+        <p:nvGrpSpPr>
+          <p:cNvPr id="9" name="Group 8">
+            <a:extLst>
+              <a:ext uri="{FF2B5EF4-FFF2-40B4-BE49-F238E27FC236}">
+                <a16:creationId xmlns:a16="http://schemas.microsoft.com/office/drawing/2014/main" id="{55676BE1-B42E-AD44-9DD5-FF20BEB47F36}"/>
+              </a:ext>
+            </a:extLst>
+          </p:cNvPr>
+          <p:cNvGrpSpPr/>
+          <p:nvPr/>
+        </p:nvGrpSpPr>
+        <p:grpSpPr>
+          <a:xfrm>
+            <a:off x="533400" y="1833265"/>
+            <a:ext cx="8001000" cy="685800"/>
+            <a:chOff x="533400" y="1833265"/>
+            <a:chExt cx="8001000" cy="685800"/>
+          </a:xfrm>
+        </p:grpSpPr>
+        <p:sp>
+          <p:nvSpPr>
+            <p:cNvPr id="2" name="Oval 1">
+              <a:extLst>
+                <a:ext uri="{FF2B5EF4-FFF2-40B4-BE49-F238E27FC236}">
+                  <a16:creationId xmlns:a16="http://schemas.microsoft.com/office/drawing/2014/main" id="{876D5A54-0C8D-804B-88A0-6609A2C1405C}"/>
+                </a:ext>
+              </a:extLst>
+            </p:cNvPr>
+            <p:cNvSpPr/>
+            <p:nvPr/>
+          </p:nvSpPr>
+          <p:spPr>
+            <a:xfrm>
+              <a:off x="533400" y="1833265"/>
+              <a:ext cx="685800" cy="685800"/>
+            </a:xfrm>
+            <a:prstGeom prst="ellipse">
+              <a:avLst/>
+            </a:prstGeom>
+            <a:solidFill>
+              <a:srgbClr val="009EC0"/>
+            </a:solidFill>
+            <a:ln>
+              <a:noFill/>
+            </a:ln>
+          </p:spPr>
+          <p:style>
+            <a:lnRef idx="2">
+              <a:schemeClr val="accent1">
+                <a:shade val="50000"/>
+              </a:schemeClr>
+            </a:lnRef>
+            <a:fillRef idx="1">
+              <a:schemeClr val="accent1"/>
+            </a:fillRef>
+            <a:effectRef idx="0">
+              <a:schemeClr val="accent1"/>
+            </a:effectRef>
+            <a:fontRef idx="minor">
+              <a:schemeClr val="lt1"/>
+            </a:fontRef>
+          </p:style>
+          <p:txBody>
+            <a:bodyPr rtlCol="0" anchor="ctr"/>
+            <a:lstStyle/>
+            <a:p>
+              <a:pPr algn="ctr"/>
+              <a:r>
+                <a:rPr lang="en-US" sz="2800" dirty="0">
+                  <a:solidFill>
+                    <a:schemeClr val="tx1"/>
+                  </a:solidFill>
+                </a:rPr>
+                <a:t>1</a:t>
+              </a:r>
+            </a:p>
+          </p:txBody>
+        </p:sp>
+        <p:sp>
+          <p:nvSpPr>
+            <p:cNvPr id="10" name="Rectangle 9">
+              <a:extLst>
+                <a:ext uri="{FF2B5EF4-FFF2-40B4-BE49-F238E27FC236}">
+                  <a16:creationId xmlns:a16="http://schemas.microsoft.com/office/drawing/2014/main" id="{312C2DC5-5653-DC4B-98A2-76A0B8F08883}"/>
+                </a:ext>
+              </a:extLst>
+            </p:cNvPr>
+            <p:cNvSpPr/>
+            <p:nvPr/>
+          </p:nvSpPr>
+          <p:spPr>
+            <a:xfrm>
+              <a:off x="1447800" y="1833265"/>
+              <a:ext cx="7086600" cy="685800"/>
+            </a:xfrm>
+            <a:prstGeom prst="rect">
+              <a:avLst/>
+            </a:prstGeom>
+            <a:noFill/>
+            <a:ln>
+              <a:noFill/>
+            </a:ln>
+          </p:spPr>
+          <p:style>
+            <a:lnRef idx="2">
+              <a:schemeClr val="accent1">
+                <a:shade val="50000"/>
+              </a:schemeClr>
+            </a:lnRef>
+            <a:fillRef idx="1">
+              <a:schemeClr val="accent1"/>
+            </a:fillRef>
+            <a:effectRef idx="0">
+              <a:schemeClr val="accent1"/>
+            </a:effectRef>
+            <a:fontRef idx="minor">
+              <a:schemeClr val="lt1"/>
+            </a:fontRef>
+          </p:style>
+          <p:txBody>
+            <a:bodyPr rtlCol="0" anchor="ctr"/>
+            <a:lstStyle/>
+            <a:p>
+              <a:r>
+                <a:rPr lang="en-US" sz="2400" b="1" dirty="0">
+                  <a:solidFill>
+                    <a:schemeClr val="tx1"/>
+                  </a:solidFill>
+                  <a:highlight>
+                    <a:srgbClr val="C00002"/>
+                  </a:highlight>
+                </a:rPr>
+                <a:t>The approach we use is important;</a:t>
+              </a:r>
+              <a:r>
+                <a:rPr lang="en-US" sz="2400" dirty="0">
+                  <a:solidFill>
+                    <a:schemeClr val="tx1"/>
+                  </a:solidFill>
+                </a:rPr>
+                <a:t> probably more than the arguments we use</a:t>
+              </a:r>
+            </a:p>
+          </p:txBody>
+        </p:sp>
+      </p:grpSp>
+      <p:grpSp>
+        <p:nvGrpSpPr>
+          <p:cNvPr id="14" name="Group 13">
+            <a:extLst>
+              <a:ext uri="{FF2B5EF4-FFF2-40B4-BE49-F238E27FC236}">
+                <a16:creationId xmlns:a16="http://schemas.microsoft.com/office/drawing/2014/main" id="{F0A87E3B-646D-1E41-9334-E8ECC604DF38}"/>
+              </a:ext>
+            </a:extLst>
+          </p:cNvPr>
+          <p:cNvGrpSpPr/>
+          <p:nvPr/>
+        </p:nvGrpSpPr>
+        <p:grpSpPr>
+          <a:xfrm>
+            <a:off x="533400" y="3957934"/>
+            <a:ext cx="8001000" cy="1680866"/>
+            <a:chOff x="533400" y="2895599"/>
+            <a:chExt cx="8001000" cy="1680866"/>
+          </a:xfrm>
+        </p:grpSpPr>
+        <p:sp>
+          <p:nvSpPr>
+            <p:cNvPr id="15" name="Oval 14">
+              <a:extLst>
+                <a:ext uri="{FF2B5EF4-FFF2-40B4-BE49-F238E27FC236}">
+                  <a16:creationId xmlns:a16="http://schemas.microsoft.com/office/drawing/2014/main" id="{602F0422-D845-1E4E-A7C5-B2069A212A2E}"/>
+                </a:ext>
+              </a:extLst>
+            </p:cNvPr>
+            <p:cNvSpPr/>
+            <p:nvPr/>
+          </p:nvSpPr>
+          <p:spPr>
+            <a:xfrm>
+              <a:off x="533400" y="2895600"/>
+              <a:ext cx="685800" cy="685800"/>
+            </a:xfrm>
+            <a:prstGeom prst="ellipse">
+              <a:avLst/>
+            </a:prstGeom>
+            <a:solidFill>
+              <a:srgbClr val="009EC0"/>
+            </a:solidFill>
+            <a:ln>
+              <a:noFill/>
+            </a:ln>
+          </p:spPr>
+          <p:style>
+            <a:lnRef idx="2">
+              <a:schemeClr val="accent1">
+                <a:shade val="50000"/>
+              </a:schemeClr>
+            </a:lnRef>
+            <a:fillRef idx="1">
+              <a:schemeClr val="accent1"/>
+            </a:fillRef>
+            <a:effectRef idx="0">
+              <a:schemeClr val="accent1"/>
+            </a:effectRef>
+            <a:fontRef idx="minor">
+              <a:schemeClr val="lt1"/>
+            </a:fontRef>
+          </p:style>
+          <p:txBody>
+            <a:bodyPr rtlCol="0" anchor="ctr"/>
+            <a:lstStyle/>
+            <a:p>
+              <a:pPr algn="ctr"/>
+              <a:r>
+                <a:rPr lang="en-US" sz="2800" dirty="0">
+                  <a:solidFill>
+                    <a:schemeClr val="tx1"/>
+                  </a:solidFill>
+                </a:rPr>
+                <a:t>3</a:t>
+              </a:r>
+            </a:p>
+          </p:txBody>
+        </p:sp>
+        <p:sp>
+          <p:nvSpPr>
+            <p:cNvPr id="16" name="Rectangle 15">
+              <a:extLst>
+                <a:ext uri="{FF2B5EF4-FFF2-40B4-BE49-F238E27FC236}">
+                  <a16:creationId xmlns:a16="http://schemas.microsoft.com/office/drawing/2014/main" id="{93230A02-C278-BF4F-B7D5-75C53BF2251C}"/>
+                </a:ext>
+              </a:extLst>
+            </p:cNvPr>
+            <p:cNvSpPr/>
+            <p:nvPr/>
+          </p:nvSpPr>
+          <p:spPr>
+            <a:xfrm>
+              <a:off x="1447800" y="2895599"/>
+              <a:ext cx="7086600" cy="1680866"/>
+            </a:xfrm>
+            <a:prstGeom prst="rect">
+              <a:avLst/>
+            </a:prstGeom>
+            <a:noFill/>
+            <a:ln>
+              <a:noFill/>
+            </a:ln>
+          </p:spPr>
+          <p:style>
+            <a:lnRef idx="2">
+              <a:schemeClr val="accent1">
+                <a:shade val="50000"/>
+              </a:schemeClr>
+            </a:lnRef>
+            <a:fillRef idx="1">
+              <a:schemeClr val="accent1"/>
+            </a:fillRef>
+            <a:effectRef idx="0">
+              <a:schemeClr val="accent1"/>
+            </a:effectRef>
+            <a:fontRef idx="minor">
+              <a:schemeClr val="lt1"/>
+            </a:fontRef>
+          </p:style>
+          <p:txBody>
+            <a:bodyPr rtlCol="0" anchor="ctr"/>
+            <a:lstStyle/>
+            <a:p>
+              <a:r>
+                <a:rPr lang="en-US" sz="2400" dirty="0">
+                  <a:solidFill>
+                    <a:schemeClr val="tx1"/>
+                  </a:solidFill>
+                </a:rPr>
+                <a:t>The resurrection can be supported by </a:t>
+              </a:r>
+              <a:r>
+                <a:rPr lang="en-US" sz="2400" b="1" dirty="0">
+                  <a:solidFill>
+                    <a:schemeClr val="tx1"/>
+                  </a:solidFill>
+                  <a:highlight>
+                    <a:srgbClr val="C00002"/>
+                  </a:highlight>
+                </a:rPr>
+                <a:t>four facts</a:t>
+              </a:r>
+              <a:r>
+                <a:rPr lang="en-US" sz="2400" dirty="0">
+                  <a:solidFill>
+                    <a:schemeClr val="tx1"/>
+                  </a:solidFill>
+                </a:rPr>
+                <a:t>:</a:t>
+              </a:r>
+              <a:br>
+                <a:rPr lang="en-US" sz="2400" dirty="0">
+                  <a:solidFill>
+                    <a:schemeClr val="tx1"/>
+                  </a:solidFill>
+                </a:rPr>
+              </a:br>
+              <a:r>
+                <a:rPr lang="en-US" sz="2400" dirty="0">
+                  <a:solidFill>
+                    <a:schemeClr val="tx1"/>
+                  </a:solidFill>
+                </a:rPr>
+                <a:t>1. Jesus was crucified</a:t>
+              </a:r>
+            </a:p>
+            <a:p>
+              <a:r>
+                <a:rPr lang="en-US" sz="2400" dirty="0">
+                  <a:solidFill>
+                    <a:schemeClr val="tx1"/>
+                  </a:solidFill>
+                </a:rPr>
+                <a:t>2. Jesus’ disciples believed he resurrected</a:t>
+              </a:r>
+            </a:p>
+            <a:p>
+              <a:r>
+                <a:rPr lang="en-US" sz="2400" dirty="0">
+                  <a:solidFill>
+                    <a:schemeClr val="tx1"/>
+                  </a:solidFill>
+                </a:rPr>
+                <a:t>3. Early skeptics (Paul, James) became believers</a:t>
+              </a:r>
+            </a:p>
+            <a:p>
+              <a:r>
+                <a:rPr lang="en-US" sz="2400" dirty="0">
+                  <a:solidFill>
+                    <a:schemeClr val="tx1"/>
+                  </a:solidFill>
+                </a:rPr>
+                <a:t>4. The tomb was empty</a:t>
+              </a:r>
+            </a:p>
+          </p:txBody>
+        </p:sp>
+      </p:grpSp>
+      <p:cxnSp>
+        <p:nvCxnSpPr>
+          <p:cNvPr id="8" name="Straight Connector 7">
+            <a:extLst>
+              <a:ext uri="{FF2B5EF4-FFF2-40B4-BE49-F238E27FC236}">
+                <a16:creationId xmlns:a16="http://schemas.microsoft.com/office/drawing/2014/main" id="{B1CE1C68-C736-2F42-AD3D-29FCB9A69CAD}"/>
+              </a:ext>
+            </a:extLst>
+          </p:cNvPr>
+          <p:cNvCxnSpPr>
+            <a:cxnSpLocks/>
+          </p:cNvCxnSpPr>
+          <p:nvPr/>
+        </p:nvCxnSpPr>
+        <p:spPr>
+          <a:xfrm>
+            <a:off x="304800" y="1066800"/>
+            <a:ext cx="8534400" cy="0"/>
+          </a:xfrm>
+          <a:prstGeom prst="line">
+            <a:avLst/>
+          </a:prstGeom>
+          <a:ln w="76200">
+            <a:solidFill>
+              <a:srgbClr val="009EC0"/>
+            </a:solidFill>
+          </a:ln>
+        </p:spPr>
+        <p:style>
+          <a:lnRef idx="1">
+            <a:schemeClr val="dk1"/>
+          </a:lnRef>
+          <a:fillRef idx="0">
+            <a:schemeClr val="dk1"/>
+          </a:fillRef>
+          <a:effectRef idx="0">
+            <a:schemeClr val="dk1"/>
+          </a:effectRef>
+          <a:fontRef idx="minor">
+            <a:schemeClr val="tx1"/>
+          </a:fontRef>
+        </p:style>
+      </p:cxnSp>
+    </p:spTree>
+    <p:extLst>
+      <p:ext uri="{BB962C8B-B14F-4D97-AF65-F5344CB8AC3E}">
+        <p14:creationId xmlns:p14="http://schemas.microsoft.com/office/powerpoint/2010/main" val="232170547"/>
+      </p:ext>
+    </p:extLst>
+  </p:cSld>
+  <p:clrMapOvr>
+    <a:masterClrMapping/>
+  </p:clrMapOvr>
+  <p:timing>
+    <p:tnLst>
+      <p:par>
+        <p:cTn id="1" dur="indefinite" restart="never" nodeType="tmRoot">
+          <p:childTnLst>
+            <p:seq concurrent="1" nextAc="seek">
+              <p:cTn id="2" dur="indefinite" nodeType="mainSeq">
+                <p:childTnLst>
+                  <p:par>
+                    <p:cTn id="3" fill="hold">
+                      <p:stCondLst>
+                        <p:cond delay="indefinite"/>
+                      </p:stCondLst>
+                      <p:childTnLst>
+                        <p:par>
+                          <p:cTn id="4" fill="hold">
+                            <p:stCondLst>
+                              <p:cond delay="0"/>
+                            </p:stCondLst>
+                            <p:childTnLst>
+                              <p:par>
+                                <p:cTn id="5" presetID="10" presetClass="entr" presetSubtype="0" fill="hold" grpId="0" nodeType="clickEffect">
+                                  <p:stCondLst>
+                                    <p:cond delay="0"/>
+                                  </p:stCondLst>
+                                  <p:childTnLst>
+                                    <p:set>
+                                      <p:cBhvr>
+                                        <p:cTn id="6" dur="1" fill="hold">
+                                          <p:stCondLst>
+                                            <p:cond delay="0"/>
+                                          </p:stCondLst>
+                                        </p:cTn>
+                                        <p:tgtEl>
+                                          <p:spTgt spid="6"/>
+                                        </p:tgtEl>
+                                        <p:attrNameLst>
+                                          <p:attrName>style.visibility</p:attrName>
+                                        </p:attrNameLst>
+                                      </p:cBhvr>
+                                      <p:to>
+                                        <p:strVal val="visible"/>
+                                      </p:to>
+                                    </p:set>
+                                    <p:animEffect transition="in" filter="fade">
+                                      <p:cBhvr>
+                                        <p:cTn id="7" dur="250"/>
+                                        <p:tgtEl>
+                                          <p:spTgt spid="6"/>
+                                        </p:tgtEl>
+                                      </p:cBhvr>
+                                    </p:animEffect>
+                                  </p:childTnLst>
+                                </p:cTn>
+                              </p:par>
+                            </p:childTnLst>
+                          </p:cTn>
+                        </p:par>
+                        <p:par>
+                          <p:cTn id="8" fill="hold">
+                            <p:stCondLst>
+                              <p:cond delay="250"/>
+                            </p:stCondLst>
+                            <p:childTnLst>
+                              <p:par>
+                                <p:cTn id="9" presetID="10" presetClass="entr" presetSubtype="0" fill="hold" nodeType="afterEffect">
+                                  <p:stCondLst>
+                                    <p:cond delay="0"/>
+                                  </p:stCondLst>
+                                  <p:childTnLst>
+                                    <p:set>
+                                      <p:cBhvr>
+                                        <p:cTn id="10" dur="1" fill="hold">
+                                          <p:stCondLst>
+                                            <p:cond delay="0"/>
+                                          </p:stCondLst>
+                                        </p:cTn>
+                                        <p:tgtEl>
+                                          <p:spTgt spid="8"/>
+                                        </p:tgtEl>
+                                        <p:attrNameLst>
+                                          <p:attrName>style.visibility</p:attrName>
+                                        </p:attrNameLst>
+                                      </p:cBhvr>
+                                      <p:to>
+                                        <p:strVal val="visible"/>
+                                      </p:to>
+                                    </p:set>
+                                    <p:animEffect transition="in" filter="fade">
+                                      <p:cBhvr>
+                                        <p:cTn id="11" dur="250"/>
+                                        <p:tgtEl>
+                                          <p:spTgt spid="8"/>
+                                        </p:tgtEl>
+                                      </p:cBhvr>
+                                    </p:animEffect>
+                                  </p:childTnLst>
+                                </p:cTn>
+                              </p:par>
+                            </p:childTnLst>
+                          </p:cTn>
+                        </p:par>
+                      </p:childTnLst>
+                    </p:cTn>
+                  </p:par>
+                  <p:par>
+                    <p:cTn id="12" fill="hold">
+                      <p:stCondLst>
+                        <p:cond delay="indefinite"/>
+                      </p:stCondLst>
+                      <p:childTnLst>
+                        <p:par>
+                          <p:cTn id="13" fill="hold">
+                            <p:stCondLst>
+                              <p:cond delay="0"/>
+                            </p:stCondLst>
+                            <p:childTnLst>
+                              <p:par>
+                                <p:cTn id="14" presetID="10" presetClass="entr" presetSubtype="0" fill="hold" nodeType="clickEffect">
+                                  <p:stCondLst>
+                                    <p:cond delay="0"/>
+                                  </p:stCondLst>
+                                  <p:childTnLst>
+                                    <p:set>
+                                      <p:cBhvr>
+                                        <p:cTn id="15" dur="1" fill="hold">
+                                          <p:stCondLst>
+                                            <p:cond delay="0"/>
+                                          </p:stCondLst>
+                                        </p:cTn>
+                                        <p:tgtEl>
+                                          <p:spTgt spid="9"/>
+                                        </p:tgtEl>
+                                        <p:attrNameLst>
+                                          <p:attrName>style.visibility</p:attrName>
+                                        </p:attrNameLst>
+                                      </p:cBhvr>
+                                      <p:to>
+                                        <p:strVal val="visible"/>
+                                      </p:to>
+                                    </p:set>
+                                    <p:animEffect transition="in" filter="fade">
+                                      <p:cBhvr>
+                                        <p:cTn id="16" dur="250"/>
+                                        <p:tgtEl>
+                                          <p:spTgt spid="9"/>
+                                        </p:tgtEl>
+                                      </p:cBhvr>
+                                    </p:animEffect>
+                                  </p:childTnLst>
+                                </p:cTn>
+                              </p:par>
+                            </p:childTnLst>
+                          </p:cTn>
+                        </p:par>
+                      </p:childTnLst>
+                    </p:cTn>
+                  </p:par>
+                  <p:par>
+                    <p:cTn id="17" fill="hold">
+                      <p:stCondLst>
+                        <p:cond delay="indefinite"/>
+                      </p:stCondLst>
+                      <p:childTnLst>
+                        <p:par>
+                          <p:cTn id="18" fill="hold">
+                            <p:stCondLst>
+                              <p:cond delay="0"/>
+                            </p:stCondLst>
+                            <p:childTnLst>
+                              <p:par>
+                                <p:cTn id="19" presetID="10" presetClass="entr" presetSubtype="0" fill="hold" nodeType="clickEffect">
+                                  <p:stCondLst>
+                                    <p:cond delay="0"/>
+                                  </p:stCondLst>
+                                  <p:childTnLst>
+                                    <p:set>
+                                      <p:cBhvr>
+                                        <p:cTn id="20" dur="1" fill="hold">
+                                          <p:stCondLst>
+                                            <p:cond delay="0"/>
+                                          </p:stCondLst>
+                                        </p:cTn>
+                                        <p:tgtEl>
+                                          <p:spTgt spid="12"/>
+                                        </p:tgtEl>
+                                        <p:attrNameLst>
+                                          <p:attrName>style.visibility</p:attrName>
+                                        </p:attrNameLst>
+                                      </p:cBhvr>
+                                      <p:to>
+                                        <p:strVal val="visible"/>
+                                      </p:to>
+                                    </p:set>
+                                    <p:animEffect transition="in" filter="fade">
+                                      <p:cBhvr>
+                                        <p:cTn id="21" dur="250"/>
+                                        <p:tgtEl>
+                                          <p:spTgt spid="12"/>
+                                        </p:tgtEl>
+                                      </p:cBhvr>
+                                    </p:animEffect>
+                                  </p:childTnLst>
+                                </p:cTn>
+                              </p:par>
+                            </p:childTnLst>
+                          </p:cTn>
+                        </p:par>
+                      </p:childTnLst>
+                    </p:cTn>
+                  </p:par>
+                  <p:par>
+                    <p:cTn id="22" fill="hold">
+                      <p:stCondLst>
+                        <p:cond delay="indefinite"/>
+                      </p:stCondLst>
+                      <p:childTnLst>
+                        <p:par>
+                          <p:cTn id="23" fill="hold">
+                            <p:stCondLst>
+                              <p:cond delay="0"/>
+                            </p:stCondLst>
+                            <p:childTnLst>
+                              <p:par>
+                                <p:cTn id="24" presetID="10" presetClass="entr" presetSubtype="0" fill="hold" nodeType="clickEffect">
+                                  <p:stCondLst>
+                                    <p:cond delay="0"/>
+                                  </p:stCondLst>
+                                  <p:childTnLst>
+                                    <p:set>
+                                      <p:cBhvr>
+                                        <p:cTn id="25" dur="1" fill="hold">
+                                          <p:stCondLst>
+                                            <p:cond delay="0"/>
+                                          </p:stCondLst>
+                                        </p:cTn>
+                                        <p:tgtEl>
+                                          <p:spTgt spid="14"/>
+                                        </p:tgtEl>
+                                        <p:attrNameLst>
+                                          <p:attrName>style.visibility</p:attrName>
+                                        </p:attrNameLst>
+                                      </p:cBhvr>
+                                      <p:to>
+                                        <p:strVal val="visible"/>
+                                      </p:to>
+                                    </p:set>
+                                    <p:animEffect transition="in" filter="fade">
+                                      <p:cBhvr>
+                                        <p:cTn id="26" dur="250"/>
+                                        <p:tgtEl>
+                                          <p:spTgt spid="14"/>
+                                        </p:tgtEl>
+                                      </p:cBhvr>
+                                    </p:animEffect>
+                                  </p:childTnLst>
+                                </p:cTn>
+                              </p:par>
+                            </p:childTnLst>
+                          </p:cTn>
+                        </p:par>
+                      </p:childTnLst>
+                    </p:cTn>
+                  </p:par>
+                </p:childTnLst>
+              </p:cTn>
+              <p:prevCondLst>
+                <p:cond evt="onPrev" delay="0">
+                  <p:tgtEl>
+                    <p:sldTgt/>
+                  </p:tgtEl>
+                </p:cond>
+              </p:prevCondLst>
+              <p:nextCondLst>
+                <p:cond evt="onNext" delay="0">
+                  <p:tgtEl>
+                    <p:sldTgt/>
+                  </p:tgtEl>
+                </p:cond>
+              </p:nextCondLst>
+            </p:seq>
+          </p:childTnLst>
+        </p:cTn>
+      </p:par>
+    </p:tnLst>
+    <p:bldLst>
+      <p:bldP spid="6" grpId="0"/>
+    </p:bldLst>
+  </p:timing>
 </p:sld>
 </file>
 
@@ -5848,24 +6904,6 @@
                                   </p:childTnLst>
                                 </p:cTn>
                               </p:par>
-                              <p:par>
-                                <p:cTn id="31" presetID="6" presetClass="emph" presetSubtype="0" accel="50000" decel="50000" fill="hold" nodeType="withEffect">
-                                  <p:stCondLst>
-                                    <p:cond delay="0"/>
-                                  </p:stCondLst>
-                                  <p:childTnLst>
-                                    <p:animScale>
-                                      <p:cBhvr>
-                                        <p:cTn id="32" dur="45000" fill="hold"/>
-                                        <p:tgtEl>
-                                          <p:spTgt spid="12"/>
-                                        </p:tgtEl>
-                                      </p:cBhvr>
-                                      <p:by x="115000" y="115000"/>
-                                    </p:animScale>
-                                  </p:childTnLst>
-                                </p:cTn>
-                              </p:par>
                             </p:childTnLst>
                           </p:cTn>
                         </p:par>
@@ -5908,6 +6946,654 @@
 </file>
 
 <file path=ppt/slides/slide7.xml><?xml version="1.0" encoding="utf-8"?>
+<p:sld xmlns:a="http://schemas.openxmlformats.org/drawingml/2006/main" xmlns:r="http://schemas.openxmlformats.org/officeDocument/2006/relationships" xmlns:p="http://schemas.openxmlformats.org/presentationml/2006/main">
+  <p:cSld>
+    <p:spTree>
+      <p:nvGrpSpPr>
+        <p:cNvPr id="1" name=""/>
+        <p:cNvGrpSpPr/>
+        <p:nvPr/>
+      </p:nvGrpSpPr>
+      <p:grpSpPr>
+        <a:xfrm>
+          <a:off x="0" y="0"/>
+          <a:ext cx="0" cy="0"/>
+          <a:chOff x="0" y="0"/>
+          <a:chExt cx="0" cy="0"/>
+        </a:xfrm>
+      </p:grpSpPr>
+      <p:sp>
+        <p:nvSpPr>
+          <p:cNvPr id="6" name="TextBox 5"/>
+          <p:cNvSpPr txBox="1"/>
+          <p:nvPr/>
+        </p:nvSpPr>
+        <p:spPr>
+          <a:xfrm>
+            <a:off x="228600" y="152400"/>
+            <a:ext cx="8610600" cy="769441"/>
+          </a:xfrm>
+          <a:prstGeom prst="rect">
+            <a:avLst/>
+          </a:prstGeom>
+          <a:noFill/>
+        </p:spPr>
+        <p:txBody>
+          <a:bodyPr wrap="square" rtlCol="0">
+            <a:spAutoFit/>
+          </a:bodyPr>
+          <a:lstStyle/>
+          <a:p>
+            <a:r>
+              <a:rPr lang="en-US" sz="4400" b="1" dirty="0"/>
+              <a:t>Main facts</a:t>
+            </a:r>
+          </a:p>
+        </p:txBody>
+      </p:sp>
+      <p:grpSp>
+        <p:nvGrpSpPr>
+          <p:cNvPr id="12" name="Group 11">
+            <a:extLst>
+              <a:ext uri="{FF2B5EF4-FFF2-40B4-BE49-F238E27FC236}">
+                <a16:creationId xmlns:a16="http://schemas.microsoft.com/office/drawing/2014/main" id="{9C7293A5-9F6A-4A42-B28F-77E682AEFD25}"/>
+              </a:ext>
+            </a:extLst>
+          </p:cNvPr>
+          <p:cNvGrpSpPr/>
+          <p:nvPr/>
+        </p:nvGrpSpPr>
+        <p:grpSpPr>
+          <a:xfrm>
+            <a:off x="533400" y="3581400"/>
+            <a:ext cx="8001000" cy="762000"/>
+            <a:chOff x="533400" y="2895600"/>
+            <a:chExt cx="8001000" cy="762000"/>
+          </a:xfrm>
+        </p:grpSpPr>
+        <p:sp>
+          <p:nvSpPr>
+            <p:cNvPr id="7" name="Oval 6">
+              <a:extLst>
+                <a:ext uri="{FF2B5EF4-FFF2-40B4-BE49-F238E27FC236}">
+                  <a16:creationId xmlns:a16="http://schemas.microsoft.com/office/drawing/2014/main" id="{536B79E8-7DCE-0445-821B-D0B03DF78CAA}"/>
+                </a:ext>
+              </a:extLst>
+            </p:cNvPr>
+            <p:cNvSpPr/>
+            <p:nvPr/>
+          </p:nvSpPr>
+          <p:spPr>
+            <a:xfrm>
+              <a:off x="533400" y="2895600"/>
+              <a:ext cx="762000" cy="762000"/>
+            </a:xfrm>
+            <a:prstGeom prst="ellipse">
+              <a:avLst/>
+            </a:prstGeom>
+            <a:solidFill>
+              <a:srgbClr val="009EC0"/>
+            </a:solidFill>
+            <a:ln>
+              <a:noFill/>
+            </a:ln>
+          </p:spPr>
+          <p:style>
+            <a:lnRef idx="2">
+              <a:schemeClr val="accent1">
+                <a:shade val="50000"/>
+              </a:schemeClr>
+            </a:lnRef>
+            <a:fillRef idx="1">
+              <a:schemeClr val="accent1"/>
+            </a:fillRef>
+            <a:effectRef idx="0">
+              <a:schemeClr val="accent1"/>
+            </a:effectRef>
+            <a:fontRef idx="minor">
+              <a:schemeClr val="lt1"/>
+            </a:fontRef>
+          </p:style>
+          <p:txBody>
+            <a:bodyPr rtlCol="0" anchor="ctr"/>
+            <a:lstStyle/>
+            <a:p>
+              <a:pPr algn="ctr"/>
+              <a:r>
+                <a:rPr lang="en-US" sz="4400" dirty="0">
+                  <a:solidFill>
+                    <a:schemeClr val="tx1"/>
+                  </a:solidFill>
+                </a:rPr>
+                <a:t>2</a:t>
+              </a:r>
+            </a:p>
+          </p:txBody>
+        </p:sp>
+        <p:sp>
+          <p:nvSpPr>
+            <p:cNvPr id="4" name="Rectangle 3">
+              <a:extLst>
+                <a:ext uri="{FF2B5EF4-FFF2-40B4-BE49-F238E27FC236}">
+                  <a16:creationId xmlns:a16="http://schemas.microsoft.com/office/drawing/2014/main" id="{8330B7FE-A318-9845-8F59-02267667CECB}"/>
+                </a:ext>
+              </a:extLst>
+            </p:cNvPr>
+            <p:cNvSpPr/>
+            <p:nvPr/>
+          </p:nvSpPr>
+          <p:spPr>
+            <a:xfrm>
+              <a:off x="1447800" y="2895600"/>
+              <a:ext cx="7086600" cy="685800"/>
+            </a:xfrm>
+            <a:prstGeom prst="rect">
+              <a:avLst/>
+            </a:prstGeom>
+            <a:noFill/>
+            <a:ln>
+              <a:noFill/>
+            </a:ln>
+          </p:spPr>
+          <p:style>
+            <a:lnRef idx="2">
+              <a:schemeClr val="accent1">
+                <a:shade val="50000"/>
+              </a:schemeClr>
+            </a:lnRef>
+            <a:fillRef idx="1">
+              <a:schemeClr val="accent1"/>
+            </a:fillRef>
+            <a:effectRef idx="0">
+              <a:schemeClr val="accent1"/>
+            </a:effectRef>
+            <a:fontRef idx="minor">
+              <a:schemeClr val="lt1"/>
+            </a:fontRef>
+          </p:style>
+          <p:txBody>
+            <a:bodyPr rtlCol="0" anchor="ctr"/>
+            <a:lstStyle/>
+            <a:p>
+              <a:r>
+                <a:rPr lang="en-US" sz="3600" dirty="0">
+                  <a:solidFill>
+                    <a:schemeClr val="tx1"/>
+                  </a:solidFill>
+                </a:rPr>
+                <a:t>The New Testament came from </a:t>
+              </a:r>
+              <a:r>
+                <a:rPr lang="en-US" sz="3600" b="1" dirty="0">
+                  <a:solidFill>
+                    <a:schemeClr val="tx1"/>
+                  </a:solidFill>
+                  <a:highlight>
+                    <a:srgbClr val="C00002"/>
+                  </a:highlight>
+                </a:rPr>
+                <a:t>eyewitnesses</a:t>
+              </a:r>
+              <a:endParaRPr lang="en-US" sz="3600" dirty="0">
+                <a:solidFill>
+                  <a:schemeClr val="tx1"/>
+                </a:solidFill>
+                <a:highlight>
+                  <a:srgbClr val="C00002"/>
+                </a:highlight>
+              </a:endParaRPr>
+            </a:p>
+          </p:txBody>
+        </p:sp>
+      </p:grpSp>
+      <p:grpSp>
+        <p:nvGrpSpPr>
+          <p:cNvPr id="9" name="Group 8">
+            <a:extLst>
+              <a:ext uri="{FF2B5EF4-FFF2-40B4-BE49-F238E27FC236}">
+                <a16:creationId xmlns:a16="http://schemas.microsoft.com/office/drawing/2014/main" id="{55676BE1-B42E-AD44-9DD5-FF20BEB47F36}"/>
+              </a:ext>
+            </a:extLst>
+          </p:cNvPr>
+          <p:cNvGrpSpPr/>
+          <p:nvPr/>
+        </p:nvGrpSpPr>
+        <p:grpSpPr>
+          <a:xfrm>
+            <a:off x="533400" y="1833265"/>
+            <a:ext cx="8001000" cy="762000"/>
+            <a:chOff x="533400" y="1833265"/>
+            <a:chExt cx="8001000" cy="762000"/>
+          </a:xfrm>
+        </p:grpSpPr>
+        <p:sp>
+          <p:nvSpPr>
+            <p:cNvPr id="2" name="Oval 1">
+              <a:extLst>
+                <a:ext uri="{FF2B5EF4-FFF2-40B4-BE49-F238E27FC236}">
+                  <a16:creationId xmlns:a16="http://schemas.microsoft.com/office/drawing/2014/main" id="{876D5A54-0C8D-804B-88A0-6609A2C1405C}"/>
+                </a:ext>
+              </a:extLst>
+            </p:cNvPr>
+            <p:cNvSpPr/>
+            <p:nvPr/>
+          </p:nvSpPr>
+          <p:spPr>
+            <a:xfrm>
+              <a:off x="533400" y="1833265"/>
+              <a:ext cx="762000" cy="762000"/>
+            </a:xfrm>
+            <a:prstGeom prst="ellipse">
+              <a:avLst/>
+            </a:prstGeom>
+            <a:solidFill>
+              <a:srgbClr val="009EC0"/>
+            </a:solidFill>
+            <a:ln>
+              <a:noFill/>
+            </a:ln>
+          </p:spPr>
+          <p:style>
+            <a:lnRef idx="2">
+              <a:schemeClr val="accent1">
+                <a:shade val="50000"/>
+              </a:schemeClr>
+            </a:lnRef>
+            <a:fillRef idx="1">
+              <a:schemeClr val="accent1"/>
+            </a:fillRef>
+            <a:effectRef idx="0">
+              <a:schemeClr val="accent1"/>
+            </a:effectRef>
+            <a:fontRef idx="minor">
+              <a:schemeClr val="lt1"/>
+            </a:fontRef>
+          </p:style>
+          <p:txBody>
+            <a:bodyPr rtlCol="0" anchor="ctr"/>
+            <a:lstStyle/>
+            <a:p>
+              <a:pPr algn="ctr"/>
+              <a:r>
+                <a:rPr lang="en-US" sz="4400" dirty="0">
+                  <a:solidFill>
+                    <a:schemeClr val="tx1"/>
+                  </a:solidFill>
+                </a:rPr>
+                <a:t>1</a:t>
+              </a:r>
+            </a:p>
+          </p:txBody>
+        </p:sp>
+        <p:sp>
+          <p:nvSpPr>
+            <p:cNvPr id="10" name="Rectangle 9">
+              <a:extLst>
+                <a:ext uri="{FF2B5EF4-FFF2-40B4-BE49-F238E27FC236}">
+                  <a16:creationId xmlns:a16="http://schemas.microsoft.com/office/drawing/2014/main" id="{312C2DC5-5653-DC4B-98A2-76A0B8F08883}"/>
+                </a:ext>
+              </a:extLst>
+            </p:cNvPr>
+            <p:cNvSpPr/>
+            <p:nvPr/>
+          </p:nvSpPr>
+          <p:spPr>
+            <a:xfrm>
+              <a:off x="1447800" y="1833265"/>
+              <a:ext cx="7086600" cy="685800"/>
+            </a:xfrm>
+            <a:prstGeom prst="rect">
+              <a:avLst/>
+            </a:prstGeom>
+            <a:noFill/>
+            <a:ln>
+              <a:noFill/>
+            </a:ln>
+          </p:spPr>
+          <p:style>
+            <a:lnRef idx="2">
+              <a:schemeClr val="accent1">
+                <a:shade val="50000"/>
+              </a:schemeClr>
+            </a:lnRef>
+            <a:fillRef idx="1">
+              <a:schemeClr val="accent1"/>
+            </a:fillRef>
+            <a:effectRef idx="0">
+              <a:schemeClr val="accent1"/>
+            </a:effectRef>
+            <a:fontRef idx="minor">
+              <a:schemeClr val="lt1"/>
+            </a:fontRef>
+          </p:style>
+          <p:txBody>
+            <a:bodyPr rtlCol="0" anchor="ctr"/>
+            <a:lstStyle/>
+            <a:p>
+              <a:r>
+                <a:rPr lang="en-US" sz="3600" dirty="0">
+                  <a:solidFill>
+                    <a:schemeClr val="tx1"/>
+                  </a:solidFill>
+                </a:rPr>
+                <a:t>Jesus was </a:t>
+              </a:r>
+              <a:r>
+                <a:rPr lang="en-US" sz="3600" b="1" dirty="0">
+                  <a:solidFill>
+                    <a:schemeClr val="tx1"/>
+                  </a:solidFill>
+                  <a:highlight>
+                    <a:srgbClr val="C00002"/>
+                  </a:highlight>
+                </a:rPr>
+                <a:t>resurrected</a:t>
+              </a:r>
+              <a:endParaRPr lang="en-US" sz="3600" dirty="0">
+                <a:solidFill>
+                  <a:schemeClr val="tx1"/>
+                </a:solidFill>
+                <a:highlight>
+                  <a:srgbClr val="C00002"/>
+                </a:highlight>
+              </a:endParaRPr>
+            </a:p>
+          </p:txBody>
+        </p:sp>
+      </p:grpSp>
+      <p:cxnSp>
+        <p:nvCxnSpPr>
+          <p:cNvPr id="8" name="Straight Connector 7">
+            <a:extLst>
+              <a:ext uri="{FF2B5EF4-FFF2-40B4-BE49-F238E27FC236}">
+                <a16:creationId xmlns:a16="http://schemas.microsoft.com/office/drawing/2014/main" id="{B1CE1C68-C736-2F42-AD3D-29FCB9A69CAD}"/>
+              </a:ext>
+            </a:extLst>
+          </p:cNvPr>
+          <p:cNvCxnSpPr>
+            <a:cxnSpLocks/>
+          </p:cNvCxnSpPr>
+          <p:nvPr/>
+        </p:nvCxnSpPr>
+        <p:spPr>
+          <a:xfrm>
+            <a:off x="304800" y="1066800"/>
+            <a:ext cx="2133600" cy="0"/>
+          </a:xfrm>
+          <a:prstGeom prst="line">
+            <a:avLst/>
+          </a:prstGeom>
+          <a:ln w="76200">
+            <a:solidFill>
+              <a:srgbClr val="009EC0"/>
+            </a:solidFill>
+          </a:ln>
+        </p:spPr>
+        <p:style>
+          <a:lnRef idx="1">
+            <a:schemeClr val="dk1"/>
+          </a:lnRef>
+          <a:fillRef idx="0">
+            <a:schemeClr val="dk1"/>
+          </a:fillRef>
+          <a:effectRef idx="0">
+            <a:schemeClr val="dk1"/>
+          </a:effectRef>
+          <a:fontRef idx="minor">
+            <a:schemeClr val="tx1"/>
+          </a:fontRef>
+        </p:style>
+      </p:cxnSp>
+    </p:spTree>
+    <p:extLst>
+      <p:ext uri="{BB962C8B-B14F-4D97-AF65-F5344CB8AC3E}">
+        <p14:creationId xmlns:p14="http://schemas.microsoft.com/office/powerpoint/2010/main" val="2780261844"/>
+      </p:ext>
+    </p:extLst>
+  </p:cSld>
+  <p:clrMapOvr>
+    <a:masterClrMapping/>
+  </p:clrMapOvr>
+  <p:timing>
+    <p:tnLst>
+      <p:par>
+        <p:cTn id="1" dur="indefinite" restart="never" nodeType="tmRoot">
+          <p:childTnLst>
+            <p:seq concurrent="1" nextAc="seek">
+              <p:cTn id="2" dur="indefinite" nodeType="mainSeq">
+                <p:childTnLst>
+                  <p:par>
+                    <p:cTn id="3" fill="hold">
+                      <p:stCondLst>
+                        <p:cond delay="indefinite"/>
+                      </p:stCondLst>
+                      <p:childTnLst>
+                        <p:par>
+                          <p:cTn id="4" fill="hold">
+                            <p:stCondLst>
+                              <p:cond delay="0"/>
+                            </p:stCondLst>
+                            <p:childTnLst>
+                              <p:par>
+                                <p:cTn id="5" presetID="10" presetClass="entr" presetSubtype="0" fill="hold" grpId="0" nodeType="clickEffect">
+                                  <p:stCondLst>
+                                    <p:cond delay="0"/>
+                                  </p:stCondLst>
+                                  <p:childTnLst>
+                                    <p:set>
+                                      <p:cBhvr>
+                                        <p:cTn id="6" dur="1" fill="hold">
+                                          <p:stCondLst>
+                                            <p:cond delay="0"/>
+                                          </p:stCondLst>
+                                        </p:cTn>
+                                        <p:tgtEl>
+                                          <p:spTgt spid="6"/>
+                                        </p:tgtEl>
+                                        <p:attrNameLst>
+                                          <p:attrName>style.visibility</p:attrName>
+                                        </p:attrNameLst>
+                                      </p:cBhvr>
+                                      <p:to>
+                                        <p:strVal val="visible"/>
+                                      </p:to>
+                                    </p:set>
+                                    <p:animEffect transition="in" filter="fade">
+                                      <p:cBhvr>
+                                        <p:cTn id="7" dur="250"/>
+                                        <p:tgtEl>
+                                          <p:spTgt spid="6"/>
+                                        </p:tgtEl>
+                                      </p:cBhvr>
+                                    </p:animEffect>
+                                  </p:childTnLst>
+                                </p:cTn>
+                              </p:par>
+                            </p:childTnLst>
+                          </p:cTn>
+                        </p:par>
+                        <p:par>
+                          <p:cTn id="8" fill="hold">
+                            <p:stCondLst>
+                              <p:cond delay="250"/>
+                            </p:stCondLst>
+                            <p:childTnLst>
+                              <p:par>
+                                <p:cTn id="9" presetID="10" presetClass="entr" presetSubtype="0" fill="hold" nodeType="afterEffect">
+                                  <p:stCondLst>
+                                    <p:cond delay="0"/>
+                                  </p:stCondLst>
+                                  <p:childTnLst>
+                                    <p:set>
+                                      <p:cBhvr>
+                                        <p:cTn id="10" dur="1" fill="hold">
+                                          <p:stCondLst>
+                                            <p:cond delay="0"/>
+                                          </p:stCondLst>
+                                        </p:cTn>
+                                        <p:tgtEl>
+                                          <p:spTgt spid="8"/>
+                                        </p:tgtEl>
+                                        <p:attrNameLst>
+                                          <p:attrName>style.visibility</p:attrName>
+                                        </p:attrNameLst>
+                                      </p:cBhvr>
+                                      <p:to>
+                                        <p:strVal val="visible"/>
+                                      </p:to>
+                                    </p:set>
+                                    <p:animEffect transition="in" filter="fade">
+                                      <p:cBhvr>
+                                        <p:cTn id="11" dur="250"/>
+                                        <p:tgtEl>
+                                          <p:spTgt spid="8"/>
+                                        </p:tgtEl>
+                                      </p:cBhvr>
+                                    </p:animEffect>
+                                  </p:childTnLst>
+                                </p:cTn>
+                              </p:par>
+                            </p:childTnLst>
+                          </p:cTn>
+                        </p:par>
+                      </p:childTnLst>
+                    </p:cTn>
+                  </p:par>
+                  <p:par>
+                    <p:cTn id="12" fill="hold">
+                      <p:stCondLst>
+                        <p:cond delay="indefinite"/>
+                      </p:stCondLst>
+                      <p:childTnLst>
+                        <p:par>
+                          <p:cTn id="13" fill="hold">
+                            <p:stCondLst>
+                              <p:cond delay="0"/>
+                            </p:stCondLst>
+                            <p:childTnLst>
+                              <p:par>
+                                <p:cTn id="14" presetID="10" presetClass="entr" presetSubtype="0" fill="hold" nodeType="clickEffect">
+                                  <p:stCondLst>
+                                    <p:cond delay="0"/>
+                                  </p:stCondLst>
+                                  <p:childTnLst>
+                                    <p:set>
+                                      <p:cBhvr>
+                                        <p:cTn id="15" dur="1" fill="hold">
+                                          <p:stCondLst>
+                                            <p:cond delay="0"/>
+                                          </p:stCondLst>
+                                        </p:cTn>
+                                        <p:tgtEl>
+                                          <p:spTgt spid="9"/>
+                                        </p:tgtEl>
+                                        <p:attrNameLst>
+                                          <p:attrName>style.visibility</p:attrName>
+                                        </p:attrNameLst>
+                                      </p:cBhvr>
+                                      <p:to>
+                                        <p:strVal val="visible"/>
+                                      </p:to>
+                                    </p:set>
+                                    <p:animEffect transition="in" filter="fade">
+                                      <p:cBhvr>
+                                        <p:cTn id="16" dur="250"/>
+                                        <p:tgtEl>
+                                          <p:spTgt spid="9"/>
+                                        </p:tgtEl>
+                                      </p:cBhvr>
+                                    </p:animEffect>
+                                  </p:childTnLst>
+                                </p:cTn>
+                              </p:par>
+                            </p:childTnLst>
+                          </p:cTn>
+                        </p:par>
+                      </p:childTnLst>
+                    </p:cTn>
+                  </p:par>
+                  <p:par>
+                    <p:cTn id="17" fill="hold">
+                      <p:stCondLst>
+                        <p:cond delay="indefinite"/>
+                      </p:stCondLst>
+                      <p:childTnLst>
+                        <p:par>
+                          <p:cTn id="18" fill="hold">
+                            <p:stCondLst>
+                              <p:cond delay="0"/>
+                            </p:stCondLst>
+                            <p:childTnLst>
+                              <p:par>
+                                <p:cTn id="19" presetID="10" presetClass="entr" presetSubtype="0" fill="hold" nodeType="clickEffect">
+                                  <p:stCondLst>
+                                    <p:cond delay="0"/>
+                                  </p:stCondLst>
+                                  <p:childTnLst>
+                                    <p:set>
+                                      <p:cBhvr>
+                                        <p:cTn id="20" dur="1" fill="hold">
+                                          <p:stCondLst>
+                                            <p:cond delay="0"/>
+                                          </p:stCondLst>
+                                        </p:cTn>
+                                        <p:tgtEl>
+                                          <p:spTgt spid="12"/>
+                                        </p:tgtEl>
+                                        <p:attrNameLst>
+                                          <p:attrName>style.visibility</p:attrName>
+                                        </p:attrNameLst>
+                                      </p:cBhvr>
+                                      <p:to>
+                                        <p:strVal val="visible"/>
+                                      </p:to>
+                                    </p:set>
+                                    <p:animEffect transition="in" filter="fade">
+                                      <p:cBhvr>
+                                        <p:cTn id="21" dur="250"/>
+                                        <p:tgtEl>
+                                          <p:spTgt spid="12"/>
+                                        </p:tgtEl>
+                                      </p:cBhvr>
+                                    </p:animEffect>
+                                  </p:childTnLst>
+                                </p:cTn>
+                              </p:par>
+                            </p:childTnLst>
+                          </p:cTn>
+                        </p:par>
+                      </p:childTnLst>
+                    </p:cTn>
+                  </p:par>
+                </p:childTnLst>
+              </p:cTn>
+              <p:prevCondLst>
+                <p:cond evt="onPrev" delay="0">
+                  <p:tgtEl>
+                    <p:sldTgt/>
+                  </p:tgtEl>
+                </p:cond>
+              </p:prevCondLst>
+              <p:nextCondLst>
+                <p:cond evt="onNext" delay="0">
+                  <p:tgtEl>
+                    <p:sldTgt/>
+                  </p:tgtEl>
+                </p:cond>
+              </p:nextCondLst>
+            </p:seq>
+          </p:childTnLst>
+        </p:cTn>
+      </p:par>
+    </p:tnLst>
+    <p:bldLst>
+      <p:bldP spid="6" grpId="0"/>
+    </p:bldLst>
+  </p:timing>
+</p:sld>
+</file>
+
+<file path=ppt/slides/slide8.xml><?xml version="1.0" encoding="utf-8"?>
 <p:sld xmlns:a="http://schemas.openxmlformats.org/drawingml/2006/main" xmlns:r="http://schemas.openxmlformats.org/officeDocument/2006/relationships" xmlns:p="http://schemas.openxmlformats.org/presentationml/2006/main">
   <p:cSld>
     <p:spTree>
@@ -6090,8 +7776,19 @@
                   <a:solidFill>
                     <a:schemeClr val="tx1"/>
                   </a:solidFill>
+                  <a:highlight>
+                    <a:srgbClr val="C00002"/>
+                  </a:highlight>
                 </a:rPr>
                 <a:t>simpler &amp; easier</a:t>
+              </a:r>
+              <a:r>
+                <a:rPr lang="en-US" sz="2400" b="1" dirty="0">
+                  <a:solidFill>
+                    <a:schemeClr val="tx1"/>
+                  </a:solidFill>
+                </a:rPr>
+                <a:t> </a:t>
               </a:r>
               <a:r>
                 <a:rPr lang="en-US" sz="2400" dirty="0">
@@ -6099,7 +7796,7 @@
                     <a:schemeClr val="tx1"/>
                   </a:solidFill>
                 </a:rPr>
-                <a:t> (since the Gospel is your strength)</a:t>
+                <a:t>(since the Gospel is your strength)</a:t>
               </a:r>
             </a:p>
           </p:txBody>
@@ -6242,6 +7939,9 @@
                   <a:solidFill>
                     <a:schemeClr val="tx1"/>
                   </a:solidFill>
+                  <a:highlight>
+                    <a:srgbClr val="C00002"/>
+                  </a:highlight>
                 </a:rPr>
                 <a:t>Biblical</a:t>
               </a:r>
@@ -6249,6 +7949,9 @@
                 <a:solidFill>
                   <a:schemeClr val="tx1"/>
                 </a:solidFill>
+                <a:highlight>
+                  <a:srgbClr val="C00002"/>
+                </a:highlight>
               </a:endParaRPr>
             </a:p>
           </p:txBody>
@@ -6384,7 +8087,18 @@
                     <a:schemeClr val="tx1"/>
                   </a:solidFill>
                 </a:rPr>
-                <a:t>Helps </a:t>
+                <a:t>Become </a:t>
+              </a:r>
+              <a:r>
+                <a:rPr lang="en-US" sz="2400" b="1" dirty="0">
+                  <a:solidFill>
+                    <a:schemeClr val="tx1"/>
+                  </a:solidFill>
+                  <a:highlight>
+                    <a:srgbClr val="C00002"/>
+                  </a:highlight>
+                </a:rPr>
+                <a:t>more knowledgeable</a:t>
               </a:r>
               <a:r>
                 <a:rPr lang="en-US" sz="2400" b="1" dirty="0">
@@ -6392,159 +8106,7 @@
                     <a:schemeClr val="tx1"/>
                   </a:solidFill>
                 </a:rPr>
-                <a:t>move the conversations </a:t>
-              </a:r>
-              <a:r>
-                <a:rPr lang="en-US" sz="2400" dirty="0">
-                  <a:solidFill>
-                    <a:schemeClr val="tx1"/>
-                  </a:solidFill>
-                </a:rPr>
-                <a:t>closer to the Gospel</a:t>
-              </a:r>
-            </a:p>
-          </p:txBody>
-        </p:sp>
-      </p:grpSp>
-      <p:grpSp>
-        <p:nvGrpSpPr>
-          <p:cNvPr id="17" name="Group 16">
-            <a:extLst>
-              <a:ext uri="{FF2B5EF4-FFF2-40B4-BE49-F238E27FC236}">
-                <a16:creationId xmlns:a16="http://schemas.microsoft.com/office/drawing/2014/main" id="{F4A84829-4CB1-4C40-8E7D-B6CBAD01A2F4}"/>
-              </a:ext>
-            </a:extLst>
-          </p:cNvPr>
-          <p:cNvGrpSpPr/>
-          <p:nvPr/>
-        </p:nvGrpSpPr>
-        <p:grpSpPr>
-          <a:xfrm>
-            <a:off x="533400" y="5020270"/>
-            <a:ext cx="8001000" cy="685800"/>
-            <a:chOff x="533400" y="2895600"/>
-            <a:chExt cx="8001000" cy="685800"/>
-          </a:xfrm>
-        </p:grpSpPr>
-        <p:sp>
-          <p:nvSpPr>
-            <p:cNvPr id="18" name="Oval 17">
-              <a:extLst>
-                <a:ext uri="{FF2B5EF4-FFF2-40B4-BE49-F238E27FC236}">
-                  <a16:creationId xmlns:a16="http://schemas.microsoft.com/office/drawing/2014/main" id="{D1641DFD-C31E-AF4B-92BD-EE7443ED3AAF}"/>
-                </a:ext>
-              </a:extLst>
-            </p:cNvPr>
-            <p:cNvSpPr/>
-            <p:nvPr/>
-          </p:nvSpPr>
-          <p:spPr>
-            <a:xfrm>
-              <a:off x="533400" y="2895600"/>
-              <a:ext cx="685800" cy="685800"/>
-            </a:xfrm>
-            <a:prstGeom prst="ellipse">
-              <a:avLst/>
-            </a:prstGeom>
-            <a:solidFill>
-              <a:srgbClr val="009EC0"/>
-            </a:solidFill>
-            <a:ln>
-              <a:noFill/>
-            </a:ln>
-          </p:spPr>
-          <p:style>
-            <a:lnRef idx="2">
-              <a:schemeClr val="accent1">
-                <a:shade val="50000"/>
-              </a:schemeClr>
-            </a:lnRef>
-            <a:fillRef idx="1">
-              <a:schemeClr val="accent1"/>
-            </a:fillRef>
-            <a:effectRef idx="0">
-              <a:schemeClr val="accent1"/>
-            </a:effectRef>
-            <a:fontRef idx="minor">
-              <a:schemeClr val="lt1"/>
-            </a:fontRef>
-          </p:style>
-          <p:txBody>
-            <a:bodyPr rtlCol="0" anchor="ctr"/>
-            <a:lstStyle/>
-            <a:p>
-              <a:pPr algn="ctr"/>
-              <a:r>
-                <a:rPr lang="en-US" sz="2800" dirty="0">
-                  <a:solidFill>
-                    <a:schemeClr val="tx1"/>
-                  </a:solidFill>
-                </a:rPr>
-                <a:t>4</a:t>
-              </a:r>
-            </a:p>
-          </p:txBody>
-        </p:sp>
-        <p:sp>
-          <p:nvSpPr>
-            <p:cNvPr id="19" name="Rectangle 18">
-              <a:extLst>
-                <a:ext uri="{FF2B5EF4-FFF2-40B4-BE49-F238E27FC236}">
-                  <a16:creationId xmlns:a16="http://schemas.microsoft.com/office/drawing/2014/main" id="{8C180CAD-DACF-7840-8853-448ACB5C4069}"/>
-                </a:ext>
-              </a:extLst>
-            </p:cNvPr>
-            <p:cNvSpPr/>
-            <p:nvPr/>
-          </p:nvSpPr>
-          <p:spPr>
-            <a:xfrm>
-              <a:off x="1447800" y="2895600"/>
-              <a:ext cx="7086600" cy="685800"/>
-            </a:xfrm>
-            <a:prstGeom prst="rect">
-              <a:avLst/>
-            </a:prstGeom>
-            <a:noFill/>
-            <a:ln>
-              <a:noFill/>
-            </a:ln>
-          </p:spPr>
-          <p:style>
-            <a:lnRef idx="2">
-              <a:schemeClr val="accent1">
-                <a:shade val="50000"/>
-              </a:schemeClr>
-            </a:lnRef>
-            <a:fillRef idx="1">
-              <a:schemeClr val="accent1"/>
-            </a:fillRef>
-            <a:effectRef idx="0">
-              <a:schemeClr val="accent1"/>
-            </a:effectRef>
-            <a:fontRef idx="minor">
-              <a:schemeClr val="lt1"/>
-            </a:fontRef>
-          </p:style>
-          <p:txBody>
-            <a:bodyPr rtlCol="0" anchor="ctr"/>
-            <a:lstStyle/>
-            <a:p>
-              <a:r>
-                <a:rPr lang="en-US" sz="2400" dirty="0">
-                  <a:solidFill>
-                    <a:schemeClr val="tx1"/>
-                  </a:solidFill>
-                </a:rPr>
-                <a:t>Become </a:t>
-              </a:r>
-              <a:r>
-                <a:rPr lang="en-US" sz="2400" b="1" dirty="0">
-                  <a:solidFill>
-                    <a:schemeClr val="tx1"/>
-                  </a:solidFill>
-                </a:rPr>
-                <a:t>more knowledgeable </a:t>
+                <a:t> </a:t>
               </a:r>
               <a:r>
                 <a:rPr lang="en-US" sz="2400" dirty="0">
@@ -6742,7 +8304,7 @@
                                           </p:stCondLst>
                                         </p:cTn>
                                         <p:tgtEl>
-                                          <p:spTgt spid="17"/>
+                                          <p:spTgt spid="14"/>
                                         </p:tgtEl>
                                         <p:attrNameLst>
                                           <p:attrName>style.visibility</p:attrName>
@@ -6756,7 +8318,7 @@
                                       <p:cBhvr>
                                         <p:cTn id="16" dur="250"/>
                                         <p:tgtEl>
-                                          <p:spTgt spid="17"/>
+                                          <p:spTgt spid="14"/>
                                         </p:tgtEl>
                                       </p:cBhvr>
                                     </p:animEffect>
@@ -6795,7 +8357,7 @@
                                           </p:stCondLst>
                                         </p:cTn>
                                         <p:tgtEl>
-                                          <p:spTgt spid="14"/>
+                                          <p:spTgt spid="12"/>
                                         </p:tgtEl>
                                         <p:attrNameLst>
                                           <p:attrName>style.visibility</p:attrName>
@@ -6809,7 +8371,7 @@
                                       <p:cBhvr>
                                         <p:cTn id="21" dur="250"/>
                                         <p:tgtEl>
-                                          <p:spTgt spid="14"/>
+                                          <p:spTgt spid="12"/>
                                         </p:tgtEl>
                                       </p:cBhvr>
                                     </p:animEffect>
@@ -6848,7 +8410,7 @@
                                           </p:stCondLst>
                                         </p:cTn>
                                         <p:tgtEl>
-                                          <p:spTgt spid="12"/>
+                                          <p:spTgt spid="9"/>
                                         </p:tgtEl>
                                         <p:attrNameLst>
                                           <p:attrName>style.visibility</p:attrName>
@@ -6861,59 +8423,6 @@
                                     <p:animEffect transition="in" filter="fade">
                                       <p:cBhvr>
                                         <p:cTn id="26" dur="250"/>
-                                        <p:tgtEl>
-                                          <p:spTgt spid="12"/>
-                                        </p:tgtEl>
-                                      </p:cBhvr>
-                                    </p:animEffect>
-                                  </p:childTnLst>
-                                </p:cTn>
-                              </p:par>
-                            </p:childTnLst>
-                          </p:cTn>
-                        </p:par>
-                      </p:childTnLst>
-                    </p:cTn>
-                  </p:par>
-                  <p:par>
-                    <p:cTn id="27" fill="hold">
-                      <p:stCondLst>
-                        <p:cond delay="indefinite"/>
-                      </p:stCondLst>
-                      <p:childTnLst>
-                        <p:par>
-                          <p:cTn id="28" fill="hold">
-                            <p:stCondLst>
-                              <p:cond delay="0"/>
-                            </p:stCondLst>
-                            <p:childTnLst>
-                              <p:par>
-                                <p:cTn id="29" presetID="10" presetClass="entr" presetSubtype="0" fill="hold" nodeType="clickEffect">
-                                  <p:stCondLst>
-                                    <p:cond delay="0"/>
-                                  </p:stCondLst>
-                                  <p:childTnLst>
-                                    <p:set>
-                                      <p:cBhvr>
-                                        <p:cTn id="30" dur="1" fill="hold">
-                                          <p:stCondLst>
-                                            <p:cond delay="0"/>
-                                          </p:stCondLst>
-                                        </p:cTn>
-                                        <p:tgtEl>
-                                          <p:spTgt spid="9"/>
-                                        </p:tgtEl>
-                                        <p:attrNameLst>
-                                          <p:attrName>style.visibility</p:attrName>
-                                        </p:attrNameLst>
-                                      </p:cBhvr>
-                                      <p:to>
-                                        <p:strVal val="visible"/>
-                                      </p:to>
-                                    </p:set>
-                                    <p:animEffect transition="in" filter="fade">
-                                      <p:cBhvr>
-                                        <p:cTn id="31" dur="250"/>
                                         <p:tgtEl>
                                           <p:spTgt spid="9"/>
                                         </p:tgtEl>
@@ -6951,6 +8460,1124 @@
     </p:tnLst>
     <p:bldLst>
       <p:bldP spid="6" grpId="0"/>
+    </p:bldLst>
+  </p:timing>
+</p:sld>
+</file>
+
+<file path=ppt/slides/slide9.xml><?xml version="1.0" encoding="utf-8"?>
+<p:sld xmlns:a="http://schemas.openxmlformats.org/drawingml/2006/main" xmlns:r="http://schemas.openxmlformats.org/officeDocument/2006/relationships" xmlns:p="http://schemas.openxmlformats.org/presentationml/2006/main">
+  <p:cSld>
+    <p:spTree>
+      <p:nvGrpSpPr>
+        <p:cNvPr id="1" name=""/>
+        <p:cNvGrpSpPr/>
+        <p:nvPr/>
+      </p:nvGrpSpPr>
+      <p:grpSpPr>
+        <a:xfrm>
+          <a:off x="0" y="0"/>
+          <a:ext cx="0" cy="0"/>
+          <a:chOff x="0" y="0"/>
+          <a:chExt cx="0" cy="0"/>
+        </a:xfrm>
+      </p:grpSpPr>
+      <p:sp>
+        <p:nvSpPr>
+          <p:cNvPr id="5" name="TextBox 4">
+            <a:extLst>
+              <a:ext uri="{FF2B5EF4-FFF2-40B4-BE49-F238E27FC236}">
+                <a16:creationId xmlns:a16="http://schemas.microsoft.com/office/drawing/2014/main" id="{13CAC97E-8C9F-1E45-BB52-945B952A4949}"/>
+              </a:ext>
+            </a:extLst>
+          </p:cNvPr>
+          <p:cNvSpPr txBox="1"/>
+          <p:nvPr/>
+        </p:nvSpPr>
+        <p:spPr>
+          <a:xfrm>
+            <a:off x="4724400" y="152400"/>
+            <a:ext cx="4114800" cy="1015663"/>
+          </a:xfrm>
+          <a:prstGeom prst="rect">
+            <a:avLst/>
+          </a:prstGeom>
+          <a:noFill/>
+        </p:spPr>
+        <p:txBody>
+          <a:bodyPr wrap="square" rtlCol="0">
+            <a:spAutoFit/>
+          </a:bodyPr>
+          <a:lstStyle/>
+          <a:p>
+            <a:r>
+              <a:rPr lang="en-US" sz="3600" b="1" dirty="0"/>
+              <a:t>Objective</a:t>
+            </a:r>
+            <a:br>
+              <a:rPr lang="en-US" sz="3600" b="1" dirty="0"/>
+            </a:br>
+            <a:r>
+              <a:rPr lang="en-US" sz="2400" dirty="0"/>
+              <a:t>“I </a:t>
+            </a:r>
+            <a:r>
+              <a:rPr lang="en-US" sz="2400" i="1" dirty="0"/>
+              <a:t>think</a:t>
+            </a:r>
+            <a:r>
+              <a:rPr lang="en-US" sz="2400" dirty="0"/>
+              <a:t> Christianity is true”</a:t>
+            </a:r>
+          </a:p>
+        </p:txBody>
+      </p:sp>
+      <p:sp>
+        <p:nvSpPr>
+          <p:cNvPr id="6" name="TextBox 5">
+            <a:extLst>
+              <a:ext uri="{FF2B5EF4-FFF2-40B4-BE49-F238E27FC236}">
+                <a16:creationId xmlns:a16="http://schemas.microsoft.com/office/drawing/2014/main" id="{22F44EDA-0820-D946-A634-4507830308A8}"/>
+              </a:ext>
+            </a:extLst>
+          </p:cNvPr>
+          <p:cNvSpPr txBox="1"/>
+          <p:nvPr/>
+        </p:nvSpPr>
+        <p:spPr>
+          <a:xfrm>
+            <a:off x="446314" y="145588"/>
+            <a:ext cx="4114800" cy="1015663"/>
+          </a:xfrm>
+          <a:prstGeom prst="rect">
+            <a:avLst/>
+          </a:prstGeom>
+          <a:noFill/>
+        </p:spPr>
+        <p:txBody>
+          <a:bodyPr wrap="square" rtlCol="0">
+            <a:spAutoFit/>
+          </a:bodyPr>
+          <a:lstStyle/>
+          <a:p>
+            <a:r>
+              <a:rPr lang="en-US" sz="3600" b="1" dirty="0"/>
+              <a:t>Subjective</a:t>
+            </a:r>
+          </a:p>
+          <a:p>
+            <a:r>
+              <a:rPr lang="en-US" sz="2400" dirty="0"/>
+              <a:t>“I </a:t>
+            </a:r>
+            <a:r>
+              <a:rPr lang="en-US" sz="2400" i="1" dirty="0"/>
+              <a:t>want</a:t>
+            </a:r>
+            <a:r>
+              <a:rPr lang="en-US" sz="2400" dirty="0"/>
+              <a:t> Christianity to be true”</a:t>
+            </a:r>
+            <a:endParaRPr lang="en-US" sz="2400" b="1" dirty="0"/>
+          </a:p>
+        </p:txBody>
+      </p:sp>
+      <p:cxnSp>
+        <p:nvCxnSpPr>
+          <p:cNvPr id="3" name="Straight Connector 2">
+            <a:extLst>
+              <a:ext uri="{FF2B5EF4-FFF2-40B4-BE49-F238E27FC236}">
+                <a16:creationId xmlns:a16="http://schemas.microsoft.com/office/drawing/2014/main" id="{9655C28E-AA74-7046-BEDE-734F1DA65678}"/>
+              </a:ext>
+            </a:extLst>
+          </p:cNvPr>
+          <p:cNvCxnSpPr/>
+          <p:nvPr/>
+        </p:nvCxnSpPr>
+        <p:spPr>
+          <a:xfrm>
+            <a:off x="4495800" y="1447800"/>
+            <a:ext cx="0" cy="4876800"/>
+          </a:xfrm>
+          <a:prstGeom prst="line">
+            <a:avLst/>
+          </a:prstGeom>
+          <a:ln>
+            <a:gradFill>
+              <a:gsLst>
+                <a:gs pos="0">
+                  <a:schemeClr val="tx1">
+                    <a:alpha val="0"/>
+                  </a:schemeClr>
+                </a:gs>
+                <a:gs pos="84000">
+                  <a:schemeClr val="tx1"/>
+                </a:gs>
+                <a:gs pos="14000">
+                  <a:schemeClr val="tx1"/>
+                </a:gs>
+                <a:gs pos="100000">
+                  <a:schemeClr val="tx1">
+                    <a:alpha val="0"/>
+                  </a:schemeClr>
+                </a:gs>
+              </a:gsLst>
+              <a:lin ang="5400000" scaled="1"/>
+            </a:gradFill>
+          </a:ln>
+        </p:spPr>
+        <p:style>
+          <a:lnRef idx="1">
+            <a:schemeClr val="accent1"/>
+          </a:lnRef>
+          <a:fillRef idx="0">
+            <a:schemeClr val="accent1"/>
+          </a:fillRef>
+          <a:effectRef idx="0">
+            <a:schemeClr val="accent1"/>
+          </a:effectRef>
+          <a:fontRef idx="minor">
+            <a:schemeClr val="tx1"/>
+          </a:fontRef>
+        </p:style>
+      </p:cxnSp>
+      <p:sp>
+        <p:nvSpPr>
+          <p:cNvPr id="7" name="TextBox 6">
+            <a:extLst>
+              <a:ext uri="{FF2B5EF4-FFF2-40B4-BE49-F238E27FC236}">
+                <a16:creationId xmlns:a16="http://schemas.microsoft.com/office/drawing/2014/main" id="{AE3917C3-FF01-8F40-B290-0C025DB242FF}"/>
+              </a:ext>
+            </a:extLst>
+          </p:cNvPr>
+          <p:cNvSpPr txBox="1"/>
+          <p:nvPr/>
+        </p:nvSpPr>
+        <p:spPr>
+          <a:xfrm>
+            <a:off x="4822384" y="1676400"/>
+            <a:ext cx="4038587" cy="369332"/>
+          </a:xfrm>
+          <a:prstGeom prst="rect">
+            <a:avLst/>
+          </a:prstGeom>
+          <a:noFill/>
+        </p:spPr>
+        <p:txBody>
+          <a:bodyPr wrap="square" rtlCol="0">
+            <a:spAutoFit/>
+          </a:bodyPr>
+          <a:lstStyle/>
+          <a:p>
+            <a:r>
+              <a:rPr lang="en-US" dirty="0"/>
+              <a:t>Undesigned coincidences</a:t>
+            </a:r>
+          </a:p>
+        </p:txBody>
+      </p:sp>
+      <p:sp>
+        <p:nvSpPr>
+          <p:cNvPr id="8" name="TextBox 7">
+            <a:extLst>
+              <a:ext uri="{FF2B5EF4-FFF2-40B4-BE49-F238E27FC236}">
+                <a16:creationId xmlns:a16="http://schemas.microsoft.com/office/drawing/2014/main" id="{D85122D7-0247-5044-A30C-2F1258A53BC2}"/>
+              </a:ext>
+            </a:extLst>
+          </p:cNvPr>
+          <p:cNvSpPr txBox="1"/>
+          <p:nvPr/>
+        </p:nvSpPr>
+        <p:spPr>
+          <a:xfrm>
+            <a:off x="457210" y="1676400"/>
+            <a:ext cx="4038587" cy="1754326"/>
+          </a:xfrm>
+          <a:prstGeom prst="rect">
+            <a:avLst/>
+          </a:prstGeom>
+          <a:noFill/>
+        </p:spPr>
+        <p:txBody>
+          <a:bodyPr wrap="square" rtlCol="0">
+            <a:spAutoFit/>
+          </a:bodyPr>
+          <a:lstStyle/>
+          <a:p>
+            <a:pPr fontAlgn="t"/>
+            <a:r>
+              <a:rPr lang="en-US" dirty="0"/>
+              <a:t>Christianity meets our deepest needs:</a:t>
+            </a:r>
+          </a:p>
+          <a:p>
+            <a:pPr marL="742950" lvl="1" indent="-285750" fontAlgn="t">
+              <a:buFont typeface="Arial" panose="020B0604020202020204" pitchFamily="34" charset="0"/>
+              <a:buChar char="•"/>
+            </a:pPr>
+            <a:r>
+              <a:rPr lang="en-US" dirty="0"/>
+              <a:t>Reason</a:t>
+            </a:r>
+          </a:p>
+          <a:p>
+            <a:pPr marL="742950" lvl="1" indent="-285750" fontAlgn="t">
+              <a:buFont typeface="Arial" panose="020B0604020202020204" pitchFamily="34" charset="0"/>
+              <a:buChar char="•"/>
+            </a:pPr>
+            <a:r>
+              <a:rPr lang="en-US" dirty="0"/>
+              <a:t>Love</a:t>
+            </a:r>
+          </a:p>
+          <a:p>
+            <a:pPr marL="742950" lvl="1" indent="-285750" fontAlgn="t">
+              <a:buFont typeface="Arial" panose="020B0604020202020204" pitchFamily="34" charset="0"/>
+              <a:buChar char="•"/>
+            </a:pPr>
+            <a:r>
+              <a:rPr lang="en-US" dirty="0"/>
+              <a:t>Forgiveness</a:t>
+            </a:r>
+          </a:p>
+          <a:p>
+            <a:pPr marL="742950" lvl="1" indent="-285750" fontAlgn="t">
+              <a:buFont typeface="Arial" panose="020B0604020202020204" pitchFamily="34" charset="0"/>
+              <a:buChar char="•"/>
+            </a:pPr>
+            <a:r>
+              <a:rPr lang="en-US" dirty="0"/>
+              <a:t>Justice</a:t>
+            </a:r>
+          </a:p>
+          <a:p>
+            <a:pPr marL="742950" lvl="1" indent="-285750" fontAlgn="t">
+              <a:buFont typeface="Arial" panose="020B0604020202020204" pitchFamily="34" charset="0"/>
+              <a:buChar char="•"/>
+            </a:pPr>
+            <a:r>
+              <a:rPr lang="en-US" dirty="0"/>
+              <a:t>Hope</a:t>
+            </a:r>
+          </a:p>
+        </p:txBody>
+      </p:sp>
+      <p:sp>
+        <p:nvSpPr>
+          <p:cNvPr id="9" name="TextBox 8">
+            <a:extLst>
+              <a:ext uri="{FF2B5EF4-FFF2-40B4-BE49-F238E27FC236}">
+                <a16:creationId xmlns:a16="http://schemas.microsoft.com/office/drawing/2014/main" id="{4F57F26C-472C-994C-AEFB-9EBFE3D4E413}"/>
+              </a:ext>
+            </a:extLst>
+          </p:cNvPr>
+          <p:cNvSpPr txBox="1"/>
+          <p:nvPr/>
+        </p:nvSpPr>
+        <p:spPr>
+          <a:xfrm>
+            <a:off x="4822384" y="2260546"/>
+            <a:ext cx="4038587" cy="369332"/>
+          </a:xfrm>
+          <a:prstGeom prst="rect">
+            <a:avLst/>
+          </a:prstGeom>
+          <a:noFill/>
+        </p:spPr>
+        <p:txBody>
+          <a:bodyPr wrap="square" rtlCol="0">
+            <a:spAutoFit/>
+          </a:bodyPr>
+          <a:lstStyle/>
+          <a:p>
+            <a:r>
+              <a:rPr lang="en-US" dirty="0"/>
+              <a:t>Eyewitness sources </a:t>
+            </a:r>
+          </a:p>
+        </p:txBody>
+      </p:sp>
+      <p:sp>
+        <p:nvSpPr>
+          <p:cNvPr id="10" name="TextBox 9">
+            <a:extLst>
+              <a:ext uri="{FF2B5EF4-FFF2-40B4-BE49-F238E27FC236}">
+                <a16:creationId xmlns:a16="http://schemas.microsoft.com/office/drawing/2014/main" id="{BA672B46-BD0A-0248-8B1E-B623C0FCB5B0}"/>
+              </a:ext>
+            </a:extLst>
+          </p:cNvPr>
+          <p:cNvSpPr txBox="1"/>
+          <p:nvPr/>
+        </p:nvSpPr>
+        <p:spPr>
+          <a:xfrm>
+            <a:off x="446314" y="3535038"/>
+            <a:ext cx="4038587" cy="1754326"/>
+          </a:xfrm>
+          <a:prstGeom prst="rect">
+            <a:avLst/>
+          </a:prstGeom>
+          <a:noFill/>
+        </p:spPr>
+        <p:txBody>
+          <a:bodyPr wrap="square" rtlCol="0">
+            <a:spAutoFit/>
+          </a:bodyPr>
+          <a:lstStyle/>
+          <a:p>
+            <a:pPr fontAlgn="t"/>
+            <a:r>
+              <a:rPr lang="en-US" dirty="0"/>
+              <a:t>Christianity can explain:</a:t>
+            </a:r>
+          </a:p>
+          <a:p>
+            <a:pPr marL="742950" lvl="1" indent="-285750" fontAlgn="t">
+              <a:buFont typeface="Arial" panose="020B0604020202020204" pitchFamily="34" charset="0"/>
+              <a:buChar char="•"/>
+            </a:pPr>
+            <a:r>
+              <a:rPr lang="en-US" dirty="0"/>
+              <a:t>Reason</a:t>
+            </a:r>
+          </a:p>
+          <a:p>
+            <a:pPr marL="742950" lvl="1" indent="-285750" fontAlgn="t">
+              <a:buFont typeface="Arial" panose="020B0604020202020204" pitchFamily="34" charset="0"/>
+              <a:buChar char="•"/>
+            </a:pPr>
+            <a:r>
+              <a:rPr lang="en-US" dirty="0"/>
+              <a:t>Love</a:t>
+            </a:r>
+          </a:p>
+          <a:p>
+            <a:pPr marL="742950" lvl="1" indent="-285750" fontAlgn="t">
+              <a:buFont typeface="Arial" panose="020B0604020202020204" pitchFamily="34" charset="0"/>
+              <a:buChar char="•"/>
+            </a:pPr>
+            <a:r>
+              <a:rPr lang="en-US" dirty="0"/>
+              <a:t>Forgiveness</a:t>
+            </a:r>
+          </a:p>
+          <a:p>
+            <a:pPr marL="742950" lvl="1" indent="-285750" fontAlgn="t">
+              <a:buFont typeface="Arial" panose="020B0604020202020204" pitchFamily="34" charset="0"/>
+              <a:buChar char="•"/>
+            </a:pPr>
+            <a:r>
+              <a:rPr lang="en-US" dirty="0"/>
+              <a:t>Justice</a:t>
+            </a:r>
+          </a:p>
+          <a:p>
+            <a:pPr marL="742950" lvl="1" indent="-285750" fontAlgn="t">
+              <a:buFont typeface="Arial" panose="020B0604020202020204" pitchFamily="34" charset="0"/>
+              <a:buChar char="•"/>
+            </a:pPr>
+            <a:r>
+              <a:rPr lang="en-US" dirty="0"/>
+              <a:t>Hope</a:t>
+            </a:r>
+          </a:p>
+        </p:txBody>
+      </p:sp>
+      <p:sp>
+        <p:nvSpPr>
+          <p:cNvPr id="11" name="TextBox 10">
+            <a:extLst>
+              <a:ext uri="{FF2B5EF4-FFF2-40B4-BE49-F238E27FC236}">
+                <a16:creationId xmlns:a16="http://schemas.microsoft.com/office/drawing/2014/main" id="{2CA3811B-CA1B-4C49-A7BB-A37BCE44149E}"/>
+              </a:ext>
+            </a:extLst>
+          </p:cNvPr>
+          <p:cNvSpPr txBox="1"/>
+          <p:nvPr/>
+        </p:nvSpPr>
+        <p:spPr>
+          <a:xfrm>
+            <a:off x="4822384" y="3793867"/>
+            <a:ext cx="4038587" cy="369332"/>
+          </a:xfrm>
+          <a:prstGeom prst="rect">
+            <a:avLst/>
+          </a:prstGeom>
+          <a:noFill/>
+        </p:spPr>
+        <p:txBody>
+          <a:bodyPr wrap="square" rtlCol="0">
+            <a:spAutoFit/>
+          </a:bodyPr>
+          <a:lstStyle/>
+          <a:p>
+            <a:r>
+              <a:rPr lang="en-US" dirty="0"/>
+              <a:t>Ancient Jewish teaching practices</a:t>
+            </a:r>
+          </a:p>
+        </p:txBody>
+      </p:sp>
+      <p:sp>
+        <p:nvSpPr>
+          <p:cNvPr id="12" name="TextBox 11">
+            <a:extLst>
+              <a:ext uri="{FF2B5EF4-FFF2-40B4-BE49-F238E27FC236}">
+                <a16:creationId xmlns:a16="http://schemas.microsoft.com/office/drawing/2014/main" id="{A4BA65D4-BB7E-3D43-8C26-E7E32EDB95CB}"/>
+              </a:ext>
+            </a:extLst>
+          </p:cNvPr>
+          <p:cNvSpPr txBox="1"/>
+          <p:nvPr/>
+        </p:nvSpPr>
+        <p:spPr>
+          <a:xfrm>
+            <a:off x="4822384" y="2888707"/>
+            <a:ext cx="4038587" cy="646331"/>
+          </a:xfrm>
+          <a:prstGeom prst="rect">
+            <a:avLst/>
+          </a:prstGeom>
+          <a:noFill/>
+        </p:spPr>
+        <p:txBody>
+          <a:bodyPr wrap="square" rtlCol="0">
+            <a:spAutoFit/>
+          </a:bodyPr>
+          <a:lstStyle/>
+          <a:p>
+            <a:r>
+              <a:rPr lang="en-US" dirty="0"/>
+              <a:t>Christianity shouldn’t exist </a:t>
+            </a:r>
+            <a:r>
+              <a:rPr lang="en-US" dirty="0">
+                <a:solidFill>
+                  <a:schemeClr val="bg1">
+                    <a:lumMod val="50000"/>
+                    <a:lumOff val="50000"/>
+                  </a:schemeClr>
+                </a:solidFill>
+              </a:rPr>
+              <a:t>(if not for the resurrection)</a:t>
+            </a:r>
+          </a:p>
+        </p:txBody>
+      </p:sp>
+      <p:sp>
+        <p:nvSpPr>
+          <p:cNvPr id="13" name="TextBox 12">
+            <a:extLst>
+              <a:ext uri="{FF2B5EF4-FFF2-40B4-BE49-F238E27FC236}">
+                <a16:creationId xmlns:a16="http://schemas.microsoft.com/office/drawing/2014/main" id="{0A6197F4-BB3F-C24D-A053-A2855674FEB1}"/>
+              </a:ext>
+            </a:extLst>
+          </p:cNvPr>
+          <p:cNvSpPr txBox="1"/>
+          <p:nvPr/>
+        </p:nvSpPr>
+        <p:spPr>
+          <a:xfrm>
+            <a:off x="4822384" y="4422810"/>
+            <a:ext cx="4038587" cy="369332"/>
+          </a:xfrm>
+          <a:prstGeom prst="rect">
+            <a:avLst/>
+          </a:prstGeom>
+          <a:noFill/>
+        </p:spPr>
+        <p:txBody>
+          <a:bodyPr wrap="square" rtlCol="0">
+            <a:spAutoFit/>
+          </a:bodyPr>
+          <a:lstStyle/>
+          <a:p>
+            <a:r>
+              <a:rPr lang="en-US" dirty="0"/>
+              <a:t>Prophecy: Isaiah 53</a:t>
+            </a:r>
+          </a:p>
+        </p:txBody>
+      </p:sp>
+    </p:spTree>
+    <p:extLst>
+      <p:ext uri="{BB962C8B-B14F-4D97-AF65-F5344CB8AC3E}">
+        <p14:creationId xmlns:p14="http://schemas.microsoft.com/office/powerpoint/2010/main" val="1351436791"/>
+      </p:ext>
+    </p:extLst>
+  </p:cSld>
+  <p:clrMapOvr>
+    <a:masterClrMapping/>
+  </p:clrMapOvr>
+  <p:timing>
+    <p:tnLst>
+      <p:par>
+        <p:cTn id="1" dur="indefinite" restart="never" nodeType="tmRoot">
+          <p:childTnLst>
+            <p:seq concurrent="1" nextAc="seek">
+              <p:cTn id="2" dur="indefinite" nodeType="mainSeq">
+                <p:childTnLst>
+                  <p:par>
+                    <p:cTn id="3" fill="hold">
+                      <p:stCondLst>
+                        <p:cond delay="indefinite"/>
+                      </p:stCondLst>
+                      <p:childTnLst>
+                        <p:par>
+                          <p:cTn id="4" fill="hold">
+                            <p:stCondLst>
+                              <p:cond delay="0"/>
+                            </p:stCondLst>
+                            <p:childTnLst>
+                              <p:par>
+                                <p:cTn id="5" presetID="10" presetClass="entr" presetSubtype="0" fill="hold" nodeType="clickEffect">
+                                  <p:stCondLst>
+                                    <p:cond delay="0"/>
+                                  </p:stCondLst>
+                                  <p:childTnLst>
+                                    <p:set>
+                                      <p:cBhvr>
+                                        <p:cTn id="6" dur="1" fill="hold">
+                                          <p:stCondLst>
+                                            <p:cond delay="0"/>
+                                          </p:stCondLst>
+                                        </p:cTn>
+                                        <p:tgtEl>
+                                          <p:spTgt spid="3"/>
+                                        </p:tgtEl>
+                                        <p:attrNameLst>
+                                          <p:attrName>style.visibility</p:attrName>
+                                        </p:attrNameLst>
+                                      </p:cBhvr>
+                                      <p:to>
+                                        <p:strVal val="visible"/>
+                                      </p:to>
+                                    </p:set>
+                                    <p:animEffect transition="in" filter="fade">
+                                      <p:cBhvr>
+                                        <p:cTn id="7" dur="500"/>
+                                        <p:tgtEl>
+                                          <p:spTgt spid="3"/>
+                                        </p:tgtEl>
+                                      </p:cBhvr>
+                                    </p:animEffect>
+                                  </p:childTnLst>
+                                </p:cTn>
+                              </p:par>
+                            </p:childTnLst>
+                          </p:cTn>
+                        </p:par>
+                      </p:childTnLst>
+                    </p:cTn>
+                  </p:par>
+                  <p:par>
+                    <p:cTn id="8" fill="hold">
+                      <p:stCondLst>
+                        <p:cond delay="indefinite"/>
+                      </p:stCondLst>
+                      <p:childTnLst>
+                        <p:par>
+                          <p:cTn id="9" fill="hold">
+                            <p:stCondLst>
+                              <p:cond delay="0"/>
+                            </p:stCondLst>
+                            <p:childTnLst>
+                              <p:par>
+                                <p:cTn id="10" presetID="10" presetClass="entr" presetSubtype="0" fill="hold" grpId="0" nodeType="clickEffect">
+                                  <p:stCondLst>
+                                    <p:cond delay="0"/>
+                                  </p:stCondLst>
+                                  <p:childTnLst>
+                                    <p:set>
+                                      <p:cBhvr>
+                                        <p:cTn id="11" dur="1" fill="hold">
+                                          <p:stCondLst>
+                                            <p:cond delay="0"/>
+                                          </p:stCondLst>
+                                        </p:cTn>
+                                        <p:tgtEl>
+                                          <p:spTgt spid="5"/>
+                                        </p:tgtEl>
+                                        <p:attrNameLst>
+                                          <p:attrName>style.visibility</p:attrName>
+                                        </p:attrNameLst>
+                                      </p:cBhvr>
+                                      <p:to>
+                                        <p:strVal val="visible"/>
+                                      </p:to>
+                                    </p:set>
+                                    <p:animEffect transition="in" filter="fade">
+                                      <p:cBhvr>
+                                        <p:cTn id="12" dur="250"/>
+                                        <p:tgtEl>
+                                          <p:spTgt spid="5"/>
+                                        </p:tgtEl>
+                                      </p:cBhvr>
+                                    </p:animEffect>
+                                  </p:childTnLst>
+                                </p:cTn>
+                              </p:par>
+                            </p:childTnLst>
+                          </p:cTn>
+                        </p:par>
+                      </p:childTnLst>
+                    </p:cTn>
+                  </p:par>
+                  <p:par>
+                    <p:cTn id="13" fill="hold">
+                      <p:stCondLst>
+                        <p:cond delay="indefinite"/>
+                      </p:stCondLst>
+                      <p:childTnLst>
+                        <p:par>
+                          <p:cTn id="14" fill="hold">
+                            <p:stCondLst>
+                              <p:cond delay="0"/>
+                            </p:stCondLst>
+                            <p:childTnLst>
+                              <p:par>
+                                <p:cTn id="15" presetID="10" presetClass="entr" presetSubtype="0" fill="hold" grpId="0" nodeType="clickEffect">
+                                  <p:stCondLst>
+                                    <p:cond delay="0"/>
+                                  </p:stCondLst>
+                                  <p:childTnLst>
+                                    <p:set>
+                                      <p:cBhvr>
+                                        <p:cTn id="16" dur="1" fill="hold">
+                                          <p:stCondLst>
+                                            <p:cond delay="0"/>
+                                          </p:stCondLst>
+                                        </p:cTn>
+                                        <p:tgtEl>
+                                          <p:spTgt spid="6"/>
+                                        </p:tgtEl>
+                                        <p:attrNameLst>
+                                          <p:attrName>style.visibility</p:attrName>
+                                        </p:attrNameLst>
+                                      </p:cBhvr>
+                                      <p:to>
+                                        <p:strVal val="visible"/>
+                                      </p:to>
+                                    </p:set>
+                                    <p:animEffect transition="in" filter="fade">
+                                      <p:cBhvr>
+                                        <p:cTn id="17" dur="250"/>
+                                        <p:tgtEl>
+                                          <p:spTgt spid="6"/>
+                                        </p:tgtEl>
+                                      </p:cBhvr>
+                                    </p:animEffect>
+                                  </p:childTnLst>
+                                </p:cTn>
+                              </p:par>
+                            </p:childTnLst>
+                          </p:cTn>
+                        </p:par>
+                      </p:childTnLst>
+                    </p:cTn>
+                  </p:par>
+                  <p:par>
+                    <p:cTn id="18" fill="hold">
+                      <p:stCondLst>
+                        <p:cond delay="indefinite"/>
+                      </p:stCondLst>
+                      <p:childTnLst>
+                        <p:par>
+                          <p:cTn id="19" fill="hold">
+                            <p:stCondLst>
+                              <p:cond delay="0"/>
+                            </p:stCondLst>
+                            <p:childTnLst>
+                              <p:par>
+                                <p:cTn id="20" presetID="10" presetClass="entr" presetSubtype="0" fill="hold" grpId="0" nodeType="clickEffect">
+                                  <p:stCondLst>
+                                    <p:cond delay="0"/>
+                                  </p:stCondLst>
+                                  <p:childTnLst>
+                                    <p:set>
+                                      <p:cBhvr>
+                                        <p:cTn id="21" dur="1" fill="hold">
+                                          <p:stCondLst>
+                                            <p:cond delay="0"/>
+                                          </p:stCondLst>
+                                        </p:cTn>
+                                        <p:tgtEl>
+                                          <p:spTgt spid="7"/>
+                                        </p:tgtEl>
+                                        <p:attrNameLst>
+                                          <p:attrName>style.visibility</p:attrName>
+                                        </p:attrNameLst>
+                                      </p:cBhvr>
+                                      <p:to>
+                                        <p:strVal val="visible"/>
+                                      </p:to>
+                                    </p:set>
+                                    <p:animEffect transition="in" filter="fade">
+                                      <p:cBhvr>
+                                        <p:cTn id="22" dur="500"/>
+                                        <p:tgtEl>
+                                          <p:spTgt spid="7"/>
+                                        </p:tgtEl>
+                                      </p:cBhvr>
+                                    </p:animEffect>
+                                  </p:childTnLst>
+                                </p:cTn>
+                              </p:par>
+                            </p:childTnLst>
+                          </p:cTn>
+                        </p:par>
+                      </p:childTnLst>
+                    </p:cTn>
+                  </p:par>
+                  <p:par>
+                    <p:cTn id="23" fill="hold">
+                      <p:stCondLst>
+                        <p:cond delay="indefinite"/>
+                      </p:stCondLst>
+                      <p:childTnLst>
+                        <p:par>
+                          <p:cTn id="24" fill="hold">
+                            <p:stCondLst>
+                              <p:cond delay="0"/>
+                            </p:stCondLst>
+                            <p:childTnLst>
+                              <p:par>
+                                <p:cTn id="25" presetID="10" presetClass="entr" presetSubtype="0" fill="hold" grpId="0" nodeType="clickEffect">
+                                  <p:stCondLst>
+                                    <p:cond delay="0"/>
+                                  </p:stCondLst>
+                                  <p:childTnLst>
+                                    <p:set>
+                                      <p:cBhvr>
+                                        <p:cTn id="26" dur="1" fill="hold">
+                                          <p:stCondLst>
+                                            <p:cond delay="0"/>
+                                          </p:stCondLst>
+                                        </p:cTn>
+                                        <p:tgtEl>
+                                          <p:spTgt spid="9"/>
+                                        </p:tgtEl>
+                                        <p:attrNameLst>
+                                          <p:attrName>style.visibility</p:attrName>
+                                        </p:attrNameLst>
+                                      </p:cBhvr>
+                                      <p:to>
+                                        <p:strVal val="visible"/>
+                                      </p:to>
+                                    </p:set>
+                                    <p:animEffect transition="in" filter="fade">
+                                      <p:cBhvr>
+                                        <p:cTn id="27" dur="500"/>
+                                        <p:tgtEl>
+                                          <p:spTgt spid="9"/>
+                                        </p:tgtEl>
+                                      </p:cBhvr>
+                                    </p:animEffect>
+                                  </p:childTnLst>
+                                </p:cTn>
+                              </p:par>
+                            </p:childTnLst>
+                          </p:cTn>
+                        </p:par>
+                      </p:childTnLst>
+                    </p:cTn>
+                  </p:par>
+                  <p:par>
+                    <p:cTn id="28" fill="hold">
+                      <p:stCondLst>
+                        <p:cond delay="indefinite"/>
+                      </p:stCondLst>
+                      <p:childTnLst>
+                        <p:par>
+                          <p:cTn id="29" fill="hold">
+                            <p:stCondLst>
+                              <p:cond delay="0"/>
+                            </p:stCondLst>
+                            <p:childTnLst>
+                              <p:par>
+                                <p:cTn id="30" presetID="10" presetClass="entr" presetSubtype="0" fill="hold" grpId="0" nodeType="clickEffect">
+                                  <p:stCondLst>
+                                    <p:cond delay="0"/>
+                                  </p:stCondLst>
+                                  <p:childTnLst>
+                                    <p:set>
+                                      <p:cBhvr>
+                                        <p:cTn id="31" dur="1" fill="hold">
+                                          <p:stCondLst>
+                                            <p:cond delay="0"/>
+                                          </p:stCondLst>
+                                        </p:cTn>
+                                        <p:tgtEl>
+                                          <p:spTgt spid="12"/>
+                                        </p:tgtEl>
+                                        <p:attrNameLst>
+                                          <p:attrName>style.visibility</p:attrName>
+                                        </p:attrNameLst>
+                                      </p:cBhvr>
+                                      <p:to>
+                                        <p:strVal val="visible"/>
+                                      </p:to>
+                                    </p:set>
+                                    <p:animEffect transition="in" filter="fade">
+                                      <p:cBhvr>
+                                        <p:cTn id="32" dur="500"/>
+                                        <p:tgtEl>
+                                          <p:spTgt spid="12"/>
+                                        </p:tgtEl>
+                                      </p:cBhvr>
+                                    </p:animEffect>
+                                  </p:childTnLst>
+                                </p:cTn>
+                              </p:par>
+                            </p:childTnLst>
+                          </p:cTn>
+                        </p:par>
+                      </p:childTnLst>
+                    </p:cTn>
+                  </p:par>
+                  <p:par>
+                    <p:cTn id="33" fill="hold">
+                      <p:stCondLst>
+                        <p:cond delay="indefinite"/>
+                      </p:stCondLst>
+                      <p:childTnLst>
+                        <p:par>
+                          <p:cTn id="34" fill="hold">
+                            <p:stCondLst>
+                              <p:cond delay="0"/>
+                            </p:stCondLst>
+                            <p:childTnLst>
+                              <p:par>
+                                <p:cTn id="35" presetID="10" presetClass="entr" presetSubtype="0" fill="hold" grpId="0" nodeType="clickEffect">
+                                  <p:stCondLst>
+                                    <p:cond delay="0"/>
+                                  </p:stCondLst>
+                                  <p:childTnLst>
+                                    <p:set>
+                                      <p:cBhvr>
+                                        <p:cTn id="36" dur="1" fill="hold">
+                                          <p:stCondLst>
+                                            <p:cond delay="0"/>
+                                          </p:stCondLst>
+                                        </p:cTn>
+                                        <p:tgtEl>
+                                          <p:spTgt spid="11"/>
+                                        </p:tgtEl>
+                                        <p:attrNameLst>
+                                          <p:attrName>style.visibility</p:attrName>
+                                        </p:attrNameLst>
+                                      </p:cBhvr>
+                                      <p:to>
+                                        <p:strVal val="visible"/>
+                                      </p:to>
+                                    </p:set>
+                                    <p:animEffect transition="in" filter="fade">
+                                      <p:cBhvr>
+                                        <p:cTn id="37" dur="500"/>
+                                        <p:tgtEl>
+                                          <p:spTgt spid="11"/>
+                                        </p:tgtEl>
+                                      </p:cBhvr>
+                                    </p:animEffect>
+                                  </p:childTnLst>
+                                </p:cTn>
+                              </p:par>
+                            </p:childTnLst>
+                          </p:cTn>
+                        </p:par>
+                      </p:childTnLst>
+                    </p:cTn>
+                  </p:par>
+                  <p:par>
+                    <p:cTn id="38" fill="hold">
+                      <p:stCondLst>
+                        <p:cond delay="indefinite"/>
+                      </p:stCondLst>
+                      <p:childTnLst>
+                        <p:par>
+                          <p:cTn id="39" fill="hold">
+                            <p:stCondLst>
+                              <p:cond delay="0"/>
+                            </p:stCondLst>
+                            <p:childTnLst>
+                              <p:par>
+                                <p:cTn id="40" presetID="10" presetClass="entr" presetSubtype="0" fill="hold" grpId="0" nodeType="clickEffect">
+                                  <p:stCondLst>
+                                    <p:cond delay="0"/>
+                                  </p:stCondLst>
+                                  <p:childTnLst>
+                                    <p:set>
+                                      <p:cBhvr>
+                                        <p:cTn id="41" dur="1" fill="hold">
+                                          <p:stCondLst>
+                                            <p:cond delay="0"/>
+                                          </p:stCondLst>
+                                        </p:cTn>
+                                        <p:tgtEl>
+                                          <p:spTgt spid="13"/>
+                                        </p:tgtEl>
+                                        <p:attrNameLst>
+                                          <p:attrName>style.visibility</p:attrName>
+                                        </p:attrNameLst>
+                                      </p:cBhvr>
+                                      <p:to>
+                                        <p:strVal val="visible"/>
+                                      </p:to>
+                                    </p:set>
+                                    <p:animEffect transition="in" filter="fade">
+                                      <p:cBhvr>
+                                        <p:cTn id="42" dur="500"/>
+                                        <p:tgtEl>
+                                          <p:spTgt spid="13"/>
+                                        </p:tgtEl>
+                                      </p:cBhvr>
+                                    </p:animEffect>
+                                  </p:childTnLst>
+                                </p:cTn>
+                              </p:par>
+                            </p:childTnLst>
+                          </p:cTn>
+                        </p:par>
+                      </p:childTnLst>
+                    </p:cTn>
+                  </p:par>
+                  <p:par>
+                    <p:cTn id="43" fill="hold">
+                      <p:stCondLst>
+                        <p:cond delay="indefinite"/>
+                      </p:stCondLst>
+                      <p:childTnLst>
+                        <p:par>
+                          <p:cTn id="44" fill="hold">
+                            <p:stCondLst>
+                              <p:cond delay="0"/>
+                            </p:stCondLst>
+                            <p:childTnLst>
+                              <p:par>
+                                <p:cTn id="45" presetID="10" presetClass="entr" presetSubtype="0" fill="hold" grpId="0" nodeType="clickEffect">
+                                  <p:stCondLst>
+                                    <p:cond delay="0"/>
+                                  </p:stCondLst>
+                                  <p:childTnLst>
+                                    <p:set>
+                                      <p:cBhvr>
+                                        <p:cTn id="46" dur="1" fill="hold">
+                                          <p:stCondLst>
+                                            <p:cond delay="0"/>
+                                          </p:stCondLst>
+                                        </p:cTn>
+                                        <p:tgtEl>
+                                          <p:spTgt spid="8"/>
+                                        </p:tgtEl>
+                                        <p:attrNameLst>
+                                          <p:attrName>style.visibility</p:attrName>
+                                        </p:attrNameLst>
+                                      </p:cBhvr>
+                                      <p:to>
+                                        <p:strVal val="visible"/>
+                                      </p:to>
+                                    </p:set>
+                                    <p:animEffect transition="in" filter="fade">
+                                      <p:cBhvr>
+                                        <p:cTn id="47" dur="500"/>
+                                        <p:tgtEl>
+                                          <p:spTgt spid="8"/>
+                                        </p:tgtEl>
+                                      </p:cBhvr>
+                                    </p:animEffect>
+                                  </p:childTnLst>
+                                </p:cTn>
+                              </p:par>
+                            </p:childTnLst>
+                          </p:cTn>
+                        </p:par>
+                      </p:childTnLst>
+                    </p:cTn>
+                  </p:par>
+                  <p:par>
+                    <p:cTn id="48" fill="hold">
+                      <p:stCondLst>
+                        <p:cond delay="indefinite"/>
+                      </p:stCondLst>
+                      <p:childTnLst>
+                        <p:par>
+                          <p:cTn id="49" fill="hold">
+                            <p:stCondLst>
+                              <p:cond delay="0"/>
+                            </p:stCondLst>
+                            <p:childTnLst>
+                              <p:par>
+                                <p:cTn id="50" presetID="10" presetClass="entr" presetSubtype="0" fill="hold" grpId="0" nodeType="clickEffect">
+                                  <p:stCondLst>
+                                    <p:cond delay="0"/>
+                                  </p:stCondLst>
+                                  <p:childTnLst>
+                                    <p:set>
+                                      <p:cBhvr>
+                                        <p:cTn id="51" dur="1" fill="hold">
+                                          <p:stCondLst>
+                                            <p:cond delay="0"/>
+                                          </p:stCondLst>
+                                        </p:cTn>
+                                        <p:tgtEl>
+                                          <p:spTgt spid="10"/>
+                                        </p:tgtEl>
+                                        <p:attrNameLst>
+                                          <p:attrName>style.visibility</p:attrName>
+                                        </p:attrNameLst>
+                                      </p:cBhvr>
+                                      <p:to>
+                                        <p:strVal val="visible"/>
+                                      </p:to>
+                                    </p:set>
+                                    <p:animEffect transition="in" filter="fade">
+                                      <p:cBhvr>
+                                        <p:cTn id="52" dur="500"/>
+                                        <p:tgtEl>
+                                          <p:spTgt spid="10"/>
+                                        </p:tgtEl>
+                                      </p:cBhvr>
+                                    </p:animEffect>
+                                  </p:childTnLst>
+                                </p:cTn>
+                              </p:par>
+                            </p:childTnLst>
+                          </p:cTn>
+                        </p:par>
+                      </p:childTnLst>
+                    </p:cTn>
+                  </p:par>
+                </p:childTnLst>
+              </p:cTn>
+              <p:prevCondLst>
+                <p:cond evt="onPrev" delay="0">
+                  <p:tgtEl>
+                    <p:sldTgt/>
+                  </p:tgtEl>
+                </p:cond>
+              </p:prevCondLst>
+              <p:nextCondLst>
+                <p:cond evt="onNext" delay="0">
+                  <p:tgtEl>
+                    <p:sldTgt/>
+                  </p:tgtEl>
+                </p:cond>
+              </p:nextCondLst>
+            </p:seq>
+          </p:childTnLst>
+        </p:cTn>
+      </p:par>
+    </p:tnLst>
+    <p:bldLst>
+      <p:bldP spid="5" grpId="0"/>
+      <p:bldP spid="6" grpId="0"/>
+      <p:bldP spid="7" grpId="0"/>
+      <p:bldP spid="8" grpId="0"/>
+      <p:bldP spid="9" grpId="0"/>
+      <p:bldP spid="10" grpId="0"/>
+      <p:bldP spid="11" grpId="0"/>
+      <p:bldP spid="12" grpId="0"/>
+      <p:bldP spid="13" grpId="0"/>
     </p:bldLst>
   </p:timing>
 </p:sld>

--- a/companion-website/public/files/0. Intro.pptx
+++ b/companion-website/public/files/0. Intro.pptx
@@ -5,7 +5,7 @@
     <p:sldMasterId id="2147483648" r:id="rId1"/>
   </p:sldMasterIdLst>
   <p:notesMasterIdLst>
-    <p:notesMasterId r:id="rId12"/>
+    <p:notesMasterId r:id="rId13"/>
   </p:notesMasterIdLst>
   <p:sldIdLst>
     <p:sldId id="275" r:id="rId2"/>
@@ -18,6 +18,7 @@
     <p:sldId id="448" r:id="rId9"/>
     <p:sldId id="456" r:id="rId10"/>
     <p:sldId id="455" r:id="rId11"/>
+    <p:sldId id="457" r:id="rId12"/>
   </p:sldIdLst>
   <p:sldSz cx="9144000" cy="6858000" type="screen4x3"/>
   <p:notesSz cx="6858000" cy="9144000"/>
@@ -217,7 +218,7 @@
           <a:p>
             <a:fld id="{8F7EB338-8BB0-B64B-9F79-C87EA24D723F}" type="datetimeFigureOut">
               <a:rPr lang="en-US" smtClean="0"/>
-              <a:t>8/21/20</a:t>
+              <a:t>9/4/20</a:t>
             </a:fld>
             <a:endParaRPr lang="en-US"/>
           </a:p>
@@ -1004,7 +1005,7 @@
             <a:fld id="{DBE77699-C466-4996-ADED-71C8160E04A2}" type="datetimeFigureOut">
               <a:rPr lang="en-US" smtClean="0"/>
               <a:pPr/>
-              <a:t>8/21/20</a:t>
+              <a:t>9/4/20</a:t>
             </a:fld>
             <a:endParaRPr lang="en-US"/>
           </a:p>
@@ -1169,7 +1170,7 @@
             <a:fld id="{DBE77699-C466-4996-ADED-71C8160E04A2}" type="datetimeFigureOut">
               <a:rPr lang="en-US" smtClean="0"/>
               <a:pPr/>
-              <a:t>8/21/20</a:t>
+              <a:t>9/4/20</a:t>
             </a:fld>
             <a:endParaRPr lang="en-US"/>
           </a:p>
@@ -1344,7 +1345,7 @@
             <a:fld id="{DBE77699-C466-4996-ADED-71C8160E04A2}" type="datetimeFigureOut">
               <a:rPr lang="en-US" smtClean="0"/>
               <a:pPr/>
-              <a:t>8/21/20</a:t>
+              <a:t>9/4/20</a:t>
             </a:fld>
             <a:endParaRPr lang="en-US"/>
           </a:p>
@@ -1394,6 +1395,229 @@
         </p:txBody>
       </p:sp>
     </p:spTree>
+  </p:cSld>
+  <p:clrMapOvr>
+    <a:masterClrMapping/>
+  </p:clrMapOvr>
+</p:sldLayout>
+</file>
+
+<file path=ppt/slideLayouts/slideLayout12.xml><?xml version="1.0" encoding="utf-8"?>
+<p:sldLayout xmlns:a="http://schemas.openxmlformats.org/drawingml/2006/main" xmlns:r="http://schemas.openxmlformats.org/officeDocument/2006/relationships" xmlns:p="http://schemas.openxmlformats.org/presentationml/2006/main" userDrawn="1">
+  <p:cSld name="1_Title and Content">
+    <p:spTree>
+      <p:nvGrpSpPr>
+        <p:cNvPr id="1" name=""/>
+        <p:cNvGrpSpPr/>
+        <p:nvPr/>
+      </p:nvGrpSpPr>
+      <p:grpSpPr>
+        <a:xfrm>
+          <a:off x="0" y="0"/>
+          <a:ext cx="0" cy="0"/>
+          <a:chOff x="0" y="0"/>
+          <a:chExt cx="0" cy="0"/>
+        </a:xfrm>
+      </p:grpSpPr>
+      <p:sp>
+        <p:nvSpPr>
+          <p:cNvPr id="2" name="Title 1"/>
+          <p:cNvSpPr>
+            <a:spLocks noGrp="1"/>
+          </p:cNvSpPr>
+          <p:nvPr>
+            <p:ph type="title"/>
+          </p:nvPr>
+        </p:nvSpPr>
+        <p:spPr>
+          <a:xfrm>
+            <a:off x="4417" y="0"/>
+            <a:ext cx="9144000" cy="838200"/>
+          </a:xfrm>
+        </p:spPr>
+        <p:txBody>
+          <a:bodyPr/>
+          <a:lstStyle>
+            <a:lvl1pPr>
+              <a:defRPr b="1"/>
+            </a:lvl1pPr>
+          </a:lstStyle>
+          <a:p>
+            <a:r>
+              <a:rPr lang="en-US" dirty="0"/>
+              <a:t>Click to edit Master title style</a:t>
+            </a:r>
+          </a:p>
+        </p:txBody>
+      </p:sp>
+      <p:sp>
+        <p:nvSpPr>
+          <p:cNvPr id="3" name="Content Placeholder 2"/>
+          <p:cNvSpPr>
+            <a:spLocks noGrp="1"/>
+          </p:cNvSpPr>
+          <p:nvPr>
+            <p:ph idx="1"/>
+          </p:nvPr>
+        </p:nvSpPr>
+        <p:spPr>
+          <a:xfrm>
+            <a:off x="0" y="1371600"/>
+            <a:ext cx="9144000" cy="4754563"/>
+          </a:xfrm>
+        </p:spPr>
+        <p:txBody>
+          <a:bodyPr/>
+          <a:lstStyle/>
+          <a:p>
+            <a:pPr lvl="0"/>
+            <a:r>
+              <a:rPr lang="en-US"/>
+              <a:t>Click to edit Master text styles</a:t>
+            </a:r>
+          </a:p>
+          <a:p>
+            <a:pPr lvl="1"/>
+            <a:r>
+              <a:rPr lang="en-US"/>
+              <a:t>Second level</a:t>
+            </a:r>
+          </a:p>
+          <a:p>
+            <a:pPr lvl="2"/>
+            <a:r>
+              <a:rPr lang="en-US"/>
+              <a:t>Third level</a:t>
+            </a:r>
+          </a:p>
+          <a:p>
+            <a:pPr lvl="3"/>
+            <a:r>
+              <a:rPr lang="en-US"/>
+              <a:t>Fourth level</a:t>
+            </a:r>
+          </a:p>
+          <a:p>
+            <a:pPr lvl="4"/>
+            <a:r>
+              <a:rPr lang="en-US"/>
+              <a:t>Fifth level</a:t>
+            </a:r>
+          </a:p>
+        </p:txBody>
+      </p:sp>
+      <p:sp>
+        <p:nvSpPr>
+          <p:cNvPr id="4" name="Date Placeholder 3"/>
+          <p:cNvSpPr>
+            <a:spLocks noGrp="1"/>
+          </p:cNvSpPr>
+          <p:nvPr>
+            <p:ph type="dt" sz="half" idx="10"/>
+          </p:nvPr>
+        </p:nvSpPr>
+        <p:spPr/>
+        <p:txBody>
+          <a:bodyPr/>
+          <a:lstStyle/>
+          <a:p>
+            <a:fld id="{DBE77699-C466-4996-ADED-71C8160E04A2}" type="datetimeFigureOut">
+              <a:rPr lang="en-US" smtClean="0"/>
+              <a:pPr/>
+              <a:t>9/4/20</a:t>
+            </a:fld>
+            <a:endParaRPr lang="en-US"/>
+          </a:p>
+        </p:txBody>
+      </p:sp>
+      <p:sp>
+        <p:nvSpPr>
+          <p:cNvPr id="5" name="Footer Placeholder 4"/>
+          <p:cNvSpPr>
+            <a:spLocks noGrp="1"/>
+          </p:cNvSpPr>
+          <p:nvPr>
+            <p:ph type="ftr" sz="quarter" idx="11"/>
+          </p:nvPr>
+        </p:nvSpPr>
+        <p:spPr/>
+        <p:txBody>
+          <a:bodyPr/>
+          <a:lstStyle/>
+          <a:p>
+            <a:endParaRPr lang="en-US"/>
+          </a:p>
+        </p:txBody>
+      </p:sp>
+      <p:sp>
+        <p:nvSpPr>
+          <p:cNvPr id="6" name="Slide Number Placeholder 5"/>
+          <p:cNvSpPr>
+            <a:spLocks noGrp="1"/>
+          </p:cNvSpPr>
+          <p:nvPr>
+            <p:ph type="sldNum" sz="quarter" idx="12"/>
+          </p:nvPr>
+        </p:nvSpPr>
+        <p:spPr/>
+        <p:txBody>
+          <a:bodyPr/>
+          <a:lstStyle/>
+          <a:p>
+            <a:fld id="{ECD645EE-450D-4102-8FB2-AECCE2D0F3DF}" type="slidenum">
+              <a:rPr lang="en-US" smtClean="0"/>
+              <a:pPr/>
+              <a:t>‹#›</a:t>
+            </a:fld>
+            <a:endParaRPr lang="en-US"/>
+          </a:p>
+        </p:txBody>
+      </p:sp>
+      <p:sp>
+        <p:nvSpPr>
+          <p:cNvPr id="9" name="Text Placeholder 8"/>
+          <p:cNvSpPr>
+            <a:spLocks noGrp="1"/>
+          </p:cNvSpPr>
+          <p:nvPr>
+            <p:ph type="body" sz="quarter" idx="13" hasCustomPrompt="1"/>
+          </p:nvPr>
+        </p:nvSpPr>
+        <p:spPr>
+          <a:xfrm>
+            <a:off x="0" y="838200"/>
+            <a:ext cx="9144000" cy="533400"/>
+          </a:xfrm>
+        </p:spPr>
+        <p:txBody>
+          <a:bodyPr>
+            <a:normAutofit/>
+          </a:bodyPr>
+          <a:lstStyle>
+            <a:lvl1pPr marL="0" indent="0">
+              <a:buNone/>
+              <a:defRPr sz="2400" b="1">
+                <a:solidFill>
+                  <a:srgbClr val="7F7F7F"/>
+                </a:solidFill>
+              </a:defRPr>
+            </a:lvl1pPr>
+          </a:lstStyle>
+          <a:p>
+            <a:pPr lvl="0"/>
+            <a:r>
+              <a:rPr lang="en-US" dirty="0"/>
+              <a:t>Click to edit sub-title</a:t>
+            </a:r>
+          </a:p>
+        </p:txBody>
+      </p:sp>
+    </p:spTree>
+    <p:extLst>
+      <p:ext uri="{BB962C8B-B14F-4D97-AF65-F5344CB8AC3E}">
+        <p14:creationId xmlns:p14="http://schemas.microsoft.com/office/powerpoint/2010/main" val="534403166"/>
+      </p:ext>
+    </p:extLst>
   </p:cSld>
   <p:clrMapOvr>
     <a:masterClrMapping/>
@@ -1509,7 +1733,7 @@
             <a:fld id="{DBE77699-C466-4996-ADED-71C8160E04A2}" type="datetimeFigureOut">
               <a:rPr lang="en-US" smtClean="0"/>
               <a:pPr/>
-              <a:t>8/21/20</a:t>
+              <a:t>9/4/20</a:t>
             </a:fld>
             <a:endParaRPr lang="en-US"/>
           </a:p>
@@ -1751,7 +1975,7 @@
             <a:fld id="{DBE77699-C466-4996-ADED-71C8160E04A2}" type="datetimeFigureOut">
               <a:rPr lang="en-US" smtClean="0"/>
               <a:pPr/>
-              <a:t>8/21/20</a:t>
+              <a:t>9/4/20</a:t>
             </a:fld>
             <a:endParaRPr lang="en-US"/>
           </a:p>
@@ -2033,7 +2257,7 @@
             <a:fld id="{DBE77699-C466-4996-ADED-71C8160E04A2}" type="datetimeFigureOut">
               <a:rPr lang="en-US" smtClean="0"/>
               <a:pPr/>
-              <a:t>8/21/20</a:t>
+              <a:t>9/4/20</a:t>
             </a:fld>
             <a:endParaRPr lang="en-US"/>
           </a:p>
@@ -2449,7 +2673,7 @@
             <a:fld id="{DBE77699-C466-4996-ADED-71C8160E04A2}" type="datetimeFigureOut">
               <a:rPr lang="en-US" smtClean="0"/>
               <a:pPr/>
-              <a:t>8/21/20</a:t>
+              <a:t>9/4/20</a:t>
             </a:fld>
             <a:endParaRPr lang="en-US"/>
           </a:p>
@@ -2563,7 +2787,7 @@
             <a:fld id="{DBE77699-C466-4996-ADED-71C8160E04A2}" type="datetimeFigureOut">
               <a:rPr lang="en-US" smtClean="0"/>
               <a:pPr/>
-              <a:t>8/21/20</a:t>
+              <a:t>9/4/20</a:t>
             </a:fld>
             <a:endParaRPr lang="en-US"/>
           </a:p>
@@ -2655,7 +2879,7 @@
             <a:fld id="{DBE77699-C466-4996-ADED-71C8160E04A2}" type="datetimeFigureOut">
               <a:rPr lang="en-US" smtClean="0"/>
               <a:pPr/>
-              <a:t>8/21/20</a:t>
+              <a:t>9/4/20</a:t>
             </a:fld>
             <a:endParaRPr lang="en-US"/>
           </a:p>
@@ -2927,7 +3151,7 @@
             <a:fld id="{DBE77699-C466-4996-ADED-71C8160E04A2}" type="datetimeFigureOut">
               <a:rPr lang="en-US" smtClean="0"/>
               <a:pPr/>
-              <a:t>8/21/20</a:t>
+              <a:t>9/4/20</a:t>
             </a:fld>
             <a:endParaRPr lang="en-US"/>
           </a:p>
@@ -3176,7 +3400,7 @@
             <a:fld id="{DBE77699-C466-4996-ADED-71C8160E04A2}" type="datetimeFigureOut">
               <a:rPr lang="en-US" smtClean="0"/>
               <a:pPr/>
-              <a:t>8/21/20</a:t>
+              <a:t>9/4/20</a:t>
             </a:fld>
             <a:endParaRPr lang="en-US"/>
           </a:p>
@@ -3387,7 +3611,7 @@
             <a:fld id="{DBE77699-C466-4996-ADED-71C8160E04A2}" type="datetimeFigureOut">
               <a:rPr lang="en-US" smtClean="0"/>
               <a:pPr/>
-              <a:t>8/21/20</a:t>
+              <a:t>9/4/20</a:t>
             </a:fld>
             <a:endParaRPr lang="en-US"/>
           </a:p>
@@ -3487,6 +3711,7 @@
     <p:sldLayoutId id="2147483657" r:id="rId9"/>
     <p:sldLayoutId id="2147483658" r:id="rId10"/>
     <p:sldLayoutId id="2147483659" r:id="rId11"/>
+    <p:sldLayoutId id="2147483660" r:id="rId12"/>
   </p:sldLayoutIdLst>
   <p:txStyles>
     <p:titleStyle>
@@ -5619,6 +5844,1141 @@
     </p:tnLst>
     <p:bldLst>
       <p:bldP spid="6" grpId="0"/>
+    </p:bldLst>
+  </p:timing>
+</p:sld>
+</file>
+
+<file path=ppt/slides/slide11.xml><?xml version="1.0" encoding="utf-8"?>
+<p:sld xmlns:a="http://schemas.openxmlformats.org/drawingml/2006/main" xmlns:r="http://schemas.openxmlformats.org/officeDocument/2006/relationships" xmlns:p="http://schemas.openxmlformats.org/presentationml/2006/main">
+  <p:cSld>
+    <p:spTree>
+      <p:nvGrpSpPr>
+        <p:cNvPr id="1" name=""/>
+        <p:cNvGrpSpPr/>
+        <p:nvPr/>
+      </p:nvGrpSpPr>
+      <p:grpSpPr>
+        <a:xfrm>
+          <a:off x="0" y="0"/>
+          <a:ext cx="0" cy="0"/>
+          <a:chOff x="0" y="0"/>
+          <a:chExt cx="0" cy="0"/>
+        </a:xfrm>
+      </p:grpSpPr>
+      <p:graphicFrame>
+        <p:nvGraphicFramePr>
+          <p:cNvPr id="5" name="Table 4">
+            <a:extLst>
+              <a:ext uri="{FF2B5EF4-FFF2-40B4-BE49-F238E27FC236}">
+                <a16:creationId xmlns:a16="http://schemas.microsoft.com/office/drawing/2014/main" id="{589C607E-23F7-1D43-B569-801CED367AB1}"/>
+              </a:ext>
+            </a:extLst>
+          </p:cNvPr>
+          <p:cNvGraphicFramePr>
+            <a:graphicFrameLocks noGrp="1"/>
+          </p:cNvGraphicFramePr>
+          <p:nvPr>
+            <p:extLst>
+              <p:ext uri="{D42A27DB-BD31-4B8C-83A1-F6EECF244321}">
+                <p14:modId xmlns:p14="http://schemas.microsoft.com/office/powerpoint/2010/main" val="1177363418"/>
+              </p:ext>
+            </p:extLst>
+          </p:nvPr>
+        </p:nvGraphicFramePr>
+        <p:xfrm>
+          <a:off x="114300" y="533400"/>
+          <a:ext cx="8915400" cy="5132529"/>
+        </p:xfrm>
+        <a:graphic>
+          <a:graphicData uri="http://schemas.openxmlformats.org/drawingml/2006/table">
+            <a:tbl>
+              <a:tblPr firstRow="1" bandRow="1">
+                <a:tableStyleId>{2D5ABB26-0587-4C30-8999-92F81FD0307C}</a:tableStyleId>
+              </a:tblPr>
+              <a:tblGrid>
+                <a:gridCol w="3848100">
+                  <a:extLst>
+                    <a:ext uri="{9D8B030D-6E8A-4147-A177-3AD203B41FA5}">
+                      <a16:colId xmlns:a16="http://schemas.microsoft.com/office/drawing/2014/main" val="3623029985"/>
+                    </a:ext>
+                  </a:extLst>
+                </a:gridCol>
+                <a:gridCol w="5067300">
+                  <a:extLst>
+                    <a:ext uri="{9D8B030D-6E8A-4147-A177-3AD203B41FA5}">
+                      <a16:colId xmlns:a16="http://schemas.microsoft.com/office/drawing/2014/main" val="4294323797"/>
+                    </a:ext>
+                  </a:extLst>
+                </a:gridCol>
+              </a:tblGrid>
+              <a:tr h="826506">
+                <a:tc>
+                  <a:txBody>
+                    <a:bodyPr/>
+                    <a:lstStyle/>
+                    <a:p>
+                      <a:pPr algn="r" rtl="0" fontAlgn="t">
+                        <a:spcBef>
+                          <a:spcPts val="0"/>
+                        </a:spcBef>
+                        <a:spcAft>
+                          <a:spcPts val="0"/>
+                        </a:spcAft>
+                      </a:pPr>
+                      <a:r>
+                        <a:rPr lang="en-US" sz="4000" b="1" dirty="0">
+                          <a:solidFill>
+                            <a:srgbClr val="009EC0"/>
+                          </a:solidFill>
+                          <a:effectLst/>
+                          <a:latin typeface="+mj-lt"/>
+                        </a:rPr>
+                        <a:t>Lesson</a:t>
+                      </a:r>
+                    </a:p>
+                  </a:txBody>
+                  <a:tcPr marL="182880" marR="182880" marT="63500" marB="63500" anchor="b">
+                    <a:lnR w="3175" cap="flat" cmpd="sng" algn="ctr">
+                      <a:solidFill>
+                        <a:schemeClr val="tx1">
+                          <a:lumMod val="65000"/>
+                        </a:schemeClr>
+                      </a:solidFill>
+                      <a:prstDash val="solid"/>
+                      <a:round/>
+                      <a:headEnd type="none" w="med" len="med"/>
+                      <a:tailEnd type="none" w="med" len="med"/>
+                    </a:lnR>
+                  </a:tcPr>
+                </a:tc>
+                <a:tc>
+                  <a:txBody>
+                    <a:bodyPr/>
+                    <a:lstStyle/>
+                    <a:p>
+                      <a:pPr rtl="0" fontAlgn="t">
+                        <a:spcBef>
+                          <a:spcPts val="0"/>
+                        </a:spcBef>
+                        <a:spcAft>
+                          <a:spcPts val="0"/>
+                        </a:spcAft>
+                      </a:pPr>
+                      <a:r>
+                        <a:rPr lang="en-US" sz="4000" b="1" dirty="0">
+                          <a:solidFill>
+                            <a:schemeClr val="tx1"/>
+                          </a:solidFill>
+                          <a:effectLst/>
+                          <a:latin typeface="+mj-lt"/>
+                        </a:rPr>
+                        <a:t>Goal</a:t>
+                      </a:r>
+                    </a:p>
+                  </a:txBody>
+                  <a:tcPr marL="182880" marR="182880" marT="63500" marB="63500" anchor="b">
+                    <a:lnL w="3175" cap="flat" cmpd="sng" algn="ctr">
+                      <a:solidFill>
+                        <a:schemeClr val="tx1">
+                          <a:lumMod val="65000"/>
+                        </a:schemeClr>
+                      </a:solidFill>
+                      <a:prstDash val="solid"/>
+                      <a:round/>
+                      <a:headEnd type="none" w="med" len="med"/>
+                      <a:tailEnd type="none" w="med" len="med"/>
+                    </a:lnL>
+                  </a:tcPr>
+                </a:tc>
+                <a:extLst>
+                  <a:ext uri="{0D108BD9-81ED-4DB2-BD59-A6C34878D82A}">
+                    <a16:rowId xmlns:a16="http://schemas.microsoft.com/office/drawing/2014/main" val="1136906228"/>
+                  </a:ext>
+                </a:extLst>
+              </a:tr>
+              <a:tr h="1154694">
+                <a:tc>
+                  <a:txBody>
+                    <a:bodyPr/>
+                    <a:lstStyle/>
+                    <a:p>
+                      <a:pPr marL="0" marR="0" indent="0" algn="r" defTabSz="914400" rtl="0" eaLnBrk="1" fontAlgn="t" latinLnBrk="0" hangingPunct="1">
+                        <a:lnSpc>
+                          <a:spcPct val="100000"/>
+                        </a:lnSpc>
+                        <a:spcBef>
+                          <a:spcPts val="0"/>
+                        </a:spcBef>
+                        <a:spcAft>
+                          <a:spcPts val="0"/>
+                        </a:spcAft>
+                        <a:buClrTx/>
+                        <a:buSzTx/>
+                        <a:buFontTx/>
+                        <a:buNone/>
+                        <a:tabLst/>
+                        <a:defRPr/>
+                      </a:pPr>
+                      <a:r>
+                        <a:rPr lang="en-US" sz="2400" b="0" i="0" u="none" strike="noStrike" dirty="0">
+                          <a:solidFill>
+                            <a:srgbClr val="009EC0"/>
+                          </a:solidFill>
+                          <a:effectLst/>
+                          <a:latin typeface="+mj-lt"/>
+                        </a:rPr>
+                        <a:t>The Art of Asking Questions</a:t>
+                      </a:r>
+                      <a:endParaRPr lang="en-US" sz="2400" b="0" dirty="0">
+                        <a:solidFill>
+                          <a:srgbClr val="009EC0"/>
+                        </a:solidFill>
+                        <a:effectLst/>
+                        <a:latin typeface="+mj-lt"/>
+                      </a:endParaRPr>
+                    </a:p>
+                  </a:txBody>
+                  <a:tcPr marL="182880" marR="182880" marT="63500" marB="63500">
+                    <a:lnR w="3175" cap="flat" cmpd="sng" algn="ctr">
+                      <a:solidFill>
+                        <a:schemeClr val="tx1">
+                          <a:lumMod val="65000"/>
+                        </a:schemeClr>
+                      </a:solidFill>
+                      <a:prstDash val="solid"/>
+                      <a:round/>
+                      <a:headEnd type="none" w="med" len="med"/>
+                      <a:tailEnd type="none" w="med" len="med"/>
+                    </a:lnR>
+                  </a:tcPr>
+                </a:tc>
+                <a:tc>
+                  <a:txBody>
+                    <a:bodyPr/>
+                    <a:lstStyle/>
+                    <a:p>
+                      <a:pPr rtl="0" fontAlgn="t">
+                        <a:spcBef>
+                          <a:spcPts val="0"/>
+                        </a:spcBef>
+                        <a:spcAft>
+                          <a:spcPts val="0"/>
+                        </a:spcAft>
+                      </a:pPr>
+                      <a:r>
+                        <a:rPr lang="en-US" sz="2400" b="0" i="0" u="none" strike="noStrike" dirty="0">
+                          <a:solidFill>
+                            <a:schemeClr val="tx1"/>
+                          </a:solidFill>
+                          <a:effectLst/>
+                          <a:latin typeface="+mj-lt"/>
+                        </a:rPr>
+                        <a:t>Make discussing our convictions </a:t>
+                      </a:r>
+                      <a:r>
+                        <a:rPr lang="en-US" sz="2400" b="0" i="0" u="sng" strike="noStrike" dirty="0">
+                          <a:solidFill>
+                            <a:schemeClr val="tx1"/>
+                          </a:solidFill>
+                          <a:effectLst/>
+                          <a:latin typeface="+mj-lt"/>
+                        </a:rPr>
+                        <a:t>easier</a:t>
+                      </a:r>
+                      <a:r>
+                        <a:rPr lang="en-US" sz="2400" b="0" i="0" u="none" strike="noStrike" dirty="0">
+                          <a:solidFill>
+                            <a:schemeClr val="tx1"/>
+                          </a:solidFill>
+                          <a:effectLst/>
+                          <a:latin typeface="+mj-lt"/>
+                        </a:rPr>
+                        <a:t> (set the bar low)</a:t>
+                      </a:r>
+                      <a:endParaRPr lang="en-US" sz="2400" u="none" dirty="0">
+                        <a:solidFill>
+                          <a:schemeClr val="tx1"/>
+                        </a:solidFill>
+                        <a:effectLst/>
+                        <a:latin typeface="+mj-lt"/>
+                      </a:endParaRPr>
+                    </a:p>
+                  </a:txBody>
+                  <a:tcPr marL="182880" marR="182880" marT="63500" marB="63500">
+                    <a:lnL w="3175" cap="flat" cmpd="sng" algn="ctr">
+                      <a:solidFill>
+                        <a:schemeClr val="tx1">
+                          <a:lumMod val="65000"/>
+                        </a:schemeClr>
+                      </a:solidFill>
+                      <a:prstDash val="solid"/>
+                      <a:round/>
+                      <a:headEnd type="none" w="med" len="med"/>
+                      <a:tailEnd type="none" w="med" len="med"/>
+                    </a:lnL>
+                  </a:tcPr>
+                </a:tc>
+                <a:extLst>
+                  <a:ext uri="{0D108BD9-81ED-4DB2-BD59-A6C34878D82A}">
+                    <a16:rowId xmlns:a16="http://schemas.microsoft.com/office/drawing/2014/main" val="3592000535"/>
+                  </a:ext>
+                </a:extLst>
+              </a:tr>
+              <a:tr h="1143000">
+                <a:tc>
+                  <a:txBody>
+                    <a:bodyPr/>
+                    <a:lstStyle/>
+                    <a:p>
+                      <a:pPr algn="r" rtl="0" fontAlgn="t">
+                        <a:spcBef>
+                          <a:spcPts val="0"/>
+                        </a:spcBef>
+                        <a:spcAft>
+                          <a:spcPts val="0"/>
+                        </a:spcAft>
+                      </a:pPr>
+                      <a:r>
+                        <a:rPr lang="en-US" sz="2400" b="0" i="0" u="none" strike="noStrike" dirty="0">
+                          <a:solidFill>
+                            <a:srgbClr val="009EC0"/>
+                          </a:solidFill>
+                          <a:effectLst/>
+                          <a:latin typeface="+mj-lt"/>
+                        </a:rPr>
+                        <a:t>Gardening and Harvesting</a:t>
+                      </a:r>
+                      <a:endParaRPr lang="en-US" sz="2400" b="0" dirty="0">
+                        <a:solidFill>
+                          <a:srgbClr val="009EC0"/>
+                        </a:solidFill>
+                        <a:effectLst/>
+                        <a:latin typeface="+mj-lt"/>
+                      </a:endParaRPr>
+                    </a:p>
+                  </a:txBody>
+                  <a:tcPr marL="182880" marR="182880" marT="63500" marB="63500">
+                    <a:lnR w="3175" cap="flat" cmpd="sng" algn="ctr">
+                      <a:solidFill>
+                        <a:schemeClr val="tx1">
+                          <a:lumMod val="65000"/>
+                        </a:schemeClr>
+                      </a:solidFill>
+                      <a:prstDash val="solid"/>
+                      <a:round/>
+                      <a:headEnd type="none" w="med" len="med"/>
+                      <a:tailEnd type="none" w="med" len="med"/>
+                    </a:lnR>
+                  </a:tcPr>
+                </a:tc>
+                <a:tc>
+                  <a:txBody>
+                    <a:bodyPr/>
+                    <a:lstStyle/>
+                    <a:p>
+                      <a:pPr rtl="0" fontAlgn="t">
+                        <a:spcBef>
+                          <a:spcPts val="0"/>
+                        </a:spcBef>
+                        <a:spcAft>
+                          <a:spcPts val="0"/>
+                        </a:spcAft>
+                      </a:pPr>
+                      <a:r>
+                        <a:rPr lang="en-US" sz="2400" dirty="0">
+                          <a:solidFill>
+                            <a:schemeClr val="tx1"/>
+                          </a:solidFill>
+                          <a:effectLst/>
+                          <a:latin typeface="+mj-lt"/>
+                        </a:rPr>
+                        <a:t>Focus on making </a:t>
+                      </a:r>
+                      <a:r>
+                        <a:rPr lang="en-US" sz="2400" b="0" u="sng" dirty="0">
+                          <a:solidFill>
+                            <a:schemeClr val="tx1"/>
+                          </a:solidFill>
+                          <a:effectLst/>
+                          <a:latin typeface="+mj-lt"/>
+                        </a:rPr>
+                        <a:t>progress</a:t>
+                      </a:r>
+                      <a:r>
+                        <a:rPr lang="en-US" sz="2400" dirty="0">
+                          <a:solidFill>
+                            <a:schemeClr val="tx1"/>
+                          </a:solidFill>
+                          <a:effectLst/>
+                          <a:latin typeface="+mj-lt"/>
+                        </a:rPr>
+                        <a:t>, don’t get excessively worried about results</a:t>
+                      </a:r>
+                    </a:p>
+                  </a:txBody>
+                  <a:tcPr marL="182880" marR="182880" marT="63500" marB="63500">
+                    <a:lnL w="3175" cap="flat" cmpd="sng" algn="ctr">
+                      <a:solidFill>
+                        <a:schemeClr val="tx1">
+                          <a:lumMod val="65000"/>
+                        </a:schemeClr>
+                      </a:solidFill>
+                      <a:prstDash val="solid"/>
+                      <a:round/>
+                      <a:headEnd type="none" w="med" len="med"/>
+                      <a:tailEnd type="none" w="med" len="med"/>
+                    </a:lnL>
+                  </a:tcPr>
+                </a:tc>
+                <a:extLst>
+                  <a:ext uri="{0D108BD9-81ED-4DB2-BD59-A6C34878D82A}">
+                    <a16:rowId xmlns:a16="http://schemas.microsoft.com/office/drawing/2014/main" val="2330484482"/>
+                  </a:ext>
+                </a:extLst>
+              </a:tr>
+              <a:tr h="1130798">
+                <a:tc>
+                  <a:txBody>
+                    <a:bodyPr/>
+                    <a:lstStyle/>
+                    <a:p>
+                      <a:pPr algn="r" rtl="0" fontAlgn="t">
+                        <a:spcBef>
+                          <a:spcPts val="0"/>
+                        </a:spcBef>
+                        <a:spcAft>
+                          <a:spcPts val="0"/>
+                        </a:spcAft>
+                      </a:pPr>
+                      <a:r>
+                        <a:rPr lang="en-US" sz="2400" b="0" i="0" u="none" strike="noStrike" dirty="0">
+                          <a:solidFill>
+                            <a:srgbClr val="009EC0"/>
+                          </a:solidFill>
+                          <a:effectLst/>
+                          <a:latin typeface="+mj-lt"/>
+                        </a:rPr>
+                        <a:t>Ambassadors for Christ</a:t>
+                      </a:r>
+                      <a:endParaRPr lang="en-US" sz="2400" b="0" dirty="0">
+                        <a:solidFill>
+                          <a:srgbClr val="009EC0"/>
+                        </a:solidFill>
+                        <a:effectLst/>
+                        <a:latin typeface="+mj-lt"/>
+                      </a:endParaRPr>
+                    </a:p>
+                  </a:txBody>
+                  <a:tcPr marL="182880" marR="182880" marT="63500" marB="63500">
+                    <a:lnR w="3175" cap="flat" cmpd="sng" algn="ctr">
+                      <a:solidFill>
+                        <a:schemeClr val="tx1">
+                          <a:lumMod val="65000"/>
+                        </a:schemeClr>
+                      </a:solidFill>
+                      <a:prstDash val="solid"/>
+                      <a:round/>
+                      <a:headEnd type="none" w="med" len="med"/>
+                      <a:tailEnd type="none" w="med" len="med"/>
+                    </a:lnR>
+                  </a:tcPr>
+                </a:tc>
+                <a:tc>
+                  <a:txBody>
+                    <a:bodyPr/>
+                    <a:lstStyle/>
+                    <a:p>
+                      <a:pPr rtl="0" fontAlgn="t">
+                        <a:spcBef>
+                          <a:spcPts val="0"/>
+                        </a:spcBef>
+                        <a:spcAft>
+                          <a:spcPts val="0"/>
+                        </a:spcAft>
+                      </a:pPr>
+                      <a:r>
+                        <a:rPr lang="en-US" sz="2400" b="0" i="0" u="sng" strike="noStrike" dirty="0">
+                          <a:solidFill>
+                            <a:schemeClr val="tx1"/>
+                          </a:solidFill>
+                          <a:effectLst/>
+                          <a:latin typeface="+mj-lt"/>
+                        </a:rPr>
+                        <a:t>Our approach matters</a:t>
+                      </a:r>
+                      <a:r>
+                        <a:rPr lang="en-US" sz="2400" b="0" i="0" u="none" strike="noStrike" dirty="0">
+                          <a:solidFill>
+                            <a:schemeClr val="tx1"/>
+                          </a:solidFill>
+                          <a:effectLst/>
+                          <a:latin typeface="+mj-lt"/>
+                        </a:rPr>
+                        <a:t> more than the arguments we use</a:t>
+                      </a:r>
+                      <a:endParaRPr lang="en-US" sz="2400" dirty="0">
+                        <a:solidFill>
+                          <a:schemeClr val="tx1"/>
+                        </a:solidFill>
+                        <a:effectLst/>
+                        <a:latin typeface="+mj-lt"/>
+                      </a:endParaRPr>
+                    </a:p>
+                  </a:txBody>
+                  <a:tcPr marL="182880" marR="182880" marT="63500" marB="63500">
+                    <a:lnL w="3175" cap="flat" cmpd="sng" algn="ctr">
+                      <a:solidFill>
+                        <a:schemeClr val="tx1">
+                          <a:lumMod val="65000"/>
+                        </a:schemeClr>
+                      </a:solidFill>
+                      <a:prstDash val="solid"/>
+                      <a:round/>
+                      <a:headEnd type="none" w="med" len="med"/>
+                      <a:tailEnd type="none" w="med" len="med"/>
+                    </a:lnL>
+                  </a:tcPr>
+                </a:tc>
+                <a:extLst>
+                  <a:ext uri="{0D108BD9-81ED-4DB2-BD59-A6C34878D82A}">
+                    <a16:rowId xmlns:a16="http://schemas.microsoft.com/office/drawing/2014/main" val="1564031315"/>
+                  </a:ext>
+                </a:extLst>
+              </a:tr>
+              <a:tr h="877531">
+                <a:tc>
+                  <a:txBody>
+                    <a:bodyPr/>
+                    <a:lstStyle/>
+                    <a:p>
+                      <a:pPr algn="r" rtl="0" fontAlgn="t">
+                        <a:spcBef>
+                          <a:spcPts val="0"/>
+                        </a:spcBef>
+                        <a:spcAft>
+                          <a:spcPts val="0"/>
+                        </a:spcAft>
+                      </a:pPr>
+                      <a:r>
+                        <a:rPr lang="en-US" sz="2400" b="0" dirty="0">
+                          <a:solidFill>
+                            <a:srgbClr val="009EC0"/>
+                          </a:solidFill>
+                          <a:effectLst/>
+                          <a:latin typeface="+mj-lt"/>
+                        </a:rPr>
+                        <a:t>A-Paul-</a:t>
+                      </a:r>
+                      <a:r>
+                        <a:rPr lang="en-US" sz="2400" b="0" dirty="0" err="1">
+                          <a:solidFill>
+                            <a:srgbClr val="009EC0"/>
+                          </a:solidFill>
+                          <a:effectLst/>
+                          <a:latin typeface="+mj-lt"/>
+                        </a:rPr>
+                        <a:t>agetics</a:t>
+                      </a:r>
+                      <a:endParaRPr lang="en-US" sz="2400" b="0" dirty="0">
+                        <a:solidFill>
+                          <a:srgbClr val="009EC0"/>
+                        </a:solidFill>
+                        <a:effectLst/>
+                        <a:latin typeface="+mj-lt"/>
+                      </a:endParaRPr>
+                    </a:p>
+                  </a:txBody>
+                  <a:tcPr marL="182880" marR="182880" marT="63500" marB="63500">
+                    <a:lnR w="3175" cap="flat" cmpd="sng" algn="ctr">
+                      <a:solidFill>
+                        <a:schemeClr val="tx1">
+                          <a:lumMod val="65000"/>
+                        </a:schemeClr>
+                      </a:solidFill>
+                      <a:prstDash val="solid"/>
+                      <a:round/>
+                      <a:headEnd type="none" w="med" len="med"/>
+                      <a:tailEnd type="none" w="med" len="med"/>
+                    </a:lnR>
+                  </a:tcPr>
+                </a:tc>
+                <a:tc>
+                  <a:txBody>
+                    <a:bodyPr/>
+                    <a:lstStyle/>
+                    <a:p>
+                      <a:pPr rtl="0" fontAlgn="t">
+                        <a:spcBef>
+                          <a:spcPts val="0"/>
+                        </a:spcBef>
+                        <a:spcAft>
+                          <a:spcPts val="0"/>
+                        </a:spcAft>
+                      </a:pPr>
+                      <a:r>
+                        <a:rPr lang="en-US" sz="2400" u="sng" dirty="0">
+                          <a:solidFill>
+                            <a:schemeClr val="tx1"/>
+                          </a:solidFill>
+                          <a:effectLst/>
+                          <a:latin typeface="+mj-lt"/>
+                        </a:rPr>
+                        <a:t>Use cultural ideas</a:t>
+                      </a:r>
+                      <a:r>
+                        <a:rPr lang="en-US" sz="2400" dirty="0">
+                          <a:solidFill>
+                            <a:schemeClr val="tx1"/>
+                          </a:solidFill>
+                          <a:effectLst/>
+                          <a:latin typeface="+mj-lt"/>
+                        </a:rPr>
+                        <a:t> to promote the Gospel</a:t>
+                      </a:r>
+                    </a:p>
+                  </a:txBody>
+                  <a:tcPr marL="182880" marR="182880" marT="63500" marB="63500">
+                    <a:lnL w="3175" cap="flat" cmpd="sng" algn="ctr">
+                      <a:solidFill>
+                        <a:schemeClr val="tx1">
+                          <a:lumMod val="65000"/>
+                        </a:schemeClr>
+                      </a:solidFill>
+                      <a:prstDash val="solid"/>
+                      <a:round/>
+                      <a:headEnd type="none" w="med" len="med"/>
+                      <a:tailEnd type="none" w="med" len="med"/>
+                    </a:lnL>
+                  </a:tcPr>
+                </a:tc>
+                <a:extLst>
+                  <a:ext uri="{0D108BD9-81ED-4DB2-BD59-A6C34878D82A}">
+                    <a16:rowId xmlns:a16="http://schemas.microsoft.com/office/drawing/2014/main" val="3045623234"/>
+                  </a:ext>
+                </a:extLst>
+              </a:tr>
+            </a:tbl>
+          </a:graphicData>
+        </a:graphic>
+      </p:graphicFrame>
+      <p:sp>
+        <p:nvSpPr>
+          <p:cNvPr id="2" name="Rectangle 1">
+            <a:extLst>
+              <a:ext uri="{FF2B5EF4-FFF2-40B4-BE49-F238E27FC236}">
+                <a16:creationId xmlns:a16="http://schemas.microsoft.com/office/drawing/2014/main" id="{CF2D1035-2A43-B745-AB96-CBF391C60755}"/>
+              </a:ext>
+            </a:extLst>
+          </p:cNvPr>
+          <p:cNvSpPr/>
+          <p:nvPr/>
+        </p:nvSpPr>
+        <p:spPr>
+          <a:xfrm>
+            <a:off x="125186" y="1431556"/>
+            <a:ext cx="8915400" cy="1083043"/>
+          </a:xfrm>
+          <a:prstGeom prst="rect">
+            <a:avLst/>
+          </a:prstGeom>
+          <a:solidFill>
+            <a:schemeClr val="bg1"/>
+          </a:solidFill>
+          <a:ln>
+            <a:noFill/>
+          </a:ln>
+        </p:spPr>
+        <p:style>
+          <a:lnRef idx="2">
+            <a:schemeClr val="accent1">
+              <a:shade val="50000"/>
+            </a:schemeClr>
+          </a:lnRef>
+          <a:fillRef idx="1">
+            <a:schemeClr val="accent1"/>
+          </a:fillRef>
+          <a:effectRef idx="0">
+            <a:schemeClr val="accent1"/>
+          </a:effectRef>
+          <a:fontRef idx="minor">
+            <a:schemeClr val="lt1"/>
+          </a:fontRef>
+        </p:style>
+        <p:txBody>
+          <a:bodyPr rtlCol="0" anchor="ctr"/>
+          <a:lstStyle/>
+          <a:p>
+            <a:pPr algn="ctr"/>
+            <a:endParaRPr lang="en-US"/>
+          </a:p>
+        </p:txBody>
+      </p:sp>
+      <p:sp>
+        <p:nvSpPr>
+          <p:cNvPr id="4" name="Rectangle 3">
+            <a:extLst>
+              <a:ext uri="{FF2B5EF4-FFF2-40B4-BE49-F238E27FC236}">
+                <a16:creationId xmlns:a16="http://schemas.microsoft.com/office/drawing/2014/main" id="{640B8661-167B-0D41-8D93-3B11C108E65F}"/>
+              </a:ext>
+            </a:extLst>
+          </p:cNvPr>
+          <p:cNvSpPr/>
+          <p:nvPr/>
+        </p:nvSpPr>
+        <p:spPr>
+          <a:xfrm>
+            <a:off x="125186" y="2514600"/>
+            <a:ext cx="8915400" cy="1066800"/>
+          </a:xfrm>
+          <a:prstGeom prst="rect">
+            <a:avLst/>
+          </a:prstGeom>
+          <a:solidFill>
+            <a:schemeClr val="bg1"/>
+          </a:solidFill>
+          <a:ln>
+            <a:noFill/>
+          </a:ln>
+        </p:spPr>
+        <p:style>
+          <a:lnRef idx="2">
+            <a:schemeClr val="accent1">
+              <a:shade val="50000"/>
+            </a:schemeClr>
+          </a:lnRef>
+          <a:fillRef idx="1">
+            <a:schemeClr val="accent1"/>
+          </a:fillRef>
+          <a:effectRef idx="0">
+            <a:schemeClr val="accent1"/>
+          </a:effectRef>
+          <a:fontRef idx="minor">
+            <a:schemeClr val="lt1"/>
+          </a:fontRef>
+        </p:style>
+        <p:txBody>
+          <a:bodyPr rtlCol="0" anchor="ctr"/>
+          <a:lstStyle/>
+          <a:p>
+            <a:pPr algn="ctr"/>
+            <a:endParaRPr lang="en-US"/>
+          </a:p>
+        </p:txBody>
+      </p:sp>
+      <p:sp>
+        <p:nvSpPr>
+          <p:cNvPr id="6" name="Rectangle 5">
+            <a:extLst>
+              <a:ext uri="{FF2B5EF4-FFF2-40B4-BE49-F238E27FC236}">
+                <a16:creationId xmlns:a16="http://schemas.microsoft.com/office/drawing/2014/main" id="{1309568B-C8E9-BA44-BF0D-06EA5EA73976}"/>
+              </a:ext>
+            </a:extLst>
+          </p:cNvPr>
+          <p:cNvSpPr/>
+          <p:nvPr/>
+        </p:nvSpPr>
+        <p:spPr>
+          <a:xfrm>
+            <a:off x="146957" y="3581400"/>
+            <a:ext cx="8915400" cy="1219200"/>
+          </a:xfrm>
+          <a:prstGeom prst="rect">
+            <a:avLst/>
+          </a:prstGeom>
+          <a:solidFill>
+            <a:schemeClr val="bg1"/>
+          </a:solidFill>
+          <a:ln>
+            <a:noFill/>
+          </a:ln>
+        </p:spPr>
+        <p:style>
+          <a:lnRef idx="2">
+            <a:schemeClr val="accent1">
+              <a:shade val="50000"/>
+            </a:schemeClr>
+          </a:lnRef>
+          <a:fillRef idx="1">
+            <a:schemeClr val="accent1"/>
+          </a:fillRef>
+          <a:effectRef idx="0">
+            <a:schemeClr val="accent1"/>
+          </a:effectRef>
+          <a:fontRef idx="minor">
+            <a:schemeClr val="lt1"/>
+          </a:fontRef>
+        </p:style>
+        <p:txBody>
+          <a:bodyPr rtlCol="0" anchor="ctr"/>
+          <a:lstStyle/>
+          <a:p>
+            <a:pPr algn="ctr"/>
+            <a:endParaRPr lang="en-US"/>
+          </a:p>
+        </p:txBody>
+      </p:sp>
+      <p:sp>
+        <p:nvSpPr>
+          <p:cNvPr id="7" name="Rectangle 6">
+            <a:extLst>
+              <a:ext uri="{FF2B5EF4-FFF2-40B4-BE49-F238E27FC236}">
+                <a16:creationId xmlns:a16="http://schemas.microsoft.com/office/drawing/2014/main" id="{659EEA8C-5CFC-A440-9ED6-CD0A32A16EBA}"/>
+              </a:ext>
+            </a:extLst>
+          </p:cNvPr>
+          <p:cNvSpPr/>
+          <p:nvPr/>
+        </p:nvSpPr>
+        <p:spPr>
+          <a:xfrm>
+            <a:off x="168728" y="4759650"/>
+            <a:ext cx="8915400" cy="1066800"/>
+          </a:xfrm>
+          <a:prstGeom prst="rect">
+            <a:avLst/>
+          </a:prstGeom>
+          <a:solidFill>
+            <a:schemeClr val="bg1"/>
+          </a:solidFill>
+          <a:ln>
+            <a:noFill/>
+          </a:ln>
+        </p:spPr>
+        <p:style>
+          <a:lnRef idx="2">
+            <a:schemeClr val="accent1">
+              <a:shade val="50000"/>
+            </a:schemeClr>
+          </a:lnRef>
+          <a:fillRef idx="1">
+            <a:schemeClr val="accent1"/>
+          </a:fillRef>
+          <a:effectRef idx="0">
+            <a:schemeClr val="accent1"/>
+          </a:effectRef>
+          <a:fontRef idx="minor">
+            <a:schemeClr val="lt1"/>
+          </a:fontRef>
+        </p:style>
+        <p:txBody>
+          <a:bodyPr rtlCol="0" anchor="ctr"/>
+          <a:lstStyle/>
+          <a:p>
+            <a:pPr algn="ctr"/>
+            <a:endParaRPr lang="en-US"/>
+          </a:p>
+        </p:txBody>
+      </p:sp>
+    </p:spTree>
+    <p:extLst>
+      <p:ext uri="{BB962C8B-B14F-4D97-AF65-F5344CB8AC3E}">
+        <p14:creationId xmlns:p14="http://schemas.microsoft.com/office/powerpoint/2010/main" val="1447913967"/>
+      </p:ext>
+    </p:extLst>
+  </p:cSld>
+  <p:clrMapOvr>
+    <a:masterClrMapping/>
+  </p:clrMapOvr>
+  <p:timing>
+    <p:tnLst>
+      <p:par>
+        <p:cTn id="1" dur="indefinite" restart="never" nodeType="tmRoot">
+          <p:childTnLst>
+            <p:seq concurrent="1" nextAc="seek">
+              <p:cTn id="2" dur="indefinite" nodeType="mainSeq">
+                <p:childTnLst>
+                  <p:par>
+                    <p:cTn id="3" fill="hold">
+                      <p:stCondLst>
+                        <p:cond delay="indefinite"/>
+                      </p:stCondLst>
+                      <p:childTnLst>
+                        <p:par>
+                          <p:cTn id="4" fill="hold">
+                            <p:stCondLst>
+                              <p:cond delay="0"/>
+                            </p:stCondLst>
+                            <p:childTnLst>
+                              <p:par>
+                                <p:cTn id="5" presetID="10" presetClass="entr" presetSubtype="0" fill="hold" nodeType="clickEffect">
+                                  <p:stCondLst>
+                                    <p:cond delay="0"/>
+                                  </p:stCondLst>
+                                  <p:childTnLst>
+                                    <p:set>
+                                      <p:cBhvr>
+                                        <p:cTn id="6" dur="1" fill="hold">
+                                          <p:stCondLst>
+                                            <p:cond delay="0"/>
+                                          </p:stCondLst>
+                                        </p:cTn>
+                                        <p:tgtEl>
+                                          <p:spTgt spid="5"/>
+                                        </p:tgtEl>
+                                        <p:attrNameLst>
+                                          <p:attrName>style.visibility</p:attrName>
+                                        </p:attrNameLst>
+                                      </p:cBhvr>
+                                      <p:to>
+                                        <p:strVal val="visible"/>
+                                      </p:to>
+                                    </p:set>
+                                    <p:animEffect transition="in" filter="fade">
+                                      <p:cBhvr>
+                                        <p:cTn id="7" dur="250"/>
+                                        <p:tgtEl>
+                                          <p:spTgt spid="5"/>
+                                        </p:tgtEl>
+                                      </p:cBhvr>
+                                    </p:animEffect>
+                                  </p:childTnLst>
+                                </p:cTn>
+                              </p:par>
+                            </p:childTnLst>
+                          </p:cTn>
+                        </p:par>
+                      </p:childTnLst>
+                    </p:cTn>
+                  </p:par>
+                  <p:par>
+                    <p:cTn id="8" fill="hold">
+                      <p:stCondLst>
+                        <p:cond delay="indefinite"/>
+                      </p:stCondLst>
+                      <p:childTnLst>
+                        <p:par>
+                          <p:cTn id="9" fill="hold">
+                            <p:stCondLst>
+                              <p:cond delay="0"/>
+                            </p:stCondLst>
+                            <p:childTnLst>
+                              <p:par>
+                                <p:cTn id="10" presetID="10" presetClass="exit" presetSubtype="0" fill="hold" grpId="0" nodeType="clickEffect">
+                                  <p:stCondLst>
+                                    <p:cond delay="0"/>
+                                  </p:stCondLst>
+                                  <p:childTnLst>
+                                    <p:animEffect transition="out" filter="fade">
+                                      <p:cBhvr>
+                                        <p:cTn id="11" dur="250"/>
+                                        <p:tgtEl>
+                                          <p:spTgt spid="2"/>
+                                        </p:tgtEl>
+                                      </p:cBhvr>
+                                    </p:animEffect>
+                                    <p:set>
+                                      <p:cBhvr>
+                                        <p:cTn id="12" dur="1" fill="hold">
+                                          <p:stCondLst>
+                                            <p:cond delay="249"/>
+                                          </p:stCondLst>
+                                        </p:cTn>
+                                        <p:tgtEl>
+                                          <p:spTgt spid="2"/>
+                                        </p:tgtEl>
+                                        <p:attrNameLst>
+                                          <p:attrName>style.visibility</p:attrName>
+                                        </p:attrNameLst>
+                                      </p:cBhvr>
+                                      <p:to>
+                                        <p:strVal val="hidden"/>
+                                      </p:to>
+                                    </p:set>
+                                  </p:childTnLst>
+                                </p:cTn>
+                              </p:par>
+                            </p:childTnLst>
+                          </p:cTn>
+                        </p:par>
+                      </p:childTnLst>
+                    </p:cTn>
+                  </p:par>
+                  <p:par>
+                    <p:cTn id="13" fill="hold">
+                      <p:stCondLst>
+                        <p:cond delay="indefinite"/>
+                      </p:stCondLst>
+                      <p:childTnLst>
+                        <p:par>
+                          <p:cTn id="14" fill="hold">
+                            <p:stCondLst>
+                              <p:cond delay="0"/>
+                            </p:stCondLst>
+                            <p:childTnLst>
+                              <p:par>
+                                <p:cTn id="15" presetID="10" presetClass="exit" presetSubtype="0" fill="hold" grpId="0" nodeType="clickEffect">
+                                  <p:stCondLst>
+                                    <p:cond delay="0"/>
+                                  </p:stCondLst>
+                                  <p:childTnLst>
+                                    <p:animEffect transition="out" filter="fade">
+                                      <p:cBhvr>
+                                        <p:cTn id="16" dur="250"/>
+                                        <p:tgtEl>
+                                          <p:spTgt spid="4"/>
+                                        </p:tgtEl>
+                                      </p:cBhvr>
+                                    </p:animEffect>
+                                    <p:set>
+                                      <p:cBhvr>
+                                        <p:cTn id="17" dur="1" fill="hold">
+                                          <p:stCondLst>
+                                            <p:cond delay="249"/>
+                                          </p:stCondLst>
+                                        </p:cTn>
+                                        <p:tgtEl>
+                                          <p:spTgt spid="4"/>
+                                        </p:tgtEl>
+                                        <p:attrNameLst>
+                                          <p:attrName>style.visibility</p:attrName>
+                                        </p:attrNameLst>
+                                      </p:cBhvr>
+                                      <p:to>
+                                        <p:strVal val="hidden"/>
+                                      </p:to>
+                                    </p:set>
+                                  </p:childTnLst>
+                                </p:cTn>
+                              </p:par>
+                            </p:childTnLst>
+                          </p:cTn>
+                        </p:par>
+                      </p:childTnLst>
+                    </p:cTn>
+                  </p:par>
+                  <p:par>
+                    <p:cTn id="18" fill="hold">
+                      <p:stCondLst>
+                        <p:cond delay="indefinite"/>
+                      </p:stCondLst>
+                      <p:childTnLst>
+                        <p:par>
+                          <p:cTn id="19" fill="hold">
+                            <p:stCondLst>
+                              <p:cond delay="0"/>
+                            </p:stCondLst>
+                            <p:childTnLst>
+                              <p:par>
+                                <p:cTn id="20" presetID="10" presetClass="exit" presetSubtype="0" fill="hold" grpId="0" nodeType="clickEffect">
+                                  <p:stCondLst>
+                                    <p:cond delay="0"/>
+                                  </p:stCondLst>
+                                  <p:childTnLst>
+                                    <p:animEffect transition="out" filter="fade">
+                                      <p:cBhvr>
+                                        <p:cTn id="21" dur="250"/>
+                                        <p:tgtEl>
+                                          <p:spTgt spid="6"/>
+                                        </p:tgtEl>
+                                      </p:cBhvr>
+                                    </p:animEffect>
+                                    <p:set>
+                                      <p:cBhvr>
+                                        <p:cTn id="22" dur="1" fill="hold">
+                                          <p:stCondLst>
+                                            <p:cond delay="249"/>
+                                          </p:stCondLst>
+                                        </p:cTn>
+                                        <p:tgtEl>
+                                          <p:spTgt spid="6"/>
+                                        </p:tgtEl>
+                                        <p:attrNameLst>
+                                          <p:attrName>style.visibility</p:attrName>
+                                        </p:attrNameLst>
+                                      </p:cBhvr>
+                                      <p:to>
+                                        <p:strVal val="hidden"/>
+                                      </p:to>
+                                    </p:set>
+                                  </p:childTnLst>
+                                </p:cTn>
+                              </p:par>
+                            </p:childTnLst>
+                          </p:cTn>
+                        </p:par>
+                      </p:childTnLst>
+                    </p:cTn>
+                  </p:par>
+                  <p:par>
+                    <p:cTn id="23" fill="hold">
+                      <p:stCondLst>
+                        <p:cond delay="indefinite"/>
+                      </p:stCondLst>
+                      <p:childTnLst>
+                        <p:par>
+                          <p:cTn id="24" fill="hold">
+                            <p:stCondLst>
+                              <p:cond delay="0"/>
+                            </p:stCondLst>
+                            <p:childTnLst>
+                              <p:par>
+                                <p:cTn id="25" presetID="10" presetClass="exit" presetSubtype="0" fill="hold" grpId="0" nodeType="clickEffect">
+                                  <p:stCondLst>
+                                    <p:cond delay="0"/>
+                                  </p:stCondLst>
+                                  <p:childTnLst>
+                                    <p:animEffect transition="out" filter="fade">
+                                      <p:cBhvr>
+                                        <p:cTn id="26" dur="250"/>
+                                        <p:tgtEl>
+                                          <p:spTgt spid="7"/>
+                                        </p:tgtEl>
+                                      </p:cBhvr>
+                                    </p:animEffect>
+                                    <p:set>
+                                      <p:cBhvr>
+                                        <p:cTn id="27" dur="1" fill="hold">
+                                          <p:stCondLst>
+                                            <p:cond delay="249"/>
+                                          </p:stCondLst>
+                                        </p:cTn>
+                                        <p:tgtEl>
+                                          <p:spTgt spid="7"/>
+                                        </p:tgtEl>
+                                        <p:attrNameLst>
+                                          <p:attrName>style.visibility</p:attrName>
+                                        </p:attrNameLst>
+                                      </p:cBhvr>
+                                      <p:to>
+                                        <p:strVal val="hidden"/>
+                                      </p:to>
+                                    </p:set>
+                                  </p:childTnLst>
+                                </p:cTn>
+                              </p:par>
+                            </p:childTnLst>
+                          </p:cTn>
+                        </p:par>
+                      </p:childTnLst>
+                    </p:cTn>
+                  </p:par>
+                </p:childTnLst>
+              </p:cTn>
+              <p:prevCondLst>
+                <p:cond evt="onPrev" delay="0">
+                  <p:tgtEl>
+                    <p:sldTgt/>
+                  </p:tgtEl>
+                </p:cond>
+              </p:prevCondLst>
+              <p:nextCondLst>
+                <p:cond evt="onNext" delay="0">
+                  <p:tgtEl>
+                    <p:sldTgt/>
+                  </p:tgtEl>
+                </p:cond>
+              </p:nextCondLst>
+            </p:seq>
+          </p:childTnLst>
+        </p:cTn>
+      </p:par>
+    </p:tnLst>
+    <p:bldLst>
+      <p:bldP spid="2" grpId="0" animBg="1"/>
+      <p:bldP spid="4" grpId="0" animBg="1"/>
+      <p:bldP spid="6" grpId="0" animBg="1"/>
+      <p:bldP spid="7" grpId="0" animBg="1"/>
     </p:bldLst>
   </p:timing>
 </p:sld>
@@ -8511,7 +9871,11 @@
           <a:lstStyle/>
           <a:p>
             <a:r>
-              <a:rPr lang="en-US" sz="3600" b="1" dirty="0"/>
+              <a:rPr lang="en-US" sz="3600" b="1" dirty="0">
+                <a:solidFill>
+                  <a:srgbClr val="009FC0"/>
+                </a:solidFill>
+              </a:rPr>
               <a:t>Objective</a:t>
             </a:r>
             <a:br>
@@ -8561,7 +9925,11 @@
           <a:lstStyle/>
           <a:p>
             <a:r>
-              <a:rPr lang="en-US" sz="3600" b="1" dirty="0"/>
+              <a:rPr lang="en-US" sz="3600" b="1" dirty="0">
+                <a:solidFill>
+                  <a:srgbClr val="009FC0"/>
+                </a:solidFill>
+              </a:rPr>
               <a:t>Subjective</a:t>
             </a:r>
           </a:p>
@@ -8591,39 +9959,26 @@
               </a:ext>
             </a:extLst>
           </p:cNvPr>
-          <p:cNvCxnSpPr/>
+          <p:cNvCxnSpPr>
+            <a:cxnSpLocks/>
+          </p:cNvCxnSpPr>
           <p:nvPr/>
         </p:nvCxnSpPr>
         <p:spPr>
           <a:xfrm>
-            <a:off x="4495800" y="1447800"/>
-            <a:ext cx="0" cy="4876800"/>
+            <a:off x="4572000" y="228600"/>
+            <a:ext cx="0" cy="4648200"/>
           </a:xfrm>
           <a:prstGeom prst="line">
             <a:avLst/>
           </a:prstGeom>
           <a:ln>
-            <a:gradFill>
-              <a:gsLst>
-                <a:gs pos="0">
-                  <a:schemeClr val="tx1">
-                    <a:alpha val="0"/>
-                  </a:schemeClr>
-                </a:gs>
-                <a:gs pos="84000">
-                  <a:schemeClr val="tx1"/>
-                </a:gs>
-                <a:gs pos="14000">
-                  <a:schemeClr val="tx1"/>
-                </a:gs>
-                <a:gs pos="100000">
-                  <a:schemeClr val="tx1">
-                    <a:alpha val="0"/>
-                  </a:schemeClr>
-                </a:gs>
-              </a:gsLst>
-              <a:lin ang="5400000" scaled="1"/>
-            </a:gradFill>
+            <a:solidFill>
+              <a:schemeClr val="bg1">
+                <a:lumMod val="65000"/>
+                <a:lumOff val="35000"/>
+              </a:schemeClr>
+            </a:solidFill>
           </a:ln>
         </p:spPr>
         <p:style>
@@ -8691,7 +10046,7 @@
         <p:spPr>
           <a:xfrm>
             <a:off x="457210" y="1676400"/>
-            <a:ext cx="4038587" cy="1754326"/>
+            <a:ext cx="4038587" cy="615553"/>
           </a:xfrm>
           <a:prstGeom prst="rect">
             <a:avLst/>
@@ -8707,57 +10062,21 @@
             <a:pPr fontAlgn="t"/>
             <a:r>
               <a:rPr lang="en-US" dirty="0"/>
-              <a:t>Christianity meets our deepest needs:</a:t>
+              <a:t>Christianity can explain values</a:t>
             </a:r>
           </a:p>
           <a:p>
-            <a:pPr marL="742950" lvl="1" indent="-285750" fontAlgn="t">
-              <a:buFont typeface="Arial" panose="020B0604020202020204" pitchFamily="34" charset="0"/>
-              <a:buChar char="•"/>
-            </a:pPr>
+            <a:pPr fontAlgn="t"/>
             <a:r>
-              <a:rPr lang="en-US" dirty="0"/>
-              <a:t>Reason</a:t>
-            </a:r>
-          </a:p>
-          <a:p>
-            <a:pPr marL="742950" lvl="1" indent="-285750" fontAlgn="t">
-              <a:buFont typeface="Arial" panose="020B0604020202020204" pitchFamily="34" charset="0"/>
-              <a:buChar char="•"/>
-            </a:pPr>
-            <a:r>
-              <a:rPr lang="en-US" dirty="0"/>
-              <a:t>Love</a:t>
-            </a:r>
-          </a:p>
-          <a:p>
-            <a:pPr marL="742950" lvl="1" indent="-285750" fontAlgn="t">
-              <a:buFont typeface="Arial" panose="020B0604020202020204" pitchFamily="34" charset="0"/>
-              <a:buChar char="•"/>
-            </a:pPr>
-            <a:r>
-              <a:rPr lang="en-US" dirty="0"/>
-              <a:t>Forgiveness</a:t>
-            </a:r>
-          </a:p>
-          <a:p>
-            <a:pPr marL="742950" lvl="1" indent="-285750" fontAlgn="t">
-              <a:buFont typeface="Arial" panose="020B0604020202020204" pitchFamily="34" charset="0"/>
-              <a:buChar char="•"/>
-            </a:pPr>
-            <a:r>
-              <a:rPr lang="en-US" dirty="0"/>
-              <a:t>Justice</a:t>
-            </a:r>
-          </a:p>
-          <a:p>
-            <a:pPr marL="742950" lvl="1" indent="-285750" fontAlgn="t">
-              <a:buFont typeface="Arial" panose="020B0604020202020204" pitchFamily="34" charset="0"/>
-              <a:buChar char="•"/>
-            </a:pPr>
-            <a:r>
-              <a:rPr lang="en-US" dirty="0"/>
-              <a:t>Hope</a:t>
+              <a:rPr lang="en-US" sz="1600" dirty="0">
+                <a:solidFill>
+                  <a:schemeClr val="bg1">
+                    <a:lumMod val="50000"/>
+                    <a:lumOff val="50000"/>
+                  </a:schemeClr>
+                </a:solidFill>
+              </a:rPr>
+              <a:t>(why racism is wrong, why truth matters, etc.)</a:t>
             </a:r>
           </a:p>
         </p:txBody>
@@ -8811,8 +10130,8 @@
         </p:nvSpPr>
         <p:spPr>
           <a:xfrm>
-            <a:off x="446314" y="3535038"/>
-            <a:ext cx="4038587" cy="1754326"/>
+            <a:off x="446314" y="2888706"/>
+            <a:ext cx="4038587" cy="646331"/>
           </a:xfrm>
           <a:prstGeom prst="rect">
             <a:avLst/>
@@ -8828,57 +10147,21 @@
             <a:pPr fontAlgn="t"/>
             <a:r>
               <a:rPr lang="en-US" dirty="0"/>
-              <a:t>Christianity can explain:</a:t>
+              <a:t>Christianity can fill our deepest needs</a:t>
             </a:r>
-          </a:p>
-          <a:p>
-            <a:pPr marL="742950" lvl="1" indent="-285750" fontAlgn="t">
-              <a:buFont typeface="Arial" panose="020B0604020202020204" pitchFamily="34" charset="0"/>
-              <a:buChar char="•"/>
-            </a:pPr>
+            <a:br>
+              <a:rPr lang="en-US" dirty="0"/>
+            </a:br>
             <a:r>
-              <a:rPr lang="en-US" dirty="0"/>
-              <a:t>Reason</a:t>
-            </a:r>
-          </a:p>
-          <a:p>
-            <a:pPr marL="742950" lvl="1" indent="-285750" fontAlgn="t">
-              <a:buFont typeface="Arial" panose="020B0604020202020204" pitchFamily="34" charset="0"/>
-              <a:buChar char="•"/>
-            </a:pPr>
-            <a:r>
-              <a:rPr lang="en-US" dirty="0"/>
-              <a:t>Love</a:t>
-            </a:r>
-          </a:p>
-          <a:p>
-            <a:pPr marL="742950" lvl="1" indent="-285750" fontAlgn="t">
-              <a:buFont typeface="Arial" panose="020B0604020202020204" pitchFamily="34" charset="0"/>
-              <a:buChar char="•"/>
-            </a:pPr>
-            <a:r>
-              <a:rPr lang="en-US" dirty="0"/>
-              <a:t>Forgiveness</a:t>
-            </a:r>
-          </a:p>
-          <a:p>
-            <a:pPr marL="742950" lvl="1" indent="-285750" fontAlgn="t">
-              <a:buFont typeface="Arial" panose="020B0604020202020204" pitchFamily="34" charset="0"/>
-              <a:buChar char="•"/>
-            </a:pPr>
-            <a:r>
-              <a:rPr lang="en-US" dirty="0"/>
-              <a:t>Justice</a:t>
-            </a:r>
-          </a:p>
-          <a:p>
-            <a:pPr marL="742950" lvl="1" indent="-285750" fontAlgn="t">
-              <a:buFont typeface="Arial" panose="020B0604020202020204" pitchFamily="34" charset="0"/>
-              <a:buChar char="•"/>
-            </a:pPr>
-            <a:r>
-              <a:rPr lang="en-US" dirty="0"/>
-              <a:t>Hope</a:t>
+              <a:rPr lang="en-US" dirty="0">
+                <a:solidFill>
+                  <a:schemeClr val="bg1">
+                    <a:lumMod val="50000"/>
+                    <a:lumOff val="50000"/>
+                  </a:schemeClr>
+                </a:solidFill>
+              </a:rPr>
+              <a:t>(hope, love, forgiveness, justice)</a:t>
             </a:r>
           </a:p>
         </p:txBody>
@@ -8948,8 +10231,11 @@
           <a:p>
             <a:r>
               <a:rPr lang="en-US" dirty="0"/>
-              <a:t>Christianity shouldn’t exist </a:t>
+              <a:t>Christianity shouldn’t exist</a:t>
             </a:r>
+            <a:br>
+              <a:rPr lang="en-US" dirty="0"/>
+            </a:br>
             <a:r>
               <a:rPr lang="en-US" dirty="0">
                 <a:solidFill>
@@ -8959,7 +10245,7 @@
                   </a:schemeClr>
                 </a:solidFill>
               </a:rPr>
-              <a:t>(if not for the resurrection)</a:t>
+              <a:t>(if not for Jesus’ resurrection)</a:t>
             </a:r>
           </a:p>
         </p:txBody>
@@ -8994,7 +10280,7 @@
           <a:p>
             <a:r>
               <a:rPr lang="en-US" dirty="0"/>
-              <a:t>Prophecy: Isaiah 53</a:t>
+              <a:t>Prophecy (Isaiah 53)</a:t>
             </a:r>
           </a:p>
         </p:txBody>
@@ -9149,7 +10435,7 @@
                                           </p:stCondLst>
                                         </p:cTn>
                                         <p:tgtEl>
-                                          <p:spTgt spid="6"/>
+                                          <p:spTgt spid="7"/>
                                         </p:tgtEl>
                                         <p:attrNameLst>
                                           <p:attrName>style.visibility</p:attrName>
@@ -9161,9 +10447,9 @@
                                     </p:set>
                                     <p:animEffect transition="in" filter="fade">
                                       <p:cBhvr>
-                                        <p:cTn id="17" dur="250"/>
+                                        <p:cTn id="17" dur="500"/>
                                         <p:tgtEl>
-                                          <p:spTgt spid="6"/>
+                                          <p:spTgt spid="7"/>
                                         </p:tgtEl>
                                       </p:cBhvr>
                                     </p:animEffect>
@@ -9202,7 +10488,7 @@
                                           </p:stCondLst>
                                         </p:cTn>
                                         <p:tgtEl>
-                                          <p:spTgt spid="7"/>
+                                          <p:spTgt spid="9"/>
                                         </p:tgtEl>
                                         <p:attrNameLst>
                                           <p:attrName>style.visibility</p:attrName>
@@ -9216,7 +10502,7 @@
                                       <p:cBhvr>
                                         <p:cTn id="22" dur="500"/>
                                         <p:tgtEl>
-                                          <p:spTgt spid="7"/>
+                                          <p:spTgt spid="9"/>
                                         </p:tgtEl>
                                       </p:cBhvr>
                                     </p:animEffect>
@@ -9255,7 +10541,7 @@
                                           </p:stCondLst>
                                         </p:cTn>
                                         <p:tgtEl>
-                                          <p:spTgt spid="9"/>
+                                          <p:spTgt spid="12"/>
                                         </p:tgtEl>
                                         <p:attrNameLst>
                                           <p:attrName>style.visibility</p:attrName>
@@ -9269,7 +10555,7 @@
                                       <p:cBhvr>
                                         <p:cTn id="27" dur="500"/>
                                         <p:tgtEl>
-                                          <p:spTgt spid="9"/>
+                                          <p:spTgt spid="12"/>
                                         </p:tgtEl>
                                       </p:cBhvr>
                                     </p:animEffect>
@@ -9308,7 +10594,7 @@
                                           </p:stCondLst>
                                         </p:cTn>
                                         <p:tgtEl>
-                                          <p:spTgt spid="12"/>
+                                          <p:spTgt spid="11"/>
                                         </p:tgtEl>
                                         <p:attrNameLst>
                                           <p:attrName>style.visibility</p:attrName>
@@ -9322,7 +10608,7 @@
                                       <p:cBhvr>
                                         <p:cTn id="32" dur="500"/>
                                         <p:tgtEl>
-                                          <p:spTgt spid="12"/>
+                                          <p:spTgt spid="11"/>
                                         </p:tgtEl>
                                       </p:cBhvr>
                                     </p:animEffect>
@@ -9361,7 +10647,7 @@
                                           </p:stCondLst>
                                         </p:cTn>
                                         <p:tgtEl>
-                                          <p:spTgt spid="11"/>
+                                          <p:spTgt spid="13"/>
                                         </p:tgtEl>
                                         <p:attrNameLst>
                                           <p:attrName>style.visibility</p:attrName>
@@ -9375,7 +10661,7 @@
                                       <p:cBhvr>
                                         <p:cTn id="37" dur="500"/>
                                         <p:tgtEl>
-                                          <p:spTgt spid="11"/>
+                                          <p:spTgt spid="13"/>
                                         </p:tgtEl>
                                       </p:cBhvr>
                                     </p:animEffect>
@@ -9414,7 +10700,7 @@
                                           </p:stCondLst>
                                         </p:cTn>
                                         <p:tgtEl>
-                                          <p:spTgt spid="13"/>
+                                          <p:spTgt spid="6"/>
                                         </p:tgtEl>
                                         <p:attrNameLst>
                                           <p:attrName>style.visibility</p:attrName>
@@ -9426,9 +10712,9 @@
                                     </p:set>
                                     <p:animEffect transition="in" filter="fade">
                                       <p:cBhvr>
-                                        <p:cTn id="42" dur="500"/>
+                                        <p:cTn id="42" dur="250"/>
                                         <p:tgtEl>
-                                          <p:spTgt spid="13"/>
+                                          <p:spTgt spid="6"/>
                                         </p:tgtEl>
                                       </p:cBhvr>
                                     </p:animEffect>

--- a/companion-website/public/files/0. Intro.pptx
+++ b/companion-website/public/files/0. Intro.pptx
@@ -9,14 +9,14 @@
   </p:notesMasterIdLst>
   <p:sldIdLst>
     <p:sldId id="275" r:id="rId2"/>
-    <p:sldId id="451" r:id="rId3"/>
-    <p:sldId id="450" r:id="rId4"/>
-    <p:sldId id="277" r:id="rId5"/>
-    <p:sldId id="441" r:id="rId6"/>
-    <p:sldId id="452" r:id="rId7"/>
-    <p:sldId id="453" r:id="rId8"/>
-    <p:sldId id="448" r:id="rId9"/>
-    <p:sldId id="456" r:id="rId10"/>
+    <p:sldId id="277" r:id="rId3"/>
+    <p:sldId id="452" r:id="rId4"/>
+    <p:sldId id="453" r:id="rId5"/>
+    <p:sldId id="448" r:id="rId6"/>
+    <p:sldId id="456" r:id="rId7"/>
+    <p:sldId id="451" r:id="rId8"/>
+    <p:sldId id="450" r:id="rId9"/>
+    <p:sldId id="441" r:id="rId10"/>
     <p:sldId id="455" r:id="rId11"/>
     <p:sldId id="457" r:id="rId12"/>
   </p:sldIdLst>
@@ -218,7 +218,7 @@
           <a:p>
             <a:fld id="{8F7EB338-8BB0-B64B-9F79-C87EA24D723F}" type="datetimeFigureOut">
               <a:rPr lang="en-US" smtClean="0"/>
-              <a:t>9/4/20</a:t>
+              <a:t>9/10/20</a:t>
             </a:fld>
             <a:endParaRPr lang="en-US"/>
           </a:p>
@@ -540,7 +540,7 @@
             <a:spLocks noGrp="1"/>
           </p:cNvSpPr>
           <p:nvPr>
-            <p:ph type="sldNum" sz="quarter" idx="5"/>
+            <p:ph type="sldNum" sz="quarter" idx="10"/>
           </p:nvPr>
         </p:nvSpPr>
         <p:spPr/>
@@ -548,9 +548,9 @@
           <a:bodyPr/>
           <a:lstStyle/>
           <a:p>
-            <a:fld id="{E31E1A05-B3B6-6F43-8051-B5A825C5C2A3}" type="slidenum">
+            <a:fld id="{0A2C3B37-55FA-284F-9E83-751B4EA6E9B4}" type="slidenum">
               <a:rPr lang="en-US" smtClean="0"/>
-              <a:t>2</a:t>
+              <a:t>4</a:t>
             </a:fld>
             <a:endParaRPr lang="en-US"/>
           </a:p>
@@ -559,7 +559,7 @@
     </p:spTree>
     <p:extLst>
       <p:ext uri="{BB962C8B-B14F-4D97-AF65-F5344CB8AC3E}">
-        <p14:creationId xmlns:p14="http://schemas.microsoft.com/office/powerpoint/2010/main" val="778014357"/>
+        <p14:creationId xmlns:p14="http://schemas.microsoft.com/office/powerpoint/2010/main" val="1390784773"/>
       </p:ext>
     </p:extLst>
   </p:cSld>
@@ -634,7 +634,7 @@
           <a:p>
             <a:fld id="{0A2C3B37-55FA-284F-9E83-751B4EA6E9B4}" type="slidenum">
               <a:rPr lang="en-US" smtClean="0"/>
-              <a:t>7</a:t>
+              <a:t>5</a:t>
             </a:fld>
             <a:endParaRPr lang="en-US"/>
           </a:p>
@@ -643,7 +643,7 @@
     </p:spTree>
     <p:extLst>
       <p:ext uri="{BB962C8B-B14F-4D97-AF65-F5344CB8AC3E}">
-        <p14:creationId xmlns:p14="http://schemas.microsoft.com/office/powerpoint/2010/main" val="1390784773"/>
+        <p14:creationId xmlns:p14="http://schemas.microsoft.com/office/powerpoint/2010/main" val="3015579558"/>
       </p:ext>
     </p:extLst>
   </p:cSld>
@@ -708,7 +708,7 @@
             <a:spLocks noGrp="1"/>
           </p:cNvSpPr>
           <p:nvPr>
-            <p:ph type="sldNum" sz="quarter" idx="10"/>
+            <p:ph type="sldNum" sz="quarter" idx="5"/>
           </p:nvPr>
         </p:nvSpPr>
         <p:spPr/>
@@ -716,9 +716,9 @@
           <a:bodyPr/>
           <a:lstStyle/>
           <a:p>
-            <a:fld id="{0A2C3B37-55FA-284F-9E83-751B4EA6E9B4}" type="slidenum">
+            <a:fld id="{E31E1A05-B3B6-6F43-8051-B5A825C5C2A3}" type="slidenum">
               <a:rPr lang="en-US" smtClean="0"/>
-              <a:t>8</a:t>
+              <a:t>7</a:t>
             </a:fld>
             <a:endParaRPr lang="en-US"/>
           </a:p>
@@ -727,7 +727,7 @@
     </p:spTree>
     <p:extLst>
       <p:ext uri="{BB962C8B-B14F-4D97-AF65-F5344CB8AC3E}">
-        <p14:creationId xmlns:p14="http://schemas.microsoft.com/office/powerpoint/2010/main" val="3015579558"/>
+        <p14:creationId xmlns:p14="http://schemas.microsoft.com/office/powerpoint/2010/main" val="778014357"/>
       </p:ext>
     </p:extLst>
   </p:cSld>
@@ -1005,7 +1005,7 @@
             <a:fld id="{DBE77699-C466-4996-ADED-71C8160E04A2}" type="datetimeFigureOut">
               <a:rPr lang="en-US" smtClean="0"/>
               <a:pPr/>
-              <a:t>9/4/20</a:t>
+              <a:t>9/10/20</a:t>
             </a:fld>
             <a:endParaRPr lang="en-US"/>
           </a:p>
@@ -1170,7 +1170,7 @@
             <a:fld id="{DBE77699-C466-4996-ADED-71C8160E04A2}" type="datetimeFigureOut">
               <a:rPr lang="en-US" smtClean="0"/>
               <a:pPr/>
-              <a:t>9/4/20</a:t>
+              <a:t>9/10/20</a:t>
             </a:fld>
             <a:endParaRPr lang="en-US"/>
           </a:p>
@@ -1345,7 +1345,7 @@
             <a:fld id="{DBE77699-C466-4996-ADED-71C8160E04A2}" type="datetimeFigureOut">
               <a:rPr lang="en-US" smtClean="0"/>
               <a:pPr/>
-              <a:t>9/4/20</a:t>
+              <a:t>9/10/20</a:t>
             </a:fld>
             <a:endParaRPr lang="en-US"/>
           </a:p>
@@ -1524,7 +1524,7 @@
             <a:fld id="{DBE77699-C466-4996-ADED-71C8160E04A2}" type="datetimeFigureOut">
               <a:rPr lang="en-US" smtClean="0"/>
               <a:pPr/>
-              <a:t>9/4/20</a:t>
+              <a:t>9/10/20</a:t>
             </a:fld>
             <a:endParaRPr lang="en-US"/>
           </a:p>
@@ -1733,7 +1733,7 @@
             <a:fld id="{DBE77699-C466-4996-ADED-71C8160E04A2}" type="datetimeFigureOut">
               <a:rPr lang="en-US" smtClean="0"/>
               <a:pPr/>
-              <a:t>9/4/20</a:t>
+              <a:t>9/10/20</a:t>
             </a:fld>
             <a:endParaRPr lang="en-US"/>
           </a:p>
@@ -1975,7 +1975,7 @@
             <a:fld id="{DBE77699-C466-4996-ADED-71C8160E04A2}" type="datetimeFigureOut">
               <a:rPr lang="en-US" smtClean="0"/>
               <a:pPr/>
-              <a:t>9/4/20</a:t>
+              <a:t>9/10/20</a:t>
             </a:fld>
             <a:endParaRPr lang="en-US"/>
           </a:p>
@@ -2257,7 +2257,7 @@
             <a:fld id="{DBE77699-C466-4996-ADED-71C8160E04A2}" type="datetimeFigureOut">
               <a:rPr lang="en-US" smtClean="0"/>
               <a:pPr/>
-              <a:t>9/4/20</a:t>
+              <a:t>9/10/20</a:t>
             </a:fld>
             <a:endParaRPr lang="en-US"/>
           </a:p>
@@ -2673,7 +2673,7 @@
             <a:fld id="{DBE77699-C466-4996-ADED-71C8160E04A2}" type="datetimeFigureOut">
               <a:rPr lang="en-US" smtClean="0"/>
               <a:pPr/>
-              <a:t>9/4/20</a:t>
+              <a:t>9/10/20</a:t>
             </a:fld>
             <a:endParaRPr lang="en-US"/>
           </a:p>
@@ -2787,7 +2787,7 @@
             <a:fld id="{DBE77699-C466-4996-ADED-71C8160E04A2}" type="datetimeFigureOut">
               <a:rPr lang="en-US" smtClean="0"/>
               <a:pPr/>
-              <a:t>9/4/20</a:t>
+              <a:t>9/10/20</a:t>
             </a:fld>
             <a:endParaRPr lang="en-US"/>
           </a:p>
@@ -2879,7 +2879,7 @@
             <a:fld id="{DBE77699-C466-4996-ADED-71C8160E04A2}" type="datetimeFigureOut">
               <a:rPr lang="en-US" smtClean="0"/>
               <a:pPr/>
-              <a:t>9/4/20</a:t>
+              <a:t>9/10/20</a:t>
             </a:fld>
             <a:endParaRPr lang="en-US"/>
           </a:p>
@@ -3151,7 +3151,7 @@
             <a:fld id="{DBE77699-C466-4996-ADED-71C8160E04A2}" type="datetimeFigureOut">
               <a:rPr lang="en-US" smtClean="0"/>
               <a:pPr/>
-              <a:t>9/4/20</a:t>
+              <a:t>9/10/20</a:t>
             </a:fld>
             <a:endParaRPr lang="en-US"/>
           </a:p>
@@ -3400,7 +3400,7 @@
             <a:fld id="{DBE77699-C466-4996-ADED-71C8160E04A2}" type="datetimeFigureOut">
               <a:rPr lang="en-US" smtClean="0"/>
               <a:pPr/>
-              <a:t>9/4/20</a:t>
+              <a:t>9/10/20</a:t>
             </a:fld>
             <a:endParaRPr lang="en-US"/>
           </a:p>
@@ -3611,7 +3611,7 @@
             <a:fld id="{DBE77699-C466-4996-ADED-71C8160E04A2}" type="datetimeFigureOut">
               <a:rPr lang="en-US" smtClean="0"/>
               <a:pPr/>
-              <a:t>9/4/20</a:t>
+              <a:t>9/10/20</a:t>
             </a:fld>
             <a:endParaRPr lang="en-US"/>
           </a:p>
@@ -5881,14 +5881,14 @@
           <p:nvPr>
             <p:extLst>
               <p:ext uri="{D42A27DB-BD31-4B8C-83A1-F6EECF244321}">
-                <p14:modId xmlns:p14="http://schemas.microsoft.com/office/powerpoint/2010/main" val="1177363418"/>
+                <p14:modId xmlns:p14="http://schemas.microsoft.com/office/powerpoint/2010/main" val="1444320230"/>
               </p:ext>
             </p:extLst>
           </p:nvPr>
         </p:nvGraphicFramePr>
         <p:xfrm>
-          <a:off x="114300" y="533400"/>
-          <a:ext cx="8915400" cy="5132529"/>
+          <a:off x="0" y="533400"/>
+          <a:ext cx="9144000" cy="5132529"/>
         </p:xfrm>
         <a:graphic>
           <a:graphicData uri="http://schemas.openxmlformats.org/drawingml/2006/table">
@@ -5897,14 +5897,14 @@
                 <a:tableStyleId>{2D5ABB26-0587-4C30-8999-92F81FD0307C}</a:tableStyleId>
               </a:tblPr>
               <a:tblGrid>
-                <a:gridCol w="3848100">
+                <a:gridCol w="4114800">
                   <a:extLst>
                     <a:ext uri="{9D8B030D-6E8A-4147-A177-3AD203B41FA5}">
                       <a16:colId xmlns:a16="http://schemas.microsoft.com/office/drawing/2014/main" val="3623029985"/>
                     </a:ext>
                   </a:extLst>
                 </a:gridCol>
-                <a:gridCol w="5067300">
+                <a:gridCol w="5029200">
                   <a:extLst>
                     <a:ext uri="{9D8B030D-6E8A-4147-A177-3AD203B41FA5}">
                       <a16:colId xmlns:a16="http://schemas.microsoft.com/office/drawing/2014/main" val="4294323797"/>
@@ -6028,7 +6028,7 @@
                           <a:effectLst/>
                           <a:latin typeface="+mj-lt"/>
                         </a:rPr>
-                        <a:t>The Art of Asking Questions</a:t>
+                        <a:t>1. The Art of Asking Questions</a:t>
                       </a:r>
                       <a:endParaRPr lang="en-US" sz="2400" b="0" dirty="0">
                         <a:solidFill>
@@ -6147,7 +6147,7 @@
                           <a:effectLst/>
                           <a:latin typeface="+mj-lt"/>
                         </a:rPr>
-                        <a:t>Gardening and Harvesting</a:t>
+                        <a:t>2. Gardening and Harvesting</a:t>
                       </a:r>
                       <a:endParaRPr lang="en-US" sz="2400" b="0" dirty="0">
                         <a:solidFill>
@@ -6259,7 +6259,7 @@
                           <a:effectLst/>
                           <a:latin typeface="+mj-lt"/>
                         </a:rPr>
-                        <a:t>Ambassadors for Christ</a:t>
+                        <a:t>3. Ambassadors for Christ</a:t>
                       </a:r>
                       <a:endParaRPr lang="en-US" sz="2400" b="0" dirty="0">
                         <a:solidFill>
@@ -6368,7 +6368,7 @@
                           <a:effectLst/>
                           <a:latin typeface="+mj-lt"/>
                         </a:rPr>
-                        <a:t>A-Paul-</a:t>
+                        <a:t>4. A-Paul-</a:t>
                       </a:r>
                       <a:r>
                         <a:rPr lang="en-US" sz="2400" b="0" dirty="0" err="1">
@@ -6476,8 +6476,8 @@
         </p:nvSpPr>
         <p:spPr>
           <a:xfrm>
-            <a:off x="125186" y="1431556"/>
-            <a:ext cx="8915400" cy="1083043"/>
+            <a:off x="0" y="1431556"/>
+            <a:ext cx="9144000" cy="1083043"/>
           </a:xfrm>
           <a:prstGeom prst="rect">
             <a:avLst/>
@@ -6528,8 +6528,8 @@
         </p:nvSpPr>
         <p:spPr>
           <a:xfrm>
-            <a:off x="125186" y="2514600"/>
-            <a:ext cx="8915400" cy="1066800"/>
+            <a:off x="0" y="2514600"/>
+            <a:ext cx="9144000" cy="1066800"/>
           </a:xfrm>
           <a:prstGeom prst="rect">
             <a:avLst/>
@@ -6580,8 +6580,8 @@
         </p:nvSpPr>
         <p:spPr>
           <a:xfrm>
-            <a:off x="146957" y="3581400"/>
-            <a:ext cx="8915400" cy="1219200"/>
+            <a:off x="0" y="3581400"/>
+            <a:ext cx="9144000" cy="1219200"/>
           </a:xfrm>
           <a:prstGeom prst="rect">
             <a:avLst/>
@@ -6632,8 +6632,8 @@
         </p:nvSpPr>
         <p:spPr>
           <a:xfrm>
-            <a:off x="168728" y="4759650"/>
-            <a:ext cx="8915400" cy="1066800"/>
+            <a:off x="0" y="4759650"/>
+            <a:ext cx="9144000" cy="1066800"/>
           </a:xfrm>
           <a:prstGeom prst="rect">
             <a:avLst/>
@@ -6987,444 +6987,6 @@
 <file path=ppt/slides/slide2.xml><?xml version="1.0" encoding="utf-8"?>
 <p:sld xmlns:a="http://schemas.openxmlformats.org/drawingml/2006/main" xmlns:r="http://schemas.openxmlformats.org/officeDocument/2006/relationships" xmlns:p="http://schemas.openxmlformats.org/presentationml/2006/main">
   <p:cSld>
-    <p:spTree>
-      <p:nvGrpSpPr>
-        <p:cNvPr id="1" name=""/>
-        <p:cNvGrpSpPr/>
-        <p:nvPr/>
-      </p:nvGrpSpPr>
-      <p:grpSpPr>
-        <a:xfrm>
-          <a:off x="0" y="0"/>
-          <a:ext cx="0" cy="0"/>
-          <a:chOff x="0" y="0"/>
-          <a:chExt cx="0" cy="0"/>
-        </a:xfrm>
-      </p:grpSpPr>
-      <p:pic>
-        <p:nvPicPr>
-          <p:cNvPr id="6" name="Picture 5" descr="A screenshot of a cell phone&#10;&#10;Description automatically generated">
-            <a:extLst>
-              <a:ext uri="{FF2B5EF4-FFF2-40B4-BE49-F238E27FC236}">
-                <a16:creationId xmlns:a16="http://schemas.microsoft.com/office/drawing/2014/main" id="{981165FD-3F91-5049-A8C6-CCA274230C56}"/>
-              </a:ext>
-            </a:extLst>
-          </p:cNvPr>
-          <p:cNvPicPr>
-            <a:picLocks noChangeAspect="1"/>
-          </p:cNvPicPr>
-          <p:nvPr/>
-        </p:nvPicPr>
-        <p:blipFill>
-          <a:blip r:embed="rId3">
-            <a:extLst>
-              <a:ext uri="{28A0092B-C50C-407E-A947-70E740481C1C}">
-                <a14:useLocalDpi xmlns:a14="http://schemas.microsoft.com/office/drawing/2010/main" val="0"/>
-              </a:ext>
-            </a:extLst>
-          </a:blip>
-          <a:stretch>
-            <a:fillRect/>
-          </a:stretch>
-        </p:blipFill>
-        <p:spPr>
-          <a:xfrm>
-            <a:off x="0" y="407737"/>
-            <a:ext cx="9144000" cy="6042526"/>
-          </a:xfrm>
-          <a:prstGeom prst="rect">
-            <a:avLst/>
-          </a:prstGeom>
-        </p:spPr>
-      </p:pic>
-      <p:sp>
-        <p:nvSpPr>
-          <p:cNvPr id="5" name="Rectangle 4"/>
-          <p:cNvSpPr/>
-          <p:nvPr/>
-        </p:nvSpPr>
-        <p:spPr>
-          <a:xfrm>
-            <a:off x="6288388" y="5606669"/>
-            <a:ext cx="1941212" cy="401464"/>
-          </a:xfrm>
-          <a:prstGeom prst="rect">
-            <a:avLst/>
-          </a:prstGeom>
-          <a:solidFill>
-            <a:schemeClr val="bg1"/>
-          </a:solidFill>
-          <a:ln w="34925">
-            <a:noFill/>
-          </a:ln>
-          <a:effectLst/>
-        </p:spPr>
-        <p:style>
-          <a:lnRef idx="1">
-            <a:schemeClr val="accent1"/>
-          </a:lnRef>
-          <a:fillRef idx="3">
-            <a:schemeClr val="accent1"/>
-          </a:fillRef>
-          <a:effectRef idx="2">
-            <a:schemeClr val="accent1"/>
-          </a:effectRef>
-          <a:fontRef idx="minor">
-            <a:schemeClr val="lt1"/>
-          </a:fontRef>
-        </p:style>
-        <p:txBody>
-          <a:bodyPr rtlCol="0" anchor="ctr"/>
-          <a:lstStyle/>
-          <a:p>
-            <a:endParaRPr lang="en-US" dirty="0"/>
-          </a:p>
-        </p:txBody>
-      </p:sp>
-      <p:sp>
-        <p:nvSpPr>
-          <p:cNvPr id="8" name="TextBox 7"/>
-          <p:cNvSpPr txBox="1"/>
-          <p:nvPr/>
-        </p:nvSpPr>
-        <p:spPr>
-          <a:xfrm>
-            <a:off x="6327495" y="5638800"/>
-            <a:ext cx="1867327" cy="369332"/>
-          </a:xfrm>
-          <a:prstGeom prst="rect">
-            <a:avLst/>
-          </a:prstGeom>
-          <a:noFill/>
-        </p:spPr>
-        <p:txBody>
-          <a:bodyPr wrap="square" rtlCol="0">
-            <a:spAutoFit/>
-          </a:bodyPr>
-          <a:lstStyle/>
-          <a:p>
-            <a:pPr algn="ctr"/>
-            <a:r>
-              <a:rPr lang="en-US" dirty="0">
-                <a:solidFill>
-                  <a:schemeClr val="tx1">
-                    <a:lumMod val="85000"/>
-                  </a:schemeClr>
-                </a:solidFill>
-                <a:latin typeface="Avenir Book"/>
-                <a:cs typeface="Avenir Book"/>
-              </a:rPr>
-              <a:t>https://</a:t>
-            </a:r>
-            <a:r>
-              <a:rPr lang="en-US" b="1" dirty="0">
-                <a:latin typeface="Avenir Book"/>
-                <a:cs typeface="Avenir Book"/>
-              </a:rPr>
-              <a:t>Ai1L.net</a:t>
-            </a:r>
-          </a:p>
-        </p:txBody>
-      </p:sp>
-    </p:spTree>
-    <p:extLst>
-      <p:ext uri="{BB962C8B-B14F-4D97-AF65-F5344CB8AC3E}">
-        <p14:creationId xmlns:p14="http://schemas.microsoft.com/office/powerpoint/2010/main" val="2193539815"/>
-      </p:ext>
-    </p:extLst>
-  </p:cSld>
-  <p:clrMapOvr>
-    <a:masterClrMapping/>
-  </p:clrMapOvr>
-  <p:timing>
-    <p:tnLst>
-      <p:par>
-        <p:cTn id="1" dur="indefinite" restart="never" nodeType="tmRoot">
-          <p:childTnLst>
-            <p:seq concurrent="1" nextAc="seek">
-              <p:cTn id="2" dur="indefinite" nodeType="mainSeq">
-                <p:childTnLst>
-                  <p:par>
-                    <p:cTn id="3" fill="hold">
-                      <p:stCondLst>
-                        <p:cond delay="indefinite"/>
-                        <p:cond evt="onBegin" delay="0">
-                          <p:tn val="2"/>
-                        </p:cond>
-                      </p:stCondLst>
-                      <p:childTnLst>
-                        <p:par>
-                          <p:cTn id="4" fill="hold">
-                            <p:stCondLst>
-                              <p:cond delay="0"/>
-                            </p:stCondLst>
-                            <p:childTnLst>
-                              <p:par>
-                                <p:cTn id="5" presetID="1" presetClass="entr" presetSubtype="0" fill="hold" grpId="2" nodeType="afterEffect">
-                                  <p:stCondLst>
-                                    <p:cond delay="1000"/>
-                                  </p:stCondLst>
-                                  <p:childTnLst>
-                                    <p:set>
-                                      <p:cBhvr>
-                                        <p:cTn id="6" dur="1" fill="hold">
-                                          <p:stCondLst>
-                                            <p:cond delay="0"/>
-                                          </p:stCondLst>
-                                        </p:cTn>
-                                        <p:tgtEl>
-                                          <p:spTgt spid="5"/>
-                                        </p:tgtEl>
-                                        <p:attrNameLst>
-                                          <p:attrName>style.visibility</p:attrName>
-                                        </p:attrNameLst>
-                                      </p:cBhvr>
-                                      <p:to>
-                                        <p:strVal val="visible"/>
-                                      </p:to>
-                                    </p:set>
-                                  </p:childTnLst>
-                                </p:cTn>
-                              </p:par>
-                            </p:childTnLst>
-                          </p:cTn>
-                        </p:par>
-                        <p:par>
-                          <p:cTn id="7" fill="hold">
-                            <p:stCondLst>
-                              <p:cond delay="1000"/>
-                            </p:stCondLst>
-                            <p:childTnLst>
-                              <p:par>
-                                <p:cTn id="8" presetID="0" presetClass="path" presetSubtype="0" accel="50000" decel="50000" fill="hold" grpId="0" nodeType="afterEffect">
-                                  <p:stCondLst>
-                                    <p:cond delay="0"/>
-                                  </p:stCondLst>
-                                  <p:childTnLst>
-                                    <p:animMotion origin="layout" path="M 0.04236 2.22222E-6 L 3.61111E-6 2.22222E-6 " pathEditMode="relative" rAng="0" ptsTypes="AA">
-                                      <p:cBhvr>
-                                        <p:cTn id="9" dur="300" fill="hold"/>
-                                        <p:tgtEl>
-                                          <p:spTgt spid="5"/>
-                                        </p:tgtEl>
-                                        <p:attrNameLst>
-                                          <p:attrName>ppt_x</p:attrName>
-                                          <p:attrName>ppt_y</p:attrName>
-                                        </p:attrNameLst>
-                                      </p:cBhvr>
-                                      <p:rCtr x="-2118" y="0"/>
-                                    </p:animMotion>
-                                  </p:childTnLst>
-                                </p:cTn>
-                              </p:par>
-                              <p:par>
-                                <p:cTn id="10" presetID="10" presetClass="entr" presetSubtype="0" fill="hold" grpId="1" nodeType="withEffect">
-                                  <p:stCondLst>
-                                    <p:cond delay="0"/>
-                                  </p:stCondLst>
-                                  <p:childTnLst>
-                                    <p:set>
-                                      <p:cBhvr>
-                                        <p:cTn id="11" dur="1" fill="hold">
-                                          <p:stCondLst>
-                                            <p:cond delay="0"/>
-                                          </p:stCondLst>
-                                        </p:cTn>
-                                        <p:tgtEl>
-                                          <p:spTgt spid="5"/>
-                                        </p:tgtEl>
-                                        <p:attrNameLst>
-                                          <p:attrName>style.visibility</p:attrName>
-                                        </p:attrNameLst>
-                                      </p:cBhvr>
-                                      <p:to>
-                                        <p:strVal val="visible"/>
-                                      </p:to>
-                                    </p:set>
-                                    <p:animEffect transition="in" filter="fade">
-                                      <p:cBhvr>
-                                        <p:cTn id="12" dur="500"/>
-                                        <p:tgtEl>
-                                          <p:spTgt spid="5"/>
-                                        </p:tgtEl>
-                                      </p:cBhvr>
-                                    </p:animEffect>
-                                  </p:childTnLst>
-                                </p:cTn>
-                              </p:par>
-                            </p:childTnLst>
-                          </p:cTn>
-                        </p:par>
-                        <p:par>
-                          <p:cTn id="13" fill="hold">
-                            <p:stCondLst>
-                              <p:cond delay="1500"/>
-                            </p:stCondLst>
-                            <p:childTnLst>
-                              <p:par>
-                                <p:cTn id="14" presetID="10" presetClass="entr" presetSubtype="0" fill="hold" grpId="0" nodeType="afterEffect">
-                                  <p:stCondLst>
-                                    <p:cond delay="0"/>
-                                  </p:stCondLst>
-                                  <p:childTnLst>
-                                    <p:set>
-                                      <p:cBhvr>
-                                        <p:cTn id="15" dur="1" fill="hold">
-                                          <p:stCondLst>
-                                            <p:cond delay="0"/>
-                                          </p:stCondLst>
-                                        </p:cTn>
-                                        <p:tgtEl>
-                                          <p:spTgt spid="8"/>
-                                        </p:tgtEl>
-                                        <p:attrNameLst>
-                                          <p:attrName>style.visibility</p:attrName>
-                                        </p:attrNameLst>
-                                      </p:cBhvr>
-                                      <p:to>
-                                        <p:strVal val="visible"/>
-                                      </p:to>
-                                    </p:set>
-                                    <p:animEffect transition="in" filter="fade">
-                                      <p:cBhvr>
-                                        <p:cTn id="16" dur="300"/>
-                                        <p:tgtEl>
-                                          <p:spTgt spid="8"/>
-                                        </p:tgtEl>
-                                      </p:cBhvr>
-                                    </p:animEffect>
-                                  </p:childTnLst>
-                                </p:cTn>
-                              </p:par>
-                              <p:par>
-                                <p:cTn id="17" presetID="0" presetClass="path" presetSubtype="0" accel="50000" decel="50000" fill="hold" grpId="1" nodeType="withEffect">
-                                  <p:stCondLst>
-                                    <p:cond delay="0"/>
-                                  </p:stCondLst>
-                                  <p:childTnLst>
-                                    <p:animMotion origin="layout" path="M 3.88889E-6 0.0169 L 3.88889E-6 -4.44444E-6 " pathEditMode="relative" rAng="0" ptsTypes="AA">
-                                      <p:cBhvr>
-                                        <p:cTn id="18" dur="200" fill="hold"/>
-                                        <p:tgtEl>
-                                          <p:spTgt spid="8"/>
-                                        </p:tgtEl>
-                                        <p:attrNameLst>
-                                          <p:attrName>ppt_x</p:attrName>
-                                          <p:attrName>ppt_y</p:attrName>
-                                        </p:attrNameLst>
-                                      </p:cBhvr>
-                                      <p:rCtr x="0" y="-856"/>
-                                    </p:animMotion>
-                                  </p:childTnLst>
-                                </p:cTn>
-                              </p:par>
-                            </p:childTnLst>
-                          </p:cTn>
-                        </p:par>
-                      </p:childTnLst>
-                    </p:cTn>
-                  </p:par>
-                </p:childTnLst>
-              </p:cTn>
-              <p:prevCondLst>
-                <p:cond evt="onPrev" delay="0">
-                  <p:tgtEl>
-                    <p:sldTgt/>
-                  </p:tgtEl>
-                </p:cond>
-              </p:prevCondLst>
-              <p:nextCondLst>
-                <p:cond evt="onNext" delay="0">
-                  <p:tgtEl>
-                    <p:sldTgt/>
-                  </p:tgtEl>
-                </p:cond>
-              </p:nextCondLst>
-            </p:seq>
-          </p:childTnLst>
-        </p:cTn>
-      </p:par>
-    </p:tnLst>
-    <p:bldLst>
-      <p:bldP spid="5" grpId="0" animBg="1"/>
-      <p:bldP spid="5" grpId="1" animBg="1"/>
-      <p:bldP spid="5" grpId="2" animBg="1"/>
-      <p:bldP spid="8" grpId="0"/>
-      <p:bldP spid="8" grpId="1"/>
-    </p:bldLst>
-  </p:timing>
-</p:sld>
-</file>
-
-<file path=ppt/slides/slide3.xml><?xml version="1.0" encoding="utf-8"?>
-<p:sld xmlns:a="http://schemas.openxmlformats.org/drawingml/2006/main" xmlns:r="http://schemas.openxmlformats.org/officeDocument/2006/relationships" xmlns:p="http://schemas.openxmlformats.org/presentationml/2006/main">
-  <p:cSld>
-    <p:spTree>
-      <p:nvGrpSpPr>
-        <p:cNvPr id="1" name=""/>
-        <p:cNvGrpSpPr/>
-        <p:nvPr/>
-      </p:nvGrpSpPr>
-      <p:grpSpPr>
-        <a:xfrm>
-          <a:off x="0" y="0"/>
-          <a:ext cx="0" cy="0"/>
-          <a:chOff x="0" y="0"/>
-          <a:chExt cx="0" cy="0"/>
-        </a:xfrm>
-      </p:grpSpPr>
-      <p:pic>
-        <p:nvPicPr>
-          <p:cNvPr id="5" name="Picture 4" descr="A screenshot of a cell phone&#10;&#10;Description automatically generated">
-            <a:extLst>
-              <a:ext uri="{FF2B5EF4-FFF2-40B4-BE49-F238E27FC236}">
-                <a16:creationId xmlns:a16="http://schemas.microsoft.com/office/drawing/2014/main" id="{C6F7551E-0A78-3B4F-8E11-D4C0C9BA7099}"/>
-              </a:ext>
-            </a:extLst>
-          </p:cNvPr>
-          <p:cNvPicPr>
-            <a:picLocks noChangeAspect="1"/>
-          </p:cNvPicPr>
-          <p:nvPr/>
-        </p:nvPicPr>
-        <p:blipFill>
-          <a:blip r:embed="rId2">
-            <a:extLst>
-              <a:ext uri="{28A0092B-C50C-407E-A947-70E740481C1C}">
-                <a14:useLocalDpi xmlns:a14="http://schemas.microsoft.com/office/drawing/2010/main" val="0"/>
-              </a:ext>
-            </a:extLst>
-          </a:blip>
-          <a:stretch>
-            <a:fillRect/>
-          </a:stretch>
-        </p:blipFill>
-        <p:spPr>
-          <a:xfrm>
-            <a:off x="0" y="404199"/>
-            <a:ext cx="9144000" cy="6049602"/>
-          </a:xfrm>
-          <a:prstGeom prst="rect">
-            <a:avLst/>
-          </a:prstGeom>
-        </p:spPr>
-      </p:pic>
-    </p:spTree>
-    <p:extLst>
-      <p:ext uri="{BB962C8B-B14F-4D97-AF65-F5344CB8AC3E}">
-        <p14:creationId xmlns:p14="http://schemas.microsoft.com/office/powerpoint/2010/main" val="3191674640"/>
-      </p:ext>
-    </p:extLst>
-  </p:cSld>
-  <p:clrMapOvr>
-    <a:masterClrMapping/>
-  </p:clrMapOvr>
-</p:sld>
-</file>
-
-<file path=ppt/slides/slide4.xml><?xml version="1.0" encoding="utf-8"?>
-<p:sld xmlns:a="http://schemas.openxmlformats.org/drawingml/2006/main" xmlns:r="http://schemas.openxmlformats.org/officeDocument/2006/relationships" xmlns:p="http://schemas.openxmlformats.org/presentationml/2006/main">
-  <p:cSld>
     <p:bg>
       <p:bgPr>
         <a:solidFill>
@@ -7589,87 +7151,7 @@
 </p:sld>
 </file>
 
-<file path=ppt/slides/slide5.xml><?xml version="1.0" encoding="utf-8"?>
-<p:sld xmlns:a="http://schemas.openxmlformats.org/drawingml/2006/main" xmlns:r="http://schemas.openxmlformats.org/officeDocument/2006/relationships" xmlns:p="http://schemas.openxmlformats.org/presentationml/2006/main">
-  <p:cSld>
-    <p:spTree>
-      <p:nvGrpSpPr>
-        <p:cNvPr id="1" name=""/>
-        <p:cNvGrpSpPr/>
-        <p:nvPr/>
-      </p:nvGrpSpPr>
-      <p:grpSpPr>
-        <a:xfrm>
-          <a:off x="0" y="0"/>
-          <a:ext cx="0" cy="0"/>
-          <a:chOff x="0" y="0"/>
-          <a:chExt cx="0" cy="0"/>
-        </a:xfrm>
-      </p:grpSpPr>
-      <p:sp>
-        <p:nvSpPr>
-          <p:cNvPr id="2" name="Title 1">
-            <a:extLst>
-              <a:ext uri="{FF2B5EF4-FFF2-40B4-BE49-F238E27FC236}">
-                <a16:creationId xmlns:a16="http://schemas.microsoft.com/office/drawing/2014/main" id="{6C99D799-FFCA-3C44-9347-EB0D00EB84EC}"/>
-              </a:ext>
-            </a:extLst>
-          </p:cNvPr>
-          <p:cNvSpPr>
-            <a:spLocks noGrp="1"/>
-          </p:cNvSpPr>
-          <p:nvPr>
-            <p:ph type="title"/>
-          </p:nvPr>
-        </p:nvSpPr>
-        <p:spPr/>
-        <p:txBody>
-          <a:bodyPr/>
-          <a:lstStyle/>
-          <a:p>
-            <a:endParaRPr lang="en-US"/>
-          </a:p>
-        </p:txBody>
-      </p:sp>
-      <p:sp>
-        <p:nvSpPr>
-          <p:cNvPr id="3" name="Content Placeholder 2">
-            <a:extLst>
-              <a:ext uri="{FF2B5EF4-FFF2-40B4-BE49-F238E27FC236}">
-                <a16:creationId xmlns:a16="http://schemas.microsoft.com/office/drawing/2014/main" id="{27FD791D-F083-0848-A43E-C14FF17A4A24}"/>
-              </a:ext>
-            </a:extLst>
-          </p:cNvPr>
-          <p:cNvSpPr>
-            <a:spLocks noGrp="1"/>
-          </p:cNvSpPr>
-          <p:nvPr>
-            <p:ph idx="1"/>
-          </p:nvPr>
-        </p:nvSpPr>
-        <p:spPr/>
-        <p:txBody>
-          <a:bodyPr/>
-          <a:lstStyle/>
-          <a:p>
-            <a:endParaRPr lang="en-US"/>
-          </a:p>
-        </p:txBody>
-      </p:sp>
-    </p:spTree>
-    <p:extLst>
-      <p:ext uri="{BB962C8B-B14F-4D97-AF65-F5344CB8AC3E}">
-        <p14:creationId xmlns:p14="http://schemas.microsoft.com/office/powerpoint/2010/main" val="3556725958"/>
-      </p:ext>
-    </p:extLst>
-  </p:cSld>
-  <p:clrMapOvr>
-    <a:masterClrMapping/>
-  </p:clrMapOvr>
-</p:sld>
-</file>
-
-<file path=ppt/slides/slide6.xml><?xml version="1.0" encoding="utf-8"?>
+<file path=ppt/slides/slide3.xml><?xml version="1.0" encoding="utf-8"?>
 <p:sld xmlns:a="http://schemas.openxmlformats.org/drawingml/2006/main" xmlns:r="http://schemas.openxmlformats.org/officeDocument/2006/relationships" xmlns:p="http://schemas.openxmlformats.org/presentationml/2006/main">
   <p:cSld>
     <p:spTree>
@@ -8305,7 +7787,7 @@
 </p:sld>
 </file>
 
-<file path=ppt/slides/slide7.xml><?xml version="1.0" encoding="utf-8"?>
+<file path=ppt/slides/slide4.xml><?xml version="1.0" encoding="utf-8"?>
 <p:sld xmlns:a="http://schemas.openxmlformats.org/drawingml/2006/main" xmlns:r="http://schemas.openxmlformats.org/officeDocument/2006/relationships" xmlns:p="http://schemas.openxmlformats.org/presentationml/2006/main">
   <p:cSld>
     <p:spTree>
@@ -8953,7 +8435,7 @@
 </p:sld>
 </file>
 
-<file path=ppt/slides/slide8.xml><?xml version="1.0" encoding="utf-8"?>
+<file path=ppt/slides/slide5.xml><?xml version="1.0" encoding="utf-8"?>
 <p:sld xmlns:a="http://schemas.openxmlformats.org/drawingml/2006/main" xmlns:r="http://schemas.openxmlformats.org/officeDocument/2006/relationships" xmlns:p="http://schemas.openxmlformats.org/presentationml/2006/main">
   <p:cSld>
     <p:spTree>
@@ -9825,7 +9307,7 @@
 </p:sld>
 </file>
 
-<file path=ppt/slides/slide9.xml><?xml version="1.0" encoding="utf-8"?>
+<file path=ppt/slides/slide6.xml><?xml version="1.0" encoding="utf-8"?>
 <p:sld xmlns:a="http://schemas.openxmlformats.org/drawingml/2006/main" xmlns:r="http://schemas.openxmlformats.org/officeDocument/2006/relationships" xmlns:p="http://schemas.openxmlformats.org/presentationml/2006/main">
   <p:cSld>
     <p:spTree>
@@ -9876,7 +9358,7 @@
                   <a:srgbClr val="009FC0"/>
                 </a:solidFill>
               </a:rPr>
-              <a:t>Objective</a:t>
+              <a:t>Facts</a:t>
             </a:r>
             <a:br>
               <a:rPr lang="en-US" sz="3600" b="1" dirty="0"/>
@@ -9887,7 +9369,7 @@
             </a:r>
             <a:r>
               <a:rPr lang="en-US" sz="2400" i="1" dirty="0"/>
-              <a:t>think</a:t>
+              <a:t>believe</a:t>
             </a:r>
             <a:r>
               <a:rPr lang="en-US" sz="2400" dirty="0"/>
@@ -9930,7 +9412,7 @@
                   <a:srgbClr val="009FC0"/>
                 </a:solidFill>
               </a:rPr>
-              <a:t>Subjective</a:t>
+              <a:t>Values &amp; Needs</a:t>
             </a:r>
           </a:p>
           <a:p>
@@ -10866,6 +10348,473 @@
       <p:bldP spid="13" grpId="0"/>
     </p:bldLst>
   </p:timing>
+</p:sld>
+</file>
+
+<file path=ppt/slides/slide7.xml><?xml version="1.0" encoding="utf-8"?>
+<p:sld xmlns:a="http://schemas.openxmlformats.org/drawingml/2006/main" xmlns:r="http://schemas.openxmlformats.org/officeDocument/2006/relationships" xmlns:p="http://schemas.openxmlformats.org/presentationml/2006/main">
+  <p:cSld>
+    <p:spTree>
+      <p:nvGrpSpPr>
+        <p:cNvPr id="1" name=""/>
+        <p:cNvGrpSpPr/>
+        <p:nvPr/>
+      </p:nvGrpSpPr>
+      <p:grpSpPr>
+        <a:xfrm>
+          <a:off x="0" y="0"/>
+          <a:ext cx="0" cy="0"/>
+          <a:chOff x="0" y="0"/>
+          <a:chExt cx="0" cy="0"/>
+        </a:xfrm>
+      </p:grpSpPr>
+      <p:pic>
+        <p:nvPicPr>
+          <p:cNvPr id="6" name="Picture 5" descr="A screenshot of a cell phone&#10;&#10;Description automatically generated">
+            <a:extLst>
+              <a:ext uri="{FF2B5EF4-FFF2-40B4-BE49-F238E27FC236}">
+                <a16:creationId xmlns:a16="http://schemas.microsoft.com/office/drawing/2014/main" id="{981165FD-3F91-5049-A8C6-CCA274230C56}"/>
+              </a:ext>
+            </a:extLst>
+          </p:cNvPr>
+          <p:cNvPicPr>
+            <a:picLocks noChangeAspect="1"/>
+          </p:cNvPicPr>
+          <p:nvPr/>
+        </p:nvPicPr>
+        <p:blipFill>
+          <a:blip r:embed="rId3">
+            <a:extLst>
+              <a:ext uri="{28A0092B-C50C-407E-A947-70E740481C1C}">
+                <a14:useLocalDpi xmlns:a14="http://schemas.microsoft.com/office/drawing/2010/main" val="0"/>
+              </a:ext>
+            </a:extLst>
+          </a:blip>
+          <a:stretch>
+            <a:fillRect/>
+          </a:stretch>
+        </p:blipFill>
+        <p:spPr>
+          <a:xfrm>
+            <a:off x="0" y="407737"/>
+            <a:ext cx="9144000" cy="6042526"/>
+          </a:xfrm>
+          <a:prstGeom prst="rect">
+            <a:avLst/>
+          </a:prstGeom>
+        </p:spPr>
+      </p:pic>
+      <p:sp>
+        <p:nvSpPr>
+          <p:cNvPr id="5" name="Rectangle 4"/>
+          <p:cNvSpPr/>
+          <p:nvPr/>
+        </p:nvSpPr>
+        <p:spPr>
+          <a:xfrm>
+            <a:off x="6288388" y="5606669"/>
+            <a:ext cx="1941212" cy="401464"/>
+          </a:xfrm>
+          <a:prstGeom prst="rect">
+            <a:avLst/>
+          </a:prstGeom>
+          <a:solidFill>
+            <a:schemeClr val="bg1"/>
+          </a:solidFill>
+          <a:ln w="34925">
+            <a:noFill/>
+          </a:ln>
+          <a:effectLst/>
+        </p:spPr>
+        <p:style>
+          <a:lnRef idx="1">
+            <a:schemeClr val="accent1"/>
+          </a:lnRef>
+          <a:fillRef idx="3">
+            <a:schemeClr val="accent1"/>
+          </a:fillRef>
+          <a:effectRef idx="2">
+            <a:schemeClr val="accent1"/>
+          </a:effectRef>
+          <a:fontRef idx="minor">
+            <a:schemeClr val="lt1"/>
+          </a:fontRef>
+        </p:style>
+        <p:txBody>
+          <a:bodyPr rtlCol="0" anchor="ctr"/>
+          <a:lstStyle/>
+          <a:p>
+            <a:endParaRPr lang="en-US" dirty="0"/>
+          </a:p>
+        </p:txBody>
+      </p:sp>
+      <p:sp>
+        <p:nvSpPr>
+          <p:cNvPr id="8" name="TextBox 7"/>
+          <p:cNvSpPr txBox="1"/>
+          <p:nvPr/>
+        </p:nvSpPr>
+        <p:spPr>
+          <a:xfrm>
+            <a:off x="6327495" y="5638800"/>
+            <a:ext cx="1867327" cy="369332"/>
+          </a:xfrm>
+          <a:prstGeom prst="rect">
+            <a:avLst/>
+          </a:prstGeom>
+          <a:noFill/>
+        </p:spPr>
+        <p:txBody>
+          <a:bodyPr wrap="square" rtlCol="0">
+            <a:spAutoFit/>
+          </a:bodyPr>
+          <a:lstStyle/>
+          <a:p>
+            <a:pPr algn="ctr"/>
+            <a:r>
+              <a:rPr lang="en-US" dirty="0">
+                <a:solidFill>
+                  <a:schemeClr val="tx1">
+                    <a:lumMod val="85000"/>
+                  </a:schemeClr>
+                </a:solidFill>
+                <a:latin typeface="Avenir Book"/>
+                <a:cs typeface="Avenir Book"/>
+              </a:rPr>
+              <a:t>https://</a:t>
+            </a:r>
+            <a:r>
+              <a:rPr lang="en-US" b="1" dirty="0">
+                <a:latin typeface="Avenir Book"/>
+                <a:cs typeface="Avenir Book"/>
+              </a:rPr>
+              <a:t>Ai1L.net</a:t>
+            </a:r>
+          </a:p>
+        </p:txBody>
+      </p:sp>
+    </p:spTree>
+    <p:extLst>
+      <p:ext uri="{BB962C8B-B14F-4D97-AF65-F5344CB8AC3E}">
+        <p14:creationId xmlns:p14="http://schemas.microsoft.com/office/powerpoint/2010/main" val="2193539815"/>
+      </p:ext>
+    </p:extLst>
+  </p:cSld>
+  <p:clrMapOvr>
+    <a:masterClrMapping/>
+  </p:clrMapOvr>
+  <p:timing>
+    <p:tnLst>
+      <p:par>
+        <p:cTn id="1" dur="indefinite" restart="never" nodeType="tmRoot">
+          <p:childTnLst>
+            <p:seq concurrent="1" nextAc="seek">
+              <p:cTn id="2" dur="indefinite" nodeType="mainSeq">
+                <p:childTnLst>
+                  <p:par>
+                    <p:cTn id="3" fill="hold">
+                      <p:stCondLst>
+                        <p:cond delay="indefinite"/>
+                        <p:cond evt="onBegin" delay="0">
+                          <p:tn val="2"/>
+                        </p:cond>
+                      </p:stCondLst>
+                      <p:childTnLst>
+                        <p:par>
+                          <p:cTn id="4" fill="hold">
+                            <p:stCondLst>
+                              <p:cond delay="0"/>
+                            </p:stCondLst>
+                            <p:childTnLst>
+                              <p:par>
+                                <p:cTn id="5" presetID="1" presetClass="entr" presetSubtype="0" fill="hold" grpId="2" nodeType="afterEffect">
+                                  <p:stCondLst>
+                                    <p:cond delay="1000"/>
+                                  </p:stCondLst>
+                                  <p:childTnLst>
+                                    <p:set>
+                                      <p:cBhvr>
+                                        <p:cTn id="6" dur="1" fill="hold">
+                                          <p:stCondLst>
+                                            <p:cond delay="0"/>
+                                          </p:stCondLst>
+                                        </p:cTn>
+                                        <p:tgtEl>
+                                          <p:spTgt spid="5"/>
+                                        </p:tgtEl>
+                                        <p:attrNameLst>
+                                          <p:attrName>style.visibility</p:attrName>
+                                        </p:attrNameLst>
+                                      </p:cBhvr>
+                                      <p:to>
+                                        <p:strVal val="visible"/>
+                                      </p:to>
+                                    </p:set>
+                                  </p:childTnLst>
+                                </p:cTn>
+                              </p:par>
+                            </p:childTnLst>
+                          </p:cTn>
+                        </p:par>
+                        <p:par>
+                          <p:cTn id="7" fill="hold">
+                            <p:stCondLst>
+                              <p:cond delay="1000"/>
+                            </p:stCondLst>
+                            <p:childTnLst>
+                              <p:par>
+                                <p:cTn id="8" presetID="0" presetClass="path" presetSubtype="0" accel="50000" decel="50000" fill="hold" grpId="0" nodeType="afterEffect">
+                                  <p:stCondLst>
+                                    <p:cond delay="0"/>
+                                  </p:stCondLst>
+                                  <p:childTnLst>
+                                    <p:animMotion origin="layout" path="M 0.04236 2.22222E-6 L 3.61111E-6 2.22222E-6 " pathEditMode="relative" rAng="0" ptsTypes="AA">
+                                      <p:cBhvr>
+                                        <p:cTn id="9" dur="300" fill="hold"/>
+                                        <p:tgtEl>
+                                          <p:spTgt spid="5"/>
+                                        </p:tgtEl>
+                                        <p:attrNameLst>
+                                          <p:attrName>ppt_x</p:attrName>
+                                          <p:attrName>ppt_y</p:attrName>
+                                        </p:attrNameLst>
+                                      </p:cBhvr>
+                                      <p:rCtr x="-2118" y="0"/>
+                                    </p:animMotion>
+                                  </p:childTnLst>
+                                </p:cTn>
+                              </p:par>
+                              <p:par>
+                                <p:cTn id="10" presetID="10" presetClass="entr" presetSubtype="0" fill="hold" grpId="1" nodeType="withEffect">
+                                  <p:stCondLst>
+                                    <p:cond delay="0"/>
+                                  </p:stCondLst>
+                                  <p:childTnLst>
+                                    <p:set>
+                                      <p:cBhvr>
+                                        <p:cTn id="11" dur="1" fill="hold">
+                                          <p:stCondLst>
+                                            <p:cond delay="0"/>
+                                          </p:stCondLst>
+                                        </p:cTn>
+                                        <p:tgtEl>
+                                          <p:spTgt spid="5"/>
+                                        </p:tgtEl>
+                                        <p:attrNameLst>
+                                          <p:attrName>style.visibility</p:attrName>
+                                        </p:attrNameLst>
+                                      </p:cBhvr>
+                                      <p:to>
+                                        <p:strVal val="visible"/>
+                                      </p:to>
+                                    </p:set>
+                                    <p:animEffect transition="in" filter="fade">
+                                      <p:cBhvr>
+                                        <p:cTn id="12" dur="500"/>
+                                        <p:tgtEl>
+                                          <p:spTgt spid="5"/>
+                                        </p:tgtEl>
+                                      </p:cBhvr>
+                                    </p:animEffect>
+                                  </p:childTnLst>
+                                </p:cTn>
+                              </p:par>
+                            </p:childTnLst>
+                          </p:cTn>
+                        </p:par>
+                        <p:par>
+                          <p:cTn id="13" fill="hold">
+                            <p:stCondLst>
+                              <p:cond delay="1500"/>
+                            </p:stCondLst>
+                            <p:childTnLst>
+                              <p:par>
+                                <p:cTn id="14" presetID="10" presetClass="entr" presetSubtype="0" fill="hold" grpId="0" nodeType="afterEffect">
+                                  <p:stCondLst>
+                                    <p:cond delay="0"/>
+                                  </p:stCondLst>
+                                  <p:childTnLst>
+                                    <p:set>
+                                      <p:cBhvr>
+                                        <p:cTn id="15" dur="1" fill="hold">
+                                          <p:stCondLst>
+                                            <p:cond delay="0"/>
+                                          </p:stCondLst>
+                                        </p:cTn>
+                                        <p:tgtEl>
+                                          <p:spTgt spid="8"/>
+                                        </p:tgtEl>
+                                        <p:attrNameLst>
+                                          <p:attrName>style.visibility</p:attrName>
+                                        </p:attrNameLst>
+                                      </p:cBhvr>
+                                      <p:to>
+                                        <p:strVal val="visible"/>
+                                      </p:to>
+                                    </p:set>
+                                    <p:animEffect transition="in" filter="fade">
+                                      <p:cBhvr>
+                                        <p:cTn id="16" dur="300"/>
+                                        <p:tgtEl>
+                                          <p:spTgt spid="8"/>
+                                        </p:tgtEl>
+                                      </p:cBhvr>
+                                    </p:animEffect>
+                                  </p:childTnLst>
+                                </p:cTn>
+                              </p:par>
+                              <p:par>
+                                <p:cTn id="17" presetID="0" presetClass="path" presetSubtype="0" accel="50000" decel="50000" fill="hold" grpId="1" nodeType="withEffect">
+                                  <p:stCondLst>
+                                    <p:cond delay="0"/>
+                                  </p:stCondLst>
+                                  <p:childTnLst>
+                                    <p:animMotion origin="layout" path="M 3.88889E-6 0.0169 L 3.88889E-6 -4.44444E-6 " pathEditMode="relative" rAng="0" ptsTypes="AA">
+                                      <p:cBhvr>
+                                        <p:cTn id="18" dur="200" fill="hold"/>
+                                        <p:tgtEl>
+                                          <p:spTgt spid="8"/>
+                                        </p:tgtEl>
+                                        <p:attrNameLst>
+                                          <p:attrName>ppt_x</p:attrName>
+                                          <p:attrName>ppt_y</p:attrName>
+                                        </p:attrNameLst>
+                                      </p:cBhvr>
+                                      <p:rCtr x="0" y="-856"/>
+                                    </p:animMotion>
+                                  </p:childTnLst>
+                                </p:cTn>
+                              </p:par>
+                            </p:childTnLst>
+                          </p:cTn>
+                        </p:par>
+                      </p:childTnLst>
+                    </p:cTn>
+                  </p:par>
+                </p:childTnLst>
+              </p:cTn>
+              <p:prevCondLst>
+                <p:cond evt="onPrev" delay="0">
+                  <p:tgtEl>
+                    <p:sldTgt/>
+                  </p:tgtEl>
+                </p:cond>
+              </p:prevCondLst>
+              <p:nextCondLst>
+                <p:cond evt="onNext" delay="0">
+                  <p:tgtEl>
+                    <p:sldTgt/>
+                  </p:tgtEl>
+                </p:cond>
+              </p:nextCondLst>
+            </p:seq>
+          </p:childTnLst>
+        </p:cTn>
+      </p:par>
+    </p:tnLst>
+    <p:bldLst>
+      <p:bldP spid="5" grpId="0" animBg="1"/>
+      <p:bldP spid="5" grpId="1" animBg="1"/>
+      <p:bldP spid="5" grpId="2" animBg="1"/>
+      <p:bldP spid="8" grpId="0"/>
+      <p:bldP spid="8" grpId="1"/>
+    </p:bldLst>
+  </p:timing>
+</p:sld>
+</file>
+
+<file path=ppt/slides/slide8.xml><?xml version="1.0" encoding="utf-8"?>
+<p:sld xmlns:a="http://schemas.openxmlformats.org/drawingml/2006/main" xmlns:r="http://schemas.openxmlformats.org/officeDocument/2006/relationships" xmlns:p="http://schemas.openxmlformats.org/presentationml/2006/main">
+  <p:cSld>
+    <p:spTree>
+      <p:nvGrpSpPr>
+        <p:cNvPr id="1" name=""/>
+        <p:cNvGrpSpPr/>
+        <p:nvPr/>
+      </p:nvGrpSpPr>
+      <p:grpSpPr>
+        <a:xfrm>
+          <a:off x="0" y="0"/>
+          <a:ext cx="0" cy="0"/>
+          <a:chOff x="0" y="0"/>
+          <a:chExt cx="0" cy="0"/>
+        </a:xfrm>
+      </p:grpSpPr>
+      <p:pic>
+        <p:nvPicPr>
+          <p:cNvPr id="5" name="Picture 4">
+            <a:extLst>
+              <a:ext uri="{FF2B5EF4-FFF2-40B4-BE49-F238E27FC236}">
+                <a16:creationId xmlns:a16="http://schemas.microsoft.com/office/drawing/2014/main" id="{C6F7551E-0A78-3B4F-8E11-D4C0C9BA7099}"/>
+              </a:ext>
+            </a:extLst>
+          </p:cNvPr>
+          <p:cNvPicPr>
+            <a:picLocks noChangeAspect="1"/>
+          </p:cNvPicPr>
+          <p:nvPr/>
+        </p:nvPicPr>
+        <p:blipFill rotWithShape="1">
+          <a:blip r:embed="rId2">
+            <a:extLst>
+              <a:ext uri="{28A0092B-C50C-407E-A947-70E740481C1C}">
+                <a14:useLocalDpi xmlns:a14="http://schemas.microsoft.com/office/drawing/2010/main" val="0"/>
+              </a:ext>
+            </a:extLst>
+          </a:blip>
+          <a:srcRect l="7500" r="8333"/>
+          <a:stretch/>
+        </p:blipFill>
+        <p:spPr>
+          <a:xfrm>
+            <a:off x="0" y="399789"/>
+            <a:ext cx="9144000" cy="6229611"/>
+          </a:xfrm>
+          <a:prstGeom prst="rect">
+            <a:avLst/>
+          </a:prstGeom>
+        </p:spPr>
+      </p:pic>
+    </p:spTree>
+    <p:extLst>
+      <p:ext uri="{BB962C8B-B14F-4D97-AF65-F5344CB8AC3E}">
+        <p14:creationId xmlns:p14="http://schemas.microsoft.com/office/powerpoint/2010/main" val="3191674640"/>
+      </p:ext>
+    </p:extLst>
+  </p:cSld>
+  <p:clrMapOvr>
+    <a:masterClrMapping/>
+  </p:clrMapOvr>
+</p:sld>
+</file>
+
+<file path=ppt/slides/slide9.xml><?xml version="1.0" encoding="utf-8"?>
+<p:sld xmlns:a="http://schemas.openxmlformats.org/drawingml/2006/main" xmlns:r="http://schemas.openxmlformats.org/officeDocument/2006/relationships" xmlns:p="http://schemas.openxmlformats.org/presentationml/2006/main">
+  <p:cSld>
+    <p:spTree>
+      <p:nvGrpSpPr>
+        <p:cNvPr id="1" name=""/>
+        <p:cNvGrpSpPr/>
+        <p:nvPr/>
+      </p:nvGrpSpPr>
+      <p:grpSpPr>
+        <a:xfrm>
+          <a:off x="0" y="0"/>
+          <a:ext cx="0" cy="0"/>
+          <a:chOff x="0" y="0"/>
+          <a:chExt cx="0" cy="0"/>
+        </a:xfrm>
+      </p:grpSpPr>
+    </p:spTree>
+    <p:extLst>
+      <p:ext uri="{BB962C8B-B14F-4D97-AF65-F5344CB8AC3E}">
+        <p14:creationId xmlns:p14="http://schemas.microsoft.com/office/powerpoint/2010/main" val="3556725958"/>
+      </p:ext>
+    </p:extLst>
+  </p:cSld>
+  <p:clrMapOvr>
+    <a:masterClrMapping/>
+  </p:clrMapOvr>
 </p:sld>
 </file>
 

--- a/companion-website/public/files/0. Intro.pptx
+++ b/companion-website/public/files/0. Intro.pptx
@@ -5,20 +5,23 @@
     <p:sldMasterId id="2147483648" r:id="rId1"/>
   </p:sldMasterIdLst>
   <p:notesMasterIdLst>
-    <p:notesMasterId r:id="rId13"/>
+    <p:notesMasterId r:id="rId16"/>
   </p:notesMasterIdLst>
   <p:sldIdLst>
     <p:sldId id="275" r:id="rId2"/>
-    <p:sldId id="277" r:id="rId3"/>
-    <p:sldId id="452" r:id="rId4"/>
-    <p:sldId id="453" r:id="rId5"/>
-    <p:sldId id="448" r:id="rId6"/>
-    <p:sldId id="456" r:id="rId7"/>
-    <p:sldId id="451" r:id="rId8"/>
-    <p:sldId id="450" r:id="rId9"/>
-    <p:sldId id="441" r:id="rId10"/>
-    <p:sldId id="455" r:id="rId11"/>
-    <p:sldId id="457" r:id="rId12"/>
+    <p:sldId id="460" r:id="rId3"/>
+    <p:sldId id="461" r:id="rId4"/>
+    <p:sldId id="452" r:id="rId5"/>
+    <p:sldId id="453" r:id="rId6"/>
+    <p:sldId id="277" r:id="rId7"/>
+    <p:sldId id="448" r:id="rId8"/>
+    <p:sldId id="456" r:id="rId9"/>
+    <p:sldId id="451" r:id="rId10"/>
+    <p:sldId id="450" r:id="rId11"/>
+    <p:sldId id="441" r:id="rId12"/>
+    <p:sldId id="459" r:id="rId13"/>
+    <p:sldId id="455" r:id="rId14"/>
+    <p:sldId id="457" r:id="rId15"/>
   </p:sldIdLst>
   <p:sldSz cx="9144000" cy="6858000" type="screen4x3"/>
   <p:notesSz cx="6858000" cy="9144000"/>
@@ -218,7 +221,7 @@
           <a:p>
             <a:fld id="{8F7EB338-8BB0-B64B-9F79-C87EA24D723F}" type="datetimeFigureOut">
               <a:rPr lang="en-US" smtClean="0"/>
-              <a:t>9/10/20</a:t>
+              <a:t>9/28/20</a:t>
             </a:fld>
             <a:endParaRPr lang="en-US"/>
           </a:p>
@@ -550,7 +553,7 @@
           <a:p>
             <a:fld id="{0A2C3B37-55FA-284F-9E83-751B4EA6E9B4}" type="slidenum">
               <a:rPr lang="en-US" smtClean="0"/>
-              <a:t>4</a:t>
+              <a:t>2</a:t>
             </a:fld>
             <a:endParaRPr lang="en-US"/>
           </a:p>
@@ -559,7 +562,7 @@
     </p:spTree>
     <p:extLst>
       <p:ext uri="{BB962C8B-B14F-4D97-AF65-F5344CB8AC3E}">
-        <p14:creationId xmlns:p14="http://schemas.microsoft.com/office/powerpoint/2010/main" val="1390784773"/>
+        <p14:creationId xmlns:p14="http://schemas.microsoft.com/office/powerpoint/2010/main" val="144522873"/>
       </p:ext>
     </p:extLst>
   </p:cSld>
@@ -634,7 +637,7 @@
           <a:p>
             <a:fld id="{0A2C3B37-55FA-284F-9E83-751B4EA6E9B4}" type="slidenum">
               <a:rPr lang="en-US" smtClean="0"/>
-              <a:t>5</a:t>
+              <a:t>3</a:t>
             </a:fld>
             <a:endParaRPr lang="en-US"/>
           </a:p>
@@ -643,7 +646,7 @@
     </p:spTree>
     <p:extLst>
       <p:ext uri="{BB962C8B-B14F-4D97-AF65-F5344CB8AC3E}">
-        <p14:creationId xmlns:p14="http://schemas.microsoft.com/office/powerpoint/2010/main" val="3015579558"/>
+        <p14:creationId xmlns:p14="http://schemas.microsoft.com/office/powerpoint/2010/main" val="1398827974"/>
       </p:ext>
     </p:extLst>
   </p:cSld>
@@ -708,7 +711,7 @@
             <a:spLocks noGrp="1"/>
           </p:cNvSpPr>
           <p:nvPr>
-            <p:ph type="sldNum" sz="quarter" idx="5"/>
+            <p:ph type="sldNum" sz="quarter" idx="10"/>
           </p:nvPr>
         </p:nvSpPr>
         <p:spPr/>
@@ -716,9 +719,9 @@
           <a:bodyPr/>
           <a:lstStyle/>
           <a:p>
-            <a:fld id="{E31E1A05-B3B6-6F43-8051-B5A825C5C2A3}" type="slidenum">
+            <a:fld id="{0A2C3B37-55FA-284F-9E83-751B4EA6E9B4}" type="slidenum">
               <a:rPr lang="en-US" smtClean="0"/>
-              <a:t>7</a:t>
+              <a:t>5</a:t>
             </a:fld>
             <a:endParaRPr lang="en-US"/>
           </a:p>
@@ -727,7 +730,7 @@
     </p:spTree>
     <p:extLst>
       <p:ext uri="{BB962C8B-B14F-4D97-AF65-F5344CB8AC3E}">
-        <p14:creationId xmlns:p14="http://schemas.microsoft.com/office/powerpoint/2010/main" val="778014357"/>
+        <p14:creationId xmlns:p14="http://schemas.microsoft.com/office/powerpoint/2010/main" val="1390784773"/>
       </p:ext>
     </p:extLst>
   </p:cSld>
@@ -792,6 +795,90 @@
             <a:spLocks noGrp="1"/>
           </p:cNvSpPr>
           <p:nvPr>
+            <p:ph type="sldNum" sz="quarter" idx="5"/>
+          </p:nvPr>
+        </p:nvSpPr>
+        <p:spPr/>
+        <p:txBody>
+          <a:bodyPr/>
+          <a:lstStyle/>
+          <a:p>
+            <a:fld id="{E31E1A05-B3B6-6F43-8051-B5A825C5C2A3}" type="slidenum">
+              <a:rPr lang="en-US" smtClean="0"/>
+              <a:t>6</a:t>
+            </a:fld>
+            <a:endParaRPr lang="en-US"/>
+          </a:p>
+        </p:txBody>
+      </p:sp>
+    </p:spTree>
+    <p:extLst>
+      <p:ext uri="{BB962C8B-B14F-4D97-AF65-F5344CB8AC3E}">
+        <p14:creationId xmlns:p14="http://schemas.microsoft.com/office/powerpoint/2010/main" val="2292582977"/>
+      </p:ext>
+    </p:extLst>
+  </p:cSld>
+  <p:clrMapOvr>
+    <a:masterClrMapping/>
+  </p:clrMapOvr>
+</p:notes>
+</file>
+
+<file path=ppt/notesSlides/notesSlide5.xml><?xml version="1.0" encoding="utf-8"?>
+<p:notes xmlns:a="http://schemas.openxmlformats.org/drawingml/2006/main" xmlns:r="http://schemas.openxmlformats.org/officeDocument/2006/relationships" xmlns:p="http://schemas.openxmlformats.org/presentationml/2006/main">
+  <p:cSld>
+    <p:spTree>
+      <p:nvGrpSpPr>
+        <p:cNvPr id="1" name=""/>
+        <p:cNvGrpSpPr/>
+        <p:nvPr/>
+      </p:nvGrpSpPr>
+      <p:grpSpPr>
+        <a:xfrm>
+          <a:off x="0" y="0"/>
+          <a:ext cx="0" cy="0"/>
+          <a:chOff x="0" y="0"/>
+          <a:chExt cx="0" cy="0"/>
+        </a:xfrm>
+      </p:grpSpPr>
+      <p:sp>
+        <p:nvSpPr>
+          <p:cNvPr id="2" name="Slide Image Placeholder 1"/>
+          <p:cNvSpPr>
+            <a:spLocks noGrp="1" noRot="1" noChangeAspect="1"/>
+          </p:cNvSpPr>
+          <p:nvPr>
+            <p:ph type="sldImg"/>
+          </p:nvPr>
+        </p:nvSpPr>
+        <p:spPr/>
+      </p:sp>
+      <p:sp>
+        <p:nvSpPr>
+          <p:cNvPr id="3" name="Notes Placeholder 2"/>
+          <p:cNvSpPr>
+            <a:spLocks noGrp="1"/>
+          </p:cNvSpPr>
+          <p:nvPr>
+            <p:ph type="body" idx="1"/>
+          </p:nvPr>
+        </p:nvSpPr>
+        <p:spPr/>
+        <p:txBody>
+          <a:bodyPr/>
+          <a:lstStyle/>
+          <a:p>
+            <a:endParaRPr lang="en-US" dirty="0"/>
+          </a:p>
+        </p:txBody>
+      </p:sp>
+      <p:sp>
+        <p:nvSpPr>
+          <p:cNvPr id="4" name="Slide Number Placeholder 3"/>
+          <p:cNvSpPr>
+            <a:spLocks noGrp="1"/>
+          </p:cNvSpPr>
+          <p:nvPr>
             <p:ph type="sldNum" sz="quarter" idx="10"/>
           </p:nvPr>
         </p:nvSpPr>
@@ -802,7 +889,259 @@
           <a:p>
             <a:fld id="{0A2C3B37-55FA-284F-9E83-751B4EA6E9B4}" type="slidenum">
               <a:rPr lang="en-US" smtClean="0"/>
-              <a:t>10</a:t>
+              <a:t>7</a:t>
+            </a:fld>
+            <a:endParaRPr lang="en-US"/>
+          </a:p>
+        </p:txBody>
+      </p:sp>
+    </p:spTree>
+    <p:extLst>
+      <p:ext uri="{BB962C8B-B14F-4D97-AF65-F5344CB8AC3E}">
+        <p14:creationId xmlns:p14="http://schemas.microsoft.com/office/powerpoint/2010/main" val="3015579558"/>
+      </p:ext>
+    </p:extLst>
+  </p:cSld>
+  <p:clrMapOvr>
+    <a:masterClrMapping/>
+  </p:clrMapOvr>
+</p:notes>
+</file>
+
+<file path=ppt/notesSlides/notesSlide6.xml><?xml version="1.0" encoding="utf-8"?>
+<p:notes xmlns:a="http://schemas.openxmlformats.org/drawingml/2006/main" xmlns:r="http://schemas.openxmlformats.org/officeDocument/2006/relationships" xmlns:p="http://schemas.openxmlformats.org/presentationml/2006/main">
+  <p:cSld>
+    <p:spTree>
+      <p:nvGrpSpPr>
+        <p:cNvPr id="1" name=""/>
+        <p:cNvGrpSpPr/>
+        <p:nvPr/>
+      </p:nvGrpSpPr>
+      <p:grpSpPr>
+        <a:xfrm>
+          <a:off x="0" y="0"/>
+          <a:ext cx="0" cy="0"/>
+          <a:chOff x="0" y="0"/>
+          <a:chExt cx="0" cy="0"/>
+        </a:xfrm>
+      </p:grpSpPr>
+      <p:sp>
+        <p:nvSpPr>
+          <p:cNvPr id="2" name="Slide Image Placeholder 1"/>
+          <p:cNvSpPr>
+            <a:spLocks noGrp="1" noRot="1" noChangeAspect="1"/>
+          </p:cNvSpPr>
+          <p:nvPr>
+            <p:ph type="sldImg"/>
+          </p:nvPr>
+        </p:nvSpPr>
+        <p:spPr/>
+      </p:sp>
+      <p:sp>
+        <p:nvSpPr>
+          <p:cNvPr id="3" name="Notes Placeholder 2"/>
+          <p:cNvSpPr>
+            <a:spLocks noGrp="1"/>
+          </p:cNvSpPr>
+          <p:nvPr>
+            <p:ph type="body" idx="1"/>
+          </p:nvPr>
+        </p:nvSpPr>
+        <p:spPr/>
+        <p:txBody>
+          <a:bodyPr/>
+          <a:lstStyle/>
+          <a:p>
+            <a:endParaRPr lang="en-US" dirty="0"/>
+          </a:p>
+        </p:txBody>
+      </p:sp>
+      <p:sp>
+        <p:nvSpPr>
+          <p:cNvPr id="4" name="Slide Number Placeholder 3"/>
+          <p:cNvSpPr>
+            <a:spLocks noGrp="1"/>
+          </p:cNvSpPr>
+          <p:nvPr>
+            <p:ph type="sldNum" sz="quarter" idx="5"/>
+          </p:nvPr>
+        </p:nvSpPr>
+        <p:spPr/>
+        <p:txBody>
+          <a:bodyPr/>
+          <a:lstStyle/>
+          <a:p>
+            <a:fld id="{E31E1A05-B3B6-6F43-8051-B5A825C5C2A3}" type="slidenum">
+              <a:rPr lang="en-US" smtClean="0"/>
+              <a:t>9</a:t>
+            </a:fld>
+            <a:endParaRPr lang="en-US"/>
+          </a:p>
+        </p:txBody>
+      </p:sp>
+    </p:spTree>
+    <p:extLst>
+      <p:ext uri="{BB962C8B-B14F-4D97-AF65-F5344CB8AC3E}">
+        <p14:creationId xmlns:p14="http://schemas.microsoft.com/office/powerpoint/2010/main" val="778014357"/>
+      </p:ext>
+    </p:extLst>
+  </p:cSld>
+  <p:clrMapOvr>
+    <a:masterClrMapping/>
+  </p:clrMapOvr>
+</p:notes>
+</file>
+
+<file path=ppt/notesSlides/notesSlide7.xml><?xml version="1.0" encoding="utf-8"?>
+<p:notes xmlns:a="http://schemas.openxmlformats.org/drawingml/2006/main" xmlns:r="http://schemas.openxmlformats.org/officeDocument/2006/relationships" xmlns:p="http://schemas.openxmlformats.org/presentationml/2006/main">
+  <p:cSld>
+    <p:spTree>
+      <p:nvGrpSpPr>
+        <p:cNvPr id="1" name=""/>
+        <p:cNvGrpSpPr/>
+        <p:nvPr/>
+      </p:nvGrpSpPr>
+      <p:grpSpPr>
+        <a:xfrm>
+          <a:off x="0" y="0"/>
+          <a:ext cx="0" cy="0"/>
+          <a:chOff x="0" y="0"/>
+          <a:chExt cx="0" cy="0"/>
+        </a:xfrm>
+      </p:grpSpPr>
+      <p:sp>
+        <p:nvSpPr>
+          <p:cNvPr id="2" name="Slide Image Placeholder 1"/>
+          <p:cNvSpPr>
+            <a:spLocks noGrp="1" noRot="1" noChangeAspect="1"/>
+          </p:cNvSpPr>
+          <p:nvPr>
+            <p:ph type="sldImg"/>
+          </p:nvPr>
+        </p:nvSpPr>
+        <p:spPr/>
+      </p:sp>
+      <p:sp>
+        <p:nvSpPr>
+          <p:cNvPr id="3" name="Notes Placeholder 2"/>
+          <p:cNvSpPr>
+            <a:spLocks noGrp="1"/>
+          </p:cNvSpPr>
+          <p:nvPr>
+            <p:ph type="body" idx="1"/>
+          </p:nvPr>
+        </p:nvSpPr>
+        <p:spPr/>
+        <p:txBody>
+          <a:bodyPr/>
+          <a:lstStyle/>
+          <a:p>
+            <a:endParaRPr lang="en-US" dirty="0"/>
+          </a:p>
+        </p:txBody>
+      </p:sp>
+      <p:sp>
+        <p:nvSpPr>
+          <p:cNvPr id="4" name="Slide Number Placeholder 3"/>
+          <p:cNvSpPr>
+            <a:spLocks noGrp="1"/>
+          </p:cNvSpPr>
+          <p:nvPr>
+            <p:ph type="sldNum" sz="quarter" idx="10"/>
+          </p:nvPr>
+        </p:nvSpPr>
+        <p:spPr/>
+        <p:txBody>
+          <a:bodyPr/>
+          <a:lstStyle/>
+          <a:p>
+            <a:fld id="{0A2C3B37-55FA-284F-9E83-751B4EA6E9B4}" type="slidenum">
+              <a:rPr lang="en-US" smtClean="0"/>
+              <a:t>12</a:t>
+            </a:fld>
+            <a:endParaRPr lang="en-US"/>
+          </a:p>
+        </p:txBody>
+      </p:sp>
+    </p:spTree>
+    <p:extLst>
+      <p:ext uri="{BB962C8B-B14F-4D97-AF65-F5344CB8AC3E}">
+        <p14:creationId xmlns:p14="http://schemas.microsoft.com/office/powerpoint/2010/main" val="1054281906"/>
+      </p:ext>
+    </p:extLst>
+  </p:cSld>
+  <p:clrMapOvr>
+    <a:masterClrMapping/>
+  </p:clrMapOvr>
+</p:notes>
+</file>
+
+<file path=ppt/notesSlides/notesSlide8.xml><?xml version="1.0" encoding="utf-8"?>
+<p:notes xmlns:a="http://schemas.openxmlformats.org/drawingml/2006/main" xmlns:r="http://schemas.openxmlformats.org/officeDocument/2006/relationships" xmlns:p="http://schemas.openxmlformats.org/presentationml/2006/main">
+  <p:cSld>
+    <p:spTree>
+      <p:nvGrpSpPr>
+        <p:cNvPr id="1" name=""/>
+        <p:cNvGrpSpPr/>
+        <p:nvPr/>
+      </p:nvGrpSpPr>
+      <p:grpSpPr>
+        <a:xfrm>
+          <a:off x="0" y="0"/>
+          <a:ext cx="0" cy="0"/>
+          <a:chOff x="0" y="0"/>
+          <a:chExt cx="0" cy="0"/>
+        </a:xfrm>
+      </p:grpSpPr>
+      <p:sp>
+        <p:nvSpPr>
+          <p:cNvPr id="2" name="Slide Image Placeholder 1"/>
+          <p:cNvSpPr>
+            <a:spLocks noGrp="1" noRot="1" noChangeAspect="1"/>
+          </p:cNvSpPr>
+          <p:nvPr>
+            <p:ph type="sldImg"/>
+          </p:nvPr>
+        </p:nvSpPr>
+        <p:spPr/>
+      </p:sp>
+      <p:sp>
+        <p:nvSpPr>
+          <p:cNvPr id="3" name="Notes Placeholder 2"/>
+          <p:cNvSpPr>
+            <a:spLocks noGrp="1"/>
+          </p:cNvSpPr>
+          <p:nvPr>
+            <p:ph type="body" idx="1"/>
+          </p:nvPr>
+        </p:nvSpPr>
+        <p:spPr/>
+        <p:txBody>
+          <a:bodyPr/>
+          <a:lstStyle/>
+          <a:p>
+            <a:endParaRPr lang="en-US" dirty="0"/>
+          </a:p>
+        </p:txBody>
+      </p:sp>
+      <p:sp>
+        <p:nvSpPr>
+          <p:cNvPr id="4" name="Slide Number Placeholder 3"/>
+          <p:cNvSpPr>
+            <a:spLocks noGrp="1"/>
+          </p:cNvSpPr>
+          <p:nvPr>
+            <p:ph type="sldNum" sz="quarter" idx="10"/>
+          </p:nvPr>
+        </p:nvSpPr>
+        <p:spPr/>
+        <p:txBody>
+          <a:bodyPr/>
+          <a:lstStyle/>
+          <a:p>
+            <a:fld id="{0A2C3B37-55FA-284F-9E83-751B4EA6E9B4}" type="slidenum">
+              <a:rPr lang="en-US" smtClean="0"/>
+              <a:t>13</a:t>
             </a:fld>
             <a:endParaRPr lang="en-US"/>
           </a:p>
@@ -1005,7 +1344,7 @@
             <a:fld id="{DBE77699-C466-4996-ADED-71C8160E04A2}" type="datetimeFigureOut">
               <a:rPr lang="en-US" smtClean="0"/>
               <a:pPr/>
-              <a:t>9/10/20</a:t>
+              <a:t>9/28/20</a:t>
             </a:fld>
             <a:endParaRPr lang="en-US"/>
           </a:p>
@@ -1170,7 +1509,7 @@
             <a:fld id="{DBE77699-C466-4996-ADED-71C8160E04A2}" type="datetimeFigureOut">
               <a:rPr lang="en-US" smtClean="0"/>
               <a:pPr/>
-              <a:t>9/10/20</a:t>
+              <a:t>9/28/20</a:t>
             </a:fld>
             <a:endParaRPr lang="en-US"/>
           </a:p>
@@ -1345,7 +1684,7 @@
             <a:fld id="{DBE77699-C466-4996-ADED-71C8160E04A2}" type="datetimeFigureOut">
               <a:rPr lang="en-US" smtClean="0"/>
               <a:pPr/>
-              <a:t>9/10/20</a:t>
+              <a:t>9/28/20</a:t>
             </a:fld>
             <a:endParaRPr lang="en-US"/>
           </a:p>
@@ -1524,7 +1863,7 @@
             <a:fld id="{DBE77699-C466-4996-ADED-71C8160E04A2}" type="datetimeFigureOut">
               <a:rPr lang="en-US" smtClean="0"/>
               <a:pPr/>
-              <a:t>9/10/20</a:t>
+              <a:t>9/28/20</a:t>
             </a:fld>
             <a:endParaRPr lang="en-US"/>
           </a:p>
@@ -1733,7 +2072,7 @@
             <a:fld id="{DBE77699-C466-4996-ADED-71C8160E04A2}" type="datetimeFigureOut">
               <a:rPr lang="en-US" smtClean="0"/>
               <a:pPr/>
-              <a:t>9/10/20</a:t>
+              <a:t>9/28/20</a:t>
             </a:fld>
             <a:endParaRPr lang="en-US"/>
           </a:p>
@@ -1975,7 +2314,7 @@
             <a:fld id="{DBE77699-C466-4996-ADED-71C8160E04A2}" type="datetimeFigureOut">
               <a:rPr lang="en-US" smtClean="0"/>
               <a:pPr/>
-              <a:t>9/10/20</a:t>
+              <a:t>9/28/20</a:t>
             </a:fld>
             <a:endParaRPr lang="en-US"/>
           </a:p>
@@ -2257,7 +2596,7 @@
             <a:fld id="{DBE77699-C466-4996-ADED-71C8160E04A2}" type="datetimeFigureOut">
               <a:rPr lang="en-US" smtClean="0"/>
               <a:pPr/>
-              <a:t>9/10/20</a:t>
+              <a:t>9/28/20</a:t>
             </a:fld>
             <a:endParaRPr lang="en-US"/>
           </a:p>
@@ -2673,7 +3012,7 @@
             <a:fld id="{DBE77699-C466-4996-ADED-71C8160E04A2}" type="datetimeFigureOut">
               <a:rPr lang="en-US" smtClean="0"/>
               <a:pPr/>
-              <a:t>9/10/20</a:t>
+              <a:t>9/28/20</a:t>
             </a:fld>
             <a:endParaRPr lang="en-US"/>
           </a:p>
@@ -2787,7 +3126,7 @@
             <a:fld id="{DBE77699-C466-4996-ADED-71C8160E04A2}" type="datetimeFigureOut">
               <a:rPr lang="en-US" smtClean="0"/>
               <a:pPr/>
-              <a:t>9/10/20</a:t>
+              <a:t>9/28/20</a:t>
             </a:fld>
             <a:endParaRPr lang="en-US"/>
           </a:p>
@@ -2879,7 +3218,7 @@
             <a:fld id="{DBE77699-C466-4996-ADED-71C8160E04A2}" type="datetimeFigureOut">
               <a:rPr lang="en-US" smtClean="0"/>
               <a:pPr/>
-              <a:t>9/10/20</a:t>
+              <a:t>9/28/20</a:t>
             </a:fld>
             <a:endParaRPr lang="en-US"/>
           </a:p>
@@ -3151,7 +3490,7 @@
             <a:fld id="{DBE77699-C466-4996-ADED-71C8160E04A2}" type="datetimeFigureOut">
               <a:rPr lang="en-US" smtClean="0"/>
               <a:pPr/>
-              <a:t>9/10/20</a:t>
+              <a:t>9/28/20</a:t>
             </a:fld>
             <a:endParaRPr lang="en-US"/>
           </a:p>
@@ -3400,7 +3739,7 @@
             <a:fld id="{DBE77699-C466-4996-ADED-71C8160E04A2}" type="datetimeFigureOut">
               <a:rPr lang="en-US" smtClean="0"/>
               <a:pPr/>
-              <a:t>9/10/20</a:t>
+              <a:t>9/28/20</a:t>
             </a:fld>
             <a:endParaRPr lang="en-US"/>
           </a:p>
@@ -3611,7 +3950,7 @@
             <a:fld id="{DBE77699-C466-4996-ADED-71C8160E04A2}" type="datetimeFigureOut">
               <a:rPr lang="en-US" smtClean="0"/>
               <a:pPr/>
-              <a:t>9/10/20</a:t>
+              <a:t>9/28/20</a:t>
             </a:fld>
             <a:endParaRPr lang="en-US"/>
           </a:p>
@@ -4965,6 +5304,1097 @@
 </file>
 
 <file path=ppt/slides/slide10.xml><?xml version="1.0" encoding="utf-8"?>
+<p:sld xmlns:a="http://schemas.openxmlformats.org/drawingml/2006/main" xmlns:r="http://schemas.openxmlformats.org/officeDocument/2006/relationships" xmlns:p="http://schemas.openxmlformats.org/presentationml/2006/main">
+  <p:cSld>
+    <p:spTree>
+      <p:nvGrpSpPr>
+        <p:cNvPr id="1" name=""/>
+        <p:cNvGrpSpPr/>
+        <p:nvPr/>
+      </p:nvGrpSpPr>
+      <p:grpSpPr>
+        <a:xfrm>
+          <a:off x="0" y="0"/>
+          <a:ext cx="0" cy="0"/>
+          <a:chOff x="0" y="0"/>
+          <a:chExt cx="0" cy="0"/>
+        </a:xfrm>
+      </p:grpSpPr>
+      <p:pic>
+        <p:nvPicPr>
+          <p:cNvPr id="5" name="Picture 4">
+            <a:extLst>
+              <a:ext uri="{FF2B5EF4-FFF2-40B4-BE49-F238E27FC236}">
+                <a16:creationId xmlns:a16="http://schemas.microsoft.com/office/drawing/2014/main" id="{C6F7551E-0A78-3B4F-8E11-D4C0C9BA7099}"/>
+              </a:ext>
+            </a:extLst>
+          </p:cNvPr>
+          <p:cNvPicPr>
+            <a:picLocks noChangeAspect="1"/>
+          </p:cNvPicPr>
+          <p:nvPr/>
+        </p:nvPicPr>
+        <p:blipFill rotWithShape="1">
+          <a:blip r:embed="rId2">
+            <a:extLst>
+              <a:ext uri="{28A0092B-C50C-407E-A947-70E740481C1C}">
+                <a14:useLocalDpi xmlns:a14="http://schemas.microsoft.com/office/drawing/2010/main" val="0"/>
+              </a:ext>
+            </a:extLst>
+          </a:blip>
+          <a:srcRect l="7500" r="8333"/>
+          <a:stretch/>
+        </p:blipFill>
+        <p:spPr>
+          <a:xfrm>
+            <a:off x="0" y="399789"/>
+            <a:ext cx="9144000" cy="6229611"/>
+          </a:xfrm>
+          <a:prstGeom prst="rect">
+            <a:avLst/>
+          </a:prstGeom>
+        </p:spPr>
+      </p:pic>
+    </p:spTree>
+    <p:extLst>
+      <p:ext uri="{BB962C8B-B14F-4D97-AF65-F5344CB8AC3E}">
+        <p14:creationId xmlns:p14="http://schemas.microsoft.com/office/powerpoint/2010/main" val="3191674640"/>
+      </p:ext>
+    </p:extLst>
+  </p:cSld>
+  <p:clrMapOvr>
+    <a:masterClrMapping/>
+  </p:clrMapOvr>
+</p:sld>
+</file>
+
+<file path=ppt/slides/slide11.xml><?xml version="1.0" encoding="utf-8"?>
+<p:sld xmlns:a="http://schemas.openxmlformats.org/drawingml/2006/main" xmlns:r="http://schemas.openxmlformats.org/officeDocument/2006/relationships" xmlns:p="http://schemas.openxmlformats.org/presentationml/2006/main">
+  <p:cSld>
+    <p:spTree>
+      <p:nvGrpSpPr>
+        <p:cNvPr id="1" name=""/>
+        <p:cNvGrpSpPr/>
+        <p:nvPr/>
+      </p:nvGrpSpPr>
+      <p:grpSpPr>
+        <a:xfrm>
+          <a:off x="0" y="0"/>
+          <a:ext cx="0" cy="0"/>
+          <a:chOff x="0" y="0"/>
+          <a:chExt cx="0" cy="0"/>
+        </a:xfrm>
+      </p:grpSpPr>
+    </p:spTree>
+    <p:extLst>
+      <p:ext uri="{BB962C8B-B14F-4D97-AF65-F5344CB8AC3E}">
+        <p14:creationId xmlns:p14="http://schemas.microsoft.com/office/powerpoint/2010/main" val="3556725958"/>
+      </p:ext>
+    </p:extLst>
+  </p:cSld>
+  <p:clrMapOvr>
+    <a:masterClrMapping/>
+  </p:clrMapOvr>
+</p:sld>
+</file>
+
+<file path=ppt/slides/slide12.xml><?xml version="1.0" encoding="utf-8"?>
+<p:sld xmlns:a="http://schemas.openxmlformats.org/drawingml/2006/main" xmlns:r="http://schemas.openxmlformats.org/officeDocument/2006/relationships" xmlns:p="http://schemas.openxmlformats.org/presentationml/2006/main">
+  <p:cSld>
+    <p:spTree>
+      <p:nvGrpSpPr>
+        <p:cNvPr id="1" name=""/>
+        <p:cNvGrpSpPr/>
+        <p:nvPr/>
+      </p:nvGrpSpPr>
+      <p:grpSpPr>
+        <a:xfrm>
+          <a:off x="0" y="0"/>
+          <a:ext cx="0" cy="0"/>
+          <a:chOff x="0" y="0"/>
+          <a:chExt cx="0" cy="0"/>
+        </a:xfrm>
+      </p:grpSpPr>
+      <p:sp>
+        <p:nvSpPr>
+          <p:cNvPr id="6" name="TextBox 5"/>
+          <p:cNvSpPr txBox="1"/>
+          <p:nvPr/>
+        </p:nvSpPr>
+        <p:spPr>
+          <a:xfrm>
+            <a:off x="228600" y="152400"/>
+            <a:ext cx="8610600" cy="738664"/>
+          </a:xfrm>
+          <a:prstGeom prst="rect">
+            <a:avLst/>
+          </a:prstGeom>
+          <a:noFill/>
+        </p:spPr>
+        <p:txBody>
+          <a:bodyPr wrap="square" rtlCol="0">
+            <a:spAutoFit/>
+          </a:bodyPr>
+          <a:lstStyle/>
+          <a:p>
+            <a:r>
+              <a:rPr lang="en-US" sz="4200" b="1" dirty="0"/>
+              <a:t>Four facts support Jesus’ resurrection</a:t>
+            </a:r>
+          </a:p>
+        </p:txBody>
+      </p:sp>
+      <p:grpSp>
+        <p:nvGrpSpPr>
+          <p:cNvPr id="12" name="Group 11">
+            <a:extLst>
+              <a:ext uri="{FF2B5EF4-FFF2-40B4-BE49-F238E27FC236}">
+                <a16:creationId xmlns:a16="http://schemas.microsoft.com/office/drawing/2014/main" id="{9C7293A5-9F6A-4A42-B28F-77E682AEFD25}"/>
+              </a:ext>
+            </a:extLst>
+          </p:cNvPr>
+          <p:cNvGrpSpPr/>
+          <p:nvPr/>
+        </p:nvGrpSpPr>
+        <p:grpSpPr>
+          <a:xfrm>
+            <a:off x="533400" y="2895600"/>
+            <a:ext cx="8001000" cy="685800"/>
+            <a:chOff x="533400" y="2895600"/>
+            <a:chExt cx="8001000" cy="685800"/>
+          </a:xfrm>
+        </p:grpSpPr>
+        <p:sp>
+          <p:nvSpPr>
+            <p:cNvPr id="7" name="Oval 6">
+              <a:extLst>
+                <a:ext uri="{FF2B5EF4-FFF2-40B4-BE49-F238E27FC236}">
+                  <a16:creationId xmlns:a16="http://schemas.microsoft.com/office/drawing/2014/main" id="{536B79E8-7DCE-0445-821B-D0B03DF78CAA}"/>
+                </a:ext>
+              </a:extLst>
+            </p:cNvPr>
+            <p:cNvSpPr/>
+            <p:nvPr/>
+          </p:nvSpPr>
+          <p:spPr>
+            <a:xfrm>
+              <a:off x="533400" y="2895600"/>
+              <a:ext cx="685800" cy="685800"/>
+            </a:xfrm>
+            <a:prstGeom prst="ellipse">
+              <a:avLst/>
+            </a:prstGeom>
+            <a:solidFill>
+              <a:srgbClr val="009EC0"/>
+            </a:solidFill>
+            <a:ln>
+              <a:noFill/>
+            </a:ln>
+          </p:spPr>
+          <p:style>
+            <a:lnRef idx="2">
+              <a:schemeClr val="accent1">
+                <a:shade val="50000"/>
+              </a:schemeClr>
+            </a:lnRef>
+            <a:fillRef idx="1">
+              <a:schemeClr val="accent1"/>
+            </a:fillRef>
+            <a:effectRef idx="0">
+              <a:schemeClr val="accent1"/>
+            </a:effectRef>
+            <a:fontRef idx="minor">
+              <a:schemeClr val="lt1"/>
+            </a:fontRef>
+          </p:style>
+          <p:txBody>
+            <a:bodyPr rtlCol="0" anchor="ctr"/>
+            <a:lstStyle/>
+            <a:p>
+              <a:pPr algn="ctr"/>
+              <a:r>
+                <a:rPr lang="en-US" sz="2800" dirty="0">
+                  <a:solidFill>
+                    <a:schemeClr val="tx1"/>
+                  </a:solidFill>
+                </a:rPr>
+                <a:t>2</a:t>
+              </a:r>
+            </a:p>
+          </p:txBody>
+        </p:sp>
+        <p:sp>
+          <p:nvSpPr>
+            <p:cNvPr id="4" name="Rectangle 3">
+              <a:extLst>
+                <a:ext uri="{FF2B5EF4-FFF2-40B4-BE49-F238E27FC236}">
+                  <a16:creationId xmlns:a16="http://schemas.microsoft.com/office/drawing/2014/main" id="{8330B7FE-A318-9845-8F59-02267667CECB}"/>
+                </a:ext>
+              </a:extLst>
+            </p:cNvPr>
+            <p:cNvSpPr/>
+            <p:nvPr/>
+          </p:nvSpPr>
+          <p:spPr>
+            <a:xfrm>
+              <a:off x="1447800" y="2895600"/>
+              <a:ext cx="7086600" cy="685800"/>
+            </a:xfrm>
+            <a:prstGeom prst="rect">
+              <a:avLst/>
+            </a:prstGeom>
+            <a:noFill/>
+            <a:ln>
+              <a:noFill/>
+            </a:ln>
+          </p:spPr>
+          <p:style>
+            <a:lnRef idx="2">
+              <a:schemeClr val="accent1">
+                <a:shade val="50000"/>
+              </a:schemeClr>
+            </a:lnRef>
+            <a:fillRef idx="1">
+              <a:schemeClr val="accent1"/>
+            </a:fillRef>
+            <a:effectRef idx="0">
+              <a:schemeClr val="accent1"/>
+            </a:effectRef>
+            <a:fontRef idx="minor">
+              <a:schemeClr val="lt1"/>
+            </a:fontRef>
+          </p:style>
+          <p:txBody>
+            <a:bodyPr rtlCol="0" anchor="ctr"/>
+            <a:lstStyle/>
+            <a:p>
+              <a:r>
+                <a:rPr lang="en-US" sz="2400" dirty="0">
+                  <a:solidFill>
+                    <a:schemeClr val="tx1"/>
+                  </a:solidFill>
+                </a:rPr>
+                <a:t>Jesus’ disciples believed he resurrected</a:t>
+              </a:r>
+              <a:endParaRPr lang="en-US" sz="2400" b="1" dirty="0">
+                <a:solidFill>
+                  <a:schemeClr val="tx1"/>
+                </a:solidFill>
+                <a:highlight>
+                  <a:srgbClr val="C00002"/>
+                </a:highlight>
+              </a:endParaRPr>
+            </a:p>
+          </p:txBody>
+        </p:sp>
+      </p:grpSp>
+      <p:grpSp>
+        <p:nvGrpSpPr>
+          <p:cNvPr id="9" name="Group 8">
+            <a:extLst>
+              <a:ext uri="{FF2B5EF4-FFF2-40B4-BE49-F238E27FC236}">
+                <a16:creationId xmlns:a16="http://schemas.microsoft.com/office/drawing/2014/main" id="{55676BE1-B42E-AD44-9DD5-FF20BEB47F36}"/>
+              </a:ext>
+            </a:extLst>
+          </p:cNvPr>
+          <p:cNvGrpSpPr/>
+          <p:nvPr/>
+        </p:nvGrpSpPr>
+        <p:grpSpPr>
+          <a:xfrm>
+            <a:off x="533400" y="1833265"/>
+            <a:ext cx="8001000" cy="685800"/>
+            <a:chOff x="533400" y="1833265"/>
+            <a:chExt cx="8001000" cy="685800"/>
+          </a:xfrm>
+        </p:grpSpPr>
+        <p:sp>
+          <p:nvSpPr>
+            <p:cNvPr id="2" name="Oval 1">
+              <a:extLst>
+                <a:ext uri="{FF2B5EF4-FFF2-40B4-BE49-F238E27FC236}">
+                  <a16:creationId xmlns:a16="http://schemas.microsoft.com/office/drawing/2014/main" id="{876D5A54-0C8D-804B-88A0-6609A2C1405C}"/>
+                </a:ext>
+              </a:extLst>
+            </p:cNvPr>
+            <p:cNvSpPr/>
+            <p:nvPr/>
+          </p:nvSpPr>
+          <p:spPr>
+            <a:xfrm>
+              <a:off x="533400" y="1833265"/>
+              <a:ext cx="685800" cy="685800"/>
+            </a:xfrm>
+            <a:prstGeom prst="ellipse">
+              <a:avLst/>
+            </a:prstGeom>
+            <a:solidFill>
+              <a:srgbClr val="009EC0"/>
+            </a:solidFill>
+            <a:ln>
+              <a:noFill/>
+            </a:ln>
+          </p:spPr>
+          <p:style>
+            <a:lnRef idx="2">
+              <a:schemeClr val="accent1">
+                <a:shade val="50000"/>
+              </a:schemeClr>
+            </a:lnRef>
+            <a:fillRef idx="1">
+              <a:schemeClr val="accent1"/>
+            </a:fillRef>
+            <a:effectRef idx="0">
+              <a:schemeClr val="accent1"/>
+            </a:effectRef>
+            <a:fontRef idx="minor">
+              <a:schemeClr val="lt1"/>
+            </a:fontRef>
+          </p:style>
+          <p:txBody>
+            <a:bodyPr rtlCol="0" anchor="ctr"/>
+            <a:lstStyle/>
+            <a:p>
+              <a:pPr algn="ctr"/>
+              <a:r>
+                <a:rPr lang="en-US" sz="2800" dirty="0">
+                  <a:solidFill>
+                    <a:schemeClr val="tx1"/>
+                  </a:solidFill>
+                </a:rPr>
+                <a:t>1</a:t>
+              </a:r>
+            </a:p>
+          </p:txBody>
+        </p:sp>
+        <p:sp>
+          <p:nvSpPr>
+            <p:cNvPr id="10" name="Rectangle 9">
+              <a:extLst>
+                <a:ext uri="{FF2B5EF4-FFF2-40B4-BE49-F238E27FC236}">
+                  <a16:creationId xmlns:a16="http://schemas.microsoft.com/office/drawing/2014/main" id="{312C2DC5-5653-DC4B-98A2-76A0B8F08883}"/>
+                </a:ext>
+              </a:extLst>
+            </p:cNvPr>
+            <p:cNvSpPr/>
+            <p:nvPr/>
+          </p:nvSpPr>
+          <p:spPr>
+            <a:xfrm>
+              <a:off x="1447800" y="1833265"/>
+              <a:ext cx="7086600" cy="685800"/>
+            </a:xfrm>
+            <a:prstGeom prst="rect">
+              <a:avLst/>
+            </a:prstGeom>
+            <a:noFill/>
+            <a:ln>
+              <a:noFill/>
+            </a:ln>
+          </p:spPr>
+          <p:style>
+            <a:lnRef idx="2">
+              <a:schemeClr val="accent1">
+                <a:shade val="50000"/>
+              </a:schemeClr>
+            </a:lnRef>
+            <a:fillRef idx="1">
+              <a:schemeClr val="accent1"/>
+            </a:fillRef>
+            <a:effectRef idx="0">
+              <a:schemeClr val="accent1"/>
+            </a:effectRef>
+            <a:fontRef idx="minor">
+              <a:schemeClr val="lt1"/>
+            </a:fontRef>
+          </p:style>
+          <p:txBody>
+            <a:bodyPr rtlCol="0" anchor="ctr"/>
+            <a:lstStyle/>
+            <a:p>
+              <a:r>
+                <a:rPr lang="en-US" sz="2400" dirty="0">
+                  <a:solidFill>
+                    <a:schemeClr val="tx1"/>
+                  </a:solidFill>
+                </a:rPr>
+                <a:t>Jesus was crucified</a:t>
+              </a:r>
+            </a:p>
+          </p:txBody>
+        </p:sp>
+      </p:grpSp>
+      <p:grpSp>
+        <p:nvGrpSpPr>
+          <p:cNvPr id="14" name="Group 13">
+            <a:extLst>
+              <a:ext uri="{FF2B5EF4-FFF2-40B4-BE49-F238E27FC236}">
+                <a16:creationId xmlns:a16="http://schemas.microsoft.com/office/drawing/2014/main" id="{F0A87E3B-646D-1E41-9334-E8ECC604DF38}"/>
+              </a:ext>
+            </a:extLst>
+          </p:cNvPr>
+          <p:cNvGrpSpPr/>
+          <p:nvPr/>
+        </p:nvGrpSpPr>
+        <p:grpSpPr>
+          <a:xfrm>
+            <a:off x="533400" y="3957934"/>
+            <a:ext cx="8001000" cy="685801"/>
+            <a:chOff x="533400" y="2895599"/>
+            <a:chExt cx="8001000" cy="685801"/>
+          </a:xfrm>
+        </p:grpSpPr>
+        <p:sp>
+          <p:nvSpPr>
+            <p:cNvPr id="15" name="Oval 14">
+              <a:extLst>
+                <a:ext uri="{FF2B5EF4-FFF2-40B4-BE49-F238E27FC236}">
+                  <a16:creationId xmlns:a16="http://schemas.microsoft.com/office/drawing/2014/main" id="{602F0422-D845-1E4E-A7C5-B2069A212A2E}"/>
+                </a:ext>
+              </a:extLst>
+            </p:cNvPr>
+            <p:cNvSpPr/>
+            <p:nvPr/>
+          </p:nvSpPr>
+          <p:spPr>
+            <a:xfrm>
+              <a:off x="533400" y="2895600"/>
+              <a:ext cx="685800" cy="685800"/>
+            </a:xfrm>
+            <a:prstGeom prst="ellipse">
+              <a:avLst/>
+            </a:prstGeom>
+            <a:solidFill>
+              <a:srgbClr val="009EC0"/>
+            </a:solidFill>
+            <a:ln>
+              <a:noFill/>
+            </a:ln>
+          </p:spPr>
+          <p:style>
+            <a:lnRef idx="2">
+              <a:schemeClr val="accent1">
+                <a:shade val="50000"/>
+              </a:schemeClr>
+            </a:lnRef>
+            <a:fillRef idx="1">
+              <a:schemeClr val="accent1"/>
+            </a:fillRef>
+            <a:effectRef idx="0">
+              <a:schemeClr val="accent1"/>
+            </a:effectRef>
+            <a:fontRef idx="minor">
+              <a:schemeClr val="lt1"/>
+            </a:fontRef>
+          </p:style>
+          <p:txBody>
+            <a:bodyPr rtlCol="0" anchor="ctr"/>
+            <a:lstStyle/>
+            <a:p>
+              <a:pPr algn="ctr"/>
+              <a:r>
+                <a:rPr lang="en-US" sz="2800" dirty="0">
+                  <a:solidFill>
+                    <a:schemeClr val="tx1"/>
+                  </a:solidFill>
+                </a:rPr>
+                <a:t>3</a:t>
+              </a:r>
+            </a:p>
+          </p:txBody>
+        </p:sp>
+        <p:sp>
+          <p:nvSpPr>
+            <p:cNvPr id="16" name="Rectangle 15">
+              <a:extLst>
+                <a:ext uri="{FF2B5EF4-FFF2-40B4-BE49-F238E27FC236}">
+                  <a16:creationId xmlns:a16="http://schemas.microsoft.com/office/drawing/2014/main" id="{93230A02-C278-BF4F-B7D5-75C53BF2251C}"/>
+                </a:ext>
+              </a:extLst>
+            </p:cNvPr>
+            <p:cNvSpPr/>
+            <p:nvPr/>
+          </p:nvSpPr>
+          <p:spPr>
+            <a:xfrm>
+              <a:off x="1447800" y="2895599"/>
+              <a:ext cx="7086600" cy="685800"/>
+            </a:xfrm>
+            <a:prstGeom prst="rect">
+              <a:avLst/>
+            </a:prstGeom>
+            <a:noFill/>
+            <a:ln>
+              <a:noFill/>
+            </a:ln>
+          </p:spPr>
+          <p:style>
+            <a:lnRef idx="2">
+              <a:schemeClr val="accent1">
+                <a:shade val="50000"/>
+              </a:schemeClr>
+            </a:lnRef>
+            <a:fillRef idx="1">
+              <a:schemeClr val="accent1"/>
+            </a:fillRef>
+            <a:effectRef idx="0">
+              <a:schemeClr val="accent1"/>
+            </a:effectRef>
+            <a:fontRef idx="minor">
+              <a:schemeClr val="lt1"/>
+            </a:fontRef>
+          </p:style>
+          <p:txBody>
+            <a:bodyPr rtlCol="0" anchor="ctr"/>
+            <a:lstStyle/>
+            <a:p>
+              <a:r>
+                <a:rPr lang="en-US" sz="2400" dirty="0">
+                  <a:solidFill>
+                    <a:schemeClr val="tx1"/>
+                  </a:solidFill>
+                </a:rPr>
+                <a:t>Early skeptics (Paul, James) became believers</a:t>
+              </a:r>
+            </a:p>
+          </p:txBody>
+        </p:sp>
+      </p:grpSp>
+      <p:cxnSp>
+        <p:nvCxnSpPr>
+          <p:cNvPr id="8" name="Straight Connector 7">
+            <a:extLst>
+              <a:ext uri="{FF2B5EF4-FFF2-40B4-BE49-F238E27FC236}">
+                <a16:creationId xmlns:a16="http://schemas.microsoft.com/office/drawing/2014/main" id="{B1CE1C68-C736-2F42-AD3D-29FCB9A69CAD}"/>
+              </a:ext>
+            </a:extLst>
+          </p:cNvPr>
+          <p:cNvCxnSpPr>
+            <a:cxnSpLocks/>
+          </p:cNvCxnSpPr>
+          <p:nvPr/>
+        </p:nvCxnSpPr>
+        <p:spPr>
+          <a:xfrm>
+            <a:off x="304800" y="1066800"/>
+            <a:ext cx="8534400" cy="0"/>
+          </a:xfrm>
+          <a:prstGeom prst="line">
+            <a:avLst/>
+          </a:prstGeom>
+          <a:ln w="76200">
+            <a:solidFill>
+              <a:srgbClr val="009EC0"/>
+            </a:solidFill>
+          </a:ln>
+        </p:spPr>
+        <p:style>
+          <a:lnRef idx="1">
+            <a:schemeClr val="dk1"/>
+          </a:lnRef>
+          <a:fillRef idx="0">
+            <a:schemeClr val="dk1"/>
+          </a:fillRef>
+          <a:effectRef idx="0">
+            <a:schemeClr val="dk1"/>
+          </a:effectRef>
+          <a:fontRef idx="minor">
+            <a:schemeClr val="tx1"/>
+          </a:fontRef>
+        </p:style>
+      </p:cxnSp>
+      <p:grpSp>
+        <p:nvGrpSpPr>
+          <p:cNvPr id="13" name="Group 12">
+            <a:extLst>
+              <a:ext uri="{FF2B5EF4-FFF2-40B4-BE49-F238E27FC236}">
+                <a16:creationId xmlns:a16="http://schemas.microsoft.com/office/drawing/2014/main" id="{9ECAA8FF-768A-7944-924A-A29449EC97C0}"/>
+              </a:ext>
+            </a:extLst>
+          </p:cNvPr>
+          <p:cNvGrpSpPr/>
+          <p:nvPr/>
+        </p:nvGrpSpPr>
+        <p:grpSpPr>
+          <a:xfrm>
+            <a:off x="533400" y="5020268"/>
+            <a:ext cx="8001000" cy="685801"/>
+            <a:chOff x="533400" y="2895599"/>
+            <a:chExt cx="8001000" cy="685801"/>
+          </a:xfrm>
+        </p:grpSpPr>
+        <p:sp>
+          <p:nvSpPr>
+            <p:cNvPr id="17" name="Oval 16">
+              <a:extLst>
+                <a:ext uri="{FF2B5EF4-FFF2-40B4-BE49-F238E27FC236}">
+                  <a16:creationId xmlns:a16="http://schemas.microsoft.com/office/drawing/2014/main" id="{6AFA8FE9-82C4-0847-84FF-3C10C4587C1B}"/>
+                </a:ext>
+              </a:extLst>
+            </p:cNvPr>
+            <p:cNvSpPr/>
+            <p:nvPr/>
+          </p:nvSpPr>
+          <p:spPr>
+            <a:xfrm>
+              <a:off x="533400" y="2895600"/>
+              <a:ext cx="685800" cy="685800"/>
+            </a:xfrm>
+            <a:prstGeom prst="ellipse">
+              <a:avLst/>
+            </a:prstGeom>
+            <a:solidFill>
+              <a:srgbClr val="009EC0"/>
+            </a:solidFill>
+            <a:ln>
+              <a:noFill/>
+            </a:ln>
+          </p:spPr>
+          <p:style>
+            <a:lnRef idx="2">
+              <a:schemeClr val="accent1">
+                <a:shade val="50000"/>
+              </a:schemeClr>
+            </a:lnRef>
+            <a:fillRef idx="1">
+              <a:schemeClr val="accent1"/>
+            </a:fillRef>
+            <a:effectRef idx="0">
+              <a:schemeClr val="accent1"/>
+            </a:effectRef>
+            <a:fontRef idx="minor">
+              <a:schemeClr val="lt1"/>
+            </a:fontRef>
+          </p:style>
+          <p:txBody>
+            <a:bodyPr rtlCol="0" anchor="ctr"/>
+            <a:lstStyle/>
+            <a:p>
+              <a:pPr algn="ctr"/>
+              <a:r>
+                <a:rPr lang="en-US" sz="2800" dirty="0">
+                  <a:solidFill>
+                    <a:schemeClr val="tx1"/>
+                  </a:solidFill>
+                </a:rPr>
+                <a:t>4</a:t>
+              </a:r>
+            </a:p>
+          </p:txBody>
+        </p:sp>
+        <p:sp>
+          <p:nvSpPr>
+            <p:cNvPr id="18" name="Rectangle 17">
+              <a:extLst>
+                <a:ext uri="{FF2B5EF4-FFF2-40B4-BE49-F238E27FC236}">
+                  <a16:creationId xmlns:a16="http://schemas.microsoft.com/office/drawing/2014/main" id="{93C515F0-B613-A840-BDCE-9D1ADCB412C5}"/>
+                </a:ext>
+              </a:extLst>
+            </p:cNvPr>
+            <p:cNvSpPr/>
+            <p:nvPr/>
+          </p:nvSpPr>
+          <p:spPr>
+            <a:xfrm>
+              <a:off x="1447800" y="2895599"/>
+              <a:ext cx="7086600" cy="685800"/>
+            </a:xfrm>
+            <a:prstGeom prst="rect">
+              <a:avLst/>
+            </a:prstGeom>
+            <a:noFill/>
+            <a:ln>
+              <a:noFill/>
+            </a:ln>
+          </p:spPr>
+          <p:style>
+            <a:lnRef idx="2">
+              <a:schemeClr val="accent1">
+                <a:shade val="50000"/>
+              </a:schemeClr>
+            </a:lnRef>
+            <a:fillRef idx="1">
+              <a:schemeClr val="accent1"/>
+            </a:fillRef>
+            <a:effectRef idx="0">
+              <a:schemeClr val="accent1"/>
+            </a:effectRef>
+            <a:fontRef idx="minor">
+              <a:schemeClr val="lt1"/>
+            </a:fontRef>
+          </p:style>
+          <p:txBody>
+            <a:bodyPr rtlCol="0" anchor="ctr"/>
+            <a:lstStyle/>
+            <a:p>
+              <a:r>
+                <a:rPr lang="en-US" sz="2400" dirty="0">
+                  <a:solidFill>
+                    <a:schemeClr val="tx1"/>
+                  </a:solidFill>
+                </a:rPr>
+                <a:t>The tomb was empty</a:t>
+              </a:r>
+            </a:p>
+          </p:txBody>
+        </p:sp>
+      </p:grpSp>
+    </p:spTree>
+    <p:extLst>
+      <p:ext uri="{BB962C8B-B14F-4D97-AF65-F5344CB8AC3E}">
+        <p14:creationId xmlns:p14="http://schemas.microsoft.com/office/powerpoint/2010/main" val="3950855560"/>
+      </p:ext>
+    </p:extLst>
+  </p:cSld>
+  <p:clrMapOvr>
+    <a:masterClrMapping/>
+  </p:clrMapOvr>
+  <p:timing>
+    <p:tnLst>
+      <p:par>
+        <p:cTn id="1" dur="indefinite" restart="never" nodeType="tmRoot">
+          <p:childTnLst>
+            <p:seq concurrent="1" nextAc="seek">
+              <p:cTn id="2" dur="indefinite" nodeType="mainSeq">
+                <p:childTnLst>
+                  <p:par>
+                    <p:cTn id="3" fill="hold">
+                      <p:stCondLst>
+                        <p:cond delay="indefinite"/>
+                      </p:stCondLst>
+                      <p:childTnLst>
+                        <p:par>
+                          <p:cTn id="4" fill="hold">
+                            <p:stCondLst>
+                              <p:cond delay="0"/>
+                            </p:stCondLst>
+                            <p:childTnLst>
+                              <p:par>
+                                <p:cTn id="5" presetID="10" presetClass="entr" presetSubtype="0" fill="hold" grpId="0" nodeType="clickEffect">
+                                  <p:stCondLst>
+                                    <p:cond delay="0"/>
+                                  </p:stCondLst>
+                                  <p:childTnLst>
+                                    <p:set>
+                                      <p:cBhvr>
+                                        <p:cTn id="6" dur="1" fill="hold">
+                                          <p:stCondLst>
+                                            <p:cond delay="0"/>
+                                          </p:stCondLst>
+                                        </p:cTn>
+                                        <p:tgtEl>
+                                          <p:spTgt spid="6"/>
+                                        </p:tgtEl>
+                                        <p:attrNameLst>
+                                          <p:attrName>style.visibility</p:attrName>
+                                        </p:attrNameLst>
+                                      </p:cBhvr>
+                                      <p:to>
+                                        <p:strVal val="visible"/>
+                                      </p:to>
+                                    </p:set>
+                                    <p:animEffect transition="in" filter="fade">
+                                      <p:cBhvr>
+                                        <p:cTn id="7" dur="250"/>
+                                        <p:tgtEl>
+                                          <p:spTgt spid="6"/>
+                                        </p:tgtEl>
+                                      </p:cBhvr>
+                                    </p:animEffect>
+                                  </p:childTnLst>
+                                </p:cTn>
+                              </p:par>
+                            </p:childTnLst>
+                          </p:cTn>
+                        </p:par>
+                        <p:par>
+                          <p:cTn id="8" fill="hold">
+                            <p:stCondLst>
+                              <p:cond delay="250"/>
+                            </p:stCondLst>
+                            <p:childTnLst>
+                              <p:par>
+                                <p:cTn id="9" presetID="10" presetClass="entr" presetSubtype="0" fill="hold" nodeType="afterEffect">
+                                  <p:stCondLst>
+                                    <p:cond delay="0"/>
+                                  </p:stCondLst>
+                                  <p:childTnLst>
+                                    <p:set>
+                                      <p:cBhvr>
+                                        <p:cTn id="10" dur="1" fill="hold">
+                                          <p:stCondLst>
+                                            <p:cond delay="0"/>
+                                          </p:stCondLst>
+                                        </p:cTn>
+                                        <p:tgtEl>
+                                          <p:spTgt spid="8"/>
+                                        </p:tgtEl>
+                                        <p:attrNameLst>
+                                          <p:attrName>style.visibility</p:attrName>
+                                        </p:attrNameLst>
+                                      </p:cBhvr>
+                                      <p:to>
+                                        <p:strVal val="visible"/>
+                                      </p:to>
+                                    </p:set>
+                                    <p:animEffect transition="in" filter="fade">
+                                      <p:cBhvr>
+                                        <p:cTn id="11" dur="250"/>
+                                        <p:tgtEl>
+                                          <p:spTgt spid="8"/>
+                                        </p:tgtEl>
+                                      </p:cBhvr>
+                                    </p:animEffect>
+                                  </p:childTnLst>
+                                </p:cTn>
+                              </p:par>
+                            </p:childTnLst>
+                          </p:cTn>
+                        </p:par>
+                      </p:childTnLst>
+                    </p:cTn>
+                  </p:par>
+                  <p:par>
+                    <p:cTn id="12" fill="hold">
+                      <p:stCondLst>
+                        <p:cond delay="indefinite"/>
+                      </p:stCondLst>
+                      <p:childTnLst>
+                        <p:par>
+                          <p:cTn id="13" fill="hold">
+                            <p:stCondLst>
+                              <p:cond delay="0"/>
+                            </p:stCondLst>
+                            <p:childTnLst>
+                              <p:par>
+                                <p:cTn id="14" presetID="10" presetClass="entr" presetSubtype="0" fill="hold" nodeType="clickEffect">
+                                  <p:stCondLst>
+                                    <p:cond delay="0"/>
+                                  </p:stCondLst>
+                                  <p:childTnLst>
+                                    <p:set>
+                                      <p:cBhvr>
+                                        <p:cTn id="15" dur="1" fill="hold">
+                                          <p:stCondLst>
+                                            <p:cond delay="0"/>
+                                          </p:stCondLst>
+                                        </p:cTn>
+                                        <p:tgtEl>
+                                          <p:spTgt spid="9"/>
+                                        </p:tgtEl>
+                                        <p:attrNameLst>
+                                          <p:attrName>style.visibility</p:attrName>
+                                        </p:attrNameLst>
+                                      </p:cBhvr>
+                                      <p:to>
+                                        <p:strVal val="visible"/>
+                                      </p:to>
+                                    </p:set>
+                                    <p:animEffect transition="in" filter="fade">
+                                      <p:cBhvr>
+                                        <p:cTn id="16" dur="250"/>
+                                        <p:tgtEl>
+                                          <p:spTgt spid="9"/>
+                                        </p:tgtEl>
+                                      </p:cBhvr>
+                                    </p:animEffect>
+                                  </p:childTnLst>
+                                </p:cTn>
+                              </p:par>
+                            </p:childTnLst>
+                          </p:cTn>
+                        </p:par>
+                      </p:childTnLst>
+                    </p:cTn>
+                  </p:par>
+                  <p:par>
+                    <p:cTn id="17" fill="hold">
+                      <p:stCondLst>
+                        <p:cond delay="indefinite"/>
+                      </p:stCondLst>
+                      <p:childTnLst>
+                        <p:par>
+                          <p:cTn id="18" fill="hold">
+                            <p:stCondLst>
+                              <p:cond delay="0"/>
+                            </p:stCondLst>
+                            <p:childTnLst>
+                              <p:par>
+                                <p:cTn id="19" presetID="10" presetClass="entr" presetSubtype="0" fill="hold" nodeType="clickEffect">
+                                  <p:stCondLst>
+                                    <p:cond delay="0"/>
+                                  </p:stCondLst>
+                                  <p:childTnLst>
+                                    <p:set>
+                                      <p:cBhvr>
+                                        <p:cTn id="20" dur="1" fill="hold">
+                                          <p:stCondLst>
+                                            <p:cond delay="0"/>
+                                          </p:stCondLst>
+                                        </p:cTn>
+                                        <p:tgtEl>
+                                          <p:spTgt spid="12"/>
+                                        </p:tgtEl>
+                                        <p:attrNameLst>
+                                          <p:attrName>style.visibility</p:attrName>
+                                        </p:attrNameLst>
+                                      </p:cBhvr>
+                                      <p:to>
+                                        <p:strVal val="visible"/>
+                                      </p:to>
+                                    </p:set>
+                                    <p:animEffect transition="in" filter="fade">
+                                      <p:cBhvr>
+                                        <p:cTn id="21" dur="250"/>
+                                        <p:tgtEl>
+                                          <p:spTgt spid="12"/>
+                                        </p:tgtEl>
+                                      </p:cBhvr>
+                                    </p:animEffect>
+                                  </p:childTnLst>
+                                </p:cTn>
+                              </p:par>
+                            </p:childTnLst>
+                          </p:cTn>
+                        </p:par>
+                      </p:childTnLst>
+                    </p:cTn>
+                  </p:par>
+                  <p:par>
+                    <p:cTn id="22" fill="hold">
+                      <p:stCondLst>
+                        <p:cond delay="indefinite"/>
+                      </p:stCondLst>
+                      <p:childTnLst>
+                        <p:par>
+                          <p:cTn id="23" fill="hold">
+                            <p:stCondLst>
+                              <p:cond delay="0"/>
+                            </p:stCondLst>
+                            <p:childTnLst>
+                              <p:par>
+                                <p:cTn id="24" presetID="10" presetClass="entr" presetSubtype="0" fill="hold" nodeType="clickEffect">
+                                  <p:stCondLst>
+                                    <p:cond delay="0"/>
+                                  </p:stCondLst>
+                                  <p:childTnLst>
+                                    <p:set>
+                                      <p:cBhvr>
+                                        <p:cTn id="25" dur="1" fill="hold">
+                                          <p:stCondLst>
+                                            <p:cond delay="0"/>
+                                          </p:stCondLst>
+                                        </p:cTn>
+                                        <p:tgtEl>
+                                          <p:spTgt spid="14"/>
+                                        </p:tgtEl>
+                                        <p:attrNameLst>
+                                          <p:attrName>style.visibility</p:attrName>
+                                        </p:attrNameLst>
+                                      </p:cBhvr>
+                                      <p:to>
+                                        <p:strVal val="visible"/>
+                                      </p:to>
+                                    </p:set>
+                                    <p:animEffect transition="in" filter="fade">
+                                      <p:cBhvr>
+                                        <p:cTn id="26" dur="250"/>
+                                        <p:tgtEl>
+                                          <p:spTgt spid="14"/>
+                                        </p:tgtEl>
+                                      </p:cBhvr>
+                                    </p:animEffect>
+                                  </p:childTnLst>
+                                </p:cTn>
+                              </p:par>
+                            </p:childTnLst>
+                          </p:cTn>
+                        </p:par>
+                      </p:childTnLst>
+                    </p:cTn>
+                  </p:par>
+                  <p:par>
+                    <p:cTn id="27" fill="hold">
+                      <p:stCondLst>
+                        <p:cond delay="indefinite"/>
+                      </p:stCondLst>
+                      <p:childTnLst>
+                        <p:par>
+                          <p:cTn id="28" fill="hold">
+                            <p:stCondLst>
+                              <p:cond delay="0"/>
+                            </p:stCondLst>
+                            <p:childTnLst>
+                              <p:par>
+                                <p:cTn id="29" presetID="10" presetClass="entr" presetSubtype="0" fill="hold" nodeType="clickEffect">
+                                  <p:stCondLst>
+                                    <p:cond delay="0"/>
+                                  </p:stCondLst>
+                                  <p:childTnLst>
+                                    <p:set>
+                                      <p:cBhvr>
+                                        <p:cTn id="30" dur="1" fill="hold">
+                                          <p:stCondLst>
+                                            <p:cond delay="0"/>
+                                          </p:stCondLst>
+                                        </p:cTn>
+                                        <p:tgtEl>
+                                          <p:spTgt spid="13"/>
+                                        </p:tgtEl>
+                                        <p:attrNameLst>
+                                          <p:attrName>style.visibility</p:attrName>
+                                        </p:attrNameLst>
+                                      </p:cBhvr>
+                                      <p:to>
+                                        <p:strVal val="visible"/>
+                                      </p:to>
+                                    </p:set>
+                                    <p:animEffect transition="in" filter="fade">
+                                      <p:cBhvr>
+                                        <p:cTn id="31" dur="250"/>
+                                        <p:tgtEl>
+                                          <p:spTgt spid="13"/>
+                                        </p:tgtEl>
+                                      </p:cBhvr>
+                                    </p:animEffect>
+                                  </p:childTnLst>
+                                </p:cTn>
+                              </p:par>
+                            </p:childTnLst>
+                          </p:cTn>
+                        </p:par>
+                      </p:childTnLst>
+                    </p:cTn>
+                  </p:par>
+                </p:childTnLst>
+              </p:cTn>
+              <p:prevCondLst>
+                <p:cond evt="onPrev" delay="0">
+                  <p:tgtEl>
+                    <p:sldTgt/>
+                  </p:tgtEl>
+                </p:cond>
+              </p:prevCondLst>
+              <p:nextCondLst>
+                <p:cond evt="onNext" delay="0">
+                  <p:tgtEl>
+                    <p:sldTgt/>
+                  </p:tgtEl>
+                </p:cond>
+              </p:nextCondLst>
+            </p:seq>
+          </p:childTnLst>
+        </p:cTn>
+      </p:par>
+    </p:tnLst>
+    <p:bldLst>
+      <p:bldP spid="6" grpId="0"/>
+    </p:bldLst>
+  </p:timing>
+</p:sld>
+</file>
+
+<file path=ppt/slides/slide13.xml><?xml version="1.0" encoding="utf-8"?>
 <p:sld xmlns:a="http://schemas.openxmlformats.org/drawingml/2006/main" xmlns:r="http://schemas.openxmlformats.org/officeDocument/2006/relationships" xmlns:p="http://schemas.openxmlformats.org/presentationml/2006/main">
   <p:cSld>
     <p:spTree>
@@ -5849,7 +7279,7 @@
 </p:sld>
 </file>
 
-<file path=ppt/slides/slide11.xml><?xml version="1.0" encoding="utf-8"?>
+<file path=ppt/slides/slide14.xml><?xml version="1.0" encoding="utf-8"?>
 <p:sld xmlns:a="http://schemas.openxmlformats.org/drawingml/2006/main" xmlns:r="http://schemas.openxmlformats.org/officeDocument/2006/relationships" xmlns:p="http://schemas.openxmlformats.org/presentationml/2006/main">
   <p:cSld>
     <p:spTree>
@@ -6987,14 +8417,6 @@
 <file path=ppt/slides/slide2.xml><?xml version="1.0" encoding="utf-8"?>
 <p:sld xmlns:a="http://schemas.openxmlformats.org/drawingml/2006/main" xmlns:r="http://schemas.openxmlformats.org/officeDocument/2006/relationships" xmlns:p="http://schemas.openxmlformats.org/presentationml/2006/main">
   <p:cSld>
-    <p:bg>
-      <p:bgPr>
-        <a:solidFill>
-          <a:schemeClr val="bg1"/>
-        </a:solidFill>
-        <a:effectLst/>
-      </p:bgPr>
-    </p:bg>
     <p:spTree>
       <p:nvGrpSpPr>
         <p:cNvPr id="1" name=""/>
@@ -7009,56 +8431,1012 @@
           <a:chExt cx="0" cy="0"/>
         </a:xfrm>
       </p:grpSpPr>
-      <p:pic>
-        <p:nvPicPr>
-          <p:cNvPr id="1026" name="Picture 2" descr="A close up of a book&#10;&#10;Description automatically generated">
-            <a:extLst>
-              <a:ext uri="{FF2B5EF4-FFF2-40B4-BE49-F238E27FC236}">
-                <a16:creationId xmlns:a16="http://schemas.microsoft.com/office/drawing/2014/main" id="{7FB8E70F-E96B-5D43-8FE1-A0D42BEE7C4D}"/>
-              </a:ext>
-            </a:extLst>
-          </p:cNvPr>
-          <p:cNvPicPr>
-            <a:picLocks noChangeAspect="1" noChangeArrowheads="1"/>
-          </p:cNvPicPr>
+      <p:sp>
+        <p:nvSpPr>
+          <p:cNvPr id="6" name="TextBox 5"/>
+          <p:cNvSpPr txBox="1"/>
           <p:nvPr/>
-        </p:nvPicPr>
-        <p:blipFill>
-          <a:blip r:embed="rId2">
-            <a:extLst>
-              <a:ext uri="{28A0092B-C50C-407E-A947-70E740481C1C}">
-                <a14:useLocalDpi xmlns:a14="http://schemas.microsoft.com/office/drawing/2010/main" val="0"/>
-              </a:ext>
-            </a:extLst>
-          </a:blip>
-          <a:stretch>
-            <a:fillRect/>
-          </a:stretch>
-        </p:blipFill>
-        <p:spPr bwMode="auto">
+        </p:nvSpPr>
+        <p:spPr>
           <a:xfrm>
-            <a:off x="2401242" y="643466"/>
-            <a:ext cx="4341515" cy="5571067"/>
+            <a:off x="228600" y="76200"/>
+            <a:ext cx="8610600" cy="1200329"/>
           </a:xfrm>
           <a:prstGeom prst="rect">
             <a:avLst/>
           </a:prstGeom>
           <a:noFill/>
-          <a:extLst>
-            <a:ext uri="{909E8E84-426E-40DD-AFC4-6F175D3DCCD1}">
-              <a14:hiddenFill xmlns:a14="http://schemas.microsoft.com/office/drawing/2010/main">
+        </p:spPr>
+        <p:txBody>
+          <a:bodyPr wrap="square" rtlCol="0">
+            <a:spAutoFit/>
+          </a:bodyPr>
+          <a:lstStyle/>
+          <a:p>
+            <a:r>
+              <a:rPr lang="en-US" sz="3600" b="1" dirty="0"/>
+              <a:t>Which would the large majority of </a:t>
+            </a:r>
+            <a:r>
+              <a:rPr lang="en-US" sz="3600" b="1" u="sng" dirty="0"/>
+              <a:t>non-believing</a:t>
+            </a:r>
+            <a:r>
+              <a:rPr lang="en-US" sz="3600" b="1" dirty="0"/>
+              <a:t> New Testament scholars agree to?</a:t>
+            </a:r>
+          </a:p>
+        </p:txBody>
+      </p:sp>
+      <p:grpSp>
+        <p:nvGrpSpPr>
+          <p:cNvPr id="9" name="Group 8">
+            <a:extLst>
+              <a:ext uri="{FF2B5EF4-FFF2-40B4-BE49-F238E27FC236}">
+                <a16:creationId xmlns:a16="http://schemas.microsoft.com/office/drawing/2014/main" id="{55676BE1-B42E-AD44-9DD5-FF20BEB47F36}"/>
+              </a:ext>
+            </a:extLst>
+          </p:cNvPr>
+          <p:cNvGrpSpPr/>
+          <p:nvPr/>
+        </p:nvGrpSpPr>
+        <p:grpSpPr>
+          <a:xfrm>
+            <a:off x="381000" y="3047999"/>
+            <a:ext cx="8001000" cy="1016394"/>
+            <a:chOff x="533400" y="1833263"/>
+            <a:chExt cx="8001000" cy="990602"/>
+          </a:xfrm>
+        </p:grpSpPr>
+        <p:sp>
+          <p:nvSpPr>
+            <p:cNvPr id="2" name="Oval 1">
+              <a:extLst>
+                <a:ext uri="{FF2B5EF4-FFF2-40B4-BE49-F238E27FC236}">
+                  <a16:creationId xmlns:a16="http://schemas.microsoft.com/office/drawing/2014/main" id="{876D5A54-0C8D-804B-88A0-6609A2C1405C}"/>
+                </a:ext>
+              </a:extLst>
+            </p:cNvPr>
+            <p:cNvSpPr/>
+            <p:nvPr/>
+          </p:nvSpPr>
+          <p:spPr>
+            <a:xfrm>
+              <a:off x="533400" y="1833265"/>
+              <a:ext cx="990600" cy="990600"/>
+            </a:xfrm>
+            <a:prstGeom prst="ellipse">
+              <a:avLst/>
+            </a:prstGeom>
+            <a:solidFill>
+              <a:srgbClr val="009EC0"/>
+            </a:solidFill>
+            <a:ln>
+              <a:noFill/>
+            </a:ln>
+          </p:spPr>
+          <p:style>
+            <a:lnRef idx="2">
+              <a:schemeClr val="accent1">
+                <a:shade val="50000"/>
+              </a:schemeClr>
+            </a:lnRef>
+            <a:fillRef idx="1">
+              <a:schemeClr val="accent1"/>
+            </a:fillRef>
+            <a:effectRef idx="0">
+              <a:schemeClr val="accent1"/>
+            </a:effectRef>
+            <a:fontRef idx="minor">
+              <a:schemeClr val="lt1"/>
+            </a:fontRef>
+          </p:style>
+          <p:txBody>
+            <a:bodyPr rtlCol="0" anchor="ctr"/>
+            <a:lstStyle/>
+            <a:p>
+              <a:pPr algn="ctr"/>
+              <a:r>
+                <a:rPr lang="en-US" sz="5400" dirty="0">
+                  <a:solidFill>
+                    <a:schemeClr val="tx1"/>
+                  </a:solidFill>
+                </a:rPr>
+                <a:t>1</a:t>
+              </a:r>
+            </a:p>
+          </p:txBody>
+        </p:sp>
+        <p:sp>
+          <p:nvSpPr>
+            <p:cNvPr id="10" name="Rectangle 9">
+              <a:extLst>
+                <a:ext uri="{FF2B5EF4-FFF2-40B4-BE49-F238E27FC236}">
+                  <a16:creationId xmlns:a16="http://schemas.microsoft.com/office/drawing/2014/main" id="{312C2DC5-5653-DC4B-98A2-76A0B8F08883}"/>
+                </a:ext>
+              </a:extLst>
+            </p:cNvPr>
+            <p:cNvSpPr/>
+            <p:nvPr/>
+          </p:nvSpPr>
+          <p:spPr>
+            <a:xfrm>
+              <a:off x="1828800" y="1833263"/>
+              <a:ext cx="6705600" cy="990593"/>
+            </a:xfrm>
+            <a:prstGeom prst="rect">
+              <a:avLst/>
+            </a:prstGeom>
+            <a:noFill/>
+            <a:ln>
+              <a:noFill/>
+            </a:ln>
+          </p:spPr>
+          <p:style>
+            <a:lnRef idx="2">
+              <a:schemeClr val="accent1">
+                <a:shade val="50000"/>
+              </a:schemeClr>
+            </a:lnRef>
+            <a:fillRef idx="1">
+              <a:schemeClr val="accent1"/>
+            </a:fillRef>
+            <a:effectRef idx="0">
+              <a:schemeClr val="accent1"/>
+            </a:effectRef>
+            <a:fontRef idx="minor">
+              <a:schemeClr val="lt1"/>
+            </a:fontRef>
+          </p:style>
+          <p:txBody>
+            <a:bodyPr rtlCol="0" anchor="ctr"/>
+            <a:lstStyle/>
+            <a:p>
+              <a:r>
+                <a:rPr lang="en-US" sz="3200" dirty="0">
+                  <a:solidFill>
+                    <a:schemeClr val="tx1"/>
+                  </a:solidFill>
+                </a:rPr>
+                <a:t>Jesus was </a:t>
+              </a:r>
+              <a:r>
+                <a:rPr lang="en-US" sz="3200" b="1" dirty="0">
+                  <a:solidFill>
+                    <a:schemeClr val="tx1"/>
+                  </a:solidFill>
+                  <a:highlight>
+                    <a:srgbClr val="C00002"/>
+                  </a:highlight>
+                </a:rPr>
+                <a:t>crucified</a:t>
+              </a:r>
+            </a:p>
+          </p:txBody>
+        </p:sp>
+      </p:grpSp>
+      <p:cxnSp>
+        <p:nvCxnSpPr>
+          <p:cNvPr id="8" name="Straight Connector 7">
+            <a:extLst>
+              <a:ext uri="{FF2B5EF4-FFF2-40B4-BE49-F238E27FC236}">
+                <a16:creationId xmlns:a16="http://schemas.microsoft.com/office/drawing/2014/main" id="{B1CE1C68-C736-2F42-AD3D-29FCB9A69CAD}"/>
+              </a:ext>
+            </a:extLst>
+          </p:cNvPr>
+          <p:cNvCxnSpPr>
+            <a:cxnSpLocks/>
+          </p:cNvCxnSpPr>
+          <p:nvPr/>
+        </p:nvCxnSpPr>
+        <p:spPr>
+          <a:xfrm>
+            <a:off x="304800" y="1295400"/>
+            <a:ext cx="8534400" cy="0"/>
+          </a:xfrm>
+          <a:prstGeom prst="line">
+            <a:avLst/>
+          </a:prstGeom>
+          <a:ln w="76200">
+            <a:solidFill>
+              <a:srgbClr val="009EC0"/>
+            </a:solidFill>
+          </a:ln>
+        </p:spPr>
+        <p:style>
+          <a:lnRef idx="1">
+            <a:schemeClr val="dk1"/>
+          </a:lnRef>
+          <a:fillRef idx="0">
+            <a:schemeClr val="dk1"/>
+          </a:fillRef>
+          <a:effectRef idx="0">
+            <a:schemeClr val="dk1"/>
+          </a:effectRef>
+          <a:fontRef idx="minor">
+            <a:schemeClr val="tx1"/>
+          </a:fontRef>
+        </p:style>
+      </p:cxnSp>
+      <p:grpSp>
+        <p:nvGrpSpPr>
+          <p:cNvPr id="31" name="Group 30">
+            <a:extLst>
+              <a:ext uri="{FF2B5EF4-FFF2-40B4-BE49-F238E27FC236}">
+                <a16:creationId xmlns:a16="http://schemas.microsoft.com/office/drawing/2014/main" id="{CED38051-338B-334C-BDCD-9DBF7098B66C}"/>
+              </a:ext>
+            </a:extLst>
+          </p:cNvPr>
+          <p:cNvGrpSpPr/>
+          <p:nvPr/>
+        </p:nvGrpSpPr>
+        <p:grpSpPr>
+          <a:xfrm>
+            <a:off x="381000" y="3047999"/>
+            <a:ext cx="8001000" cy="1016394"/>
+            <a:chOff x="533400" y="1833263"/>
+            <a:chExt cx="8001000" cy="990602"/>
+          </a:xfrm>
+        </p:grpSpPr>
+        <p:sp>
+          <p:nvSpPr>
+            <p:cNvPr id="32" name="Oval 31">
+              <a:extLst>
+                <a:ext uri="{FF2B5EF4-FFF2-40B4-BE49-F238E27FC236}">
+                  <a16:creationId xmlns:a16="http://schemas.microsoft.com/office/drawing/2014/main" id="{F65B5E42-A195-0547-BFF4-D400AD136AD2}"/>
+                </a:ext>
+              </a:extLst>
+            </p:cNvPr>
+            <p:cNvSpPr/>
+            <p:nvPr/>
+          </p:nvSpPr>
+          <p:spPr>
+            <a:xfrm>
+              <a:off x="533400" y="1833265"/>
+              <a:ext cx="990600" cy="990600"/>
+            </a:xfrm>
+            <a:prstGeom prst="ellipse">
+              <a:avLst/>
+            </a:prstGeom>
+            <a:solidFill>
+              <a:srgbClr val="009EC0"/>
+            </a:solidFill>
+            <a:ln>
+              <a:noFill/>
+            </a:ln>
+          </p:spPr>
+          <p:style>
+            <a:lnRef idx="2">
+              <a:schemeClr val="accent1">
+                <a:shade val="50000"/>
+              </a:schemeClr>
+            </a:lnRef>
+            <a:fillRef idx="1">
+              <a:schemeClr val="accent1"/>
+            </a:fillRef>
+            <a:effectRef idx="0">
+              <a:schemeClr val="accent1"/>
+            </a:effectRef>
+            <a:fontRef idx="minor">
+              <a:schemeClr val="lt1"/>
+            </a:fontRef>
+          </p:style>
+          <p:txBody>
+            <a:bodyPr rtlCol="0" anchor="ctr"/>
+            <a:lstStyle/>
+            <a:p>
+              <a:pPr algn="ctr"/>
+              <a:r>
+                <a:rPr lang="en-US" sz="5400" dirty="0">
+                  <a:solidFill>
+                    <a:schemeClr val="tx1"/>
+                  </a:solidFill>
+                </a:rPr>
+                <a:t>2</a:t>
+              </a:r>
+            </a:p>
+          </p:txBody>
+        </p:sp>
+        <p:sp>
+          <p:nvSpPr>
+            <p:cNvPr id="33" name="Rectangle 32">
+              <a:extLst>
+                <a:ext uri="{FF2B5EF4-FFF2-40B4-BE49-F238E27FC236}">
+                  <a16:creationId xmlns:a16="http://schemas.microsoft.com/office/drawing/2014/main" id="{94652C0A-6F02-3D4D-8A6C-4D85A165994C}"/>
+                </a:ext>
+              </a:extLst>
+            </p:cNvPr>
+            <p:cNvSpPr/>
+            <p:nvPr/>
+          </p:nvSpPr>
+          <p:spPr>
+            <a:xfrm>
+              <a:off x="1828800" y="1833263"/>
+              <a:ext cx="6705600" cy="990593"/>
+            </a:xfrm>
+            <a:prstGeom prst="rect">
+              <a:avLst/>
+            </a:prstGeom>
+            <a:noFill/>
+            <a:ln>
+              <a:noFill/>
+            </a:ln>
+          </p:spPr>
+          <p:style>
+            <a:lnRef idx="2">
+              <a:schemeClr val="accent1">
+                <a:shade val="50000"/>
+              </a:schemeClr>
+            </a:lnRef>
+            <a:fillRef idx="1">
+              <a:schemeClr val="accent1"/>
+            </a:fillRef>
+            <a:effectRef idx="0">
+              <a:schemeClr val="accent1"/>
+            </a:effectRef>
+            <a:fontRef idx="minor">
+              <a:schemeClr val="lt1"/>
+            </a:fontRef>
+          </p:style>
+          <p:txBody>
+            <a:bodyPr rtlCol="0" anchor="ctr"/>
+            <a:lstStyle/>
+            <a:p>
+              <a:r>
+                <a:rPr lang="en-US" sz="3200" dirty="0">
+                  <a:solidFill>
+                    <a:schemeClr val="tx1"/>
+                  </a:solidFill>
+                </a:rPr>
+                <a:t>Jesus’ disciples </a:t>
+              </a:r>
+              <a:r>
+                <a:rPr lang="en-US" sz="3200" b="1" dirty="0">
+                  <a:solidFill>
+                    <a:schemeClr val="tx1"/>
+                  </a:solidFill>
+                  <a:highlight>
+                    <a:srgbClr val="C00002"/>
+                  </a:highlight>
+                </a:rPr>
+                <a:t>had real experiences</a:t>
+              </a:r>
+              <a:r>
+                <a:rPr lang="en-US" sz="3200" dirty="0">
+                  <a:solidFill>
+                    <a:schemeClr val="tx1"/>
+                  </a:solidFill>
+                </a:rPr>
+                <a:t> of the resurrected Jesus</a:t>
+              </a:r>
+              <a:endParaRPr lang="en-US" sz="3200" b="1" dirty="0">
                 <a:solidFill>
-                  <a:srgbClr val="FFFFFF"/>
+                  <a:schemeClr val="tx1"/>
                 </a:solidFill>
-              </a14:hiddenFill>
-            </a:ext>
-          </a:extLst>
-        </p:spPr>
-      </p:pic>
+                <a:highlight>
+                  <a:srgbClr val="C00002"/>
+                </a:highlight>
+              </a:endParaRPr>
+            </a:p>
+          </p:txBody>
+        </p:sp>
+      </p:grpSp>
+      <p:grpSp>
+        <p:nvGrpSpPr>
+          <p:cNvPr id="34" name="Group 33">
+            <a:extLst>
+              <a:ext uri="{FF2B5EF4-FFF2-40B4-BE49-F238E27FC236}">
+                <a16:creationId xmlns:a16="http://schemas.microsoft.com/office/drawing/2014/main" id="{F3A5FDC7-6C89-994F-852B-E598406E089D}"/>
+              </a:ext>
+            </a:extLst>
+          </p:cNvPr>
+          <p:cNvGrpSpPr/>
+          <p:nvPr/>
+        </p:nvGrpSpPr>
+        <p:grpSpPr>
+          <a:xfrm>
+            <a:off x="381000" y="3047998"/>
+            <a:ext cx="8001000" cy="1016395"/>
+            <a:chOff x="533400" y="1833262"/>
+            <a:chExt cx="8001000" cy="990603"/>
+          </a:xfrm>
+        </p:grpSpPr>
+        <p:sp>
+          <p:nvSpPr>
+            <p:cNvPr id="35" name="Oval 34">
+              <a:extLst>
+                <a:ext uri="{FF2B5EF4-FFF2-40B4-BE49-F238E27FC236}">
+                  <a16:creationId xmlns:a16="http://schemas.microsoft.com/office/drawing/2014/main" id="{E364731B-859C-444F-AF7E-DF1DD0B11C2C}"/>
+                </a:ext>
+              </a:extLst>
+            </p:cNvPr>
+            <p:cNvSpPr/>
+            <p:nvPr/>
+          </p:nvSpPr>
+          <p:spPr>
+            <a:xfrm>
+              <a:off x="533400" y="1833265"/>
+              <a:ext cx="990600" cy="990600"/>
+            </a:xfrm>
+            <a:prstGeom prst="ellipse">
+              <a:avLst/>
+            </a:prstGeom>
+            <a:solidFill>
+              <a:srgbClr val="009EC0"/>
+            </a:solidFill>
+            <a:ln>
+              <a:noFill/>
+            </a:ln>
+          </p:spPr>
+          <p:style>
+            <a:lnRef idx="2">
+              <a:schemeClr val="accent1">
+                <a:shade val="50000"/>
+              </a:schemeClr>
+            </a:lnRef>
+            <a:fillRef idx="1">
+              <a:schemeClr val="accent1"/>
+            </a:fillRef>
+            <a:effectRef idx="0">
+              <a:schemeClr val="accent1"/>
+            </a:effectRef>
+            <a:fontRef idx="minor">
+              <a:schemeClr val="lt1"/>
+            </a:fontRef>
+          </p:style>
+          <p:txBody>
+            <a:bodyPr rtlCol="0" anchor="ctr"/>
+            <a:lstStyle/>
+            <a:p>
+              <a:pPr algn="ctr"/>
+              <a:r>
+                <a:rPr lang="en-US" sz="5400" dirty="0">
+                  <a:solidFill>
+                    <a:schemeClr val="tx1"/>
+                  </a:solidFill>
+                </a:rPr>
+                <a:t>3</a:t>
+              </a:r>
+            </a:p>
+          </p:txBody>
+        </p:sp>
+        <p:sp>
+          <p:nvSpPr>
+            <p:cNvPr id="36" name="Rectangle 35">
+              <a:extLst>
+                <a:ext uri="{FF2B5EF4-FFF2-40B4-BE49-F238E27FC236}">
+                  <a16:creationId xmlns:a16="http://schemas.microsoft.com/office/drawing/2014/main" id="{9AC5BC41-AE85-E548-8E54-1ADC1F43FEE2}"/>
+                </a:ext>
+              </a:extLst>
+            </p:cNvPr>
+            <p:cNvSpPr/>
+            <p:nvPr/>
+          </p:nvSpPr>
+          <p:spPr>
+            <a:xfrm>
+              <a:off x="1828800" y="1833262"/>
+              <a:ext cx="6705600" cy="990593"/>
+            </a:xfrm>
+            <a:prstGeom prst="rect">
+              <a:avLst/>
+            </a:prstGeom>
+            <a:noFill/>
+            <a:ln>
+              <a:noFill/>
+            </a:ln>
+          </p:spPr>
+          <p:style>
+            <a:lnRef idx="2">
+              <a:schemeClr val="accent1">
+                <a:shade val="50000"/>
+              </a:schemeClr>
+            </a:lnRef>
+            <a:fillRef idx="1">
+              <a:schemeClr val="accent1"/>
+            </a:fillRef>
+            <a:effectRef idx="0">
+              <a:schemeClr val="accent1"/>
+            </a:effectRef>
+            <a:fontRef idx="minor">
+              <a:schemeClr val="lt1"/>
+            </a:fontRef>
+          </p:style>
+          <p:txBody>
+            <a:bodyPr rtlCol="0" anchor="ctr"/>
+            <a:lstStyle/>
+            <a:p>
+              <a:r>
+                <a:rPr lang="en-US" sz="3200" dirty="0">
+                  <a:solidFill>
+                    <a:schemeClr val="tx1"/>
+                  </a:solidFill>
+                </a:rPr>
+                <a:t>The disciples were transformed &amp; were </a:t>
+              </a:r>
+              <a:r>
+                <a:rPr lang="en-US" sz="3200" b="1" dirty="0">
+                  <a:solidFill>
+                    <a:schemeClr val="tx1"/>
+                  </a:solidFill>
+                  <a:highlight>
+                    <a:srgbClr val="C00002"/>
+                  </a:highlight>
+                </a:rPr>
+                <a:t>willing to die</a:t>
+              </a:r>
+              <a:r>
+                <a:rPr lang="en-US" sz="3200" dirty="0">
+                  <a:solidFill>
+                    <a:schemeClr val="tx1"/>
+                  </a:solidFill>
+                </a:rPr>
+                <a:t> for their message</a:t>
+              </a:r>
+            </a:p>
+          </p:txBody>
+        </p:sp>
+      </p:grpSp>
+      <p:grpSp>
+        <p:nvGrpSpPr>
+          <p:cNvPr id="37" name="Group 36">
+            <a:extLst>
+              <a:ext uri="{FF2B5EF4-FFF2-40B4-BE49-F238E27FC236}">
+                <a16:creationId xmlns:a16="http://schemas.microsoft.com/office/drawing/2014/main" id="{8FE57015-ACC8-8948-83E1-C136BA30093A}"/>
+              </a:ext>
+            </a:extLst>
+          </p:cNvPr>
+          <p:cNvGrpSpPr/>
+          <p:nvPr/>
+        </p:nvGrpSpPr>
+        <p:grpSpPr>
+          <a:xfrm>
+            <a:off x="398929" y="3048000"/>
+            <a:ext cx="8574742" cy="1016399"/>
+            <a:chOff x="533400" y="1833261"/>
+            <a:chExt cx="8574742" cy="990604"/>
+          </a:xfrm>
+        </p:grpSpPr>
+        <p:sp>
+          <p:nvSpPr>
+            <p:cNvPr id="38" name="Oval 37">
+              <a:extLst>
+                <a:ext uri="{FF2B5EF4-FFF2-40B4-BE49-F238E27FC236}">
+                  <a16:creationId xmlns:a16="http://schemas.microsoft.com/office/drawing/2014/main" id="{2F9B26E4-5974-CC43-BC4B-6383C9FE503E}"/>
+                </a:ext>
+              </a:extLst>
+            </p:cNvPr>
+            <p:cNvSpPr/>
+            <p:nvPr/>
+          </p:nvSpPr>
+          <p:spPr>
+            <a:xfrm>
+              <a:off x="533400" y="1833265"/>
+              <a:ext cx="990600" cy="990600"/>
+            </a:xfrm>
+            <a:prstGeom prst="ellipse">
+              <a:avLst/>
+            </a:prstGeom>
+            <a:solidFill>
+              <a:srgbClr val="009EC0"/>
+            </a:solidFill>
+            <a:ln>
+              <a:noFill/>
+            </a:ln>
+          </p:spPr>
+          <p:style>
+            <a:lnRef idx="2">
+              <a:schemeClr val="accent1">
+                <a:shade val="50000"/>
+              </a:schemeClr>
+            </a:lnRef>
+            <a:fillRef idx="1">
+              <a:schemeClr val="accent1"/>
+            </a:fillRef>
+            <a:effectRef idx="0">
+              <a:schemeClr val="accent1"/>
+            </a:effectRef>
+            <a:fontRef idx="minor">
+              <a:schemeClr val="lt1"/>
+            </a:fontRef>
+          </p:style>
+          <p:txBody>
+            <a:bodyPr rtlCol="0" anchor="ctr"/>
+            <a:lstStyle/>
+            <a:p>
+              <a:pPr algn="ctr"/>
+              <a:r>
+                <a:rPr lang="en-US" sz="5400" dirty="0">
+                  <a:solidFill>
+                    <a:schemeClr val="tx1"/>
+                  </a:solidFill>
+                </a:rPr>
+                <a:t>4</a:t>
+              </a:r>
+            </a:p>
+          </p:txBody>
+        </p:sp>
+        <p:sp>
+          <p:nvSpPr>
+            <p:cNvPr id="39" name="Rectangle 38">
+              <a:extLst>
+                <a:ext uri="{FF2B5EF4-FFF2-40B4-BE49-F238E27FC236}">
+                  <a16:creationId xmlns:a16="http://schemas.microsoft.com/office/drawing/2014/main" id="{AAFBF231-753F-F44A-AD49-F6A5FCDF90F1}"/>
+                </a:ext>
+              </a:extLst>
+            </p:cNvPr>
+            <p:cNvSpPr/>
+            <p:nvPr/>
+          </p:nvSpPr>
+          <p:spPr>
+            <a:xfrm>
+              <a:off x="1810870" y="1833261"/>
+              <a:ext cx="7297272" cy="990593"/>
+            </a:xfrm>
+            <a:prstGeom prst="rect">
+              <a:avLst/>
+            </a:prstGeom>
+            <a:noFill/>
+            <a:ln>
+              <a:noFill/>
+            </a:ln>
+          </p:spPr>
+          <p:style>
+            <a:lnRef idx="2">
+              <a:schemeClr val="accent1">
+                <a:shade val="50000"/>
+              </a:schemeClr>
+            </a:lnRef>
+            <a:fillRef idx="1">
+              <a:schemeClr val="accent1"/>
+            </a:fillRef>
+            <a:effectRef idx="0">
+              <a:schemeClr val="accent1"/>
+            </a:effectRef>
+            <a:fontRef idx="minor">
+              <a:schemeClr val="lt1"/>
+            </a:fontRef>
+          </p:style>
+          <p:txBody>
+            <a:bodyPr rtlCol="0" anchor="ctr"/>
+            <a:lstStyle/>
+            <a:p>
+              <a:r>
+                <a:rPr lang="en-US" sz="2800" b="1" dirty="0">
+                  <a:solidFill>
+                    <a:schemeClr val="tx1"/>
+                  </a:solidFill>
+                  <a:highlight>
+                    <a:srgbClr val="C00002"/>
+                  </a:highlight>
+                </a:rPr>
+                <a:t>James (Jesus’ brother) had a real experience</a:t>
+              </a:r>
+              <a:r>
+                <a:rPr lang="en-US" sz="2800" dirty="0">
+                  <a:solidFill>
+                    <a:schemeClr val="tx1"/>
+                  </a:solidFill>
+                </a:rPr>
+                <a:t> that he thought was an appearance of Jesus</a:t>
+              </a:r>
+            </a:p>
+          </p:txBody>
+        </p:sp>
+      </p:grpSp>
+      <p:grpSp>
+        <p:nvGrpSpPr>
+          <p:cNvPr id="40" name="Group 39">
+            <a:extLst>
+              <a:ext uri="{FF2B5EF4-FFF2-40B4-BE49-F238E27FC236}">
+                <a16:creationId xmlns:a16="http://schemas.microsoft.com/office/drawing/2014/main" id="{DBBE8D46-611F-B546-AEF2-16706C9C5B98}"/>
+              </a:ext>
+            </a:extLst>
+          </p:cNvPr>
+          <p:cNvGrpSpPr/>
+          <p:nvPr/>
+        </p:nvGrpSpPr>
+        <p:grpSpPr>
+          <a:xfrm>
+            <a:off x="398929" y="3048000"/>
+            <a:ext cx="8592671" cy="1016393"/>
+            <a:chOff x="533400" y="1833264"/>
+            <a:chExt cx="8592671" cy="990601"/>
+          </a:xfrm>
+        </p:grpSpPr>
+        <p:sp>
+          <p:nvSpPr>
+            <p:cNvPr id="41" name="Oval 40">
+              <a:extLst>
+                <a:ext uri="{FF2B5EF4-FFF2-40B4-BE49-F238E27FC236}">
+                  <a16:creationId xmlns:a16="http://schemas.microsoft.com/office/drawing/2014/main" id="{1F7006EA-427A-B642-8B6A-64327D6CB9F5}"/>
+                </a:ext>
+              </a:extLst>
+            </p:cNvPr>
+            <p:cNvSpPr/>
+            <p:nvPr/>
+          </p:nvSpPr>
+          <p:spPr>
+            <a:xfrm>
+              <a:off x="533400" y="1833265"/>
+              <a:ext cx="990600" cy="990600"/>
+            </a:xfrm>
+            <a:prstGeom prst="ellipse">
+              <a:avLst/>
+            </a:prstGeom>
+            <a:solidFill>
+              <a:srgbClr val="009EC0"/>
+            </a:solidFill>
+            <a:ln>
+              <a:noFill/>
+            </a:ln>
+          </p:spPr>
+          <p:style>
+            <a:lnRef idx="2">
+              <a:schemeClr val="accent1">
+                <a:shade val="50000"/>
+              </a:schemeClr>
+            </a:lnRef>
+            <a:fillRef idx="1">
+              <a:schemeClr val="accent1"/>
+            </a:fillRef>
+            <a:effectRef idx="0">
+              <a:schemeClr val="accent1"/>
+            </a:effectRef>
+            <a:fontRef idx="minor">
+              <a:schemeClr val="lt1"/>
+            </a:fontRef>
+          </p:style>
+          <p:txBody>
+            <a:bodyPr rtlCol="0" anchor="ctr"/>
+            <a:lstStyle/>
+            <a:p>
+              <a:pPr algn="ctr"/>
+              <a:r>
+                <a:rPr lang="en-US" sz="5400" dirty="0">
+                  <a:solidFill>
+                    <a:schemeClr val="tx1"/>
+                  </a:solidFill>
+                </a:rPr>
+                <a:t>5</a:t>
+              </a:r>
+            </a:p>
+          </p:txBody>
+        </p:sp>
+        <p:sp>
+          <p:nvSpPr>
+            <p:cNvPr id="42" name="Rectangle 41">
+              <a:extLst>
+                <a:ext uri="{FF2B5EF4-FFF2-40B4-BE49-F238E27FC236}">
+                  <a16:creationId xmlns:a16="http://schemas.microsoft.com/office/drawing/2014/main" id="{520E67B6-90AA-154A-8288-8CAC947C3CB8}"/>
+                </a:ext>
+              </a:extLst>
+            </p:cNvPr>
+            <p:cNvSpPr/>
+            <p:nvPr/>
+          </p:nvSpPr>
+          <p:spPr>
+            <a:xfrm>
+              <a:off x="1828799" y="1833264"/>
+              <a:ext cx="7297272" cy="990593"/>
+            </a:xfrm>
+            <a:prstGeom prst="rect">
+              <a:avLst/>
+            </a:prstGeom>
+            <a:noFill/>
+            <a:ln>
+              <a:noFill/>
+            </a:ln>
+          </p:spPr>
+          <p:style>
+            <a:lnRef idx="2">
+              <a:schemeClr val="accent1">
+                <a:shade val="50000"/>
+              </a:schemeClr>
+            </a:lnRef>
+            <a:fillRef idx="1">
+              <a:schemeClr val="accent1"/>
+            </a:fillRef>
+            <a:effectRef idx="0">
+              <a:schemeClr val="accent1"/>
+            </a:effectRef>
+            <a:fontRef idx="minor">
+              <a:schemeClr val="lt1"/>
+            </a:fontRef>
+          </p:style>
+          <p:txBody>
+            <a:bodyPr rtlCol="0" anchor="ctr"/>
+            <a:lstStyle/>
+            <a:p>
+              <a:r>
+                <a:rPr lang="en-US" sz="2800" b="1" dirty="0">
+                  <a:solidFill>
+                    <a:schemeClr val="tx1"/>
+                  </a:solidFill>
+                  <a:highlight>
+                    <a:srgbClr val="C00002"/>
+                  </a:highlight>
+                </a:rPr>
+                <a:t>Paul also had a similar appearance</a:t>
+              </a:r>
+              <a:r>
+                <a:rPr lang="en-US" sz="2800" dirty="0">
+                  <a:solidFill>
+                    <a:schemeClr val="tx1"/>
+                  </a:solidFill>
+                </a:rPr>
+                <a:t> of Jesus and converted</a:t>
+              </a:r>
+            </a:p>
+          </p:txBody>
+        </p:sp>
+      </p:grpSp>
+      <p:grpSp>
+        <p:nvGrpSpPr>
+          <p:cNvPr id="43" name="Group 42">
+            <a:extLst>
+              <a:ext uri="{FF2B5EF4-FFF2-40B4-BE49-F238E27FC236}">
+                <a16:creationId xmlns:a16="http://schemas.microsoft.com/office/drawing/2014/main" id="{1D109BD6-389C-E743-AA33-FC31AEB4D2DB}"/>
+              </a:ext>
+            </a:extLst>
+          </p:cNvPr>
+          <p:cNvGrpSpPr/>
+          <p:nvPr/>
+        </p:nvGrpSpPr>
+        <p:grpSpPr>
+          <a:xfrm>
+            <a:off x="398929" y="3048000"/>
+            <a:ext cx="8592671" cy="1016393"/>
+            <a:chOff x="533400" y="1833264"/>
+            <a:chExt cx="8592671" cy="990601"/>
+          </a:xfrm>
+        </p:grpSpPr>
+        <p:sp>
+          <p:nvSpPr>
+            <p:cNvPr id="44" name="Oval 43">
+              <a:extLst>
+                <a:ext uri="{FF2B5EF4-FFF2-40B4-BE49-F238E27FC236}">
+                  <a16:creationId xmlns:a16="http://schemas.microsoft.com/office/drawing/2014/main" id="{D888D07C-6895-7D4C-961E-25E13471458C}"/>
+                </a:ext>
+              </a:extLst>
+            </p:cNvPr>
+            <p:cNvSpPr/>
+            <p:nvPr/>
+          </p:nvSpPr>
+          <p:spPr>
+            <a:xfrm>
+              <a:off x="533400" y="1833265"/>
+              <a:ext cx="990600" cy="990600"/>
+            </a:xfrm>
+            <a:prstGeom prst="ellipse">
+              <a:avLst/>
+            </a:prstGeom>
+            <a:solidFill>
+              <a:srgbClr val="009EC0"/>
+            </a:solidFill>
+            <a:ln>
+              <a:noFill/>
+            </a:ln>
+          </p:spPr>
+          <p:style>
+            <a:lnRef idx="2">
+              <a:schemeClr val="accent1">
+                <a:shade val="50000"/>
+              </a:schemeClr>
+            </a:lnRef>
+            <a:fillRef idx="1">
+              <a:schemeClr val="accent1"/>
+            </a:fillRef>
+            <a:effectRef idx="0">
+              <a:schemeClr val="accent1"/>
+            </a:effectRef>
+            <a:fontRef idx="minor">
+              <a:schemeClr val="lt1"/>
+            </a:fontRef>
+          </p:style>
+          <p:txBody>
+            <a:bodyPr rtlCol="0" anchor="ctr"/>
+            <a:lstStyle/>
+            <a:p>
+              <a:pPr algn="ctr"/>
+              <a:r>
+                <a:rPr lang="en-US" sz="5400" dirty="0">
+                  <a:solidFill>
+                    <a:schemeClr val="tx1"/>
+                  </a:solidFill>
+                </a:rPr>
+                <a:t>6</a:t>
+              </a:r>
+            </a:p>
+          </p:txBody>
+        </p:sp>
+        <p:sp>
+          <p:nvSpPr>
+            <p:cNvPr id="45" name="Rectangle 44">
+              <a:extLst>
+                <a:ext uri="{FF2B5EF4-FFF2-40B4-BE49-F238E27FC236}">
+                  <a16:creationId xmlns:a16="http://schemas.microsoft.com/office/drawing/2014/main" id="{F46C28DC-6CEF-AF4A-AFBE-F89D87C6ED75}"/>
+                </a:ext>
+              </a:extLst>
+            </p:cNvPr>
+            <p:cNvSpPr/>
+            <p:nvPr/>
+          </p:nvSpPr>
+          <p:spPr>
+            <a:xfrm>
+              <a:off x="1828799" y="1833264"/>
+              <a:ext cx="7297272" cy="990593"/>
+            </a:xfrm>
+            <a:prstGeom prst="rect">
+              <a:avLst/>
+            </a:prstGeom>
+            <a:noFill/>
+            <a:ln>
+              <a:noFill/>
+            </a:ln>
+          </p:spPr>
+          <p:style>
+            <a:lnRef idx="2">
+              <a:schemeClr val="accent1">
+                <a:shade val="50000"/>
+              </a:schemeClr>
+            </a:lnRef>
+            <a:fillRef idx="1">
+              <a:schemeClr val="accent1"/>
+            </a:fillRef>
+            <a:effectRef idx="0">
+              <a:schemeClr val="accent1"/>
+            </a:effectRef>
+            <a:fontRef idx="minor">
+              <a:schemeClr val="lt1"/>
+            </a:fontRef>
+          </p:style>
+          <p:txBody>
+            <a:bodyPr rtlCol="0" anchor="ctr"/>
+            <a:lstStyle/>
+            <a:p>
+              <a:r>
+                <a:rPr lang="en-US" sz="2800" dirty="0">
+                  <a:solidFill>
+                    <a:schemeClr val="tx1"/>
+                  </a:solidFill>
+                </a:rPr>
+                <a:t>The Gospel was proclaimed </a:t>
+              </a:r>
+              <a:r>
+                <a:rPr lang="en-US" sz="2800" b="1" dirty="0">
+                  <a:solidFill>
+                    <a:schemeClr val="tx1"/>
+                  </a:solidFill>
+                  <a:highlight>
+                    <a:srgbClr val="C00002"/>
+                  </a:highlight>
+                </a:rPr>
+                <a:t>within 1-2 years</a:t>
+              </a:r>
+              <a:r>
+                <a:rPr lang="en-US" sz="2800" b="1" dirty="0">
+                  <a:solidFill>
+                    <a:schemeClr val="tx1"/>
+                  </a:solidFill>
+                </a:rPr>
+                <a:t> </a:t>
+              </a:r>
+              <a:r>
+                <a:rPr lang="en-US" sz="2800" dirty="0">
+                  <a:solidFill>
+                    <a:schemeClr val="tx1"/>
+                  </a:solidFill>
+                </a:rPr>
+                <a:t>from the crucifixion</a:t>
+              </a:r>
+            </a:p>
+          </p:txBody>
+        </p:sp>
+      </p:grpSp>
     </p:spTree>
     <p:extLst>
       <p:ext uri="{BB962C8B-B14F-4D97-AF65-F5344CB8AC3E}">
-        <p14:creationId xmlns:p14="http://schemas.microsoft.com/office/powerpoint/2010/main" val="4168533294"/>
+        <p14:creationId xmlns:p14="http://schemas.microsoft.com/office/powerpoint/2010/main" val="671826375"/>
       </p:ext>
     </p:extLst>
   </p:cSld>
@@ -7086,7 +9464,7 @@
                             </p:stCondLst>
                             <p:childTnLst>
                               <p:par>
-                                <p:cTn id="5" presetID="10" presetClass="entr" presetSubtype="0" fill="hold" nodeType="clickEffect">
+                                <p:cTn id="5" presetID="10" presetClass="entr" presetSubtype="0" fill="hold" grpId="0" nodeType="clickEffect">
                                   <p:stCondLst>
                                     <p:cond delay="0"/>
                                   </p:stCondLst>
@@ -7099,7 +9477,7 @@
                                           </p:stCondLst>
                                         </p:cTn>
                                         <p:tgtEl>
-                                          <p:spTgt spid="1026"/>
+                                          <p:spTgt spid="6"/>
                                         </p:tgtEl>
                                         <p:attrNameLst>
                                           <p:attrName>style.visibility</p:attrName>
@@ -7113,7 +9491,2246 @@
                                       <p:cBhvr>
                                         <p:cTn id="7" dur="250"/>
                                         <p:tgtEl>
-                                          <p:spTgt spid="1026"/>
+                                          <p:spTgt spid="6"/>
+                                        </p:tgtEl>
+                                      </p:cBhvr>
+                                    </p:animEffect>
+                                  </p:childTnLst>
+                                </p:cTn>
+                              </p:par>
+                            </p:childTnLst>
+                          </p:cTn>
+                        </p:par>
+                        <p:par>
+                          <p:cTn id="8" fill="hold">
+                            <p:stCondLst>
+                              <p:cond delay="250"/>
+                            </p:stCondLst>
+                            <p:childTnLst>
+                              <p:par>
+                                <p:cTn id="9" presetID="10" presetClass="entr" presetSubtype="0" fill="hold" nodeType="afterEffect">
+                                  <p:stCondLst>
+                                    <p:cond delay="0"/>
+                                  </p:stCondLst>
+                                  <p:childTnLst>
+                                    <p:set>
+                                      <p:cBhvr>
+                                        <p:cTn id="10" dur="1" fill="hold">
+                                          <p:stCondLst>
+                                            <p:cond delay="0"/>
+                                          </p:stCondLst>
+                                        </p:cTn>
+                                        <p:tgtEl>
+                                          <p:spTgt spid="8"/>
+                                        </p:tgtEl>
+                                        <p:attrNameLst>
+                                          <p:attrName>style.visibility</p:attrName>
+                                        </p:attrNameLst>
+                                      </p:cBhvr>
+                                      <p:to>
+                                        <p:strVal val="visible"/>
+                                      </p:to>
+                                    </p:set>
+                                    <p:animEffect transition="in" filter="fade">
+                                      <p:cBhvr>
+                                        <p:cTn id="11" dur="250"/>
+                                        <p:tgtEl>
+                                          <p:spTgt spid="8"/>
+                                        </p:tgtEl>
+                                      </p:cBhvr>
+                                    </p:animEffect>
+                                  </p:childTnLst>
+                                </p:cTn>
+                              </p:par>
+                            </p:childTnLst>
+                          </p:cTn>
+                        </p:par>
+                      </p:childTnLst>
+                    </p:cTn>
+                  </p:par>
+                  <p:par>
+                    <p:cTn id="12" fill="hold">
+                      <p:stCondLst>
+                        <p:cond delay="indefinite"/>
+                      </p:stCondLst>
+                      <p:childTnLst>
+                        <p:par>
+                          <p:cTn id="13" fill="hold">
+                            <p:stCondLst>
+                              <p:cond delay="0"/>
+                            </p:stCondLst>
+                            <p:childTnLst>
+                              <p:par>
+                                <p:cTn id="14" presetID="10" presetClass="entr" presetSubtype="0" fill="hold" nodeType="clickEffect">
+                                  <p:stCondLst>
+                                    <p:cond delay="0"/>
+                                  </p:stCondLst>
+                                  <p:childTnLst>
+                                    <p:set>
+                                      <p:cBhvr>
+                                        <p:cTn id="15" dur="1" fill="hold">
+                                          <p:stCondLst>
+                                            <p:cond delay="0"/>
+                                          </p:stCondLst>
+                                        </p:cTn>
+                                        <p:tgtEl>
+                                          <p:spTgt spid="9"/>
+                                        </p:tgtEl>
+                                        <p:attrNameLst>
+                                          <p:attrName>style.visibility</p:attrName>
+                                        </p:attrNameLst>
+                                      </p:cBhvr>
+                                      <p:to>
+                                        <p:strVal val="visible"/>
+                                      </p:to>
+                                    </p:set>
+                                    <p:animEffect transition="in" filter="fade">
+                                      <p:cBhvr>
+                                        <p:cTn id="16" dur="250"/>
+                                        <p:tgtEl>
+                                          <p:spTgt spid="9"/>
+                                        </p:tgtEl>
+                                      </p:cBhvr>
+                                    </p:animEffect>
+                                  </p:childTnLst>
+                                </p:cTn>
+                              </p:par>
+                            </p:childTnLst>
+                          </p:cTn>
+                        </p:par>
+                      </p:childTnLst>
+                    </p:cTn>
+                  </p:par>
+                  <p:par>
+                    <p:cTn id="17" fill="hold">
+                      <p:stCondLst>
+                        <p:cond delay="indefinite"/>
+                      </p:stCondLst>
+                      <p:childTnLst>
+                        <p:par>
+                          <p:cTn id="18" fill="hold">
+                            <p:stCondLst>
+                              <p:cond delay="0"/>
+                            </p:stCondLst>
+                            <p:childTnLst>
+                              <p:par>
+                                <p:cTn id="19" presetID="10" presetClass="exit" presetSubtype="0" fill="hold" nodeType="clickEffect">
+                                  <p:stCondLst>
+                                    <p:cond delay="0"/>
+                                  </p:stCondLst>
+                                  <p:childTnLst>
+                                    <p:animEffect transition="out" filter="fade">
+                                      <p:cBhvr>
+                                        <p:cTn id="20" dur="250"/>
+                                        <p:tgtEl>
+                                          <p:spTgt spid="9"/>
+                                        </p:tgtEl>
+                                      </p:cBhvr>
+                                    </p:animEffect>
+                                    <p:set>
+                                      <p:cBhvr>
+                                        <p:cTn id="21" dur="1" fill="hold">
+                                          <p:stCondLst>
+                                            <p:cond delay="249"/>
+                                          </p:stCondLst>
+                                        </p:cTn>
+                                        <p:tgtEl>
+                                          <p:spTgt spid="9"/>
+                                        </p:tgtEl>
+                                        <p:attrNameLst>
+                                          <p:attrName>style.visibility</p:attrName>
+                                        </p:attrNameLst>
+                                      </p:cBhvr>
+                                      <p:to>
+                                        <p:strVal val="hidden"/>
+                                      </p:to>
+                                    </p:set>
+                                  </p:childTnLst>
+                                </p:cTn>
+                              </p:par>
+                            </p:childTnLst>
+                          </p:cTn>
+                        </p:par>
+                        <p:par>
+                          <p:cTn id="22" fill="hold">
+                            <p:stCondLst>
+                              <p:cond delay="250"/>
+                            </p:stCondLst>
+                            <p:childTnLst>
+                              <p:par>
+                                <p:cTn id="23" presetID="10" presetClass="entr" presetSubtype="0" fill="hold" nodeType="afterEffect">
+                                  <p:stCondLst>
+                                    <p:cond delay="0"/>
+                                  </p:stCondLst>
+                                  <p:childTnLst>
+                                    <p:set>
+                                      <p:cBhvr>
+                                        <p:cTn id="24" dur="1" fill="hold">
+                                          <p:stCondLst>
+                                            <p:cond delay="0"/>
+                                          </p:stCondLst>
+                                        </p:cTn>
+                                        <p:tgtEl>
+                                          <p:spTgt spid="31"/>
+                                        </p:tgtEl>
+                                        <p:attrNameLst>
+                                          <p:attrName>style.visibility</p:attrName>
+                                        </p:attrNameLst>
+                                      </p:cBhvr>
+                                      <p:to>
+                                        <p:strVal val="visible"/>
+                                      </p:to>
+                                    </p:set>
+                                    <p:animEffect transition="in" filter="fade">
+                                      <p:cBhvr>
+                                        <p:cTn id="25" dur="250"/>
+                                        <p:tgtEl>
+                                          <p:spTgt spid="31"/>
+                                        </p:tgtEl>
+                                      </p:cBhvr>
+                                    </p:animEffect>
+                                  </p:childTnLst>
+                                </p:cTn>
+                              </p:par>
+                            </p:childTnLst>
+                          </p:cTn>
+                        </p:par>
+                      </p:childTnLst>
+                    </p:cTn>
+                  </p:par>
+                  <p:par>
+                    <p:cTn id="26" fill="hold">
+                      <p:stCondLst>
+                        <p:cond delay="indefinite"/>
+                      </p:stCondLst>
+                      <p:childTnLst>
+                        <p:par>
+                          <p:cTn id="27" fill="hold">
+                            <p:stCondLst>
+                              <p:cond delay="0"/>
+                            </p:stCondLst>
+                            <p:childTnLst>
+                              <p:par>
+                                <p:cTn id="28" presetID="10" presetClass="exit" presetSubtype="0" fill="hold" nodeType="clickEffect">
+                                  <p:stCondLst>
+                                    <p:cond delay="0"/>
+                                  </p:stCondLst>
+                                  <p:childTnLst>
+                                    <p:animEffect transition="out" filter="fade">
+                                      <p:cBhvr>
+                                        <p:cTn id="29" dur="250"/>
+                                        <p:tgtEl>
+                                          <p:spTgt spid="31"/>
+                                        </p:tgtEl>
+                                      </p:cBhvr>
+                                    </p:animEffect>
+                                    <p:set>
+                                      <p:cBhvr>
+                                        <p:cTn id="30" dur="1" fill="hold">
+                                          <p:stCondLst>
+                                            <p:cond delay="249"/>
+                                          </p:stCondLst>
+                                        </p:cTn>
+                                        <p:tgtEl>
+                                          <p:spTgt spid="31"/>
+                                        </p:tgtEl>
+                                        <p:attrNameLst>
+                                          <p:attrName>style.visibility</p:attrName>
+                                        </p:attrNameLst>
+                                      </p:cBhvr>
+                                      <p:to>
+                                        <p:strVal val="hidden"/>
+                                      </p:to>
+                                    </p:set>
+                                  </p:childTnLst>
+                                </p:cTn>
+                              </p:par>
+                            </p:childTnLst>
+                          </p:cTn>
+                        </p:par>
+                        <p:par>
+                          <p:cTn id="31" fill="hold">
+                            <p:stCondLst>
+                              <p:cond delay="250"/>
+                            </p:stCondLst>
+                            <p:childTnLst>
+                              <p:par>
+                                <p:cTn id="32" presetID="10" presetClass="entr" presetSubtype="0" fill="hold" nodeType="afterEffect">
+                                  <p:stCondLst>
+                                    <p:cond delay="0"/>
+                                  </p:stCondLst>
+                                  <p:childTnLst>
+                                    <p:set>
+                                      <p:cBhvr>
+                                        <p:cTn id="33" dur="1" fill="hold">
+                                          <p:stCondLst>
+                                            <p:cond delay="0"/>
+                                          </p:stCondLst>
+                                        </p:cTn>
+                                        <p:tgtEl>
+                                          <p:spTgt spid="34"/>
+                                        </p:tgtEl>
+                                        <p:attrNameLst>
+                                          <p:attrName>style.visibility</p:attrName>
+                                        </p:attrNameLst>
+                                      </p:cBhvr>
+                                      <p:to>
+                                        <p:strVal val="visible"/>
+                                      </p:to>
+                                    </p:set>
+                                    <p:animEffect transition="in" filter="fade">
+                                      <p:cBhvr>
+                                        <p:cTn id="34" dur="250"/>
+                                        <p:tgtEl>
+                                          <p:spTgt spid="34"/>
+                                        </p:tgtEl>
+                                      </p:cBhvr>
+                                    </p:animEffect>
+                                  </p:childTnLst>
+                                </p:cTn>
+                              </p:par>
+                            </p:childTnLst>
+                          </p:cTn>
+                        </p:par>
+                      </p:childTnLst>
+                    </p:cTn>
+                  </p:par>
+                  <p:par>
+                    <p:cTn id="35" fill="hold">
+                      <p:stCondLst>
+                        <p:cond delay="indefinite"/>
+                      </p:stCondLst>
+                      <p:childTnLst>
+                        <p:par>
+                          <p:cTn id="36" fill="hold">
+                            <p:stCondLst>
+                              <p:cond delay="0"/>
+                            </p:stCondLst>
+                            <p:childTnLst>
+                              <p:par>
+                                <p:cTn id="37" presetID="10" presetClass="exit" presetSubtype="0" fill="hold" nodeType="clickEffect">
+                                  <p:stCondLst>
+                                    <p:cond delay="0"/>
+                                  </p:stCondLst>
+                                  <p:childTnLst>
+                                    <p:animEffect transition="out" filter="fade">
+                                      <p:cBhvr>
+                                        <p:cTn id="38" dur="250"/>
+                                        <p:tgtEl>
+                                          <p:spTgt spid="34"/>
+                                        </p:tgtEl>
+                                      </p:cBhvr>
+                                    </p:animEffect>
+                                    <p:set>
+                                      <p:cBhvr>
+                                        <p:cTn id="39" dur="1" fill="hold">
+                                          <p:stCondLst>
+                                            <p:cond delay="249"/>
+                                          </p:stCondLst>
+                                        </p:cTn>
+                                        <p:tgtEl>
+                                          <p:spTgt spid="34"/>
+                                        </p:tgtEl>
+                                        <p:attrNameLst>
+                                          <p:attrName>style.visibility</p:attrName>
+                                        </p:attrNameLst>
+                                      </p:cBhvr>
+                                      <p:to>
+                                        <p:strVal val="hidden"/>
+                                      </p:to>
+                                    </p:set>
+                                  </p:childTnLst>
+                                </p:cTn>
+                              </p:par>
+                            </p:childTnLst>
+                          </p:cTn>
+                        </p:par>
+                        <p:par>
+                          <p:cTn id="40" fill="hold">
+                            <p:stCondLst>
+                              <p:cond delay="250"/>
+                            </p:stCondLst>
+                            <p:childTnLst>
+                              <p:par>
+                                <p:cTn id="41" presetID="10" presetClass="entr" presetSubtype="0" fill="hold" nodeType="afterEffect">
+                                  <p:stCondLst>
+                                    <p:cond delay="0"/>
+                                  </p:stCondLst>
+                                  <p:childTnLst>
+                                    <p:set>
+                                      <p:cBhvr>
+                                        <p:cTn id="42" dur="1" fill="hold">
+                                          <p:stCondLst>
+                                            <p:cond delay="0"/>
+                                          </p:stCondLst>
+                                        </p:cTn>
+                                        <p:tgtEl>
+                                          <p:spTgt spid="37"/>
+                                        </p:tgtEl>
+                                        <p:attrNameLst>
+                                          <p:attrName>style.visibility</p:attrName>
+                                        </p:attrNameLst>
+                                      </p:cBhvr>
+                                      <p:to>
+                                        <p:strVal val="visible"/>
+                                      </p:to>
+                                    </p:set>
+                                    <p:animEffect transition="in" filter="fade">
+                                      <p:cBhvr>
+                                        <p:cTn id="43" dur="250"/>
+                                        <p:tgtEl>
+                                          <p:spTgt spid="37"/>
+                                        </p:tgtEl>
+                                      </p:cBhvr>
+                                    </p:animEffect>
+                                  </p:childTnLst>
+                                </p:cTn>
+                              </p:par>
+                            </p:childTnLst>
+                          </p:cTn>
+                        </p:par>
+                      </p:childTnLst>
+                    </p:cTn>
+                  </p:par>
+                  <p:par>
+                    <p:cTn id="44" fill="hold">
+                      <p:stCondLst>
+                        <p:cond delay="indefinite"/>
+                      </p:stCondLst>
+                      <p:childTnLst>
+                        <p:par>
+                          <p:cTn id="45" fill="hold">
+                            <p:stCondLst>
+                              <p:cond delay="0"/>
+                            </p:stCondLst>
+                            <p:childTnLst>
+                              <p:par>
+                                <p:cTn id="46" presetID="10" presetClass="exit" presetSubtype="0" fill="hold" nodeType="clickEffect">
+                                  <p:stCondLst>
+                                    <p:cond delay="0"/>
+                                  </p:stCondLst>
+                                  <p:childTnLst>
+                                    <p:animEffect transition="out" filter="fade">
+                                      <p:cBhvr>
+                                        <p:cTn id="47" dur="250"/>
+                                        <p:tgtEl>
+                                          <p:spTgt spid="37"/>
+                                        </p:tgtEl>
+                                      </p:cBhvr>
+                                    </p:animEffect>
+                                    <p:set>
+                                      <p:cBhvr>
+                                        <p:cTn id="48" dur="1" fill="hold">
+                                          <p:stCondLst>
+                                            <p:cond delay="249"/>
+                                          </p:stCondLst>
+                                        </p:cTn>
+                                        <p:tgtEl>
+                                          <p:spTgt spid="37"/>
+                                        </p:tgtEl>
+                                        <p:attrNameLst>
+                                          <p:attrName>style.visibility</p:attrName>
+                                        </p:attrNameLst>
+                                      </p:cBhvr>
+                                      <p:to>
+                                        <p:strVal val="hidden"/>
+                                      </p:to>
+                                    </p:set>
+                                  </p:childTnLst>
+                                </p:cTn>
+                              </p:par>
+                            </p:childTnLst>
+                          </p:cTn>
+                        </p:par>
+                        <p:par>
+                          <p:cTn id="49" fill="hold">
+                            <p:stCondLst>
+                              <p:cond delay="250"/>
+                            </p:stCondLst>
+                            <p:childTnLst>
+                              <p:par>
+                                <p:cTn id="50" presetID="10" presetClass="entr" presetSubtype="0" fill="hold" nodeType="afterEffect">
+                                  <p:stCondLst>
+                                    <p:cond delay="0"/>
+                                  </p:stCondLst>
+                                  <p:childTnLst>
+                                    <p:set>
+                                      <p:cBhvr>
+                                        <p:cTn id="51" dur="1" fill="hold">
+                                          <p:stCondLst>
+                                            <p:cond delay="0"/>
+                                          </p:stCondLst>
+                                        </p:cTn>
+                                        <p:tgtEl>
+                                          <p:spTgt spid="40"/>
+                                        </p:tgtEl>
+                                        <p:attrNameLst>
+                                          <p:attrName>style.visibility</p:attrName>
+                                        </p:attrNameLst>
+                                      </p:cBhvr>
+                                      <p:to>
+                                        <p:strVal val="visible"/>
+                                      </p:to>
+                                    </p:set>
+                                    <p:animEffect transition="in" filter="fade">
+                                      <p:cBhvr>
+                                        <p:cTn id="52" dur="250"/>
+                                        <p:tgtEl>
+                                          <p:spTgt spid="40"/>
+                                        </p:tgtEl>
+                                      </p:cBhvr>
+                                    </p:animEffect>
+                                  </p:childTnLst>
+                                </p:cTn>
+                              </p:par>
+                            </p:childTnLst>
+                          </p:cTn>
+                        </p:par>
+                      </p:childTnLst>
+                    </p:cTn>
+                  </p:par>
+                  <p:par>
+                    <p:cTn id="53" fill="hold">
+                      <p:stCondLst>
+                        <p:cond delay="indefinite"/>
+                      </p:stCondLst>
+                      <p:childTnLst>
+                        <p:par>
+                          <p:cTn id="54" fill="hold">
+                            <p:stCondLst>
+                              <p:cond delay="0"/>
+                            </p:stCondLst>
+                            <p:childTnLst>
+                              <p:par>
+                                <p:cTn id="55" presetID="10" presetClass="exit" presetSubtype="0" fill="hold" nodeType="clickEffect">
+                                  <p:stCondLst>
+                                    <p:cond delay="0"/>
+                                  </p:stCondLst>
+                                  <p:childTnLst>
+                                    <p:animEffect transition="out" filter="fade">
+                                      <p:cBhvr>
+                                        <p:cTn id="56" dur="250"/>
+                                        <p:tgtEl>
+                                          <p:spTgt spid="40"/>
+                                        </p:tgtEl>
+                                      </p:cBhvr>
+                                    </p:animEffect>
+                                    <p:set>
+                                      <p:cBhvr>
+                                        <p:cTn id="57" dur="1" fill="hold">
+                                          <p:stCondLst>
+                                            <p:cond delay="249"/>
+                                          </p:stCondLst>
+                                        </p:cTn>
+                                        <p:tgtEl>
+                                          <p:spTgt spid="40"/>
+                                        </p:tgtEl>
+                                        <p:attrNameLst>
+                                          <p:attrName>style.visibility</p:attrName>
+                                        </p:attrNameLst>
+                                      </p:cBhvr>
+                                      <p:to>
+                                        <p:strVal val="hidden"/>
+                                      </p:to>
+                                    </p:set>
+                                  </p:childTnLst>
+                                </p:cTn>
+                              </p:par>
+                            </p:childTnLst>
+                          </p:cTn>
+                        </p:par>
+                        <p:par>
+                          <p:cTn id="58" fill="hold">
+                            <p:stCondLst>
+                              <p:cond delay="250"/>
+                            </p:stCondLst>
+                            <p:childTnLst>
+                              <p:par>
+                                <p:cTn id="59" presetID="10" presetClass="entr" presetSubtype="0" fill="hold" nodeType="afterEffect">
+                                  <p:stCondLst>
+                                    <p:cond delay="0"/>
+                                  </p:stCondLst>
+                                  <p:childTnLst>
+                                    <p:set>
+                                      <p:cBhvr>
+                                        <p:cTn id="60" dur="1" fill="hold">
+                                          <p:stCondLst>
+                                            <p:cond delay="0"/>
+                                          </p:stCondLst>
+                                        </p:cTn>
+                                        <p:tgtEl>
+                                          <p:spTgt spid="43"/>
+                                        </p:tgtEl>
+                                        <p:attrNameLst>
+                                          <p:attrName>style.visibility</p:attrName>
+                                        </p:attrNameLst>
+                                      </p:cBhvr>
+                                      <p:to>
+                                        <p:strVal val="visible"/>
+                                      </p:to>
+                                    </p:set>
+                                    <p:animEffect transition="in" filter="fade">
+                                      <p:cBhvr>
+                                        <p:cTn id="61" dur="250"/>
+                                        <p:tgtEl>
+                                          <p:spTgt spid="43"/>
+                                        </p:tgtEl>
+                                      </p:cBhvr>
+                                    </p:animEffect>
+                                  </p:childTnLst>
+                                </p:cTn>
+                              </p:par>
+                            </p:childTnLst>
+                          </p:cTn>
+                        </p:par>
+                      </p:childTnLst>
+                    </p:cTn>
+                  </p:par>
+                  <p:par>
+                    <p:cTn id="62" fill="hold">
+                      <p:stCondLst>
+                        <p:cond delay="indefinite"/>
+                      </p:stCondLst>
+                      <p:childTnLst>
+                        <p:par>
+                          <p:cTn id="63" fill="hold">
+                            <p:stCondLst>
+                              <p:cond delay="0"/>
+                            </p:stCondLst>
+                            <p:childTnLst>
+                              <p:par>
+                                <p:cTn id="64" presetID="10" presetClass="exit" presetSubtype="0" fill="hold" nodeType="clickEffect">
+                                  <p:stCondLst>
+                                    <p:cond delay="0"/>
+                                  </p:stCondLst>
+                                  <p:childTnLst>
+                                    <p:animEffect transition="out" filter="fade">
+                                      <p:cBhvr>
+                                        <p:cTn id="65" dur="250"/>
+                                        <p:tgtEl>
+                                          <p:spTgt spid="43"/>
+                                        </p:tgtEl>
+                                      </p:cBhvr>
+                                    </p:animEffect>
+                                    <p:set>
+                                      <p:cBhvr>
+                                        <p:cTn id="66" dur="1" fill="hold">
+                                          <p:stCondLst>
+                                            <p:cond delay="249"/>
+                                          </p:stCondLst>
+                                        </p:cTn>
+                                        <p:tgtEl>
+                                          <p:spTgt spid="43"/>
+                                        </p:tgtEl>
+                                        <p:attrNameLst>
+                                          <p:attrName>style.visibility</p:attrName>
+                                        </p:attrNameLst>
+                                      </p:cBhvr>
+                                      <p:to>
+                                        <p:strVal val="hidden"/>
+                                      </p:to>
+                                    </p:set>
+                                  </p:childTnLst>
+                                </p:cTn>
+                              </p:par>
+                            </p:childTnLst>
+                          </p:cTn>
+                        </p:par>
+                      </p:childTnLst>
+                    </p:cTn>
+                  </p:par>
+                </p:childTnLst>
+              </p:cTn>
+              <p:prevCondLst>
+                <p:cond evt="onPrev" delay="0">
+                  <p:tgtEl>
+                    <p:sldTgt/>
+                  </p:tgtEl>
+                </p:cond>
+              </p:prevCondLst>
+              <p:nextCondLst>
+                <p:cond evt="onNext" delay="0">
+                  <p:tgtEl>
+                    <p:sldTgt/>
+                  </p:tgtEl>
+                </p:cond>
+              </p:nextCondLst>
+            </p:seq>
+          </p:childTnLst>
+        </p:cTn>
+      </p:par>
+    </p:tnLst>
+    <p:bldLst>
+      <p:bldP spid="6" grpId="0"/>
+    </p:bldLst>
+  </p:timing>
+</p:sld>
+</file>
+
+<file path=ppt/slides/slide3.xml><?xml version="1.0" encoding="utf-8"?>
+<p:sld xmlns:a="http://schemas.openxmlformats.org/drawingml/2006/main" xmlns:r="http://schemas.openxmlformats.org/officeDocument/2006/relationships" xmlns:p="http://schemas.openxmlformats.org/presentationml/2006/main">
+  <p:cSld>
+    <p:spTree>
+      <p:nvGrpSpPr>
+        <p:cNvPr id="1" name=""/>
+        <p:cNvGrpSpPr/>
+        <p:nvPr/>
+      </p:nvGrpSpPr>
+      <p:grpSpPr>
+        <a:xfrm>
+          <a:off x="0" y="0"/>
+          <a:ext cx="0" cy="0"/>
+          <a:chOff x="0" y="0"/>
+          <a:chExt cx="0" cy="0"/>
+        </a:xfrm>
+      </p:grpSpPr>
+      <p:sp>
+        <p:nvSpPr>
+          <p:cNvPr id="6" name="TextBox 5"/>
+          <p:cNvSpPr txBox="1"/>
+          <p:nvPr/>
+        </p:nvSpPr>
+        <p:spPr>
+          <a:xfrm>
+            <a:off x="228600" y="76200"/>
+            <a:ext cx="8610600" cy="1200329"/>
+          </a:xfrm>
+          <a:prstGeom prst="rect">
+            <a:avLst/>
+          </a:prstGeom>
+          <a:noFill/>
+        </p:spPr>
+        <p:txBody>
+          <a:bodyPr wrap="square" rtlCol="0">
+            <a:spAutoFit/>
+          </a:bodyPr>
+          <a:lstStyle/>
+          <a:p>
+            <a:r>
+              <a:rPr lang="en-US" sz="3600" b="1" dirty="0"/>
+              <a:t>Which would the large majority of </a:t>
+            </a:r>
+            <a:r>
+              <a:rPr lang="en-US" sz="3600" b="1" u="sng" dirty="0"/>
+              <a:t>non-believing</a:t>
+            </a:r>
+            <a:r>
+              <a:rPr lang="en-US" sz="3600" b="1" dirty="0"/>
+              <a:t> New Testament scholars agree to?</a:t>
+            </a:r>
+          </a:p>
+        </p:txBody>
+      </p:sp>
+      <p:cxnSp>
+        <p:nvCxnSpPr>
+          <p:cNvPr id="8" name="Straight Connector 7">
+            <a:extLst>
+              <a:ext uri="{FF2B5EF4-FFF2-40B4-BE49-F238E27FC236}">
+                <a16:creationId xmlns:a16="http://schemas.microsoft.com/office/drawing/2014/main" id="{B1CE1C68-C736-2F42-AD3D-29FCB9A69CAD}"/>
+              </a:ext>
+            </a:extLst>
+          </p:cNvPr>
+          <p:cNvCxnSpPr>
+            <a:cxnSpLocks/>
+          </p:cNvCxnSpPr>
+          <p:nvPr/>
+        </p:nvCxnSpPr>
+        <p:spPr>
+          <a:xfrm>
+            <a:off x="304800" y="1295400"/>
+            <a:ext cx="8534400" cy="0"/>
+          </a:xfrm>
+          <a:prstGeom prst="line">
+            <a:avLst/>
+          </a:prstGeom>
+          <a:ln w="76200">
+            <a:solidFill>
+              <a:srgbClr val="009EC0"/>
+            </a:solidFill>
+          </a:ln>
+        </p:spPr>
+        <p:style>
+          <a:lnRef idx="1">
+            <a:schemeClr val="dk1"/>
+          </a:lnRef>
+          <a:fillRef idx="0">
+            <a:schemeClr val="dk1"/>
+          </a:fillRef>
+          <a:effectRef idx="0">
+            <a:schemeClr val="dk1"/>
+          </a:effectRef>
+          <a:fontRef idx="minor">
+            <a:schemeClr val="tx1"/>
+          </a:fontRef>
+        </p:style>
+      </p:cxnSp>
+      <p:grpSp>
+        <p:nvGrpSpPr>
+          <p:cNvPr id="22" name="Group 21">
+            <a:extLst>
+              <a:ext uri="{FF2B5EF4-FFF2-40B4-BE49-F238E27FC236}">
+                <a16:creationId xmlns:a16="http://schemas.microsoft.com/office/drawing/2014/main" id="{D2E2DE70-AF12-954B-855E-27BF4DE41409}"/>
+              </a:ext>
+            </a:extLst>
+          </p:cNvPr>
+          <p:cNvGrpSpPr/>
+          <p:nvPr/>
+        </p:nvGrpSpPr>
+        <p:grpSpPr>
+          <a:xfrm>
+            <a:off x="529046" y="2502694"/>
+            <a:ext cx="8538754" cy="703657"/>
+            <a:chOff x="533400" y="2895600"/>
+            <a:chExt cx="8538754" cy="685800"/>
+          </a:xfrm>
+        </p:grpSpPr>
+        <p:sp>
+          <p:nvSpPr>
+            <p:cNvPr id="23" name="Oval 22">
+              <a:extLst>
+                <a:ext uri="{FF2B5EF4-FFF2-40B4-BE49-F238E27FC236}">
+                  <a16:creationId xmlns:a16="http://schemas.microsoft.com/office/drawing/2014/main" id="{3AB1A5AA-0443-7749-9DE9-179A4A08BF2E}"/>
+                </a:ext>
+              </a:extLst>
+            </p:cNvPr>
+            <p:cNvSpPr/>
+            <p:nvPr/>
+          </p:nvSpPr>
+          <p:spPr>
+            <a:xfrm>
+              <a:off x="533400" y="2895600"/>
+              <a:ext cx="685800" cy="685800"/>
+            </a:xfrm>
+            <a:prstGeom prst="ellipse">
+              <a:avLst/>
+            </a:prstGeom>
+            <a:solidFill>
+              <a:srgbClr val="009EC0"/>
+            </a:solidFill>
+            <a:ln>
+              <a:noFill/>
+            </a:ln>
+          </p:spPr>
+          <p:style>
+            <a:lnRef idx="2">
+              <a:schemeClr val="accent1">
+                <a:shade val="50000"/>
+              </a:schemeClr>
+            </a:lnRef>
+            <a:fillRef idx="1">
+              <a:schemeClr val="accent1"/>
+            </a:fillRef>
+            <a:effectRef idx="0">
+              <a:schemeClr val="accent1"/>
+            </a:effectRef>
+            <a:fontRef idx="minor">
+              <a:schemeClr val="lt1"/>
+            </a:fontRef>
+          </p:style>
+          <p:txBody>
+            <a:bodyPr rtlCol="0" anchor="ctr"/>
+            <a:lstStyle/>
+            <a:p>
+              <a:pPr algn="ctr"/>
+              <a:r>
+                <a:rPr lang="en-US" sz="2800" dirty="0">
+                  <a:solidFill>
+                    <a:schemeClr val="tx1"/>
+                  </a:solidFill>
+                </a:rPr>
+                <a:t>2</a:t>
+              </a:r>
+            </a:p>
+          </p:txBody>
+        </p:sp>
+        <p:sp>
+          <p:nvSpPr>
+            <p:cNvPr id="24" name="Rectangle 23">
+              <a:extLst>
+                <a:ext uri="{FF2B5EF4-FFF2-40B4-BE49-F238E27FC236}">
+                  <a16:creationId xmlns:a16="http://schemas.microsoft.com/office/drawing/2014/main" id="{FCE30BB9-A79B-4746-AAD3-895ADD362565}"/>
+                </a:ext>
+              </a:extLst>
+            </p:cNvPr>
+            <p:cNvSpPr/>
+            <p:nvPr/>
+          </p:nvSpPr>
+          <p:spPr>
+            <a:xfrm>
+              <a:off x="1447800" y="2895600"/>
+              <a:ext cx="7624354" cy="685800"/>
+            </a:xfrm>
+            <a:prstGeom prst="rect">
+              <a:avLst/>
+            </a:prstGeom>
+            <a:noFill/>
+            <a:ln>
+              <a:noFill/>
+            </a:ln>
+          </p:spPr>
+          <p:style>
+            <a:lnRef idx="2">
+              <a:schemeClr val="accent1">
+                <a:shade val="50000"/>
+              </a:schemeClr>
+            </a:lnRef>
+            <a:fillRef idx="1">
+              <a:schemeClr val="accent1"/>
+            </a:fillRef>
+            <a:effectRef idx="0">
+              <a:schemeClr val="accent1"/>
+            </a:effectRef>
+            <a:fontRef idx="minor">
+              <a:schemeClr val="lt1"/>
+            </a:fontRef>
+          </p:style>
+          <p:txBody>
+            <a:bodyPr rtlCol="0" anchor="ctr"/>
+            <a:lstStyle/>
+            <a:p>
+              <a:r>
+                <a:rPr lang="en-US" sz="2000" dirty="0">
+                  <a:solidFill>
+                    <a:schemeClr val="tx1"/>
+                  </a:solidFill>
+                </a:rPr>
+                <a:t>Jesus’ disciples </a:t>
+              </a:r>
+              <a:r>
+                <a:rPr lang="en-US" sz="2000" b="1" dirty="0">
+                  <a:solidFill>
+                    <a:schemeClr val="tx1"/>
+                  </a:solidFill>
+                  <a:highlight>
+                    <a:srgbClr val="C00002"/>
+                  </a:highlight>
+                </a:rPr>
+                <a:t>had real experiences</a:t>
+              </a:r>
+              <a:r>
+                <a:rPr lang="en-US" sz="2000" dirty="0">
+                  <a:solidFill>
+                    <a:schemeClr val="tx1"/>
+                  </a:solidFill>
+                </a:rPr>
+                <a:t> of the resurrected Jesus</a:t>
+              </a:r>
+              <a:endParaRPr lang="en-US" sz="2000" b="1" dirty="0">
+                <a:solidFill>
+                  <a:schemeClr val="tx1"/>
+                </a:solidFill>
+                <a:highlight>
+                  <a:srgbClr val="C00002"/>
+                </a:highlight>
+              </a:endParaRPr>
+            </a:p>
+          </p:txBody>
+        </p:sp>
+      </p:grpSp>
+      <p:grpSp>
+        <p:nvGrpSpPr>
+          <p:cNvPr id="25" name="Group 24">
+            <a:extLst>
+              <a:ext uri="{FF2B5EF4-FFF2-40B4-BE49-F238E27FC236}">
+                <a16:creationId xmlns:a16="http://schemas.microsoft.com/office/drawing/2014/main" id="{CC2926A0-FAF0-CD4F-B6CD-9173E7A2D958}"/>
+              </a:ext>
+            </a:extLst>
+          </p:cNvPr>
+          <p:cNvGrpSpPr/>
+          <p:nvPr/>
+        </p:nvGrpSpPr>
+        <p:grpSpPr>
+          <a:xfrm>
+            <a:off x="533400" y="1664493"/>
+            <a:ext cx="8001000" cy="703656"/>
+            <a:chOff x="533400" y="1833265"/>
+            <a:chExt cx="8001000" cy="685800"/>
+          </a:xfrm>
+        </p:grpSpPr>
+        <p:sp>
+          <p:nvSpPr>
+            <p:cNvPr id="26" name="Oval 25">
+              <a:extLst>
+                <a:ext uri="{FF2B5EF4-FFF2-40B4-BE49-F238E27FC236}">
+                  <a16:creationId xmlns:a16="http://schemas.microsoft.com/office/drawing/2014/main" id="{C20EC051-D08B-C845-AF76-7E549868F797}"/>
+                </a:ext>
+              </a:extLst>
+            </p:cNvPr>
+            <p:cNvSpPr/>
+            <p:nvPr/>
+          </p:nvSpPr>
+          <p:spPr>
+            <a:xfrm>
+              <a:off x="533400" y="1833265"/>
+              <a:ext cx="685800" cy="685800"/>
+            </a:xfrm>
+            <a:prstGeom prst="ellipse">
+              <a:avLst/>
+            </a:prstGeom>
+            <a:solidFill>
+              <a:srgbClr val="009EC0"/>
+            </a:solidFill>
+            <a:ln>
+              <a:noFill/>
+            </a:ln>
+          </p:spPr>
+          <p:style>
+            <a:lnRef idx="2">
+              <a:schemeClr val="accent1">
+                <a:shade val="50000"/>
+              </a:schemeClr>
+            </a:lnRef>
+            <a:fillRef idx="1">
+              <a:schemeClr val="accent1"/>
+            </a:fillRef>
+            <a:effectRef idx="0">
+              <a:schemeClr val="accent1"/>
+            </a:effectRef>
+            <a:fontRef idx="minor">
+              <a:schemeClr val="lt1"/>
+            </a:fontRef>
+          </p:style>
+          <p:txBody>
+            <a:bodyPr rtlCol="0" anchor="ctr"/>
+            <a:lstStyle/>
+            <a:p>
+              <a:pPr algn="ctr"/>
+              <a:r>
+                <a:rPr lang="en-US" sz="2800" dirty="0">
+                  <a:solidFill>
+                    <a:schemeClr val="tx1"/>
+                  </a:solidFill>
+                </a:rPr>
+                <a:t>1</a:t>
+              </a:r>
+            </a:p>
+          </p:txBody>
+        </p:sp>
+        <p:sp>
+          <p:nvSpPr>
+            <p:cNvPr id="27" name="Rectangle 26">
+              <a:extLst>
+                <a:ext uri="{FF2B5EF4-FFF2-40B4-BE49-F238E27FC236}">
+                  <a16:creationId xmlns:a16="http://schemas.microsoft.com/office/drawing/2014/main" id="{68043716-9933-104D-ACE8-69755F997160}"/>
+                </a:ext>
+              </a:extLst>
+            </p:cNvPr>
+            <p:cNvSpPr/>
+            <p:nvPr/>
+          </p:nvSpPr>
+          <p:spPr>
+            <a:xfrm>
+              <a:off x="1447800" y="1833265"/>
+              <a:ext cx="7086600" cy="685800"/>
+            </a:xfrm>
+            <a:prstGeom prst="rect">
+              <a:avLst/>
+            </a:prstGeom>
+            <a:noFill/>
+            <a:ln>
+              <a:noFill/>
+            </a:ln>
+          </p:spPr>
+          <p:style>
+            <a:lnRef idx="2">
+              <a:schemeClr val="accent1">
+                <a:shade val="50000"/>
+              </a:schemeClr>
+            </a:lnRef>
+            <a:fillRef idx="1">
+              <a:schemeClr val="accent1"/>
+            </a:fillRef>
+            <a:effectRef idx="0">
+              <a:schemeClr val="accent1"/>
+            </a:effectRef>
+            <a:fontRef idx="minor">
+              <a:schemeClr val="lt1"/>
+            </a:fontRef>
+          </p:style>
+          <p:txBody>
+            <a:bodyPr rtlCol="0" anchor="ctr"/>
+            <a:lstStyle/>
+            <a:p>
+              <a:r>
+                <a:rPr lang="en-US" sz="2400" dirty="0">
+                  <a:solidFill>
+                    <a:schemeClr val="tx1"/>
+                  </a:solidFill>
+                </a:rPr>
+                <a:t>Jesus was </a:t>
+              </a:r>
+              <a:r>
+                <a:rPr lang="en-US" sz="2400" b="1" dirty="0">
+                  <a:solidFill>
+                    <a:schemeClr val="tx1"/>
+                  </a:solidFill>
+                  <a:highlight>
+                    <a:srgbClr val="C00002"/>
+                  </a:highlight>
+                </a:rPr>
+                <a:t>crucified</a:t>
+              </a:r>
+            </a:p>
+          </p:txBody>
+        </p:sp>
+      </p:grpSp>
+      <p:grpSp>
+        <p:nvGrpSpPr>
+          <p:cNvPr id="28" name="Group 27">
+            <a:extLst>
+              <a:ext uri="{FF2B5EF4-FFF2-40B4-BE49-F238E27FC236}">
+                <a16:creationId xmlns:a16="http://schemas.microsoft.com/office/drawing/2014/main" id="{18998BED-21EC-7040-A0AE-8A09A57DB595}"/>
+              </a:ext>
+            </a:extLst>
+          </p:cNvPr>
+          <p:cNvGrpSpPr/>
+          <p:nvPr/>
+        </p:nvGrpSpPr>
+        <p:grpSpPr>
+          <a:xfrm>
+            <a:off x="533400" y="4179096"/>
+            <a:ext cx="8610600" cy="703658"/>
+            <a:chOff x="533400" y="2895599"/>
+            <a:chExt cx="8449654" cy="685801"/>
+          </a:xfrm>
+        </p:grpSpPr>
+        <p:sp>
+          <p:nvSpPr>
+            <p:cNvPr id="29" name="Oval 28">
+              <a:extLst>
+                <a:ext uri="{FF2B5EF4-FFF2-40B4-BE49-F238E27FC236}">
+                  <a16:creationId xmlns:a16="http://schemas.microsoft.com/office/drawing/2014/main" id="{5AD1792B-4214-C049-996A-57AD67FFC64C}"/>
+                </a:ext>
+              </a:extLst>
+            </p:cNvPr>
+            <p:cNvSpPr/>
+            <p:nvPr/>
+          </p:nvSpPr>
+          <p:spPr>
+            <a:xfrm>
+              <a:off x="533400" y="2895600"/>
+              <a:ext cx="685800" cy="685800"/>
+            </a:xfrm>
+            <a:prstGeom prst="ellipse">
+              <a:avLst/>
+            </a:prstGeom>
+            <a:solidFill>
+              <a:srgbClr val="009EC0"/>
+            </a:solidFill>
+            <a:ln>
+              <a:noFill/>
+            </a:ln>
+          </p:spPr>
+          <p:style>
+            <a:lnRef idx="2">
+              <a:schemeClr val="accent1">
+                <a:shade val="50000"/>
+              </a:schemeClr>
+            </a:lnRef>
+            <a:fillRef idx="1">
+              <a:schemeClr val="accent1"/>
+            </a:fillRef>
+            <a:effectRef idx="0">
+              <a:schemeClr val="accent1"/>
+            </a:effectRef>
+            <a:fontRef idx="minor">
+              <a:schemeClr val="lt1"/>
+            </a:fontRef>
+          </p:style>
+          <p:txBody>
+            <a:bodyPr rtlCol="0" anchor="ctr"/>
+            <a:lstStyle/>
+            <a:p>
+              <a:pPr algn="ctr"/>
+              <a:r>
+                <a:rPr lang="en-US" sz="2800" dirty="0">
+                  <a:solidFill>
+                    <a:schemeClr val="tx1"/>
+                  </a:solidFill>
+                </a:rPr>
+                <a:t>4</a:t>
+              </a:r>
+            </a:p>
+          </p:txBody>
+        </p:sp>
+        <p:sp>
+          <p:nvSpPr>
+            <p:cNvPr id="30" name="Rectangle 29">
+              <a:extLst>
+                <a:ext uri="{FF2B5EF4-FFF2-40B4-BE49-F238E27FC236}">
+                  <a16:creationId xmlns:a16="http://schemas.microsoft.com/office/drawing/2014/main" id="{DAEF2686-AA6A-C54E-8EB0-CDA943D29391}"/>
+                </a:ext>
+              </a:extLst>
+            </p:cNvPr>
+            <p:cNvSpPr/>
+            <p:nvPr/>
+          </p:nvSpPr>
+          <p:spPr>
+            <a:xfrm>
+              <a:off x="1447800" y="2895599"/>
+              <a:ext cx="7535254" cy="685800"/>
+            </a:xfrm>
+            <a:prstGeom prst="rect">
+              <a:avLst/>
+            </a:prstGeom>
+            <a:noFill/>
+            <a:ln>
+              <a:noFill/>
+            </a:ln>
+          </p:spPr>
+          <p:style>
+            <a:lnRef idx="2">
+              <a:schemeClr val="accent1">
+                <a:shade val="50000"/>
+              </a:schemeClr>
+            </a:lnRef>
+            <a:fillRef idx="1">
+              <a:schemeClr val="accent1"/>
+            </a:fillRef>
+            <a:effectRef idx="0">
+              <a:schemeClr val="accent1"/>
+            </a:effectRef>
+            <a:fontRef idx="minor">
+              <a:schemeClr val="lt1"/>
+            </a:fontRef>
+          </p:style>
+          <p:txBody>
+            <a:bodyPr rtlCol="0" anchor="ctr"/>
+            <a:lstStyle/>
+            <a:p>
+              <a:r>
+                <a:rPr lang="en-US" sz="2000" b="1" dirty="0">
+                  <a:solidFill>
+                    <a:schemeClr val="tx1"/>
+                  </a:solidFill>
+                  <a:highlight>
+                    <a:srgbClr val="C00002"/>
+                  </a:highlight>
+                </a:rPr>
+                <a:t>James (Jesus’ brother) had a real experience</a:t>
+              </a:r>
+              <a:r>
+                <a:rPr lang="en-US" sz="2000" dirty="0">
+                  <a:solidFill>
+                    <a:schemeClr val="tx1"/>
+                  </a:solidFill>
+                </a:rPr>
+                <a:t> that he thought he had an appearance of Jesus</a:t>
+              </a:r>
+            </a:p>
+          </p:txBody>
+        </p:sp>
+      </p:grpSp>
+      <p:grpSp>
+        <p:nvGrpSpPr>
+          <p:cNvPr id="46" name="Group 45">
+            <a:extLst>
+              <a:ext uri="{FF2B5EF4-FFF2-40B4-BE49-F238E27FC236}">
+                <a16:creationId xmlns:a16="http://schemas.microsoft.com/office/drawing/2014/main" id="{708236E7-94F2-1F48-93A8-7DC02AFC4D7B}"/>
+              </a:ext>
+            </a:extLst>
+          </p:cNvPr>
+          <p:cNvGrpSpPr/>
+          <p:nvPr/>
+        </p:nvGrpSpPr>
+        <p:grpSpPr>
+          <a:xfrm>
+            <a:off x="533400" y="5011342"/>
+            <a:ext cx="8001000" cy="703658"/>
+            <a:chOff x="533400" y="2895599"/>
+            <a:chExt cx="8001000" cy="685801"/>
+          </a:xfrm>
+        </p:grpSpPr>
+        <p:sp>
+          <p:nvSpPr>
+            <p:cNvPr id="47" name="Oval 46">
+              <a:extLst>
+                <a:ext uri="{FF2B5EF4-FFF2-40B4-BE49-F238E27FC236}">
+                  <a16:creationId xmlns:a16="http://schemas.microsoft.com/office/drawing/2014/main" id="{487AECDD-0E0F-3443-87AF-A04EBB16ECD4}"/>
+                </a:ext>
+              </a:extLst>
+            </p:cNvPr>
+            <p:cNvSpPr/>
+            <p:nvPr/>
+          </p:nvSpPr>
+          <p:spPr>
+            <a:xfrm>
+              <a:off x="533400" y="2895600"/>
+              <a:ext cx="685800" cy="685800"/>
+            </a:xfrm>
+            <a:prstGeom prst="ellipse">
+              <a:avLst/>
+            </a:prstGeom>
+            <a:solidFill>
+              <a:srgbClr val="009EC0"/>
+            </a:solidFill>
+            <a:ln>
+              <a:noFill/>
+            </a:ln>
+          </p:spPr>
+          <p:style>
+            <a:lnRef idx="2">
+              <a:schemeClr val="accent1">
+                <a:shade val="50000"/>
+              </a:schemeClr>
+            </a:lnRef>
+            <a:fillRef idx="1">
+              <a:schemeClr val="accent1"/>
+            </a:fillRef>
+            <a:effectRef idx="0">
+              <a:schemeClr val="accent1"/>
+            </a:effectRef>
+            <a:fontRef idx="minor">
+              <a:schemeClr val="lt1"/>
+            </a:fontRef>
+          </p:style>
+          <p:txBody>
+            <a:bodyPr rtlCol="0" anchor="ctr"/>
+            <a:lstStyle/>
+            <a:p>
+              <a:pPr algn="ctr"/>
+              <a:r>
+                <a:rPr lang="en-US" sz="2800" dirty="0">
+                  <a:solidFill>
+                    <a:schemeClr val="tx1"/>
+                  </a:solidFill>
+                </a:rPr>
+                <a:t>5</a:t>
+              </a:r>
+            </a:p>
+          </p:txBody>
+        </p:sp>
+        <p:sp>
+          <p:nvSpPr>
+            <p:cNvPr id="48" name="Rectangle 47">
+              <a:extLst>
+                <a:ext uri="{FF2B5EF4-FFF2-40B4-BE49-F238E27FC236}">
+                  <a16:creationId xmlns:a16="http://schemas.microsoft.com/office/drawing/2014/main" id="{1E5B9498-CF2D-254B-BE03-DC67011E70E7}"/>
+                </a:ext>
+              </a:extLst>
+            </p:cNvPr>
+            <p:cNvSpPr/>
+            <p:nvPr/>
+          </p:nvSpPr>
+          <p:spPr>
+            <a:xfrm>
+              <a:off x="1447800" y="2895599"/>
+              <a:ext cx="7086600" cy="685800"/>
+            </a:xfrm>
+            <a:prstGeom prst="rect">
+              <a:avLst/>
+            </a:prstGeom>
+            <a:noFill/>
+            <a:ln>
+              <a:noFill/>
+            </a:ln>
+          </p:spPr>
+          <p:style>
+            <a:lnRef idx="2">
+              <a:schemeClr val="accent1">
+                <a:shade val="50000"/>
+              </a:schemeClr>
+            </a:lnRef>
+            <a:fillRef idx="1">
+              <a:schemeClr val="accent1"/>
+            </a:fillRef>
+            <a:effectRef idx="0">
+              <a:schemeClr val="accent1"/>
+            </a:effectRef>
+            <a:fontRef idx="minor">
+              <a:schemeClr val="lt1"/>
+            </a:fontRef>
+          </p:style>
+          <p:txBody>
+            <a:bodyPr rtlCol="0" anchor="ctr"/>
+            <a:lstStyle/>
+            <a:p>
+              <a:r>
+                <a:rPr lang="en-US" sz="2000" b="1" dirty="0">
+                  <a:solidFill>
+                    <a:schemeClr val="tx1"/>
+                  </a:solidFill>
+                  <a:highlight>
+                    <a:srgbClr val="C00002"/>
+                  </a:highlight>
+                </a:rPr>
+                <a:t>Paul also had a similar appearance</a:t>
+              </a:r>
+              <a:r>
+                <a:rPr lang="en-US" sz="2000" dirty="0">
+                  <a:solidFill>
+                    <a:schemeClr val="tx1"/>
+                  </a:solidFill>
+                </a:rPr>
+                <a:t> of Jesus and converted</a:t>
+              </a:r>
+            </a:p>
+          </p:txBody>
+        </p:sp>
+      </p:grpSp>
+      <p:grpSp>
+        <p:nvGrpSpPr>
+          <p:cNvPr id="49" name="Group 48">
+            <a:extLst>
+              <a:ext uri="{FF2B5EF4-FFF2-40B4-BE49-F238E27FC236}">
+                <a16:creationId xmlns:a16="http://schemas.microsoft.com/office/drawing/2014/main" id="{3FAD8611-8F06-7545-9351-5DD2B2F0696F}"/>
+              </a:ext>
+            </a:extLst>
+          </p:cNvPr>
+          <p:cNvGrpSpPr/>
+          <p:nvPr/>
+        </p:nvGrpSpPr>
+        <p:grpSpPr>
+          <a:xfrm>
+            <a:off x="529046" y="5849542"/>
+            <a:ext cx="8001000" cy="703658"/>
+            <a:chOff x="533400" y="2895599"/>
+            <a:chExt cx="8001000" cy="685801"/>
+          </a:xfrm>
+        </p:grpSpPr>
+        <p:sp>
+          <p:nvSpPr>
+            <p:cNvPr id="50" name="Oval 49">
+              <a:extLst>
+                <a:ext uri="{FF2B5EF4-FFF2-40B4-BE49-F238E27FC236}">
+                  <a16:creationId xmlns:a16="http://schemas.microsoft.com/office/drawing/2014/main" id="{C678BBE6-FDA4-354A-AD3E-C81C519BEA8A}"/>
+                </a:ext>
+              </a:extLst>
+            </p:cNvPr>
+            <p:cNvSpPr/>
+            <p:nvPr/>
+          </p:nvSpPr>
+          <p:spPr>
+            <a:xfrm>
+              <a:off x="533400" y="2895600"/>
+              <a:ext cx="685800" cy="685800"/>
+            </a:xfrm>
+            <a:prstGeom prst="ellipse">
+              <a:avLst/>
+            </a:prstGeom>
+            <a:solidFill>
+              <a:srgbClr val="009EC0"/>
+            </a:solidFill>
+            <a:ln>
+              <a:noFill/>
+            </a:ln>
+          </p:spPr>
+          <p:style>
+            <a:lnRef idx="2">
+              <a:schemeClr val="accent1">
+                <a:shade val="50000"/>
+              </a:schemeClr>
+            </a:lnRef>
+            <a:fillRef idx="1">
+              <a:schemeClr val="accent1"/>
+            </a:fillRef>
+            <a:effectRef idx="0">
+              <a:schemeClr val="accent1"/>
+            </a:effectRef>
+            <a:fontRef idx="minor">
+              <a:schemeClr val="lt1"/>
+            </a:fontRef>
+          </p:style>
+          <p:txBody>
+            <a:bodyPr rtlCol="0" anchor="ctr"/>
+            <a:lstStyle/>
+            <a:p>
+              <a:pPr algn="ctr"/>
+              <a:r>
+                <a:rPr lang="en-US" sz="2800" dirty="0">
+                  <a:solidFill>
+                    <a:schemeClr val="tx1"/>
+                  </a:solidFill>
+                </a:rPr>
+                <a:t>6</a:t>
+              </a:r>
+            </a:p>
+          </p:txBody>
+        </p:sp>
+        <p:sp>
+          <p:nvSpPr>
+            <p:cNvPr id="51" name="Rectangle 50">
+              <a:extLst>
+                <a:ext uri="{FF2B5EF4-FFF2-40B4-BE49-F238E27FC236}">
+                  <a16:creationId xmlns:a16="http://schemas.microsoft.com/office/drawing/2014/main" id="{DC4E1C39-74BF-3A4C-9C99-209D4B75AA74}"/>
+                </a:ext>
+              </a:extLst>
+            </p:cNvPr>
+            <p:cNvSpPr/>
+            <p:nvPr/>
+          </p:nvSpPr>
+          <p:spPr>
+            <a:xfrm>
+              <a:off x="1447800" y="2895599"/>
+              <a:ext cx="7086600" cy="685800"/>
+            </a:xfrm>
+            <a:prstGeom prst="rect">
+              <a:avLst/>
+            </a:prstGeom>
+            <a:noFill/>
+            <a:ln>
+              <a:noFill/>
+            </a:ln>
+          </p:spPr>
+          <p:style>
+            <a:lnRef idx="2">
+              <a:schemeClr val="accent1">
+                <a:shade val="50000"/>
+              </a:schemeClr>
+            </a:lnRef>
+            <a:fillRef idx="1">
+              <a:schemeClr val="accent1"/>
+            </a:fillRef>
+            <a:effectRef idx="0">
+              <a:schemeClr val="accent1"/>
+            </a:effectRef>
+            <a:fontRef idx="minor">
+              <a:schemeClr val="lt1"/>
+            </a:fontRef>
+          </p:style>
+          <p:txBody>
+            <a:bodyPr rtlCol="0" anchor="ctr"/>
+            <a:lstStyle/>
+            <a:p>
+              <a:r>
+                <a:rPr lang="en-US" sz="2000" dirty="0">
+                  <a:solidFill>
+                    <a:schemeClr val="tx1"/>
+                  </a:solidFill>
+                </a:rPr>
+                <a:t>The Gospel was proclaimed </a:t>
+              </a:r>
+              <a:r>
+                <a:rPr lang="en-US" sz="2000" b="1" dirty="0">
+                  <a:solidFill>
+                    <a:schemeClr val="tx1"/>
+                  </a:solidFill>
+                  <a:highlight>
+                    <a:srgbClr val="C00002"/>
+                  </a:highlight>
+                </a:rPr>
+                <a:t>within 1-2 years</a:t>
+              </a:r>
+              <a:r>
+                <a:rPr lang="en-US" sz="2000" b="1" dirty="0">
+                  <a:solidFill>
+                    <a:schemeClr val="tx1"/>
+                  </a:solidFill>
+                </a:rPr>
+                <a:t> </a:t>
+              </a:r>
+              <a:r>
+                <a:rPr lang="en-US" sz="2000" dirty="0">
+                  <a:solidFill>
+                    <a:schemeClr val="tx1"/>
+                  </a:solidFill>
+                </a:rPr>
+                <a:t>from the crucifixion</a:t>
+              </a:r>
+            </a:p>
+          </p:txBody>
+        </p:sp>
+      </p:grpSp>
+      <p:grpSp>
+        <p:nvGrpSpPr>
+          <p:cNvPr id="52" name="Group 51">
+            <a:extLst>
+              <a:ext uri="{FF2B5EF4-FFF2-40B4-BE49-F238E27FC236}">
+                <a16:creationId xmlns:a16="http://schemas.microsoft.com/office/drawing/2014/main" id="{6D72E44D-982B-4048-A6E9-E659E2802FEA}"/>
+              </a:ext>
+            </a:extLst>
+          </p:cNvPr>
+          <p:cNvGrpSpPr/>
+          <p:nvPr/>
+        </p:nvGrpSpPr>
+        <p:grpSpPr>
+          <a:xfrm>
+            <a:off x="529046" y="3346844"/>
+            <a:ext cx="8538754" cy="685801"/>
+            <a:chOff x="533400" y="2895599"/>
+            <a:chExt cx="8538754" cy="685801"/>
+          </a:xfrm>
+        </p:grpSpPr>
+        <p:sp>
+          <p:nvSpPr>
+            <p:cNvPr id="53" name="Oval 52">
+              <a:extLst>
+                <a:ext uri="{FF2B5EF4-FFF2-40B4-BE49-F238E27FC236}">
+                  <a16:creationId xmlns:a16="http://schemas.microsoft.com/office/drawing/2014/main" id="{95FDA63A-2FE9-D840-9835-AFA7E42BBF81}"/>
+                </a:ext>
+              </a:extLst>
+            </p:cNvPr>
+            <p:cNvSpPr/>
+            <p:nvPr/>
+          </p:nvSpPr>
+          <p:spPr>
+            <a:xfrm>
+              <a:off x="533400" y="2895600"/>
+              <a:ext cx="685800" cy="685800"/>
+            </a:xfrm>
+            <a:prstGeom prst="ellipse">
+              <a:avLst/>
+            </a:prstGeom>
+            <a:solidFill>
+              <a:srgbClr val="009EC0"/>
+            </a:solidFill>
+            <a:ln>
+              <a:noFill/>
+            </a:ln>
+          </p:spPr>
+          <p:style>
+            <a:lnRef idx="2">
+              <a:schemeClr val="accent1">
+                <a:shade val="50000"/>
+              </a:schemeClr>
+            </a:lnRef>
+            <a:fillRef idx="1">
+              <a:schemeClr val="accent1"/>
+            </a:fillRef>
+            <a:effectRef idx="0">
+              <a:schemeClr val="accent1"/>
+            </a:effectRef>
+            <a:fontRef idx="minor">
+              <a:schemeClr val="lt1"/>
+            </a:fontRef>
+          </p:style>
+          <p:txBody>
+            <a:bodyPr rtlCol="0" anchor="ctr"/>
+            <a:lstStyle/>
+            <a:p>
+              <a:pPr algn="ctr"/>
+              <a:r>
+                <a:rPr lang="en-US" sz="2800" dirty="0">
+                  <a:solidFill>
+                    <a:schemeClr val="tx1"/>
+                  </a:solidFill>
+                </a:rPr>
+                <a:t>3</a:t>
+              </a:r>
+            </a:p>
+          </p:txBody>
+        </p:sp>
+        <p:sp>
+          <p:nvSpPr>
+            <p:cNvPr id="54" name="Rectangle 53">
+              <a:extLst>
+                <a:ext uri="{FF2B5EF4-FFF2-40B4-BE49-F238E27FC236}">
+                  <a16:creationId xmlns:a16="http://schemas.microsoft.com/office/drawing/2014/main" id="{BA52F574-3EC9-6149-AB3F-98EF154913A4}"/>
+                </a:ext>
+              </a:extLst>
+            </p:cNvPr>
+            <p:cNvSpPr/>
+            <p:nvPr/>
+          </p:nvSpPr>
+          <p:spPr>
+            <a:xfrm>
+              <a:off x="1447800" y="2895599"/>
+              <a:ext cx="7624354" cy="685800"/>
+            </a:xfrm>
+            <a:prstGeom prst="rect">
+              <a:avLst/>
+            </a:prstGeom>
+            <a:noFill/>
+            <a:ln>
+              <a:noFill/>
+            </a:ln>
+          </p:spPr>
+          <p:style>
+            <a:lnRef idx="2">
+              <a:schemeClr val="accent1">
+                <a:shade val="50000"/>
+              </a:schemeClr>
+            </a:lnRef>
+            <a:fillRef idx="1">
+              <a:schemeClr val="accent1"/>
+            </a:fillRef>
+            <a:effectRef idx="0">
+              <a:schemeClr val="accent1"/>
+            </a:effectRef>
+            <a:fontRef idx="minor">
+              <a:schemeClr val="lt1"/>
+            </a:fontRef>
+          </p:style>
+          <p:txBody>
+            <a:bodyPr rtlCol="0" anchor="ctr"/>
+            <a:lstStyle/>
+            <a:p>
+              <a:r>
+                <a:rPr lang="en-US" sz="2000" dirty="0">
+                  <a:solidFill>
+                    <a:schemeClr val="tx1"/>
+                  </a:solidFill>
+                </a:rPr>
+                <a:t>The disciples were transformed &amp; were </a:t>
+              </a:r>
+              <a:r>
+                <a:rPr lang="en-US" sz="2000" b="1" dirty="0">
+                  <a:solidFill>
+                    <a:schemeClr val="tx1"/>
+                  </a:solidFill>
+                  <a:highlight>
+                    <a:srgbClr val="C00002"/>
+                  </a:highlight>
+                </a:rPr>
+                <a:t>willing to die</a:t>
+              </a:r>
+              <a:r>
+                <a:rPr lang="en-US" sz="2000" dirty="0">
+                  <a:solidFill>
+                    <a:schemeClr val="tx1"/>
+                  </a:solidFill>
+                </a:rPr>
+                <a:t> for their message</a:t>
+              </a:r>
+            </a:p>
+          </p:txBody>
+        </p:sp>
+      </p:grpSp>
+      <p:grpSp>
+        <p:nvGrpSpPr>
+          <p:cNvPr id="4" name="Group 3">
+            <a:extLst>
+              <a:ext uri="{FF2B5EF4-FFF2-40B4-BE49-F238E27FC236}">
+                <a16:creationId xmlns:a16="http://schemas.microsoft.com/office/drawing/2014/main" id="{CDEBECE2-E866-6244-90CB-CE6871D3A580}"/>
+              </a:ext>
+            </a:extLst>
+          </p:cNvPr>
+          <p:cNvGrpSpPr/>
+          <p:nvPr/>
+        </p:nvGrpSpPr>
+        <p:grpSpPr>
+          <a:xfrm>
+            <a:off x="73461" y="1762780"/>
+            <a:ext cx="464856" cy="4742880"/>
+            <a:chOff x="73461" y="1762780"/>
+            <a:chExt cx="464856" cy="4742880"/>
+          </a:xfrm>
+        </p:grpSpPr>
+        <p:sp>
+          <p:nvSpPr>
+            <p:cNvPr id="3" name="TextBox 2">
+              <a:extLst>
+                <a:ext uri="{FF2B5EF4-FFF2-40B4-BE49-F238E27FC236}">
+                  <a16:creationId xmlns:a16="http://schemas.microsoft.com/office/drawing/2014/main" id="{B3ADD89B-C891-A644-B29E-D2D1BED039E0}"/>
+                </a:ext>
+              </a:extLst>
+            </p:cNvPr>
+            <p:cNvSpPr txBox="1"/>
+            <p:nvPr/>
+          </p:nvSpPr>
+          <p:spPr>
+            <a:xfrm>
+              <a:off x="79430" y="1762780"/>
+              <a:ext cx="453970" cy="523220"/>
+            </a:xfrm>
+            <a:prstGeom prst="rect">
+              <a:avLst/>
+            </a:prstGeom>
+            <a:noFill/>
+          </p:spPr>
+          <p:txBody>
+            <a:bodyPr wrap="none" rtlCol="0">
+              <a:spAutoFit/>
+            </a:bodyPr>
+            <a:lstStyle/>
+            <a:p>
+              <a:r>
+                <a:rPr lang="en-US" sz="2800" b="1" dirty="0">
+                  <a:solidFill>
+                    <a:srgbClr val="01B902"/>
+                  </a:solidFill>
+                </a:rPr>
+                <a:t>✓</a:t>
+              </a:r>
+            </a:p>
+          </p:txBody>
+        </p:sp>
+        <p:sp>
+          <p:nvSpPr>
+            <p:cNvPr id="55" name="TextBox 54">
+              <a:extLst>
+                <a:ext uri="{FF2B5EF4-FFF2-40B4-BE49-F238E27FC236}">
+                  <a16:creationId xmlns:a16="http://schemas.microsoft.com/office/drawing/2014/main" id="{53292779-18A5-7A43-8933-914F881C8D1F}"/>
+                </a:ext>
+              </a:extLst>
+            </p:cNvPr>
+            <p:cNvSpPr txBox="1"/>
+            <p:nvPr/>
+          </p:nvSpPr>
+          <p:spPr>
+            <a:xfrm>
+              <a:off x="76200" y="2603368"/>
+              <a:ext cx="453970" cy="523220"/>
+            </a:xfrm>
+            <a:prstGeom prst="rect">
+              <a:avLst/>
+            </a:prstGeom>
+            <a:noFill/>
+          </p:spPr>
+          <p:txBody>
+            <a:bodyPr wrap="none" rtlCol="0">
+              <a:spAutoFit/>
+            </a:bodyPr>
+            <a:lstStyle/>
+            <a:p>
+              <a:r>
+                <a:rPr lang="en-US" sz="2800" b="1" dirty="0">
+                  <a:solidFill>
+                    <a:srgbClr val="01B902"/>
+                  </a:solidFill>
+                </a:rPr>
+                <a:t>✓</a:t>
+              </a:r>
+            </a:p>
+          </p:txBody>
+        </p:sp>
+        <p:sp>
+          <p:nvSpPr>
+            <p:cNvPr id="56" name="TextBox 55">
+              <a:extLst>
+                <a:ext uri="{FF2B5EF4-FFF2-40B4-BE49-F238E27FC236}">
+                  <a16:creationId xmlns:a16="http://schemas.microsoft.com/office/drawing/2014/main" id="{0E1FC690-21CA-AB49-A973-1373BC6143EA}"/>
+                </a:ext>
+              </a:extLst>
+            </p:cNvPr>
+            <p:cNvSpPr txBox="1"/>
+            <p:nvPr/>
+          </p:nvSpPr>
+          <p:spPr>
+            <a:xfrm>
+              <a:off x="84347" y="3441570"/>
+              <a:ext cx="453970" cy="523220"/>
+            </a:xfrm>
+            <a:prstGeom prst="rect">
+              <a:avLst/>
+            </a:prstGeom>
+            <a:noFill/>
+          </p:spPr>
+          <p:txBody>
+            <a:bodyPr wrap="none" rtlCol="0">
+              <a:spAutoFit/>
+            </a:bodyPr>
+            <a:lstStyle/>
+            <a:p>
+              <a:r>
+                <a:rPr lang="en-US" sz="2800" b="1" dirty="0">
+                  <a:solidFill>
+                    <a:srgbClr val="01B902"/>
+                  </a:solidFill>
+                </a:rPr>
+                <a:t>✓</a:t>
+              </a:r>
+            </a:p>
+          </p:txBody>
+        </p:sp>
+        <p:sp>
+          <p:nvSpPr>
+            <p:cNvPr id="57" name="TextBox 56">
+              <a:extLst>
+                <a:ext uri="{FF2B5EF4-FFF2-40B4-BE49-F238E27FC236}">
+                  <a16:creationId xmlns:a16="http://schemas.microsoft.com/office/drawing/2014/main" id="{39015037-8802-1B48-B3A5-C7603421AE89}"/>
+                </a:ext>
+              </a:extLst>
+            </p:cNvPr>
+            <p:cNvSpPr txBox="1"/>
+            <p:nvPr/>
+          </p:nvSpPr>
+          <p:spPr>
+            <a:xfrm>
+              <a:off x="73461" y="4279772"/>
+              <a:ext cx="453970" cy="523220"/>
+            </a:xfrm>
+            <a:prstGeom prst="rect">
+              <a:avLst/>
+            </a:prstGeom>
+            <a:noFill/>
+          </p:spPr>
+          <p:txBody>
+            <a:bodyPr wrap="none" rtlCol="0">
+              <a:spAutoFit/>
+            </a:bodyPr>
+            <a:lstStyle/>
+            <a:p>
+              <a:r>
+                <a:rPr lang="en-US" sz="2800" b="1" dirty="0">
+                  <a:solidFill>
+                    <a:srgbClr val="01B902"/>
+                  </a:solidFill>
+                </a:rPr>
+                <a:t>✓</a:t>
+              </a:r>
+            </a:p>
+          </p:txBody>
+        </p:sp>
+        <p:sp>
+          <p:nvSpPr>
+            <p:cNvPr id="58" name="TextBox 57">
+              <a:extLst>
+                <a:ext uri="{FF2B5EF4-FFF2-40B4-BE49-F238E27FC236}">
+                  <a16:creationId xmlns:a16="http://schemas.microsoft.com/office/drawing/2014/main" id="{E0F6DE78-B35B-F44A-BC78-2277492293A6}"/>
+                </a:ext>
+              </a:extLst>
+            </p:cNvPr>
+            <p:cNvSpPr txBox="1"/>
+            <p:nvPr/>
+          </p:nvSpPr>
+          <p:spPr>
+            <a:xfrm>
+              <a:off x="73461" y="5104538"/>
+              <a:ext cx="453970" cy="523220"/>
+            </a:xfrm>
+            <a:prstGeom prst="rect">
+              <a:avLst/>
+            </a:prstGeom>
+            <a:noFill/>
+          </p:spPr>
+          <p:txBody>
+            <a:bodyPr wrap="none" rtlCol="0">
+              <a:spAutoFit/>
+            </a:bodyPr>
+            <a:lstStyle/>
+            <a:p>
+              <a:r>
+                <a:rPr lang="en-US" sz="2800" b="1" dirty="0">
+                  <a:solidFill>
+                    <a:srgbClr val="01B902"/>
+                  </a:solidFill>
+                </a:rPr>
+                <a:t>✓</a:t>
+              </a:r>
+            </a:p>
+          </p:txBody>
+        </p:sp>
+        <p:sp>
+          <p:nvSpPr>
+            <p:cNvPr id="59" name="TextBox 58">
+              <a:extLst>
+                <a:ext uri="{FF2B5EF4-FFF2-40B4-BE49-F238E27FC236}">
+                  <a16:creationId xmlns:a16="http://schemas.microsoft.com/office/drawing/2014/main" id="{397DE94F-4B36-8C49-934B-5EF1DC6CDABA}"/>
+                </a:ext>
+              </a:extLst>
+            </p:cNvPr>
+            <p:cNvSpPr txBox="1"/>
+            <p:nvPr/>
+          </p:nvSpPr>
+          <p:spPr>
+            <a:xfrm>
+              <a:off x="73461" y="5982440"/>
+              <a:ext cx="453970" cy="523220"/>
+            </a:xfrm>
+            <a:prstGeom prst="rect">
+              <a:avLst/>
+            </a:prstGeom>
+            <a:noFill/>
+          </p:spPr>
+          <p:txBody>
+            <a:bodyPr wrap="none" rtlCol="0">
+              <a:spAutoFit/>
+            </a:bodyPr>
+            <a:lstStyle/>
+            <a:p>
+              <a:r>
+                <a:rPr lang="en-US" sz="2800" b="1" dirty="0">
+                  <a:solidFill>
+                    <a:srgbClr val="01B902"/>
+                  </a:solidFill>
+                </a:rPr>
+                <a:t>✓</a:t>
+              </a:r>
+            </a:p>
+          </p:txBody>
+        </p:sp>
+      </p:grpSp>
+    </p:spTree>
+    <p:extLst>
+      <p:ext uri="{BB962C8B-B14F-4D97-AF65-F5344CB8AC3E}">
+        <p14:creationId xmlns:p14="http://schemas.microsoft.com/office/powerpoint/2010/main" val="3087693166"/>
+      </p:ext>
+    </p:extLst>
+  </p:cSld>
+  <p:clrMapOvr>
+    <a:masterClrMapping/>
+  </p:clrMapOvr>
+  <p:timing>
+    <p:tnLst>
+      <p:par>
+        <p:cTn id="1" dur="indefinite" restart="never" nodeType="tmRoot">
+          <p:childTnLst>
+            <p:seq concurrent="1" nextAc="seek">
+              <p:cTn id="2" dur="indefinite" nodeType="mainSeq">
+                <p:childTnLst>
+                  <p:par>
+                    <p:cTn id="3" fill="hold">
+                      <p:stCondLst>
+                        <p:cond delay="indefinite"/>
+                        <p:cond evt="onBegin" delay="0">
+                          <p:tn val="2"/>
+                        </p:cond>
+                      </p:stCondLst>
+                      <p:childTnLst>
+                        <p:par>
+                          <p:cTn id="4" fill="hold">
+                            <p:stCondLst>
+                              <p:cond delay="0"/>
+                            </p:stCondLst>
+                            <p:childTnLst>
+                              <p:par>
+                                <p:cTn id="5" presetID="10" presetClass="entr" presetSubtype="0" fill="hold" nodeType="afterEffect">
+                                  <p:stCondLst>
+                                    <p:cond delay="0"/>
+                                  </p:stCondLst>
+                                  <p:childTnLst>
+                                    <p:set>
+                                      <p:cBhvr>
+                                        <p:cTn id="6" dur="1" fill="hold">
+                                          <p:stCondLst>
+                                            <p:cond delay="0"/>
+                                          </p:stCondLst>
+                                        </p:cTn>
+                                        <p:tgtEl>
+                                          <p:spTgt spid="25"/>
+                                        </p:tgtEl>
+                                        <p:attrNameLst>
+                                          <p:attrName>style.visibility</p:attrName>
+                                        </p:attrNameLst>
+                                      </p:cBhvr>
+                                      <p:to>
+                                        <p:strVal val="visible"/>
+                                      </p:to>
+                                    </p:set>
+                                    <p:animEffect transition="in" filter="fade">
+                                      <p:cBhvr>
+                                        <p:cTn id="7" dur="250"/>
+                                        <p:tgtEl>
+                                          <p:spTgt spid="25"/>
+                                        </p:tgtEl>
+                                      </p:cBhvr>
+                                    </p:animEffect>
+                                  </p:childTnLst>
+                                </p:cTn>
+                              </p:par>
+                              <p:par>
+                                <p:cTn id="8" presetID="10" presetClass="entr" presetSubtype="0" fill="hold" nodeType="withEffect">
+                                  <p:stCondLst>
+                                    <p:cond delay="0"/>
+                                  </p:stCondLst>
+                                  <p:childTnLst>
+                                    <p:set>
+                                      <p:cBhvr>
+                                        <p:cTn id="9" dur="1" fill="hold">
+                                          <p:stCondLst>
+                                            <p:cond delay="0"/>
+                                          </p:stCondLst>
+                                        </p:cTn>
+                                        <p:tgtEl>
+                                          <p:spTgt spid="22"/>
+                                        </p:tgtEl>
+                                        <p:attrNameLst>
+                                          <p:attrName>style.visibility</p:attrName>
+                                        </p:attrNameLst>
+                                      </p:cBhvr>
+                                      <p:to>
+                                        <p:strVal val="visible"/>
+                                      </p:to>
+                                    </p:set>
+                                    <p:animEffect transition="in" filter="fade">
+                                      <p:cBhvr>
+                                        <p:cTn id="10" dur="250"/>
+                                        <p:tgtEl>
+                                          <p:spTgt spid="22"/>
+                                        </p:tgtEl>
+                                      </p:cBhvr>
+                                    </p:animEffect>
+                                  </p:childTnLst>
+                                </p:cTn>
+                              </p:par>
+                              <p:par>
+                                <p:cTn id="11" presetID="10" presetClass="entr" presetSubtype="0" fill="hold" nodeType="withEffect">
+                                  <p:stCondLst>
+                                    <p:cond delay="0"/>
+                                  </p:stCondLst>
+                                  <p:childTnLst>
+                                    <p:set>
+                                      <p:cBhvr>
+                                        <p:cTn id="12" dur="1" fill="hold">
+                                          <p:stCondLst>
+                                            <p:cond delay="0"/>
+                                          </p:stCondLst>
+                                        </p:cTn>
+                                        <p:tgtEl>
+                                          <p:spTgt spid="52"/>
+                                        </p:tgtEl>
+                                        <p:attrNameLst>
+                                          <p:attrName>style.visibility</p:attrName>
+                                        </p:attrNameLst>
+                                      </p:cBhvr>
+                                      <p:to>
+                                        <p:strVal val="visible"/>
+                                      </p:to>
+                                    </p:set>
+                                    <p:animEffect transition="in" filter="fade">
+                                      <p:cBhvr>
+                                        <p:cTn id="13" dur="250"/>
+                                        <p:tgtEl>
+                                          <p:spTgt spid="52"/>
+                                        </p:tgtEl>
+                                      </p:cBhvr>
+                                    </p:animEffect>
+                                  </p:childTnLst>
+                                </p:cTn>
+                              </p:par>
+                              <p:par>
+                                <p:cTn id="14" presetID="10" presetClass="entr" presetSubtype="0" fill="hold" nodeType="withEffect">
+                                  <p:stCondLst>
+                                    <p:cond delay="0"/>
+                                  </p:stCondLst>
+                                  <p:childTnLst>
+                                    <p:set>
+                                      <p:cBhvr>
+                                        <p:cTn id="15" dur="1" fill="hold">
+                                          <p:stCondLst>
+                                            <p:cond delay="0"/>
+                                          </p:stCondLst>
+                                        </p:cTn>
+                                        <p:tgtEl>
+                                          <p:spTgt spid="28"/>
+                                        </p:tgtEl>
+                                        <p:attrNameLst>
+                                          <p:attrName>style.visibility</p:attrName>
+                                        </p:attrNameLst>
+                                      </p:cBhvr>
+                                      <p:to>
+                                        <p:strVal val="visible"/>
+                                      </p:to>
+                                    </p:set>
+                                    <p:animEffect transition="in" filter="fade">
+                                      <p:cBhvr>
+                                        <p:cTn id="16" dur="250"/>
+                                        <p:tgtEl>
+                                          <p:spTgt spid="28"/>
+                                        </p:tgtEl>
+                                      </p:cBhvr>
+                                    </p:animEffect>
+                                  </p:childTnLst>
+                                </p:cTn>
+                              </p:par>
+                              <p:par>
+                                <p:cTn id="17" presetID="10" presetClass="entr" presetSubtype="0" fill="hold" nodeType="withEffect">
+                                  <p:stCondLst>
+                                    <p:cond delay="0"/>
+                                  </p:stCondLst>
+                                  <p:childTnLst>
+                                    <p:set>
+                                      <p:cBhvr>
+                                        <p:cTn id="18" dur="1" fill="hold">
+                                          <p:stCondLst>
+                                            <p:cond delay="0"/>
+                                          </p:stCondLst>
+                                        </p:cTn>
+                                        <p:tgtEl>
+                                          <p:spTgt spid="46"/>
+                                        </p:tgtEl>
+                                        <p:attrNameLst>
+                                          <p:attrName>style.visibility</p:attrName>
+                                        </p:attrNameLst>
+                                      </p:cBhvr>
+                                      <p:to>
+                                        <p:strVal val="visible"/>
+                                      </p:to>
+                                    </p:set>
+                                    <p:animEffect transition="in" filter="fade">
+                                      <p:cBhvr>
+                                        <p:cTn id="19" dur="250"/>
+                                        <p:tgtEl>
+                                          <p:spTgt spid="46"/>
+                                        </p:tgtEl>
+                                      </p:cBhvr>
+                                    </p:animEffect>
+                                  </p:childTnLst>
+                                </p:cTn>
+                              </p:par>
+                              <p:par>
+                                <p:cTn id="20" presetID="10" presetClass="entr" presetSubtype="0" fill="hold" nodeType="withEffect">
+                                  <p:stCondLst>
+                                    <p:cond delay="0"/>
+                                  </p:stCondLst>
+                                  <p:childTnLst>
+                                    <p:set>
+                                      <p:cBhvr>
+                                        <p:cTn id="21" dur="1" fill="hold">
+                                          <p:stCondLst>
+                                            <p:cond delay="0"/>
+                                          </p:stCondLst>
+                                        </p:cTn>
+                                        <p:tgtEl>
+                                          <p:spTgt spid="49"/>
+                                        </p:tgtEl>
+                                        <p:attrNameLst>
+                                          <p:attrName>style.visibility</p:attrName>
+                                        </p:attrNameLst>
+                                      </p:cBhvr>
+                                      <p:to>
+                                        <p:strVal val="visible"/>
+                                      </p:to>
+                                    </p:set>
+                                    <p:animEffect transition="in" filter="fade">
+                                      <p:cBhvr>
+                                        <p:cTn id="22" dur="250"/>
+                                        <p:tgtEl>
+                                          <p:spTgt spid="49"/>
+                                        </p:tgtEl>
+                                      </p:cBhvr>
+                                    </p:animEffect>
+                                  </p:childTnLst>
+                                </p:cTn>
+                              </p:par>
+                            </p:childTnLst>
+                          </p:cTn>
+                        </p:par>
+                      </p:childTnLst>
+                    </p:cTn>
+                  </p:par>
+                  <p:par>
+                    <p:cTn id="23" fill="hold">
+                      <p:stCondLst>
+                        <p:cond delay="indefinite"/>
+                      </p:stCondLst>
+                      <p:childTnLst>
+                        <p:par>
+                          <p:cTn id="24" fill="hold">
+                            <p:stCondLst>
+                              <p:cond delay="0"/>
+                            </p:stCondLst>
+                            <p:childTnLst>
+                              <p:par>
+                                <p:cTn id="25" presetID="10" presetClass="entr" presetSubtype="0" fill="hold" nodeType="clickEffect">
+                                  <p:stCondLst>
+                                    <p:cond delay="0"/>
+                                  </p:stCondLst>
+                                  <p:childTnLst>
+                                    <p:set>
+                                      <p:cBhvr>
+                                        <p:cTn id="26" dur="1" fill="hold">
+                                          <p:stCondLst>
+                                            <p:cond delay="0"/>
+                                          </p:stCondLst>
+                                        </p:cTn>
+                                        <p:tgtEl>
+                                          <p:spTgt spid="4"/>
+                                        </p:tgtEl>
+                                        <p:attrNameLst>
+                                          <p:attrName>style.visibility</p:attrName>
+                                        </p:attrNameLst>
+                                      </p:cBhvr>
+                                      <p:to>
+                                        <p:strVal val="visible"/>
+                                      </p:to>
+                                    </p:set>
+                                    <p:animEffect transition="in" filter="fade">
+                                      <p:cBhvr>
+                                        <p:cTn id="27" dur="500"/>
+                                        <p:tgtEl>
+                                          <p:spTgt spid="4"/>
                                         </p:tgtEl>
                                       </p:cBhvr>
                                     </p:animEffect>
@@ -7151,8 +11768,8 @@
 </p:sld>
 </file>
 
-<file path=ppt/slides/slide3.xml><?xml version="1.0" encoding="utf-8"?>
-<p:sld xmlns:a="http://schemas.openxmlformats.org/drawingml/2006/main" xmlns:r="http://schemas.openxmlformats.org/officeDocument/2006/relationships" xmlns:p="http://schemas.openxmlformats.org/presentationml/2006/main">
+<file path=ppt/slides/slide4.xml><?xml version="1.0" encoding="utf-8"?>
+<p:sld xmlns:a="http://schemas.openxmlformats.org/drawingml/2006/main" xmlns:r="http://schemas.openxmlformats.org/officeDocument/2006/relationships" xmlns:p="http://schemas.openxmlformats.org/presentationml/2006/main" show="0">
   <p:cSld>
     <p:spTree>
       <p:nvGrpSpPr>
@@ -7787,7 +12404,7 @@
 </p:sld>
 </file>
 
-<file path=ppt/slides/slide4.xml><?xml version="1.0" encoding="utf-8"?>
+<file path=ppt/slides/slide5.xml><?xml version="1.0" encoding="utf-8"?>
 <p:sld xmlns:a="http://schemas.openxmlformats.org/drawingml/2006/main" xmlns:r="http://schemas.openxmlformats.org/officeDocument/2006/relationships" xmlns:p="http://schemas.openxmlformats.org/presentationml/2006/main">
   <p:cSld>
     <p:spTree>
@@ -8435,7 +13052,174 @@
 </p:sld>
 </file>
 
-<file path=ppt/slides/slide5.xml><?xml version="1.0" encoding="utf-8"?>
+<file path=ppt/slides/slide6.xml><?xml version="1.0" encoding="utf-8"?>
+<p:sld xmlns:a="http://schemas.openxmlformats.org/drawingml/2006/main" xmlns:r="http://schemas.openxmlformats.org/officeDocument/2006/relationships" xmlns:p="http://schemas.openxmlformats.org/presentationml/2006/main">
+  <p:cSld>
+    <p:bg>
+      <p:bgPr>
+        <a:solidFill>
+          <a:schemeClr val="bg1"/>
+        </a:solidFill>
+        <a:effectLst/>
+      </p:bgPr>
+    </p:bg>
+    <p:spTree>
+      <p:nvGrpSpPr>
+        <p:cNvPr id="1" name=""/>
+        <p:cNvGrpSpPr/>
+        <p:nvPr/>
+      </p:nvGrpSpPr>
+      <p:grpSpPr>
+        <a:xfrm>
+          <a:off x="0" y="0"/>
+          <a:ext cx="0" cy="0"/>
+          <a:chOff x="0" y="0"/>
+          <a:chExt cx="0" cy="0"/>
+        </a:xfrm>
+      </p:grpSpPr>
+      <p:pic>
+        <p:nvPicPr>
+          <p:cNvPr id="1026" name="Picture 2" descr="A close up of a book&#10;&#10;Description automatically generated">
+            <a:extLst>
+              <a:ext uri="{FF2B5EF4-FFF2-40B4-BE49-F238E27FC236}">
+                <a16:creationId xmlns:a16="http://schemas.microsoft.com/office/drawing/2014/main" id="{7FB8E70F-E96B-5D43-8FE1-A0D42BEE7C4D}"/>
+              </a:ext>
+            </a:extLst>
+          </p:cNvPr>
+          <p:cNvPicPr>
+            <a:picLocks noChangeAspect="1" noChangeArrowheads="1"/>
+          </p:cNvPicPr>
+          <p:nvPr/>
+        </p:nvPicPr>
+        <p:blipFill>
+          <a:blip r:embed="rId3">
+            <a:extLst>
+              <a:ext uri="{28A0092B-C50C-407E-A947-70E740481C1C}">
+                <a14:useLocalDpi xmlns:a14="http://schemas.microsoft.com/office/drawing/2010/main" val="0"/>
+              </a:ext>
+            </a:extLst>
+          </a:blip>
+          <a:stretch>
+            <a:fillRect/>
+          </a:stretch>
+        </p:blipFill>
+        <p:spPr bwMode="auto">
+          <a:xfrm>
+            <a:off x="2401242" y="643466"/>
+            <a:ext cx="4341515" cy="5571067"/>
+          </a:xfrm>
+          <a:prstGeom prst="rect">
+            <a:avLst/>
+          </a:prstGeom>
+          <a:noFill/>
+          <a:extLst>
+            <a:ext uri="{909E8E84-426E-40DD-AFC4-6F175D3DCCD1}">
+              <a14:hiddenFill xmlns:a14="http://schemas.microsoft.com/office/drawing/2010/main">
+                <a:solidFill>
+                  <a:srgbClr val="FFFFFF"/>
+                </a:solidFill>
+              </a14:hiddenFill>
+            </a:ext>
+          </a:extLst>
+        </p:spPr>
+      </p:pic>
+    </p:spTree>
+    <p:extLst>
+      <p:ext uri="{BB962C8B-B14F-4D97-AF65-F5344CB8AC3E}">
+        <p14:creationId xmlns:p14="http://schemas.microsoft.com/office/powerpoint/2010/main" val="4168533294"/>
+      </p:ext>
+    </p:extLst>
+  </p:cSld>
+  <p:clrMapOvr>
+    <a:masterClrMapping/>
+  </p:clrMapOvr>
+  <p:timing>
+    <p:tnLst>
+      <p:par>
+        <p:cTn id="1" dur="indefinite" restart="never" nodeType="tmRoot">
+          <p:childTnLst>
+            <p:seq concurrent="1" nextAc="seek">
+              <p:cTn id="2" dur="indefinite" nodeType="mainSeq">
+                <p:childTnLst>
+                  <p:par>
+                    <p:cTn id="3" fill="hold">
+                      <p:stCondLst>
+                        <p:cond delay="indefinite"/>
+                      </p:stCondLst>
+                      <p:childTnLst>
+                        <p:par>
+                          <p:cTn id="4" fill="hold">
+                            <p:stCondLst>
+                              <p:cond delay="0"/>
+                            </p:stCondLst>
+                            <p:childTnLst>
+                              <p:par>
+                                <p:cTn id="5" presetID="10" presetClass="entr" presetSubtype="0" fill="hold" nodeType="clickEffect">
+                                  <p:stCondLst>
+                                    <p:cond delay="0"/>
+                                  </p:stCondLst>
+                                  <p:childTnLst>
+                                    <p:set>
+                                      <p:cBhvr>
+                                        <p:cTn id="6" dur="1" fill="hold">
+                                          <p:stCondLst>
+                                            <p:cond delay="0"/>
+                                          </p:stCondLst>
+                                        </p:cTn>
+                                        <p:tgtEl>
+                                          <p:spTgt spid="1026"/>
+                                        </p:tgtEl>
+                                        <p:attrNameLst>
+                                          <p:attrName>style.visibility</p:attrName>
+                                        </p:attrNameLst>
+                                      </p:cBhvr>
+                                      <p:to>
+                                        <p:strVal val="visible"/>
+                                      </p:to>
+                                    </p:set>
+                                    <p:animEffect transition="in" filter="fade">
+                                      <p:cBhvr>
+                                        <p:cTn id="7" dur="250"/>
+                                        <p:tgtEl>
+                                          <p:spTgt spid="1026"/>
+                                        </p:tgtEl>
+                                      </p:cBhvr>
+                                    </p:animEffect>
+                                  </p:childTnLst>
+                                </p:cTn>
+                              </p:par>
+                            </p:childTnLst>
+                          </p:cTn>
+                        </p:par>
+                      </p:childTnLst>
+                    </p:cTn>
+                  </p:par>
+                </p:childTnLst>
+              </p:cTn>
+              <p:prevCondLst>
+                <p:cond evt="onPrev" delay="0">
+                  <p:tgtEl>
+                    <p:sldTgt/>
+                  </p:tgtEl>
+                </p:cond>
+              </p:prevCondLst>
+              <p:nextCondLst>
+                <p:cond evt="onNext" delay="0">
+                  <p:tgtEl>
+                    <p:sldTgt/>
+                  </p:tgtEl>
+                </p:cond>
+              </p:nextCondLst>
+            </p:seq>
+          </p:childTnLst>
+        </p:cTn>
+      </p:par>
+    </p:tnLst>
+  </p:timing>
+</p:sld>
+</file>
+
+<file path=ppt/slides/slide7.xml><?xml version="1.0" encoding="utf-8"?>
 <p:sld xmlns:a="http://schemas.openxmlformats.org/drawingml/2006/main" xmlns:r="http://schemas.openxmlformats.org/officeDocument/2006/relationships" xmlns:p="http://schemas.openxmlformats.org/presentationml/2006/main">
   <p:cSld>
     <p:spTree>
@@ -9307,7 +14091,7 @@
 </p:sld>
 </file>
 
-<file path=ppt/slides/slide6.xml><?xml version="1.0" encoding="utf-8"?>
+<file path=ppt/slides/slide8.xml><?xml version="1.0" encoding="utf-8"?>
 <p:sld xmlns:a="http://schemas.openxmlformats.org/drawingml/2006/main" xmlns:r="http://schemas.openxmlformats.org/officeDocument/2006/relationships" xmlns:p="http://schemas.openxmlformats.org/presentationml/2006/main">
   <p:cSld>
     <p:spTree>
@@ -10351,7 +15135,7 @@
 </p:sld>
 </file>
 
-<file path=ppt/slides/slide7.xml><?xml version="1.0" encoding="utf-8"?>
+<file path=ppt/slides/slide9.xml><?xml version="1.0" encoding="utf-8"?>
 <p:sld xmlns:a="http://schemas.openxmlformats.org/drawingml/2006/main" xmlns:r="http://schemas.openxmlformats.org/officeDocument/2006/relationships" xmlns:p="http://schemas.openxmlformats.org/presentationml/2006/main">
   <p:cSld>
     <p:spTree>
@@ -10720,101 +15504,6 @@
       <p:bldP spid="8" grpId="1"/>
     </p:bldLst>
   </p:timing>
-</p:sld>
-</file>
-
-<file path=ppt/slides/slide8.xml><?xml version="1.0" encoding="utf-8"?>
-<p:sld xmlns:a="http://schemas.openxmlformats.org/drawingml/2006/main" xmlns:r="http://schemas.openxmlformats.org/officeDocument/2006/relationships" xmlns:p="http://schemas.openxmlformats.org/presentationml/2006/main">
-  <p:cSld>
-    <p:spTree>
-      <p:nvGrpSpPr>
-        <p:cNvPr id="1" name=""/>
-        <p:cNvGrpSpPr/>
-        <p:nvPr/>
-      </p:nvGrpSpPr>
-      <p:grpSpPr>
-        <a:xfrm>
-          <a:off x="0" y="0"/>
-          <a:ext cx="0" cy="0"/>
-          <a:chOff x="0" y="0"/>
-          <a:chExt cx="0" cy="0"/>
-        </a:xfrm>
-      </p:grpSpPr>
-      <p:pic>
-        <p:nvPicPr>
-          <p:cNvPr id="5" name="Picture 4">
-            <a:extLst>
-              <a:ext uri="{FF2B5EF4-FFF2-40B4-BE49-F238E27FC236}">
-                <a16:creationId xmlns:a16="http://schemas.microsoft.com/office/drawing/2014/main" id="{C6F7551E-0A78-3B4F-8E11-D4C0C9BA7099}"/>
-              </a:ext>
-            </a:extLst>
-          </p:cNvPr>
-          <p:cNvPicPr>
-            <a:picLocks noChangeAspect="1"/>
-          </p:cNvPicPr>
-          <p:nvPr/>
-        </p:nvPicPr>
-        <p:blipFill rotWithShape="1">
-          <a:blip r:embed="rId2">
-            <a:extLst>
-              <a:ext uri="{28A0092B-C50C-407E-A947-70E740481C1C}">
-                <a14:useLocalDpi xmlns:a14="http://schemas.microsoft.com/office/drawing/2010/main" val="0"/>
-              </a:ext>
-            </a:extLst>
-          </a:blip>
-          <a:srcRect l="7500" r="8333"/>
-          <a:stretch/>
-        </p:blipFill>
-        <p:spPr>
-          <a:xfrm>
-            <a:off x="0" y="399789"/>
-            <a:ext cx="9144000" cy="6229611"/>
-          </a:xfrm>
-          <a:prstGeom prst="rect">
-            <a:avLst/>
-          </a:prstGeom>
-        </p:spPr>
-      </p:pic>
-    </p:spTree>
-    <p:extLst>
-      <p:ext uri="{BB962C8B-B14F-4D97-AF65-F5344CB8AC3E}">
-        <p14:creationId xmlns:p14="http://schemas.microsoft.com/office/powerpoint/2010/main" val="3191674640"/>
-      </p:ext>
-    </p:extLst>
-  </p:cSld>
-  <p:clrMapOvr>
-    <a:masterClrMapping/>
-  </p:clrMapOvr>
-</p:sld>
-</file>
-
-<file path=ppt/slides/slide9.xml><?xml version="1.0" encoding="utf-8"?>
-<p:sld xmlns:a="http://schemas.openxmlformats.org/drawingml/2006/main" xmlns:r="http://schemas.openxmlformats.org/officeDocument/2006/relationships" xmlns:p="http://schemas.openxmlformats.org/presentationml/2006/main">
-  <p:cSld>
-    <p:spTree>
-      <p:nvGrpSpPr>
-        <p:cNvPr id="1" name=""/>
-        <p:cNvGrpSpPr/>
-        <p:nvPr/>
-      </p:nvGrpSpPr>
-      <p:grpSpPr>
-        <a:xfrm>
-          <a:off x="0" y="0"/>
-          <a:ext cx="0" cy="0"/>
-          <a:chOff x="0" y="0"/>
-          <a:chExt cx="0" cy="0"/>
-        </a:xfrm>
-      </p:grpSpPr>
-    </p:spTree>
-    <p:extLst>
-      <p:ext uri="{BB962C8B-B14F-4D97-AF65-F5344CB8AC3E}">
-        <p14:creationId xmlns:p14="http://schemas.microsoft.com/office/powerpoint/2010/main" val="3556725958"/>
-      </p:ext>
-    </p:extLst>
-  </p:cSld>
-  <p:clrMapOvr>
-    <a:masterClrMapping/>
-  </p:clrMapOvr>
 </p:sld>
 </file>
 

--- a/companion-website/public/files/0. Intro.pptx
+++ b/companion-website/public/files/0. Intro.pptx
@@ -221,7 +221,7 @@
           <a:p>
             <a:fld id="{8F7EB338-8BB0-B64B-9F79-C87EA24D723F}" type="datetimeFigureOut">
               <a:rPr lang="en-US" smtClean="0"/>
-              <a:t>9/28/20</a:t>
+              <a:t>10/3/20</a:t>
             </a:fld>
             <a:endParaRPr lang="en-US"/>
           </a:p>
@@ -1344,7 +1344,7 @@
             <a:fld id="{DBE77699-C466-4996-ADED-71C8160E04A2}" type="datetimeFigureOut">
               <a:rPr lang="en-US" smtClean="0"/>
               <a:pPr/>
-              <a:t>9/28/20</a:t>
+              <a:t>10/3/20</a:t>
             </a:fld>
             <a:endParaRPr lang="en-US"/>
           </a:p>
@@ -1509,7 +1509,7 @@
             <a:fld id="{DBE77699-C466-4996-ADED-71C8160E04A2}" type="datetimeFigureOut">
               <a:rPr lang="en-US" smtClean="0"/>
               <a:pPr/>
-              <a:t>9/28/20</a:t>
+              <a:t>10/3/20</a:t>
             </a:fld>
             <a:endParaRPr lang="en-US"/>
           </a:p>
@@ -1684,7 +1684,7 @@
             <a:fld id="{DBE77699-C466-4996-ADED-71C8160E04A2}" type="datetimeFigureOut">
               <a:rPr lang="en-US" smtClean="0"/>
               <a:pPr/>
-              <a:t>9/28/20</a:t>
+              <a:t>10/3/20</a:t>
             </a:fld>
             <a:endParaRPr lang="en-US"/>
           </a:p>
@@ -1863,7 +1863,7 @@
             <a:fld id="{DBE77699-C466-4996-ADED-71C8160E04A2}" type="datetimeFigureOut">
               <a:rPr lang="en-US" smtClean="0"/>
               <a:pPr/>
-              <a:t>9/28/20</a:t>
+              <a:t>10/3/20</a:t>
             </a:fld>
             <a:endParaRPr lang="en-US"/>
           </a:p>
@@ -2072,7 +2072,7 @@
             <a:fld id="{DBE77699-C466-4996-ADED-71C8160E04A2}" type="datetimeFigureOut">
               <a:rPr lang="en-US" smtClean="0"/>
               <a:pPr/>
-              <a:t>9/28/20</a:t>
+              <a:t>10/3/20</a:t>
             </a:fld>
             <a:endParaRPr lang="en-US"/>
           </a:p>
@@ -2314,7 +2314,7 @@
             <a:fld id="{DBE77699-C466-4996-ADED-71C8160E04A2}" type="datetimeFigureOut">
               <a:rPr lang="en-US" smtClean="0"/>
               <a:pPr/>
-              <a:t>9/28/20</a:t>
+              <a:t>10/3/20</a:t>
             </a:fld>
             <a:endParaRPr lang="en-US"/>
           </a:p>
@@ -2596,7 +2596,7 @@
             <a:fld id="{DBE77699-C466-4996-ADED-71C8160E04A2}" type="datetimeFigureOut">
               <a:rPr lang="en-US" smtClean="0"/>
               <a:pPr/>
-              <a:t>9/28/20</a:t>
+              <a:t>10/3/20</a:t>
             </a:fld>
             <a:endParaRPr lang="en-US"/>
           </a:p>
@@ -3012,7 +3012,7 @@
             <a:fld id="{DBE77699-C466-4996-ADED-71C8160E04A2}" type="datetimeFigureOut">
               <a:rPr lang="en-US" smtClean="0"/>
               <a:pPr/>
-              <a:t>9/28/20</a:t>
+              <a:t>10/3/20</a:t>
             </a:fld>
             <a:endParaRPr lang="en-US"/>
           </a:p>
@@ -3126,7 +3126,7 @@
             <a:fld id="{DBE77699-C466-4996-ADED-71C8160E04A2}" type="datetimeFigureOut">
               <a:rPr lang="en-US" smtClean="0"/>
               <a:pPr/>
-              <a:t>9/28/20</a:t>
+              <a:t>10/3/20</a:t>
             </a:fld>
             <a:endParaRPr lang="en-US"/>
           </a:p>
@@ -3218,7 +3218,7 @@
             <a:fld id="{DBE77699-C466-4996-ADED-71C8160E04A2}" type="datetimeFigureOut">
               <a:rPr lang="en-US" smtClean="0"/>
               <a:pPr/>
-              <a:t>9/28/20</a:t>
+              <a:t>10/3/20</a:t>
             </a:fld>
             <a:endParaRPr lang="en-US"/>
           </a:p>
@@ -3490,7 +3490,7 @@
             <a:fld id="{DBE77699-C466-4996-ADED-71C8160E04A2}" type="datetimeFigureOut">
               <a:rPr lang="en-US" smtClean="0"/>
               <a:pPr/>
-              <a:t>9/28/20</a:t>
+              <a:t>10/3/20</a:t>
             </a:fld>
             <a:endParaRPr lang="en-US"/>
           </a:p>
@@ -3739,7 +3739,7 @@
             <a:fld id="{DBE77699-C466-4996-ADED-71C8160E04A2}" type="datetimeFigureOut">
               <a:rPr lang="en-US" smtClean="0"/>
               <a:pPr/>
-              <a:t>9/28/20</a:t>
+              <a:t>10/3/20</a:t>
             </a:fld>
             <a:endParaRPr lang="en-US"/>
           </a:p>
@@ -3950,7 +3950,7 @@
             <a:fld id="{DBE77699-C466-4996-ADED-71C8160E04A2}" type="datetimeFigureOut">
               <a:rPr lang="en-US" smtClean="0"/>
               <a:pPr/>
-              <a:t>9/28/20</a:t>
+              <a:t>10/3/20</a:t>
             </a:fld>
             <a:endParaRPr lang="en-US"/>
           </a:p>
@@ -13395,7 +13395,7 @@
                     <a:schemeClr val="tx1"/>
                   </a:solidFill>
                 </a:rPr>
-                <a:t>Its </a:t>
+                <a:t>It’s </a:t>
               </a:r>
               <a:r>
                 <a:rPr lang="en-US" sz="2400" b="1" dirty="0">
@@ -13558,7 +13558,7 @@
                     <a:schemeClr val="tx1"/>
                   </a:solidFill>
                 </a:rPr>
-                <a:t>Its </a:t>
+                <a:t>It’s </a:t>
               </a:r>
               <a:r>
                 <a:rPr lang="en-US" sz="2400" b="1" dirty="0">
@@ -13598,9 +13598,9 @@
         <p:grpSpPr>
           <a:xfrm>
             <a:off x="533400" y="3957935"/>
-            <a:ext cx="8001000" cy="685800"/>
+            <a:ext cx="8458200" cy="685800"/>
             <a:chOff x="533400" y="2895600"/>
-            <a:chExt cx="8001000" cy="685800"/>
+            <a:chExt cx="8458200" cy="685800"/>
           </a:xfrm>
         </p:grpSpPr>
         <p:sp>
@@ -13677,7 +13677,7 @@
           <p:spPr>
             <a:xfrm>
               <a:off x="1447800" y="2895600"/>
-              <a:ext cx="7086600" cy="685800"/>
+              <a:ext cx="7543800" cy="685800"/>
             </a:xfrm>
             <a:prstGeom prst="rect">
               <a:avLst/>
@@ -13740,7 +13740,7 @@
                     <a:schemeClr val="tx1"/>
                   </a:solidFill>
                 </a:rPr>
-                <a:t>in the Gospel accounts</a:t>
+                <a:t>about the Gospel accounts</a:t>
               </a:r>
             </a:p>
           </p:txBody>

--- a/companion-website/public/files/0. Intro.pptx
+++ b/companion-website/public/files/0. Intro.pptx
@@ -5,7 +5,7 @@
     <p:sldMasterId id="2147483648" r:id="rId1"/>
   </p:sldMasterIdLst>
   <p:notesMasterIdLst>
-    <p:notesMasterId r:id="rId16"/>
+    <p:notesMasterId r:id="rId18"/>
   </p:notesMasterIdLst>
   <p:sldIdLst>
     <p:sldId id="275" r:id="rId2"/>
@@ -18,10 +18,12 @@
     <p:sldId id="456" r:id="rId9"/>
     <p:sldId id="451" r:id="rId10"/>
     <p:sldId id="450" r:id="rId11"/>
-    <p:sldId id="441" r:id="rId12"/>
-    <p:sldId id="459" r:id="rId13"/>
-    <p:sldId id="455" r:id="rId14"/>
-    <p:sldId id="457" r:id="rId15"/>
+    <p:sldId id="462" r:id="rId12"/>
+    <p:sldId id="467" r:id="rId13"/>
+    <p:sldId id="441" r:id="rId14"/>
+    <p:sldId id="459" r:id="rId15"/>
+    <p:sldId id="455" r:id="rId16"/>
+    <p:sldId id="457" r:id="rId17"/>
   </p:sldIdLst>
   <p:sldSz cx="9144000" cy="6858000" type="screen4x3"/>
   <p:notesSz cx="6858000" cy="9144000"/>
@@ -221,7 +223,7 @@
           <a:p>
             <a:fld id="{8F7EB338-8BB0-B64B-9F79-C87EA24D723F}" type="datetimeFigureOut">
               <a:rPr lang="en-US" smtClean="0"/>
-              <a:t>10/3/20</a:t>
+              <a:t>10/3/2020</a:t>
             </a:fld>
             <a:endParaRPr lang="en-US"/>
           </a:p>
@@ -1057,7 +1059,7 @@
           <a:p>
             <a:fld id="{0A2C3B37-55FA-284F-9E83-751B4EA6E9B4}" type="slidenum">
               <a:rPr lang="en-US" smtClean="0"/>
-              <a:t>12</a:t>
+              <a:t>14</a:t>
             </a:fld>
             <a:endParaRPr lang="en-US"/>
           </a:p>
@@ -1141,7 +1143,7 @@
           <a:p>
             <a:fld id="{0A2C3B37-55FA-284F-9E83-751B4EA6E9B4}" type="slidenum">
               <a:rPr lang="en-US" smtClean="0"/>
-              <a:t>13</a:t>
+              <a:t>15</a:t>
             </a:fld>
             <a:endParaRPr lang="en-US"/>
           </a:p>
@@ -1344,7 +1346,7 @@
             <a:fld id="{DBE77699-C466-4996-ADED-71C8160E04A2}" type="datetimeFigureOut">
               <a:rPr lang="en-US" smtClean="0"/>
               <a:pPr/>
-              <a:t>10/3/20</a:t>
+              <a:t>10/3/2020</a:t>
             </a:fld>
             <a:endParaRPr lang="en-US"/>
           </a:p>
@@ -1509,7 +1511,7 @@
             <a:fld id="{DBE77699-C466-4996-ADED-71C8160E04A2}" type="datetimeFigureOut">
               <a:rPr lang="en-US" smtClean="0"/>
               <a:pPr/>
-              <a:t>10/3/20</a:t>
+              <a:t>10/3/2020</a:t>
             </a:fld>
             <a:endParaRPr lang="en-US"/>
           </a:p>
@@ -1684,7 +1686,7 @@
             <a:fld id="{DBE77699-C466-4996-ADED-71C8160E04A2}" type="datetimeFigureOut">
               <a:rPr lang="en-US" smtClean="0"/>
               <a:pPr/>
-              <a:t>10/3/20</a:t>
+              <a:t>10/3/2020</a:t>
             </a:fld>
             <a:endParaRPr lang="en-US"/>
           </a:p>
@@ -1863,7 +1865,7 @@
             <a:fld id="{DBE77699-C466-4996-ADED-71C8160E04A2}" type="datetimeFigureOut">
               <a:rPr lang="en-US" smtClean="0"/>
               <a:pPr/>
-              <a:t>10/3/20</a:t>
+              <a:t>10/3/2020</a:t>
             </a:fld>
             <a:endParaRPr lang="en-US"/>
           </a:p>
@@ -2072,7 +2074,7 @@
             <a:fld id="{DBE77699-C466-4996-ADED-71C8160E04A2}" type="datetimeFigureOut">
               <a:rPr lang="en-US" smtClean="0"/>
               <a:pPr/>
-              <a:t>10/3/20</a:t>
+              <a:t>10/3/2020</a:t>
             </a:fld>
             <a:endParaRPr lang="en-US"/>
           </a:p>
@@ -2314,7 +2316,7 @@
             <a:fld id="{DBE77699-C466-4996-ADED-71C8160E04A2}" type="datetimeFigureOut">
               <a:rPr lang="en-US" smtClean="0"/>
               <a:pPr/>
-              <a:t>10/3/20</a:t>
+              <a:t>10/3/2020</a:t>
             </a:fld>
             <a:endParaRPr lang="en-US"/>
           </a:p>
@@ -2596,7 +2598,7 @@
             <a:fld id="{DBE77699-C466-4996-ADED-71C8160E04A2}" type="datetimeFigureOut">
               <a:rPr lang="en-US" smtClean="0"/>
               <a:pPr/>
-              <a:t>10/3/20</a:t>
+              <a:t>10/3/2020</a:t>
             </a:fld>
             <a:endParaRPr lang="en-US"/>
           </a:p>
@@ -3012,7 +3014,7 @@
             <a:fld id="{DBE77699-C466-4996-ADED-71C8160E04A2}" type="datetimeFigureOut">
               <a:rPr lang="en-US" smtClean="0"/>
               <a:pPr/>
-              <a:t>10/3/20</a:t>
+              <a:t>10/3/2020</a:t>
             </a:fld>
             <a:endParaRPr lang="en-US"/>
           </a:p>
@@ -3126,7 +3128,7 @@
             <a:fld id="{DBE77699-C466-4996-ADED-71C8160E04A2}" type="datetimeFigureOut">
               <a:rPr lang="en-US" smtClean="0"/>
               <a:pPr/>
-              <a:t>10/3/20</a:t>
+              <a:t>10/3/2020</a:t>
             </a:fld>
             <a:endParaRPr lang="en-US"/>
           </a:p>
@@ -3218,7 +3220,7 @@
             <a:fld id="{DBE77699-C466-4996-ADED-71C8160E04A2}" type="datetimeFigureOut">
               <a:rPr lang="en-US" smtClean="0"/>
               <a:pPr/>
-              <a:t>10/3/20</a:t>
+              <a:t>10/3/2020</a:t>
             </a:fld>
             <a:endParaRPr lang="en-US"/>
           </a:p>
@@ -3490,7 +3492,7 @@
             <a:fld id="{DBE77699-C466-4996-ADED-71C8160E04A2}" type="datetimeFigureOut">
               <a:rPr lang="en-US" smtClean="0"/>
               <a:pPr/>
-              <a:t>10/3/20</a:t>
+              <a:t>10/3/2020</a:t>
             </a:fld>
             <a:endParaRPr lang="en-US"/>
           </a:p>
@@ -3739,7 +3741,7 @@
             <a:fld id="{DBE77699-C466-4996-ADED-71C8160E04A2}" type="datetimeFigureOut">
               <a:rPr lang="en-US" smtClean="0"/>
               <a:pPr/>
-              <a:t>10/3/20</a:t>
+              <a:t>10/3/2020</a:t>
             </a:fld>
             <a:endParaRPr lang="en-US"/>
           </a:p>
@@ -3950,7 +3952,7 @@
             <a:fld id="{DBE77699-C466-4996-ADED-71C8160E04A2}" type="datetimeFigureOut">
               <a:rPr lang="en-US" smtClean="0"/>
               <a:pPr/>
-              <a:t>10/3/20</a:t>
+              <a:t>10/3/2020</a:t>
             </a:fld>
             <a:endParaRPr lang="en-US"/>
           </a:p>
@@ -5385,6 +5387,2669 @@
           <a:chExt cx="0" cy="0"/>
         </a:xfrm>
       </p:grpSpPr>
+      <p:graphicFrame>
+        <p:nvGraphicFramePr>
+          <p:cNvPr id="4" name="Table 4">
+            <a:extLst>
+              <a:ext uri="{FF2B5EF4-FFF2-40B4-BE49-F238E27FC236}">
+                <a16:creationId xmlns:a16="http://schemas.microsoft.com/office/drawing/2014/main" id="{E2273E6C-6997-4D71-B893-B4E42CE2A7AA}"/>
+              </a:ext>
+            </a:extLst>
+          </p:cNvPr>
+          <p:cNvGraphicFramePr>
+            <a:graphicFrameLocks noGrp="1"/>
+          </p:cNvGraphicFramePr>
+          <p:nvPr>
+            <p:ph idx="1"/>
+            <p:extLst>
+              <p:ext uri="{D42A27DB-BD31-4B8C-83A1-F6EECF244321}">
+                <p14:modId xmlns:p14="http://schemas.microsoft.com/office/powerpoint/2010/main" val="4002117451"/>
+              </p:ext>
+            </p:extLst>
+          </p:nvPr>
+        </p:nvGraphicFramePr>
+        <p:xfrm>
+          <a:off x="228600" y="76200"/>
+          <a:ext cx="8458200" cy="6718300"/>
+        </p:xfrm>
+        <a:graphic>
+          <a:graphicData uri="http://schemas.openxmlformats.org/drawingml/2006/table">
+            <a:tbl>
+              <a:tblPr firstRow="1" bandRow="1">
+                <a:tableStyleId>{2D5ABB26-0587-4C30-8999-92F81FD0307C}</a:tableStyleId>
+              </a:tblPr>
+              <a:tblGrid>
+                <a:gridCol w="609600">
+                  <a:extLst>
+                    <a:ext uri="{9D8B030D-6E8A-4147-A177-3AD203B41FA5}">
+                      <a16:colId xmlns:a16="http://schemas.microsoft.com/office/drawing/2014/main" val="3203874483"/>
+                    </a:ext>
+                  </a:extLst>
+                </a:gridCol>
+                <a:gridCol w="533400">
+                  <a:extLst>
+                    <a:ext uri="{9D8B030D-6E8A-4147-A177-3AD203B41FA5}">
+                      <a16:colId xmlns:a16="http://schemas.microsoft.com/office/drawing/2014/main" val="3434554809"/>
+                    </a:ext>
+                  </a:extLst>
+                </a:gridCol>
+                <a:gridCol w="7315200">
+                  <a:extLst>
+                    <a:ext uri="{9D8B030D-6E8A-4147-A177-3AD203B41FA5}">
+                      <a16:colId xmlns:a16="http://schemas.microsoft.com/office/drawing/2014/main" val="167210352"/>
+                    </a:ext>
+                  </a:extLst>
+                </a:gridCol>
+              </a:tblGrid>
+              <a:tr h="239486">
+                <a:tc>
+                  <a:txBody>
+                    <a:bodyPr/>
+                    <a:lstStyle/>
+                    <a:p>
+                      <a:r>
+                        <a:rPr lang="en-US" sz="1450" b="1" dirty="0">
+                          <a:solidFill>
+                            <a:srgbClr val="009FC0"/>
+                          </a:solidFill>
+                        </a:rPr>
+                        <a:t>Date</a:t>
+                      </a:r>
+                    </a:p>
+                  </a:txBody>
+                  <a:tcPr/>
+                </a:tc>
+                <a:tc>
+                  <a:txBody>
+                    <a:bodyPr/>
+                    <a:lstStyle/>
+                    <a:p>
+                      <a:r>
+                        <a:rPr lang="en-US" sz="1450" b="1" dirty="0">
+                          <a:solidFill>
+                            <a:srgbClr val="009FC0"/>
+                          </a:solidFill>
+                        </a:rPr>
+                        <a:t>Day</a:t>
+                      </a:r>
+                    </a:p>
+                  </a:txBody>
+                  <a:tcPr/>
+                </a:tc>
+                <a:tc>
+                  <a:txBody>
+                    <a:bodyPr/>
+                    <a:lstStyle/>
+                    <a:p>
+                      <a:r>
+                        <a:rPr lang="en-US" sz="1450" b="1" dirty="0">
+                          <a:solidFill>
+                            <a:srgbClr val="009FC0"/>
+                          </a:solidFill>
+                        </a:rPr>
+                        <a:t>Lesson</a:t>
+                      </a:r>
+                    </a:p>
+                  </a:txBody>
+                  <a:tcPr/>
+                </a:tc>
+                <a:extLst>
+                  <a:ext uri="{0D108BD9-81ED-4DB2-BD59-A6C34878D82A}">
+                    <a16:rowId xmlns:a16="http://schemas.microsoft.com/office/drawing/2014/main" val="2466194988"/>
+                  </a:ext>
+                </a:extLst>
+              </a:tr>
+              <a:tr h="239486">
+                <a:tc>
+                  <a:txBody>
+                    <a:bodyPr/>
+                    <a:lstStyle/>
+                    <a:p>
+                      <a:pPr algn="r" rtl="0" fontAlgn="b"/>
+                      <a:r>
+                        <a:rPr lang="en-US" sz="1450" b="1" dirty="0">
+                          <a:effectLst/>
+                        </a:rPr>
+                        <a:t>10/4</a:t>
+                      </a:r>
+                    </a:p>
+                  </a:txBody>
+                  <a:tcPr marR="19050" marT="12700" marB="12700" anchor="b"/>
+                </a:tc>
+                <a:tc>
+                  <a:txBody>
+                    <a:bodyPr/>
+                    <a:lstStyle/>
+                    <a:p>
+                      <a:pPr rtl="0" fontAlgn="b"/>
+                      <a:r>
+                        <a:rPr lang="en-US" sz="1400" dirty="0">
+                          <a:effectLst/>
+                        </a:rPr>
+                        <a:t>Sun</a:t>
+                      </a:r>
+                    </a:p>
+                  </a:txBody>
+                  <a:tcPr marR="19050" marT="12700" marB="12700" anchor="b"/>
+                </a:tc>
+                <a:tc>
+                  <a:txBody>
+                    <a:bodyPr/>
+                    <a:lstStyle/>
+                    <a:p>
+                      <a:pPr rtl="0" fontAlgn="b"/>
+                      <a:r>
+                        <a:rPr lang="en-US" sz="1450" dirty="0">
+                          <a:effectLst/>
+                        </a:rPr>
+                        <a:t>Introduction</a:t>
+                      </a:r>
+                    </a:p>
+                  </a:txBody>
+                  <a:tcPr marR="19050" marT="12700" marB="12700" anchor="b"/>
+                </a:tc>
+                <a:extLst>
+                  <a:ext uri="{0D108BD9-81ED-4DB2-BD59-A6C34878D82A}">
+                    <a16:rowId xmlns:a16="http://schemas.microsoft.com/office/drawing/2014/main" val="3891630880"/>
+                  </a:ext>
+                </a:extLst>
+              </a:tr>
+              <a:tr h="239486">
+                <a:tc>
+                  <a:txBody>
+                    <a:bodyPr/>
+                    <a:lstStyle/>
+                    <a:p>
+                      <a:pPr algn="r" rtl="0" fontAlgn="b"/>
+                      <a:r>
+                        <a:rPr lang="en-US" sz="1450" b="1" dirty="0">
+                          <a:effectLst/>
+                        </a:rPr>
+                        <a:t>10/7</a:t>
+                      </a:r>
+                    </a:p>
+                  </a:txBody>
+                  <a:tcPr marR="19050" marT="12700" marB="12700" anchor="b"/>
+                </a:tc>
+                <a:tc>
+                  <a:txBody>
+                    <a:bodyPr/>
+                    <a:lstStyle/>
+                    <a:p>
+                      <a:pPr rtl="0" fontAlgn="b"/>
+                      <a:r>
+                        <a:rPr lang="en-US" sz="1400">
+                          <a:effectLst/>
+                        </a:rPr>
+                        <a:t>Wed</a:t>
+                      </a:r>
+                    </a:p>
+                  </a:txBody>
+                  <a:tcPr marR="19050" marT="12700" marB="12700" anchor="b"/>
+                </a:tc>
+                <a:tc>
+                  <a:txBody>
+                    <a:bodyPr/>
+                    <a:lstStyle/>
+                    <a:p>
+                      <a:pPr rtl="0" fontAlgn="b"/>
+                      <a:r>
+                        <a:rPr lang="en-US" sz="1450">
+                          <a:effectLst/>
+                        </a:rPr>
+                        <a:t>1. The Art of Asking Questions</a:t>
+                      </a:r>
+                    </a:p>
+                  </a:txBody>
+                  <a:tcPr marR="19050" marT="12700" marB="12700" anchor="b"/>
+                </a:tc>
+                <a:extLst>
+                  <a:ext uri="{0D108BD9-81ED-4DB2-BD59-A6C34878D82A}">
+                    <a16:rowId xmlns:a16="http://schemas.microsoft.com/office/drawing/2014/main" val="2084843109"/>
+                  </a:ext>
+                </a:extLst>
+              </a:tr>
+              <a:tr h="239486">
+                <a:tc>
+                  <a:txBody>
+                    <a:bodyPr/>
+                    <a:lstStyle/>
+                    <a:p>
+                      <a:pPr algn="r" rtl="0" fontAlgn="b"/>
+                      <a:r>
+                        <a:rPr lang="en-US" sz="1450" b="1" dirty="0">
+                          <a:effectLst/>
+                        </a:rPr>
+                        <a:t>10/11</a:t>
+                      </a:r>
+                    </a:p>
+                  </a:txBody>
+                  <a:tcPr marR="19050" marT="12700" marB="12700" anchor="b"/>
+                </a:tc>
+                <a:tc>
+                  <a:txBody>
+                    <a:bodyPr/>
+                    <a:lstStyle/>
+                    <a:p>
+                      <a:pPr rtl="0" fontAlgn="b"/>
+                      <a:r>
+                        <a:rPr lang="en-US" sz="1400">
+                          <a:effectLst/>
+                        </a:rPr>
+                        <a:t>Sun</a:t>
+                      </a:r>
+                    </a:p>
+                  </a:txBody>
+                  <a:tcPr marR="19050" marT="12700" marB="12700" anchor="b"/>
+                </a:tc>
+                <a:tc>
+                  <a:txBody>
+                    <a:bodyPr/>
+                    <a:lstStyle/>
+                    <a:p>
+                      <a:pPr rtl="0" fontAlgn="b"/>
+                      <a:r>
+                        <a:rPr lang="en-US" sz="1450">
+                          <a:effectLst/>
+                        </a:rPr>
+                        <a:t>2. Gardening and Harvesting</a:t>
+                      </a:r>
+                    </a:p>
+                  </a:txBody>
+                  <a:tcPr marR="19050" marT="12700" marB="12700" anchor="b"/>
+                </a:tc>
+                <a:extLst>
+                  <a:ext uri="{0D108BD9-81ED-4DB2-BD59-A6C34878D82A}">
+                    <a16:rowId xmlns:a16="http://schemas.microsoft.com/office/drawing/2014/main" val="1073217115"/>
+                  </a:ext>
+                </a:extLst>
+              </a:tr>
+              <a:tr h="239486">
+                <a:tc>
+                  <a:txBody>
+                    <a:bodyPr/>
+                    <a:lstStyle/>
+                    <a:p>
+                      <a:pPr algn="r" rtl="0" fontAlgn="b"/>
+                      <a:r>
+                        <a:rPr lang="en-US" sz="1450" b="1" dirty="0">
+                          <a:effectLst/>
+                        </a:rPr>
+                        <a:t>10/14</a:t>
+                      </a:r>
+                    </a:p>
+                  </a:txBody>
+                  <a:tcPr marR="19050" marT="12700" marB="12700" anchor="b"/>
+                </a:tc>
+                <a:tc>
+                  <a:txBody>
+                    <a:bodyPr/>
+                    <a:lstStyle/>
+                    <a:p>
+                      <a:pPr rtl="0" fontAlgn="b"/>
+                      <a:r>
+                        <a:rPr lang="en-US" sz="1400">
+                          <a:effectLst/>
+                        </a:rPr>
+                        <a:t>Wed</a:t>
+                      </a:r>
+                    </a:p>
+                  </a:txBody>
+                  <a:tcPr marR="19050" marT="12700" marB="12700" anchor="b"/>
+                </a:tc>
+                <a:tc>
+                  <a:txBody>
+                    <a:bodyPr/>
+                    <a:lstStyle/>
+                    <a:p>
+                      <a:pPr rtl="0" fontAlgn="b"/>
+                      <a:r>
+                        <a:rPr lang="en-US" sz="1450" dirty="0">
+                          <a:effectLst/>
+                        </a:rPr>
+                        <a:t>3. Ambassadors for Christ</a:t>
+                      </a:r>
+                    </a:p>
+                  </a:txBody>
+                  <a:tcPr marR="19050" marT="12700" marB="12700" anchor="b"/>
+                </a:tc>
+                <a:extLst>
+                  <a:ext uri="{0D108BD9-81ED-4DB2-BD59-A6C34878D82A}">
+                    <a16:rowId xmlns:a16="http://schemas.microsoft.com/office/drawing/2014/main" val="2896942892"/>
+                  </a:ext>
+                </a:extLst>
+              </a:tr>
+              <a:tr h="239486">
+                <a:tc>
+                  <a:txBody>
+                    <a:bodyPr/>
+                    <a:lstStyle/>
+                    <a:p>
+                      <a:pPr algn="r" rtl="0" fontAlgn="b"/>
+                      <a:r>
+                        <a:rPr lang="en-US" sz="1450" b="1" dirty="0">
+                          <a:effectLst/>
+                        </a:rPr>
+                        <a:t>10/18</a:t>
+                      </a:r>
+                    </a:p>
+                  </a:txBody>
+                  <a:tcPr marR="19050" marT="12700" marB="12700" anchor="b"/>
+                </a:tc>
+                <a:tc>
+                  <a:txBody>
+                    <a:bodyPr/>
+                    <a:lstStyle/>
+                    <a:p>
+                      <a:pPr rtl="0" fontAlgn="b"/>
+                      <a:r>
+                        <a:rPr lang="en-US" sz="1400">
+                          <a:effectLst/>
+                        </a:rPr>
+                        <a:t>Sun</a:t>
+                      </a:r>
+                    </a:p>
+                  </a:txBody>
+                  <a:tcPr marR="19050" marT="12700" marB="12700" anchor="b"/>
+                </a:tc>
+                <a:tc>
+                  <a:txBody>
+                    <a:bodyPr/>
+                    <a:lstStyle/>
+                    <a:p>
+                      <a:pPr rtl="0" fontAlgn="b"/>
+                      <a:r>
+                        <a:rPr lang="en-US" sz="1450" dirty="0">
+                          <a:effectLst/>
+                        </a:rPr>
+                        <a:t>4. A-Paul-</a:t>
+                      </a:r>
+                      <a:r>
+                        <a:rPr lang="en-US" sz="1450" dirty="0" err="1">
+                          <a:effectLst/>
+                        </a:rPr>
+                        <a:t>agetics</a:t>
+                      </a:r>
+                      <a:endParaRPr lang="en-US" sz="1450" dirty="0">
+                        <a:effectLst/>
+                      </a:endParaRPr>
+                    </a:p>
+                  </a:txBody>
+                  <a:tcPr marR="19050" marT="12700" marB="12700" anchor="b"/>
+                </a:tc>
+                <a:extLst>
+                  <a:ext uri="{0D108BD9-81ED-4DB2-BD59-A6C34878D82A}">
+                    <a16:rowId xmlns:a16="http://schemas.microsoft.com/office/drawing/2014/main" val="3269213842"/>
+                  </a:ext>
+                </a:extLst>
+              </a:tr>
+              <a:tr h="239486">
+                <a:tc>
+                  <a:txBody>
+                    <a:bodyPr/>
+                    <a:lstStyle/>
+                    <a:p>
+                      <a:pPr algn="r" rtl="0" fontAlgn="b"/>
+                      <a:r>
+                        <a:rPr lang="en-US" sz="1450" b="1" dirty="0">
+                          <a:effectLst/>
+                        </a:rPr>
+                        <a:t>10/21</a:t>
+                      </a:r>
+                    </a:p>
+                  </a:txBody>
+                  <a:tcPr marR="19050" marT="12700" marB="12700" anchor="b"/>
+                </a:tc>
+                <a:tc>
+                  <a:txBody>
+                    <a:bodyPr/>
+                    <a:lstStyle/>
+                    <a:p>
+                      <a:pPr rtl="0" fontAlgn="b"/>
+                      <a:r>
+                        <a:rPr lang="en-US" sz="1400">
+                          <a:effectLst/>
+                        </a:rPr>
+                        <a:t>Wed</a:t>
+                      </a:r>
+                    </a:p>
+                  </a:txBody>
+                  <a:tcPr marR="19050" marT="12700" marB="12700" anchor="b"/>
+                </a:tc>
+                <a:tc>
+                  <a:txBody>
+                    <a:bodyPr/>
+                    <a:lstStyle/>
+                    <a:p>
+                      <a:pPr rtl="0" fontAlgn="b"/>
+                      <a:r>
+                        <a:rPr lang="en-US" sz="1450">
+                          <a:effectLst/>
+                        </a:rPr>
+                        <a:t>5. Is the New Testament from Eyewitnesses?</a:t>
+                      </a:r>
+                    </a:p>
+                  </a:txBody>
+                  <a:tcPr marR="19050" marT="12700" marB="12700" anchor="b"/>
+                </a:tc>
+                <a:extLst>
+                  <a:ext uri="{0D108BD9-81ED-4DB2-BD59-A6C34878D82A}">
+                    <a16:rowId xmlns:a16="http://schemas.microsoft.com/office/drawing/2014/main" val="1273243464"/>
+                  </a:ext>
+                </a:extLst>
+              </a:tr>
+              <a:tr h="239486">
+                <a:tc>
+                  <a:txBody>
+                    <a:bodyPr/>
+                    <a:lstStyle/>
+                    <a:p>
+                      <a:pPr algn="r" rtl="0" fontAlgn="b"/>
+                      <a:r>
+                        <a:rPr lang="en-US" sz="1450" b="1" dirty="0">
+                          <a:effectLst/>
+                        </a:rPr>
+                        <a:t>10/25</a:t>
+                      </a:r>
+                    </a:p>
+                  </a:txBody>
+                  <a:tcPr marR="19050" marT="12700" marB="12700" anchor="b"/>
+                </a:tc>
+                <a:tc>
+                  <a:txBody>
+                    <a:bodyPr/>
+                    <a:lstStyle/>
+                    <a:p>
+                      <a:pPr rtl="0" fontAlgn="b"/>
+                      <a:r>
+                        <a:rPr lang="en-US" sz="1400">
+                          <a:effectLst/>
+                        </a:rPr>
+                        <a:t>Sun</a:t>
+                      </a:r>
+                    </a:p>
+                  </a:txBody>
+                  <a:tcPr marR="19050" marT="12700" marB="12700" anchor="b"/>
+                </a:tc>
+                <a:tc>
+                  <a:txBody>
+                    <a:bodyPr/>
+                    <a:lstStyle/>
+                    <a:p>
+                      <a:pPr rtl="0" fontAlgn="b"/>
+                      <a:r>
+                        <a:rPr lang="en-US" sz="1450" dirty="0">
+                          <a:effectLst/>
+                        </a:rPr>
+                        <a:t>6. Eyewitness Memory</a:t>
+                      </a:r>
+                    </a:p>
+                  </a:txBody>
+                  <a:tcPr marR="19050" marT="12700" marB="12700" anchor="b"/>
+                </a:tc>
+                <a:extLst>
+                  <a:ext uri="{0D108BD9-81ED-4DB2-BD59-A6C34878D82A}">
+                    <a16:rowId xmlns:a16="http://schemas.microsoft.com/office/drawing/2014/main" val="1173601279"/>
+                  </a:ext>
+                </a:extLst>
+              </a:tr>
+              <a:tr h="239486">
+                <a:tc>
+                  <a:txBody>
+                    <a:bodyPr/>
+                    <a:lstStyle/>
+                    <a:p>
+                      <a:pPr algn="r" rtl="0" fontAlgn="b"/>
+                      <a:r>
+                        <a:rPr lang="en-US" sz="1450" b="1">
+                          <a:effectLst/>
+                        </a:rPr>
+                        <a:t>10/28</a:t>
+                      </a:r>
+                    </a:p>
+                  </a:txBody>
+                  <a:tcPr marR="19050" marT="12700" marB="12700" anchor="b"/>
+                </a:tc>
+                <a:tc>
+                  <a:txBody>
+                    <a:bodyPr/>
+                    <a:lstStyle/>
+                    <a:p>
+                      <a:pPr rtl="0" fontAlgn="b"/>
+                      <a:r>
+                        <a:rPr lang="en-US" sz="1400">
+                          <a:effectLst/>
+                        </a:rPr>
+                        <a:t>Wed</a:t>
+                      </a:r>
+                    </a:p>
+                  </a:txBody>
+                  <a:tcPr marR="19050" marT="12700" marB="12700" anchor="b"/>
+                </a:tc>
+                <a:tc>
+                  <a:txBody>
+                    <a:bodyPr/>
+                    <a:lstStyle/>
+                    <a:p>
+                      <a:pPr rtl="0" fontAlgn="b"/>
+                      <a:r>
+                        <a:rPr lang="en-US" sz="1450" dirty="0">
+                          <a:effectLst/>
+                        </a:rPr>
+                        <a:t>8. Jesus the Rabbi (Ancient Teaching Methods)</a:t>
+                      </a:r>
+                    </a:p>
+                  </a:txBody>
+                  <a:tcPr marR="19050" marT="12700" marB="12700" anchor="b"/>
+                </a:tc>
+                <a:extLst>
+                  <a:ext uri="{0D108BD9-81ED-4DB2-BD59-A6C34878D82A}">
+                    <a16:rowId xmlns:a16="http://schemas.microsoft.com/office/drawing/2014/main" val="3560796865"/>
+                  </a:ext>
+                </a:extLst>
+              </a:tr>
+              <a:tr h="239486">
+                <a:tc>
+                  <a:txBody>
+                    <a:bodyPr/>
+                    <a:lstStyle/>
+                    <a:p>
+                      <a:pPr algn="r" rtl="0" fontAlgn="b"/>
+                      <a:r>
+                        <a:rPr lang="en-US" sz="1450" b="1" dirty="0">
+                          <a:effectLst/>
+                        </a:rPr>
+                        <a:t>11/1</a:t>
+                      </a:r>
+                    </a:p>
+                  </a:txBody>
+                  <a:tcPr marR="19050" marT="12700" marB="12700" anchor="b"/>
+                </a:tc>
+                <a:tc>
+                  <a:txBody>
+                    <a:bodyPr/>
+                    <a:lstStyle/>
+                    <a:p>
+                      <a:pPr rtl="0" fontAlgn="b"/>
+                      <a:r>
+                        <a:rPr lang="en-US" sz="1400">
+                          <a:effectLst/>
+                        </a:rPr>
+                        <a:t>Sun</a:t>
+                      </a:r>
+                    </a:p>
+                  </a:txBody>
+                  <a:tcPr marR="19050" marT="12700" marB="12700" anchor="b"/>
+                </a:tc>
+                <a:tc>
+                  <a:txBody>
+                    <a:bodyPr/>
+                    <a:lstStyle/>
+                    <a:p>
+                      <a:pPr rtl="0" fontAlgn="b"/>
+                      <a:r>
+                        <a:rPr lang="en-US" sz="1450" dirty="0">
+                          <a:effectLst/>
+                        </a:rPr>
+                        <a:t>9. How Not to Start a Religion</a:t>
+                      </a:r>
+                    </a:p>
+                  </a:txBody>
+                  <a:tcPr marR="19050" marT="12700" marB="12700" anchor="b"/>
+                </a:tc>
+                <a:extLst>
+                  <a:ext uri="{0D108BD9-81ED-4DB2-BD59-A6C34878D82A}">
+                    <a16:rowId xmlns:a16="http://schemas.microsoft.com/office/drawing/2014/main" val="2625146510"/>
+                  </a:ext>
+                </a:extLst>
+              </a:tr>
+              <a:tr h="239486">
+                <a:tc>
+                  <a:txBody>
+                    <a:bodyPr/>
+                    <a:lstStyle/>
+                    <a:p>
+                      <a:pPr algn="r" rtl="0" fontAlgn="b"/>
+                      <a:r>
+                        <a:rPr lang="en-US" sz="1450" b="1" dirty="0">
+                          <a:effectLst/>
+                        </a:rPr>
+                        <a:t>11/4</a:t>
+                      </a:r>
+                    </a:p>
+                  </a:txBody>
+                  <a:tcPr marR="19050" marT="12700" marB="12700" anchor="b"/>
+                </a:tc>
+                <a:tc>
+                  <a:txBody>
+                    <a:bodyPr/>
+                    <a:lstStyle/>
+                    <a:p>
+                      <a:pPr rtl="0" fontAlgn="b"/>
+                      <a:r>
+                        <a:rPr lang="en-US" sz="1400">
+                          <a:effectLst/>
+                        </a:rPr>
+                        <a:t>Wed</a:t>
+                      </a:r>
+                    </a:p>
+                  </a:txBody>
+                  <a:tcPr marR="19050" marT="12700" marB="12700" anchor="b"/>
+                </a:tc>
+                <a:tc>
+                  <a:txBody>
+                    <a:bodyPr/>
+                    <a:lstStyle/>
+                    <a:p>
+                      <a:pPr rtl="0" fontAlgn="b"/>
+                      <a:r>
+                        <a:rPr lang="en-US" sz="1450" dirty="0">
+                          <a:effectLst/>
+                        </a:rPr>
+                        <a:t>10. “Christians believe by ‘faith’, not facts”</a:t>
+                      </a:r>
+                    </a:p>
+                  </a:txBody>
+                  <a:tcPr marR="19050" marT="12700" marB="12700" anchor="b"/>
+                </a:tc>
+                <a:extLst>
+                  <a:ext uri="{0D108BD9-81ED-4DB2-BD59-A6C34878D82A}">
+                    <a16:rowId xmlns:a16="http://schemas.microsoft.com/office/drawing/2014/main" val="2783972990"/>
+                  </a:ext>
+                </a:extLst>
+              </a:tr>
+              <a:tr h="239486">
+                <a:tc>
+                  <a:txBody>
+                    <a:bodyPr/>
+                    <a:lstStyle/>
+                    <a:p>
+                      <a:pPr algn="r" rtl="0" fontAlgn="b"/>
+                      <a:r>
+                        <a:rPr lang="en-US" sz="1450" b="1" dirty="0">
+                          <a:effectLst/>
+                        </a:rPr>
+                        <a:t>11/8</a:t>
+                      </a:r>
+                    </a:p>
+                  </a:txBody>
+                  <a:tcPr marR="19050" marT="12700" marB="12700" anchor="b"/>
+                </a:tc>
+                <a:tc>
+                  <a:txBody>
+                    <a:bodyPr/>
+                    <a:lstStyle/>
+                    <a:p>
+                      <a:pPr rtl="0" fontAlgn="b"/>
+                      <a:r>
+                        <a:rPr lang="en-US" sz="1400">
+                          <a:effectLst/>
+                        </a:rPr>
+                        <a:t>Sun</a:t>
+                      </a:r>
+                    </a:p>
+                  </a:txBody>
+                  <a:tcPr marR="19050" marT="12700" marB="12700" anchor="b"/>
+                </a:tc>
+                <a:tc>
+                  <a:txBody>
+                    <a:bodyPr/>
+                    <a:lstStyle/>
+                    <a:p>
+                      <a:pPr rtl="0" fontAlgn="b"/>
+                      <a:r>
+                        <a:rPr lang="en-US" sz="1450" dirty="0">
+                          <a:effectLst/>
+                        </a:rPr>
+                        <a:t>11. Evidence for God that Everyone Has (Romans 1:18-23)</a:t>
+                      </a:r>
+                    </a:p>
+                  </a:txBody>
+                  <a:tcPr marR="19050" marT="12700" marB="12700" anchor="b"/>
+                </a:tc>
+                <a:extLst>
+                  <a:ext uri="{0D108BD9-81ED-4DB2-BD59-A6C34878D82A}">
+                    <a16:rowId xmlns:a16="http://schemas.microsoft.com/office/drawing/2014/main" val="4125240361"/>
+                  </a:ext>
+                </a:extLst>
+              </a:tr>
+              <a:tr h="239486">
+                <a:tc>
+                  <a:txBody>
+                    <a:bodyPr/>
+                    <a:lstStyle/>
+                    <a:p>
+                      <a:pPr algn="r" rtl="0" fontAlgn="b"/>
+                      <a:r>
+                        <a:rPr lang="en-US" sz="1450" b="1">
+                          <a:effectLst/>
+                        </a:rPr>
+                        <a:t>11/11</a:t>
+                      </a:r>
+                    </a:p>
+                  </a:txBody>
+                  <a:tcPr marR="19050" marT="12700" marB="12700" anchor="b"/>
+                </a:tc>
+                <a:tc>
+                  <a:txBody>
+                    <a:bodyPr/>
+                    <a:lstStyle/>
+                    <a:p>
+                      <a:pPr rtl="0" fontAlgn="b"/>
+                      <a:r>
+                        <a:rPr lang="en-US" sz="1400">
+                          <a:effectLst/>
+                        </a:rPr>
+                        <a:t>Wed</a:t>
+                      </a:r>
+                    </a:p>
+                  </a:txBody>
+                  <a:tcPr marR="19050" marT="12700" marB="12700" anchor="b"/>
+                </a:tc>
+                <a:tc>
+                  <a:txBody>
+                    <a:bodyPr/>
+                    <a:lstStyle/>
+                    <a:p>
+                      <a:pPr rtl="0" fontAlgn="b"/>
+                      <a:r>
+                        <a:rPr lang="en-US" sz="1450">
+                          <a:effectLst/>
+                        </a:rPr>
+                        <a:t>12. Undesigned Coincidences in the Gospels</a:t>
+                      </a:r>
+                    </a:p>
+                  </a:txBody>
+                  <a:tcPr marR="19050" marT="12700" marB="12700" anchor="b"/>
+                </a:tc>
+                <a:extLst>
+                  <a:ext uri="{0D108BD9-81ED-4DB2-BD59-A6C34878D82A}">
+                    <a16:rowId xmlns:a16="http://schemas.microsoft.com/office/drawing/2014/main" val="2907827969"/>
+                  </a:ext>
+                </a:extLst>
+              </a:tr>
+              <a:tr h="239486">
+                <a:tc>
+                  <a:txBody>
+                    <a:bodyPr/>
+                    <a:lstStyle/>
+                    <a:p>
+                      <a:pPr algn="r" rtl="0" fontAlgn="b"/>
+                      <a:r>
+                        <a:rPr lang="en-US" sz="1450" b="1" dirty="0">
+                          <a:effectLst/>
+                        </a:rPr>
+                        <a:t>11/15</a:t>
+                      </a:r>
+                    </a:p>
+                  </a:txBody>
+                  <a:tcPr marR="19050" marT="12700" marB="12700" anchor="b"/>
+                </a:tc>
+                <a:tc>
+                  <a:txBody>
+                    <a:bodyPr/>
+                    <a:lstStyle/>
+                    <a:p>
+                      <a:pPr rtl="0" fontAlgn="b"/>
+                      <a:r>
+                        <a:rPr lang="en-US" sz="1400">
+                          <a:effectLst/>
+                        </a:rPr>
+                        <a:t>Sun</a:t>
+                      </a:r>
+                    </a:p>
+                  </a:txBody>
+                  <a:tcPr marR="19050" marT="12700" marB="12700" anchor="b"/>
+                </a:tc>
+                <a:tc>
+                  <a:txBody>
+                    <a:bodyPr/>
+                    <a:lstStyle/>
+                    <a:p>
+                      <a:pPr rtl="0" fontAlgn="b"/>
+                      <a:r>
+                        <a:rPr lang="en-US" sz="1450" dirty="0">
+                          <a:effectLst/>
+                        </a:rPr>
+                        <a:t>13. Undesigned Coincidences in Paul’s Letters and Acts</a:t>
+                      </a:r>
+                    </a:p>
+                  </a:txBody>
+                  <a:tcPr marR="19050" marT="12700" marB="12700" anchor="b"/>
+                </a:tc>
+                <a:extLst>
+                  <a:ext uri="{0D108BD9-81ED-4DB2-BD59-A6C34878D82A}">
+                    <a16:rowId xmlns:a16="http://schemas.microsoft.com/office/drawing/2014/main" val="551262026"/>
+                  </a:ext>
+                </a:extLst>
+              </a:tr>
+              <a:tr h="239486">
+                <a:tc>
+                  <a:txBody>
+                    <a:bodyPr/>
+                    <a:lstStyle/>
+                    <a:p>
+                      <a:pPr algn="r" rtl="0" fontAlgn="b"/>
+                      <a:r>
+                        <a:rPr lang="en-US" sz="1450" b="1" dirty="0">
+                          <a:effectLst/>
+                        </a:rPr>
+                        <a:t>11/18</a:t>
+                      </a:r>
+                    </a:p>
+                  </a:txBody>
+                  <a:tcPr marR="19050" marT="12700" marB="12700" anchor="b"/>
+                </a:tc>
+                <a:tc>
+                  <a:txBody>
+                    <a:bodyPr/>
+                    <a:lstStyle/>
+                    <a:p>
+                      <a:pPr rtl="0" fontAlgn="b"/>
+                      <a:r>
+                        <a:rPr lang="en-US" sz="1400">
+                          <a:effectLst/>
+                        </a:rPr>
+                        <a:t>Wed</a:t>
+                      </a:r>
+                    </a:p>
+                  </a:txBody>
+                  <a:tcPr marR="19050" marT="12700" marB="12700" anchor="b"/>
+                </a:tc>
+                <a:tc>
+                  <a:txBody>
+                    <a:bodyPr/>
+                    <a:lstStyle/>
+                    <a:p>
+                      <a:pPr rtl="0" fontAlgn="b"/>
+                      <a:r>
+                        <a:rPr lang="en-US" sz="1450" dirty="0">
+                          <a:effectLst/>
+                        </a:rPr>
+                        <a:t>16. With the Gospel, I See the World as It Is</a:t>
+                      </a:r>
+                    </a:p>
+                  </a:txBody>
+                  <a:tcPr marR="19050" marT="12700" marB="12700" anchor="b"/>
+                </a:tc>
+                <a:extLst>
+                  <a:ext uri="{0D108BD9-81ED-4DB2-BD59-A6C34878D82A}">
+                    <a16:rowId xmlns:a16="http://schemas.microsoft.com/office/drawing/2014/main" val="1547523235"/>
+                  </a:ext>
+                </a:extLst>
+              </a:tr>
+              <a:tr h="239486">
+                <a:tc>
+                  <a:txBody>
+                    <a:bodyPr/>
+                    <a:lstStyle/>
+                    <a:p>
+                      <a:pPr algn="r" rtl="0" fontAlgn="b"/>
+                      <a:r>
+                        <a:rPr lang="en-US" sz="1450" b="1" dirty="0">
+                          <a:effectLst/>
+                        </a:rPr>
+                        <a:t>11/22</a:t>
+                      </a:r>
+                    </a:p>
+                  </a:txBody>
+                  <a:tcPr marR="19050" marT="12700" marB="12700" anchor="b"/>
+                </a:tc>
+                <a:tc>
+                  <a:txBody>
+                    <a:bodyPr/>
+                    <a:lstStyle/>
+                    <a:p>
+                      <a:pPr rtl="0" fontAlgn="b"/>
+                      <a:r>
+                        <a:rPr lang="en-US" sz="1400">
+                          <a:effectLst/>
+                        </a:rPr>
+                        <a:t>Sun</a:t>
+                      </a:r>
+                    </a:p>
+                  </a:txBody>
+                  <a:tcPr marR="19050" marT="12700" marB="12700" anchor="b"/>
+                </a:tc>
+                <a:tc>
+                  <a:txBody>
+                    <a:bodyPr/>
+                    <a:lstStyle/>
+                    <a:p>
+                      <a:pPr rtl="0" fontAlgn="b"/>
+                      <a:r>
+                        <a:rPr lang="en-US" sz="1450" dirty="0">
+                          <a:effectLst/>
+                        </a:rPr>
+                        <a:t>21. Regarding Miracles</a:t>
+                      </a:r>
+                    </a:p>
+                  </a:txBody>
+                  <a:tcPr marR="19050" marT="12700" marB="12700" anchor="b"/>
+                </a:tc>
+                <a:extLst>
+                  <a:ext uri="{0D108BD9-81ED-4DB2-BD59-A6C34878D82A}">
+                    <a16:rowId xmlns:a16="http://schemas.microsoft.com/office/drawing/2014/main" val="2108977981"/>
+                  </a:ext>
+                </a:extLst>
+              </a:tr>
+              <a:tr h="239486">
+                <a:tc>
+                  <a:txBody>
+                    <a:bodyPr/>
+                    <a:lstStyle/>
+                    <a:p>
+                      <a:pPr algn="r" rtl="0" fontAlgn="b"/>
+                      <a:r>
+                        <a:rPr lang="en-US" sz="1450" b="1" dirty="0">
+                          <a:solidFill>
+                            <a:srgbClr val="CA5C0E"/>
+                          </a:solidFill>
+                          <a:effectLst/>
+                        </a:rPr>
+                        <a:t>11/25</a:t>
+                      </a:r>
+                    </a:p>
+                  </a:txBody>
+                  <a:tcPr marR="19050" marT="12700" marB="12700" anchor="b"/>
+                </a:tc>
+                <a:tc>
+                  <a:txBody>
+                    <a:bodyPr/>
+                    <a:lstStyle/>
+                    <a:p>
+                      <a:pPr rtl="0" fontAlgn="b"/>
+                      <a:r>
+                        <a:rPr lang="en-US" sz="1400">
+                          <a:effectLst/>
+                        </a:rPr>
+                        <a:t>Wed</a:t>
+                      </a:r>
+                    </a:p>
+                  </a:txBody>
+                  <a:tcPr marR="19050" marT="12700" marB="12700" anchor="b"/>
+                </a:tc>
+                <a:tc>
+                  <a:txBody>
+                    <a:bodyPr/>
+                    <a:lstStyle/>
+                    <a:p>
+                      <a:pPr rtl="0" fontAlgn="b"/>
+                      <a:r>
+                        <a:rPr lang="en-US" sz="1450" dirty="0">
+                          <a:effectLst/>
+                        </a:rPr>
+                        <a:t>20. “Jesus didn't claim to be God” </a:t>
+                      </a:r>
+                    </a:p>
+                  </a:txBody>
+                  <a:tcPr marR="19050" marT="12700" marB="12700" anchor="b"/>
+                </a:tc>
+                <a:extLst>
+                  <a:ext uri="{0D108BD9-81ED-4DB2-BD59-A6C34878D82A}">
+                    <a16:rowId xmlns:a16="http://schemas.microsoft.com/office/drawing/2014/main" val="2044268151"/>
+                  </a:ext>
+                </a:extLst>
+              </a:tr>
+              <a:tr h="239486">
+                <a:tc>
+                  <a:txBody>
+                    <a:bodyPr/>
+                    <a:lstStyle/>
+                    <a:p>
+                      <a:pPr algn="r" rtl="0" fontAlgn="b"/>
+                      <a:r>
+                        <a:rPr lang="en-US" sz="1450" b="1" dirty="0">
+                          <a:solidFill>
+                            <a:srgbClr val="CA5C0E"/>
+                          </a:solidFill>
+                          <a:effectLst/>
+                        </a:rPr>
+                        <a:t>11/29</a:t>
+                      </a:r>
+                    </a:p>
+                  </a:txBody>
+                  <a:tcPr marR="19050" marT="12700" marB="12700" anchor="b"/>
+                </a:tc>
+                <a:tc>
+                  <a:txBody>
+                    <a:bodyPr/>
+                    <a:lstStyle/>
+                    <a:p>
+                      <a:pPr rtl="0" fontAlgn="b"/>
+                      <a:r>
+                        <a:rPr lang="en-US" sz="1400">
+                          <a:effectLst/>
+                        </a:rPr>
+                        <a:t>Sun</a:t>
+                      </a:r>
+                    </a:p>
+                  </a:txBody>
+                  <a:tcPr marR="19050" marT="12700" marB="12700" anchor="b"/>
+                </a:tc>
+                <a:tc>
+                  <a:txBody>
+                    <a:bodyPr/>
+                    <a:lstStyle/>
+                    <a:p>
+                      <a:pPr rtl="0" fontAlgn="b"/>
+                      <a:r>
+                        <a:rPr lang="en-US" sz="1450" dirty="0">
+                          <a:effectLst/>
+                        </a:rPr>
+                        <a:t>15. “You cannot trust the Gospel authors since they were Christians”</a:t>
+                      </a:r>
+                    </a:p>
+                  </a:txBody>
+                  <a:tcPr marR="19050" marT="12700" marB="12700" anchor="b"/>
+                </a:tc>
+                <a:extLst>
+                  <a:ext uri="{0D108BD9-81ED-4DB2-BD59-A6C34878D82A}">
+                    <a16:rowId xmlns:a16="http://schemas.microsoft.com/office/drawing/2014/main" val="3553861801"/>
+                  </a:ext>
+                </a:extLst>
+              </a:tr>
+              <a:tr h="239486">
+                <a:tc>
+                  <a:txBody>
+                    <a:bodyPr/>
+                    <a:lstStyle/>
+                    <a:p>
+                      <a:pPr algn="r" rtl="0" fontAlgn="b"/>
+                      <a:r>
+                        <a:rPr lang="en-US" sz="1450" b="1" dirty="0">
+                          <a:effectLst/>
+                        </a:rPr>
+                        <a:t>12/2</a:t>
+                      </a:r>
+                    </a:p>
+                  </a:txBody>
+                  <a:tcPr marR="19050" marT="12700" marB="12700" anchor="b"/>
+                </a:tc>
+                <a:tc>
+                  <a:txBody>
+                    <a:bodyPr/>
+                    <a:lstStyle/>
+                    <a:p>
+                      <a:pPr rtl="0" fontAlgn="b"/>
+                      <a:r>
+                        <a:rPr lang="en-US" sz="1400" dirty="0">
+                          <a:effectLst/>
+                        </a:rPr>
+                        <a:t>Wed</a:t>
+                      </a:r>
+                    </a:p>
+                  </a:txBody>
+                  <a:tcPr marR="19050" marT="12700" marB="12700" anchor="b"/>
+                </a:tc>
+                <a:tc>
+                  <a:txBody>
+                    <a:bodyPr/>
+                    <a:lstStyle/>
+                    <a:p>
+                      <a:pPr rtl="0" fontAlgn="b"/>
+                      <a:r>
+                        <a:rPr lang="en-US" sz="1450" dirty="0">
+                          <a:effectLst/>
+                        </a:rPr>
+                        <a:t>17. The Gospel According to God (Isaiah 53)</a:t>
+                      </a:r>
+                    </a:p>
+                  </a:txBody>
+                  <a:tcPr marR="19050" marT="12700" marB="12700" anchor="b"/>
+                </a:tc>
+                <a:extLst>
+                  <a:ext uri="{0D108BD9-81ED-4DB2-BD59-A6C34878D82A}">
+                    <a16:rowId xmlns:a16="http://schemas.microsoft.com/office/drawing/2014/main" val="2882778178"/>
+                  </a:ext>
+                </a:extLst>
+              </a:tr>
+              <a:tr h="239486">
+                <a:tc>
+                  <a:txBody>
+                    <a:bodyPr/>
+                    <a:lstStyle/>
+                    <a:p>
+                      <a:pPr algn="r" rtl="0" fontAlgn="b"/>
+                      <a:r>
+                        <a:rPr lang="en-US" sz="1450" b="1" dirty="0">
+                          <a:effectLst/>
+                        </a:rPr>
+                        <a:t>12/6</a:t>
+                      </a:r>
+                    </a:p>
+                  </a:txBody>
+                  <a:tcPr marR="19050" marT="12700" marB="12700" anchor="b"/>
+                </a:tc>
+                <a:tc>
+                  <a:txBody>
+                    <a:bodyPr/>
+                    <a:lstStyle/>
+                    <a:p>
+                      <a:pPr rtl="0" fontAlgn="b"/>
+                      <a:r>
+                        <a:rPr lang="en-US" sz="1400">
+                          <a:effectLst/>
+                        </a:rPr>
+                        <a:t>Sun</a:t>
+                      </a:r>
+                    </a:p>
+                  </a:txBody>
+                  <a:tcPr marR="19050" marT="12700" marB="12700" anchor="b"/>
+                </a:tc>
+                <a:tc>
+                  <a:txBody>
+                    <a:bodyPr/>
+                    <a:lstStyle/>
+                    <a:p>
+                      <a:pPr rtl="0" fontAlgn="b"/>
+                      <a:r>
+                        <a:rPr lang="en-US" sz="1450" dirty="0">
+                          <a:solidFill>
+                            <a:schemeClr val="tx1">
+                              <a:lumMod val="50000"/>
+                            </a:schemeClr>
+                          </a:solidFill>
+                          <a:effectLst/>
+                        </a:rPr>
+                        <a:t>(continue)</a:t>
+                      </a:r>
+                    </a:p>
+                  </a:txBody>
+                  <a:tcPr marR="19050" marT="12700" marB="12700" anchor="b"/>
+                </a:tc>
+                <a:extLst>
+                  <a:ext uri="{0D108BD9-81ED-4DB2-BD59-A6C34878D82A}">
+                    <a16:rowId xmlns:a16="http://schemas.microsoft.com/office/drawing/2014/main" val="1045007862"/>
+                  </a:ext>
+                </a:extLst>
+              </a:tr>
+              <a:tr h="239486">
+                <a:tc>
+                  <a:txBody>
+                    <a:bodyPr/>
+                    <a:lstStyle/>
+                    <a:p>
+                      <a:pPr algn="r" rtl="0" fontAlgn="b"/>
+                      <a:r>
+                        <a:rPr lang="en-US" sz="1450" b="1" dirty="0">
+                          <a:effectLst/>
+                        </a:rPr>
+                        <a:t>12/9</a:t>
+                      </a:r>
+                    </a:p>
+                  </a:txBody>
+                  <a:tcPr marR="19050" marT="12700" marB="12700" anchor="b"/>
+                </a:tc>
+                <a:tc>
+                  <a:txBody>
+                    <a:bodyPr/>
+                    <a:lstStyle/>
+                    <a:p>
+                      <a:pPr rtl="0" fontAlgn="b"/>
+                      <a:r>
+                        <a:rPr lang="en-US" sz="1400">
+                          <a:effectLst/>
+                        </a:rPr>
+                        <a:t>Wed</a:t>
+                      </a:r>
+                    </a:p>
+                  </a:txBody>
+                  <a:tcPr marR="19050" marT="12700" marB="12700" anchor="b"/>
+                </a:tc>
+                <a:tc>
+                  <a:txBody>
+                    <a:bodyPr/>
+                    <a:lstStyle/>
+                    <a:p>
+                      <a:pPr rtl="0" fontAlgn="b"/>
+                      <a:r>
+                        <a:rPr lang="en-US" sz="1450" dirty="0">
+                          <a:effectLst/>
+                        </a:rPr>
+                        <a:t>19. Out of Context I Called My Prophecy?</a:t>
+                      </a:r>
+                    </a:p>
+                  </a:txBody>
+                  <a:tcPr marR="19050" marT="12700" marB="12700" anchor="b"/>
+                </a:tc>
+                <a:extLst>
+                  <a:ext uri="{0D108BD9-81ED-4DB2-BD59-A6C34878D82A}">
+                    <a16:rowId xmlns:a16="http://schemas.microsoft.com/office/drawing/2014/main" val="652387442"/>
+                  </a:ext>
+                </a:extLst>
+              </a:tr>
+              <a:tr h="239486">
+                <a:tc>
+                  <a:txBody>
+                    <a:bodyPr/>
+                    <a:lstStyle/>
+                    <a:p>
+                      <a:pPr algn="r" rtl="0" fontAlgn="b"/>
+                      <a:r>
+                        <a:rPr lang="en-US" sz="1450" b="1" dirty="0">
+                          <a:effectLst/>
+                        </a:rPr>
+                        <a:t>12/13</a:t>
+                      </a:r>
+                    </a:p>
+                  </a:txBody>
+                  <a:tcPr marR="19050" marT="12700" marB="12700" anchor="b"/>
+                </a:tc>
+                <a:tc>
+                  <a:txBody>
+                    <a:bodyPr/>
+                    <a:lstStyle/>
+                    <a:p>
+                      <a:pPr rtl="0" fontAlgn="b"/>
+                      <a:r>
+                        <a:rPr lang="en-US" sz="1400">
+                          <a:effectLst/>
+                        </a:rPr>
+                        <a:t>Sun</a:t>
+                      </a:r>
+                    </a:p>
+                  </a:txBody>
+                  <a:tcPr marR="19050" marT="12700" marB="12700" anchor="b"/>
+                </a:tc>
+                <a:tc>
+                  <a:txBody>
+                    <a:bodyPr/>
+                    <a:lstStyle/>
+                    <a:p>
+                      <a:pPr rtl="0" fontAlgn="b"/>
+                      <a:r>
+                        <a:rPr lang="en-US" sz="1450" dirty="0">
+                          <a:effectLst/>
+                        </a:rPr>
+                        <a:t>24. Facts 1 &amp; 2: Jesus Died by Crucifixion and His Disciples Believed He Resurrected</a:t>
+                      </a:r>
+                    </a:p>
+                  </a:txBody>
+                  <a:tcPr marR="19050" marT="12700" marB="12700" anchor="b"/>
+                </a:tc>
+                <a:extLst>
+                  <a:ext uri="{0D108BD9-81ED-4DB2-BD59-A6C34878D82A}">
+                    <a16:rowId xmlns:a16="http://schemas.microsoft.com/office/drawing/2014/main" val="1633292291"/>
+                  </a:ext>
+                </a:extLst>
+              </a:tr>
+              <a:tr h="239486">
+                <a:tc>
+                  <a:txBody>
+                    <a:bodyPr/>
+                    <a:lstStyle/>
+                    <a:p>
+                      <a:pPr algn="r" rtl="0" fontAlgn="b"/>
+                      <a:r>
+                        <a:rPr lang="en-US" sz="1450" b="1" dirty="0">
+                          <a:effectLst/>
+                        </a:rPr>
+                        <a:t>12/16</a:t>
+                      </a:r>
+                    </a:p>
+                  </a:txBody>
+                  <a:tcPr marR="19050" marT="12700" marB="12700" anchor="b"/>
+                </a:tc>
+                <a:tc>
+                  <a:txBody>
+                    <a:bodyPr/>
+                    <a:lstStyle/>
+                    <a:p>
+                      <a:pPr rtl="0" fontAlgn="b"/>
+                      <a:r>
+                        <a:rPr lang="en-US" sz="1400">
+                          <a:effectLst/>
+                        </a:rPr>
+                        <a:t>Wed</a:t>
+                      </a:r>
+                    </a:p>
+                  </a:txBody>
+                  <a:tcPr marR="19050" marT="12700" marB="12700" anchor="b"/>
+                </a:tc>
+                <a:tc>
+                  <a:txBody>
+                    <a:bodyPr/>
+                    <a:lstStyle/>
+                    <a:p>
+                      <a:pPr rtl="0" fontAlgn="b"/>
+                      <a:r>
+                        <a:rPr lang="en-US" sz="1450" dirty="0">
+                          <a:effectLst/>
+                        </a:rPr>
+                        <a:t>25. Facts 3 &amp; 4: Early Skeptics (Paul and James) Became Believers; the Tomb was Empty</a:t>
+                      </a:r>
+                    </a:p>
+                  </a:txBody>
+                  <a:tcPr marR="19050" marT="12700" marB="12700" anchor="b"/>
+                </a:tc>
+                <a:extLst>
+                  <a:ext uri="{0D108BD9-81ED-4DB2-BD59-A6C34878D82A}">
+                    <a16:rowId xmlns:a16="http://schemas.microsoft.com/office/drawing/2014/main" val="965143370"/>
+                  </a:ext>
+                </a:extLst>
+              </a:tr>
+              <a:tr h="239486">
+                <a:tc>
+                  <a:txBody>
+                    <a:bodyPr/>
+                    <a:lstStyle/>
+                    <a:p>
+                      <a:pPr algn="r" rtl="0" fontAlgn="b"/>
+                      <a:r>
+                        <a:rPr lang="en-US" sz="1450" b="1" dirty="0">
+                          <a:effectLst/>
+                        </a:rPr>
+                        <a:t>12/20</a:t>
+                      </a:r>
+                    </a:p>
+                  </a:txBody>
+                  <a:tcPr marR="19050" marT="12700" marB="12700" anchor="b"/>
+                </a:tc>
+                <a:tc>
+                  <a:txBody>
+                    <a:bodyPr/>
+                    <a:lstStyle/>
+                    <a:p>
+                      <a:pPr rtl="0" fontAlgn="b"/>
+                      <a:r>
+                        <a:rPr lang="en-US" sz="1400">
+                          <a:effectLst/>
+                        </a:rPr>
+                        <a:t>Sun</a:t>
+                      </a:r>
+                    </a:p>
+                  </a:txBody>
+                  <a:tcPr marR="19050" marT="12700" marB="12700" anchor="b"/>
+                </a:tc>
+                <a:tc>
+                  <a:txBody>
+                    <a:bodyPr/>
+                    <a:lstStyle/>
+                    <a:p>
+                      <a:pPr rtl="0" fontAlgn="b"/>
+                      <a:r>
+                        <a:rPr lang="en-US" sz="1450" dirty="0">
+                          <a:effectLst/>
+                        </a:rPr>
+                        <a:t>27. Dealing with Doubt</a:t>
+                      </a:r>
+                    </a:p>
+                  </a:txBody>
+                  <a:tcPr marR="19050" marT="12700" marB="12700" anchor="b"/>
+                </a:tc>
+                <a:extLst>
+                  <a:ext uri="{0D108BD9-81ED-4DB2-BD59-A6C34878D82A}">
+                    <a16:rowId xmlns:a16="http://schemas.microsoft.com/office/drawing/2014/main" val="1289387815"/>
+                  </a:ext>
+                </a:extLst>
+              </a:tr>
+              <a:tr h="239486">
+                <a:tc>
+                  <a:txBody>
+                    <a:bodyPr/>
+                    <a:lstStyle/>
+                    <a:p>
+                      <a:pPr algn="r" rtl="0" fontAlgn="b"/>
+                      <a:r>
+                        <a:rPr lang="en-US" sz="1450" b="1" dirty="0">
+                          <a:solidFill>
+                            <a:srgbClr val="CA5C0E"/>
+                          </a:solidFill>
+                          <a:effectLst/>
+                        </a:rPr>
+                        <a:t>12/23</a:t>
+                      </a:r>
+                    </a:p>
+                  </a:txBody>
+                  <a:tcPr marR="19050" marT="12700" marB="12700" anchor="b"/>
+                </a:tc>
+                <a:tc>
+                  <a:txBody>
+                    <a:bodyPr/>
+                    <a:lstStyle/>
+                    <a:p>
+                      <a:pPr rtl="0" fontAlgn="b"/>
+                      <a:r>
+                        <a:rPr lang="en-US" sz="1400">
+                          <a:effectLst/>
+                        </a:rPr>
+                        <a:t>Wed</a:t>
+                      </a:r>
+                    </a:p>
+                  </a:txBody>
+                  <a:tcPr marR="19050" marT="12700" marB="12700" anchor="b"/>
+                </a:tc>
+                <a:tc>
+                  <a:txBody>
+                    <a:bodyPr/>
+                    <a:lstStyle/>
+                    <a:p>
+                      <a:pPr rtl="0" fontAlgn="b"/>
+                      <a:r>
+                        <a:rPr lang="en-US" sz="1450" dirty="0">
+                          <a:effectLst/>
+                        </a:rPr>
+                        <a:t>14. “The Bible is full of contradictions”</a:t>
+                      </a:r>
+                    </a:p>
+                  </a:txBody>
+                  <a:tcPr marR="19050" marT="12700" marB="12700" anchor="b"/>
+                </a:tc>
+                <a:extLst>
+                  <a:ext uri="{0D108BD9-81ED-4DB2-BD59-A6C34878D82A}">
+                    <a16:rowId xmlns:a16="http://schemas.microsoft.com/office/drawing/2014/main" val="3581082145"/>
+                  </a:ext>
+                </a:extLst>
+              </a:tr>
+              <a:tr h="239486">
+                <a:tc>
+                  <a:txBody>
+                    <a:bodyPr/>
+                    <a:lstStyle/>
+                    <a:p>
+                      <a:pPr algn="r" rtl="0" fontAlgn="b"/>
+                      <a:r>
+                        <a:rPr lang="en-US" sz="1450" b="1" dirty="0">
+                          <a:solidFill>
+                            <a:srgbClr val="CA5C0E"/>
+                          </a:solidFill>
+                          <a:effectLst/>
+                        </a:rPr>
+                        <a:t>12/27</a:t>
+                      </a:r>
+                    </a:p>
+                  </a:txBody>
+                  <a:tcPr marR="19050" marT="12700" marB="12700" anchor="b"/>
+                </a:tc>
+                <a:tc>
+                  <a:txBody>
+                    <a:bodyPr/>
+                    <a:lstStyle/>
+                    <a:p>
+                      <a:pPr rtl="0" fontAlgn="b"/>
+                      <a:r>
+                        <a:rPr lang="en-US" sz="1400">
+                          <a:effectLst/>
+                        </a:rPr>
+                        <a:t>Sun</a:t>
+                      </a:r>
+                    </a:p>
+                  </a:txBody>
+                  <a:tcPr marR="19050" marT="12700" marB="12700" anchor="b"/>
+                </a:tc>
+                <a:tc>
+                  <a:txBody>
+                    <a:bodyPr/>
+                    <a:lstStyle/>
+                    <a:p>
+                      <a:pPr rtl="0" fontAlgn="b"/>
+                      <a:r>
+                        <a:rPr lang="en-US" sz="1450" dirty="0">
+                          <a:effectLst/>
+                        </a:rPr>
+                        <a:t>22. “The copies of the New Testament have been corrupted beyond recovery”</a:t>
+                      </a:r>
+                    </a:p>
+                  </a:txBody>
+                  <a:tcPr marR="19050" marT="12700" marB="12700" anchor="b"/>
+                </a:tc>
+                <a:extLst>
+                  <a:ext uri="{0D108BD9-81ED-4DB2-BD59-A6C34878D82A}">
+                    <a16:rowId xmlns:a16="http://schemas.microsoft.com/office/drawing/2014/main" val="3347151234"/>
+                  </a:ext>
+                </a:extLst>
+              </a:tr>
+              <a:tr h="239486">
+                <a:tc>
+                  <a:txBody>
+                    <a:bodyPr/>
+                    <a:lstStyle/>
+                    <a:p>
+                      <a:pPr algn="r" rtl="0" fontAlgn="b"/>
+                      <a:r>
+                        <a:rPr lang="en-US" sz="1450" b="1" dirty="0">
+                          <a:solidFill>
+                            <a:srgbClr val="CA5C0E"/>
+                          </a:solidFill>
+                          <a:effectLst/>
+                        </a:rPr>
+                        <a:t>12/30</a:t>
+                      </a:r>
+                    </a:p>
+                  </a:txBody>
+                  <a:tcPr marR="19050" marT="12700" marB="12700" anchor="b"/>
+                </a:tc>
+                <a:tc>
+                  <a:txBody>
+                    <a:bodyPr/>
+                    <a:lstStyle/>
+                    <a:p>
+                      <a:pPr rtl="0" fontAlgn="b"/>
+                      <a:r>
+                        <a:rPr lang="en-US" sz="1400" dirty="0">
+                          <a:effectLst/>
+                        </a:rPr>
+                        <a:t>Wed</a:t>
+                      </a:r>
+                    </a:p>
+                  </a:txBody>
+                  <a:tcPr marR="19050" marT="12700" marB="12700" anchor="b"/>
+                </a:tc>
+                <a:tc>
+                  <a:txBody>
+                    <a:bodyPr/>
+                    <a:lstStyle/>
+                    <a:p>
+                      <a:pPr rtl="0" fontAlgn="b"/>
+                      <a:r>
+                        <a:rPr lang="en-US" sz="1450" dirty="0">
+                          <a:effectLst/>
+                        </a:rPr>
+                        <a:t>Review</a:t>
+                      </a:r>
+                    </a:p>
+                  </a:txBody>
+                  <a:tcPr marR="19050" marT="12700" marB="12700" anchor="b"/>
+                </a:tc>
+                <a:extLst>
+                  <a:ext uri="{0D108BD9-81ED-4DB2-BD59-A6C34878D82A}">
+                    <a16:rowId xmlns:a16="http://schemas.microsoft.com/office/drawing/2014/main" val="838480741"/>
+                  </a:ext>
+                </a:extLst>
+              </a:tr>
+            </a:tbl>
+          </a:graphicData>
+        </a:graphic>
+      </p:graphicFrame>
+    </p:spTree>
+    <p:extLst>
+      <p:ext uri="{BB962C8B-B14F-4D97-AF65-F5344CB8AC3E}">
+        <p14:creationId xmlns:p14="http://schemas.microsoft.com/office/powerpoint/2010/main" val="4294780552"/>
+      </p:ext>
+    </p:extLst>
+  </p:cSld>
+  <p:clrMapOvr>
+    <a:masterClrMapping/>
+  </p:clrMapOvr>
+  <p:timing>
+    <p:tnLst>
+      <p:par>
+        <p:cTn id="1" dur="indefinite" restart="never" nodeType="tmRoot">
+          <p:childTnLst>
+            <p:seq concurrent="1" nextAc="seek">
+              <p:cTn id="2" dur="indefinite" nodeType="mainSeq">
+                <p:childTnLst>
+                  <p:par>
+                    <p:cTn id="3" fill="hold">
+                      <p:stCondLst>
+                        <p:cond delay="indefinite"/>
+                      </p:stCondLst>
+                      <p:childTnLst>
+                        <p:par>
+                          <p:cTn id="4" fill="hold">
+                            <p:stCondLst>
+                              <p:cond delay="0"/>
+                            </p:stCondLst>
+                            <p:childTnLst>
+                              <p:par>
+                                <p:cTn id="5" presetID="10" presetClass="entr" presetSubtype="0" fill="hold" nodeType="clickEffect">
+                                  <p:stCondLst>
+                                    <p:cond delay="0"/>
+                                  </p:stCondLst>
+                                  <p:childTnLst>
+                                    <p:set>
+                                      <p:cBhvr>
+                                        <p:cTn id="6" dur="1" fill="hold">
+                                          <p:stCondLst>
+                                            <p:cond delay="0"/>
+                                          </p:stCondLst>
+                                        </p:cTn>
+                                        <p:tgtEl>
+                                          <p:spTgt spid="4"/>
+                                        </p:tgtEl>
+                                        <p:attrNameLst>
+                                          <p:attrName>style.visibility</p:attrName>
+                                        </p:attrNameLst>
+                                      </p:cBhvr>
+                                      <p:to>
+                                        <p:strVal val="visible"/>
+                                      </p:to>
+                                    </p:set>
+                                    <p:animEffect transition="in" filter="fade">
+                                      <p:cBhvr>
+                                        <p:cTn id="7" dur="250"/>
+                                        <p:tgtEl>
+                                          <p:spTgt spid="4"/>
+                                        </p:tgtEl>
+                                      </p:cBhvr>
+                                    </p:animEffect>
+                                  </p:childTnLst>
+                                </p:cTn>
+                              </p:par>
+                            </p:childTnLst>
+                          </p:cTn>
+                        </p:par>
+                      </p:childTnLst>
+                    </p:cTn>
+                  </p:par>
+                </p:childTnLst>
+              </p:cTn>
+              <p:prevCondLst>
+                <p:cond evt="onPrev" delay="0">
+                  <p:tgtEl>
+                    <p:sldTgt/>
+                  </p:tgtEl>
+                </p:cond>
+              </p:prevCondLst>
+              <p:nextCondLst>
+                <p:cond evt="onNext" delay="0">
+                  <p:tgtEl>
+                    <p:sldTgt/>
+                  </p:tgtEl>
+                </p:cond>
+              </p:nextCondLst>
+            </p:seq>
+          </p:childTnLst>
+        </p:cTn>
+      </p:par>
+    </p:tnLst>
+  </p:timing>
+</p:sld>
+</file>
+
+<file path=ppt/slides/slide12.xml><?xml version="1.0" encoding="utf-8"?>
+<p:sld xmlns:a="http://schemas.openxmlformats.org/drawingml/2006/main" xmlns:r="http://schemas.openxmlformats.org/officeDocument/2006/relationships" xmlns:p="http://schemas.openxmlformats.org/presentationml/2006/main">
+  <p:cSld>
+    <p:spTree>
+      <p:nvGrpSpPr>
+        <p:cNvPr id="1" name=""/>
+        <p:cNvGrpSpPr/>
+        <p:nvPr/>
+      </p:nvGrpSpPr>
+      <p:grpSpPr>
+        <a:xfrm>
+          <a:off x="0" y="0"/>
+          <a:ext cx="0" cy="0"/>
+          <a:chOff x="0" y="0"/>
+          <a:chExt cx="0" cy="0"/>
+        </a:xfrm>
+      </p:grpSpPr>
+      <p:graphicFrame>
+        <p:nvGraphicFramePr>
+          <p:cNvPr id="4" name="Table 3">
+            <a:extLst>
+              <a:ext uri="{FF2B5EF4-FFF2-40B4-BE49-F238E27FC236}">
+                <a16:creationId xmlns:a16="http://schemas.microsoft.com/office/drawing/2014/main" id="{8ACB85B9-0B66-4D24-8890-BE701F8DDFEC}"/>
+              </a:ext>
+            </a:extLst>
+          </p:cNvPr>
+          <p:cNvGraphicFramePr>
+            <a:graphicFrameLocks noGrp="1"/>
+          </p:cNvGraphicFramePr>
+          <p:nvPr>
+            <p:extLst>
+              <p:ext uri="{D42A27DB-BD31-4B8C-83A1-F6EECF244321}">
+                <p14:modId xmlns:p14="http://schemas.microsoft.com/office/powerpoint/2010/main" val="1304368198"/>
+              </p:ext>
+            </p:extLst>
+          </p:nvPr>
+        </p:nvGraphicFramePr>
+        <p:xfrm>
+          <a:off x="0" y="746760"/>
+          <a:ext cx="8763000" cy="4892040"/>
+        </p:xfrm>
+        <a:graphic>
+          <a:graphicData uri="http://schemas.openxmlformats.org/drawingml/2006/table">
+            <a:tbl>
+              <a:tblPr firstRow="1" bandRow="1">
+                <a:tableStyleId>{2D5ABB26-0587-4C30-8999-92F81FD0307C}</a:tableStyleId>
+              </a:tblPr>
+              <a:tblGrid>
+                <a:gridCol w="1149246">
+                  <a:extLst>
+                    <a:ext uri="{9D8B030D-6E8A-4147-A177-3AD203B41FA5}">
+                      <a16:colId xmlns:a16="http://schemas.microsoft.com/office/drawing/2014/main" val="3875889315"/>
+                    </a:ext>
+                  </a:extLst>
+                </a:gridCol>
+                <a:gridCol w="7613754">
+                  <a:extLst>
+                    <a:ext uri="{9D8B030D-6E8A-4147-A177-3AD203B41FA5}">
+                      <a16:colId xmlns:a16="http://schemas.microsoft.com/office/drawing/2014/main" val="3623029985"/>
+                    </a:ext>
+                  </a:extLst>
+                </a:gridCol>
+              </a:tblGrid>
+              <a:tr h="0">
+                <a:tc>
+                  <a:txBody>
+                    <a:bodyPr/>
+                    <a:lstStyle/>
+                    <a:p>
+                      <a:pPr algn="l" rtl="0" fontAlgn="t">
+                        <a:spcBef>
+                          <a:spcPts val="0"/>
+                        </a:spcBef>
+                        <a:spcAft>
+                          <a:spcPts val="0"/>
+                        </a:spcAft>
+                      </a:pPr>
+                      <a:endParaRPr lang="en-US" sz="4000" b="1" dirty="0">
+                        <a:solidFill>
+                          <a:srgbClr val="009EC0"/>
+                        </a:solidFill>
+                        <a:effectLst/>
+                        <a:latin typeface="+mj-lt"/>
+                      </a:endParaRPr>
+                    </a:p>
+                  </a:txBody>
+                  <a:tcPr marL="0" marR="0" marT="182880" marB="0" anchor="b">
+                    <a:lnL w="6350" cap="flat" cmpd="sng" algn="ctr">
+                      <a:noFill/>
+                      <a:prstDash val="solid"/>
+                      <a:round/>
+                      <a:headEnd type="none" w="med" len="med"/>
+                      <a:tailEnd type="none" w="med" len="med"/>
+                    </a:lnL>
+                    <a:lnR w="6350" cap="flat" cmpd="sng" algn="ctr">
+                      <a:solidFill>
+                        <a:schemeClr val="bg1">
+                          <a:lumMod val="65000"/>
+                          <a:lumOff val="35000"/>
+                        </a:schemeClr>
+                      </a:solidFill>
+                      <a:prstDash val="solid"/>
+                      <a:round/>
+                      <a:headEnd type="none" w="med" len="med"/>
+                      <a:tailEnd type="none" w="med" len="med"/>
+                    </a:lnR>
+                    <a:lnT>
+                      <a:noFill/>
+                    </a:lnT>
+                    <a:lnB>
+                      <a:noFill/>
+                    </a:lnB>
+                    <a:lnTlToBr w="12700" cmpd="sng">
+                      <a:noFill/>
+                      <a:prstDash val="solid"/>
+                    </a:lnTlToBr>
+                    <a:lnBlToTr w="12700" cmpd="sng">
+                      <a:noFill/>
+                      <a:prstDash val="solid"/>
+                    </a:lnBlToTr>
+                  </a:tcPr>
+                </a:tc>
+                <a:tc>
+                  <a:txBody>
+                    <a:bodyPr/>
+                    <a:lstStyle/>
+                    <a:p>
+                      <a:pPr algn="l" rtl="0" fontAlgn="t">
+                        <a:spcBef>
+                          <a:spcPts val="0"/>
+                        </a:spcBef>
+                        <a:spcAft>
+                          <a:spcPts val="0"/>
+                        </a:spcAft>
+                      </a:pPr>
+                      <a:r>
+                        <a:rPr lang="en-US" sz="4000" b="1" dirty="0">
+                          <a:solidFill>
+                            <a:srgbClr val="009EC0"/>
+                          </a:solidFill>
+                          <a:effectLst/>
+                          <a:latin typeface="+mj-lt"/>
+                        </a:rPr>
+                        <a:t>Lesson</a:t>
+                      </a:r>
+                    </a:p>
+                  </a:txBody>
+                  <a:tcPr marR="182880" marT="182880" marB="0" anchor="b">
+                    <a:lnL w="6350" cap="flat" cmpd="sng" algn="ctr">
+                      <a:solidFill>
+                        <a:schemeClr val="bg1">
+                          <a:lumMod val="65000"/>
+                          <a:lumOff val="35000"/>
+                        </a:schemeClr>
+                      </a:solidFill>
+                      <a:prstDash val="solid"/>
+                      <a:round/>
+                      <a:headEnd type="none" w="med" len="med"/>
+                      <a:tailEnd type="none" w="med" len="med"/>
+                    </a:lnL>
+                    <a:lnR w="3175" cap="flat" cmpd="sng" algn="ctr">
+                      <a:noFill/>
+                      <a:prstDash val="solid"/>
+                      <a:round/>
+                      <a:headEnd type="none" w="med" len="med"/>
+                      <a:tailEnd type="none" w="med" len="med"/>
+                    </a:lnR>
+                    <a:lnT>
+                      <a:noFill/>
+                    </a:lnT>
+                    <a:lnB>
+                      <a:noFill/>
+                    </a:lnB>
+                    <a:lnTlToBr w="12700" cmpd="sng">
+                      <a:noFill/>
+                      <a:prstDash val="solid"/>
+                    </a:lnTlToBr>
+                    <a:lnBlToTr w="12700" cmpd="sng">
+                      <a:noFill/>
+                      <a:prstDash val="solid"/>
+                    </a:lnBlToTr>
+                  </a:tcPr>
+                </a:tc>
+                <a:extLst>
+                  <a:ext uri="{0D108BD9-81ED-4DB2-BD59-A6C34878D82A}">
+                    <a16:rowId xmlns:a16="http://schemas.microsoft.com/office/drawing/2014/main" val="1136906228"/>
+                  </a:ext>
+                </a:extLst>
+              </a:tr>
+              <a:tr h="373063">
+                <a:tc>
+                  <a:txBody>
+                    <a:bodyPr/>
+                    <a:lstStyle/>
+                    <a:p>
+                      <a:pPr marL="0" marR="0" indent="0" algn="r" defTabSz="914400" rtl="0" eaLnBrk="1" fontAlgn="t" latinLnBrk="0" hangingPunct="1">
+                        <a:lnSpc>
+                          <a:spcPct val="100000"/>
+                        </a:lnSpc>
+                        <a:spcBef>
+                          <a:spcPts val="0"/>
+                        </a:spcBef>
+                        <a:spcAft>
+                          <a:spcPts val="0"/>
+                        </a:spcAft>
+                        <a:buClrTx/>
+                        <a:buSzTx/>
+                        <a:buFontTx/>
+                        <a:buNone/>
+                        <a:tabLst/>
+                        <a:defRPr/>
+                      </a:pPr>
+                      <a:r>
+                        <a:rPr lang="en-US" sz="2500" b="1" dirty="0">
+                          <a:solidFill>
+                            <a:schemeClr val="tx1"/>
+                          </a:solidFill>
+                          <a:effectLst/>
+                          <a:latin typeface="+mj-lt"/>
+                        </a:rPr>
+                        <a:t>7.</a:t>
+                      </a:r>
+                    </a:p>
+                  </a:txBody>
+                  <a:tcPr marL="0" marT="182880" marB="182880">
+                    <a:lnL>
+                      <a:noFill/>
+                    </a:lnL>
+                    <a:lnR w="6350" cap="flat" cmpd="sng" algn="ctr">
+                      <a:solidFill>
+                        <a:schemeClr val="bg1">
+                          <a:lumMod val="65000"/>
+                          <a:lumOff val="35000"/>
+                        </a:schemeClr>
+                      </a:solidFill>
+                      <a:prstDash val="solid"/>
+                      <a:round/>
+                      <a:headEnd type="none" w="med" len="med"/>
+                      <a:tailEnd type="none" w="med" len="med"/>
+                    </a:lnR>
+                    <a:lnT>
+                      <a:noFill/>
+                    </a:lnT>
+                    <a:lnB>
+                      <a:noFill/>
+                    </a:lnB>
+                    <a:lnTlToBr w="12700" cmpd="sng">
+                      <a:noFill/>
+                      <a:prstDash val="solid"/>
+                    </a:lnTlToBr>
+                    <a:lnBlToTr w="12700" cmpd="sng">
+                      <a:noFill/>
+                      <a:prstDash val="solid"/>
+                    </a:lnBlToTr>
+                  </a:tcPr>
+                </a:tc>
+                <a:tc>
+                  <a:txBody>
+                    <a:bodyPr/>
+                    <a:lstStyle/>
+                    <a:p>
+                      <a:pPr marL="0" marR="0" indent="0" algn="l" defTabSz="914400" rtl="0" eaLnBrk="1" fontAlgn="t" latinLnBrk="0" hangingPunct="1">
+                        <a:lnSpc>
+                          <a:spcPct val="100000"/>
+                        </a:lnSpc>
+                        <a:spcBef>
+                          <a:spcPts val="0"/>
+                        </a:spcBef>
+                        <a:spcAft>
+                          <a:spcPts val="0"/>
+                        </a:spcAft>
+                        <a:buClrTx/>
+                        <a:buSzTx/>
+                        <a:buFontTx/>
+                        <a:buNone/>
+                        <a:tabLst/>
+                        <a:defRPr/>
+                      </a:pPr>
+                      <a:r>
+                        <a:rPr lang="en-US" sz="2500" b="0" i="0" u="none" strike="noStrike" dirty="0">
+                          <a:solidFill>
+                            <a:schemeClr val="tx1"/>
+                          </a:solidFill>
+                          <a:effectLst/>
+                          <a:latin typeface="+mj-lt"/>
+                        </a:rPr>
+                        <a:t>The Primacy of the Primary Sources</a:t>
+                      </a:r>
+                      <a:endParaRPr lang="en-US" sz="2500" b="0" dirty="0">
+                        <a:solidFill>
+                          <a:schemeClr val="tx1"/>
+                        </a:solidFill>
+                        <a:effectLst/>
+                        <a:latin typeface="+mj-lt"/>
+                      </a:endParaRPr>
+                    </a:p>
+                  </a:txBody>
+                  <a:tcPr marR="182880" marT="182880" marB="182880">
+                    <a:lnL w="6350" cap="flat" cmpd="sng" algn="ctr">
+                      <a:solidFill>
+                        <a:schemeClr val="bg1">
+                          <a:lumMod val="65000"/>
+                          <a:lumOff val="35000"/>
+                        </a:schemeClr>
+                      </a:solidFill>
+                      <a:prstDash val="solid"/>
+                      <a:round/>
+                      <a:headEnd type="none" w="med" len="med"/>
+                      <a:tailEnd type="none" w="med" len="med"/>
+                    </a:lnL>
+                    <a:lnR w="3175" cap="flat" cmpd="sng" algn="ctr">
+                      <a:noFill/>
+                      <a:prstDash val="solid"/>
+                      <a:round/>
+                      <a:headEnd type="none" w="med" len="med"/>
+                      <a:tailEnd type="none" w="med" len="med"/>
+                    </a:lnR>
+                    <a:lnT>
+                      <a:noFill/>
+                    </a:lnT>
+                    <a:lnB>
+                      <a:noFill/>
+                    </a:lnB>
+                    <a:lnTlToBr w="12700" cmpd="sng">
+                      <a:noFill/>
+                      <a:prstDash val="solid"/>
+                    </a:lnTlToBr>
+                    <a:lnBlToTr w="12700" cmpd="sng">
+                      <a:noFill/>
+                      <a:prstDash val="solid"/>
+                    </a:lnBlToTr>
+                  </a:tcPr>
+                </a:tc>
+                <a:extLst>
+                  <a:ext uri="{0D108BD9-81ED-4DB2-BD59-A6C34878D82A}">
+                    <a16:rowId xmlns:a16="http://schemas.microsoft.com/office/drawing/2014/main" val="3592000535"/>
+                  </a:ext>
+                </a:extLst>
+              </a:tr>
+              <a:tr h="373063">
+                <a:tc>
+                  <a:txBody>
+                    <a:bodyPr/>
+                    <a:lstStyle/>
+                    <a:p>
+                      <a:pPr algn="r" rtl="0" fontAlgn="t">
+                        <a:spcBef>
+                          <a:spcPts val="0"/>
+                        </a:spcBef>
+                        <a:spcAft>
+                          <a:spcPts val="0"/>
+                        </a:spcAft>
+                      </a:pPr>
+                      <a:r>
+                        <a:rPr lang="en-US" sz="2500" b="1" dirty="0">
+                          <a:solidFill>
+                            <a:schemeClr val="tx1"/>
+                          </a:solidFill>
+                          <a:effectLst/>
+                          <a:latin typeface="+mj-lt"/>
+                        </a:rPr>
+                        <a:t>18.</a:t>
+                      </a:r>
+                    </a:p>
+                  </a:txBody>
+                  <a:tcPr marL="0" marT="274320" marB="182880">
+                    <a:lnL>
+                      <a:noFill/>
+                    </a:lnL>
+                    <a:lnR w="6350" cap="flat" cmpd="sng" algn="ctr">
+                      <a:solidFill>
+                        <a:schemeClr val="bg1">
+                          <a:lumMod val="65000"/>
+                          <a:lumOff val="35000"/>
+                        </a:schemeClr>
+                      </a:solidFill>
+                      <a:prstDash val="solid"/>
+                      <a:round/>
+                      <a:headEnd type="none" w="med" len="med"/>
+                      <a:tailEnd type="none" w="med" len="med"/>
+                    </a:lnR>
+                    <a:lnT>
+                      <a:noFill/>
+                    </a:lnT>
+                    <a:lnB>
+                      <a:noFill/>
+                    </a:lnB>
+                    <a:lnTlToBr w="12700" cmpd="sng">
+                      <a:noFill/>
+                      <a:prstDash val="solid"/>
+                    </a:lnTlToBr>
+                    <a:lnBlToTr w="12700" cmpd="sng">
+                      <a:noFill/>
+                      <a:prstDash val="solid"/>
+                    </a:lnBlToTr>
+                  </a:tcPr>
+                </a:tc>
+                <a:tc>
+                  <a:txBody>
+                    <a:bodyPr/>
+                    <a:lstStyle/>
+                    <a:p>
+                      <a:pPr algn="l" rtl="0" fontAlgn="t">
+                        <a:spcBef>
+                          <a:spcPts val="0"/>
+                        </a:spcBef>
+                        <a:spcAft>
+                          <a:spcPts val="0"/>
+                        </a:spcAft>
+                      </a:pPr>
+                      <a:r>
+                        <a:rPr lang="en-US" sz="2500" b="0" i="0" u="none" strike="noStrike" dirty="0">
+                          <a:solidFill>
+                            <a:schemeClr val="tx1"/>
+                          </a:solidFill>
+                          <a:effectLst/>
+                          <a:latin typeface="+mj-lt"/>
+                        </a:rPr>
+                        <a:t>“Isaiah 53 is not a good example of fulfilled prophecy”</a:t>
+                      </a:r>
+                      <a:endParaRPr lang="en-US" sz="2500" b="0" dirty="0">
+                        <a:solidFill>
+                          <a:schemeClr val="tx1"/>
+                        </a:solidFill>
+                        <a:effectLst/>
+                        <a:latin typeface="+mj-lt"/>
+                      </a:endParaRPr>
+                    </a:p>
+                  </a:txBody>
+                  <a:tcPr marR="182880" marT="274320" marB="182880">
+                    <a:lnL w="6350" cap="flat" cmpd="sng" algn="ctr">
+                      <a:solidFill>
+                        <a:schemeClr val="bg1">
+                          <a:lumMod val="65000"/>
+                          <a:lumOff val="35000"/>
+                        </a:schemeClr>
+                      </a:solidFill>
+                      <a:prstDash val="solid"/>
+                      <a:round/>
+                      <a:headEnd type="none" w="med" len="med"/>
+                      <a:tailEnd type="none" w="med" len="med"/>
+                    </a:lnL>
+                    <a:lnR w="3175" cap="flat" cmpd="sng" algn="ctr">
+                      <a:noFill/>
+                      <a:prstDash val="solid"/>
+                      <a:round/>
+                      <a:headEnd type="none" w="med" len="med"/>
+                      <a:tailEnd type="none" w="med" len="med"/>
+                    </a:lnR>
+                    <a:lnT>
+                      <a:noFill/>
+                    </a:lnT>
+                    <a:lnB>
+                      <a:noFill/>
+                    </a:lnB>
+                    <a:lnTlToBr w="12700" cmpd="sng">
+                      <a:noFill/>
+                      <a:prstDash val="solid"/>
+                    </a:lnTlToBr>
+                    <a:lnBlToTr w="12700" cmpd="sng">
+                      <a:noFill/>
+                      <a:prstDash val="solid"/>
+                    </a:lnBlToTr>
+                  </a:tcPr>
+                </a:tc>
+                <a:extLst>
+                  <a:ext uri="{0D108BD9-81ED-4DB2-BD59-A6C34878D82A}">
+                    <a16:rowId xmlns:a16="http://schemas.microsoft.com/office/drawing/2014/main" val="2330484482"/>
+                  </a:ext>
+                </a:extLst>
+              </a:tr>
+              <a:tr h="373063">
+                <a:tc>
+                  <a:txBody>
+                    <a:bodyPr/>
+                    <a:lstStyle/>
+                    <a:p>
+                      <a:pPr algn="r" rtl="0" fontAlgn="t">
+                        <a:spcBef>
+                          <a:spcPts val="0"/>
+                        </a:spcBef>
+                        <a:spcAft>
+                          <a:spcPts val="0"/>
+                        </a:spcAft>
+                      </a:pPr>
+                      <a:r>
+                        <a:rPr lang="en-US" sz="2500" b="1" dirty="0">
+                          <a:solidFill>
+                            <a:schemeClr val="tx1"/>
+                          </a:solidFill>
+                          <a:effectLst/>
+                          <a:latin typeface="+mj-lt"/>
+                        </a:rPr>
+                        <a:t>23.</a:t>
+                      </a:r>
+                    </a:p>
+                  </a:txBody>
+                  <a:tcPr marL="0" marT="274320" marB="182880">
+                    <a:lnL>
+                      <a:noFill/>
+                    </a:lnL>
+                    <a:lnR w="6350" cap="flat" cmpd="sng" algn="ctr">
+                      <a:solidFill>
+                        <a:schemeClr val="bg1">
+                          <a:lumMod val="65000"/>
+                          <a:lumOff val="35000"/>
+                        </a:schemeClr>
+                      </a:solidFill>
+                      <a:prstDash val="solid"/>
+                      <a:round/>
+                      <a:headEnd type="none" w="med" len="med"/>
+                      <a:tailEnd type="none" w="med" len="med"/>
+                    </a:lnR>
+                    <a:lnT>
+                      <a:noFill/>
+                    </a:lnT>
+                    <a:lnB>
+                      <a:noFill/>
+                    </a:lnB>
+                    <a:lnTlToBr w="12700" cmpd="sng">
+                      <a:noFill/>
+                      <a:prstDash val="solid"/>
+                    </a:lnTlToBr>
+                    <a:lnBlToTr w="12700" cmpd="sng">
+                      <a:noFill/>
+                      <a:prstDash val="solid"/>
+                    </a:lnBlToTr>
+                  </a:tcPr>
+                </a:tc>
+                <a:tc>
+                  <a:txBody>
+                    <a:bodyPr/>
+                    <a:lstStyle/>
+                    <a:p>
+                      <a:pPr algn="l" rtl="0" fontAlgn="t">
+                        <a:spcBef>
+                          <a:spcPts val="0"/>
+                        </a:spcBef>
+                        <a:spcAft>
+                          <a:spcPts val="0"/>
+                        </a:spcAft>
+                      </a:pPr>
+                      <a:r>
+                        <a:rPr lang="en-US" sz="2500" b="0" i="0" u="none" strike="noStrike" dirty="0">
+                          <a:solidFill>
+                            <a:schemeClr val="tx1"/>
+                          </a:solidFill>
+                          <a:effectLst/>
+                          <a:latin typeface="+mj-lt"/>
+                        </a:rPr>
+                        <a:t>Has the Bible Been Mistranslated?</a:t>
+                      </a:r>
+                      <a:endParaRPr lang="en-US" sz="2500" b="0" dirty="0">
+                        <a:solidFill>
+                          <a:schemeClr val="tx1"/>
+                        </a:solidFill>
+                        <a:effectLst/>
+                        <a:latin typeface="+mj-lt"/>
+                      </a:endParaRPr>
+                    </a:p>
+                  </a:txBody>
+                  <a:tcPr marR="182880" marT="274320" marB="182880">
+                    <a:lnL w="6350" cap="flat" cmpd="sng" algn="ctr">
+                      <a:solidFill>
+                        <a:schemeClr val="bg1">
+                          <a:lumMod val="65000"/>
+                          <a:lumOff val="35000"/>
+                        </a:schemeClr>
+                      </a:solidFill>
+                      <a:prstDash val="solid"/>
+                      <a:round/>
+                      <a:headEnd type="none" w="med" len="med"/>
+                      <a:tailEnd type="none" w="med" len="med"/>
+                    </a:lnL>
+                    <a:lnR w="3175" cap="flat" cmpd="sng" algn="ctr">
+                      <a:noFill/>
+                      <a:prstDash val="solid"/>
+                      <a:round/>
+                      <a:headEnd type="none" w="med" len="med"/>
+                      <a:tailEnd type="none" w="med" len="med"/>
+                    </a:lnR>
+                    <a:lnT>
+                      <a:noFill/>
+                    </a:lnT>
+                    <a:lnB>
+                      <a:noFill/>
+                    </a:lnB>
+                    <a:lnTlToBr w="12700" cmpd="sng">
+                      <a:noFill/>
+                      <a:prstDash val="solid"/>
+                    </a:lnTlToBr>
+                    <a:lnBlToTr w="12700" cmpd="sng">
+                      <a:noFill/>
+                      <a:prstDash val="solid"/>
+                    </a:lnBlToTr>
+                  </a:tcPr>
+                </a:tc>
+                <a:extLst>
+                  <a:ext uri="{0D108BD9-81ED-4DB2-BD59-A6C34878D82A}">
+                    <a16:rowId xmlns:a16="http://schemas.microsoft.com/office/drawing/2014/main" val="1564031315"/>
+                  </a:ext>
+                </a:extLst>
+              </a:tr>
+              <a:tr h="373063">
+                <a:tc>
+                  <a:txBody>
+                    <a:bodyPr/>
+                    <a:lstStyle/>
+                    <a:p>
+                      <a:pPr algn="r" rtl="0" fontAlgn="t">
+                        <a:spcBef>
+                          <a:spcPts val="0"/>
+                        </a:spcBef>
+                        <a:spcAft>
+                          <a:spcPts val="0"/>
+                        </a:spcAft>
+                      </a:pPr>
+                      <a:r>
+                        <a:rPr lang="en-US" sz="2500" b="1" dirty="0">
+                          <a:solidFill>
+                            <a:schemeClr val="tx1"/>
+                          </a:solidFill>
+                          <a:effectLst/>
+                          <a:latin typeface="+mj-lt"/>
+                        </a:rPr>
+                        <a:t>26.</a:t>
+                      </a:r>
+                    </a:p>
+                  </a:txBody>
+                  <a:tcPr marL="0" marT="274320" marB="182880">
+                    <a:lnL>
+                      <a:noFill/>
+                    </a:lnL>
+                    <a:lnR w="6350" cap="flat" cmpd="sng" algn="ctr">
+                      <a:solidFill>
+                        <a:schemeClr val="bg1">
+                          <a:lumMod val="65000"/>
+                          <a:lumOff val="35000"/>
+                        </a:schemeClr>
+                      </a:solidFill>
+                      <a:prstDash val="solid"/>
+                      <a:round/>
+                      <a:headEnd type="none" w="med" len="med"/>
+                      <a:tailEnd type="none" w="med" len="med"/>
+                    </a:lnR>
+                    <a:lnT>
+                      <a:noFill/>
+                    </a:lnT>
+                    <a:lnB>
+                      <a:noFill/>
+                    </a:lnB>
+                    <a:lnTlToBr w="12700" cmpd="sng">
+                      <a:noFill/>
+                      <a:prstDash val="solid"/>
+                    </a:lnTlToBr>
+                    <a:lnBlToTr w="12700" cmpd="sng">
+                      <a:noFill/>
+                      <a:prstDash val="solid"/>
+                    </a:lnBlToTr>
+                  </a:tcPr>
+                </a:tc>
+                <a:tc>
+                  <a:txBody>
+                    <a:bodyPr/>
+                    <a:lstStyle/>
+                    <a:p>
+                      <a:pPr algn="l" rtl="0" fontAlgn="t">
+                        <a:spcBef>
+                          <a:spcPts val="0"/>
+                        </a:spcBef>
+                        <a:spcAft>
+                          <a:spcPts val="0"/>
+                        </a:spcAft>
+                      </a:pPr>
+                      <a:r>
+                        <a:rPr lang="en-US" sz="2500" b="0" dirty="0">
+                          <a:solidFill>
+                            <a:schemeClr val="tx1"/>
+                          </a:solidFill>
+                          <a:effectLst/>
+                          <a:latin typeface="+mj-lt"/>
+                        </a:rPr>
+                        <a:t>Response to the Minimal Facts for the Resurrection</a:t>
+                      </a:r>
+                    </a:p>
+                  </a:txBody>
+                  <a:tcPr marR="182880" marT="274320" marB="182880">
+                    <a:lnL w="6350" cap="flat" cmpd="sng" algn="ctr">
+                      <a:solidFill>
+                        <a:schemeClr val="bg1">
+                          <a:lumMod val="65000"/>
+                          <a:lumOff val="35000"/>
+                        </a:schemeClr>
+                      </a:solidFill>
+                      <a:prstDash val="solid"/>
+                      <a:round/>
+                      <a:headEnd type="none" w="med" len="med"/>
+                      <a:tailEnd type="none" w="med" len="med"/>
+                    </a:lnL>
+                    <a:lnR w="3175" cap="flat" cmpd="sng" algn="ctr">
+                      <a:noFill/>
+                      <a:prstDash val="solid"/>
+                      <a:round/>
+                      <a:headEnd type="none" w="med" len="med"/>
+                      <a:tailEnd type="none" w="med" len="med"/>
+                    </a:lnR>
+                    <a:lnT>
+                      <a:noFill/>
+                    </a:lnT>
+                    <a:lnB>
+                      <a:noFill/>
+                    </a:lnB>
+                    <a:lnTlToBr w="12700" cmpd="sng">
+                      <a:noFill/>
+                      <a:prstDash val="solid"/>
+                    </a:lnTlToBr>
+                    <a:lnBlToTr w="12700" cmpd="sng">
+                      <a:noFill/>
+                      <a:prstDash val="solid"/>
+                    </a:lnBlToTr>
+                  </a:tcPr>
+                </a:tc>
+                <a:extLst>
+                  <a:ext uri="{0D108BD9-81ED-4DB2-BD59-A6C34878D82A}">
+                    <a16:rowId xmlns:a16="http://schemas.microsoft.com/office/drawing/2014/main" val="3045623234"/>
+                  </a:ext>
+                </a:extLst>
+              </a:tr>
+              <a:tr h="0">
+                <a:tc>
+                  <a:txBody>
+                    <a:bodyPr/>
+                    <a:lstStyle/>
+                    <a:p>
+                      <a:pPr marL="0" marR="0" lvl="0" indent="0" algn="r" defTabSz="914400" rtl="0" eaLnBrk="1" fontAlgn="t" latinLnBrk="0" hangingPunct="1">
+                        <a:lnSpc>
+                          <a:spcPct val="100000"/>
+                        </a:lnSpc>
+                        <a:spcBef>
+                          <a:spcPts val="0"/>
+                        </a:spcBef>
+                        <a:spcAft>
+                          <a:spcPts val="0"/>
+                        </a:spcAft>
+                        <a:buClrTx/>
+                        <a:buSzTx/>
+                        <a:buFontTx/>
+                        <a:buNone/>
+                        <a:tabLst/>
+                        <a:defRPr/>
+                      </a:pPr>
+                      <a:r>
+                        <a:rPr lang="en-US" sz="2500" b="1" kern="1200" dirty="0">
+                          <a:solidFill>
+                            <a:schemeClr val="tx1"/>
+                          </a:solidFill>
+                          <a:effectLst/>
+                          <a:latin typeface="+mn-lt"/>
+                          <a:ea typeface="+mn-ea"/>
+                          <a:cs typeface="+mn-cs"/>
+                        </a:rPr>
+                        <a:t>28.</a:t>
+                      </a:r>
+                    </a:p>
+                  </a:txBody>
+                  <a:tcPr marL="0" marT="274320" marB="182880">
+                    <a:lnL>
+                      <a:noFill/>
+                    </a:lnL>
+                    <a:lnR w="6350" cap="flat" cmpd="sng" algn="ctr">
+                      <a:solidFill>
+                        <a:schemeClr val="bg1">
+                          <a:lumMod val="65000"/>
+                          <a:lumOff val="35000"/>
+                        </a:schemeClr>
+                      </a:solidFill>
+                      <a:prstDash val="solid"/>
+                      <a:round/>
+                      <a:headEnd type="none" w="med" len="med"/>
+                      <a:tailEnd type="none" w="med" len="med"/>
+                    </a:lnR>
+                    <a:lnT>
+                      <a:noFill/>
+                    </a:lnT>
+                    <a:lnB>
+                      <a:noFill/>
+                    </a:lnB>
+                    <a:lnTlToBr w="12700" cmpd="sng">
+                      <a:noFill/>
+                      <a:prstDash val="solid"/>
+                    </a:lnTlToBr>
+                    <a:lnBlToTr w="12700" cmpd="sng">
+                      <a:noFill/>
+                      <a:prstDash val="solid"/>
+                    </a:lnBlToTr>
+                  </a:tcPr>
+                </a:tc>
+                <a:tc>
+                  <a:txBody>
+                    <a:bodyPr/>
+                    <a:lstStyle/>
+                    <a:p>
+                      <a:pPr marL="0" marR="0" lvl="0" indent="0" algn="l" defTabSz="914400" rtl="0" eaLnBrk="1" fontAlgn="t" latinLnBrk="0" hangingPunct="1">
+                        <a:lnSpc>
+                          <a:spcPct val="100000"/>
+                        </a:lnSpc>
+                        <a:spcBef>
+                          <a:spcPts val="0"/>
+                        </a:spcBef>
+                        <a:spcAft>
+                          <a:spcPts val="0"/>
+                        </a:spcAft>
+                        <a:buClrTx/>
+                        <a:buSzTx/>
+                        <a:buFontTx/>
+                        <a:buNone/>
+                        <a:tabLst/>
+                        <a:defRPr/>
+                      </a:pPr>
+                      <a:r>
+                        <a:rPr lang="en-US" sz="2500" b="0" kern="1200" dirty="0">
+                          <a:solidFill>
+                            <a:schemeClr val="tx1"/>
+                          </a:solidFill>
+                          <a:effectLst/>
+                          <a:latin typeface="+mn-lt"/>
+                          <a:ea typeface="+mn-ea"/>
+                          <a:cs typeface="+mn-cs"/>
+                        </a:rPr>
+                        <a:t>Why Doesn’t God Make Himself More Obvious?</a:t>
+                      </a:r>
+                    </a:p>
+                  </a:txBody>
+                  <a:tcPr marR="182880" marT="274320" marB="182880">
+                    <a:lnL w="6350" cap="flat" cmpd="sng" algn="ctr">
+                      <a:solidFill>
+                        <a:schemeClr val="bg1">
+                          <a:lumMod val="65000"/>
+                          <a:lumOff val="35000"/>
+                        </a:schemeClr>
+                      </a:solidFill>
+                      <a:prstDash val="solid"/>
+                      <a:round/>
+                      <a:headEnd type="none" w="med" len="med"/>
+                      <a:tailEnd type="none" w="med" len="med"/>
+                    </a:lnL>
+                    <a:lnR w="3175" cap="flat" cmpd="sng" algn="ctr">
+                      <a:noFill/>
+                      <a:prstDash val="solid"/>
+                      <a:round/>
+                      <a:headEnd type="none" w="med" len="med"/>
+                      <a:tailEnd type="none" w="med" len="med"/>
+                    </a:lnR>
+                    <a:lnT>
+                      <a:noFill/>
+                    </a:lnT>
+                    <a:lnB>
+                      <a:noFill/>
+                    </a:lnB>
+                    <a:lnTlToBr w="12700" cmpd="sng">
+                      <a:noFill/>
+                      <a:prstDash val="solid"/>
+                    </a:lnTlToBr>
+                    <a:lnBlToTr w="12700" cmpd="sng">
+                      <a:noFill/>
+                      <a:prstDash val="solid"/>
+                    </a:lnBlToTr>
+                  </a:tcPr>
+                </a:tc>
+                <a:extLst>
+                  <a:ext uri="{0D108BD9-81ED-4DB2-BD59-A6C34878D82A}">
+                    <a16:rowId xmlns:a16="http://schemas.microsoft.com/office/drawing/2014/main" val="887106883"/>
+                  </a:ext>
+                </a:extLst>
+              </a:tr>
+            </a:tbl>
+          </a:graphicData>
+        </a:graphic>
+      </p:graphicFrame>
+    </p:spTree>
+    <p:extLst>
+      <p:ext uri="{BB962C8B-B14F-4D97-AF65-F5344CB8AC3E}">
+        <p14:creationId xmlns:p14="http://schemas.microsoft.com/office/powerpoint/2010/main" val="1881070556"/>
+      </p:ext>
+    </p:extLst>
+  </p:cSld>
+  <p:clrMapOvr>
+    <a:masterClrMapping/>
+  </p:clrMapOvr>
+  <p:timing>
+    <p:tnLst>
+      <p:par>
+        <p:cTn id="1" dur="indefinite" restart="never" nodeType="tmRoot">
+          <p:childTnLst>
+            <p:seq concurrent="1" nextAc="seek">
+              <p:cTn id="2" dur="indefinite" nodeType="mainSeq">
+                <p:childTnLst>
+                  <p:par>
+                    <p:cTn id="3" fill="hold">
+                      <p:stCondLst>
+                        <p:cond delay="indefinite"/>
+                      </p:stCondLst>
+                      <p:childTnLst>
+                        <p:par>
+                          <p:cTn id="4" fill="hold">
+                            <p:stCondLst>
+                              <p:cond delay="0"/>
+                            </p:stCondLst>
+                            <p:childTnLst>
+                              <p:par>
+                                <p:cTn id="5" presetID="10" presetClass="entr" presetSubtype="0" fill="hold" nodeType="clickEffect">
+                                  <p:stCondLst>
+                                    <p:cond delay="0"/>
+                                  </p:stCondLst>
+                                  <p:childTnLst>
+                                    <p:set>
+                                      <p:cBhvr>
+                                        <p:cTn id="6" dur="1" fill="hold">
+                                          <p:stCondLst>
+                                            <p:cond delay="0"/>
+                                          </p:stCondLst>
+                                        </p:cTn>
+                                        <p:tgtEl>
+                                          <p:spTgt spid="4"/>
+                                        </p:tgtEl>
+                                        <p:attrNameLst>
+                                          <p:attrName>style.visibility</p:attrName>
+                                        </p:attrNameLst>
+                                      </p:cBhvr>
+                                      <p:to>
+                                        <p:strVal val="visible"/>
+                                      </p:to>
+                                    </p:set>
+                                    <p:animEffect transition="in" filter="fade">
+                                      <p:cBhvr>
+                                        <p:cTn id="7" dur="250"/>
+                                        <p:tgtEl>
+                                          <p:spTgt spid="4"/>
+                                        </p:tgtEl>
+                                      </p:cBhvr>
+                                    </p:animEffect>
+                                  </p:childTnLst>
+                                </p:cTn>
+                              </p:par>
+                            </p:childTnLst>
+                          </p:cTn>
+                        </p:par>
+                      </p:childTnLst>
+                    </p:cTn>
+                  </p:par>
+                </p:childTnLst>
+              </p:cTn>
+              <p:prevCondLst>
+                <p:cond evt="onPrev" delay="0">
+                  <p:tgtEl>
+                    <p:sldTgt/>
+                  </p:tgtEl>
+                </p:cond>
+              </p:prevCondLst>
+              <p:nextCondLst>
+                <p:cond evt="onNext" delay="0">
+                  <p:tgtEl>
+                    <p:sldTgt/>
+                  </p:tgtEl>
+                </p:cond>
+              </p:nextCondLst>
+            </p:seq>
+          </p:childTnLst>
+        </p:cTn>
+      </p:par>
+    </p:tnLst>
+  </p:timing>
+</p:sld>
+</file>
+
+<file path=ppt/slides/slide13.xml><?xml version="1.0" encoding="utf-8"?>
+<p:sld xmlns:a="http://schemas.openxmlformats.org/drawingml/2006/main" xmlns:r="http://schemas.openxmlformats.org/officeDocument/2006/relationships" xmlns:p="http://schemas.openxmlformats.org/presentationml/2006/main">
+  <p:cSld>
+    <p:spTree>
+      <p:nvGrpSpPr>
+        <p:cNvPr id="1" name=""/>
+        <p:cNvGrpSpPr/>
+        <p:nvPr/>
+      </p:nvGrpSpPr>
+      <p:grpSpPr>
+        <a:xfrm>
+          <a:off x="0" y="0"/>
+          <a:ext cx="0" cy="0"/>
+          <a:chOff x="0" y="0"/>
+          <a:chExt cx="0" cy="0"/>
+        </a:xfrm>
+      </p:grpSpPr>
     </p:spTree>
     <p:extLst>
       <p:ext uri="{BB962C8B-B14F-4D97-AF65-F5344CB8AC3E}">
@@ -5398,7 +8063,7 @@
 </p:sld>
 </file>
 
-<file path=ppt/slides/slide12.xml><?xml version="1.0" encoding="utf-8"?>
+<file path=ppt/slides/slide14.xml><?xml version="1.0" encoding="utf-8"?>
 <p:sld xmlns:a="http://schemas.openxmlformats.org/drawingml/2006/main" xmlns:r="http://schemas.openxmlformats.org/officeDocument/2006/relationships" xmlns:p="http://schemas.openxmlformats.org/presentationml/2006/main">
   <p:cSld>
     <p:spTree>
@@ -6394,7 +9059,7 @@
 </p:sld>
 </file>
 
-<file path=ppt/slides/slide13.xml><?xml version="1.0" encoding="utf-8"?>
+<file path=ppt/slides/slide15.xml><?xml version="1.0" encoding="utf-8"?>
 <p:sld xmlns:a="http://schemas.openxmlformats.org/drawingml/2006/main" xmlns:r="http://schemas.openxmlformats.org/officeDocument/2006/relationships" xmlns:p="http://schemas.openxmlformats.org/presentationml/2006/main">
   <p:cSld>
     <p:spTree>
@@ -7279,7 +9944,7 @@
 </p:sld>
 </file>
 
-<file path=ppt/slides/slide14.xml><?xml version="1.0" encoding="utf-8"?>
+<file path=ppt/slides/slide16.xml><?xml version="1.0" encoding="utf-8"?>
 <p:sld xmlns:a="http://schemas.openxmlformats.org/drawingml/2006/main" xmlns:r="http://schemas.openxmlformats.org/officeDocument/2006/relationships" xmlns:p="http://schemas.openxmlformats.org/presentationml/2006/main">
   <p:cSld>
     <p:spTree>

--- a/companion-website/public/files/0. Intro.pptx
+++ b/companion-website/public/files/0. Intro.pptx
@@ -223,7 +223,7 @@
           <a:p>
             <a:fld id="{8F7EB338-8BB0-B64B-9F79-C87EA24D723F}" type="datetimeFigureOut">
               <a:rPr lang="en-US" smtClean="0"/>
-              <a:t>10/3/2020</a:t>
+              <a:t>10/4/2020</a:t>
             </a:fld>
             <a:endParaRPr lang="en-US"/>
           </a:p>
@@ -1346,7 +1346,7 @@
             <a:fld id="{DBE77699-C466-4996-ADED-71C8160E04A2}" type="datetimeFigureOut">
               <a:rPr lang="en-US" smtClean="0"/>
               <a:pPr/>
-              <a:t>10/3/2020</a:t>
+              <a:t>10/4/2020</a:t>
             </a:fld>
             <a:endParaRPr lang="en-US"/>
           </a:p>
@@ -1511,7 +1511,7 @@
             <a:fld id="{DBE77699-C466-4996-ADED-71C8160E04A2}" type="datetimeFigureOut">
               <a:rPr lang="en-US" smtClean="0"/>
               <a:pPr/>
-              <a:t>10/3/2020</a:t>
+              <a:t>10/4/2020</a:t>
             </a:fld>
             <a:endParaRPr lang="en-US"/>
           </a:p>
@@ -1686,7 +1686,7 @@
             <a:fld id="{DBE77699-C466-4996-ADED-71C8160E04A2}" type="datetimeFigureOut">
               <a:rPr lang="en-US" smtClean="0"/>
               <a:pPr/>
-              <a:t>10/3/2020</a:t>
+              <a:t>10/4/2020</a:t>
             </a:fld>
             <a:endParaRPr lang="en-US"/>
           </a:p>
@@ -1865,7 +1865,7 @@
             <a:fld id="{DBE77699-C466-4996-ADED-71C8160E04A2}" type="datetimeFigureOut">
               <a:rPr lang="en-US" smtClean="0"/>
               <a:pPr/>
-              <a:t>10/3/2020</a:t>
+              <a:t>10/4/2020</a:t>
             </a:fld>
             <a:endParaRPr lang="en-US"/>
           </a:p>
@@ -2074,7 +2074,7 @@
             <a:fld id="{DBE77699-C466-4996-ADED-71C8160E04A2}" type="datetimeFigureOut">
               <a:rPr lang="en-US" smtClean="0"/>
               <a:pPr/>
-              <a:t>10/3/2020</a:t>
+              <a:t>10/4/2020</a:t>
             </a:fld>
             <a:endParaRPr lang="en-US"/>
           </a:p>
@@ -2316,7 +2316,7 @@
             <a:fld id="{DBE77699-C466-4996-ADED-71C8160E04A2}" type="datetimeFigureOut">
               <a:rPr lang="en-US" smtClean="0"/>
               <a:pPr/>
-              <a:t>10/3/2020</a:t>
+              <a:t>10/4/2020</a:t>
             </a:fld>
             <a:endParaRPr lang="en-US"/>
           </a:p>
@@ -2598,7 +2598,7 @@
             <a:fld id="{DBE77699-C466-4996-ADED-71C8160E04A2}" type="datetimeFigureOut">
               <a:rPr lang="en-US" smtClean="0"/>
               <a:pPr/>
-              <a:t>10/3/2020</a:t>
+              <a:t>10/4/2020</a:t>
             </a:fld>
             <a:endParaRPr lang="en-US"/>
           </a:p>
@@ -3014,7 +3014,7 @@
             <a:fld id="{DBE77699-C466-4996-ADED-71C8160E04A2}" type="datetimeFigureOut">
               <a:rPr lang="en-US" smtClean="0"/>
               <a:pPr/>
-              <a:t>10/3/2020</a:t>
+              <a:t>10/4/2020</a:t>
             </a:fld>
             <a:endParaRPr lang="en-US"/>
           </a:p>
@@ -3128,7 +3128,7 @@
             <a:fld id="{DBE77699-C466-4996-ADED-71C8160E04A2}" type="datetimeFigureOut">
               <a:rPr lang="en-US" smtClean="0"/>
               <a:pPr/>
-              <a:t>10/3/2020</a:t>
+              <a:t>10/4/2020</a:t>
             </a:fld>
             <a:endParaRPr lang="en-US"/>
           </a:p>
@@ -3220,7 +3220,7 @@
             <a:fld id="{DBE77699-C466-4996-ADED-71C8160E04A2}" type="datetimeFigureOut">
               <a:rPr lang="en-US" smtClean="0"/>
               <a:pPr/>
-              <a:t>10/3/2020</a:t>
+              <a:t>10/4/2020</a:t>
             </a:fld>
             <a:endParaRPr lang="en-US"/>
           </a:p>
@@ -3492,7 +3492,7 @@
             <a:fld id="{DBE77699-C466-4996-ADED-71C8160E04A2}" type="datetimeFigureOut">
               <a:rPr lang="en-US" smtClean="0"/>
               <a:pPr/>
-              <a:t>10/3/2020</a:t>
+              <a:t>10/4/2020</a:t>
             </a:fld>
             <a:endParaRPr lang="en-US"/>
           </a:p>
@@ -3741,7 +3741,7 @@
             <a:fld id="{DBE77699-C466-4996-ADED-71C8160E04A2}" type="datetimeFigureOut">
               <a:rPr lang="en-US" smtClean="0"/>
               <a:pPr/>
-              <a:t>10/3/2020</a:t>
+              <a:t>10/4/2020</a:t>
             </a:fld>
             <a:endParaRPr lang="en-US"/>
           </a:p>
@@ -3952,7 +3952,7 @@
             <a:fld id="{DBE77699-C466-4996-ADED-71C8160E04A2}" type="datetimeFigureOut">
               <a:rPr lang="en-US" smtClean="0"/>
               <a:pPr/>
-              <a:t>10/3/2020</a:t>
+              <a:t>10/4/2020</a:t>
             </a:fld>
             <a:endParaRPr lang="en-US"/>
           </a:p>
@@ -7247,7 +7247,7 @@
                   </a:ext>
                 </a:extLst>
               </a:tr>
-              <a:tr h="373063">
+              <a:tr h="0">
                 <a:tc>
                   <a:txBody>
                     <a:bodyPr/>
@@ -7397,7 +7397,7 @@
                   </a:ext>
                 </a:extLst>
               </a:tr>
-              <a:tr h="373063">
+              <a:tr h="0">
                 <a:tc>
                   <a:txBody>
                     <a:bodyPr/>
@@ -7529,7 +7529,7 @@
                   </a:ext>
                 </a:extLst>
               </a:tr>
-              <a:tr h="373063">
+              <a:tr h="0">
                 <a:tc>
                   <a:txBody>
                     <a:bodyPr/>
@@ -7661,7 +7661,7 @@
                   </a:ext>
                 </a:extLst>
               </a:tr>
-              <a:tr h="373063">
+              <a:tr h="0">
                 <a:tc>
                   <a:txBody>
                     <a:bodyPr/>
@@ -11096,43 +11096,6 @@
           <a:chExt cx="0" cy="0"/>
         </a:xfrm>
       </p:grpSpPr>
-      <p:sp>
-        <p:nvSpPr>
-          <p:cNvPr id="6" name="TextBox 5"/>
-          <p:cNvSpPr txBox="1"/>
-          <p:nvPr/>
-        </p:nvSpPr>
-        <p:spPr>
-          <a:xfrm>
-            <a:off x="228600" y="76200"/>
-            <a:ext cx="8610600" cy="1200329"/>
-          </a:xfrm>
-          <a:prstGeom prst="rect">
-            <a:avLst/>
-          </a:prstGeom>
-          <a:noFill/>
-        </p:spPr>
-        <p:txBody>
-          <a:bodyPr wrap="square" rtlCol="0">
-            <a:spAutoFit/>
-          </a:bodyPr>
-          <a:lstStyle/>
-          <a:p>
-            <a:r>
-              <a:rPr lang="en-US" sz="3600" b="1" dirty="0"/>
-              <a:t>Which would the large majority of </a:t>
-            </a:r>
-            <a:r>
-              <a:rPr lang="en-US" sz="3600" b="1" u="sng" dirty="0"/>
-              <a:t>non-believing</a:t>
-            </a:r>
-            <a:r>
-              <a:rPr lang="en-US" sz="3600" b="1" dirty="0"/>
-              <a:t> New Testament scholars agree to?</a:t>
-            </a:r>
-          </a:p>
-        </p:txBody>
-      </p:sp>
       <p:grpSp>
         <p:nvGrpSpPr>
           <p:cNvPr id="9" name="Group 8">
@@ -11280,49 +11243,6 @@
           </p:txBody>
         </p:sp>
       </p:grpSp>
-      <p:cxnSp>
-        <p:nvCxnSpPr>
-          <p:cNvPr id="8" name="Straight Connector 7">
-            <a:extLst>
-              <a:ext uri="{FF2B5EF4-FFF2-40B4-BE49-F238E27FC236}">
-                <a16:creationId xmlns:a16="http://schemas.microsoft.com/office/drawing/2014/main" id="{B1CE1C68-C736-2F42-AD3D-29FCB9A69CAD}"/>
-              </a:ext>
-            </a:extLst>
-          </p:cNvPr>
-          <p:cNvCxnSpPr>
-            <a:cxnSpLocks/>
-          </p:cNvCxnSpPr>
-          <p:nvPr/>
-        </p:nvCxnSpPr>
-        <p:spPr>
-          <a:xfrm>
-            <a:off x="304800" y="1295400"/>
-            <a:ext cx="8534400" cy="0"/>
-          </a:xfrm>
-          <a:prstGeom prst="line">
-            <a:avLst/>
-          </a:prstGeom>
-          <a:ln w="76200">
-            <a:solidFill>
-              <a:srgbClr val="009EC0"/>
-            </a:solidFill>
-          </a:ln>
-        </p:spPr>
-        <p:style>
-          <a:lnRef idx="1">
-            <a:schemeClr val="dk1"/>
-          </a:lnRef>
-          <a:fillRef idx="0">
-            <a:schemeClr val="dk1"/>
-          </a:fillRef>
-          <a:effectRef idx="0">
-            <a:schemeClr val="dk1"/>
-          </a:effectRef>
-          <a:fontRef idx="minor">
-            <a:schemeClr val="tx1"/>
-          </a:fontRef>
-        </p:style>
-      </p:cxnSp>
       <p:grpSp>
         <p:nvGrpSpPr>
           <p:cNvPr id="31" name="Group 30">
@@ -12129,7 +12049,7 @@
                             </p:stCondLst>
                             <p:childTnLst>
                               <p:par>
-                                <p:cTn id="5" presetID="10" presetClass="entr" presetSubtype="0" fill="hold" grpId="0" nodeType="clickEffect">
+                                <p:cTn id="5" presetID="10" presetClass="entr" presetSubtype="0" fill="hold" nodeType="clickEffect">
                                   <p:stCondLst>
                                     <p:cond delay="0"/>
                                   </p:stCondLst>
@@ -12137,103 +12057,6 @@
                                     <p:set>
                                       <p:cBhvr>
                                         <p:cTn id="6" dur="1" fill="hold">
-                                          <p:stCondLst>
-                                            <p:cond delay="0"/>
-                                          </p:stCondLst>
-                                        </p:cTn>
-                                        <p:tgtEl>
-                                          <p:spTgt spid="6"/>
-                                        </p:tgtEl>
-                                        <p:attrNameLst>
-                                          <p:attrName>style.visibility</p:attrName>
-                                        </p:attrNameLst>
-                                      </p:cBhvr>
-                                      <p:to>
-                                        <p:strVal val="visible"/>
-                                      </p:to>
-                                    </p:set>
-                                    <p:animEffect transition="in" filter="fade">
-                                      <p:cBhvr>
-                                        <p:cTn id="7" dur="250"/>
-                                        <p:tgtEl>
-                                          <p:spTgt spid="6"/>
-                                        </p:tgtEl>
-                                      </p:cBhvr>
-                                    </p:animEffect>
-                                  </p:childTnLst>
-                                </p:cTn>
-                              </p:par>
-                            </p:childTnLst>
-                          </p:cTn>
-                        </p:par>
-                        <p:par>
-                          <p:cTn id="8" fill="hold">
-                            <p:stCondLst>
-                              <p:cond delay="250"/>
-                            </p:stCondLst>
-                            <p:childTnLst>
-                              <p:par>
-                                <p:cTn id="9" presetID="10" presetClass="entr" presetSubtype="0" fill="hold" nodeType="afterEffect">
-                                  <p:stCondLst>
-                                    <p:cond delay="0"/>
-                                  </p:stCondLst>
-                                  <p:childTnLst>
-                                    <p:set>
-                                      <p:cBhvr>
-                                        <p:cTn id="10" dur="1" fill="hold">
-                                          <p:stCondLst>
-                                            <p:cond delay="0"/>
-                                          </p:stCondLst>
-                                        </p:cTn>
-                                        <p:tgtEl>
-                                          <p:spTgt spid="8"/>
-                                        </p:tgtEl>
-                                        <p:attrNameLst>
-                                          <p:attrName>style.visibility</p:attrName>
-                                        </p:attrNameLst>
-                                      </p:cBhvr>
-                                      <p:to>
-                                        <p:strVal val="visible"/>
-                                      </p:to>
-                                    </p:set>
-                                    <p:animEffect transition="in" filter="fade">
-                                      <p:cBhvr>
-                                        <p:cTn id="11" dur="250"/>
-                                        <p:tgtEl>
-                                          <p:spTgt spid="8"/>
-                                        </p:tgtEl>
-                                      </p:cBhvr>
-                                    </p:animEffect>
-                                  </p:childTnLst>
-                                </p:cTn>
-                              </p:par>
-                            </p:childTnLst>
-                          </p:cTn>
-                        </p:par>
-                      </p:childTnLst>
-                    </p:cTn>
-                  </p:par>
-                  <p:par>
-                    <p:cTn id="12" fill="hold">
-                      <p:stCondLst>
-                        <p:cond delay="indefinite"/>
-                      </p:stCondLst>
-                      <p:childTnLst>
-                        <p:par>
-                          <p:cTn id="13" fill="hold">
-                            <p:stCondLst>
-                              <p:cond delay="0"/>
-                            </p:stCondLst>
-                            <p:childTnLst>
-                              <p:par>
-                                <p:cTn id="14" presetID="10" presetClass="entr" presetSubtype="0" fill="hold" nodeType="clickEffect">
-                                  <p:stCondLst>
-                                    <p:cond delay="0"/>
-                                  </p:stCondLst>
-                                  <p:childTnLst>
-                                    <p:set>
-                                      <p:cBhvr>
-                                        <p:cTn id="15" dur="1" fill="hold">
                                           <p:stCondLst>
                                             <p:cond delay="0"/>
                                           </p:stCondLst>
@@ -12251,9 +12074,106 @@
                                     </p:set>
                                     <p:animEffect transition="in" filter="fade">
                                       <p:cBhvr>
+                                        <p:cTn id="7" dur="250"/>
+                                        <p:tgtEl>
+                                          <p:spTgt spid="9"/>
+                                        </p:tgtEl>
+                                      </p:cBhvr>
+                                    </p:animEffect>
+                                  </p:childTnLst>
+                                </p:cTn>
+                              </p:par>
+                            </p:childTnLst>
+                          </p:cTn>
+                        </p:par>
+                      </p:childTnLst>
+                    </p:cTn>
+                  </p:par>
+                  <p:par>
+                    <p:cTn id="8" fill="hold">
+                      <p:stCondLst>
+                        <p:cond delay="indefinite"/>
+                      </p:stCondLst>
+                      <p:childTnLst>
+                        <p:par>
+                          <p:cTn id="9" fill="hold">
+                            <p:stCondLst>
+                              <p:cond delay="0"/>
+                            </p:stCondLst>
+                            <p:childTnLst>
+                              <p:par>
+                                <p:cTn id="10" presetID="10" presetClass="exit" presetSubtype="0" fill="hold" nodeType="clickEffect">
+                                  <p:stCondLst>
+                                    <p:cond delay="0"/>
+                                  </p:stCondLst>
+                                  <p:childTnLst>
+                                    <p:animEffect transition="out" filter="fade">
+                                      <p:cBhvr>
+                                        <p:cTn id="11" dur="250"/>
+                                        <p:tgtEl>
+                                          <p:spTgt spid="9"/>
+                                        </p:tgtEl>
+                                      </p:cBhvr>
+                                    </p:animEffect>
+                                    <p:set>
+                                      <p:cBhvr>
+                                        <p:cTn id="12" dur="1" fill="hold">
+                                          <p:stCondLst>
+                                            <p:cond delay="249"/>
+                                          </p:stCondLst>
+                                        </p:cTn>
+                                        <p:tgtEl>
+                                          <p:spTgt spid="9"/>
+                                        </p:tgtEl>
+                                        <p:attrNameLst>
+                                          <p:attrName>style.visibility</p:attrName>
+                                        </p:attrNameLst>
+                                      </p:cBhvr>
+                                      <p:to>
+                                        <p:strVal val="hidden"/>
+                                      </p:to>
+                                    </p:set>
+                                  </p:childTnLst>
+                                </p:cTn>
+                              </p:par>
+                            </p:childTnLst>
+                          </p:cTn>
+                        </p:par>
+                        <p:par>
+                          <p:cTn id="13" fill="hold">
+                            <p:stCondLst>
+                              <p:cond delay="250"/>
+                            </p:stCondLst>
+                            <p:childTnLst>
+                              <p:par>
+                                <p:cTn id="14" presetID="10" presetClass="entr" presetSubtype="0" fill="hold" nodeType="afterEffect">
+                                  <p:stCondLst>
+                                    <p:cond delay="0"/>
+                                  </p:stCondLst>
+                                  <p:childTnLst>
+                                    <p:set>
+                                      <p:cBhvr>
+                                        <p:cTn id="15" dur="1" fill="hold">
+                                          <p:stCondLst>
+                                            <p:cond delay="0"/>
+                                          </p:stCondLst>
+                                        </p:cTn>
+                                        <p:tgtEl>
+                                          <p:spTgt spid="31"/>
+                                        </p:tgtEl>
+                                        <p:attrNameLst>
+                                          <p:attrName>style.visibility</p:attrName>
+                                        </p:attrNameLst>
+                                      </p:cBhvr>
+                                      <p:to>
+                                        <p:strVal val="visible"/>
+                                      </p:to>
+                                    </p:set>
+                                    <p:animEffect transition="in" filter="fade">
+                                      <p:cBhvr>
                                         <p:cTn id="16" dur="250"/>
                                         <p:tgtEl>
-                                          <p:spTgt spid="9"/>
+                                          <p:spTgt spid="31"/>
                                         </p:tgtEl>
                                       </p:cBhvr>
                                     </p:animEffect>
@@ -12288,7 +12208,7 @@
                                       <p:cBhvr>
                                         <p:cTn id="20" dur="250"/>
                                         <p:tgtEl>
-                                          <p:spTgt spid="9"/>
+                                          <p:spTgt spid="31"/>
                                         </p:tgtEl>
                                       </p:cBhvr>
                                     </p:animEffect>
@@ -12300,7 +12220,7 @@
                                           </p:stCondLst>
                                         </p:cTn>
                                         <p:tgtEl>
-                                          <p:spTgt spid="9"/>
+                                          <p:spTgt spid="31"/>
                                         </p:tgtEl>
                                         <p:attrNameLst>
                                           <p:attrName>style.visibility</p:attrName>
@@ -12336,7 +12256,7 @@
                                           </p:stCondLst>
                                         </p:cTn>
                                         <p:tgtEl>
-                                          <p:spTgt spid="31"/>
+                                          <p:spTgt spid="34"/>
                                         </p:tgtEl>
                                         <p:attrNameLst>
                                           <p:attrName>style.visibility</p:attrName>
@@ -12350,7 +12270,7 @@
                                       <p:cBhvr>
                                         <p:cTn id="25" dur="250"/>
                                         <p:tgtEl>
-                                          <p:spTgt spid="31"/>
+                                          <p:spTgt spid="34"/>
                                         </p:tgtEl>
                                       </p:cBhvr>
                                     </p:animEffect>
@@ -12385,7 +12305,7 @@
                                       <p:cBhvr>
                                         <p:cTn id="29" dur="250"/>
                                         <p:tgtEl>
-                                          <p:spTgt spid="31"/>
+                                          <p:spTgt spid="34"/>
                                         </p:tgtEl>
                                       </p:cBhvr>
                                     </p:animEffect>
@@ -12397,7 +12317,7 @@
                                           </p:stCondLst>
                                         </p:cTn>
                                         <p:tgtEl>
-                                          <p:spTgt spid="31"/>
+                                          <p:spTgt spid="34"/>
                                         </p:tgtEl>
                                         <p:attrNameLst>
                                           <p:attrName>style.visibility</p:attrName>
@@ -12433,7 +12353,7 @@
                                           </p:stCondLst>
                                         </p:cTn>
                                         <p:tgtEl>
-                                          <p:spTgt spid="34"/>
+                                          <p:spTgt spid="37"/>
                                         </p:tgtEl>
                                         <p:attrNameLst>
                                           <p:attrName>style.visibility</p:attrName>
@@ -12447,7 +12367,7 @@
                                       <p:cBhvr>
                                         <p:cTn id="34" dur="250"/>
                                         <p:tgtEl>
-                                          <p:spTgt spid="34"/>
+                                          <p:spTgt spid="37"/>
                                         </p:tgtEl>
                                       </p:cBhvr>
                                     </p:animEffect>
@@ -12482,7 +12402,7 @@
                                       <p:cBhvr>
                                         <p:cTn id="38" dur="250"/>
                                         <p:tgtEl>
-                                          <p:spTgt spid="34"/>
+                                          <p:spTgt spid="37"/>
                                         </p:tgtEl>
                                       </p:cBhvr>
                                     </p:animEffect>
@@ -12494,7 +12414,7 @@
                                           </p:stCondLst>
                                         </p:cTn>
                                         <p:tgtEl>
-                                          <p:spTgt spid="34"/>
+                                          <p:spTgt spid="37"/>
                                         </p:tgtEl>
                                         <p:attrNameLst>
                                           <p:attrName>style.visibility</p:attrName>
@@ -12530,7 +12450,7 @@
                                           </p:stCondLst>
                                         </p:cTn>
                                         <p:tgtEl>
-                                          <p:spTgt spid="37"/>
+                                          <p:spTgt spid="40"/>
                                         </p:tgtEl>
                                         <p:attrNameLst>
                                           <p:attrName>style.visibility</p:attrName>
@@ -12544,7 +12464,7 @@
                                       <p:cBhvr>
                                         <p:cTn id="43" dur="250"/>
                                         <p:tgtEl>
-                                          <p:spTgt spid="37"/>
+                                          <p:spTgt spid="40"/>
                                         </p:tgtEl>
                                       </p:cBhvr>
                                     </p:animEffect>
@@ -12579,7 +12499,7 @@
                                       <p:cBhvr>
                                         <p:cTn id="47" dur="250"/>
                                         <p:tgtEl>
-                                          <p:spTgt spid="37"/>
+                                          <p:spTgt spid="40"/>
                                         </p:tgtEl>
                                       </p:cBhvr>
                                     </p:animEffect>
@@ -12591,7 +12511,7 @@
                                           </p:stCondLst>
                                         </p:cTn>
                                         <p:tgtEl>
-                                          <p:spTgt spid="37"/>
+                                          <p:spTgt spid="40"/>
                                         </p:tgtEl>
                                         <p:attrNameLst>
                                           <p:attrName>style.visibility</p:attrName>
@@ -12627,7 +12547,7 @@
                                           </p:stCondLst>
                                         </p:cTn>
                                         <p:tgtEl>
-                                          <p:spTgt spid="40"/>
+                                          <p:spTgt spid="43"/>
                                         </p:tgtEl>
                                         <p:attrNameLst>
                                           <p:attrName>style.visibility</p:attrName>
@@ -12641,7 +12561,7 @@
                                       <p:cBhvr>
                                         <p:cTn id="52" dur="250"/>
                                         <p:tgtEl>
-                                          <p:spTgt spid="40"/>
+                                          <p:spTgt spid="43"/>
                                         </p:tgtEl>
                                       </p:cBhvr>
                                     </p:animEffect>
@@ -12676,110 +12596,13 @@
                                       <p:cBhvr>
                                         <p:cTn id="56" dur="250"/>
                                         <p:tgtEl>
-                                          <p:spTgt spid="40"/>
+                                          <p:spTgt spid="43"/>
                                         </p:tgtEl>
                                       </p:cBhvr>
                                     </p:animEffect>
                                     <p:set>
                                       <p:cBhvr>
                                         <p:cTn id="57" dur="1" fill="hold">
-                                          <p:stCondLst>
-                                            <p:cond delay="249"/>
-                                          </p:stCondLst>
-                                        </p:cTn>
-                                        <p:tgtEl>
-                                          <p:spTgt spid="40"/>
-                                        </p:tgtEl>
-                                        <p:attrNameLst>
-                                          <p:attrName>style.visibility</p:attrName>
-                                        </p:attrNameLst>
-                                      </p:cBhvr>
-                                      <p:to>
-                                        <p:strVal val="hidden"/>
-                                      </p:to>
-                                    </p:set>
-                                  </p:childTnLst>
-                                </p:cTn>
-                              </p:par>
-                            </p:childTnLst>
-                          </p:cTn>
-                        </p:par>
-                        <p:par>
-                          <p:cTn id="58" fill="hold">
-                            <p:stCondLst>
-                              <p:cond delay="250"/>
-                            </p:stCondLst>
-                            <p:childTnLst>
-                              <p:par>
-                                <p:cTn id="59" presetID="10" presetClass="entr" presetSubtype="0" fill="hold" nodeType="afterEffect">
-                                  <p:stCondLst>
-                                    <p:cond delay="0"/>
-                                  </p:stCondLst>
-                                  <p:childTnLst>
-                                    <p:set>
-                                      <p:cBhvr>
-                                        <p:cTn id="60" dur="1" fill="hold">
-                                          <p:stCondLst>
-                                            <p:cond delay="0"/>
-                                          </p:stCondLst>
-                                        </p:cTn>
-                                        <p:tgtEl>
-                                          <p:spTgt spid="43"/>
-                                        </p:tgtEl>
-                                        <p:attrNameLst>
-                                          <p:attrName>style.visibility</p:attrName>
-                                        </p:attrNameLst>
-                                      </p:cBhvr>
-                                      <p:to>
-                                        <p:strVal val="visible"/>
-                                      </p:to>
-                                    </p:set>
-                                    <p:animEffect transition="in" filter="fade">
-                                      <p:cBhvr>
-                                        <p:cTn id="61" dur="250"/>
-                                        <p:tgtEl>
-                                          <p:spTgt spid="43"/>
-                                        </p:tgtEl>
-                                      </p:cBhvr>
-                                    </p:animEffect>
-                                  </p:childTnLst>
-                                </p:cTn>
-                              </p:par>
-                            </p:childTnLst>
-                          </p:cTn>
-                        </p:par>
-                      </p:childTnLst>
-                    </p:cTn>
-                  </p:par>
-                  <p:par>
-                    <p:cTn id="62" fill="hold">
-                      <p:stCondLst>
-                        <p:cond delay="indefinite"/>
-                      </p:stCondLst>
-                      <p:childTnLst>
-                        <p:par>
-                          <p:cTn id="63" fill="hold">
-                            <p:stCondLst>
-                              <p:cond delay="0"/>
-                            </p:stCondLst>
-                            <p:childTnLst>
-                              <p:par>
-                                <p:cTn id="64" presetID="10" presetClass="exit" presetSubtype="0" fill="hold" nodeType="clickEffect">
-                                  <p:stCondLst>
-                                    <p:cond delay="0"/>
-                                  </p:stCondLst>
-                                  <p:childTnLst>
-                                    <p:animEffect transition="out" filter="fade">
-                                      <p:cBhvr>
-                                        <p:cTn id="65" dur="250"/>
-                                        <p:tgtEl>
-                                          <p:spTgt spid="43"/>
-                                        </p:tgtEl>
-                                      </p:cBhvr>
-                                    </p:animEffect>
-                                    <p:set>
-                                      <p:cBhvr>
-                                        <p:cTn id="66" dur="1" fill="hold">
                                           <p:stCondLst>
                                             <p:cond delay="249"/>
                                           </p:stCondLst>
@@ -12825,9 +12648,6 @@
         </p:cTn>
       </p:par>
     </p:tnLst>
-    <p:bldLst>
-      <p:bldP spid="6" grpId="0"/>
-    </p:bldLst>
   </p:timing>
 </p:sld>
 </file>
@@ -12849,86 +12669,6 @@
           <a:chExt cx="0" cy="0"/>
         </a:xfrm>
       </p:grpSpPr>
-      <p:sp>
-        <p:nvSpPr>
-          <p:cNvPr id="6" name="TextBox 5"/>
-          <p:cNvSpPr txBox="1"/>
-          <p:nvPr/>
-        </p:nvSpPr>
-        <p:spPr>
-          <a:xfrm>
-            <a:off x="228600" y="76200"/>
-            <a:ext cx="8610600" cy="1200329"/>
-          </a:xfrm>
-          <a:prstGeom prst="rect">
-            <a:avLst/>
-          </a:prstGeom>
-          <a:noFill/>
-        </p:spPr>
-        <p:txBody>
-          <a:bodyPr wrap="square" rtlCol="0">
-            <a:spAutoFit/>
-          </a:bodyPr>
-          <a:lstStyle/>
-          <a:p>
-            <a:r>
-              <a:rPr lang="en-US" sz="3600" b="1" dirty="0"/>
-              <a:t>Which would the large majority of </a:t>
-            </a:r>
-            <a:r>
-              <a:rPr lang="en-US" sz="3600" b="1" u="sng" dirty="0"/>
-              <a:t>non-believing</a:t>
-            </a:r>
-            <a:r>
-              <a:rPr lang="en-US" sz="3600" b="1" dirty="0"/>
-              <a:t> New Testament scholars agree to?</a:t>
-            </a:r>
-          </a:p>
-        </p:txBody>
-      </p:sp>
-      <p:cxnSp>
-        <p:nvCxnSpPr>
-          <p:cNvPr id="8" name="Straight Connector 7">
-            <a:extLst>
-              <a:ext uri="{FF2B5EF4-FFF2-40B4-BE49-F238E27FC236}">
-                <a16:creationId xmlns:a16="http://schemas.microsoft.com/office/drawing/2014/main" id="{B1CE1C68-C736-2F42-AD3D-29FCB9A69CAD}"/>
-              </a:ext>
-            </a:extLst>
-          </p:cNvPr>
-          <p:cNvCxnSpPr>
-            <a:cxnSpLocks/>
-          </p:cNvCxnSpPr>
-          <p:nvPr/>
-        </p:nvCxnSpPr>
-        <p:spPr>
-          <a:xfrm>
-            <a:off x="304800" y="1295400"/>
-            <a:ext cx="8534400" cy="0"/>
-          </a:xfrm>
-          <a:prstGeom prst="line">
-            <a:avLst/>
-          </a:prstGeom>
-          <a:ln w="76200">
-            <a:solidFill>
-              <a:srgbClr val="009EC0"/>
-            </a:solidFill>
-          </a:ln>
-        </p:spPr>
-        <p:style>
-          <a:lnRef idx="1">
-            <a:schemeClr val="dk1"/>
-          </a:lnRef>
-          <a:fillRef idx="0">
-            <a:schemeClr val="dk1"/>
-          </a:fillRef>
-          <a:effectRef idx="0">
-            <a:schemeClr val="dk1"/>
-          </a:effectRef>
-          <a:fontRef idx="minor">
-            <a:schemeClr val="tx1"/>
-          </a:fontRef>
-        </p:style>
-      </p:cxnSp>
       <p:grpSp>
         <p:nvGrpSpPr>
           <p:cNvPr id="22" name="Group 21">
@@ -12943,7 +12683,7 @@
         </p:nvGrpSpPr>
         <p:grpSpPr>
           <a:xfrm>
-            <a:off x="529046" y="2502694"/>
+            <a:off x="529046" y="1828801"/>
             <a:ext cx="8538754" cy="703657"/>
             <a:chOff x="533400" y="2895600"/>
             <a:chExt cx="8538754" cy="685800"/>
@@ -13106,7 +12846,7 @@
         </p:nvGrpSpPr>
         <p:grpSpPr>
           <a:xfrm>
-            <a:off x="533400" y="1664493"/>
+            <a:off x="533400" y="990600"/>
             <a:ext cx="8001000" cy="703656"/>
             <a:chOff x="533400" y="1833265"/>
             <a:chExt cx="8001000" cy="685800"/>
@@ -13253,7 +12993,7 @@
         </p:nvGrpSpPr>
         <p:grpSpPr>
           <a:xfrm>
-            <a:off x="533400" y="4179096"/>
+            <a:off x="533400" y="3505203"/>
             <a:ext cx="8610600" cy="703658"/>
             <a:chOff x="533400" y="2895599"/>
             <a:chExt cx="8449654" cy="685801"/>
@@ -13400,7 +13140,7 @@
         </p:nvGrpSpPr>
         <p:grpSpPr>
           <a:xfrm>
-            <a:off x="533400" y="5011342"/>
+            <a:off x="533400" y="4337449"/>
             <a:ext cx="8001000" cy="703658"/>
             <a:chOff x="533400" y="2895599"/>
             <a:chExt cx="8001000" cy="685801"/>
@@ -13547,7 +13287,7 @@
         </p:nvGrpSpPr>
         <p:grpSpPr>
           <a:xfrm>
-            <a:off x="529046" y="5849542"/>
+            <a:off x="529046" y="5175649"/>
             <a:ext cx="8001000" cy="703658"/>
             <a:chOff x="533400" y="2895599"/>
             <a:chExt cx="8001000" cy="685801"/>
@@ -13710,7 +13450,7 @@
         </p:nvGrpSpPr>
         <p:grpSpPr>
           <a:xfrm>
-            <a:off x="529046" y="3346844"/>
+            <a:off x="529046" y="2672951"/>
             <a:ext cx="8538754" cy="685801"/>
             <a:chOff x="533400" y="2895599"/>
             <a:chExt cx="8538754" cy="685801"/>
@@ -13865,7 +13605,7 @@
         </p:nvGrpSpPr>
         <p:grpSpPr>
           <a:xfrm>
-            <a:off x="73461" y="1762780"/>
+            <a:off x="73461" y="1088887"/>
             <a:ext cx="464856" cy="4742880"/>
             <a:chOff x="73461" y="1762780"/>
             <a:chExt cx="464856" cy="4742880"/>

--- a/companion-website/public/files/0. Intro.pptx
+++ b/companion-website/public/files/0. Intro.pptx
@@ -5,25 +5,30 @@
     <p:sldMasterId id="2147483648" r:id="rId1"/>
   </p:sldMasterIdLst>
   <p:notesMasterIdLst>
-    <p:notesMasterId r:id="rId18"/>
+    <p:notesMasterId r:id="rId23"/>
   </p:notesMasterIdLst>
   <p:sldIdLst>
     <p:sldId id="275" r:id="rId2"/>
-    <p:sldId id="460" r:id="rId3"/>
-    <p:sldId id="461" r:id="rId4"/>
-    <p:sldId id="452" r:id="rId5"/>
-    <p:sldId id="453" r:id="rId6"/>
-    <p:sldId id="277" r:id="rId7"/>
-    <p:sldId id="448" r:id="rId8"/>
-    <p:sldId id="456" r:id="rId9"/>
-    <p:sldId id="451" r:id="rId10"/>
-    <p:sldId id="450" r:id="rId11"/>
-    <p:sldId id="462" r:id="rId12"/>
-    <p:sldId id="467" r:id="rId13"/>
-    <p:sldId id="441" r:id="rId14"/>
-    <p:sldId id="459" r:id="rId15"/>
-    <p:sldId id="455" r:id="rId16"/>
-    <p:sldId id="457" r:id="rId17"/>
+    <p:sldId id="468" r:id="rId3"/>
+    <p:sldId id="469" r:id="rId4"/>
+    <p:sldId id="470" r:id="rId5"/>
+    <p:sldId id="471" r:id="rId6"/>
+    <p:sldId id="472" r:id="rId7"/>
+    <p:sldId id="473" r:id="rId8"/>
+    <p:sldId id="461" r:id="rId9"/>
+    <p:sldId id="452" r:id="rId10"/>
+    <p:sldId id="453" r:id="rId11"/>
+    <p:sldId id="277" r:id="rId12"/>
+    <p:sldId id="448" r:id="rId13"/>
+    <p:sldId id="456" r:id="rId14"/>
+    <p:sldId id="451" r:id="rId15"/>
+    <p:sldId id="450" r:id="rId16"/>
+    <p:sldId id="462" r:id="rId17"/>
+    <p:sldId id="467" r:id="rId18"/>
+    <p:sldId id="441" r:id="rId19"/>
+    <p:sldId id="459" r:id="rId20"/>
+    <p:sldId id="455" r:id="rId21"/>
+    <p:sldId id="457" r:id="rId22"/>
   </p:sldIdLst>
   <p:sldSz cx="9144000" cy="6858000" type="screen4x3"/>
   <p:notesSz cx="6858000" cy="9144000"/>
@@ -223,7 +228,7 @@
           <a:p>
             <a:fld id="{8F7EB338-8BB0-B64B-9F79-C87EA24D723F}" type="datetimeFigureOut">
               <a:rPr lang="en-US" smtClean="0"/>
-              <a:t>10/4/2020</a:t>
+              <a:t>1/23/2021</a:t>
             </a:fld>
             <a:endParaRPr lang="en-US"/>
           </a:p>
@@ -564,7 +569,343 @@
     </p:spTree>
     <p:extLst>
       <p:ext uri="{BB962C8B-B14F-4D97-AF65-F5344CB8AC3E}">
-        <p14:creationId xmlns:p14="http://schemas.microsoft.com/office/powerpoint/2010/main" val="144522873"/>
+        <p14:creationId xmlns:p14="http://schemas.microsoft.com/office/powerpoint/2010/main" val="3143517811"/>
+      </p:ext>
+    </p:extLst>
+  </p:cSld>
+  <p:clrMapOvr>
+    <a:masterClrMapping/>
+  </p:clrMapOvr>
+</p:notes>
+</file>
+
+<file path=ppt/notesSlides/notesSlide10.xml><?xml version="1.0" encoding="utf-8"?>
+<p:notes xmlns:a="http://schemas.openxmlformats.org/drawingml/2006/main" xmlns:r="http://schemas.openxmlformats.org/officeDocument/2006/relationships" xmlns:p="http://schemas.openxmlformats.org/presentationml/2006/main">
+  <p:cSld>
+    <p:spTree>
+      <p:nvGrpSpPr>
+        <p:cNvPr id="1" name=""/>
+        <p:cNvGrpSpPr/>
+        <p:nvPr/>
+      </p:nvGrpSpPr>
+      <p:grpSpPr>
+        <a:xfrm>
+          <a:off x="0" y="0"/>
+          <a:ext cx="0" cy="0"/>
+          <a:chOff x="0" y="0"/>
+          <a:chExt cx="0" cy="0"/>
+        </a:xfrm>
+      </p:grpSpPr>
+      <p:sp>
+        <p:nvSpPr>
+          <p:cNvPr id="2" name="Slide Image Placeholder 1"/>
+          <p:cNvSpPr>
+            <a:spLocks noGrp="1" noRot="1" noChangeAspect="1"/>
+          </p:cNvSpPr>
+          <p:nvPr>
+            <p:ph type="sldImg"/>
+          </p:nvPr>
+        </p:nvSpPr>
+        <p:spPr/>
+      </p:sp>
+      <p:sp>
+        <p:nvSpPr>
+          <p:cNvPr id="3" name="Notes Placeholder 2"/>
+          <p:cNvSpPr>
+            <a:spLocks noGrp="1"/>
+          </p:cNvSpPr>
+          <p:nvPr>
+            <p:ph type="body" idx="1"/>
+          </p:nvPr>
+        </p:nvSpPr>
+        <p:spPr/>
+        <p:txBody>
+          <a:bodyPr/>
+          <a:lstStyle/>
+          <a:p>
+            <a:endParaRPr lang="en-US" dirty="0"/>
+          </a:p>
+        </p:txBody>
+      </p:sp>
+      <p:sp>
+        <p:nvSpPr>
+          <p:cNvPr id="4" name="Slide Number Placeholder 3"/>
+          <p:cNvSpPr>
+            <a:spLocks noGrp="1"/>
+          </p:cNvSpPr>
+          <p:nvPr>
+            <p:ph type="sldNum" sz="quarter" idx="10"/>
+          </p:nvPr>
+        </p:nvSpPr>
+        <p:spPr/>
+        <p:txBody>
+          <a:bodyPr/>
+          <a:lstStyle/>
+          <a:p>
+            <a:fld id="{0A2C3B37-55FA-284F-9E83-751B4EA6E9B4}" type="slidenum">
+              <a:rPr lang="en-US" smtClean="0"/>
+              <a:t>12</a:t>
+            </a:fld>
+            <a:endParaRPr lang="en-US"/>
+          </a:p>
+        </p:txBody>
+      </p:sp>
+    </p:spTree>
+    <p:extLst>
+      <p:ext uri="{BB962C8B-B14F-4D97-AF65-F5344CB8AC3E}">
+        <p14:creationId xmlns:p14="http://schemas.microsoft.com/office/powerpoint/2010/main" val="3015579558"/>
+      </p:ext>
+    </p:extLst>
+  </p:cSld>
+  <p:clrMapOvr>
+    <a:masterClrMapping/>
+  </p:clrMapOvr>
+</p:notes>
+</file>
+
+<file path=ppt/notesSlides/notesSlide11.xml><?xml version="1.0" encoding="utf-8"?>
+<p:notes xmlns:a="http://schemas.openxmlformats.org/drawingml/2006/main" xmlns:r="http://schemas.openxmlformats.org/officeDocument/2006/relationships" xmlns:p="http://schemas.openxmlformats.org/presentationml/2006/main">
+  <p:cSld>
+    <p:spTree>
+      <p:nvGrpSpPr>
+        <p:cNvPr id="1" name=""/>
+        <p:cNvGrpSpPr/>
+        <p:nvPr/>
+      </p:nvGrpSpPr>
+      <p:grpSpPr>
+        <a:xfrm>
+          <a:off x="0" y="0"/>
+          <a:ext cx="0" cy="0"/>
+          <a:chOff x="0" y="0"/>
+          <a:chExt cx="0" cy="0"/>
+        </a:xfrm>
+      </p:grpSpPr>
+      <p:sp>
+        <p:nvSpPr>
+          <p:cNvPr id="2" name="Slide Image Placeholder 1"/>
+          <p:cNvSpPr>
+            <a:spLocks noGrp="1" noRot="1" noChangeAspect="1"/>
+          </p:cNvSpPr>
+          <p:nvPr>
+            <p:ph type="sldImg"/>
+          </p:nvPr>
+        </p:nvSpPr>
+        <p:spPr/>
+      </p:sp>
+      <p:sp>
+        <p:nvSpPr>
+          <p:cNvPr id="3" name="Notes Placeholder 2"/>
+          <p:cNvSpPr>
+            <a:spLocks noGrp="1"/>
+          </p:cNvSpPr>
+          <p:nvPr>
+            <p:ph type="body" idx="1"/>
+          </p:nvPr>
+        </p:nvSpPr>
+        <p:spPr/>
+        <p:txBody>
+          <a:bodyPr/>
+          <a:lstStyle/>
+          <a:p>
+            <a:endParaRPr lang="en-US" dirty="0"/>
+          </a:p>
+        </p:txBody>
+      </p:sp>
+      <p:sp>
+        <p:nvSpPr>
+          <p:cNvPr id="4" name="Slide Number Placeholder 3"/>
+          <p:cNvSpPr>
+            <a:spLocks noGrp="1"/>
+          </p:cNvSpPr>
+          <p:nvPr>
+            <p:ph type="sldNum" sz="quarter" idx="5"/>
+          </p:nvPr>
+        </p:nvSpPr>
+        <p:spPr/>
+        <p:txBody>
+          <a:bodyPr/>
+          <a:lstStyle/>
+          <a:p>
+            <a:fld id="{E31E1A05-B3B6-6F43-8051-B5A825C5C2A3}" type="slidenum">
+              <a:rPr lang="en-US" smtClean="0"/>
+              <a:t>14</a:t>
+            </a:fld>
+            <a:endParaRPr lang="en-US"/>
+          </a:p>
+        </p:txBody>
+      </p:sp>
+    </p:spTree>
+    <p:extLst>
+      <p:ext uri="{BB962C8B-B14F-4D97-AF65-F5344CB8AC3E}">
+        <p14:creationId xmlns:p14="http://schemas.microsoft.com/office/powerpoint/2010/main" val="778014357"/>
+      </p:ext>
+    </p:extLst>
+  </p:cSld>
+  <p:clrMapOvr>
+    <a:masterClrMapping/>
+  </p:clrMapOvr>
+</p:notes>
+</file>
+
+<file path=ppt/notesSlides/notesSlide12.xml><?xml version="1.0" encoding="utf-8"?>
+<p:notes xmlns:a="http://schemas.openxmlformats.org/drawingml/2006/main" xmlns:r="http://schemas.openxmlformats.org/officeDocument/2006/relationships" xmlns:p="http://schemas.openxmlformats.org/presentationml/2006/main">
+  <p:cSld>
+    <p:spTree>
+      <p:nvGrpSpPr>
+        <p:cNvPr id="1" name=""/>
+        <p:cNvGrpSpPr/>
+        <p:nvPr/>
+      </p:nvGrpSpPr>
+      <p:grpSpPr>
+        <a:xfrm>
+          <a:off x="0" y="0"/>
+          <a:ext cx="0" cy="0"/>
+          <a:chOff x="0" y="0"/>
+          <a:chExt cx="0" cy="0"/>
+        </a:xfrm>
+      </p:grpSpPr>
+      <p:sp>
+        <p:nvSpPr>
+          <p:cNvPr id="2" name="Slide Image Placeholder 1"/>
+          <p:cNvSpPr>
+            <a:spLocks noGrp="1" noRot="1" noChangeAspect="1"/>
+          </p:cNvSpPr>
+          <p:nvPr>
+            <p:ph type="sldImg"/>
+          </p:nvPr>
+        </p:nvSpPr>
+        <p:spPr/>
+      </p:sp>
+      <p:sp>
+        <p:nvSpPr>
+          <p:cNvPr id="3" name="Notes Placeholder 2"/>
+          <p:cNvSpPr>
+            <a:spLocks noGrp="1"/>
+          </p:cNvSpPr>
+          <p:nvPr>
+            <p:ph type="body" idx="1"/>
+          </p:nvPr>
+        </p:nvSpPr>
+        <p:spPr/>
+        <p:txBody>
+          <a:bodyPr/>
+          <a:lstStyle/>
+          <a:p>
+            <a:endParaRPr lang="en-US" dirty="0"/>
+          </a:p>
+        </p:txBody>
+      </p:sp>
+      <p:sp>
+        <p:nvSpPr>
+          <p:cNvPr id="4" name="Slide Number Placeholder 3"/>
+          <p:cNvSpPr>
+            <a:spLocks noGrp="1"/>
+          </p:cNvSpPr>
+          <p:nvPr>
+            <p:ph type="sldNum" sz="quarter" idx="10"/>
+          </p:nvPr>
+        </p:nvSpPr>
+        <p:spPr/>
+        <p:txBody>
+          <a:bodyPr/>
+          <a:lstStyle/>
+          <a:p>
+            <a:fld id="{0A2C3B37-55FA-284F-9E83-751B4EA6E9B4}" type="slidenum">
+              <a:rPr lang="en-US" smtClean="0"/>
+              <a:t>19</a:t>
+            </a:fld>
+            <a:endParaRPr lang="en-US"/>
+          </a:p>
+        </p:txBody>
+      </p:sp>
+    </p:spTree>
+    <p:extLst>
+      <p:ext uri="{BB962C8B-B14F-4D97-AF65-F5344CB8AC3E}">
+        <p14:creationId xmlns:p14="http://schemas.microsoft.com/office/powerpoint/2010/main" val="1054281906"/>
+      </p:ext>
+    </p:extLst>
+  </p:cSld>
+  <p:clrMapOvr>
+    <a:masterClrMapping/>
+  </p:clrMapOvr>
+</p:notes>
+</file>
+
+<file path=ppt/notesSlides/notesSlide13.xml><?xml version="1.0" encoding="utf-8"?>
+<p:notes xmlns:a="http://schemas.openxmlformats.org/drawingml/2006/main" xmlns:r="http://schemas.openxmlformats.org/officeDocument/2006/relationships" xmlns:p="http://schemas.openxmlformats.org/presentationml/2006/main">
+  <p:cSld>
+    <p:spTree>
+      <p:nvGrpSpPr>
+        <p:cNvPr id="1" name=""/>
+        <p:cNvGrpSpPr/>
+        <p:nvPr/>
+      </p:nvGrpSpPr>
+      <p:grpSpPr>
+        <a:xfrm>
+          <a:off x="0" y="0"/>
+          <a:ext cx="0" cy="0"/>
+          <a:chOff x="0" y="0"/>
+          <a:chExt cx="0" cy="0"/>
+        </a:xfrm>
+      </p:grpSpPr>
+      <p:sp>
+        <p:nvSpPr>
+          <p:cNvPr id="2" name="Slide Image Placeholder 1"/>
+          <p:cNvSpPr>
+            <a:spLocks noGrp="1" noRot="1" noChangeAspect="1"/>
+          </p:cNvSpPr>
+          <p:nvPr>
+            <p:ph type="sldImg"/>
+          </p:nvPr>
+        </p:nvSpPr>
+        <p:spPr/>
+      </p:sp>
+      <p:sp>
+        <p:nvSpPr>
+          <p:cNvPr id="3" name="Notes Placeholder 2"/>
+          <p:cNvSpPr>
+            <a:spLocks noGrp="1"/>
+          </p:cNvSpPr>
+          <p:nvPr>
+            <p:ph type="body" idx="1"/>
+          </p:nvPr>
+        </p:nvSpPr>
+        <p:spPr/>
+        <p:txBody>
+          <a:bodyPr/>
+          <a:lstStyle/>
+          <a:p>
+            <a:endParaRPr lang="en-US" dirty="0"/>
+          </a:p>
+        </p:txBody>
+      </p:sp>
+      <p:sp>
+        <p:nvSpPr>
+          <p:cNvPr id="4" name="Slide Number Placeholder 3"/>
+          <p:cNvSpPr>
+            <a:spLocks noGrp="1"/>
+          </p:cNvSpPr>
+          <p:nvPr>
+            <p:ph type="sldNum" sz="quarter" idx="10"/>
+          </p:nvPr>
+        </p:nvSpPr>
+        <p:spPr/>
+        <p:txBody>
+          <a:bodyPr/>
+          <a:lstStyle/>
+          <a:p>
+            <a:fld id="{0A2C3B37-55FA-284F-9E83-751B4EA6E9B4}" type="slidenum">
+              <a:rPr lang="en-US" smtClean="0"/>
+              <a:t>20</a:t>
+            </a:fld>
+            <a:endParaRPr lang="en-US"/>
+          </a:p>
+        </p:txBody>
+      </p:sp>
+    </p:spTree>
+    <p:extLst>
+      <p:ext uri="{BB962C8B-B14F-4D97-AF65-F5344CB8AC3E}">
+        <p14:creationId xmlns:p14="http://schemas.microsoft.com/office/powerpoint/2010/main" val="4226027197"/>
       </p:ext>
     </p:extLst>
   </p:cSld>
@@ -648,7 +989,7 @@
     </p:spTree>
     <p:extLst>
       <p:ext uri="{BB962C8B-B14F-4D97-AF65-F5344CB8AC3E}">
-        <p14:creationId xmlns:p14="http://schemas.microsoft.com/office/powerpoint/2010/main" val="1398827974"/>
+        <p14:creationId xmlns:p14="http://schemas.microsoft.com/office/powerpoint/2010/main" val="2599508590"/>
       </p:ext>
     </p:extLst>
   </p:cSld>
@@ -723,7 +1064,7 @@
           <a:p>
             <a:fld id="{0A2C3B37-55FA-284F-9E83-751B4EA6E9B4}" type="slidenum">
               <a:rPr lang="en-US" smtClean="0"/>
-              <a:t>5</a:t>
+              <a:t>4</a:t>
             </a:fld>
             <a:endParaRPr lang="en-US"/>
           </a:p>
@@ -732,7 +1073,7 @@
     </p:spTree>
     <p:extLst>
       <p:ext uri="{BB962C8B-B14F-4D97-AF65-F5344CB8AC3E}">
-        <p14:creationId xmlns:p14="http://schemas.microsoft.com/office/powerpoint/2010/main" val="1390784773"/>
+        <p14:creationId xmlns:p14="http://schemas.microsoft.com/office/powerpoint/2010/main" val="2552545035"/>
       </p:ext>
     </p:extLst>
   </p:cSld>
@@ -797,7 +1138,7 @@
             <a:spLocks noGrp="1"/>
           </p:cNvSpPr>
           <p:nvPr>
-            <p:ph type="sldNum" sz="quarter" idx="5"/>
+            <p:ph type="sldNum" sz="quarter" idx="10"/>
           </p:nvPr>
         </p:nvSpPr>
         <p:spPr/>
@@ -805,9 +1146,9 @@
           <a:bodyPr/>
           <a:lstStyle/>
           <a:p>
-            <a:fld id="{E31E1A05-B3B6-6F43-8051-B5A825C5C2A3}" type="slidenum">
+            <a:fld id="{0A2C3B37-55FA-284F-9E83-751B4EA6E9B4}" type="slidenum">
               <a:rPr lang="en-US" smtClean="0"/>
-              <a:t>6</a:t>
+              <a:t>5</a:t>
             </a:fld>
             <a:endParaRPr lang="en-US"/>
           </a:p>
@@ -816,7 +1157,7 @@
     </p:spTree>
     <p:extLst>
       <p:ext uri="{BB962C8B-B14F-4D97-AF65-F5344CB8AC3E}">
-        <p14:creationId xmlns:p14="http://schemas.microsoft.com/office/powerpoint/2010/main" val="2292582977"/>
+        <p14:creationId xmlns:p14="http://schemas.microsoft.com/office/powerpoint/2010/main" val="2520964959"/>
       </p:ext>
     </p:extLst>
   </p:cSld>
@@ -891,7 +1232,7 @@
           <a:p>
             <a:fld id="{0A2C3B37-55FA-284F-9E83-751B4EA6E9B4}" type="slidenum">
               <a:rPr lang="en-US" smtClean="0"/>
-              <a:t>7</a:t>
+              <a:t>6</a:t>
             </a:fld>
             <a:endParaRPr lang="en-US"/>
           </a:p>
@@ -900,7 +1241,7 @@
     </p:spTree>
     <p:extLst>
       <p:ext uri="{BB962C8B-B14F-4D97-AF65-F5344CB8AC3E}">
-        <p14:creationId xmlns:p14="http://schemas.microsoft.com/office/powerpoint/2010/main" val="3015579558"/>
+        <p14:creationId xmlns:p14="http://schemas.microsoft.com/office/powerpoint/2010/main" val="649200248"/>
       </p:ext>
     </p:extLst>
   </p:cSld>
@@ -965,7 +1306,7 @@
             <a:spLocks noGrp="1"/>
           </p:cNvSpPr>
           <p:nvPr>
-            <p:ph type="sldNum" sz="quarter" idx="5"/>
+            <p:ph type="sldNum" sz="quarter" idx="10"/>
           </p:nvPr>
         </p:nvSpPr>
         <p:spPr/>
@@ -973,9 +1314,9 @@
           <a:bodyPr/>
           <a:lstStyle/>
           <a:p>
-            <a:fld id="{E31E1A05-B3B6-6F43-8051-B5A825C5C2A3}" type="slidenum">
+            <a:fld id="{0A2C3B37-55FA-284F-9E83-751B4EA6E9B4}" type="slidenum">
               <a:rPr lang="en-US" smtClean="0"/>
-              <a:t>9</a:t>
+              <a:t>7</a:t>
             </a:fld>
             <a:endParaRPr lang="en-US"/>
           </a:p>
@@ -984,7 +1325,7 @@
     </p:spTree>
     <p:extLst>
       <p:ext uri="{BB962C8B-B14F-4D97-AF65-F5344CB8AC3E}">
-        <p14:creationId xmlns:p14="http://schemas.microsoft.com/office/powerpoint/2010/main" val="778014357"/>
+        <p14:creationId xmlns:p14="http://schemas.microsoft.com/office/powerpoint/2010/main" val="355340976"/>
       </p:ext>
     </p:extLst>
   </p:cSld>
@@ -1059,7 +1400,7 @@
           <a:p>
             <a:fld id="{0A2C3B37-55FA-284F-9E83-751B4EA6E9B4}" type="slidenum">
               <a:rPr lang="en-US" smtClean="0"/>
-              <a:t>14</a:t>
+              <a:t>8</a:t>
             </a:fld>
             <a:endParaRPr lang="en-US"/>
           </a:p>
@@ -1068,7 +1409,7 @@
     </p:spTree>
     <p:extLst>
       <p:ext uri="{BB962C8B-B14F-4D97-AF65-F5344CB8AC3E}">
-        <p14:creationId xmlns:p14="http://schemas.microsoft.com/office/powerpoint/2010/main" val="1054281906"/>
+        <p14:creationId xmlns:p14="http://schemas.microsoft.com/office/powerpoint/2010/main" val="1398827974"/>
       </p:ext>
     </p:extLst>
   </p:cSld>
@@ -1143,7 +1484,7 @@
           <a:p>
             <a:fld id="{0A2C3B37-55FA-284F-9E83-751B4EA6E9B4}" type="slidenum">
               <a:rPr lang="en-US" smtClean="0"/>
-              <a:t>15</a:t>
+              <a:t>10</a:t>
             </a:fld>
             <a:endParaRPr lang="en-US"/>
           </a:p>
@@ -1152,7 +1493,91 @@
     </p:spTree>
     <p:extLst>
       <p:ext uri="{BB962C8B-B14F-4D97-AF65-F5344CB8AC3E}">
-        <p14:creationId xmlns:p14="http://schemas.microsoft.com/office/powerpoint/2010/main" val="4226027197"/>
+        <p14:creationId xmlns:p14="http://schemas.microsoft.com/office/powerpoint/2010/main" val="1390784773"/>
+      </p:ext>
+    </p:extLst>
+  </p:cSld>
+  <p:clrMapOvr>
+    <a:masterClrMapping/>
+  </p:clrMapOvr>
+</p:notes>
+</file>
+
+<file path=ppt/notesSlides/notesSlide9.xml><?xml version="1.0" encoding="utf-8"?>
+<p:notes xmlns:a="http://schemas.openxmlformats.org/drawingml/2006/main" xmlns:r="http://schemas.openxmlformats.org/officeDocument/2006/relationships" xmlns:p="http://schemas.openxmlformats.org/presentationml/2006/main">
+  <p:cSld>
+    <p:spTree>
+      <p:nvGrpSpPr>
+        <p:cNvPr id="1" name=""/>
+        <p:cNvGrpSpPr/>
+        <p:nvPr/>
+      </p:nvGrpSpPr>
+      <p:grpSpPr>
+        <a:xfrm>
+          <a:off x="0" y="0"/>
+          <a:ext cx="0" cy="0"/>
+          <a:chOff x="0" y="0"/>
+          <a:chExt cx="0" cy="0"/>
+        </a:xfrm>
+      </p:grpSpPr>
+      <p:sp>
+        <p:nvSpPr>
+          <p:cNvPr id="2" name="Slide Image Placeholder 1"/>
+          <p:cNvSpPr>
+            <a:spLocks noGrp="1" noRot="1" noChangeAspect="1"/>
+          </p:cNvSpPr>
+          <p:nvPr>
+            <p:ph type="sldImg"/>
+          </p:nvPr>
+        </p:nvSpPr>
+        <p:spPr/>
+      </p:sp>
+      <p:sp>
+        <p:nvSpPr>
+          <p:cNvPr id="3" name="Notes Placeholder 2"/>
+          <p:cNvSpPr>
+            <a:spLocks noGrp="1"/>
+          </p:cNvSpPr>
+          <p:nvPr>
+            <p:ph type="body" idx="1"/>
+          </p:nvPr>
+        </p:nvSpPr>
+        <p:spPr/>
+        <p:txBody>
+          <a:bodyPr/>
+          <a:lstStyle/>
+          <a:p>
+            <a:endParaRPr lang="en-US" dirty="0"/>
+          </a:p>
+        </p:txBody>
+      </p:sp>
+      <p:sp>
+        <p:nvSpPr>
+          <p:cNvPr id="4" name="Slide Number Placeholder 3"/>
+          <p:cNvSpPr>
+            <a:spLocks noGrp="1"/>
+          </p:cNvSpPr>
+          <p:nvPr>
+            <p:ph type="sldNum" sz="quarter" idx="5"/>
+          </p:nvPr>
+        </p:nvSpPr>
+        <p:spPr/>
+        <p:txBody>
+          <a:bodyPr/>
+          <a:lstStyle/>
+          <a:p>
+            <a:fld id="{E31E1A05-B3B6-6F43-8051-B5A825C5C2A3}" type="slidenum">
+              <a:rPr lang="en-US" smtClean="0"/>
+              <a:t>11</a:t>
+            </a:fld>
+            <a:endParaRPr lang="en-US"/>
+          </a:p>
+        </p:txBody>
+      </p:sp>
+    </p:spTree>
+    <p:extLst>
+      <p:ext uri="{BB962C8B-B14F-4D97-AF65-F5344CB8AC3E}">
+        <p14:creationId xmlns:p14="http://schemas.microsoft.com/office/powerpoint/2010/main" val="2292582977"/>
       </p:ext>
     </p:extLst>
   </p:cSld>
@@ -1346,7 +1771,7 @@
             <a:fld id="{DBE77699-C466-4996-ADED-71C8160E04A2}" type="datetimeFigureOut">
               <a:rPr lang="en-US" smtClean="0"/>
               <a:pPr/>
-              <a:t>10/4/2020</a:t>
+              <a:t>1/23/2021</a:t>
             </a:fld>
             <a:endParaRPr lang="en-US"/>
           </a:p>
@@ -1511,7 +1936,7 @@
             <a:fld id="{DBE77699-C466-4996-ADED-71C8160E04A2}" type="datetimeFigureOut">
               <a:rPr lang="en-US" smtClean="0"/>
               <a:pPr/>
-              <a:t>10/4/2020</a:t>
+              <a:t>1/23/2021</a:t>
             </a:fld>
             <a:endParaRPr lang="en-US"/>
           </a:p>
@@ -1686,7 +2111,7 @@
             <a:fld id="{DBE77699-C466-4996-ADED-71C8160E04A2}" type="datetimeFigureOut">
               <a:rPr lang="en-US" smtClean="0"/>
               <a:pPr/>
-              <a:t>10/4/2020</a:t>
+              <a:t>1/23/2021</a:t>
             </a:fld>
             <a:endParaRPr lang="en-US"/>
           </a:p>
@@ -1865,7 +2290,7 @@
             <a:fld id="{DBE77699-C466-4996-ADED-71C8160E04A2}" type="datetimeFigureOut">
               <a:rPr lang="en-US" smtClean="0"/>
               <a:pPr/>
-              <a:t>10/4/2020</a:t>
+              <a:t>1/23/2021</a:t>
             </a:fld>
             <a:endParaRPr lang="en-US"/>
           </a:p>
@@ -2074,7 +2499,7 @@
             <a:fld id="{DBE77699-C466-4996-ADED-71C8160E04A2}" type="datetimeFigureOut">
               <a:rPr lang="en-US" smtClean="0"/>
               <a:pPr/>
-              <a:t>10/4/2020</a:t>
+              <a:t>1/23/2021</a:t>
             </a:fld>
             <a:endParaRPr lang="en-US"/>
           </a:p>
@@ -2316,7 +2741,7 @@
             <a:fld id="{DBE77699-C466-4996-ADED-71C8160E04A2}" type="datetimeFigureOut">
               <a:rPr lang="en-US" smtClean="0"/>
               <a:pPr/>
-              <a:t>10/4/2020</a:t>
+              <a:t>1/23/2021</a:t>
             </a:fld>
             <a:endParaRPr lang="en-US"/>
           </a:p>
@@ -2598,7 +3023,7 @@
             <a:fld id="{DBE77699-C466-4996-ADED-71C8160E04A2}" type="datetimeFigureOut">
               <a:rPr lang="en-US" smtClean="0"/>
               <a:pPr/>
-              <a:t>10/4/2020</a:t>
+              <a:t>1/23/2021</a:t>
             </a:fld>
             <a:endParaRPr lang="en-US"/>
           </a:p>
@@ -3014,7 +3439,7 @@
             <a:fld id="{DBE77699-C466-4996-ADED-71C8160E04A2}" type="datetimeFigureOut">
               <a:rPr lang="en-US" smtClean="0"/>
               <a:pPr/>
-              <a:t>10/4/2020</a:t>
+              <a:t>1/23/2021</a:t>
             </a:fld>
             <a:endParaRPr lang="en-US"/>
           </a:p>
@@ -3128,7 +3553,7 @@
             <a:fld id="{DBE77699-C466-4996-ADED-71C8160E04A2}" type="datetimeFigureOut">
               <a:rPr lang="en-US" smtClean="0"/>
               <a:pPr/>
-              <a:t>10/4/2020</a:t>
+              <a:t>1/23/2021</a:t>
             </a:fld>
             <a:endParaRPr lang="en-US"/>
           </a:p>
@@ -3220,7 +3645,7 @@
             <a:fld id="{DBE77699-C466-4996-ADED-71C8160E04A2}" type="datetimeFigureOut">
               <a:rPr lang="en-US" smtClean="0"/>
               <a:pPr/>
-              <a:t>10/4/2020</a:t>
+              <a:t>1/23/2021</a:t>
             </a:fld>
             <a:endParaRPr lang="en-US"/>
           </a:p>
@@ -3492,7 +3917,7 @@
             <a:fld id="{DBE77699-C466-4996-ADED-71C8160E04A2}" type="datetimeFigureOut">
               <a:rPr lang="en-US" smtClean="0"/>
               <a:pPr/>
-              <a:t>10/4/2020</a:t>
+              <a:t>1/23/2021</a:t>
             </a:fld>
             <a:endParaRPr lang="en-US"/>
           </a:p>
@@ -3741,7 +4166,7 @@
             <a:fld id="{DBE77699-C466-4996-ADED-71C8160E04A2}" type="datetimeFigureOut">
               <a:rPr lang="en-US" smtClean="0"/>
               <a:pPr/>
-              <a:t>10/4/2020</a:t>
+              <a:t>1/23/2021</a:t>
             </a:fld>
             <a:endParaRPr lang="en-US"/>
           </a:p>
@@ -3952,7 +4377,7 @@
             <a:fld id="{DBE77699-C466-4996-ADED-71C8160E04A2}" type="datetimeFigureOut">
               <a:rPr lang="en-US" smtClean="0"/>
               <a:pPr/>
-              <a:t>10/4/2020</a:t>
+              <a:t>1/23/2021</a:t>
             </a:fld>
             <a:endParaRPr lang="en-US"/>
           </a:p>
@@ -5322,6 +5747,3109 @@
           <a:chExt cx="0" cy="0"/>
         </a:xfrm>
       </p:grpSpPr>
+      <p:sp>
+        <p:nvSpPr>
+          <p:cNvPr id="6" name="TextBox 5"/>
+          <p:cNvSpPr txBox="1"/>
+          <p:nvPr/>
+        </p:nvSpPr>
+        <p:spPr>
+          <a:xfrm>
+            <a:off x="228600" y="152400"/>
+            <a:ext cx="8610600" cy="769441"/>
+          </a:xfrm>
+          <a:prstGeom prst="rect">
+            <a:avLst/>
+          </a:prstGeom>
+          <a:noFill/>
+        </p:spPr>
+        <p:txBody>
+          <a:bodyPr wrap="square" rtlCol="0">
+            <a:spAutoFit/>
+          </a:bodyPr>
+          <a:lstStyle/>
+          <a:p>
+            <a:r>
+              <a:rPr lang="en-US" sz="4400" b="1" dirty="0"/>
+              <a:t>Main facts</a:t>
+            </a:r>
+          </a:p>
+        </p:txBody>
+      </p:sp>
+      <p:grpSp>
+        <p:nvGrpSpPr>
+          <p:cNvPr id="12" name="Group 11">
+            <a:extLst>
+              <a:ext uri="{FF2B5EF4-FFF2-40B4-BE49-F238E27FC236}">
+                <a16:creationId xmlns:a16="http://schemas.microsoft.com/office/drawing/2014/main" id="{9C7293A5-9F6A-4A42-B28F-77E682AEFD25}"/>
+              </a:ext>
+            </a:extLst>
+          </p:cNvPr>
+          <p:cNvGrpSpPr/>
+          <p:nvPr/>
+        </p:nvGrpSpPr>
+        <p:grpSpPr>
+          <a:xfrm>
+            <a:off x="533400" y="3581400"/>
+            <a:ext cx="8001000" cy="762000"/>
+            <a:chOff x="533400" y="2895600"/>
+            <a:chExt cx="8001000" cy="762000"/>
+          </a:xfrm>
+        </p:grpSpPr>
+        <p:sp>
+          <p:nvSpPr>
+            <p:cNvPr id="7" name="Oval 6">
+              <a:extLst>
+                <a:ext uri="{FF2B5EF4-FFF2-40B4-BE49-F238E27FC236}">
+                  <a16:creationId xmlns:a16="http://schemas.microsoft.com/office/drawing/2014/main" id="{536B79E8-7DCE-0445-821B-D0B03DF78CAA}"/>
+                </a:ext>
+              </a:extLst>
+            </p:cNvPr>
+            <p:cNvSpPr/>
+            <p:nvPr/>
+          </p:nvSpPr>
+          <p:spPr>
+            <a:xfrm>
+              <a:off x="533400" y="2895600"/>
+              <a:ext cx="762000" cy="762000"/>
+            </a:xfrm>
+            <a:prstGeom prst="ellipse">
+              <a:avLst/>
+            </a:prstGeom>
+            <a:solidFill>
+              <a:srgbClr val="009EC0"/>
+            </a:solidFill>
+            <a:ln>
+              <a:noFill/>
+            </a:ln>
+          </p:spPr>
+          <p:style>
+            <a:lnRef idx="2">
+              <a:schemeClr val="accent1">
+                <a:shade val="50000"/>
+              </a:schemeClr>
+            </a:lnRef>
+            <a:fillRef idx="1">
+              <a:schemeClr val="accent1"/>
+            </a:fillRef>
+            <a:effectRef idx="0">
+              <a:schemeClr val="accent1"/>
+            </a:effectRef>
+            <a:fontRef idx="minor">
+              <a:schemeClr val="lt1"/>
+            </a:fontRef>
+          </p:style>
+          <p:txBody>
+            <a:bodyPr rtlCol="0" anchor="ctr"/>
+            <a:lstStyle/>
+            <a:p>
+              <a:pPr algn="ctr"/>
+              <a:r>
+                <a:rPr lang="en-US" sz="4400" dirty="0">
+                  <a:solidFill>
+                    <a:schemeClr val="tx1"/>
+                  </a:solidFill>
+                </a:rPr>
+                <a:t>2</a:t>
+              </a:r>
+            </a:p>
+          </p:txBody>
+        </p:sp>
+        <p:sp>
+          <p:nvSpPr>
+            <p:cNvPr id="4" name="Rectangle 3">
+              <a:extLst>
+                <a:ext uri="{FF2B5EF4-FFF2-40B4-BE49-F238E27FC236}">
+                  <a16:creationId xmlns:a16="http://schemas.microsoft.com/office/drawing/2014/main" id="{8330B7FE-A318-9845-8F59-02267667CECB}"/>
+                </a:ext>
+              </a:extLst>
+            </p:cNvPr>
+            <p:cNvSpPr/>
+            <p:nvPr/>
+          </p:nvSpPr>
+          <p:spPr>
+            <a:xfrm>
+              <a:off x="1447800" y="2895600"/>
+              <a:ext cx="7086600" cy="685800"/>
+            </a:xfrm>
+            <a:prstGeom prst="rect">
+              <a:avLst/>
+            </a:prstGeom>
+            <a:noFill/>
+            <a:ln>
+              <a:noFill/>
+            </a:ln>
+          </p:spPr>
+          <p:style>
+            <a:lnRef idx="2">
+              <a:schemeClr val="accent1">
+                <a:shade val="50000"/>
+              </a:schemeClr>
+            </a:lnRef>
+            <a:fillRef idx="1">
+              <a:schemeClr val="accent1"/>
+            </a:fillRef>
+            <a:effectRef idx="0">
+              <a:schemeClr val="accent1"/>
+            </a:effectRef>
+            <a:fontRef idx="minor">
+              <a:schemeClr val="lt1"/>
+            </a:fontRef>
+          </p:style>
+          <p:txBody>
+            <a:bodyPr rtlCol="0" anchor="ctr"/>
+            <a:lstStyle/>
+            <a:p>
+              <a:r>
+                <a:rPr lang="en-US" sz="3600" dirty="0">
+                  <a:solidFill>
+                    <a:schemeClr val="tx1"/>
+                  </a:solidFill>
+                </a:rPr>
+                <a:t>The New Testament came from </a:t>
+              </a:r>
+              <a:r>
+                <a:rPr lang="en-US" sz="3600" b="1" dirty="0">
+                  <a:solidFill>
+                    <a:schemeClr val="tx1"/>
+                  </a:solidFill>
+                  <a:highlight>
+                    <a:srgbClr val="C00002"/>
+                  </a:highlight>
+                </a:rPr>
+                <a:t>eyewitnesses</a:t>
+              </a:r>
+              <a:endParaRPr lang="en-US" sz="3600" dirty="0">
+                <a:solidFill>
+                  <a:schemeClr val="tx1"/>
+                </a:solidFill>
+                <a:highlight>
+                  <a:srgbClr val="C00002"/>
+                </a:highlight>
+              </a:endParaRPr>
+            </a:p>
+          </p:txBody>
+        </p:sp>
+      </p:grpSp>
+      <p:grpSp>
+        <p:nvGrpSpPr>
+          <p:cNvPr id="9" name="Group 8">
+            <a:extLst>
+              <a:ext uri="{FF2B5EF4-FFF2-40B4-BE49-F238E27FC236}">
+                <a16:creationId xmlns:a16="http://schemas.microsoft.com/office/drawing/2014/main" id="{55676BE1-B42E-AD44-9DD5-FF20BEB47F36}"/>
+              </a:ext>
+            </a:extLst>
+          </p:cNvPr>
+          <p:cNvGrpSpPr/>
+          <p:nvPr/>
+        </p:nvGrpSpPr>
+        <p:grpSpPr>
+          <a:xfrm>
+            <a:off x="533400" y="1833265"/>
+            <a:ext cx="8001000" cy="762000"/>
+            <a:chOff x="533400" y="1833265"/>
+            <a:chExt cx="8001000" cy="762000"/>
+          </a:xfrm>
+        </p:grpSpPr>
+        <p:sp>
+          <p:nvSpPr>
+            <p:cNvPr id="2" name="Oval 1">
+              <a:extLst>
+                <a:ext uri="{FF2B5EF4-FFF2-40B4-BE49-F238E27FC236}">
+                  <a16:creationId xmlns:a16="http://schemas.microsoft.com/office/drawing/2014/main" id="{876D5A54-0C8D-804B-88A0-6609A2C1405C}"/>
+                </a:ext>
+              </a:extLst>
+            </p:cNvPr>
+            <p:cNvSpPr/>
+            <p:nvPr/>
+          </p:nvSpPr>
+          <p:spPr>
+            <a:xfrm>
+              <a:off x="533400" y="1833265"/>
+              <a:ext cx="762000" cy="762000"/>
+            </a:xfrm>
+            <a:prstGeom prst="ellipse">
+              <a:avLst/>
+            </a:prstGeom>
+            <a:solidFill>
+              <a:srgbClr val="009EC0"/>
+            </a:solidFill>
+            <a:ln>
+              <a:noFill/>
+            </a:ln>
+          </p:spPr>
+          <p:style>
+            <a:lnRef idx="2">
+              <a:schemeClr val="accent1">
+                <a:shade val="50000"/>
+              </a:schemeClr>
+            </a:lnRef>
+            <a:fillRef idx="1">
+              <a:schemeClr val="accent1"/>
+            </a:fillRef>
+            <a:effectRef idx="0">
+              <a:schemeClr val="accent1"/>
+            </a:effectRef>
+            <a:fontRef idx="minor">
+              <a:schemeClr val="lt1"/>
+            </a:fontRef>
+          </p:style>
+          <p:txBody>
+            <a:bodyPr rtlCol="0" anchor="ctr"/>
+            <a:lstStyle/>
+            <a:p>
+              <a:pPr algn="ctr"/>
+              <a:r>
+                <a:rPr lang="en-US" sz="4400" dirty="0">
+                  <a:solidFill>
+                    <a:schemeClr val="tx1"/>
+                  </a:solidFill>
+                </a:rPr>
+                <a:t>1</a:t>
+              </a:r>
+            </a:p>
+          </p:txBody>
+        </p:sp>
+        <p:sp>
+          <p:nvSpPr>
+            <p:cNvPr id="10" name="Rectangle 9">
+              <a:extLst>
+                <a:ext uri="{FF2B5EF4-FFF2-40B4-BE49-F238E27FC236}">
+                  <a16:creationId xmlns:a16="http://schemas.microsoft.com/office/drawing/2014/main" id="{312C2DC5-5653-DC4B-98A2-76A0B8F08883}"/>
+                </a:ext>
+              </a:extLst>
+            </p:cNvPr>
+            <p:cNvSpPr/>
+            <p:nvPr/>
+          </p:nvSpPr>
+          <p:spPr>
+            <a:xfrm>
+              <a:off x="1447800" y="1833265"/>
+              <a:ext cx="7086600" cy="685800"/>
+            </a:xfrm>
+            <a:prstGeom prst="rect">
+              <a:avLst/>
+            </a:prstGeom>
+            <a:noFill/>
+            <a:ln>
+              <a:noFill/>
+            </a:ln>
+          </p:spPr>
+          <p:style>
+            <a:lnRef idx="2">
+              <a:schemeClr val="accent1">
+                <a:shade val="50000"/>
+              </a:schemeClr>
+            </a:lnRef>
+            <a:fillRef idx="1">
+              <a:schemeClr val="accent1"/>
+            </a:fillRef>
+            <a:effectRef idx="0">
+              <a:schemeClr val="accent1"/>
+            </a:effectRef>
+            <a:fontRef idx="minor">
+              <a:schemeClr val="lt1"/>
+            </a:fontRef>
+          </p:style>
+          <p:txBody>
+            <a:bodyPr rtlCol="0" anchor="ctr"/>
+            <a:lstStyle/>
+            <a:p>
+              <a:r>
+                <a:rPr lang="en-US" sz="3600" dirty="0">
+                  <a:solidFill>
+                    <a:schemeClr val="tx1"/>
+                  </a:solidFill>
+                </a:rPr>
+                <a:t>Jesus was </a:t>
+              </a:r>
+              <a:r>
+                <a:rPr lang="en-US" sz="3600" b="1" dirty="0">
+                  <a:solidFill>
+                    <a:schemeClr val="tx1"/>
+                  </a:solidFill>
+                  <a:highlight>
+                    <a:srgbClr val="C00002"/>
+                  </a:highlight>
+                </a:rPr>
+                <a:t>resurrected</a:t>
+              </a:r>
+              <a:endParaRPr lang="en-US" sz="3600" dirty="0">
+                <a:solidFill>
+                  <a:schemeClr val="tx1"/>
+                </a:solidFill>
+                <a:highlight>
+                  <a:srgbClr val="C00002"/>
+                </a:highlight>
+              </a:endParaRPr>
+            </a:p>
+          </p:txBody>
+        </p:sp>
+      </p:grpSp>
+      <p:cxnSp>
+        <p:nvCxnSpPr>
+          <p:cNvPr id="8" name="Straight Connector 7">
+            <a:extLst>
+              <a:ext uri="{FF2B5EF4-FFF2-40B4-BE49-F238E27FC236}">
+                <a16:creationId xmlns:a16="http://schemas.microsoft.com/office/drawing/2014/main" id="{B1CE1C68-C736-2F42-AD3D-29FCB9A69CAD}"/>
+              </a:ext>
+            </a:extLst>
+          </p:cNvPr>
+          <p:cNvCxnSpPr>
+            <a:cxnSpLocks/>
+          </p:cNvCxnSpPr>
+          <p:nvPr/>
+        </p:nvCxnSpPr>
+        <p:spPr>
+          <a:xfrm>
+            <a:off x="304800" y="1066800"/>
+            <a:ext cx="2133600" cy="0"/>
+          </a:xfrm>
+          <a:prstGeom prst="line">
+            <a:avLst/>
+          </a:prstGeom>
+          <a:ln w="76200">
+            <a:solidFill>
+              <a:srgbClr val="009EC0"/>
+            </a:solidFill>
+          </a:ln>
+        </p:spPr>
+        <p:style>
+          <a:lnRef idx="1">
+            <a:schemeClr val="dk1"/>
+          </a:lnRef>
+          <a:fillRef idx="0">
+            <a:schemeClr val="dk1"/>
+          </a:fillRef>
+          <a:effectRef idx="0">
+            <a:schemeClr val="dk1"/>
+          </a:effectRef>
+          <a:fontRef idx="minor">
+            <a:schemeClr val="tx1"/>
+          </a:fontRef>
+        </p:style>
+      </p:cxnSp>
+    </p:spTree>
+    <p:extLst>
+      <p:ext uri="{BB962C8B-B14F-4D97-AF65-F5344CB8AC3E}">
+        <p14:creationId xmlns:p14="http://schemas.microsoft.com/office/powerpoint/2010/main" val="2780261844"/>
+      </p:ext>
+    </p:extLst>
+  </p:cSld>
+  <p:clrMapOvr>
+    <a:masterClrMapping/>
+  </p:clrMapOvr>
+  <p:timing>
+    <p:tnLst>
+      <p:par>
+        <p:cTn id="1" dur="indefinite" restart="never" nodeType="tmRoot">
+          <p:childTnLst>
+            <p:seq concurrent="1" nextAc="seek">
+              <p:cTn id="2" dur="indefinite" nodeType="mainSeq">
+                <p:childTnLst>
+                  <p:par>
+                    <p:cTn id="3" fill="hold">
+                      <p:stCondLst>
+                        <p:cond delay="indefinite"/>
+                      </p:stCondLst>
+                      <p:childTnLst>
+                        <p:par>
+                          <p:cTn id="4" fill="hold">
+                            <p:stCondLst>
+                              <p:cond delay="0"/>
+                            </p:stCondLst>
+                            <p:childTnLst>
+                              <p:par>
+                                <p:cTn id="5" presetID="10" presetClass="entr" presetSubtype="0" fill="hold" grpId="0" nodeType="clickEffect">
+                                  <p:stCondLst>
+                                    <p:cond delay="0"/>
+                                  </p:stCondLst>
+                                  <p:childTnLst>
+                                    <p:set>
+                                      <p:cBhvr>
+                                        <p:cTn id="6" dur="1" fill="hold">
+                                          <p:stCondLst>
+                                            <p:cond delay="0"/>
+                                          </p:stCondLst>
+                                        </p:cTn>
+                                        <p:tgtEl>
+                                          <p:spTgt spid="6"/>
+                                        </p:tgtEl>
+                                        <p:attrNameLst>
+                                          <p:attrName>style.visibility</p:attrName>
+                                        </p:attrNameLst>
+                                      </p:cBhvr>
+                                      <p:to>
+                                        <p:strVal val="visible"/>
+                                      </p:to>
+                                    </p:set>
+                                    <p:animEffect transition="in" filter="fade">
+                                      <p:cBhvr>
+                                        <p:cTn id="7" dur="250"/>
+                                        <p:tgtEl>
+                                          <p:spTgt spid="6"/>
+                                        </p:tgtEl>
+                                      </p:cBhvr>
+                                    </p:animEffect>
+                                  </p:childTnLst>
+                                </p:cTn>
+                              </p:par>
+                            </p:childTnLst>
+                          </p:cTn>
+                        </p:par>
+                        <p:par>
+                          <p:cTn id="8" fill="hold">
+                            <p:stCondLst>
+                              <p:cond delay="250"/>
+                            </p:stCondLst>
+                            <p:childTnLst>
+                              <p:par>
+                                <p:cTn id="9" presetID="10" presetClass="entr" presetSubtype="0" fill="hold" nodeType="afterEffect">
+                                  <p:stCondLst>
+                                    <p:cond delay="0"/>
+                                  </p:stCondLst>
+                                  <p:childTnLst>
+                                    <p:set>
+                                      <p:cBhvr>
+                                        <p:cTn id="10" dur="1" fill="hold">
+                                          <p:stCondLst>
+                                            <p:cond delay="0"/>
+                                          </p:stCondLst>
+                                        </p:cTn>
+                                        <p:tgtEl>
+                                          <p:spTgt spid="8"/>
+                                        </p:tgtEl>
+                                        <p:attrNameLst>
+                                          <p:attrName>style.visibility</p:attrName>
+                                        </p:attrNameLst>
+                                      </p:cBhvr>
+                                      <p:to>
+                                        <p:strVal val="visible"/>
+                                      </p:to>
+                                    </p:set>
+                                    <p:animEffect transition="in" filter="fade">
+                                      <p:cBhvr>
+                                        <p:cTn id="11" dur="250"/>
+                                        <p:tgtEl>
+                                          <p:spTgt spid="8"/>
+                                        </p:tgtEl>
+                                      </p:cBhvr>
+                                    </p:animEffect>
+                                  </p:childTnLst>
+                                </p:cTn>
+                              </p:par>
+                            </p:childTnLst>
+                          </p:cTn>
+                        </p:par>
+                      </p:childTnLst>
+                    </p:cTn>
+                  </p:par>
+                  <p:par>
+                    <p:cTn id="12" fill="hold">
+                      <p:stCondLst>
+                        <p:cond delay="indefinite"/>
+                      </p:stCondLst>
+                      <p:childTnLst>
+                        <p:par>
+                          <p:cTn id="13" fill="hold">
+                            <p:stCondLst>
+                              <p:cond delay="0"/>
+                            </p:stCondLst>
+                            <p:childTnLst>
+                              <p:par>
+                                <p:cTn id="14" presetID="10" presetClass="entr" presetSubtype="0" fill="hold" nodeType="clickEffect">
+                                  <p:stCondLst>
+                                    <p:cond delay="0"/>
+                                  </p:stCondLst>
+                                  <p:childTnLst>
+                                    <p:set>
+                                      <p:cBhvr>
+                                        <p:cTn id="15" dur="1" fill="hold">
+                                          <p:stCondLst>
+                                            <p:cond delay="0"/>
+                                          </p:stCondLst>
+                                        </p:cTn>
+                                        <p:tgtEl>
+                                          <p:spTgt spid="9"/>
+                                        </p:tgtEl>
+                                        <p:attrNameLst>
+                                          <p:attrName>style.visibility</p:attrName>
+                                        </p:attrNameLst>
+                                      </p:cBhvr>
+                                      <p:to>
+                                        <p:strVal val="visible"/>
+                                      </p:to>
+                                    </p:set>
+                                    <p:animEffect transition="in" filter="fade">
+                                      <p:cBhvr>
+                                        <p:cTn id="16" dur="250"/>
+                                        <p:tgtEl>
+                                          <p:spTgt spid="9"/>
+                                        </p:tgtEl>
+                                      </p:cBhvr>
+                                    </p:animEffect>
+                                  </p:childTnLst>
+                                </p:cTn>
+                              </p:par>
+                            </p:childTnLst>
+                          </p:cTn>
+                        </p:par>
+                      </p:childTnLst>
+                    </p:cTn>
+                  </p:par>
+                  <p:par>
+                    <p:cTn id="17" fill="hold">
+                      <p:stCondLst>
+                        <p:cond delay="indefinite"/>
+                      </p:stCondLst>
+                      <p:childTnLst>
+                        <p:par>
+                          <p:cTn id="18" fill="hold">
+                            <p:stCondLst>
+                              <p:cond delay="0"/>
+                            </p:stCondLst>
+                            <p:childTnLst>
+                              <p:par>
+                                <p:cTn id="19" presetID="10" presetClass="entr" presetSubtype="0" fill="hold" nodeType="clickEffect">
+                                  <p:stCondLst>
+                                    <p:cond delay="0"/>
+                                  </p:stCondLst>
+                                  <p:childTnLst>
+                                    <p:set>
+                                      <p:cBhvr>
+                                        <p:cTn id="20" dur="1" fill="hold">
+                                          <p:stCondLst>
+                                            <p:cond delay="0"/>
+                                          </p:stCondLst>
+                                        </p:cTn>
+                                        <p:tgtEl>
+                                          <p:spTgt spid="12"/>
+                                        </p:tgtEl>
+                                        <p:attrNameLst>
+                                          <p:attrName>style.visibility</p:attrName>
+                                        </p:attrNameLst>
+                                      </p:cBhvr>
+                                      <p:to>
+                                        <p:strVal val="visible"/>
+                                      </p:to>
+                                    </p:set>
+                                    <p:animEffect transition="in" filter="fade">
+                                      <p:cBhvr>
+                                        <p:cTn id="21" dur="250"/>
+                                        <p:tgtEl>
+                                          <p:spTgt spid="12"/>
+                                        </p:tgtEl>
+                                      </p:cBhvr>
+                                    </p:animEffect>
+                                  </p:childTnLst>
+                                </p:cTn>
+                              </p:par>
+                            </p:childTnLst>
+                          </p:cTn>
+                        </p:par>
+                      </p:childTnLst>
+                    </p:cTn>
+                  </p:par>
+                </p:childTnLst>
+              </p:cTn>
+              <p:prevCondLst>
+                <p:cond evt="onPrev" delay="0">
+                  <p:tgtEl>
+                    <p:sldTgt/>
+                  </p:tgtEl>
+                </p:cond>
+              </p:prevCondLst>
+              <p:nextCondLst>
+                <p:cond evt="onNext" delay="0">
+                  <p:tgtEl>
+                    <p:sldTgt/>
+                  </p:tgtEl>
+                </p:cond>
+              </p:nextCondLst>
+            </p:seq>
+          </p:childTnLst>
+        </p:cTn>
+      </p:par>
+    </p:tnLst>
+    <p:bldLst>
+      <p:bldP spid="6" grpId="0"/>
+    </p:bldLst>
+  </p:timing>
+</p:sld>
+</file>
+
+<file path=ppt/slides/slide11.xml><?xml version="1.0" encoding="utf-8"?>
+<p:sld xmlns:a="http://schemas.openxmlformats.org/drawingml/2006/main" xmlns:r="http://schemas.openxmlformats.org/officeDocument/2006/relationships" xmlns:p="http://schemas.openxmlformats.org/presentationml/2006/main">
+  <p:cSld>
+    <p:bg>
+      <p:bgPr>
+        <a:solidFill>
+          <a:schemeClr val="bg1"/>
+        </a:solidFill>
+        <a:effectLst/>
+      </p:bgPr>
+    </p:bg>
+    <p:spTree>
+      <p:nvGrpSpPr>
+        <p:cNvPr id="1" name=""/>
+        <p:cNvGrpSpPr/>
+        <p:nvPr/>
+      </p:nvGrpSpPr>
+      <p:grpSpPr>
+        <a:xfrm>
+          <a:off x="0" y="0"/>
+          <a:ext cx="0" cy="0"/>
+          <a:chOff x="0" y="0"/>
+          <a:chExt cx="0" cy="0"/>
+        </a:xfrm>
+      </p:grpSpPr>
+      <p:pic>
+        <p:nvPicPr>
+          <p:cNvPr id="1026" name="Picture 2" descr="A close up of a book&#10;&#10;Description automatically generated">
+            <a:extLst>
+              <a:ext uri="{FF2B5EF4-FFF2-40B4-BE49-F238E27FC236}">
+                <a16:creationId xmlns:a16="http://schemas.microsoft.com/office/drawing/2014/main" id="{7FB8E70F-E96B-5D43-8FE1-A0D42BEE7C4D}"/>
+              </a:ext>
+            </a:extLst>
+          </p:cNvPr>
+          <p:cNvPicPr>
+            <a:picLocks noChangeAspect="1" noChangeArrowheads="1"/>
+          </p:cNvPicPr>
+          <p:nvPr/>
+        </p:nvPicPr>
+        <p:blipFill>
+          <a:blip r:embed="rId3">
+            <a:extLst>
+              <a:ext uri="{28A0092B-C50C-407E-A947-70E740481C1C}">
+                <a14:useLocalDpi xmlns:a14="http://schemas.microsoft.com/office/drawing/2010/main" val="0"/>
+              </a:ext>
+            </a:extLst>
+          </a:blip>
+          <a:stretch>
+            <a:fillRect/>
+          </a:stretch>
+        </p:blipFill>
+        <p:spPr bwMode="auto">
+          <a:xfrm>
+            <a:off x="2401242" y="643466"/>
+            <a:ext cx="4341515" cy="5571067"/>
+          </a:xfrm>
+          <a:prstGeom prst="rect">
+            <a:avLst/>
+          </a:prstGeom>
+          <a:noFill/>
+          <a:extLst>
+            <a:ext uri="{909E8E84-426E-40DD-AFC4-6F175D3DCCD1}">
+              <a14:hiddenFill xmlns:a14="http://schemas.microsoft.com/office/drawing/2010/main">
+                <a:solidFill>
+                  <a:srgbClr val="FFFFFF"/>
+                </a:solidFill>
+              </a14:hiddenFill>
+            </a:ext>
+          </a:extLst>
+        </p:spPr>
+      </p:pic>
+    </p:spTree>
+    <p:extLst>
+      <p:ext uri="{BB962C8B-B14F-4D97-AF65-F5344CB8AC3E}">
+        <p14:creationId xmlns:p14="http://schemas.microsoft.com/office/powerpoint/2010/main" val="4168533294"/>
+      </p:ext>
+    </p:extLst>
+  </p:cSld>
+  <p:clrMapOvr>
+    <a:masterClrMapping/>
+  </p:clrMapOvr>
+  <p:timing>
+    <p:tnLst>
+      <p:par>
+        <p:cTn id="1" dur="indefinite" restart="never" nodeType="tmRoot">
+          <p:childTnLst>
+            <p:seq concurrent="1" nextAc="seek">
+              <p:cTn id="2" dur="indefinite" nodeType="mainSeq">
+                <p:childTnLst>
+                  <p:par>
+                    <p:cTn id="3" fill="hold">
+                      <p:stCondLst>
+                        <p:cond delay="indefinite"/>
+                      </p:stCondLst>
+                      <p:childTnLst>
+                        <p:par>
+                          <p:cTn id="4" fill="hold">
+                            <p:stCondLst>
+                              <p:cond delay="0"/>
+                            </p:stCondLst>
+                            <p:childTnLst>
+                              <p:par>
+                                <p:cTn id="5" presetID="10" presetClass="entr" presetSubtype="0" fill="hold" nodeType="clickEffect">
+                                  <p:stCondLst>
+                                    <p:cond delay="0"/>
+                                  </p:stCondLst>
+                                  <p:childTnLst>
+                                    <p:set>
+                                      <p:cBhvr>
+                                        <p:cTn id="6" dur="1" fill="hold">
+                                          <p:stCondLst>
+                                            <p:cond delay="0"/>
+                                          </p:stCondLst>
+                                        </p:cTn>
+                                        <p:tgtEl>
+                                          <p:spTgt spid="1026"/>
+                                        </p:tgtEl>
+                                        <p:attrNameLst>
+                                          <p:attrName>style.visibility</p:attrName>
+                                        </p:attrNameLst>
+                                      </p:cBhvr>
+                                      <p:to>
+                                        <p:strVal val="visible"/>
+                                      </p:to>
+                                    </p:set>
+                                    <p:animEffect transition="in" filter="fade">
+                                      <p:cBhvr>
+                                        <p:cTn id="7" dur="250"/>
+                                        <p:tgtEl>
+                                          <p:spTgt spid="1026"/>
+                                        </p:tgtEl>
+                                      </p:cBhvr>
+                                    </p:animEffect>
+                                  </p:childTnLst>
+                                </p:cTn>
+                              </p:par>
+                            </p:childTnLst>
+                          </p:cTn>
+                        </p:par>
+                      </p:childTnLst>
+                    </p:cTn>
+                  </p:par>
+                </p:childTnLst>
+              </p:cTn>
+              <p:prevCondLst>
+                <p:cond evt="onPrev" delay="0">
+                  <p:tgtEl>
+                    <p:sldTgt/>
+                  </p:tgtEl>
+                </p:cond>
+              </p:prevCondLst>
+              <p:nextCondLst>
+                <p:cond evt="onNext" delay="0">
+                  <p:tgtEl>
+                    <p:sldTgt/>
+                  </p:tgtEl>
+                </p:cond>
+              </p:nextCondLst>
+            </p:seq>
+          </p:childTnLst>
+        </p:cTn>
+      </p:par>
+    </p:tnLst>
+  </p:timing>
+</p:sld>
+</file>
+
+<file path=ppt/slides/slide12.xml><?xml version="1.0" encoding="utf-8"?>
+<p:sld xmlns:a="http://schemas.openxmlformats.org/drawingml/2006/main" xmlns:r="http://schemas.openxmlformats.org/officeDocument/2006/relationships" xmlns:p="http://schemas.openxmlformats.org/presentationml/2006/main">
+  <p:cSld>
+    <p:spTree>
+      <p:nvGrpSpPr>
+        <p:cNvPr id="1" name=""/>
+        <p:cNvGrpSpPr/>
+        <p:nvPr/>
+      </p:nvGrpSpPr>
+      <p:grpSpPr>
+        <a:xfrm>
+          <a:off x="0" y="0"/>
+          <a:ext cx="0" cy="0"/>
+          <a:chOff x="0" y="0"/>
+          <a:chExt cx="0" cy="0"/>
+        </a:xfrm>
+      </p:grpSpPr>
+      <p:sp>
+        <p:nvSpPr>
+          <p:cNvPr id="6" name="TextBox 5"/>
+          <p:cNvSpPr txBox="1"/>
+          <p:nvPr/>
+        </p:nvSpPr>
+        <p:spPr>
+          <a:xfrm>
+            <a:off x="228600" y="152400"/>
+            <a:ext cx="8610600" cy="646331"/>
+          </a:xfrm>
+          <a:prstGeom prst="rect">
+            <a:avLst/>
+          </a:prstGeom>
+          <a:noFill/>
+        </p:spPr>
+        <p:txBody>
+          <a:bodyPr wrap="square" rtlCol="0">
+            <a:spAutoFit/>
+          </a:bodyPr>
+          <a:lstStyle/>
+          <a:p>
+            <a:r>
+              <a:rPr lang="en-US" sz="3600" b="1" dirty="0"/>
+              <a:t>Why focus on a defense of the resurrection?</a:t>
+            </a:r>
+          </a:p>
+        </p:txBody>
+      </p:sp>
+      <p:grpSp>
+        <p:nvGrpSpPr>
+          <p:cNvPr id="12" name="Group 11">
+            <a:extLst>
+              <a:ext uri="{FF2B5EF4-FFF2-40B4-BE49-F238E27FC236}">
+                <a16:creationId xmlns:a16="http://schemas.microsoft.com/office/drawing/2014/main" id="{9C7293A5-9F6A-4A42-B28F-77E682AEFD25}"/>
+              </a:ext>
+            </a:extLst>
+          </p:cNvPr>
+          <p:cNvGrpSpPr/>
+          <p:nvPr/>
+        </p:nvGrpSpPr>
+        <p:grpSpPr>
+          <a:xfrm>
+            <a:off x="533400" y="2895600"/>
+            <a:ext cx="8001000" cy="685800"/>
+            <a:chOff x="533400" y="2895600"/>
+            <a:chExt cx="8001000" cy="685800"/>
+          </a:xfrm>
+        </p:grpSpPr>
+        <p:sp>
+          <p:nvSpPr>
+            <p:cNvPr id="7" name="Oval 6">
+              <a:extLst>
+                <a:ext uri="{FF2B5EF4-FFF2-40B4-BE49-F238E27FC236}">
+                  <a16:creationId xmlns:a16="http://schemas.microsoft.com/office/drawing/2014/main" id="{536B79E8-7DCE-0445-821B-D0B03DF78CAA}"/>
+                </a:ext>
+              </a:extLst>
+            </p:cNvPr>
+            <p:cNvSpPr/>
+            <p:nvPr/>
+          </p:nvSpPr>
+          <p:spPr>
+            <a:xfrm>
+              <a:off x="533400" y="2895600"/>
+              <a:ext cx="685800" cy="685800"/>
+            </a:xfrm>
+            <a:prstGeom prst="ellipse">
+              <a:avLst/>
+            </a:prstGeom>
+            <a:solidFill>
+              <a:srgbClr val="009EC0"/>
+            </a:solidFill>
+            <a:ln>
+              <a:noFill/>
+            </a:ln>
+          </p:spPr>
+          <p:style>
+            <a:lnRef idx="2">
+              <a:schemeClr val="accent1">
+                <a:shade val="50000"/>
+              </a:schemeClr>
+            </a:lnRef>
+            <a:fillRef idx="1">
+              <a:schemeClr val="accent1"/>
+            </a:fillRef>
+            <a:effectRef idx="0">
+              <a:schemeClr val="accent1"/>
+            </a:effectRef>
+            <a:fontRef idx="minor">
+              <a:schemeClr val="lt1"/>
+            </a:fontRef>
+          </p:style>
+          <p:txBody>
+            <a:bodyPr rtlCol="0" anchor="ctr"/>
+            <a:lstStyle/>
+            <a:p>
+              <a:pPr algn="ctr"/>
+              <a:r>
+                <a:rPr lang="en-US" sz="2800" dirty="0">
+                  <a:solidFill>
+                    <a:schemeClr val="tx1"/>
+                  </a:solidFill>
+                </a:rPr>
+                <a:t>2</a:t>
+              </a:r>
+            </a:p>
+          </p:txBody>
+        </p:sp>
+        <p:sp>
+          <p:nvSpPr>
+            <p:cNvPr id="4" name="Rectangle 3">
+              <a:extLst>
+                <a:ext uri="{FF2B5EF4-FFF2-40B4-BE49-F238E27FC236}">
+                  <a16:creationId xmlns:a16="http://schemas.microsoft.com/office/drawing/2014/main" id="{8330B7FE-A318-9845-8F59-02267667CECB}"/>
+                </a:ext>
+              </a:extLst>
+            </p:cNvPr>
+            <p:cNvSpPr/>
+            <p:nvPr/>
+          </p:nvSpPr>
+          <p:spPr>
+            <a:xfrm>
+              <a:off x="1447800" y="2895600"/>
+              <a:ext cx="7086600" cy="685800"/>
+            </a:xfrm>
+            <a:prstGeom prst="rect">
+              <a:avLst/>
+            </a:prstGeom>
+            <a:noFill/>
+            <a:ln>
+              <a:noFill/>
+            </a:ln>
+          </p:spPr>
+          <p:style>
+            <a:lnRef idx="2">
+              <a:schemeClr val="accent1">
+                <a:shade val="50000"/>
+              </a:schemeClr>
+            </a:lnRef>
+            <a:fillRef idx="1">
+              <a:schemeClr val="accent1"/>
+            </a:fillRef>
+            <a:effectRef idx="0">
+              <a:schemeClr val="accent1"/>
+            </a:effectRef>
+            <a:fontRef idx="minor">
+              <a:schemeClr val="lt1"/>
+            </a:fontRef>
+          </p:style>
+          <p:txBody>
+            <a:bodyPr rtlCol="0" anchor="ctr"/>
+            <a:lstStyle/>
+            <a:p>
+              <a:r>
+                <a:rPr lang="en-US" sz="2400" dirty="0">
+                  <a:solidFill>
+                    <a:schemeClr val="tx1"/>
+                  </a:solidFill>
+                </a:rPr>
+                <a:t>It’s </a:t>
+              </a:r>
+              <a:r>
+                <a:rPr lang="en-US" sz="2400" b="1" dirty="0">
+                  <a:solidFill>
+                    <a:schemeClr val="tx1"/>
+                  </a:solidFill>
+                  <a:highlight>
+                    <a:srgbClr val="C00002"/>
+                  </a:highlight>
+                </a:rPr>
+                <a:t>simpler &amp; easier</a:t>
+              </a:r>
+              <a:r>
+                <a:rPr lang="en-US" sz="2400" b="1" dirty="0">
+                  <a:solidFill>
+                    <a:schemeClr val="tx1"/>
+                  </a:solidFill>
+                </a:rPr>
+                <a:t> </a:t>
+              </a:r>
+              <a:r>
+                <a:rPr lang="en-US" sz="2400" dirty="0">
+                  <a:solidFill>
+                    <a:schemeClr val="tx1"/>
+                  </a:solidFill>
+                </a:rPr>
+                <a:t>(since the Gospel is your strength)</a:t>
+              </a:r>
+            </a:p>
+          </p:txBody>
+        </p:sp>
+      </p:grpSp>
+      <p:grpSp>
+        <p:nvGrpSpPr>
+          <p:cNvPr id="9" name="Group 8">
+            <a:extLst>
+              <a:ext uri="{FF2B5EF4-FFF2-40B4-BE49-F238E27FC236}">
+                <a16:creationId xmlns:a16="http://schemas.microsoft.com/office/drawing/2014/main" id="{55676BE1-B42E-AD44-9DD5-FF20BEB47F36}"/>
+              </a:ext>
+            </a:extLst>
+          </p:cNvPr>
+          <p:cNvGrpSpPr/>
+          <p:nvPr/>
+        </p:nvGrpSpPr>
+        <p:grpSpPr>
+          <a:xfrm>
+            <a:off x="533400" y="1833265"/>
+            <a:ext cx="8001000" cy="685800"/>
+            <a:chOff x="533400" y="1833265"/>
+            <a:chExt cx="8001000" cy="685800"/>
+          </a:xfrm>
+        </p:grpSpPr>
+        <p:sp>
+          <p:nvSpPr>
+            <p:cNvPr id="2" name="Oval 1">
+              <a:extLst>
+                <a:ext uri="{FF2B5EF4-FFF2-40B4-BE49-F238E27FC236}">
+                  <a16:creationId xmlns:a16="http://schemas.microsoft.com/office/drawing/2014/main" id="{876D5A54-0C8D-804B-88A0-6609A2C1405C}"/>
+                </a:ext>
+              </a:extLst>
+            </p:cNvPr>
+            <p:cNvSpPr/>
+            <p:nvPr/>
+          </p:nvSpPr>
+          <p:spPr>
+            <a:xfrm>
+              <a:off x="533400" y="1833265"/>
+              <a:ext cx="685800" cy="685800"/>
+            </a:xfrm>
+            <a:prstGeom prst="ellipse">
+              <a:avLst/>
+            </a:prstGeom>
+            <a:solidFill>
+              <a:srgbClr val="009EC0"/>
+            </a:solidFill>
+            <a:ln>
+              <a:noFill/>
+            </a:ln>
+          </p:spPr>
+          <p:style>
+            <a:lnRef idx="2">
+              <a:schemeClr val="accent1">
+                <a:shade val="50000"/>
+              </a:schemeClr>
+            </a:lnRef>
+            <a:fillRef idx="1">
+              <a:schemeClr val="accent1"/>
+            </a:fillRef>
+            <a:effectRef idx="0">
+              <a:schemeClr val="accent1"/>
+            </a:effectRef>
+            <a:fontRef idx="minor">
+              <a:schemeClr val="lt1"/>
+            </a:fontRef>
+          </p:style>
+          <p:txBody>
+            <a:bodyPr rtlCol="0" anchor="ctr"/>
+            <a:lstStyle/>
+            <a:p>
+              <a:pPr algn="ctr"/>
+              <a:r>
+                <a:rPr lang="en-US" sz="2800" dirty="0">
+                  <a:solidFill>
+                    <a:schemeClr val="tx1"/>
+                  </a:solidFill>
+                </a:rPr>
+                <a:t>1</a:t>
+              </a:r>
+            </a:p>
+          </p:txBody>
+        </p:sp>
+        <p:sp>
+          <p:nvSpPr>
+            <p:cNvPr id="10" name="Rectangle 9">
+              <a:extLst>
+                <a:ext uri="{FF2B5EF4-FFF2-40B4-BE49-F238E27FC236}">
+                  <a16:creationId xmlns:a16="http://schemas.microsoft.com/office/drawing/2014/main" id="{312C2DC5-5653-DC4B-98A2-76A0B8F08883}"/>
+                </a:ext>
+              </a:extLst>
+            </p:cNvPr>
+            <p:cNvSpPr/>
+            <p:nvPr/>
+          </p:nvSpPr>
+          <p:spPr>
+            <a:xfrm>
+              <a:off x="1447800" y="1833265"/>
+              <a:ext cx="7086600" cy="685800"/>
+            </a:xfrm>
+            <a:prstGeom prst="rect">
+              <a:avLst/>
+            </a:prstGeom>
+            <a:noFill/>
+            <a:ln>
+              <a:noFill/>
+            </a:ln>
+          </p:spPr>
+          <p:style>
+            <a:lnRef idx="2">
+              <a:schemeClr val="accent1">
+                <a:shade val="50000"/>
+              </a:schemeClr>
+            </a:lnRef>
+            <a:fillRef idx="1">
+              <a:schemeClr val="accent1"/>
+            </a:fillRef>
+            <a:effectRef idx="0">
+              <a:schemeClr val="accent1"/>
+            </a:effectRef>
+            <a:fontRef idx="minor">
+              <a:schemeClr val="lt1"/>
+            </a:fontRef>
+          </p:style>
+          <p:txBody>
+            <a:bodyPr rtlCol="0" anchor="ctr"/>
+            <a:lstStyle/>
+            <a:p>
+              <a:r>
+                <a:rPr lang="en-US" sz="2400" dirty="0">
+                  <a:solidFill>
+                    <a:schemeClr val="tx1"/>
+                  </a:solidFill>
+                </a:rPr>
+                <a:t>It’s </a:t>
+              </a:r>
+              <a:r>
+                <a:rPr lang="en-US" sz="2400" b="1" dirty="0">
+                  <a:solidFill>
+                    <a:schemeClr val="tx1"/>
+                  </a:solidFill>
+                  <a:highlight>
+                    <a:srgbClr val="C00002"/>
+                  </a:highlight>
+                </a:rPr>
+                <a:t>Biblical</a:t>
+              </a:r>
+              <a:endParaRPr lang="en-US" sz="2400" dirty="0">
+                <a:solidFill>
+                  <a:schemeClr val="tx1"/>
+                </a:solidFill>
+                <a:highlight>
+                  <a:srgbClr val="C00002"/>
+                </a:highlight>
+              </a:endParaRPr>
+            </a:p>
+          </p:txBody>
+        </p:sp>
+      </p:grpSp>
+      <p:grpSp>
+        <p:nvGrpSpPr>
+          <p:cNvPr id="14" name="Group 13">
+            <a:extLst>
+              <a:ext uri="{FF2B5EF4-FFF2-40B4-BE49-F238E27FC236}">
+                <a16:creationId xmlns:a16="http://schemas.microsoft.com/office/drawing/2014/main" id="{F0A87E3B-646D-1E41-9334-E8ECC604DF38}"/>
+              </a:ext>
+            </a:extLst>
+          </p:cNvPr>
+          <p:cNvGrpSpPr/>
+          <p:nvPr/>
+        </p:nvGrpSpPr>
+        <p:grpSpPr>
+          <a:xfrm>
+            <a:off x="533400" y="3957935"/>
+            <a:ext cx="8458200" cy="685800"/>
+            <a:chOff x="533400" y="2895600"/>
+            <a:chExt cx="8458200" cy="685800"/>
+          </a:xfrm>
+        </p:grpSpPr>
+        <p:sp>
+          <p:nvSpPr>
+            <p:cNvPr id="15" name="Oval 14">
+              <a:extLst>
+                <a:ext uri="{FF2B5EF4-FFF2-40B4-BE49-F238E27FC236}">
+                  <a16:creationId xmlns:a16="http://schemas.microsoft.com/office/drawing/2014/main" id="{602F0422-D845-1E4E-A7C5-B2069A212A2E}"/>
+                </a:ext>
+              </a:extLst>
+            </p:cNvPr>
+            <p:cNvSpPr/>
+            <p:nvPr/>
+          </p:nvSpPr>
+          <p:spPr>
+            <a:xfrm>
+              <a:off x="533400" y="2895600"/>
+              <a:ext cx="685800" cy="685800"/>
+            </a:xfrm>
+            <a:prstGeom prst="ellipse">
+              <a:avLst/>
+            </a:prstGeom>
+            <a:solidFill>
+              <a:srgbClr val="009EC0"/>
+            </a:solidFill>
+            <a:ln>
+              <a:noFill/>
+            </a:ln>
+          </p:spPr>
+          <p:style>
+            <a:lnRef idx="2">
+              <a:schemeClr val="accent1">
+                <a:shade val="50000"/>
+              </a:schemeClr>
+            </a:lnRef>
+            <a:fillRef idx="1">
+              <a:schemeClr val="accent1"/>
+            </a:fillRef>
+            <a:effectRef idx="0">
+              <a:schemeClr val="accent1"/>
+            </a:effectRef>
+            <a:fontRef idx="minor">
+              <a:schemeClr val="lt1"/>
+            </a:fontRef>
+          </p:style>
+          <p:txBody>
+            <a:bodyPr rtlCol="0" anchor="ctr"/>
+            <a:lstStyle/>
+            <a:p>
+              <a:pPr algn="ctr"/>
+              <a:r>
+                <a:rPr lang="en-US" sz="2800" dirty="0">
+                  <a:solidFill>
+                    <a:schemeClr val="tx1"/>
+                  </a:solidFill>
+                </a:rPr>
+                <a:t>3</a:t>
+              </a:r>
+            </a:p>
+          </p:txBody>
+        </p:sp>
+        <p:sp>
+          <p:nvSpPr>
+            <p:cNvPr id="16" name="Rectangle 15">
+              <a:extLst>
+                <a:ext uri="{FF2B5EF4-FFF2-40B4-BE49-F238E27FC236}">
+                  <a16:creationId xmlns:a16="http://schemas.microsoft.com/office/drawing/2014/main" id="{93230A02-C278-BF4F-B7D5-75C53BF2251C}"/>
+                </a:ext>
+              </a:extLst>
+            </p:cNvPr>
+            <p:cNvSpPr/>
+            <p:nvPr/>
+          </p:nvSpPr>
+          <p:spPr>
+            <a:xfrm>
+              <a:off x="1447800" y="2895600"/>
+              <a:ext cx="7543800" cy="685800"/>
+            </a:xfrm>
+            <a:prstGeom prst="rect">
+              <a:avLst/>
+            </a:prstGeom>
+            <a:noFill/>
+            <a:ln>
+              <a:noFill/>
+            </a:ln>
+          </p:spPr>
+          <p:style>
+            <a:lnRef idx="2">
+              <a:schemeClr val="accent1">
+                <a:shade val="50000"/>
+              </a:schemeClr>
+            </a:lnRef>
+            <a:fillRef idx="1">
+              <a:schemeClr val="accent1"/>
+            </a:fillRef>
+            <a:effectRef idx="0">
+              <a:schemeClr val="accent1"/>
+            </a:effectRef>
+            <a:fontRef idx="minor">
+              <a:schemeClr val="lt1"/>
+            </a:fontRef>
+          </p:style>
+          <p:txBody>
+            <a:bodyPr rtlCol="0" anchor="ctr"/>
+            <a:lstStyle/>
+            <a:p>
+              <a:r>
+                <a:rPr lang="en-US" sz="2400" dirty="0">
+                  <a:solidFill>
+                    <a:schemeClr val="tx1"/>
+                  </a:solidFill>
+                </a:rPr>
+                <a:t>Become </a:t>
+              </a:r>
+              <a:r>
+                <a:rPr lang="en-US" sz="2400" b="1" dirty="0">
+                  <a:solidFill>
+                    <a:schemeClr val="tx1"/>
+                  </a:solidFill>
+                  <a:highlight>
+                    <a:srgbClr val="C00002"/>
+                  </a:highlight>
+                </a:rPr>
+                <a:t>more knowledgeable</a:t>
+              </a:r>
+              <a:r>
+                <a:rPr lang="en-US" sz="2400" b="1" dirty="0">
+                  <a:solidFill>
+                    <a:schemeClr val="tx1"/>
+                  </a:solidFill>
+                </a:rPr>
+                <a:t> </a:t>
+              </a:r>
+              <a:r>
+                <a:rPr lang="en-US" sz="2400" dirty="0">
+                  <a:solidFill>
+                    <a:schemeClr val="tx1"/>
+                  </a:solidFill>
+                </a:rPr>
+                <a:t>about the Gospel accounts</a:t>
+              </a:r>
+            </a:p>
+          </p:txBody>
+        </p:sp>
+      </p:grpSp>
+      <p:cxnSp>
+        <p:nvCxnSpPr>
+          <p:cNvPr id="8" name="Straight Connector 7">
+            <a:extLst>
+              <a:ext uri="{FF2B5EF4-FFF2-40B4-BE49-F238E27FC236}">
+                <a16:creationId xmlns:a16="http://schemas.microsoft.com/office/drawing/2014/main" id="{B1CE1C68-C736-2F42-AD3D-29FCB9A69CAD}"/>
+              </a:ext>
+            </a:extLst>
+          </p:cNvPr>
+          <p:cNvCxnSpPr>
+            <a:cxnSpLocks/>
+          </p:cNvCxnSpPr>
+          <p:nvPr/>
+        </p:nvCxnSpPr>
+        <p:spPr>
+          <a:xfrm>
+            <a:off x="228600" y="1066800"/>
+            <a:ext cx="2209800" cy="0"/>
+          </a:xfrm>
+          <a:prstGeom prst="line">
+            <a:avLst/>
+          </a:prstGeom>
+          <a:ln w="76200">
+            <a:solidFill>
+              <a:srgbClr val="009EC0"/>
+            </a:solidFill>
+          </a:ln>
+        </p:spPr>
+        <p:style>
+          <a:lnRef idx="1">
+            <a:schemeClr val="dk1"/>
+          </a:lnRef>
+          <a:fillRef idx="0">
+            <a:schemeClr val="dk1"/>
+          </a:fillRef>
+          <a:effectRef idx="0">
+            <a:schemeClr val="dk1"/>
+          </a:effectRef>
+          <a:fontRef idx="minor">
+            <a:schemeClr val="tx1"/>
+          </a:fontRef>
+        </p:style>
+      </p:cxnSp>
+    </p:spTree>
+    <p:extLst>
+      <p:ext uri="{BB962C8B-B14F-4D97-AF65-F5344CB8AC3E}">
+        <p14:creationId xmlns:p14="http://schemas.microsoft.com/office/powerpoint/2010/main" val="2420720546"/>
+      </p:ext>
+    </p:extLst>
+  </p:cSld>
+  <p:clrMapOvr>
+    <a:masterClrMapping/>
+  </p:clrMapOvr>
+  <p:timing>
+    <p:tnLst>
+      <p:par>
+        <p:cTn id="1" dur="indefinite" restart="never" nodeType="tmRoot">
+          <p:childTnLst>
+            <p:seq concurrent="1" nextAc="seek">
+              <p:cTn id="2" dur="indefinite" nodeType="mainSeq">
+                <p:childTnLst>
+                  <p:par>
+                    <p:cTn id="3" fill="hold">
+                      <p:stCondLst>
+                        <p:cond delay="indefinite"/>
+                      </p:stCondLst>
+                      <p:childTnLst>
+                        <p:par>
+                          <p:cTn id="4" fill="hold">
+                            <p:stCondLst>
+                              <p:cond delay="0"/>
+                            </p:stCondLst>
+                            <p:childTnLst>
+                              <p:par>
+                                <p:cTn id="5" presetID="10" presetClass="entr" presetSubtype="0" fill="hold" grpId="0" nodeType="clickEffect">
+                                  <p:stCondLst>
+                                    <p:cond delay="0"/>
+                                  </p:stCondLst>
+                                  <p:childTnLst>
+                                    <p:set>
+                                      <p:cBhvr>
+                                        <p:cTn id="6" dur="1" fill="hold">
+                                          <p:stCondLst>
+                                            <p:cond delay="0"/>
+                                          </p:stCondLst>
+                                        </p:cTn>
+                                        <p:tgtEl>
+                                          <p:spTgt spid="6"/>
+                                        </p:tgtEl>
+                                        <p:attrNameLst>
+                                          <p:attrName>style.visibility</p:attrName>
+                                        </p:attrNameLst>
+                                      </p:cBhvr>
+                                      <p:to>
+                                        <p:strVal val="visible"/>
+                                      </p:to>
+                                    </p:set>
+                                    <p:animEffect transition="in" filter="fade">
+                                      <p:cBhvr>
+                                        <p:cTn id="7" dur="250"/>
+                                        <p:tgtEl>
+                                          <p:spTgt spid="6"/>
+                                        </p:tgtEl>
+                                      </p:cBhvr>
+                                    </p:animEffect>
+                                  </p:childTnLst>
+                                </p:cTn>
+                              </p:par>
+                            </p:childTnLst>
+                          </p:cTn>
+                        </p:par>
+                        <p:par>
+                          <p:cTn id="8" fill="hold">
+                            <p:stCondLst>
+                              <p:cond delay="250"/>
+                            </p:stCondLst>
+                            <p:childTnLst>
+                              <p:par>
+                                <p:cTn id="9" presetID="10" presetClass="entr" presetSubtype="0" fill="hold" nodeType="afterEffect">
+                                  <p:stCondLst>
+                                    <p:cond delay="0"/>
+                                  </p:stCondLst>
+                                  <p:childTnLst>
+                                    <p:set>
+                                      <p:cBhvr>
+                                        <p:cTn id="10" dur="1" fill="hold">
+                                          <p:stCondLst>
+                                            <p:cond delay="0"/>
+                                          </p:stCondLst>
+                                        </p:cTn>
+                                        <p:tgtEl>
+                                          <p:spTgt spid="8"/>
+                                        </p:tgtEl>
+                                        <p:attrNameLst>
+                                          <p:attrName>style.visibility</p:attrName>
+                                        </p:attrNameLst>
+                                      </p:cBhvr>
+                                      <p:to>
+                                        <p:strVal val="visible"/>
+                                      </p:to>
+                                    </p:set>
+                                    <p:animEffect transition="in" filter="fade">
+                                      <p:cBhvr>
+                                        <p:cTn id="11" dur="250"/>
+                                        <p:tgtEl>
+                                          <p:spTgt spid="8"/>
+                                        </p:tgtEl>
+                                      </p:cBhvr>
+                                    </p:animEffect>
+                                  </p:childTnLst>
+                                </p:cTn>
+                              </p:par>
+                            </p:childTnLst>
+                          </p:cTn>
+                        </p:par>
+                      </p:childTnLst>
+                    </p:cTn>
+                  </p:par>
+                  <p:par>
+                    <p:cTn id="12" fill="hold">
+                      <p:stCondLst>
+                        <p:cond delay="indefinite"/>
+                      </p:stCondLst>
+                      <p:childTnLst>
+                        <p:par>
+                          <p:cTn id="13" fill="hold">
+                            <p:stCondLst>
+                              <p:cond delay="0"/>
+                            </p:stCondLst>
+                            <p:childTnLst>
+                              <p:par>
+                                <p:cTn id="14" presetID="10" presetClass="entr" presetSubtype="0" fill="hold" nodeType="clickEffect">
+                                  <p:stCondLst>
+                                    <p:cond delay="0"/>
+                                  </p:stCondLst>
+                                  <p:childTnLst>
+                                    <p:set>
+                                      <p:cBhvr>
+                                        <p:cTn id="15" dur="1" fill="hold">
+                                          <p:stCondLst>
+                                            <p:cond delay="0"/>
+                                          </p:stCondLst>
+                                        </p:cTn>
+                                        <p:tgtEl>
+                                          <p:spTgt spid="14"/>
+                                        </p:tgtEl>
+                                        <p:attrNameLst>
+                                          <p:attrName>style.visibility</p:attrName>
+                                        </p:attrNameLst>
+                                      </p:cBhvr>
+                                      <p:to>
+                                        <p:strVal val="visible"/>
+                                      </p:to>
+                                    </p:set>
+                                    <p:animEffect transition="in" filter="fade">
+                                      <p:cBhvr>
+                                        <p:cTn id="16" dur="250"/>
+                                        <p:tgtEl>
+                                          <p:spTgt spid="14"/>
+                                        </p:tgtEl>
+                                      </p:cBhvr>
+                                    </p:animEffect>
+                                  </p:childTnLst>
+                                </p:cTn>
+                              </p:par>
+                            </p:childTnLst>
+                          </p:cTn>
+                        </p:par>
+                      </p:childTnLst>
+                    </p:cTn>
+                  </p:par>
+                  <p:par>
+                    <p:cTn id="17" fill="hold">
+                      <p:stCondLst>
+                        <p:cond delay="indefinite"/>
+                      </p:stCondLst>
+                      <p:childTnLst>
+                        <p:par>
+                          <p:cTn id="18" fill="hold">
+                            <p:stCondLst>
+                              <p:cond delay="0"/>
+                            </p:stCondLst>
+                            <p:childTnLst>
+                              <p:par>
+                                <p:cTn id="19" presetID="10" presetClass="entr" presetSubtype="0" fill="hold" nodeType="clickEffect">
+                                  <p:stCondLst>
+                                    <p:cond delay="0"/>
+                                  </p:stCondLst>
+                                  <p:childTnLst>
+                                    <p:set>
+                                      <p:cBhvr>
+                                        <p:cTn id="20" dur="1" fill="hold">
+                                          <p:stCondLst>
+                                            <p:cond delay="0"/>
+                                          </p:stCondLst>
+                                        </p:cTn>
+                                        <p:tgtEl>
+                                          <p:spTgt spid="12"/>
+                                        </p:tgtEl>
+                                        <p:attrNameLst>
+                                          <p:attrName>style.visibility</p:attrName>
+                                        </p:attrNameLst>
+                                      </p:cBhvr>
+                                      <p:to>
+                                        <p:strVal val="visible"/>
+                                      </p:to>
+                                    </p:set>
+                                    <p:animEffect transition="in" filter="fade">
+                                      <p:cBhvr>
+                                        <p:cTn id="21" dur="250"/>
+                                        <p:tgtEl>
+                                          <p:spTgt spid="12"/>
+                                        </p:tgtEl>
+                                      </p:cBhvr>
+                                    </p:animEffect>
+                                  </p:childTnLst>
+                                </p:cTn>
+                              </p:par>
+                            </p:childTnLst>
+                          </p:cTn>
+                        </p:par>
+                      </p:childTnLst>
+                    </p:cTn>
+                  </p:par>
+                  <p:par>
+                    <p:cTn id="22" fill="hold">
+                      <p:stCondLst>
+                        <p:cond delay="indefinite"/>
+                      </p:stCondLst>
+                      <p:childTnLst>
+                        <p:par>
+                          <p:cTn id="23" fill="hold">
+                            <p:stCondLst>
+                              <p:cond delay="0"/>
+                            </p:stCondLst>
+                            <p:childTnLst>
+                              <p:par>
+                                <p:cTn id="24" presetID="10" presetClass="entr" presetSubtype="0" fill="hold" nodeType="clickEffect">
+                                  <p:stCondLst>
+                                    <p:cond delay="0"/>
+                                  </p:stCondLst>
+                                  <p:childTnLst>
+                                    <p:set>
+                                      <p:cBhvr>
+                                        <p:cTn id="25" dur="1" fill="hold">
+                                          <p:stCondLst>
+                                            <p:cond delay="0"/>
+                                          </p:stCondLst>
+                                        </p:cTn>
+                                        <p:tgtEl>
+                                          <p:spTgt spid="9"/>
+                                        </p:tgtEl>
+                                        <p:attrNameLst>
+                                          <p:attrName>style.visibility</p:attrName>
+                                        </p:attrNameLst>
+                                      </p:cBhvr>
+                                      <p:to>
+                                        <p:strVal val="visible"/>
+                                      </p:to>
+                                    </p:set>
+                                    <p:animEffect transition="in" filter="fade">
+                                      <p:cBhvr>
+                                        <p:cTn id="26" dur="250"/>
+                                        <p:tgtEl>
+                                          <p:spTgt spid="9"/>
+                                        </p:tgtEl>
+                                      </p:cBhvr>
+                                    </p:animEffect>
+                                  </p:childTnLst>
+                                </p:cTn>
+                              </p:par>
+                            </p:childTnLst>
+                          </p:cTn>
+                        </p:par>
+                      </p:childTnLst>
+                    </p:cTn>
+                  </p:par>
+                </p:childTnLst>
+              </p:cTn>
+              <p:prevCondLst>
+                <p:cond evt="onPrev" delay="0">
+                  <p:tgtEl>
+                    <p:sldTgt/>
+                  </p:tgtEl>
+                </p:cond>
+              </p:prevCondLst>
+              <p:nextCondLst>
+                <p:cond evt="onNext" delay="0">
+                  <p:tgtEl>
+                    <p:sldTgt/>
+                  </p:tgtEl>
+                </p:cond>
+              </p:nextCondLst>
+            </p:seq>
+          </p:childTnLst>
+        </p:cTn>
+      </p:par>
+    </p:tnLst>
+    <p:bldLst>
+      <p:bldP spid="6" grpId="0"/>
+    </p:bldLst>
+  </p:timing>
+</p:sld>
+</file>
+
+<file path=ppt/slides/slide13.xml><?xml version="1.0" encoding="utf-8"?>
+<p:sld xmlns:a="http://schemas.openxmlformats.org/drawingml/2006/main" xmlns:r="http://schemas.openxmlformats.org/officeDocument/2006/relationships" xmlns:p="http://schemas.openxmlformats.org/presentationml/2006/main">
+  <p:cSld>
+    <p:spTree>
+      <p:nvGrpSpPr>
+        <p:cNvPr id="1" name=""/>
+        <p:cNvGrpSpPr/>
+        <p:nvPr/>
+      </p:nvGrpSpPr>
+      <p:grpSpPr>
+        <a:xfrm>
+          <a:off x="0" y="0"/>
+          <a:ext cx="0" cy="0"/>
+          <a:chOff x="0" y="0"/>
+          <a:chExt cx="0" cy="0"/>
+        </a:xfrm>
+      </p:grpSpPr>
+      <p:sp>
+        <p:nvSpPr>
+          <p:cNvPr id="5" name="TextBox 4">
+            <a:extLst>
+              <a:ext uri="{FF2B5EF4-FFF2-40B4-BE49-F238E27FC236}">
+                <a16:creationId xmlns:a16="http://schemas.microsoft.com/office/drawing/2014/main" id="{13CAC97E-8C9F-1E45-BB52-945B952A4949}"/>
+              </a:ext>
+            </a:extLst>
+          </p:cNvPr>
+          <p:cNvSpPr txBox="1"/>
+          <p:nvPr/>
+        </p:nvSpPr>
+        <p:spPr>
+          <a:xfrm>
+            <a:off x="4724400" y="152400"/>
+            <a:ext cx="4114800" cy="1015663"/>
+          </a:xfrm>
+          <a:prstGeom prst="rect">
+            <a:avLst/>
+          </a:prstGeom>
+          <a:noFill/>
+        </p:spPr>
+        <p:txBody>
+          <a:bodyPr wrap="square" rtlCol="0">
+            <a:spAutoFit/>
+          </a:bodyPr>
+          <a:lstStyle/>
+          <a:p>
+            <a:r>
+              <a:rPr lang="en-US" sz="3600" b="1" dirty="0">
+                <a:solidFill>
+                  <a:srgbClr val="009FC0"/>
+                </a:solidFill>
+              </a:rPr>
+              <a:t>Facts</a:t>
+            </a:r>
+            <a:br>
+              <a:rPr lang="en-US" sz="3600" b="1" dirty="0"/>
+            </a:br>
+            <a:r>
+              <a:rPr lang="en-US" sz="2400" dirty="0"/>
+              <a:t>“I </a:t>
+            </a:r>
+            <a:r>
+              <a:rPr lang="en-US" sz="2400" i="1" dirty="0"/>
+              <a:t>believe</a:t>
+            </a:r>
+            <a:r>
+              <a:rPr lang="en-US" sz="2400" dirty="0"/>
+              <a:t> Christianity is true”</a:t>
+            </a:r>
+          </a:p>
+        </p:txBody>
+      </p:sp>
+      <p:sp>
+        <p:nvSpPr>
+          <p:cNvPr id="6" name="TextBox 5">
+            <a:extLst>
+              <a:ext uri="{FF2B5EF4-FFF2-40B4-BE49-F238E27FC236}">
+                <a16:creationId xmlns:a16="http://schemas.microsoft.com/office/drawing/2014/main" id="{22F44EDA-0820-D946-A634-4507830308A8}"/>
+              </a:ext>
+            </a:extLst>
+          </p:cNvPr>
+          <p:cNvSpPr txBox="1"/>
+          <p:nvPr/>
+        </p:nvSpPr>
+        <p:spPr>
+          <a:xfrm>
+            <a:off x="446314" y="145588"/>
+            <a:ext cx="4114800" cy="1015663"/>
+          </a:xfrm>
+          <a:prstGeom prst="rect">
+            <a:avLst/>
+          </a:prstGeom>
+          <a:noFill/>
+        </p:spPr>
+        <p:txBody>
+          <a:bodyPr wrap="square" rtlCol="0">
+            <a:spAutoFit/>
+          </a:bodyPr>
+          <a:lstStyle/>
+          <a:p>
+            <a:r>
+              <a:rPr lang="en-US" sz="3600" b="1" dirty="0">
+                <a:solidFill>
+                  <a:srgbClr val="009FC0"/>
+                </a:solidFill>
+              </a:rPr>
+              <a:t>Values &amp; Needs</a:t>
+            </a:r>
+          </a:p>
+          <a:p>
+            <a:r>
+              <a:rPr lang="en-US" sz="2400" dirty="0"/>
+              <a:t>“I </a:t>
+            </a:r>
+            <a:r>
+              <a:rPr lang="en-US" sz="2400" i="1" dirty="0"/>
+              <a:t>want</a:t>
+            </a:r>
+            <a:r>
+              <a:rPr lang="en-US" sz="2400" dirty="0"/>
+              <a:t> Christianity to be true”</a:t>
+            </a:r>
+            <a:endParaRPr lang="en-US" sz="2400" b="1" dirty="0"/>
+          </a:p>
+        </p:txBody>
+      </p:sp>
+      <p:cxnSp>
+        <p:nvCxnSpPr>
+          <p:cNvPr id="3" name="Straight Connector 2">
+            <a:extLst>
+              <a:ext uri="{FF2B5EF4-FFF2-40B4-BE49-F238E27FC236}">
+                <a16:creationId xmlns:a16="http://schemas.microsoft.com/office/drawing/2014/main" id="{9655C28E-AA74-7046-BEDE-734F1DA65678}"/>
+              </a:ext>
+            </a:extLst>
+          </p:cNvPr>
+          <p:cNvCxnSpPr>
+            <a:cxnSpLocks/>
+          </p:cNvCxnSpPr>
+          <p:nvPr/>
+        </p:nvCxnSpPr>
+        <p:spPr>
+          <a:xfrm>
+            <a:off x="4572000" y="228600"/>
+            <a:ext cx="0" cy="4648200"/>
+          </a:xfrm>
+          <a:prstGeom prst="line">
+            <a:avLst/>
+          </a:prstGeom>
+          <a:ln>
+            <a:solidFill>
+              <a:schemeClr val="bg1">
+                <a:lumMod val="65000"/>
+                <a:lumOff val="35000"/>
+              </a:schemeClr>
+            </a:solidFill>
+          </a:ln>
+        </p:spPr>
+        <p:style>
+          <a:lnRef idx="1">
+            <a:schemeClr val="accent1"/>
+          </a:lnRef>
+          <a:fillRef idx="0">
+            <a:schemeClr val="accent1"/>
+          </a:fillRef>
+          <a:effectRef idx="0">
+            <a:schemeClr val="accent1"/>
+          </a:effectRef>
+          <a:fontRef idx="minor">
+            <a:schemeClr val="tx1"/>
+          </a:fontRef>
+        </p:style>
+      </p:cxnSp>
+      <p:sp>
+        <p:nvSpPr>
+          <p:cNvPr id="7" name="TextBox 6">
+            <a:extLst>
+              <a:ext uri="{FF2B5EF4-FFF2-40B4-BE49-F238E27FC236}">
+                <a16:creationId xmlns:a16="http://schemas.microsoft.com/office/drawing/2014/main" id="{AE3917C3-FF01-8F40-B290-0C025DB242FF}"/>
+              </a:ext>
+            </a:extLst>
+          </p:cNvPr>
+          <p:cNvSpPr txBox="1"/>
+          <p:nvPr/>
+        </p:nvSpPr>
+        <p:spPr>
+          <a:xfrm>
+            <a:off x="4822384" y="1676400"/>
+            <a:ext cx="4038587" cy="369332"/>
+          </a:xfrm>
+          <a:prstGeom prst="rect">
+            <a:avLst/>
+          </a:prstGeom>
+          <a:noFill/>
+        </p:spPr>
+        <p:txBody>
+          <a:bodyPr wrap="square" rtlCol="0">
+            <a:spAutoFit/>
+          </a:bodyPr>
+          <a:lstStyle/>
+          <a:p>
+            <a:r>
+              <a:rPr lang="en-US" dirty="0"/>
+              <a:t>Undesigned coincidences</a:t>
+            </a:r>
+          </a:p>
+        </p:txBody>
+      </p:sp>
+      <p:sp>
+        <p:nvSpPr>
+          <p:cNvPr id="8" name="TextBox 7">
+            <a:extLst>
+              <a:ext uri="{FF2B5EF4-FFF2-40B4-BE49-F238E27FC236}">
+                <a16:creationId xmlns:a16="http://schemas.microsoft.com/office/drawing/2014/main" id="{D85122D7-0247-5044-A30C-2F1258A53BC2}"/>
+              </a:ext>
+            </a:extLst>
+          </p:cNvPr>
+          <p:cNvSpPr txBox="1"/>
+          <p:nvPr/>
+        </p:nvSpPr>
+        <p:spPr>
+          <a:xfrm>
+            <a:off x="457210" y="1676400"/>
+            <a:ext cx="4038587" cy="615553"/>
+          </a:xfrm>
+          <a:prstGeom prst="rect">
+            <a:avLst/>
+          </a:prstGeom>
+          <a:noFill/>
+        </p:spPr>
+        <p:txBody>
+          <a:bodyPr wrap="square" rtlCol="0">
+            <a:spAutoFit/>
+          </a:bodyPr>
+          <a:lstStyle/>
+          <a:p>
+            <a:pPr fontAlgn="t"/>
+            <a:r>
+              <a:rPr lang="en-US" dirty="0"/>
+              <a:t>Christianity can explain values</a:t>
+            </a:r>
+          </a:p>
+          <a:p>
+            <a:pPr fontAlgn="t"/>
+            <a:r>
+              <a:rPr lang="en-US" sz="1600" dirty="0">
+                <a:solidFill>
+                  <a:schemeClr val="bg1">
+                    <a:lumMod val="50000"/>
+                    <a:lumOff val="50000"/>
+                  </a:schemeClr>
+                </a:solidFill>
+              </a:rPr>
+              <a:t>(why racism is wrong, why truth matters, etc.)</a:t>
+            </a:r>
+          </a:p>
+        </p:txBody>
+      </p:sp>
+      <p:sp>
+        <p:nvSpPr>
+          <p:cNvPr id="9" name="TextBox 8">
+            <a:extLst>
+              <a:ext uri="{FF2B5EF4-FFF2-40B4-BE49-F238E27FC236}">
+                <a16:creationId xmlns:a16="http://schemas.microsoft.com/office/drawing/2014/main" id="{4F57F26C-472C-994C-AEFB-9EBFE3D4E413}"/>
+              </a:ext>
+            </a:extLst>
+          </p:cNvPr>
+          <p:cNvSpPr txBox="1"/>
+          <p:nvPr/>
+        </p:nvSpPr>
+        <p:spPr>
+          <a:xfrm>
+            <a:off x="4822384" y="2260546"/>
+            <a:ext cx="4038587" cy="369332"/>
+          </a:xfrm>
+          <a:prstGeom prst="rect">
+            <a:avLst/>
+          </a:prstGeom>
+          <a:noFill/>
+        </p:spPr>
+        <p:txBody>
+          <a:bodyPr wrap="square" rtlCol="0">
+            <a:spAutoFit/>
+          </a:bodyPr>
+          <a:lstStyle/>
+          <a:p>
+            <a:r>
+              <a:rPr lang="en-US" dirty="0"/>
+              <a:t>Eyewitness sources </a:t>
+            </a:r>
+          </a:p>
+        </p:txBody>
+      </p:sp>
+      <p:sp>
+        <p:nvSpPr>
+          <p:cNvPr id="10" name="TextBox 9">
+            <a:extLst>
+              <a:ext uri="{FF2B5EF4-FFF2-40B4-BE49-F238E27FC236}">
+                <a16:creationId xmlns:a16="http://schemas.microsoft.com/office/drawing/2014/main" id="{BA672B46-BD0A-0248-8B1E-B623C0FCB5B0}"/>
+              </a:ext>
+            </a:extLst>
+          </p:cNvPr>
+          <p:cNvSpPr txBox="1"/>
+          <p:nvPr/>
+        </p:nvSpPr>
+        <p:spPr>
+          <a:xfrm>
+            <a:off x="446314" y="2888706"/>
+            <a:ext cx="4038587" cy="646331"/>
+          </a:xfrm>
+          <a:prstGeom prst="rect">
+            <a:avLst/>
+          </a:prstGeom>
+          <a:noFill/>
+        </p:spPr>
+        <p:txBody>
+          <a:bodyPr wrap="square" rtlCol="0">
+            <a:spAutoFit/>
+          </a:bodyPr>
+          <a:lstStyle/>
+          <a:p>
+            <a:pPr fontAlgn="t"/>
+            <a:r>
+              <a:rPr lang="en-US" dirty="0"/>
+              <a:t>Christianity can fill our deepest needs</a:t>
+            </a:r>
+            <a:br>
+              <a:rPr lang="en-US" dirty="0"/>
+            </a:br>
+            <a:r>
+              <a:rPr lang="en-US" dirty="0">
+                <a:solidFill>
+                  <a:schemeClr val="bg1">
+                    <a:lumMod val="50000"/>
+                    <a:lumOff val="50000"/>
+                  </a:schemeClr>
+                </a:solidFill>
+              </a:rPr>
+              <a:t>(hope, love, forgiveness, justice)</a:t>
+            </a:r>
+          </a:p>
+        </p:txBody>
+      </p:sp>
+      <p:sp>
+        <p:nvSpPr>
+          <p:cNvPr id="11" name="TextBox 10">
+            <a:extLst>
+              <a:ext uri="{FF2B5EF4-FFF2-40B4-BE49-F238E27FC236}">
+                <a16:creationId xmlns:a16="http://schemas.microsoft.com/office/drawing/2014/main" id="{2CA3811B-CA1B-4C49-A7BB-A37BCE44149E}"/>
+              </a:ext>
+            </a:extLst>
+          </p:cNvPr>
+          <p:cNvSpPr txBox="1"/>
+          <p:nvPr/>
+        </p:nvSpPr>
+        <p:spPr>
+          <a:xfrm>
+            <a:off x="4822384" y="3793867"/>
+            <a:ext cx="4038587" cy="369332"/>
+          </a:xfrm>
+          <a:prstGeom prst="rect">
+            <a:avLst/>
+          </a:prstGeom>
+          <a:noFill/>
+        </p:spPr>
+        <p:txBody>
+          <a:bodyPr wrap="square" rtlCol="0">
+            <a:spAutoFit/>
+          </a:bodyPr>
+          <a:lstStyle/>
+          <a:p>
+            <a:r>
+              <a:rPr lang="en-US" dirty="0"/>
+              <a:t>Ancient Jewish teaching practices</a:t>
+            </a:r>
+          </a:p>
+        </p:txBody>
+      </p:sp>
+      <p:sp>
+        <p:nvSpPr>
+          <p:cNvPr id="12" name="TextBox 11">
+            <a:extLst>
+              <a:ext uri="{FF2B5EF4-FFF2-40B4-BE49-F238E27FC236}">
+                <a16:creationId xmlns:a16="http://schemas.microsoft.com/office/drawing/2014/main" id="{A4BA65D4-BB7E-3D43-8C26-E7E32EDB95CB}"/>
+              </a:ext>
+            </a:extLst>
+          </p:cNvPr>
+          <p:cNvSpPr txBox="1"/>
+          <p:nvPr/>
+        </p:nvSpPr>
+        <p:spPr>
+          <a:xfrm>
+            <a:off x="4822384" y="2888707"/>
+            <a:ext cx="4038587" cy="646331"/>
+          </a:xfrm>
+          <a:prstGeom prst="rect">
+            <a:avLst/>
+          </a:prstGeom>
+          <a:noFill/>
+        </p:spPr>
+        <p:txBody>
+          <a:bodyPr wrap="square" rtlCol="0">
+            <a:spAutoFit/>
+          </a:bodyPr>
+          <a:lstStyle/>
+          <a:p>
+            <a:r>
+              <a:rPr lang="en-US" dirty="0"/>
+              <a:t>Christianity shouldn’t exist</a:t>
+            </a:r>
+            <a:br>
+              <a:rPr lang="en-US" dirty="0"/>
+            </a:br>
+            <a:r>
+              <a:rPr lang="en-US" dirty="0">
+                <a:solidFill>
+                  <a:schemeClr val="bg1">
+                    <a:lumMod val="50000"/>
+                    <a:lumOff val="50000"/>
+                  </a:schemeClr>
+                </a:solidFill>
+              </a:rPr>
+              <a:t>(if not for Jesus’ resurrection)</a:t>
+            </a:r>
+          </a:p>
+        </p:txBody>
+      </p:sp>
+      <p:sp>
+        <p:nvSpPr>
+          <p:cNvPr id="13" name="TextBox 12">
+            <a:extLst>
+              <a:ext uri="{FF2B5EF4-FFF2-40B4-BE49-F238E27FC236}">
+                <a16:creationId xmlns:a16="http://schemas.microsoft.com/office/drawing/2014/main" id="{0A6197F4-BB3F-C24D-A053-A2855674FEB1}"/>
+              </a:ext>
+            </a:extLst>
+          </p:cNvPr>
+          <p:cNvSpPr txBox="1"/>
+          <p:nvPr/>
+        </p:nvSpPr>
+        <p:spPr>
+          <a:xfrm>
+            <a:off x="4822384" y="4422810"/>
+            <a:ext cx="4038587" cy="369332"/>
+          </a:xfrm>
+          <a:prstGeom prst="rect">
+            <a:avLst/>
+          </a:prstGeom>
+          <a:noFill/>
+        </p:spPr>
+        <p:txBody>
+          <a:bodyPr wrap="square" rtlCol="0">
+            <a:spAutoFit/>
+          </a:bodyPr>
+          <a:lstStyle/>
+          <a:p>
+            <a:r>
+              <a:rPr lang="en-US" dirty="0"/>
+              <a:t>Prophecy (Isaiah 53)</a:t>
+            </a:r>
+          </a:p>
+        </p:txBody>
+      </p:sp>
+    </p:spTree>
+    <p:extLst>
+      <p:ext uri="{BB962C8B-B14F-4D97-AF65-F5344CB8AC3E}">
+        <p14:creationId xmlns:p14="http://schemas.microsoft.com/office/powerpoint/2010/main" val="1351436791"/>
+      </p:ext>
+    </p:extLst>
+  </p:cSld>
+  <p:clrMapOvr>
+    <a:masterClrMapping/>
+  </p:clrMapOvr>
+  <p:timing>
+    <p:tnLst>
+      <p:par>
+        <p:cTn id="1" dur="indefinite" restart="never" nodeType="tmRoot">
+          <p:childTnLst>
+            <p:seq concurrent="1" nextAc="seek">
+              <p:cTn id="2" dur="indefinite" nodeType="mainSeq">
+                <p:childTnLst>
+                  <p:par>
+                    <p:cTn id="3" fill="hold">
+                      <p:stCondLst>
+                        <p:cond delay="indefinite"/>
+                      </p:stCondLst>
+                      <p:childTnLst>
+                        <p:par>
+                          <p:cTn id="4" fill="hold">
+                            <p:stCondLst>
+                              <p:cond delay="0"/>
+                            </p:stCondLst>
+                            <p:childTnLst>
+                              <p:par>
+                                <p:cTn id="5" presetID="10" presetClass="entr" presetSubtype="0" fill="hold" nodeType="clickEffect">
+                                  <p:stCondLst>
+                                    <p:cond delay="0"/>
+                                  </p:stCondLst>
+                                  <p:childTnLst>
+                                    <p:set>
+                                      <p:cBhvr>
+                                        <p:cTn id="6" dur="1" fill="hold">
+                                          <p:stCondLst>
+                                            <p:cond delay="0"/>
+                                          </p:stCondLst>
+                                        </p:cTn>
+                                        <p:tgtEl>
+                                          <p:spTgt spid="3"/>
+                                        </p:tgtEl>
+                                        <p:attrNameLst>
+                                          <p:attrName>style.visibility</p:attrName>
+                                        </p:attrNameLst>
+                                      </p:cBhvr>
+                                      <p:to>
+                                        <p:strVal val="visible"/>
+                                      </p:to>
+                                    </p:set>
+                                    <p:animEffect transition="in" filter="fade">
+                                      <p:cBhvr>
+                                        <p:cTn id="7" dur="500"/>
+                                        <p:tgtEl>
+                                          <p:spTgt spid="3"/>
+                                        </p:tgtEl>
+                                      </p:cBhvr>
+                                    </p:animEffect>
+                                  </p:childTnLst>
+                                </p:cTn>
+                              </p:par>
+                            </p:childTnLst>
+                          </p:cTn>
+                        </p:par>
+                      </p:childTnLst>
+                    </p:cTn>
+                  </p:par>
+                  <p:par>
+                    <p:cTn id="8" fill="hold">
+                      <p:stCondLst>
+                        <p:cond delay="indefinite"/>
+                      </p:stCondLst>
+                      <p:childTnLst>
+                        <p:par>
+                          <p:cTn id="9" fill="hold">
+                            <p:stCondLst>
+                              <p:cond delay="0"/>
+                            </p:stCondLst>
+                            <p:childTnLst>
+                              <p:par>
+                                <p:cTn id="10" presetID="10" presetClass="entr" presetSubtype="0" fill="hold" grpId="0" nodeType="clickEffect">
+                                  <p:stCondLst>
+                                    <p:cond delay="0"/>
+                                  </p:stCondLst>
+                                  <p:childTnLst>
+                                    <p:set>
+                                      <p:cBhvr>
+                                        <p:cTn id="11" dur="1" fill="hold">
+                                          <p:stCondLst>
+                                            <p:cond delay="0"/>
+                                          </p:stCondLst>
+                                        </p:cTn>
+                                        <p:tgtEl>
+                                          <p:spTgt spid="5"/>
+                                        </p:tgtEl>
+                                        <p:attrNameLst>
+                                          <p:attrName>style.visibility</p:attrName>
+                                        </p:attrNameLst>
+                                      </p:cBhvr>
+                                      <p:to>
+                                        <p:strVal val="visible"/>
+                                      </p:to>
+                                    </p:set>
+                                    <p:animEffect transition="in" filter="fade">
+                                      <p:cBhvr>
+                                        <p:cTn id="12" dur="250"/>
+                                        <p:tgtEl>
+                                          <p:spTgt spid="5"/>
+                                        </p:tgtEl>
+                                      </p:cBhvr>
+                                    </p:animEffect>
+                                  </p:childTnLst>
+                                </p:cTn>
+                              </p:par>
+                            </p:childTnLst>
+                          </p:cTn>
+                        </p:par>
+                      </p:childTnLst>
+                    </p:cTn>
+                  </p:par>
+                  <p:par>
+                    <p:cTn id="13" fill="hold">
+                      <p:stCondLst>
+                        <p:cond delay="indefinite"/>
+                      </p:stCondLst>
+                      <p:childTnLst>
+                        <p:par>
+                          <p:cTn id="14" fill="hold">
+                            <p:stCondLst>
+                              <p:cond delay="0"/>
+                            </p:stCondLst>
+                            <p:childTnLst>
+                              <p:par>
+                                <p:cTn id="15" presetID="10" presetClass="entr" presetSubtype="0" fill="hold" grpId="0" nodeType="clickEffect">
+                                  <p:stCondLst>
+                                    <p:cond delay="0"/>
+                                  </p:stCondLst>
+                                  <p:childTnLst>
+                                    <p:set>
+                                      <p:cBhvr>
+                                        <p:cTn id="16" dur="1" fill="hold">
+                                          <p:stCondLst>
+                                            <p:cond delay="0"/>
+                                          </p:stCondLst>
+                                        </p:cTn>
+                                        <p:tgtEl>
+                                          <p:spTgt spid="7"/>
+                                        </p:tgtEl>
+                                        <p:attrNameLst>
+                                          <p:attrName>style.visibility</p:attrName>
+                                        </p:attrNameLst>
+                                      </p:cBhvr>
+                                      <p:to>
+                                        <p:strVal val="visible"/>
+                                      </p:to>
+                                    </p:set>
+                                    <p:animEffect transition="in" filter="fade">
+                                      <p:cBhvr>
+                                        <p:cTn id="17" dur="500"/>
+                                        <p:tgtEl>
+                                          <p:spTgt spid="7"/>
+                                        </p:tgtEl>
+                                      </p:cBhvr>
+                                    </p:animEffect>
+                                  </p:childTnLst>
+                                </p:cTn>
+                              </p:par>
+                            </p:childTnLst>
+                          </p:cTn>
+                        </p:par>
+                      </p:childTnLst>
+                    </p:cTn>
+                  </p:par>
+                  <p:par>
+                    <p:cTn id="18" fill="hold">
+                      <p:stCondLst>
+                        <p:cond delay="indefinite"/>
+                      </p:stCondLst>
+                      <p:childTnLst>
+                        <p:par>
+                          <p:cTn id="19" fill="hold">
+                            <p:stCondLst>
+                              <p:cond delay="0"/>
+                            </p:stCondLst>
+                            <p:childTnLst>
+                              <p:par>
+                                <p:cTn id="20" presetID="10" presetClass="entr" presetSubtype="0" fill="hold" grpId="0" nodeType="clickEffect">
+                                  <p:stCondLst>
+                                    <p:cond delay="0"/>
+                                  </p:stCondLst>
+                                  <p:childTnLst>
+                                    <p:set>
+                                      <p:cBhvr>
+                                        <p:cTn id="21" dur="1" fill="hold">
+                                          <p:stCondLst>
+                                            <p:cond delay="0"/>
+                                          </p:stCondLst>
+                                        </p:cTn>
+                                        <p:tgtEl>
+                                          <p:spTgt spid="9"/>
+                                        </p:tgtEl>
+                                        <p:attrNameLst>
+                                          <p:attrName>style.visibility</p:attrName>
+                                        </p:attrNameLst>
+                                      </p:cBhvr>
+                                      <p:to>
+                                        <p:strVal val="visible"/>
+                                      </p:to>
+                                    </p:set>
+                                    <p:animEffect transition="in" filter="fade">
+                                      <p:cBhvr>
+                                        <p:cTn id="22" dur="500"/>
+                                        <p:tgtEl>
+                                          <p:spTgt spid="9"/>
+                                        </p:tgtEl>
+                                      </p:cBhvr>
+                                    </p:animEffect>
+                                  </p:childTnLst>
+                                </p:cTn>
+                              </p:par>
+                            </p:childTnLst>
+                          </p:cTn>
+                        </p:par>
+                      </p:childTnLst>
+                    </p:cTn>
+                  </p:par>
+                  <p:par>
+                    <p:cTn id="23" fill="hold">
+                      <p:stCondLst>
+                        <p:cond delay="indefinite"/>
+                      </p:stCondLst>
+                      <p:childTnLst>
+                        <p:par>
+                          <p:cTn id="24" fill="hold">
+                            <p:stCondLst>
+                              <p:cond delay="0"/>
+                            </p:stCondLst>
+                            <p:childTnLst>
+                              <p:par>
+                                <p:cTn id="25" presetID="10" presetClass="entr" presetSubtype="0" fill="hold" grpId="0" nodeType="clickEffect">
+                                  <p:stCondLst>
+                                    <p:cond delay="0"/>
+                                  </p:stCondLst>
+                                  <p:childTnLst>
+                                    <p:set>
+                                      <p:cBhvr>
+                                        <p:cTn id="26" dur="1" fill="hold">
+                                          <p:stCondLst>
+                                            <p:cond delay="0"/>
+                                          </p:stCondLst>
+                                        </p:cTn>
+                                        <p:tgtEl>
+                                          <p:spTgt spid="12"/>
+                                        </p:tgtEl>
+                                        <p:attrNameLst>
+                                          <p:attrName>style.visibility</p:attrName>
+                                        </p:attrNameLst>
+                                      </p:cBhvr>
+                                      <p:to>
+                                        <p:strVal val="visible"/>
+                                      </p:to>
+                                    </p:set>
+                                    <p:animEffect transition="in" filter="fade">
+                                      <p:cBhvr>
+                                        <p:cTn id="27" dur="500"/>
+                                        <p:tgtEl>
+                                          <p:spTgt spid="12"/>
+                                        </p:tgtEl>
+                                      </p:cBhvr>
+                                    </p:animEffect>
+                                  </p:childTnLst>
+                                </p:cTn>
+                              </p:par>
+                            </p:childTnLst>
+                          </p:cTn>
+                        </p:par>
+                      </p:childTnLst>
+                    </p:cTn>
+                  </p:par>
+                  <p:par>
+                    <p:cTn id="28" fill="hold">
+                      <p:stCondLst>
+                        <p:cond delay="indefinite"/>
+                      </p:stCondLst>
+                      <p:childTnLst>
+                        <p:par>
+                          <p:cTn id="29" fill="hold">
+                            <p:stCondLst>
+                              <p:cond delay="0"/>
+                            </p:stCondLst>
+                            <p:childTnLst>
+                              <p:par>
+                                <p:cTn id="30" presetID="10" presetClass="entr" presetSubtype="0" fill="hold" grpId="0" nodeType="clickEffect">
+                                  <p:stCondLst>
+                                    <p:cond delay="0"/>
+                                  </p:stCondLst>
+                                  <p:childTnLst>
+                                    <p:set>
+                                      <p:cBhvr>
+                                        <p:cTn id="31" dur="1" fill="hold">
+                                          <p:stCondLst>
+                                            <p:cond delay="0"/>
+                                          </p:stCondLst>
+                                        </p:cTn>
+                                        <p:tgtEl>
+                                          <p:spTgt spid="11"/>
+                                        </p:tgtEl>
+                                        <p:attrNameLst>
+                                          <p:attrName>style.visibility</p:attrName>
+                                        </p:attrNameLst>
+                                      </p:cBhvr>
+                                      <p:to>
+                                        <p:strVal val="visible"/>
+                                      </p:to>
+                                    </p:set>
+                                    <p:animEffect transition="in" filter="fade">
+                                      <p:cBhvr>
+                                        <p:cTn id="32" dur="500"/>
+                                        <p:tgtEl>
+                                          <p:spTgt spid="11"/>
+                                        </p:tgtEl>
+                                      </p:cBhvr>
+                                    </p:animEffect>
+                                  </p:childTnLst>
+                                </p:cTn>
+                              </p:par>
+                            </p:childTnLst>
+                          </p:cTn>
+                        </p:par>
+                      </p:childTnLst>
+                    </p:cTn>
+                  </p:par>
+                  <p:par>
+                    <p:cTn id="33" fill="hold">
+                      <p:stCondLst>
+                        <p:cond delay="indefinite"/>
+                      </p:stCondLst>
+                      <p:childTnLst>
+                        <p:par>
+                          <p:cTn id="34" fill="hold">
+                            <p:stCondLst>
+                              <p:cond delay="0"/>
+                            </p:stCondLst>
+                            <p:childTnLst>
+                              <p:par>
+                                <p:cTn id="35" presetID="10" presetClass="entr" presetSubtype="0" fill="hold" grpId="0" nodeType="clickEffect">
+                                  <p:stCondLst>
+                                    <p:cond delay="0"/>
+                                  </p:stCondLst>
+                                  <p:childTnLst>
+                                    <p:set>
+                                      <p:cBhvr>
+                                        <p:cTn id="36" dur="1" fill="hold">
+                                          <p:stCondLst>
+                                            <p:cond delay="0"/>
+                                          </p:stCondLst>
+                                        </p:cTn>
+                                        <p:tgtEl>
+                                          <p:spTgt spid="13"/>
+                                        </p:tgtEl>
+                                        <p:attrNameLst>
+                                          <p:attrName>style.visibility</p:attrName>
+                                        </p:attrNameLst>
+                                      </p:cBhvr>
+                                      <p:to>
+                                        <p:strVal val="visible"/>
+                                      </p:to>
+                                    </p:set>
+                                    <p:animEffect transition="in" filter="fade">
+                                      <p:cBhvr>
+                                        <p:cTn id="37" dur="500"/>
+                                        <p:tgtEl>
+                                          <p:spTgt spid="13"/>
+                                        </p:tgtEl>
+                                      </p:cBhvr>
+                                    </p:animEffect>
+                                  </p:childTnLst>
+                                </p:cTn>
+                              </p:par>
+                            </p:childTnLst>
+                          </p:cTn>
+                        </p:par>
+                      </p:childTnLst>
+                    </p:cTn>
+                  </p:par>
+                  <p:par>
+                    <p:cTn id="38" fill="hold">
+                      <p:stCondLst>
+                        <p:cond delay="indefinite"/>
+                      </p:stCondLst>
+                      <p:childTnLst>
+                        <p:par>
+                          <p:cTn id="39" fill="hold">
+                            <p:stCondLst>
+                              <p:cond delay="0"/>
+                            </p:stCondLst>
+                            <p:childTnLst>
+                              <p:par>
+                                <p:cTn id="40" presetID="10" presetClass="entr" presetSubtype="0" fill="hold" grpId="0" nodeType="clickEffect">
+                                  <p:stCondLst>
+                                    <p:cond delay="0"/>
+                                  </p:stCondLst>
+                                  <p:childTnLst>
+                                    <p:set>
+                                      <p:cBhvr>
+                                        <p:cTn id="41" dur="1" fill="hold">
+                                          <p:stCondLst>
+                                            <p:cond delay="0"/>
+                                          </p:stCondLst>
+                                        </p:cTn>
+                                        <p:tgtEl>
+                                          <p:spTgt spid="6"/>
+                                        </p:tgtEl>
+                                        <p:attrNameLst>
+                                          <p:attrName>style.visibility</p:attrName>
+                                        </p:attrNameLst>
+                                      </p:cBhvr>
+                                      <p:to>
+                                        <p:strVal val="visible"/>
+                                      </p:to>
+                                    </p:set>
+                                    <p:animEffect transition="in" filter="fade">
+                                      <p:cBhvr>
+                                        <p:cTn id="42" dur="250"/>
+                                        <p:tgtEl>
+                                          <p:spTgt spid="6"/>
+                                        </p:tgtEl>
+                                      </p:cBhvr>
+                                    </p:animEffect>
+                                  </p:childTnLst>
+                                </p:cTn>
+                              </p:par>
+                            </p:childTnLst>
+                          </p:cTn>
+                        </p:par>
+                      </p:childTnLst>
+                    </p:cTn>
+                  </p:par>
+                  <p:par>
+                    <p:cTn id="43" fill="hold">
+                      <p:stCondLst>
+                        <p:cond delay="indefinite"/>
+                      </p:stCondLst>
+                      <p:childTnLst>
+                        <p:par>
+                          <p:cTn id="44" fill="hold">
+                            <p:stCondLst>
+                              <p:cond delay="0"/>
+                            </p:stCondLst>
+                            <p:childTnLst>
+                              <p:par>
+                                <p:cTn id="45" presetID="10" presetClass="entr" presetSubtype="0" fill="hold" grpId="0" nodeType="clickEffect">
+                                  <p:stCondLst>
+                                    <p:cond delay="0"/>
+                                  </p:stCondLst>
+                                  <p:childTnLst>
+                                    <p:set>
+                                      <p:cBhvr>
+                                        <p:cTn id="46" dur="1" fill="hold">
+                                          <p:stCondLst>
+                                            <p:cond delay="0"/>
+                                          </p:stCondLst>
+                                        </p:cTn>
+                                        <p:tgtEl>
+                                          <p:spTgt spid="8"/>
+                                        </p:tgtEl>
+                                        <p:attrNameLst>
+                                          <p:attrName>style.visibility</p:attrName>
+                                        </p:attrNameLst>
+                                      </p:cBhvr>
+                                      <p:to>
+                                        <p:strVal val="visible"/>
+                                      </p:to>
+                                    </p:set>
+                                    <p:animEffect transition="in" filter="fade">
+                                      <p:cBhvr>
+                                        <p:cTn id="47" dur="500"/>
+                                        <p:tgtEl>
+                                          <p:spTgt spid="8"/>
+                                        </p:tgtEl>
+                                      </p:cBhvr>
+                                    </p:animEffect>
+                                  </p:childTnLst>
+                                </p:cTn>
+                              </p:par>
+                            </p:childTnLst>
+                          </p:cTn>
+                        </p:par>
+                      </p:childTnLst>
+                    </p:cTn>
+                  </p:par>
+                  <p:par>
+                    <p:cTn id="48" fill="hold">
+                      <p:stCondLst>
+                        <p:cond delay="indefinite"/>
+                      </p:stCondLst>
+                      <p:childTnLst>
+                        <p:par>
+                          <p:cTn id="49" fill="hold">
+                            <p:stCondLst>
+                              <p:cond delay="0"/>
+                            </p:stCondLst>
+                            <p:childTnLst>
+                              <p:par>
+                                <p:cTn id="50" presetID="10" presetClass="entr" presetSubtype="0" fill="hold" grpId="0" nodeType="clickEffect">
+                                  <p:stCondLst>
+                                    <p:cond delay="0"/>
+                                  </p:stCondLst>
+                                  <p:childTnLst>
+                                    <p:set>
+                                      <p:cBhvr>
+                                        <p:cTn id="51" dur="1" fill="hold">
+                                          <p:stCondLst>
+                                            <p:cond delay="0"/>
+                                          </p:stCondLst>
+                                        </p:cTn>
+                                        <p:tgtEl>
+                                          <p:spTgt spid="10"/>
+                                        </p:tgtEl>
+                                        <p:attrNameLst>
+                                          <p:attrName>style.visibility</p:attrName>
+                                        </p:attrNameLst>
+                                      </p:cBhvr>
+                                      <p:to>
+                                        <p:strVal val="visible"/>
+                                      </p:to>
+                                    </p:set>
+                                    <p:animEffect transition="in" filter="fade">
+                                      <p:cBhvr>
+                                        <p:cTn id="52" dur="500"/>
+                                        <p:tgtEl>
+                                          <p:spTgt spid="10"/>
+                                        </p:tgtEl>
+                                      </p:cBhvr>
+                                    </p:animEffect>
+                                  </p:childTnLst>
+                                </p:cTn>
+                              </p:par>
+                            </p:childTnLst>
+                          </p:cTn>
+                        </p:par>
+                      </p:childTnLst>
+                    </p:cTn>
+                  </p:par>
+                </p:childTnLst>
+              </p:cTn>
+              <p:prevCondLst>
+                <p:cond evt="onPrev" delay="0">
+                  <p:tgtEl>
+                    <p:sldTgt/>
+                  </p:tgtEl>
+                </p:cond>
+              </p:prevCondLst>
+              <p:nextCondLst>
+                <p:cond evt="onNext" delay="0">
+                  <p:tgtEl>
+                    <p:sldTgt/>
+                  </p:tgtEl>
+                </p:cond>
+              </p:nextCondLst>
+            </p:seq>
+          </p:childTnLst>
+        </p:cTn>
+      </p:par>
+    </p:tnLst>
+    <p:bldLst>
+      <p:bldP spid="5" grpId="0"/>
+      <p:bldP spid="6" grpId="0"/>
+      <p:bldP spid="7" grpId="0"/>
+      <p:bldP spid="8" grpId="0"/>
+      <p:bldP spid="9" grpId="0"/>
+      <p:bldP spid="10" grpId="0"/>
+      <p:bldP spid="11" grpId="0"/>
+      <p:bldP spid="12" grpId="0"/>
+      <p:bldP spid="13" grpId="0"/>
+    </p:bldLst>
+  </p:timing>
+</p:sld>
+</file>
+
+<file path=ppt/slides/slide14.xml><?xml version="1.0" encoding="utf-8"?>
+<p:sld xmlns:a="http://schemas.openxmlformats.org/drawingml/2006/main" xmlns:r="http://schemas.openxmlformats.org/officeDocument/2006/relationships" xmlns:p="http://schemas.openxmlformats.org/presentationml/2006/main">
+  <p:cSld>
+    <p:spTree>
+      <p:nvGrpSpPr>
+        <p:cNvPr id="1" name=""/>
+        <p:cNvGrpSpPr/>
+        <p:nvPr/>
+      </p:nvGrpSpPr>
+      <p:grpSpPr>
+        <a:xfrm>
+          <a:off x="0" y="0"/>
+          <a:ext cx="0" cy="0"/>
+          <a:chOff x="0" y="0"/>
+          <a:chExt cx="0" cy="0"/>
+        </a:xfrm>
+      </p:grpSpPr>
+      <p:pic>
+        <p:nvPicPr>
+          <p:cNvPr id="6" name="Picture 5" descr="A screenshot of a cell phone&#10;&#10;Description automatically generated">
+            <a:extLst>
+              <a:ext uri="{FF2B5EF4-FFF2-40B4-BE49-F238E27FC236}">
+                <a16:creationId xmlns:a16="http://schemas.microsoft.com/office/drawing/2014/main" id="{981165FD-3F91-5049-A8C6-CCA274230C56}"/>
+              </a:ext>
+            </a:extLst>
+          </p:cNvPr>
+          <p:cNvPicPr>
+            <a:picLocks noChangeAspect="1"/>
+          </p:cNvPicPr>
+          <p:nvPr/>
+        </p:nvPicPr>
+        <p:blipFill>
+          <a:blip r:embed="rId3">
+            <a:extLst>
+              <a:ext uri="{28A0092B-C50C-407E-A947-70E740481C1C}">
+                <a14:useLocalDpi xmlns:a14="http://schemas.microsoft.com/office/drawing/2010/main" val="0"/>
+              </a:ext>
+            </a:extLst>
+          </a:blip>
+          <a:stretch>
+            <a:fillRect/>
+          </a:stretch>
+        </p:blipFill>
+        <p:spPr>
+          <a:xfrm>
+            <a:off x="0" y="407737"/>
+            <a:ext cx="9144000" cy="6042526"/>
+          </a:xfrm>
+          <a:prstGeom prst="rect">
+            <a:avLst/>
+          </a:prstGeom>
+        </p:spPr>
+      </p:pic>
+      <p:sp>
+        <p:nvSpPr>
+          <p:cNvPr id="5" name="Rectangle 4"/>
+          <p:cNvSpPr/>
+          <p:nvPr/>
+        </p:nvSpPr>
+        <p:spPr>
+          <a:xfrm>
+            <a:off x="6288388" y="5606669"/>
+            <a:ext cx="1941212" cy="401464"/>
+          </a:xfrm>
+          <a:prstGeom prst="rect">
+            <a:avLst/>
+          </a:prstGeom>
+          <a:solidFill>
+            <a:schemeClr val="bg1"/>
+          </a:solidFill>
+          <a:ln w="34925">
+            <a:noFill/>
+          </a:ln>
+          <a:effectLst/>
+        </p:spPr>
+        <p:style>
+          <a:lnRef idx="1">
+            <a:schemeClr val="accent1"/>
+          </a:lnRef>
+          <a:fillRef idx="3">
+            <a:schemeClr val="accent1"/>
+          </a:fillRef>
+          <a:effectRef idx="2">
+            <a:schemeClr val="accent1"/>
+          </a:effectRef>
+          <a:fontRef idx="minor">
+            <a:schemeClr val="lt1"/>
+          </a:fontRef>
+        </p:style>
+        <p:txBody>
+          <a:bodyPr rtlCol="0" anchor="ctr"/>
+          <a:lstStyle/>
+          <a:p>
+            <a:endParaRPr lang="en-US" dirty="0"/>
+          </a:p>
+        </p:txBody>
+      </p:sp>
+      <p:sp>
+        <p:nvSpPr>
+          <p:cNvPr id="8" name="TextBox 7"/>
+          <p:cNvSpPr txBox="1"/>
+          <p:nvPr/>
+        </p:nvSpPr>
+        <p:spPr>
+          <a:xfrm>
+            <a:off x="6327495" y="5638800"/>
+            <a:ext cx="1867327" cy="369332"/>
+          </a:xfrm>
+          <a:prstGeom prst="rect">
+            <a:avLst/>
+          </a:prstGeom>
+          <a:noFill/>
+        </p:spPr>
+        <p:txBody>
+          <a:bodyPr wrap="square" rtlCol="0">
+            <a:spAutoFit/>
+          </a:bodyPr>
+          <a:lstStyle/>
+          <a:p>
+            <a:pPr algn="ctr"/>
+            <a:r>
+              <a:rPr lang="en-US" dirty="0">
+                <a:solidFill>
+                  <a:schemeClr val="tx1">
+                    <a:lumMod val="85000"/>
+                  </a:schemeClr>
+                </a:solidFill>
+                <a:latin typeface="Avenir Book"/>
+                <a:cs typeface="Avenir Book"/>
+              </a:rPr>
+              <a:t>https://</a:t>
+            </a:r>
+            <a:r>
+              <a:rPr lang="en-US" b="1" dirty="0">
+                <a:latin typeface="Avenir Book"/>
+                <a:cs typeface="Avenir Book"/>
+              </a:rPr>
+              <a:t>Ai1L.net</a:t>
+            </a:r>
+          </a:p>
+        </p:txBody>
+      </p:sp>
+    </p:spTree>
+    <p:extLst>
+      <p:ext uri="{BB962C8B-B14F-4D97-AF65-F5344CB8AC3E}">
+        <p14:creationId xmlns:p14="http://schemas.microsoft.com/office/powerpoint/2010/main" val="2193539815"/>
+      </p:ext>
+    </p:extLst>
+  </p:cSld>
+  <p:clrMapOvr>
+    <a:masterClrMapping/>
+  </p:clrMapOvr>
+  <p:timing>
+    <p:tnLst>
+      <p:par>
+        <p:cTn id="1" dur="indefinite" restart="never" nodeType="tmRoot">
+          <p:childTnLst>
+            <p:seq concurrent="1" nextAc="seek">
+              <p:cTn id="2" dur="indefinite" nodeType="mainSeq">
+                <p:childTnLst>
+                  <p:par>
+                    <p:cTn id="3" fill="hold">
+                      <p:stCondLst>
+                        <p:cond delay="indefinite"/>
+                        <p:cond evt="onBegin" delay="0">
+                          <p:tn val="2"/>
+                        </p:cond>
+                      </p:stCondLst>
+                      <p:childTnLst>
+                        <p:par>
+                          <p:cTn id="4" fill="hold">
+                            <p:stCondLst>
+                              <p:cond delay="0"/>
+                            </p:stCondLst>
+                            <p:childTnLst>
+                              <p:par>
+                                <p:cTn id="5" presetID="1" presetClass="entr" presetSubtype="0" fill="hold" grpId="2" nodeType="afterEffect">
+                                  <p:stCondLst>
+                                    <p:cond delay="1000"/>
+                                  </p:stCondLst>
+                                  <p:childTnLst>
+                                    <p:set>
+                                      <p:cBhvr>
+                                        <p:cTn id="6" dur="1" fill="hold">
+                                          <p:stCondLst>
+                                            <p:cond delay="0"/>
+                                          </p:stCondLst>
+                                        </p:cTn>
+                                        <p:tgtEl>
+                                          <p:spTgt spid="5"/>
+                                        </p:tgtEl>
+                                        <p:attrNameLst>
+                                          <p:attrName>style.visibility</p:attrName>
+                                        </p:attrNameLst>
+                                      </p:cBhvr>
+                                      <p:to>
+                                        <p:strVal val="visible"/>
+                                      </p:to>
+                                    </p:set>
+                                  </p:childTnLst>
+                                </p:cTn>
+                              </p:par>
+                            </p:childTnLst>
+                          </p:cTn>
+                        </p:par>
+                        <p:par>
+                          <p:cTn id="7" fill="hold">
+                            <p:stCondLst>
+                              <p:cond delay="1000"/>
+                            </p:stCondLst>
+                            <p:childTnLst>
+                              <p:par>
+                                <p:cTn id="8" presetID="0" presetClass="path" presetSubtype="0" accel="50000" decel="50000" fill="hold" grpId="0" nodeType="afterEffect">
+                                  <p:stCondLst>
+                                    <p:cond delay="0"/>
+                                  </p:stCondLst>
+                                  <p:childTnLst>
+                                    <p:animMotion origin="layout" path="M 0.04236 2.22222E-6 L 3.61111E-6 2.22222E-6 " pathEditMode="relative" rAng="0" ptsTypes="AA">
+                                      <p:cBhvr>
+                                        <p:cTn id="9" dur="300" fill="hold"/>
+                                        <p:tgtEl>
+                                          <p:spTgt spid="5"/>
+                                        </p:tgtEl>
+                                        <p:attrNameLst>
+                                          <p:attrName>ppt_x</p:attrName>
+                                          <p:attrName>ppt_y</p:attrName>
+                                        </p:attrNameLst>
+                                      </p:cBhvr>
+                                      <p:rCtr x="-2118" y="0"/>
+                                    </p:animMotion>
+                                  </p:childTnLst>
+                                </p:cTn>
+                              </p:par>
+                              <p:par>
+                                <p:cTn id="10" presetID="10" presetClass="entr" presetSubtype="0" fill="hold" grpId="1" nodeType="withEffect">
+                                  <p:stCondLst>
+                                    <p:cond delay="0"/>
+                                  </p:stCondLst>
+                                  <p:childTnLst>
+                                    <p:set>
+                                      <p:cBhvr>
+                                        <p:cTn id="11" dur="1" fill="hold">
+                                          <p:stCondLst>
+                                            <p:cond delay="0"/>
+                                          </p:stCondLst>
+                                        </p:cTn>
+                                        <p:tgtEl>
+                                          <p:spTgt spid="5"/>
+                                        </p:tgtEl>
+                                        <p:attrNameLst>
+                                          <p:attrName>style.visibility</p:attrName>
+                                        </p:attrNameLst>
+                                      </p:cBhvr>
+                                      <p:to>
+                                        <p:strVal val="visible"/>
+                                      </p:to>
+                                    </p:set>
+                                    <p:animEffect transition="in" filter="fade">
+                                      <p:cBhvr>
+                                        <p:cTn id="12" dur="500"/>
+                                        <p:tgtEl>
+                                          <p:spTgt spid="5"/>
+                                        </p:tgtEl>
+                                      </p:cBhvr>
+                                    </p:animEffect>
+                                  </p:childTnLst>
+                                </p:cTn>
+                              </p:par>
+                            </p:childTnLst>
+                          </p:cTn>
+                        </p:par>
+                        <p:par>
+                          <p:cTn id="13" fill="hold">
+                            <p:stCondLst>
+                              <p:cond delay="1500"/>
+                            </p:stCondLst>
+                            <p:childTnLst>
+                              <p:par>
+                                <p:cTn id="14" presetID="10" presetClass="entr" presetSubtype="0" fill="hold" grpId="0" nodeType="afterEffect">
+                                  <p:stCondLst>
+                                    <p:cond delay="0"/>
+                                  </p:stCondLst>
+                                  <p:childTnLst>
+                                    <p:set>
+                                      <p:cBhvr>
+                                        <p:cTn id="15" dur="1" fill="hold">
+                                          <p:stCondLst>
+                                            <p:cond delay="0"/>
+                                          </p:stCondLst>
+                                        </p:cTn>
+                                        <p:tgtEl>
+                                          <p:spTgt spid="8"/>
+                                        </p:tgtEl>
+                                        <p:attrNameLst>
+                                          <p:attrName>style.visibility</p:attrName>
+                                        </p:attrNameLst>
+                                      </p:cBhvr>
+                                      <p:to>
+                                        <p:strVal val="visible"/>
+                                      </p:to>
+                                    </p:set>
+                                    <p:animEffect transition="in" filter="fade">
+                                      <p:cBhvr>
+                                        <p:cTn id="16" dur="300"/>
+                                        <p:tgtEl>
+                                          <p:spTgt spid="8"/>
+                                        </p:tgtEl>
+                                      </p:cBhvr>
+                                    </p:animEffect>
+                                  </p:childTnLst>
+                                </p:cTn>
+                              </p:par>
+                              <p:par>
+                                <p:cTn id="17" presetID="0" presetClass="path" presetSubtype="0" accel="50000" decel="50000" fill="hold" grpId="1" nodeType="withEffect">
+                                  <p:stCondLst>
+                                    <p:cond delay="0"/>
+                                  </p:stCondLst>
+                                  <p:childTnLst>
+                                    <p:animMotion origin="layout" path="M 3.88889E-6 0.0169 L 3.88889E-6 -4.44444E-6 " pathEditMode="relative" rAng="0" ptsTypes="AA">
+                                      <p:cBhvr>
+                                        <p:cTn id="18" dur="200" fill="hold"/>
+                                        <p:tgtEl>
+                                          <p:spTgt spid="8"/>
+                                        </p:tgtEl>
+                                        <p:attrNameLst>
+                                          <p:attrName>ppt_x</p:attrName>
+                                          <p:attrName>ppt_y</p:attrName>
+                                        </p:attrNameLst>
+                                      </p:cBhvr>
+                                      <p:rCtr x="0" y="-856"/>
+                                    </p:animMotion>
+                                  </p:childTnLst>
+                                </p:cTn>
+                              </p:par>
+                            </p:childTnLst>
+                          </p:cTn>
+                        </p:par>
+                      </p:childTnLst>
+                    </p:cTn>
+                  </p:par>
+                </p:childTnLst>
+              </p:cTn>
+              <p:prevCondLst>
+                <p:cond evt="onPrev" delay="0">
+                  <p:tgtEl>
+                    <p:sldTgt/>
+                  </p:tgtEl>
+                </p:cond>
+              </p:prevCondLst>
+              <p:nextCondLst>
+                <p:cond evt="onNext" delay="0">
+                  <p:tgtEl>
+                    <p:sldTgt/>
+                  </p:tgtEl>
+                </p:cond>
+              </p:nextCondLst>
+            </p:seq>
+          </p:childTnLst>
+        </p:cTn>
+      </p:par>
+    </p:tnLst>
+    <p:bldLst>
+      <p:bldP spid="5" grpId="0" animBg="1"/>
+      <p:bldP spid="5" grpId="1" animBg="1"/>
+      <p:bldP spid="5" grpId="2" animBg="1"/>
+      <p:bldP spid="8" grpId="0"/>
+      <p:bldP spid="8" grpId="1"/>
+    </p:bldLst>
+  </p:timing>
+</p:sld>
+</file>
+
+<file path=ppt/slides/slide15.xml><?xml version="1.0" encoding="utf-8"?>
+<p:sld xmlns:a="http://schemas.openxmlformats.org/drawingml/2006/main" xmlns:r="http://schemas.openxmlformats.org/officeDocument/2006/relationships" xmlns:p="http://schemas.openxmlformats.org/presentationml/2006/main">
+  <p:cSld>
+    <p:spTree>
+      <p:nvGrpSpPr>
+        <p:cNvPr id="1" name=""/>
+        <p:cNvGrpSpPr/>
+        <p:nvPr/>
+      </p:nvGrpSpPr>
+      <p:grpSpPr>
+        <a:xfrm>
+          <a:off x="0" y="0"/>
+          <a:ext cx="0" cy="0"/>
+          <a:chOff x="0" y="0"/>
+          <a:chExt cx="0" cy="0"/>
+        </a:xfrm>
+      </p:grpSpPr>
       <p:pic>
         <p:nvPicPr>
           <p:cNvPr id="5" name="Picture 4">
@@ -5370,7 +8898,7 @@
 </p:sld>
 </file>
 
-<file path=ppt/slides/slide11.xml><?xml version="1.0" encoding="utf-8"?>
+<file path=ppt/slides/slide16.xml><?xml version="1.0" encoding="utf-8"?>
 <p:sld xmlns:a="http://schemas.openxmlformats.org/drawingml/2006/main" xmlns:r="http://schemas.openxmlformats.org/officeDocument/2006/relationships" xmlns:p="http://schemas.openxmlformats.org/presentationml/2006/main">
   <p:cSld>
     <p:spTree>
@@ -7058,7 +10586,7 @@
 </p:sld>
 </file>
 
-<file path=ppt/slides/slide12.xml><?xml version="1.0" encoding="utf-8"?>
+<file path=ppt/slides/slide17.xml><?xml version="1.0" encoding="utf-8"?>
 <p:sld xmlns:a="http://schemas.openxmlformats.org/drawingml/2006/main" xmlns:r="http://schemas.openxmlformats.org/officeDocument/2006/relationships" xmlns:p="http://schemas.openxmlformats.org/presentationml/2006/main">
   <p:cSld>
     <p:spTree>
@@ -8033,7 +11561,7 @@
 </p:sld>
 </file>
 
-<file path=ppt/slides/slide13.xml><?xml version="1.0" encoding="utf-8"?>
+<file path=ppt/slides/slide18.xml><?xml version="1.0" encoding="utf-8"?>
 <p:sld xmlns:a="http://schemas.openxmlformats.org/drawingml/2006/main" xmlns:r="http://schemas.openxmlformats.org/officeDocument/2006/relationships" xmlns:p="http://schemas.openxmlformats.org/presentationml/2006/main">
   <p:cSld>
     <p:spTree>
@@ -8063,7 +11591,7 @@
 </p:sld>
 </file>
 
-<file path=ppt/slides/slide14.xml><?xml version="1.0" encoding="utf-8"?>
+<file path=ppt/slides/slide19.xml><?xml version="1.0" encoding="utf-8"?>
 <p:sld xmlns:a="http://schemas.openxmlformats.org/drawingml/2006/main" xmlns:r="http://schemas.openxmlformats.org/officeDocument/2006/relationships" xmlns:p="http://schemas.openxmlformats.org/presentationml/2006/main">
   <p:cSld>
     <p:spTree>
@@ -9059,7 +12587,267 @@
 </p:sld>
 </file>
 
-<file path=ppt/slides/slide15.xml><?xml version="1.0" encoding="utf-8"?>
+<file path=ppt/slides/slide2.xml><?xml version="1.0" encoding="utf-8"?>
+<p:sld xmlns:a="http://schemas.openxmlformats.org/drawingml/2006/main" xmlns:r="http://schemas.openxmlformats.org/officeDocument/2006/relationships" xmlns:p="http://schemas.openxmlformats.org/presentationml/2006/main">
+  <p:cSld>
+    <p:spTree>
+      <p:nvGrpSpPr>
+        <p:cNvPr id="1" name=""/>
+        <p:cNvGrpSpPr/>
+        <p:nvPr/>
+      </p:nvGrpSpPr>
+      <p:grpSpPr>
+        <a:xfrm>
+          <a:off x="0" y="0"/>
+          <a:ext cx="0" cy="0"/>
+          <a:chOff x="0" y="0"/>
+          <a:chExt cx="0" cy="0"/>
+        </a:xfrm>
+      </p:grpSpPr>
+      <p:grpSp>
+        <p:nvGrpSpPr>
+          <p:cNvPr id="9" name="Group 8">
+            <a:extLst>
+              <a:ext uri="{FF2B5EF4-FFF2-40B4-BE49-F238E27FC236}">
+                <a16:creationId xmlns:a16="http://schemas.microsoft.com/office/drawing/2014/main" id="{55676BE1-B42E-AD44-9DD5-FF20BEB47F36}"/>
+              </a:ext>
+            </a:extLst>
+          </p:cNvPr>
+          <p:cNvGrpSpPr/>
+          <p:nvPr/>
+        </p:nvGrpSpPr>
+        <p:grpSpPr>
+          <a:xfrm>
+            <a:off x="381000" y="3047999"/>
+            <a:ext cx="8001000" cy="1016394"/>
+            <a:chOff x="533400" y="1833263"/>
+            <a:chExt cx="8001000" cy="990602"/>
+          </a:xfrm>
+        </p:grpSpPr>
+        <p:sp>
+          <p:nvSpPr>
+            <p:cNvPr id="2" name="Oval 1">
+              <a:extLst>
+                <a:ext uri="{FF2B5EF4-FFF2-40B4-BE49-F238E27FC236}">
+                  <a16:creationId xmlns:a16="http://schemas.microsoft.com/office/drawing/2014/main" id="{876D5A54-0C8D-804B-88A0-6609A2C1405C}"/>
+                </a:ext>
+              </a:extLst>
+            </p:cNvPr>
+            <p:cNvSpPr/>
+            <p:nvPr/>
+          </p:nvSpPr>
+          <p:spPr>
+            <a:xfrm>
+              <a:off x="533400" y="1833265"/>
+              <a:ext cx="990600" cy="990600"/>
+            </a:xfrm>
+            <a:prstGeom prst="ellipse">
+              <a:avLst/>
+            </a:prstGeom>
+            <a:solidFill>
+              <a:srgbClr val="009EC0"/>
+            </a:solidFill>
+            <a:ln>
+              <a:noFill/>
+            </a:ln>
+          </p:spPr>
+          <p:style>
+            <a:lnRef idx="2">
+              <a:schemeClr val="accent1">
+                <a:shade val="50000"/>
+              </a:schemeClr>
+            </a:lnRef>
+            <a:fillRef idx="1">
+              <a:schemeClr val="accent1"/>
+            </a:fillRef>
+            <a:effectRef idx="0">
+              <a:schemeClr val="accent1"/>
+            </a:effectRef>
+            <a:fontRef idx="minor">
+              <a:schemeClr val="lt1"/>
+            </a:fontRef>
+          </p:style>
+          <p:txBody>
+            <a:bodyPr rtlCol="0" anchor="ctr"/>
+            <a:lstStyle/>
+            <a:p>
+              <a:pPr algn="ctr"/>
+              <a:r>
+                <a:rPr lang="en-US" sz="5400" dirty="0">
+                  <a:solidFill>
+                    <a:schemeClr val="tx1"/>
+                  </a:solidFill>
+                </a:rPr>
+                <a:t>1</a:t>
+              </a:r>
+            </a:p>
+          </p:txBody>
+        </p:sp>
+        <p:sp>
+          <p:nvSpPr>
+            <p:cNvPr id="10" name="Rectangle 9">
+              <a:extLst>
+                <a:ext uri="{FF2B5EF4-FFF2-40B4-BE49-F238E27FC236}">
+                  <a16:creationId xmlns:a16="http://schemas.microsoft.com/office/drawing/2014/main" id="{312C2DC5-5653-DC4B-98A2-76A0B8F08883}"/>
+                </a:ext>
+              </a:extLst>
+            </p:cNvPr>
+            <p:cNvSpPr/>
+            <p:nvPr/>
+          </p:nvSpPr>
+          <p:spPr>
+            <a:xfrm>
+              <a:off x="1828800" y="1833263"/>
+              <a:ext cx="6705600" cy="990593"/>
+            </a:xfrm>
+            <a:prstGeom prst="rect">
+              <a:avLst/>
+            </a:prstGeom>
+            <a:noFill/>
+            <a:ln>
+              <a:noFill/>
+            </a:ln>
+          </p:spPr>
+          <p:style>
+            <a:lnRef idx="2">
+              <a:schemeClr val="accent1">
+                <a:shade val="50000"/>
+              </a:schemeClr>
+            </a:lnRef>
+            <a:fillRef idx="1">
+              <a:schemeClr val="accent1"/>
+            </a:fillRef>
+            <a:effectRef idx="0">
+              <a:schemeClr val="accent1"/>
+            </a:effectRef>
+            <a:fontRef idx="minor">
+              <a:schemeClr val="lt1"/>
+            </a:fontRef>
+          </p:style>
+          <p:txBody>
+            <a:bodyPr rtlCol="0" anchor="ctr"/>
+            <a:lstStyle/>
+            <a:p>
+              <a:r>
+                <a:rPr lang="en-US" sz="3200" dirty="0">
+                  <a:solidFill>
+                    <a:schemeClr val="tx1"/>
+                  </a:solidFill>
+                </a:rPr>
+                <a:t>Jesus was </a:t>
+              </a:r>
+              <a:r>
+                <a:rPr lang="en-US" sz="3200" b="1" dirty="0">
+                  <a:solidFill>
+                    <a:schemeClr val="tx1"/>
+                  </a:solidFill>
+                  <a:highlight>
+                    <a:srgbClr val="C00002"/>
+                  </a:highlight>
+                </a:rPr>
+                <a:t>crucified</a:t>
+              </a:r>
+            </a:p>
+          </p:txBody>
+        </p:sp>
+      </p:grpSp>
+    </p:spTree>
+    <p:extLst>
+      <p:ext uri="{BB962C8B-B14F-4D97-AF65-F5344CB8AC3E}">
+        <p14:creationId xmlns:p14="http://schemas.microsoft.com/office/powerpoint/2010/main" val="1266089911"/>
+      </p:ext>
+    </p:extLst>
+  </p:cSld>
+  <p:clrMapOvr>
+    <a:masterClrMapping/>
+  </p:clrMapOvr>
+  <p:timing>
+    <p:tnLst>
+      <p:par>
+        <p:cTn id="1" dur="indefinite" restart="never" nodeType="tmRoot">
+          <p:childTnLst>
+            <p:seq concurrent="1" nextAc="seek">
+              <p:cTn id="2" dur="indefinite" nodeType="mainSeq">
+                <p:childTnLst>
+                  <p:par>
+                    <p:cTn id="3" fill="hold">
+                      <p:stCondLst>
+                        <p:cond delay="indefinite"/>
+                      </p:stCondLst>
+                      <p:childTnLst>
+                        <p:par>
+                          <p:cTn id="4" fill="hold">
+                            <p:stCondLst>
+                              <p:cond delay="0"/>
+                            </p:stCondLst>
+                            <p:childTnLst>
+                              <p:par>
+                                <p:cTn id="5" presetID="10" presetClass="entr" presetSubtype="0" fill="hold" nodeType="clickEffect">
+                                  <p:stCondLst>
+                                    <p:cond delay="0"/>
+                                  </p:stCondLst>
+                                  <p:childTnLst>
+                                    <p:set>
+                                      <p:cBhvr>
+                                        <p:cTn id="6" dur="1" fill="hold">
+                                          <p:stCondLst>
+                                            <p:cond delay="0"/>
+                                          </p:stCondLst>
+                                        </p:cTn>
+                                        <p:tgtEl>
+                                          <p:spTgt spid="9"/>
+                                        </p:tgtEl>
+                                        <p:attrNameLst>
+                                          <p:attrName>style.visibility</p:attrName>
+                                        </p:attrNameLst>
+                                      </p:cBhvr>
+                                      <p:to>
+                                        <p:strVal val="visible"/>
+                                      </p:to>
+                                    </p:set>
+                                    <p:animEffect transition="in" filter="fade">
+                                      <p:cBhvr>
+                                        <p:cTn id="7" dur="250"/>
+                                        <p:tgtEl>
+                                          <p:spTgt spid="9"/>
+                                        </p:tgtEl>
+                                      </p:cBhvr>
+                                    </p:animEffect>
+                                  </p:childTnLst>
+                                </p:cTn>
+                              </p:par>
+                            </p:childTnLst>
+                          </p:cTn>
+                        </p:par>
+                      </p:childTnLst>
+                    </p:cTn>
+                  </p:par>
+                </p:childTnLst>
+              </p:cTn>
+              <p:prevCondLst>
+                <p:cond evt="onPrev" delay="0">
+                  <p:tgtEl>
+                    <p:sldTgt/>
+                  </p:tgtEl>
+                </p:cond>
+              </p:prevCondLst>
+              <p:nextCondLst>
+                <p:cond evt="onNext" delay="0">
+                  <p:tgtEl>
+                    <p:sldTgt/>
+                  </p:tgtEl>
+                </p:cond>
+              </p:nextCondLst>
+            </p:seq>
+          </p:childTnLst>
+        </p:cTn>
+      </p:par>
+    </p:tnLst>
+  </p:timing>
+</p:sld>
+</file>
+
+<file path=ppt/slides/slide20.xml><?xml version="1.0" encoding="utf-8"?>
 <p:sld xmlns:a="http://schemas.openxmlformats.org/drawingml/2006/main" xmlns:r="http://schemas.openxmlformats.org/officeDocument/2006/relationships" xmlns:p="http://schemas.openxmlformats.org/presentationml/2006/main">
   <p:cSld>
     <p:spTree>
@@ -9944,7 +13732,7 @@
 </p:sld>
 </file>
 
-<file path=ppt/slides/slide16.xml><?xml version="1.0" encoding="utf-8"?>
+<file path=ppt/slides/slide21.xml><?xml version="1.0" encoding="utf-8"?>
 <p:sld xmlns:a="http://schemas.openxmlformats.org/drawingml/2006/main" xmlns:r="http://schemas.openxmlformats.org/officeDocument/2006/relationships" xmlns:p="http://schemas.openxmlformats.org/presentationml/2006/main">
   <p:cSld>
     <p:spTree>
@@ -11079,7 +14867,7 @@
 </p:sld>
 </file>
 
-<file path=ppt/slides/slide2.xml><?xml version="1.0" encoding="utf-8"?>
+<file path=ppt/slides/slide3.xml><?xml version="1.0" encoding="utf-8"?>
 <p:sld xmlns:a="http://schemas.openxmlformats.org/drawingml/2006/main" xmlns:r="http://schemas.openxmlformats.org/officeDocument/2006/relationships" xmlns:p="http://schemas.openxmlformats.org/presentationml/2006/main">
   <p:cSld>
     <p:spTree>
@@ -11170,7 +14958,7 @@
                     <a:schemeClr val="tx1"/>
                   </a:solidFill>
                 </a:rPr>
-                <a:t>1</a:t>
+                <a:t>2</a:t>
               </a:r>
             </a:p>
           </p:txBody>
@@ -11181,153 +14969,6 @@
               <a:extLst>
                 <a:ext uri="{FF2B5EF4-FFF2-40B4-BE49-F238E27FC236}">
                   <a16:creationId xmlns:a16="http://schemas.microsoft.com/office/drawing/2014/main" id="{312C2DC5-5653-DC4B-98A2-76A0B8F08883}"/>
-                </a:ext>
-              </a:extLst>
-            </p:cNvPr>
-            <p:cNvSpPr/>
-            <p:nvPr/>
-          </p:nvSpPr>
-          <p:spPr>
-            <a:xfrm>
-              <a:off x="1828800" y="1833263"/>
-              <a:ext cx="6705600" cy="990593"/>
-            </a:xfrm>
-            <a:prstGeom prst="rect">
-              <a:avLst/>
-            </a:prstGeom>
-            <a:noFill/>
-            <a:ln>
-              <a:noFill/>
-            </a:ln>
-          </p:spPr>
-          <p:style>
-            <a:lnRef idx="2">
-              <a:schemeClr val="accent1">
-                <a:shade val="50000"/>
-              </a:schemeClr>
-            </a:lnRef>
-            <a:fillRef idx="1">
-              <a:schemeClr val="accent1"/>
-            </a:fillRef>
-            <a:effectRef idx="0">
-              <a:schemeClr val="accent1"/>
-            </a:effectRef>
-            <a:fontRef idx="minor">
-              <a:schemeClr val="lt1"/>
-            </a:fontRef>
-          </p:style>
-          <p:txBody>
-            <a:bodyPr rtlCol="0" anchor="ctr"/>
-            <a:lstStyle/>
-            <a:p>
-              <a:r>
-                <a:rPr lang="en-US" sz="3200" dirty="0">
-                  <a:solidFill>
-                    <a:schemeClr val="tx1"/>
-                  </a:solidFill>
-                </a:rPr>
-                <a:t>Jesus was </a:t>
-              </a:r>
-              <a:r>
-                <a:rPr lang="en-US" sz="3200" b="1" dirty="0">
-                  <a:solidFill>
-                    <a:schemeClr val="tx1"/>
-                  </a:solidFill>
-                  <a:highlight>
-                    <a:srgbClr val="C00002"/>
-                  </a:highlight>
-                </a:rPr>
-                <a:t>crucified</a:t>
-              </a:r>
-            </a:p>
-          </p:txBody>
-        </p:sp>
-      </p:grpSp>
-      <p:grpSp>
-        <p:nvGrpSpPr>
-          <p:cNvPr id="31" name="Group 30">
-            <a:extLst>
-              <a:ext uri="{FF2B5EF4-FFF2-40B4-BE49-F238E27FC236}">
-                <a16:creationId xmlns:a16="http://schemas.microsoft.com/office/drawing/2014/main" id="{CED38051-338B-334C-BDCD-9DBF7098B66C}"/>
-              </a:ext>
-            </a:extLst>
-          </p:cNvPr>
-          <p:cNvGrpSpPr/>
-          <p:nvPr/>
-        </p:nvGrpSpPr>
-        <p:grpSpPr>
-          <a:xfrm>
-            <a:off x="381000" y="3047999"/>
-            <a:ext cx="8001000" cy="1016394"/>
-            <a:chOff x="533400" y="1833263"/>
-            <a:chExt cx="8001000" cy="990602"/>
-          </a:xfrm>
-        </p:grpSpPr>
-        <p:sp>
-          <p:nvSpPr>
-            <p:cNvPr id="32" name="Oval 31">
-              <a:extLst>
-                <a:ext uri="{FF2B5EF4-FFF2-40B4-BE49-F238E27FC236}">
-                  <a16:creationId xmlns:a16="http://schemas.microsoft.com/office/drawing/2014/main" id="{F65B5E42-A195-0547-BFF4-D400AD136AD2}"/>
-                </a:ext>
-              </a:extLst>
-            </p:cNvPr>
-            <p:cNvSpPr/>
-            <p:nvPr/>
-          </p:nvSpPr>
-          <p:spPr>
-            <a:xfrm>
-              <a:off x="533400" y="1833265"/>
-              <a:ext cx="990600" cy="990600"/>
-            </a:xfrm>
-            <a:prstGeom prst="ellipse">
-              <a:avLst/>
-            </a:prstGeom>
-            <a:solidFill>
-              <a:srgbClr val="009EC0"/>
-            </a:solidFill>
-            <a:ln>
-              <a:noFill/>
-            </a:ln>
-          </p:spPr>
-          <p:style>
-            <a:lnRef idx="2">
-              <a:schemeClr val="accent1">
-                <a:shade val="50000"/>
-              </a:schemeClr>
-            </a:lnRef>
-            <a:fillRef idx="1">
-              <a:schemeClr val="accent1"/>
-            </a:fillRef>
-            <a:effectRef idx="0">
-              <a:schemeClr val="accent1"/>
-            </a:effectRef>
-            <a:fontRef idx="minor">
-              <a:schemeClr val="lt1"/>
-            </a:fontRef>
-          </p:style>
-          <p:txBody>
-            <a:bodyPr rtlCol="0" anchor="ctr"/>
-            <a:lstStyle/>
-            <a:p>
-              <a:pPr algn="ctr"/>
-              <a:r>
-                <a:rPr lang="en-US" sz="5400" dirty="0">
-                  <a:solidFill>
-                    <a:schemeClr val="tx1"/>
-                  </a:solidFill>
-                </a:rPr>
-                <a:t>2</a:t>
-              </a:r>
-            </a:p>
-          </p:txBody>
-        </p:sp>
-        <p:sp>
-          <p:nvSpPr>
-            <p:cNvPr id="33" name="Rectangle 32">
-              <a:extLst>
-                <a:ext uri="{FF2B5EF4-FFF2-40B4-BE49-F238E27FC236}">
-                  <a16:creationId xmlns:a16="http://schemas.microsoft.com/office/drawing/2014/main" id="{94652C0A-6F02-3D4D-8A6C-4D85A165994C}"/>
                 </a:ext>
               </a:extLst>
             </p:cNvPr>
@@ -11406,622 +15047,10 @@
           </p:txBody>
         </p:sp>
       </p:grpSp>
-      <p:grpSp>
-        <p:nvGrpSpPr>
-          <p:cNvPr id="34" name="Group 33">
-            <a:extLst>
-              <a:ext uri="{FF2B5EF4-FFF2-40B4-BE49-F238E27FC236}">
-                <a16:creationId xmlns:a16="http://schemas.microsoft.com/office/drawing/2014/main" id="{F3A5FDC7-6C89-994F-852B-E598406E089D}"/>
-              </a:ext>
-            </a:extLst>
-          </p:cNvPr>
-          <p:cNvGrpSpPr/>
-          <p:nvPr/>
-        </p:nvGrpSpPr>
-        <p:grpSpPr>
-          <a:xfrm>
-            <a:off x="381000" y="3047998"/>
-            <a:ext cx="8001000" cy="1016395"/>
-            <a:chOff x="533400" y="1833262"/>
-            <a:chExt cx="8001000" cy="990603"/>
-          </a:xfrm>
-        </p:grpSpPr>
-        <p:sp>
-          <p:nvSpPr>
-            <p:cNvPr id="35" name="Oval 34">
-              <a:extLst>
-                <a:ext uri="{FF2B5EF4-FFF2-40B4-BE49-F238E27FC236}">
-                  <a16:creationId xmlns:a16="http://schemas.microsoft.com/office/drawing/2014/main" id="{E364731B-859C-444F-AF7E-DF1DD0B11C2C}"/>
-                </a:ext>
-              </a:extLst>
-            </p:cNvPr>
-            <p:cNvSpPr/>
-            <p:nvPr/>
-          </p:nvSpPr>
-          <p:spPr>
-            <a:xfrm>
-              <a:off x="533400" y="1833265"/>
-              <a:ext cx="990600" cy="990600"/>
-            </a:xfrm>
-            <a:prstGeom prst="ellipse">
-              <a:avLst/>
-            </a:prstGeom>
-            <a:solidFill>
-              <a:srgbClr val="009EC0"/>
-            </a:solidFill>
-            <a:ln>
-              <a:noFill/>
-            </a:ln>
-          </p:spPr>
-          <p:style>
-            <a:lnRef idx="2">
-              <a:schemeClr val="accent1">
-                <a:shade val="50000"/>
-              </a:schemeClr>
-            </a:lnRef>
-            <a:fillRef idx="1">
-              <a:schemeClr val="accent1"/>
-            </a:fillRef>
-            <a:effectRef idx="0">
-              <a:schemeClr val="accent1"/>
-            </a:effectRef>
-            <a:fontRef idx="minor">
-              <a:schemeClr val="lt1"/>
-            </a:fontRef>
-          </p:style>
-          <p:txBody>
-            <a:bodyPr rtlCol="0" anchor="ctr"/>
-            <a:lstStyle/>
-            <a:p>
-              <a:pPr algn="ctr"/>
-              <a:r>
-                <a:rPr lang="en-US" sz="5400" dirty="0">
-                  <a:solidFill>
-                    <a:schemeClr val="tx1"/>
-                  </a:solidFill>
-                </a:rPr>
-                <a:t>3</a:t>
-              </a:r>
-            </a:p>
-          </p:txBody>
-        </p:sp>
-        <p:sp>
-          <p:nvSpPr>
-            <p:cNvPr id="36" name="Rectangle 35">
-              <a:extLst>
-                <a:ext uri="{FF2B5EF4-FFF2-40B4-BE49-F238E27FC236}">
-                  <a16:creationId xmlns:a16="http://schemas.microsoft.com/office/drawing/2014/main" id="{9AC5BC41-AE85-E548-8E54-1ADC1F43FEE2}"/>
-                </a:ext>
-              </a:extLst>
-            </p:cNvPr>
-            <p:cNvSpPr/>
-            <p:nvPr/>
-          </p:nvSpPr>
-          <p:spPr>
-            <a:xfrm>
-              <a:off x="1828800" y="1833262"/>
-              <a:ext cx="6705600" cy="990593"/>
-            </a:xfrm>
-            <a:prstGeom prst="rect">
-              <a:avLst/>
-            </a:prstGeom>
-            <a:noFill/>
-            <a:ln>
-              <a:noFill/>
-            </a:ln>
-          </p:spPr>
-          <p:style>
-            <a:lnRef idx="2">
-              <a:schemeClr val="accent1">
-                <a:shade val="50000"/>
-              </a:schemeClr>
-            </a:lnRef>
-            <a:fillRef idx="1">
-              <a:schemeClr val="accent1"/>
-            </a:fillRef>
-            <a:effectRef idx="0">
-              <a:schemeClr val="accent1"/>
-            </a:effectRef>
-            <a:fontRef idx="minor">
-              <a:schemeClr val="lt1"/>
-            </a:fontRef>
-          </p:style>
-          <p:txBody>
-            <a:bodyPr rtlCol="0" anchor="ctr"/>
-            <a:lstStyle/>
-            <a:p>
-              <a:r>
-                <a:rPr lang="en-US" sz="3200" dirty="0">
-                  <a:solidFill>
-                    <a:schemeClr val="tx1"/>
-                  </a:solidFill>
-                </a:rPr>
-                <a:t>The disciples were transformed &amp; were </a:t>
-              </a:r>
-              <a:r>
-                <a:rPr lang="en-US" sz="3200" b="1" dirty="0">
-                  <a:solidFill>
-                    <a:schemeClr val="tx1"/>
-                  </a:solidFill>
-                  <a:highlight>
-                    <a:srgbClr val="C00002"/>
-                  </a:highlight>
-                </a:rPr>
-                <a:t>willing to die</a:t>
-              </a:r>
-              <a:r>
-                <a:rPr lang="en-US" sz="3200" dirty="0">
-                  <a:solidFill>
-                    <a:schemeClr val="tx1"/>
-                  </a:solidFill>
-                </a:rPr>
-                <a:t> for their message</a:t>
-              </a:r>
-            </a:p>
-          </p:txBody>
-        </p:sp>
-      </p:grpSp>
-      <p:grpSp>
-        <p:nvGrpSpPr>
-          <p:cNvPr id="37" name="Group 36">
-            <a:extLst>
-              <a:ext uri="{FF2B5EF4-FFF2-40B4-BE49-F238E27FC236}">
-                <a16:creationId xmlns:a16="http://schemas.microsoft.com/office/drawing/2014/main" id="{8FE57015-ACC8-8948-83E1-C136BA30093A}"/>
-              </a:ext>
-            </a:extLst>
-          </p:cNvPr>
-          <p:cNvGrpSpPr/>
-          <p:nvPr/>
-        </p:nvGrpSpPr>
-        <p:grpSpPr>
-          <a:xfrm>
-            <a:off x="398929" y="3048000"/>
-            <a:ext cx="8574742" cy="1016399"/>
-            <a:chOff x="533400" y="1833261"/>
-            <a:chExt cx="8574742" cy="990604"/>
-          </a:xfrm>
-        </p:grpSpPr>
-        <p:sp>
-          <p:nvSpPr>
-            <p:cNvPr id="38" name="Oval 37">
-              <a:extLst>
-                <a:ext uri="{FF2B5EF4-FFF2-40B4-BE49-F238E27FC236}">
-                  <a16:creationId xmlns:a16="http://schemas.microsoft.com/office/drawing/2014/main" id="{2F9B26E4-5974-CC43-BC4B-6383C9FE503E}"/>
-                </a:ext>
-              </a:extLst>
-            </p:cNvPr>
-            <p:cNvSpPr/>
-            <p:nvPr/>
-          </p:nvSpPr>
-          <p:spPr>
-            <a:xfrm>
-              <a:off x="533400" y="1833265"/>
-              <a:ext cx="990600" cy="990600"/>
-            </a:xfrm>
-            <a:prstGeom prst="ellipse">
-              <a:avLst/>
-            </a:prstGeom>
-            <a:solidFill>
-              <a:srgbClr val="009EC0"/>
-            </a:solidFill>
-            <a:ln>
-              <a:noFill/>
-            </a:ln>
-          </p:spPr>
-          <p:style>
-            <a:lnRef idx="2">
-              <a:schemeClr val="accent1">
-                <a:shade val="50000"/>
-              </a:schemeClr>
-            </a:lnRef>
-            <a:fillRef idx="1">
-              <a:schemeClr val="accent1"/>
-            </a:fillRef>
-            <a:effectRef idx="0">
-              <a:schemeClr val="accent1"/>
-            </a:effectRef>
-            <a:fontRef idx="minor">
-              <a:schemeClr val="lt1"/>
-            </a:fontRef>
-          </p:style>
-          <p:txBody>
-            <a:bodyPr rtlCol="0" anchor="ctr"/>
-            <a:lstStyle/>
-            <a:p>
-              <a:pPr algn="ctr"/>
-              <a:r>
-                <a:rPr lang="en-US" sz="5400" dirty="0">
-                  <a:solidFill>
-                    <a:schemeClr val="tx1"/>
-                  </a:solidFill>
-                </a:rPr>
-                <a:t>4</a:t>
-              </a:r>
-            </a:p>
-          </p:txBody>
-        </p:sp>
-        <p:sp>
-          <p:nvSpPr>
-            <p:cNvPr id="39" name="Rectangle 38">
-              <a:extLst>
-                <a:ext uri="{FF2B5EF4-FFF2-40B4-BE49-F238E27FC236}">
-                  <a16:creationId xmlns:a16="http://schemas.microsoft.com/office/drawing/2014/main" id="{AAFBF231-753F-F44A-AD49-F6A5FCDF90F1}"/>
-                </a:ext>
-              </a:extLst>
-            </p:cNvPr>
-            <p:cNvSpPr/>
-            <p:nvPr/>
-          </p:nvSpPr>
-          <p:spPr>
-            <a:xfrm>
-              <a:off x="1810870" y="1833261"/>
-              <a:ext cx="7297272" cy="990593"/>
-            </a:xfrm>
-            <a:prstGeom prst="rect">
-              <a:avLst/>
-            </a:prstGeom>
-            <a:noFill/>
-            <a:ln>
-              <a:noFill/>
-            </a:ln>
-          </p:spPr>
-          <p:style>
-            <a:lnRef idx="2">
-              <a:schemeClr val="accent1">
-                <a:shade val="50000"/>
-              </a:schemeClr>
-            </a:lnRef>
-            <a:fillRef idx="1">
-              <a:schemeClr val="accent1"/>
-            </a:fillRef>
-            <a:effectRef idx="0">
-              <a:schemeClr val="accent1"/>
-            </a:effectRef>
-            <a:fontRef idx="minor">
-              <a:schemeClr val="lt1"/>
-            </a:fontRef>
-          </p:style>
-          <p:txBody>
-            <a:bodyPr rtlCol="0" anchor="ctr"/>
-            <a:lstStyle/>
-            <a:p>
-              <a:r>
-                <a:rPr lang="en-US" sz="2800" b="1" dirty="0">
-                  <a:solidFill>
-                    <a:schemeClr val="tx1"/>
-                  </a:solidFill>
-                  <a:highlight>
-                    <a:srgbClr val="C00002"/>
-                  </a:highlight>
-                </a:rPr>
-                <a:t>James (Jesus’ brother) had a real experience</a:t>
-              </a:r>
-              <a:r>
-                <a:rPr lang="en-US" sz="2800" dirty="0">
-                  <a:solidFill>
-                    <a:schemeClr val="tx1"/>
-                  </a:solidFill>
-                </a:rPr>
-                <a:t> that he thought was an appearance of Jesus</a:t>
-              </a:r>
-            </a:p>
-          </p:txBody>
-        </p:sp>
-      </p:grpSp>
-      <p:grpSp>
-        <p:nvGrpSpPr>
-          <p:cNvPr id="40" name="Group 39">
-            <a:extLst>
-              <a:ext uri="{FF2B5EF4-FFF2-40B4-BE49-F238E27FC236}">
-                <a16:creationId xmlns:a16="http://schemas.microsoft.com/office/drawing/2014/main" id="{DBBE8D46-611F-B546-AEF2-16706C9C5B98}"/>
-              </a:ext>
-            </a:extLst>
-          </p:cNvPr>
-          <p:cNvGrpSpPr/>
-          <p:nvPr/>
-        </p:nvGrpSpPr>
-        <p:grpSpPr>
-          <a:xfrm>
-            <a:off x="398929" y="3048000"/>
-            <a:ext cx="8592671" cy="1016393"/>
-            <a:chOff x="533400" y="1833264"/>
-            <a:chExt cx="8592671" cy="990601"/>
-          </a:xfrm>
-        </p:grpSpPr>
-        <p:sp>
-          <p:nvSpPr>
-            <p:cNvPr id="41" name="Oval 40">
-              <a:extLst>
-                <a:ext uri="{FF2B5EF4-FFF2-40B4-BE49-F238E27FC236}">
-                  <a16:creationId xmlns:a16="http://schemas.microsoft.com/office/drawing/2014/main" id="{1F7006EA-427A-B642-8B6A-64327D6CB9F5}"/>
-                </a:ext>
-              </a:extLst>
-            </p:cNvPr>
-            <p:cNvSpPr/>
-            <p:nvPr/>
-          </p:nvSpPr>
-          <p:spPr>
-            <a:xfrm>
-              <a:off x="533400" y="1833265"/>
-              <a:ext cx="990600" cy="990600"/>
-            </a:xfrm>
-            <a:prstGeom prst="ellipse">
-              <a:avLst/>
-            </a:prstGeom>
-            <a:solidFill>
-              <a:srgbClr val="009EC0"/>
-            </a:solidFill>
-            <a:ln>
-              <a:noFill/>
-            </a:ln>
-          </p:spPr>
-          <p:style>
-            <a:lnRef idx="2">
-              <a:schemeClr val="accent1">
-                <a:shade val="50000"/>
-              </a:schemeClr>
-            </a:lnRef>
-            <a:fillRef idx="1">
-              <a:schemeClr val="accent1"/>
-            </a:fillRef>
-            <a:effectRef idx="0">
-              <a:schemeClr val="accent1"/>
-            </a:effectRef>
-            <a:fontRef idx="minor">
-              <a:schemeClr val="lt1"/>
-            </a:fontRef>
-          </p:style>
-          <p:txBody>
-            <a:bodyPr rtlCol="0" anchor="ctr"/>
-            <a:lstStyle/>
-            <a:p>
-              <a:pPr algn="ctr"/>
-              <a:r>
-                <a:rPr lang="en-US" sz="5400" dirty="0">
-                  <a:solidFill>
-                    <a:schemeClr val="tx1"/>
-                  </a:solidFill>
-                </a:rPr>
-                <a:t>5</a:t>
-              </a:r>
-            </a:p>
-          </p:txBody>
-        </p:sp>
-        <p:sp>
-          <p:nvSpPr>
-            <p:cNvPr id="42" name="Rectangle 41">
-              <a:extLst>
-                <a:ext uri="{FF2B5EF4-FFF2-40B4-BE49-F238E27FC236}">
-                  <a16:creationId xmlns:a16="http://schemas.microsoft.com/office/drawing/2014/main" id="{520E67B6-90AA-154A-8288-8CAC947C3CB8}"/>
-                </a:ext>
-              </a:extLst>
-            </p:cNvPr>
-            <p:cNvSpPr/>
-            <p:nvPr/>
-          </p:nvSpPr>
-          <p:spPr>
-            <a:xfrm>
-              <a:off x="1828799" y="1833264"/>
-              <a:ext cx="7297272" cy="990593"/>
-            </a:xfrm>
-            <a:prstGeom prst="rect">
-              <a:avLst/>
-            </a:prstGeom>
-            <a:noFill/>
-            <a:ln>
-              <a:noFill/>
-            </a:ln>
-          </p:spPr>
-          <p:style>
-            <a:lnRef idx="2">
-              <a:schemeClr val="accent1">
-                <a:shade val="50000"/>
-              </a:schemeClr>
-            </a:lnRef>
-            <a:fillRef idx="1">
-              <a:schemeClr val="accent1"/>
-            </a:fillRef>
-            <a:effectRef idx="0">
-              <a:schemeClr val="accent1"/>
-            </a:effectRef>
-            <a:fontRef idx="minor">
-              <a:schemeClr val="lt1"/>
-            </a:fontRef>
-          </p:style>
-          <p:txBody>
-            <a:bodyPr rtlCol="0" anchor="ctr"/>
-            <a:lstStyle/>
-            <a:p>
-              <a:r>
-                <a:rPr lang="en-US" sz="2800" b="1" dirty="0">
-                  <a:solidFill>
-                    <a:schemeClr val="tx1"/>
-                  </a:solidFill>
-                  <a:highlight>
-                    <a:srgbClr val="C00002"/>
-                  </a:highlight>
-                </a:rPr>
-                <a:t>Paul also had a similar appearance</a:t>
-              </a:r>
-              <a:r>
-                <a:rPr lang="en-US" sz="2800" dirty="0">
-                  <a:solidFill>
-                    <a:schemeClr val="tx1"/>
-                  </a:solidFill>
-                </a:rPr>
-                <a:t> of Jesus and converted</a:t>
-              </a:r>
-            </a:p>
-          </p:txBody>
-        </p:sp>
-      </p:grpSp>
-      <p:grpSp>
-        <p:nvGrpSpPr>
-          <p:cNvPr id="43" name="Group 42">
-            <a:extLst>
-              <a:ext uri="{FF2B5EF4-FFF2-40B4-BE49-F238E27FC236}">
-                <a16:creationId xmlns:a16="http://schemas.microsoft.com/office/drawing/2014/main" id="{1D109BD6-389C-E743-AA33-FC31AEB4D2DB}"/>
-              </a:ext>
-            </a:extLst>
-          </p:cNvPr>
-          <p:cNvGrpSpPr/>
-          <p:nvPr/>
-        </p:nvGrpSpPr>
-        <p:grpSpPr>
-          <a:xfrm>
-            <a:off x="398929" y="3048000"/>
-            <a:ext cx="8592671" cy="1016393"/>
-            <a:chOff x="533400" y="1833264"/>
-            <a:chExt cx="8592671" cy="990601"/>
-          </a:xfrm>
-        </p:grpSpPr>
-        <p:sp>
-          <p:nvSpPr>
-            <p:cNvPr id="44" name="Oval 43">
-              <a:extLst>
-                <a:ext uri="{FF2B5EF4-FFF2-40B4-BE49-F238E27FC236}">
-                  <a16:creationId xmlns:a16="http://schemas.microsoft.com/office/drawing/2014/main" id="{D888D07C-6895-7D4C-961E-25E13471458C}"/>
-                </a:ext>
-              </a:extLst>
-            </p:cNvPr>
-            <p:cNvSpPr/>
-            <p:nvPr/>
-          </p:nvSpPr>
-          <p:spPr>
-            <a:xfrm>
-              <a:off x="533400" y="1833265"/>
-              <a:ext cx="990600" cy="990600"/>
-            </a:xfrm>
-            <a:prstGeom prst="ellipse">
-              <a:avLst/>
-            </a:prstGeom>
-            <a:solidFill>
-              <a:srgbClr val="009EC0"/>
-            </a:solidFill>
-            <a:ln>
-              <a:noFill/>
-            </a:ln>
-          </p:spPr>
-          <p:style>
-            <a:lnRef idx="2">
-              <a:schemeClr val="accent1">
-                <a:shade val="50000"/>
-              </a:schemeClr>
-            </a:lnRef>
-            <a:fillRef idx="1">
-              <a:schemeClr val="accent1"/>
-            </a:fillRef>
-            <a:effectRef idx="0">
-              <a:schemeClr val="accent1"/>
-            </a:effectRef>
-            <a:fontRef idx="minor">
-              <a:schemeClr val="lt1"/>
-            </a:fontRef>
-          </p:style>
-          <p:txBody>
-            <a:bodyPr rtlCol="0" anchor="ctr"/>
-            <a:lstStyle/>
-            <a:p>
-              <a:pPr algn="ctr"/>
-              <a:r>
-                <a:rPr lang="en-US" sz="5400" dirty="0">
-                  <a:solidFill>
-                    <a:schemeClr val="tx1"/>
-                  </a:solidFill>
-                </a:rPr>
-                <a:t>6</a:t>
-              </a:r>
-            </a:p>
-          </p:txBody>
-        </p:sp>
-        <p:sp>
-          <p:nvSpPr>
-            <p:cNvPr id="45" name="Rectangle 44">
-              <a:extLst>
-                <a:ext uri="{FF2B5EF4-FFF2-40B4-BE49-F238E27FC236}">
-                  <a16:creationId xmlns:a16="http://schemas.microsoft.com/office/drawing/2014/main" id="{F46C28DC-6CEF-AF4A-AFBE-F89D87C6ED75}"/>
-                </a:ext>
-              </a:extLst>
-            </p:cNvPr>
-            <p:cNvSpPr/>
-            <p:nvPr/>
-          </p:nvSpPr>
-          <p:spPr>
-            <a:xfrm>
-              <a:off x="1828799" y="1833264"/>
-              <a:ext cx="7297272" cy="990593"/>
-            </a:xfrm>
-            <a:prstGeom prst="rect">
-              <a:avLst/>
-            </a:prstGeom>
-            <a:noFill/>
-            <a:ln>
-              <a:noFill/>
-            </a:ln>
-          </p:spPr>
-          <p:style>
-            <a:lnRef idx="2">
-              <a:schemeClr val="accent1">
-                <a:shade val="50000"/>
-              </a:schemeClr>
-            </a:lnRef>
-            <a:fillRef idx="1">
-              <a:schemeClr val="accent1"/>
-            </a:fillRef>
-            <a:effectRef idx="0">
-              <a:schemeClr val="accent1"/>
-            </a:effectRef>
-            <a:fontRef idx="minor">
-              <a:schemeClr val="lt1"/>
-            </a:fontRef>
-          </p:style>
-          <p:txBody>
-            <a:bodyPr rtlCol="0" anchor="ctr"/>
-            <a:lstStyle/>
-            <a:p>
-              <a:r>
-                <a:rPr lang="en-US" sz="2800" dirty="0">
-                  <a:solidFill>
-                    <a:schemeClr val="tx1"/>
-                  </a:solidFill>
-                </a:rPr>
-                <a:t>The Gospel was proclaimed </a:t>
-              </a:r>
-              <a:r>
-                <a:rPr lang="en-US" sz="2800" b="1" dirty="0">
-                  <a:solidFill>
-                    <a:schemeClr val="tx1"/>
-                  </a:solidFill>
-                  <a:highlight>
-                    <a:srgbClr val="C00002"/>
-                  </a:highlight>
-                </a:rPr>
-                <a:t>within 1-2 years</a:t>
-              </a:r>
-              <a:r>
-                <a:rPr lang="en-US" sz="2800" b="1" dirty="0">
-                  <a:solidFill>
-                    <a:schemeClr val="tx1"/>
-                  </a:solidFill>
-                </a:rPr>
-                <a:t> </a:t>
-              </a:r>
-              <a:r>
-                <a:rPr lang="en-US" sz="2800" dirty="0">
-                  <a:solidFill>
-                    <a:schemeClr val="tx1"/>
-                  </a:solidFill>
-                </a:rPr>
-                <a:t>from the crucifixion</a:t>
-              </a:r>
-            </a:p>
-          </p:txBody>
-        </p:sp>
-      </p:grpSp>
     </p:spTree>
     <p:extLst>
       <p:ext uri="{BB962C8B-B14F-4D97-AF65-F5344CB8AC3E}">
-        <p14:creationId xmlns:p14="http://schemas.microsoft.com/office/powerpoint/2010/main" val="671826375"/>
+        <p14:creationId xmlns:p14="http://schemas.microsoft.com/office/powerpoint/2010/main" val="2596279279"/>
       </p:ext>
     </p:extLst>
   </p:cSld>
@@ -12089,77 +15118,248 @@
                       </p:childTnLst>
                     </p:cTn>
                   </p:par>
+                </p:childTnLst>
+              </p:cTn>
+              <p:prevCondLst>
+                <p:cond evt="onPrev" delay="0">
+                  <p:tgtEl>
+                    <p:sldTgt/>
+                  </p:tgtEl>
+                </p:cond>
+              </p:prevCondLst>
+              <p:nextCondLst>
+                <p:cond evt="onNext" delay="0">
+                  <p:tgtEl>
+                    <p:sldTgt/>
+                  </p:tgtEl>
+                </p:cond>
+              </p:nextCondLst>
+            </p:seq>
+          </p:childTnLst>
+        </p:cTn>
+      </p:par>
+    </p:tnLst>
+  </p:timing>
+</p:sld>
+</file>
+
+<file path=ppt/slides/slide4.xml><?xml version="1.0" encoding="utf-8"?>
+<p:sld xmlns:a="http://schemas.openxmlformats.org/drawingml/2006/main" xmlns:r="http://schemas.openxmlformats.org/officeDocument/2006/relationships" xmlns:p="http://schemas.openxmlformats.org/presentationml/2006/main">
+  <p:cSld>
+    <p:spTree>
+      <p:nvGrpSpPr>
+        <p:cNvPr id="1" name=""/>
+        <p:cNvGrpSpPr/>
+        <p:nvPr/>
+      </p:nvGrpSpPr>
+      <p:grpSpPr>
+        <a:xfrm>
+          <a:off x="0" y="0"/>
+          <a:ext cx="0" cy="0"/>
+          <a:chOff x="0" y="0"/>
+          <a:chExt cx="0" cy="0"/>
+        </a:xfrm>
+      </p:grpSpPr>
+      <p:grpSp>
+        <p:nvGrpSpPr>
+          <p:cNvPr id="9" name="Group 8">
+            <a:extLst>
+              <a:ext uri="{FF2B5EF4-FFF2-40B4-BE49-F238E27FC236}">
+                <a16:creationId xmlns:a16="http://schemas.microsoft.com/office/drawing/2014/main" id="{55676BE1-B42E-AD44-9DD5-FF20BEB47F36}"/>
+              </a:ext>
+            </a:extLst>
+          </p:cNvPr>
+          <p:cNvGrpSpPr/>
+          <p:nvPr/>
+        </p:nvGrpSpPr>
+        <p:grpSpPr>
+          <a:xfrm>
+            <a:off x="381000" y="3047999"/>
+            <a:ext cx="8001000" cy="1016394"/>
+            <a:chOff x="533400" y="1833263"/>
+            <a:chExt cx="8001000" cy="990602"/>
+          </a:xfrm>
+        </p:grpSpPr>
+        <p:sp>
+          <p:nvSpPr>
+            <p:cNvPr id="2" name="Oval 1">
+              <a:extLst>
+                <a:ext uri="{FF2B5EF4-FFF2-40B4-BE49-F238E27FC236}">
+                  <a16:creationId xmlns:a16="http://schemas.microsoft.com/office/drawing/2014/main" id="{876D5A54-0C8D-804B-88A0-6609A2C1405C}"/>
+                </a:ext>
+              </a:extLst>
+            </p:cNvPr>
+            <p:cNvSpPr/>
+            <p:nvPr/>
+          </p:nvSpPr>
+          <p:spPr>
+            <a:xfrm>
+              <a:off x="533400" y="1833265"/>
+              <a:ext cx="990600" cy="990600"/>
+            </a:xfrm>
+            <a:prstGeom prst="ellipse">
+              <a:avLst/>
+            </a:prstGeom>
+            <a:solidFill>
+              <a:srgbClr val="009EC0"/>
+            </a:solidFill>
+            <a:ln>
+              <a:noFill/>
+            </a:ln>
+          </p:spPr>
+          <p:style>
+            <a:lnRef idx="2">
+              <a:schemeClr val="accent1">
+                <a:shade val="50000"/>
+              </a:schemeClr>
+            </a:lnRef>
+            <a:fillRef idx="1">
+              <a:schemeClr val="accent1"/>
+            </a:fillRef>
+            <a:effectRef idx="0">
+              <a:schemeClr val="accent1"/>
+            </a:effectRef>
+            <a:fontRef idx="minor">
+              <a:schemeClr val="lt1"/>
+            </a:fontRef>
+          </p:style>
+          <p:txBody>
+            <a:bodyPr rtlCol="0" anchor="ctr"/>
+            <a:lstStyle/>
+            <a:p>
+              <a:pPr algn="ctr"/>
+              <a:r>
+                <a:rPr lang="en-US" sz="5400" dirty="0">
+                  <a:solidFill>
+                    <a:schemeClr val="tx1"/>
+                  </a:solidFill>
+                </a:rPr>
+                <a:t>3</a:t>
+              </a:r>
+            </a:p>
+          </p:txBody>
+        </p:sp>
+        <p:sp>
+          <p:nvSpPr>
+            <p:cNvPr id="10" name="Rectangle 9">
+              <a:extLst>
+                <a:ext uri="{FF2B5EF4-FFF2-40B4-BE49-F238E27FC236}">
+                  <a16:creationId xmlns:a16="http://schemas.microsoft.com/office/drawing/2014/main" id="{312C2DC5-5653-DC4B-98A2-76A0B8F08883}"/>
+                </a:ext>
+              </a:extLst>
+            </p:cNvPr>
+            <p:cNvSpPr/>
+            <p:nvPr/>
+          </p:nvSpPr>
+          <p:spPr>
+            <a:xfrm>
+              <a:off x="1828800" y="1833263"/>
+              <a:ext cx="6705600" cy="990593"/>
+            </a:xfrm>
+            <a:prstGeom prst="rect">
+              <a:avLst/>
+            </a:prstGeom>
+            <a:noFill/>
+            <a:ln>
+              <a:noFill/>
+            </a:ln>
+          </p:spPr>
+          <p:style>
+            <a:lnRef idx="2">
+              <a:schemeClr val="accent1">
+                <a:shade val="50000"/>
+              </a:schemeClr>
+            </a:lnRef>
+            <a:fillRef idx="1">
+              <a:schemeClr val="accent1"/>
+            </a:fillRef>
+            <a:effectRef idx="0">
+              <a:schemeClr val="accent1"/>
+            </a:effectRef>
+            <a:fontRef idx="minor">
+              <a:schemeClr val="lt1"/>
+            </a:fontRef>
+          </p:style>
+          <p:txBody>
+            <a:bodyPr rtlCol="0" anchor="ctr"/>
+            <a:lstStyle/>
+            <a:p>
+              <a:r>
+                <a:rPr lang="en-US" sz="3200" dirty="0">
+                  <a:solidFill>
+                    <a:schemeClr val="tx1"/>
+                  </a:solidFill>
+                </a:rPr>
+                <a:t>The disciples were transformed &amp; were </a:t>
+              </a:r>
+              <a:r>
+                <a:rPr lang="en-US" sz="3200" b="1" dirty="0">
+                  <a:solidFill>
+                    <a:schemeClr val="tx1"/>
+                  </a:solidFill>
+                  <a:highlight>
+                    <a:srgbClr val="C00002"/>
+                  </a:highlight>
+                </a:rPr>
+                <a:t>willing to die</a:t>
+              </a:r>
+              <a:r>
+                <a:rPr lang="en-US" sz="3200" dirty="0">
+                  <a:solidFill>
+                    <a:schemeClr val="tx1"/>
+                  </a:solidFill>
+                </a:rPr>
+                <a:t> for their message</a:t>
+              </a:r>
+            </a:p>
+          </p:txBody>
+        </p:sp>
+      </p:grpSp>
+    </p:spTree>
+    <p:extLst>
+      <p:ext uri="{BB962C8B-B14F-4D97-AF65-F5344CB8AC3E}">
+        <p14:creationId xmlns:p14="http://schemas.microsoft.com/office/powerpoint/2010/main" val="1881116089"/>
+      </p:ext>
+    </p:extLst>
+  </p:cSld>
+  <p:clrMapOvr>
+    <a:masterClrMapping/>
+  </p:clrMapOvr>
+  <p:timing>
+    <p:tnLst>
+      <p:par>
+        <p:cTn id="1" dur="indefinite" restart="never" nodeType="tmRoot">
+          <p:childTnLst>
+            <p:seq concurrent="1" nextAc="seek">
+              <p:cTn id="2" dur="indefinite" nodeType="mainSeq">
+                <p:childTnLst>
                   <p:par>
-                    <p:cTn id="8" fill="hold">
+                    <p:cTn id="3" fill="hold">
                       <p:stCondLst>
                         <p:cond delay="indefinite"/>
                       </p:stCondLst>
                       <p:childTnLst>
                         <p:par>
-                          <p:cTn id="9" fill="hold">
+                          <p:cTn id="4" fill="hold">
                             <p:stCondLst>
                               <p:cond delay="0"/>
                             </p:stCondLst>
                             <p:childTnLst>
                               <p:par>
-                                <p:cTn id="10" presetID="10" presetClass="exit" presetSubtype="0" fill="hold" nodeType="clickEffect">
-                                  <p:stCondLst>
-                                    <p:cond delay="0"/>
-                                  </p:stCondLst>
-                                  <p:childTnLst>
-                                    <p:animEffect transition="out" filter="fade">
-                                      <p:cBhvr>
-                                        <p:cTn id="11" dur="250"/>
-                                        <p:tgtEl>
-                                          <p:spTgt spid="9"/>
-                                        </p:tgtEl>
-                                      </p:cBhvr>
-                                    </p:animEffect>
-                                    <p:set>
-                                      <p:cBhvr>
-                                        <p:cTn id="12" dur="1" fill="hold">
-                                          <p:stCondLst>
-                                            <p:cond delay="249"/>
-                                          </p:stCondLst>
-                                        </p:cTn>
-                                        <p:tgtEl>
-                                          <p:spTgt spid="9"/>
-                                        </p:tgtEl>
-                                        <p:attrNameLst>
-                                          <p:attrName>style.visibility</p:attrName>
-                                        </p:attrNameLst>
-                                      </p:cBhvr>
-                                      <p:to>
-                                        <p:strVal val="hidden"/>
-                                      </p:to>
-                                    </p:set>
-                                  </p:childTnLst>
-                                </p:cTn>
-                              </p:par>
-                            </p:childTnLst>
-                          </p:cTn>
-                        </p:par>
-                        <p:par>
-                          <p:cTn id="13" fill="hold">
-                            <p:stCondLst>
-                              <p:cond delay="250"/>
-                            </p:stCondLst>
-                            <p:childTnLst>
-                              <p:par>
-                                <p:cTn id="14" presetID="10" presetClass="entr" presetSubtype="0" fill="hold" nodeType="afterEffect">
+                                <p:cTn id="5" presetID="10" presetClass="entr" presetSubtype="0" fill="hold" nodeType="clickEffect">
                                   <p:stCondLst>
                                     <p:cond delay="0"/>
                                   </p:stCondLst>
                                   <p:childTnLst>
                                     <p:set>
                                       <p:cBhvr>
-                                        <p:cTn id="15" dur="1" fill="hold">
+                                        <p:cTn id="6" dur="1" fill="hold">
                                           <p:stCondLst>
                                             <p:cond delay="0"/>
                                           </p:stCondLst>
                                         </p:cTn>
                                         <p:tgtEl>
-                                          <p:spTgt spid="31"/>
+                                          <p:spTgt spid="9"/>
                                         </p:tgtEl>
                                         <p:attrNameLst>
                                           <p:attrName>style.visibility</p:attrName>
@@ -12171,453 +15371,12 @@
                                     </p:set>
                                     <p:animEffect transition="in" filter="fade">
                                       <p:cBhvr>
-                                        <p:cTn id="16" dur="250"/>
+                                        <p:cTn id="7" dur="250"/>
                                         <p:tgtEl>
-                                          <p:spTgt spid="31"/>
+                                          <p:spTgt spid="9"/>
                                         </p:tgtEl>
                                       </p:cBhvr>
                                     </p:animEffect>
-                                  </p:childTnLst>
-                                </p:cTn>
-                              </p:par>
-                            </p:childTnLst>
-                          </p:cTn>
-                        </p:par>
-                      </p:childTnLst>
-                    </p:cTn>
-                  </p:par>
-                  <p:par>
-                    <p:cTn id="17" fill="hold">
-                      <p:stCondLst>
-                        <p:cond delay="indefinite"/>
-                      </p:stCondLst>
-                      <p:childTnLst>
-                        <p:par>
-                          <p:cTn id="18" fill="hold">
-                            <p:stCondLst>
-                              <p:cond delay="0"/>
-                            </p:stCondLst>
-                            <p:childTnLst>
-                              <p:par>
-                                <p:cTn id="19" presetID="10" presetClass="exit" presetSubtype="0" fill="hold" nodeType="clickEffect">
-                                  <p:stCondLst>
-                                    <p:cond delay="0"/>
-                                  </p:stCondLst>
-                                  <p:childTnLst>
-                                    <p:animEffect transition="out" filter="fade">
-                                      <p:cBhvr>
-                                        <p:cTn id="20" dur="250"/>
-                                        <p:tgtEl>
-                                          <p:spTgt spid="31"/>
-                                        </p:tgtEl>
-                                      </p:cBhvr>
-                                    </p:animEffect>
-                                    <p:set>
-                                      <p:cBhvr>
-                                        <p:cTn id="21" dur="1" fill="hold">
-                                          <p:stCondLst>
-                                            <p:cond delay="249"/>
-                                          </p:stCondLst>
-                                        </p:cTn>
-                                        <p:tgtEl>
-                                          <p:spTgt spid="31"/>
-                                        </p:tgtEl>
-                                        <p:attrNameLst>
-                                          <p:attrName>style.visibility</p:attrName>
-                                        </p:attrNameLst>
-                                      </p:cBhvr>
-                                      <p:to>
-                                        <p:strVal val="hidden"/>
-                                      </p:to>
-                                    </p:set>
-                                  </p:childTnLst>
-                                </p:cTn>
-                              </p:par>
-                            </p:childTnLst>
-                          </p:cTn>
-                        </p:par>
-                        <p:par>
-                          <p:cTn id="22" fill="hold">
-                            <p:stCondLst>
-                              <p:cond delay="250"/>
-                            </p:stCondLst>
-                            <p:childTnLst>
-                              <p:par>
-                                <p:cTn id="23" presetID="10" presetClass="entr" presetSubtype="0" fill="hold" nodeType="afterEffect">
-                                  <p:stCondLst>
-                                    <p:cond delay="0"/>
-                                  </p:stCondLst>
-                                  <p:childTnLst>
-                                    <p:set>
-                                      <p:cBhvr>
-                                        <p:cTn id="24" dur="1" fill="hold">
-                                          <p:stCondLst>
-                                            <p:cond delay="0"/>
-                                          </p:stCondLst>
-                                        </p:cTn>
-                                        <p:tgtEl>
-                                          <p:spTgt spid="34"/>
-                                        </p:tgtEl>
-                                        <p:attrNameLst>
-                                          <p:attrName>style.visibility</p:attrName>
-                                        </p:attrNameLst>
-                                      </p:cBhvr>
-                                      <p:to>
-                                        <p:strVal val="visible"/>
-                                      </p:to>
-                                    </p:set>
-                                    <p:animEffect transition="in" filter="fade">
-                                      <p:cBhvr>
-                                        <p:cTn id="25" dur="250"/>
-                                        <p:tgtEl>
-                                          <p:spTgt spid="34"/>
-                                        </p:tgtEl>
-                                      </p:cBhvr>
-                                    </p:animEffect>
-                                  </p:childTnLst>
-                                </p:cTn>
-                              </p:par>
-                            </p:childTnLst>
-                          </p:cTn>
-                        </p:par>
-                      </p:childTnLst>
-                    </p:cTn>
-                  </p:par>
-                  <p:par>
-                    <p:cTn id="26" fill="hold">
-                      <p:stCondLst>
-                        <p:cond delay="indefinite"/>
-                      </p:stCondLst>
-                      <p:childTnLst>
-                        <p:par>
-                          <p:cTn id="27" fill="hold">
-                            <p:stCondLst>
-                              <p:cond delay="0"/>
-                            </p:stCondLst>
-                            <p:childTnLst>
-                              <p:par>
-                                <p:cTn id="28" presetID="10" presetClass="exit" presetSubtype="0" fill="hold" nodeType="clickEffect">
-                                  <p:stCondLst>
-                                    <p:cond delay="0"/>
-                                  </p:stCondLst>
-                                  <p:childTnLst>
-                                    <p:animEffect transition="out" filter="fade">
-                                      <p:cBhvr>
-                                        <p:cTn id="29" dur="250"/>
-                                        <p:tgtEl>
-                                          <p:spTgt spid="34"/>
-                                        </p:tgtEl>
-                                      </p:cBhvr>
-                                    </p:animEffect>
-                                    <p:set>
-                                      <p:cBhvr>
-                                        <p:cTn id="30" dur="1" fill="hold">
-                                          <p:stCondLst>
-                                            <p:cond delay="249"/>
-                                          </p:stCondLst>
-                                        </p:cTn>
-                                        <p:tgtEl>
-                                          <p:spTgt spid="34"/>
-                                        </p:tgtEl>
-                                        <p:attrNameLst>
-                                          <p:attrName>style.visibility</p:attrName>
-                                        </p:attrNameLst>
-                                      </p:cBhvr>
-                                      <p:to>
-                                        <p:strVal val="hidden"/>
-                                      </p:to>
-                                    </p:set>
-                                  </p:childTnLst>
-                                </p:cTn>
-                              </p:par>
-                            </p:childTnLst>
-                          </p:cTn>
-                        </p:par>
-                        <p:par>
-                          <p:cTn id="31" fill="hold">
-                            <p:stCondLst>
-                              <p:cond delay="250"/>
-                            </p:stCondLst>
-                            <p:childTnLst>
-                              <p:par>
-                                <p:cTn id="32" presetID="10" presetClass="entr" presetSubtype="0" fill="hold" nodeType="afterEffect">
-                                  <p:stCondLst>
-                                    <p:cond delay="0"/>
-                                  </p:stCondLst>
-                                  <p:childTnLst>
-                                    <p:set>
-                                      <p:cBhvr>
-                                        <p:cTn id="33" dur="1" fill="hold">
-                                          <p:stCondLst>
-                                            <p:cond delay="0"/>
-                                          </p:stCondLst>
-                                        </p:cTn>
-                                        <p:tgtEl>
-                                          <p:spTgt spid="37"/>
-                                        </p:tgtEl>
-                                        <p:attrNameLst>
-                                          <p:attrName>style.visibility</p:attrName>
-                                        </p:attrNameLst>
-                                      </p:cBhvr>
-                                      <p:to>
-                                        <p:strVal val="visible"/>
-                                      </p:to>
-                                    </p:set>
-                                    <p:animEffect transition="in" filter="fade">
-                                      <p:cBhvr>
-                                        <p:cTn id="34" dur="250"/>
-                                        <p:tgtEl>
-                                          <p:spTgt spid="37"/>
-                                        </p:tgtEl>
-                                      </p:cBhvr>
-                                    </p:animEffect>
-                                  </p:childTnLst>
-                                </p:cTn>
-                              </p:par>
-                            </p:childTnLst>
-                          </p:cTn>
-                        </p:par>
-                      </p:childTnLst>
-                    </p:cTn>
-                  </p:par>
-                  <p:par>
-                    <p:cTn id="35" fill="hold">
-                      <p:stCondLst>
-                        <p:cond delay="indefinite"/>
-                      </p:stCondLst>
-                      <p:childTnLst>
-                        <p:par>
-                          <p:cTn id="36" fill="hold">
-                            <p:stCondLst>
-                              <p:cond delay="0"/>
-                            </p:stCondLst>
-                            <p:childTnLst>
-                              <p:par>
-                                <p:cTn id="37" presetID="10" presetClass="exit" presetSubtype="0" fill="hold" nodeType="clickEffect">
-                                  <p:stCondLst>
-                                    <p:cond delay="0"/>
-                                  </p:stCondLst>
-                                  <p:childTnLst>
-                                    <p:animEffect transition="out" filter="fade">
-                                      <p:cBhvr>
-                                        <p:cTn id="38" dur="250"/>
-                                        <p:tgtEl>
-                                          <p:spTgt spid="37"/>
-                                        </p:tgtEl>
-                                      </p:cBhvr>
-                                    </p:animEffect>
-                                    <p:set>
-                                      <p:cBhvr>
-                                        <p:cTn id="39" dur="1" fill="hold">
-                                          <p:stCondLst>
-                                            <p:cond delay="249"/>
-                                          </p:stCondLst>
-                                        </p:cTn>
-                                        <p:tgtEl>
-                                          <p:spTgt spid="37"/>
-                                        </p:tgtEl>
-                                        <p:attrNameLst>
-                                          <p:attrName>style.visibility</p:attrName>
-                                        </p:attrNameLst>
-                                      </p:cBhvr>
-                                      <p:to>
-                                        <p:strVal val="hidden"/>
-                                      </p:to>
-                                    </p:set>
-                                  </p:childTnLst>
-                                </p:cTn>
-                              </p:par>
-                            </p:childTnLst>
-                          </p:cTn>
-                        </p:par>
-                        <p:par>
-                          <p:cTn id="40" fill="hold">
-                            <p:stCondLst>
-                              <p:cond delay="250"/>
-                            </p:stCondLst>
-                            <p:childTnLst>
-                              <p:par>
-                                <p:cTn id="41" presetID="10" presetClass="entr" presetSubtype="0" fill="hold" nodeType="afterEffect">
-                                  <p:stCondLst>
-                                    <p:cond delay="0"/>
-                                  </p:stCondLst>
-                                  <p:childTnLst>
-                                    <p:set>
-                                      <p:cBhvr>
-                                        <p:cTn id="42" dur="1" fill="hold">
-                                          <p:stCondLst>
-                                            <p:cond delay="0"/>
-                                          </p:stCondLst>
-                                        </p:cTn>
-                                        <p:tgtEl>
-                                          <p:spTgt spid="40"/>
-                                        </p:tgtEl>
-                                        <p:attrNameLst>
-                                          <p:attrName>style.visibility</p:attrName>
-                                        </p:attrNameLst>
-                                      </p:cBhvr>
-                                      <p:to>
-                                        <p:strVal val="visible"/>
-                                      </p:to>
-                                    </p:set>
-                                    <p:animEffect transition="in" filter="fade">
-                                      <p:cBhvr>
-                                        <p:cTn id="43" dur="250"/>
-                                        <p:tgtEl>
-                                          <p:spTgt spid="40"/>
-                                        </p:tgtEl>
-                                      </p:cBhvr>
-                                    </p:animEffect>
-                                  </p:childTnLst>
-                                </p:cTn>
-                              </p:par>
-                            </p:childTnLst>
-                          </p:cTn>
-                        </p:par>
-                      </p:childTnLst>
-                    </p:cTn>
-                  </p:par>
-                  <p:par>
-                    <p:cTn id="44" fill="hold">
-                      <p:stCondLst>
-                        <p:cond delay="indefinite"/>
-                      </p:stCondLst>
-                      <p:childTnLst>
-                        <p:par>
-                          <p:cTn id="45" fill="hold">
-                            <p:stCondLst>
-                              <p:cond delay="0"/>
-                            </p:stCondLst>
-                            <p:childTnLst>
-                              <p:par>
-                                <p:cTn id="46" presetID="10" presetClass="exit" presetSubtype="0" fill="hold" nodeType="clickEffect">
-                                  <p:stCondLst>
-                                    <p:cond delay="0"/>
-                                  </p:stCondLst>
-                                  <p:childTnLst>
-                                    <p:animEffect transition="out" filter="fade">
-                                      <p:cBhvr>
-                                        <p:cTn id="47" dur="250"/>
-                                        <p:tgtEl>
-                                          <p:spTgt spid="40"/>
-                                        </p:tgtEl>
-                                      </p:cBhvr>
-                                    </p:animEffect>
-                                    <p:set>
-                                      <p:cBhvr>
-                                        <p:cTn id="48" dur="1" fill="hold">
-                                          <p:stCondLst>
-                                            <p:cond delay="249"/>
-                                          </p:stCondLst>
-                                        </p:cTn>
-                                        <p:tgtEl>
-                                          <p:spTgt spid="40"/>
-                                        </p:tgtEl>
-                                        <p:attrNameLst>
-                                          <p:attrName>style.visibility</p:attrName>
-                                        </p:attrNameLst>
-                                      </p:cBhvr>
-                                      <p:to>
-                                        <p:strVal val="hidden"/>
-                                      </p:to>
-                                    </p:set>
-                                  </p:childTnLst>
-                                </p:cTn>
-                              </p:par>
-                            </p:childTnLst>
-                          </p:cTn>
-                        </p:par>
-                        <p:par>
-                          <p:cTn id="49" fill="hold">
-                            <p:stCondLst>
-                              <p:cond delay="250"/>
-                            </p:stCondLst>
-                            <p:childTnLst>
-                              <p:par>
-                                <p:cTn id="50" presetID="10" presetClass="entr" presetSubtype="0" fill="hold" nodeType="afterEffect">
-                                  <p:stCondLst>
-                                    <p:cond delay="0"/>
-                                  </p:stCondLst>
-                                  <p:childTnLst>
-                                    <p:set>
-                                      <p:cBhvr>
-                                        <p:cTn id="51" dur="1" fill="hold">
-                                          <p:stCondLst>
-                                            <p:cond delay="0"/>
-                                          </p:stCondLst>
-                                        </p:cTn>
-                                        <p:tgtEl>
-                                          <p:spTgt spid="43"/>
-                                        </p:tgtEl>
-                                        <p:attrNameLst>
-                                          <p:attrName>style.visibility</p:attrName>
-                                        </p:attrNameLst>
-                                      </p:cBhvr>
-                                      <p:to>
-                                        <p:strVal val="visible"/>
-                                      </p:to>
-                                    </p:set>
-                                    <p:animEffect transition="in" filter="fade">
-                                      <p:cBhvr>
-                                        <p:cTn id="52" dur="250"/>
-                                        <p:tgtEl>
-                                          <p:spTgt spid="43"/>
-                                        </p:tgtEl>
-                                      </p:cBhvr>
-                                    </p:animEffect>
-                                  </p:childTnLst>
-                                </p:cTn>
-                              </p:par>
-                            </p:childTnLst>
-                          </p:cTn>
-                        </p:par>
-                      </p:childTnLst>
-                    </p:cTn>
-                  </p:par>
-                  <p:par>
-                    <p:cTn id="53" fill="hold">
-                      <p:stCondLst>
-                        <p:cond delay="indefinite"/>
-                      </p:stCondLst>
-                      <p:childTnLst>
-                        <p:par>
-                          <p:cTn id="54" fill="hold">
-                            <p:stCondLst>
-                              <p:cond delay="0"/>
-                            </p:stCondLst>
-                            <p:childTnLst>
-                              <p:par>
-                                <p:cTn id="55" presetID="10" presetClass="exit" presetSubtype="0" fill="hold" nodeType="clickEffect">
-                                  <p:stCondLst>
-                                    <p:cond delay="0"/>
-                                  </p:stCondLst>
-                                  <p:childTnLst>
-                                    <p:animEffect transition="out" filter="fade">
-                                      <p:cBhvr>
-                                        <p:cTn id="56" dur="250"/>
-                                        <p:tgtEl>
-                                          <p:spTgt spid="43"/>
-                                        </p:tgtEl>
-                                      </p:cBhvr>
-                                    </p:animEffect>
-                                    <p:set>
-                                      <p:cBhvr>
-                                        <p:cTn id="57" dur="1" fill="hold">
-                                          <p:stCondLst>
-                                            <p:cond delay="249"/>
-                                          </p:stCondLst>
-                                        </p:cTn>
-                                        <p:tgtEl>
-                                          <p:spTgt spid="43"/>
-                                        </p:tgtEl>
-                                        <p:attrNameLst>
-                                          <p:attrName>style.visibility</p:attrName>
-                                        </p:attrNameLst>
-                                      </p:cBhvr>
-                                      <p:to>
-                                        <p:strVal val="hidden"/>
-                                      </p:to>
-                                    </p:set>
                                   </p:childTnLst>
                                 </p:cTn>
                               </p:par>
@@ -12652,7 +15411,803 @@
 </p:sld>
 </file>
 
-<file path=ppt/slides/slide3.xml><?xml version="1.0" encoding="utf-8"?>
+<file path=ppt/slides/slide5.xml><?xml version="1.0" encoding="utf-8"?>
+<p:sld xmlns:a="http://schemas.openxmlformats.org/drawingml/2006/main" xmlns:r="http://schemas.openxmlformats.org/officeDocument/2006/relationships" xmlns:p="http://schemas.openxmlformats.org/presentationml/2006/main">
+  <p:cSld>
+    <p:spTree>
+      <p:nvGrpSpPr>
+        <p:cNvPr id="1" name=""/>
+        <p:cNvGrpSpPr/>
+        <p:nvPr/>
+      </p:nvGrpSpPr>
+      <p:grpSpPr>
+        <a:xfrm>
+          <a:off x="0" y="0"/>
+          <a:ext cx="0" cy="0"/>
+          <a:chOff x="0" y="0"/>
+          <a:chExt cx="0" cy="0"/>
+        </a:xfrm>
+      </p:grpSpPr>
+      <p:grpSp>
+        <p:nvGrpSpPr>
+          <p:cNvPr id="9" name="Group 8">
+            <a:extLst>
+              <a:ext uri="{FF2B5EF4-FFF2-40B4-BE49-F238E27FC236}">
+                <a16:creationId xmlns:a16="http://schemas.microsoft.com/office/drawing/2014/main" id="{55676BE1-B42E-AD44-9DD5-FF20BEB47F36}"/>
+              </a:ext>
+            </a:extLst>
+          </p:cNvPr>
+          <p:cNvGrpSpPr/>
+          <p:nvPr/>
+        </p:nvGrpSpPr>
+        <p:grpSpPr>
+          <a:xfrm>
+            <a:off x="381000" y="3047999"/>
+            <a:ext cx="8592672" cy="1016394"/>
+            <a:chOff x="533400" y="1833263"/>
+            <a:chExt cx="8592672" cy="990602"/>
+          </a:xfrm>
+        </p:grpSpPr>
+        <p:sp>
+          <p:nvSpPr>
+            <p:cNvPr id="2" name="Oval 1">
+              <a:extLst>
+                <a:ext uri="{FF2B5EF4-FFF2-40B4-BE49-F238E27FC236}">
+                  <a16:creationId xmlns:a16="http://schemas.microsoft.com/office/drawing/2014/main" id="{876D5A54-0C8D-804B-88A0-6609A2C1405C}"/>
+                </a:ext>
+              </a:extLst>
+            </p:cNvPr>
+            <p:cNvSpPr/>
+            <p:nvPr/>
+          </p:nvSpPr>
+          <p:spPr>
+            <a:xfrm>
+              <a:off x="533400" y="1833265"/>
+              <a:ext cx="990600" cy="990600"/>
+            </a:xfrm>
+            <a:prstGeom prst="ellipse">
+              <a:avLst/>
+            </a:prstGeom>
+            <a:solidFill>
+              <a:srgbClr val="009EC0"/>
+            </a:solidFill>
+            <a:ln>
+              <a:noFill/>
+            </a:ln>
+          </p:spPr>
+          <p:style>
+            <a:lnRef idx="2">
+              <a:schemeClr val="accent1">
+                <a:shade val="50000"/>
+              </a:schemeClr>
+            </a:lnRef>
+            <a:fillRef idx="1">
+              <a:schemeClr val="accent1"/>
+            </a:fillRef>
+            <a:effectRef idx="0">
+              <a:schemeClr val="accent1"/>
+            </a:effectRef>
+            <a:fontRef idx="minor">
+              <a:schemeClr val="lt1"/>
+            </a:fontRef>
+          </p:style>
+          <p:txBody>
+            <a:bodyPr rtlCol="0" anchor="ctr"/>
+            <a:lstStyle/>
+            <a:p>
+              <a:pPr algn="ctr"/>
+              <a:r>
+                <a:rPr lang="en-US" sz="5400" dirty="0">
+                  <a:solidFill>
+                    <a:schemeClr val="tx1"/>
+                  </a:solidFill>
+                </a:rPr>
+                <a:t>4</a:t>
+              </a:r>
+            </a:p>
+          </p:txBody>
+        </p:sp>
+        <p:sp>
+          <p:nvSpPr>
+            <p:cNvPr id="10" name="Rectangle 9">
+              <a:extLst>
+                <a:ext uri="{FF2B5EF4-FFF2-40B4-BE49-F238E27FC236}">
+                  <a16:creationId xmlns:a16="http://schemas.microsoft.com/office/drawing/2014/main" id="{312C2DC5-5653-DC4B-98A2-76A0B8F08883}"/>
+                </a:ext>
+              </a:extLst>
+            </p:cNvPr>
+            <p:cNvSpPr/>
+            <p:nvPr/>
+          </p:nvSpPr>
+          <p:spPr>
+            <a:xfrm>
+              <a:off x="1828800" y="1833263"/>
+              <a:ext cx="7297272" cy="990593"/>
+            </a:xfrm>
+            <a:prstGeom prst="rect">
+              <a:avLst/>
+            </a:prstGeom>
+            <a:noFill/>
+            <a:ln>
+              <a:noFill/>
+            </a:ln>
+          </p:spPr>
+          <p:style>
+            <a:lnRef idx="2">
+              <a:schemeClr val="accent1">
+                <a:shade val="50000"/>
+              </a:schemeClr>
+            </a:lnRef>
+            <a:fillRef idx="1">
+              <a:schemeClr val="accent1"/>
+            </a:fillRef>
+            <a:effectRef idx="0">
+              <a:schemeClr val="accent1"/>
+            </a:effectRef>
+            <a:fontRef idx="minor">
+              <a:schemeClr val="lt1"/>
+            </a:fontRef>
+          </p:style>
+          <p:txBody>
+            <a:bodyPr rtlCol="0" anchor="ctr"/>
+            <a:lstStyle/>
+            <a:p>
+              <a:r>
+                <a:rPr lang="en-US" sz="2800" b="1" dirty="0">
+                  <a:solidFill>
+                    <a:schemeClr val="tx1"/>
+                  </a:solidFill>
+                  <a:highlight>
+                    <a:srgbClr val="C00002"/>
+                  </a:highlight>
+                </a:rPr>
+                <a:t>James (Jesus’ brother) had a real experience</a:t>
+              </a:r>
+              <a:r>
+                <a:rPr lang="en-US" sz="2800" dirty="0">
+                  <a:solidFill>
+                    <a:schemeClr val="tx1"/>
+                  </a:solidFill>
+                </a:rPr>
+                <a:t> that he thought was an appearance of Jesus</a:t>
+              </a:r>
+            </a:p>
+          </p:txBody>
+        </p:sp>
+      </p:grpSp>
+    </p:spTree>
+    <p:extLst>
+      <p:ext uri="{BB962C8B-B14F-4D97-AF65-F5344CB8AC3E}">
+        <p14:creationId xmlns:p14="http://schemas.microsoft.com/office/powerpoint/2010/main" val="4174611124"/>
+      </p:ext>
+    </p:extLst>
+  </p:cSld>
+  <p:clrMapOvr>
+    <a:masterClrMapping/>
+  </p:clrMapOvr>
+  <p:timing>
+    <p:tnLst>
+      <p:par>
+        <p:cTn id="1" dur="indefinite" restart="never" nodeType="tmRoot">
+          <p:childTnLst>
+            <p:seq concurrent="1" nextAc="seek">
+              <p:cTn id="2" dur="indefinite" nodeType="mainSeq">
+                <p:childTnLst>
+                  <p:par>
+                    <p:cTn id="3" fill="hold">
+                      <p:stCondLst>
+                        <p:cond delay="indefinite"/>
+                      </p:stCondLst>
+                      <p:childTnLst>
+                        <p:par>
+                          <p:cTn id="4" fill="hold">
+                            <p:stCondLst>
+                              <p:cond delay="0"/>
+                            </p:stCondLst>
+                            <p:childTnLst>
+                              <p:par>
+                                <p:cTn id="5" presetID="10" presetClass="entr" presetSubtype="0" fill="hold" nodeType="clickEffect">
+                                  <p:stCondLst>
+                                    <p:cond delay="0"/>
+                                  </p:stCondLst>
+                                  <p:childTnLst>
+                                    <p:set>
+                                      <p:cBhvr>
+                                        <p:cTn id="6" dur="1" fill="hold">
+                                          <p:stCondLst>
+                                            <p:cond delay="0"/>
+                                          </p:stCondLst>
+                                        </p:cTn>
+                                        <p:tgtEl>
+                                          <p:spTgt spid="9"/>
+                                        </p:tgtEl>
+                                        <p:attrNameLst>
+                                          <p:attrName>style.visibility</p:attrName>
+                                        </p:attrNameLst>
+                                      </p:cBhvr>
+                                      <p:to>
+                                        <p:strVal val="visible"/>
+                                      </p:to>
+                                    </p:set>
+                                    <p:animEffect transition="in" filter="fade">
+                                      <p:cBhvr>
+                                        <p:cTn id="7" dur="250"/>
+                                        <p:tgtEl>
+                                          <p:spTgt spid="9"/>
+                                        </p:tgtEl>
+                                      </p:cBhvr>
+                                    </p:animEffect>
+                                  </p:childTnLst>
+                                </p:cTn>
+                              </p:par>
+                            </p:childTnLst>
+                          </p:cTn>
+                        </p:par>
+                      </p:childTnLst>
+                    </p:cTn>
+                  </p:par>
+                </p:childTnLst>
+              </p:cTn>
+              <p:prevCondLst>
+                <p:cond evt="onPrev" delay="0">
+                  <p:tgtEl>
+                    <p:sldTgt/>
+                  </p:tgtEl>
+                </p:cond>
+              </p:prevCondLst>
+              <p:nextCondLst>
+                <p:cond evt="onNext" delay="0">
+                  <p:tgtEl>
+                    <p:sldTgt/>
+                  </p:tgtEl>
+                </p:cond>
+              </p:nextCondLst>
+            </p:seq>
+          </p:childTnLst>
+        </p:cTn>
+      </p:par>
+    </p:tnLst>
+  </p:timing>
+</p:sld>
+</file>
+
+<file path=ppt/slides/slide6.xml><?xml version="1.0" encoding="utf-8"?>
+<p:sld xmlns:a="http://schemas.openxmlformats.org/drawingml/2006/main" xmlns:r="http://schemas.openxmlformats.org/officeDocument/2006/relationships" xmlns:p="http://schemas.openxmlformats.org/presentationml/2006/main">
+  <p:cSld>
+    <p:spTree>
+      <p:nvGrpSpPr>
+        <p:cNvPr id="1" name=""/>
+        <p:cNvGrpSpPr/>
+        <p:nvPr/>
+      </p:nvGrpSpPr>
+      <p:grpSpPr>
+        <a:xfrm>
+          <a:off x="0" y="0"/>
+          <a:ext cx="0" cy="0"/>
+          <a:chOff x="0" y="0"/>
+          <a:chExt cx="0" cy="0"/>
+        </a:xfrm>
+      </p:grpSpPr>
+      <p:grpSp>
+        <p:nvGrpSpPr>
+          <p:cNvPr id="9" name="Group 8">
+            <a:extLst>
+              <a:ext uri="{FF2B5EF4-FFF2-40B4-BE49-F238E27FC236}">
+                <a16:creationId xmlns:a16="http://schemas.microsoft.com/office/drawing/2014/main" id="{55676BE1-B42E-AD44-9DD5-FF20BEB47F36}"/>
+              </a:ext>
+            </a:extLst>
+          </p:cNvPr>
+          <p:cNvGrpSpPr/>
+          <p:nvPr/>
+        </p:nvGrpSpPr>
+        <p:grpSpPr>
+          <a:xfrm>
+            <a:off x="381000" y="3047999"/>
+            <a:ext cx="8001000" cy="1016394"/>
+            <a:chOff x="533400" y="1833263"/>
+            <a:chExt cx="8001000" cy="990602"/>
+          </a:xfrm>
+        </p:grpSpPr>
+        <p:sp>
+          <p:nvSpPr>
+            <p:cNvPr id="2" name="Oval 1">
+              <a:extLst>
+                <a:ext uri="{FF2B5EF4-FFF2-40B4-BE49-F238E27FC236}">
+                  <a16:creationId xmlns:a16="http://schemas.microsoft.com/office/drawing/2014/main" id="{876D5A54-0C8D-804B-88A0-6609A2C1405C}"/>
+                </a:ext>
+              </a:extLst>
+            </p:cNvPr>
+            <p:cNvSpPr/>
+            <p:nvPr/>
+          </p:nvSpPr>
+          <p:spPr>
+            <a:xfrm>
+              <a:off x="533400" y="1833265"/>
+              <a:ext cx="990600" cy="990600"/>
+            </a:xfrm>
+            <a:prstGeom prst="ellipse">
+              <a:avLst/>
+            </a:prstGeom>
+            <a:solidFill>
+              <a:srgbClr val="009EC0"/>
+            </a:solidFill>
+            <a:ln>
+              <a:noFill/>
+            </a:ln>
+          </p:spPr>
+          <p:style>
+            <a:lnRef idx="2">
+              <a:schemeClr val="accent1">
+                <a:shade val="50000"/>
+              </a:schemeClr>
+            </a:lnRef>
+            <a:fillRef idx="1">
+              <a:schemeClr val="accent1"/>
+            </a:fillRef>
+            <a:effectRef idx="0">
+              <a:schemeClr val="accent1"/>
+            </a:effectRef>
+            <a:fontRef idx="minor">
+              <a:schemeClr val="lt1"/>
+            </a:fontRef>
+          </p:style>
+          <p:txBody>
+            <a:bodyPr rtlCol="0" anchor="ctr"/>
+            <a:lstStyle/>
+            <a:p>
+              <a:pPr algn="ctr"/>
+              <a:r>
+                <a:rPr lang="en-US" sz="5400" dirty="0">
+                  <a:solidFill>
+                    <a:schemeClr val="tx1"/>
+                  </a:solidFill>
+                </a:rPr>
+                <a:t>5</a:t>
+              </a:r>
+            </a:p>
+          </p:txBody>
+        </p:sp>
+        <p:sp>
+          <p:nvSpPr>
+            <p:cNvPr id="10" name="Rectangle 9">
+              <a:extLst>
+                <a:ext uri="{FF2B5EF4-FFF2-40B4-BE49-F238E27FC236}">
+                  <a16:creationId xmlns:a16="http://schemas.microsoft.com/office/drawing/2014/main" id="{312C2DC5-5653-DC4B-98A2-76A0B8F08883}"/>
+                </a:ext>
+              </a:extLst>
+            </p:cNvPr>
+            <p:cNvSpPr/>
+            <p:nvPr/>
+          </p:nvSpPr>
+          <p:spPr>
+            <a:xfrm>
+              <a:off x="1828800" y="1833263"/>
+              <a:ext cx="6705600" cy="990593"/>
+            </a:xfrm>
+            <a:prstGeom prst="rect">
+              <a:avLst/>
+            </a:prstGeom>
+            <a:noFill/>
+            <a:ln>
+              <a:noFill/>
+            </a:ln>
+          </p:spPr>
+          <p:style>
+            <a:lnRef idx="2">
+              <a:schemeClr val="accent1">
+                <a:shade val="50000"/>
+              </a:schemeClr>
+            </a:lnRef>
+            <a:fillRef idx="1">
+              <a:schemeClr val="accent1"/>
+            </a:fillRef>
+            <a:effectRef idx="0">
+              <a:schemeClr val="accent1"/>
+            </a:effectRef>
+            <a:fontRef idx="minor">
+              <a:schemeClr val="lt1"/>
+            </a:fontRef>
+          </p:style>
+          <p:txBody>
+            <a:bodyPr rtlCol="0" anchor="ctr"/>
+            <a:lstStyle/>
+            <a:p>
+              <a:r>
+                <a:rPr lang="en-US" sz="3200" b="1" dirty="0">
+                  <a:solidFill>
+                    <a:schemeClr val="tx1"/>
+                  </a:solidFill>
+                  <a:highlight>
+                    <a:srgbClr val="C00002"/>
+                  </a:highlight>
+                </a:rPr>
+                <a:t>Paul also had a similar appearance</a:t>
+              </a:r>
+              <a:r>
+                <a:rPr lang="en-US" sz="3200" dirty="0">
+                  <a:solidFill>
+                    <a:schemeClr val="tx1"/>
+                  </a:solidFill>
+                </a:rPr>
+                <a:t> of Jesus and converted</a:t>
+              </a:r>
+            </a:p>
+          </p:txBody>
+        </p:sp>
+      </p:grpSp>
+    </p:spTree>
+    <p:extLst>
+      <p:ext uri="{BB962C8B-B14F-4D97-AF65-F5344CB8AC3E}">
+        <p14:creationId xmlns:p14="http://schemas.microsoft.com/office/powerpoint/2010/main" val="4204448120"/>
+      </p:ext>
+    </p:extLst>
+  </p:cSld>
+  <p:clrMapOvr>
+    <a:masterClrMapping/>
+  </p:clrMapOvr>
+  <p:timing>
+    <p:tnLst>
+      <p:par>
+        <p:cTn id="1" dur="indefinite" restart="never" nodeType="tmRoot">
+          <p:childTnLst>
+            <p:seq concurrent="1" nextAc="seek">
+              <p:cTn id="2" dur="indefinite" nodeType="mainSeq">
+                <p:childTnLst>
+                  <p:par>
+                    <p:cTn id="3" fill="hold">
+                      <p:stCondLst>
+                        <p:cond delay="indefinite"/>
+                      </p:stCondLst>
+                      <p:childTnLst>
+                        <p:par>
+                          <p:cTn id="4" fill="hold">
+                            <p:stCondLst>
+                              <p:cond delay="0"/>
+                            </p:stCondLst>
+                            <p:childTnLst>
+                              <p:par>
+                                <p:cTn id="5" presetID="10" presetClass="entr" presetSubtype="0" fill="hold" nodeType="clickEffect">
+                                  <p:stCondLst>
+                                    <p:cond delay="0"/>
+                                  </p:stCondLst>
+                                  <p:childTnLst>
+                                    <p:set>
+                                      <p:cBhvr>
+                                        <p:cTn id="6" dur="1" fill="hold">
+                                          <p:stCondLst>
+                                            <p:cond delay="0"/>
+                                          </p:stCondLst>
+                                        </p:cTn>
+                                        <p:tgtEl>
+                                          <p:spTgt spid="9"/>
+                                        </p:tgtEl>
+                                        <p:attrNameLst>
+                                          <p:attrName>style.visibility</p:attrName>
+                                        </p:attrNameLst>
+                                      </p:cBhvr>
+                                      <p:to>
+                                        <p:strVal val="visible"/>
+                                      </p:to>
+                                    </p:set>
+                                    <p:animEffect transition="in" filter="fade">
+                                      <p:cBhvr>
+                                        <p:cTn id="7" dur="250"/>
+                                        <p:tgtEl>
+                                          <p:spTgt spid="9"/>
+                                        </p:tgtEl>
+                                      </p:cBhvr>
+                                    </p:animEffect>
+                                  </p:childTnLst>
+                                </p:cTn>
+                              </p:par>
+                            </p:childTnLst>
+                          </p:cTn>
+                        </p:par>
+                      </p:childTnLst>
+                    </p:cTn>
+                  </p:par>
+                </p:childTnLst>
+              </p:cTn>
+              <p:prevCondLst>
+                <p:cond evt="onPrev" delay="0">
+                  <p:tgtEl>
+                    <p:sldTgt/>
+                  </p:tgtEl>
+                </p:cond>
+              </p:prevCondLst>
+              <p:nextCondLst>
+                <p:cond evt="onNext" delay="0">
+                  <p:tgtEl>
+                    <p:sldTgt/>
+                  </p:tgtEl>
+                </p:cond>
+              </p:nextCondLst>
+            </p:seq>
+          </p:childTnLst>
+        </p:cTn>
+      </p:par>
+    </p:tnLst>
+  </p:timing>
+</p:sld>
+</file>
+
+<file path=ppt/slides/slide7.xml><?xml version="1.0" encoding="utf-8"?>
+<p:sld xmlns:a="http://schemas.openxmlformats.org/drawingml/2006/main" xmlns:r="http://schemas.openxmlformats.org/officeDocument/2006/relationships" xmlns:p="http://schemas.openxmlformats.org/presentationml/2006/main">
+  <p:cSld>
+    <p:spTree>
+      <p:nvGrpSpPr>
+        <p:cNvPr id="1" name=""/>
+        <p:cNvGrpSpPr/>
+        <p:nvPr/>
+      </p:nvGrpSpPr>
+      <p:grpSpPr>
+        <a:xfrm>
+          <a:off x="0" y="0"/>
+          <a:ext cx="0" cy="0"/>
+          <a:chOff x="0" y="0"/>
+          <a:chExt cx="0" cy="0"/>
+        </a:xfrm>
+      </p:grpSpPr>
+      <p:grpSp>
+        <p:nvGrpSpPr>
+          <p:cNvPr id="9" name="Group 8">
+            <a:extLst>
+              <a:ext uri="{FF2B5EF4-FFF2-40B4-BE49-F238E27FC236}">
+                <a16:creationId xmlns:a16="http://schemas.microsoft.com/office/drawing/2014/main" id="{55676BE1-B42E-AD44-9DD5-FF20BEB47F36}"/>
+              </a:ext>
+            </a:extLst>
+          </p:cNvPr>
+          <p:cNvGrpSpPr/>
+          <p:nvPr/>
+        </p:nvGrpSpPr>
+        <p:grpSpPr>
+          <a:xfrm>
+            <a:off x="381000" y="3047999"/>
+            <a:ext cx="8001000" cy="1016394"/>
+            <a:chOff x="533400" y="1833263"/>
+            <a:chExt cx="8001000" cy="990602"/>
+          </a:xfrm>
+        </p:grpSpPr>
+        <p:sp>
+          <p:nvSpPr>
+            <p:cNvPr id="2" name="Oval 1">
+              <a:extLst>
+                <a:ext uri="{FF2B5EF4-FFF2-40B4-BE49-F238E27FC236}">
+                  <a16:creationId xmlns:a16="http://schemas.microsoft.com/office/drawing/2014/main" id="{876D5A54-0C8D-804B-88A0-6609A2C1405C}"/>
+                </a:ext>
+              </a:extLst>
+            </p:cNvPr>
+            <p:cNvSpPr/>
+            <p:nvPr/>
+          </p:nvSpPr>
+          <p:spPr>
+            <a:xfrm>
+              <a:off x="533400" y="1833265"/>
+              <a:ext cx="990600" cy="990600"/>
+            </a:xfrm>
+            <a:prstGeom prst="ellipse">
+              <a:avLst/>
+            </a:prstGeom>
+            <a:solidFill>
+              <a:srgbClr val="009EC0"/>
+            </a:solidFill>
+            <a:ln>
+              <a:noFill/>
+            </a:ln>
+          </p:spPr>
+          <p:style>
+            <a:lnRef idx="2">
+              <a:schemeClr val="accent1">
+                <a:shade val="50000"/>
+              </a:schemeClr>
+            </a:lnRef>
+            <a:fillRef idx="1">
+              <a:schemeClr val="accent1"/>
+            </a:fillRef>
+            <a:effectRef idx="0">
+              <a:schemeClr val="accent1"/>
+            </a:effectRef>
+            <a:fontRef idx="minor">
+              <a:schemeClr val="lt1"/>
+            </a:fontRef>
+          </p:style>
+          <p:txBody>
+            <a:bodyPr rtlCol="0" anchor="ctr"/>
+            <a:lstStyle/>
+            <a:p>
+              <a:pPr algn="ctr"/>
+              <a:r>
+                <a:rPr lang="en-US" sz="5400" dirty="0">
+                  <a:solidFill>
+                    <a:schemeClr val="tx1"/>
+                  </a:solidFill>
+                </a:rPr>
+                <a:t>6</a:t>
+              </a:r>
+            </a:p>
+          </p:txBody>
+        </p:sp>
+        <p:sp>
+          <p:nvSpPr>
+            <p:cNvPr id="10" name="Rectangle 9">
+              <a:extLst>
+                <a:ext uri="{FF2B5EF4-FFF2-40B4-BE49-F238E27FC236}">
+                  <a16:creationId xmlns:a16="http://schemas.microsoft.com/office/drawing/2014/main" id="{312C2DC5-5653-DC4B-98A2-76A0B8F08883}"/>
+                </a:ext>
+              </a:extLst>
+            </p:cNvPr>
+            <p:cNvSpPr/>
+            <p:nvPr/>
+          </p:nvSpPr>
+          <p:spPr>
+            <a:xfrm>
+              <a:off x="1828800" y="1833263"/>
+              <a:ext cx="6705600" cy="990593"/>
+            </a:xfrm>
+            <a:prstGeom prst="rect">
+              <a:avLst/>
+            </a:prstGeom>
+            <a:noFill/>
+            <a:ln>
+              <a:noFill/>
+            </a:ln>
+          </p:spPr>
+          <p:style>
+            <a:lnRef idx="2">
+              <a:schemeClr val="accent1">
+                <a:shade val="50000"/>
+              </a:schemeClr>
+            </a:lnRef>
+            <a:fillRef idx="1">
+              <a:schemeClr val="accent1"/>
+            </a:fillRef>
+            <a:effectRef idx="0">
+              <a:schemeClr val="accent1"/>
+            </a:effectRef>
+            <a:fontRef idx="minor">
+              <a:schemeClr val="lt1"/>
+            </a:fontRef>
+          </p:style>
+          <p:txBody>
+            <a:bodyPr rtlCol="0" anchor="ctr"/>
+            <a:lstStyle/>
+            <a:p>
+              <a:r>
+                <a:rPr lang="en-US" sz="3200" dirty="0">
+                  <a:solidFill>
+                    <a:schemeClr val="tx1"/>
+                  </a:solidFill>
+                </a:rPr>
+                <a:t>The Gospel was proclaimed </a:t>
+              </a:r>
+              <a:r>
+                <a:rPr lang="en-US" sz="3200" b="1" dirty="0">
+                  <a:solidFill>
+                    <a:schemeClr val="tx1"/>
+                  </a:solidFill>
+                  <a:highlight>
+                    <a:srgbClr val="C00002"/>
+                  </a:highlight>
+                </a:rPr>
+                <a:t>within 1-2 years</a:t>
+              </a:r>
+              <a:r>
+                <a:rPr lang="en-US" sz="3200" b="1" dirty="0">
+                  <a:solidFill>
+                    <a:schemeClr val="tx1"/>
+                  </a:solidFill>
+                </a:rPr>
+                <a:t> </a:t>
+              </a:r>
+              <a:r>
+                <a:rPr lang="en-US" sz="3200" dirty="0">
+                  <a:solidFill>
+                    <a:schemeClr val="tx1"/>
+                  </a:solidFill>
+                </a:rPr>
+                <a:t>from the crucifixion</a:t>
+              </a:r>
+            </a:p>
+          </p:txBody>
+        </p:sp>
+      </p:grpSp>
+    </p:spTree>
+    <p:extLst>
+      <p:ext uri="{BB962C8B-B14F-4D97-AF65-F5344CB8AC3E}">
+        <p14:creationId xmlns:p14="http://schemas.microsoft.com/office/powerpoint/2010/main" val="2325999778"/>
+      </p:ext>
+    </p:extLst>
+  </p:cSld>
+  <p:clrMapOvr>
+    <a:masterClrMapping/>
+  </p:clrMapOvr>
+  <p:timing>
+    <p:tnLst>
+      <p:par>
+        <p:cTn id="1" dur="indefinite" restart="never" nodeType="tmRoot">
+          <p:childTnLst>
+            <p:seq concurrent="1" nextAc="seek">
+              <p:cTn id="2" dur="indefinite" nodeType="mainSeq">
+                <p:childTnLst>
+                  <p:par>
+                    <p:cTn id="3" fill="hold">
+                      <p:stCondLst>
+                        <p:cond delay="indefinite"/>
+                      </p:stCondLst>
+                      <p:childTnLst>
+                        <p:par>
+                          <p:cTn id="4" fill="hold">
+                            <p:stCondLst>
+                              <p:cond delay="0"/>
+                            </p:stCondLst>
+                            <p:childTnLst>
+                              <p:par>
+                                <p:cTn id="5" presetID="10" presetClass="entr" presetSubtype="0" fill="hold" nodeType="clickEffect">
+                                  <p:stCondLst>
+                                    <p:cond delay="0"/>
+                                  </p:stCondLst>
+                                  <p:childTnLst>
+                                    <p:set>
+                                      <p:cBhvr>
+                                        <p:cTn id="6" dur="1" fill="hold">
+                                          <p:stCondLst>
+                                            <p:cond delay="0"/>
+                                          </p:stCondLst>
+                                        </p:cTn>
+                                        <p:tgtEl>
+                                          <p:spTgt spid="9"/>
+                                        </p:tgtEl>
+                                        <p:attrNameLst>
+                                          <p:attrName>style.visibility</p:attrName>
+                                        </p:attrNameLst>
+                                      </p:cBhvr>
+                                      <p:to>
+                                        <p:strVal val="visible"/>
+                                      </p:to>
+                                    </p:set>
+                                    <p:animEffect transition="in" filter="fade">
+                                      <p:cBhvr>
+                                        <p:cTn id="7" dur="250"/>
+                                        <p:tgtEl>
+                                          <p:spTgt spid="9"/>
+                                        </p:tgtEl>
+                                      </p:cBhvr>
+                                    </p:animEffect>
+                                  </p:childTnLst>
+                                </p:cTn>
+                              </p:par>
+                            </p:childTnLst>
+                          </p:cTn>
+                        </p:par>
+                      </p:childTnLst>
+                    </p:cTn>
+                  </p:par>
+                </p:childTnLst>
+              </p:cTn>
+              <p:prevCondLst>
+                <p:cond evt="onPrev" delay="0">
+                  <p:tgtEl>
+                    <p:sldTgt/>
+                  </p:tgtEl>
+                </p:cond>
+              </p:prevCondLst>
+              <p:nextCondLst>
+                <p:cond evt="onNext" delay="0">
+                  <p:tgtEl>
+                    <p:sldTgt/>
+                  </p:tgtEl>
+                </p:cond>
+              </p:nextCondLst>
+            </p:seq>
+          </p:childTnLst>
+        </p:cTn>
+      </p:par>
+    </p:tnLst>
+  </p:timing>
+</p:sld>
+</file>
+
+<file path=ppt/slides/slide8.xml><?xml version="1.0" encoding="utf-8"?>
 <p:sld xmlns:a="http://schemas.openxmlformats.org/drawingml/2006/main" xmlns:r="http://schemas.openxmlformats.org/officeDocument/2006/relationships" xmlns:p="http://schemas.openxmlformats.org/presentationml/2006/main">
   <p:cSld>
     <p:spTree>
@@ -14173,7 +17728,7 @@
 </p:sld>
 </file>
 
-<file path=ppt/slides/slide4.xml><?xml version="1.0" encoding="utf-8"?>
+<file path=ppt/slides/slide9.xml><?xml version="1.0" encoding="utf-8"?>
 <p:sld xmlns:a="http://schemas.openxmlformats.org/drawingml/2006/main" xmlns:r="http://schemas.openxmlformats.org/officeDocument/2006/relationships" xmlns:p="http://schemas.openxmlformats.org/presentationml/2006/main" show="0">
   <p:cSld>
     <p:spTree>
@@ -14809,3109 +18364,6 @@
 </p:sld>
 </file>
 
-<file path=ppt/slides/slide5.xml><?xml version="1.0" encoding="utf-8"?>
-<p:sld xmlns:a="http://schemas.openxmlformats.org/drawingml/2006/main" xmlns:r="http://schemas.openxmlformats.org/officeDocument/2006/relationships" xmlns:p="http://schemas.openxmlformats.org/presentationml/2006/main">
-  <p:cSld>
-    <p:spTree>
-      <p:nvGrpSpPr>
-        <p:cNvPr id="1" name=""/>
-        <p:cNvGrpSpPr/>
-        <p:nvPr/>
-      </p:nvGrpSpPr>
-      <p:grpSpPr>
-        <a:xfrm>
-          <a:off x="0" y="0"/>
-          <a:ext cx="0" cy="0"/>
-          <a:chOff x="0" y="0"/>
-          <a:chExt cx="0" cy="0"/>
-        </a:xfrm>
-      </p:grpSpPr>
-      <p:sp>
-        <p:nvSpPr>
-          <p:cNvPr id="6" name="TextBox 5"/>
-          <p:cNvSpPr txBox="1"/>
-          <p:nvPr/>
-        </p:nvSpPr>
-        <p:spPr>
-          <a:xfrm>
-            <a:off x="228600" y="152400"/>
-            <a:ext cx="8610600" cy="769441"/>
-          </a:xfrm>
-          <a:prstGeom prst="rect">
-            <a:avLst/>
-          </a:prstGeom>
-          <a:noFill/>
-        </p:spPr>
-        <p:txBody>
-          <a:bodyPr wrap="square" rtlCol="0">
-            <a:spAutoFit/>
-          </a:bodyPr>
-          <a:lstStyle/>
-          <a:p>
-            <a:r>
-              <a:rPr lang="en-US" sz="4400" b="1" dirty="0"/>
-              <a:t>Main facts</a:t>
-            </a:r>
-          </a:p>
-        </p:txBody>
-      </p:sp>
-      <p:grpSp>
-        <p:nvGrpSpPr>
-          <p:cNvPr id="12" name="Group 11">
-            <a:extLst>
-              <a:ext uri="{FF2B5EF4-FFF2-40B4-BE49-F238E27FC236}">
-                <a16:creationId xmlns:a16="http://schemas.microsoft.com/office/drawing/2014/main" id="{9C7293A5-9F6A-4A42-B28F-77E682AEFD25}"/>
-              </a:ext>
-            </a:extLst>
-          </p:cNvPr>
-          <p:cNvGrpSpPr/>
-          <p:nvPr/>
-        </p:nvGrpSpPr>
-        <p:grpSpPr>
-          <a:xfrm>
-            <a:off x="533400" y="3581400"/>
-            <a:ext cx="8001000" cy="762000"/>
-            <a:chOff x="533400" y="2895600"/>
-            <a:chExt cx="8001000" cy="762000"/>
-          </a:xfrm>
-        </p:grpSpPr>
-        <p:sp>
-          <p:nvSpPr>
-            <p:cNvPr id="7" name="Oval 6">
-              <a:extLst>
-                <a:ext uri="{FF2B5EF4-FFF2-40B4-BE49-F238E27FC236}">
-                  <a16:creationId xmlns:a16="http://schemas.microsoft.com/office/drawing/2014/main" id="{536B79E8-7DCE-0445-821B-D0B03DF78CAA}"/>
-                </a:ext>
-              </a:extLst>
-            </p:cNvPr>
-            <p:cNvSpPr/>
-            <p:nvPr/>
-          </p:nvSpPr>
-          <p:spPr>
-            <a:xfrm>
-              <a:off x="533400" y="2895600"/>
-              <a:ext cx="762000" cy="762000"/>
-            </a:xfrm>
-            <a:prstGeom prst="ellipse">
-              <a:avLst/>
-            </a:prstGeom>
-            <a:solidFill>
-              <a:srgbClr val="009EC0"/>
-            </a:solidFill>
-            <a:ln>
-              <a:noFill/>
-            </a:ln>
-          </p:spPr>
-          <p:style>
-            <a:lnRef idx="2">
-              <a:schemeClr val="accent1">
-                <a:shade val="50000"/>
-              </a:schemeClr>
-            </a:lnRef>
-            <a:fillRef idx="1">
-              <a:schemeClr val="accent1"/>
-            </a:fillRef>
-            <a:effectRef idx="0">
-              <a:schemeClr val="accent1"/>
-            </a:effectRef>
-            <a:fontRef idx="minor">
-              <a:schemeClr val="lt1"/>
-            </a:fontRef>
-          </p:style>
-          <p:txBody>
-            <a:bodyPr rtlCol="0" anchor="ctr"/>
-            <a:lstStyle/>
-            <a:p>
-              <a:pPr algn="ctr"/>
-              <a:r>
-                <a:rPr lang="en-US" sz="4400" dirty="0">
-                  <a:solidFill>
-                    <a:schemeClr val="tx1"/>
-                  </a:solidFill>
-                </a:rPr>
-                <a:t>2</a:t>
-              </a:r>
-            </a:p>
-          </p:txBody>
-        </p:sp>
-        <p:sp>
-          <p:nvSpPr>
-            <p:cNvPr id="4" name="Rectangle 3">
-              <a:extLst>
-                <a:ext uri="{FF2B5EF4-FFF2-40B4-BE49-F238E27FC236}">
-                  <a16:creationId xmlns:a16="http://schemas.microsoft.com/office/drawing/2014/main" id="{8330B7FE-A318-9845-8F59-02267667CECB}"/>
-                </a:ext>
-              </a:extLst>
-            </p:cNvPr>
-            <p:cNvSpPr/>
-            <p:nvPr/>
-          </p:nvSpPr>
-          <p:spPr>
-            <a:xfrm>
-              <a:off x="1447800" y="2895600"/>
-              <a:ext cx="7086600" cy="685800"/>
-            </a:xfrm>
-            <a:prstGeom prst="rect">
-              <a:avLst/>
-            </a:prstGeom>
-            <a:noFill/>
-            <a:ln>
-              <a:noFill/>
-            </a:ln>
-          </p:spPr>
-          <p:style>
-            <a:lnRef idx="2">
-              <a:schemeClr val="accent1">
-                <a:shade val="50000"/>
-              </a:schemeClr>
-            </a:lnRef>
-            <a:fillRef idx="1">
-              <a:schemeClr val="accent1"/>
-            </a:fillRef>
-            <a:effectRef idx="0">
-              <a:schemeClr val="accent1"/>
-            </a:effectRef>
-            <a:fontRef idx="minor">
-              <a:schemeClr val="lt1"/>
-            </a:fontRef>
-          </p:style>
-          <p:txBody>
-            <a:bodyPr rtlCol="0" anchor="ctr"/>
-            <a:lstStyle/>
-            <a:p>
-              <a:r>
-                <a:rPr lang="en-US" sz="3600" dirty="0">
-                  <a:solidFill>
-                    <a:schemeClr val="tx1"/>
-                  </a:solidFill>
-                </a:rPr>
-                <a:t>The New Testament came from </a:t>
-              </a:r>
-              <a:r>
-                <a:rPr lang="en-US" sz="3600" b="1" dirty="0">
-                  <a:solidFill>
-                    <a:schemeClr val="tx1"/>
-                  </a:solidFill>
-                  <a:highlight>
-                    <a:srgbClr val="C00002"/>
-                  </a:highlight>
-                </a:rPr>
-                <a:t>eyewitnesses</a:t>
-              </a:r>
-              <a:endParaRPr lang="en-US" sz="3600" dirty="0">
-                <a:solidFill>
-                  <a:schemeClr val="tx1"/>
-                </a:solidFill>
-                <a:highlight>
-                  <a:srgbClr val="C00002"/>
-                </a:highlight>
-              </a:endParaRPr>
-            </a:p>
-          </p:txBody>
-        </p:sp>
-      </p:grpSp>
-      <p:grpSp>
-        <p:nvGrpSpPr>
-          <p:cNvPr id="9" name="Group 8">
-            <a:extLst>
-              <a:ext uri="{FF2B5EF4-FFF2-40B4-BE49-F238E27FC236}">
-                <a16:creationId xmlns:a16="http://schemas.microsoft.com/office/drawing/2014/main" id="{55676BE1-B42E-AD44-9DD5-FF20BEB47F36}"/>
-              </a:ext>
-            </a:extLst>
-          </p:cNvPr>
-          <p:cNvGrpSpPr/>
-          <p:nvPr/>
-        </p:nvGrpSpPr>
-        <p:grpSpPr>
-          <a:xfrm>
-            <a:off x="533400" y="1833265"/>
-            <a:ext cx="8001000" cy="762000"/>
-            <a:chOff x="533400" y="1833265"/>
-            <a:chExt cx="8001000" cy="762000"/>
-          </a:xfrm>
-        </p:grpSpPr>
-        <p:sp>
-          <p:nvSpPr>
-            <p:cNvPr id="2" name="Oval 1">
-              <a:extLst>
-                <a:ext uri="{FF2B5EF4-FFF2-40B4-BE49-F238E27FC236}">
-                  <a16:creationId xmlns:a16="http://schemas.microsoft.com/office/drawing/2014/main" id="{876D5A54-0C8D-804B-88A0-6609A2C1405C}"/>
-                </a:ext>
-              </a:extLst>
-            </p:cNvPr>
-            <p:cNvSpPr/>
-            <p:nvPr/>
-          </p:nvSpPr>
-          <p:spPr>
-            <a:xfrm>
-              <a:off x="533400" y="1833265"/>
-              <a:ext cx="762000" cy="762000"/>
-            </a:xfrm>
-            <a:prstGeom prst="ellipse">
-              <a:avLst/>
-            </a:prstGeom>
-            <a:solidFill>
-              <a:srgbClr val="009EC0"/>
-            </a:solidFill>
-            <a:ln>
-              <a:noFill/>
-            </a:ln>
-          </p:spPr>
-          <p:style>
-            <a:lnRef idx="2">
-              <a:schemeClr val="accent1">
-                <a:shade val="50000"/>
-              </a:schemeClr>
-            </a:lnRef>
-            <a:fillRef idx="1">
-              <a:schemeClr val="accent1"/>
-            </a:fillRef>
-            <a:effectRef idx="0">
-              <a:schemeClr val="accent1"/>
-            </a:effectRef>
-            <a:fontRef idx="minor">
-              <a:schemeClr val="lt1"/>
-            </a:fontRef>
-          </p:style>
-          <p:txBody>
-            <a:bodyPr rtlCol="0" anchor="ctr"/>
-            <a:lstStyle/>
-            <a:p>
-              <a:pPr algn="ctr"/>
-              <a:r>
-                <a:rPr lang="en-US" sz="4400" dirty="0">
-                  <a:solidFill>
-                    <a:schemeClr val="tx1"/>
-                  </a:solidFill>
-                </a:rPr>
-                <a:t>1</a:t>
-              </a:r>
-            </a:p>
-          </p:txBody>
-        </p:sp>
-        <p:sp>
-          <p:nvSpPr>
-            <p:cNvPr id="10" name="Rectangle 9">
-              <a:extLst>
-                <a:ext uri="{FF2B5EF4-FFF2-40B4-BE49-F238E27FC236}">
-                  <a16:creationId xmlns:a16="http://schemas.microsoft.com/office/drawing/2014/main" id="{312C2DC5-5653-DC4B-98A2-76A0B8F08883}"/>
-                </a:ext>
-              </a:extLst>
-            </p:cNvPr>
-            <p:cNvSpPr/>
-            <p:nvPr/>
-          </p:nvSpPr>
-          <p:spPr>
-            <a:xfrm>
-              <a:off x="1447800" y="1833265"/>
-              <a:ext cx="7086600" cy="685800"/>
-            </a:xfrm>
-            <a:prstGeom prst="rect">
-              <a:avLst/>
-            </a:prstGeom>
-            <a:noFill/>
-            <a:ln>
-              <a:noFill/>
-            </a:ln>
-          </p:spPr>
-          <p:style>
-            <a:lnRef idx="2">
-              <a:schemeClr val="accent1">
-                <a:shade val="50000"/>
-              </a:schemeClr>
-            </a:lnRef>
-            <a:fillRef idx="1">
-              <a:schemeClr val="accent1"/>
-            </a:fillRef>
-            <a:effectRef idx="0">
-              <a:schemeClr val="accent1"/>
-            </a:effectRef>
-            <a:fontRef idx="minor">
-              <a:schemeClr val="lt1"/>
-            </a:fontRef>
-          </p:style>
-          <p:txBody>
-            <a:bodyPr rtlCol="0" anchor="ctr"/>
-            <a:lstStyle/>
-            <a:p>
-              <a:r>
-                <a:rPr lang="en-US" sz="3600" dirty="0">
-                  <a:solidFill>
-                    <a:schemeClr val="tx1"/>
-                  </a:solidFill>
-                </a:rPr>
-                <a:t>Jesus was </a:t>
-              </a:r>
-              <a:r>
-                <a:rPr lang="en-US" sz="3600" b="1" dirty="0">
-                  <a:solidFill>
-                    <a:schemeClr val="tx1"/>
-                  </a:solidFill>
-                  <a:highlight>
-                    <a:srgbClr val="C00002"/>
-                  </a:highlight>
-                </a:rPr>
-                <a:t>resurrected</a:t>
-              </a:r>
-              <a:endParaRPr lang="en-US" sz="3600" dirty="0">
-                <a:solidFill>
-                  <a:schemeClr val="tx1"/>
-                </a:solidFill>
-                <a:highlight>
-                  <a:srgbClr val="C00002"/>
-                </a:highlight>
-              </a:endParaRPr>
-            </a:p>
-          </p:txBody>
-        </p:sp>
-      </p:grpSp>
-      <p:cxnSp>
-        <p:nvCxnSpPr>
-          <p:cNvPr id="8" name="Straight Connector 7">
-            <a:extLst>
-              <a:ext uri="{FF2B5EF4-FFF2-40B4-BE49-F238E27FC236}">
-                <a16:creationId xmlns:a16="http://schemas.microsoft.com/office/drawing/2014/main" id="{B1CE1C68-C736-2F42-AD3D-29FCB9A69CAD}"/>
-              </a:ext>
-            </a:extLst>
-          </p:cNvPr>
-          <p:cNvCxnSpPr>
-            <a:cxnSpLocks/>
-          </p:cNvCxnSpPr>
-          <p:nvPr/>
-        </p:nvCxnSpPr>
-        <p:spPr>
-          <a:xfrm>
-            <a:off x="304800" y="1066800"/>
-            <a:ext cx="2133600" cy="0"/>
-          </a:xfrm>
-          <a:prstGeom prst="line">
-            <a:avLst/>
-          </a:prstGeom>
-          <a:ln w="76200">
-            <a:solidFill>
-              <a:srgbClr val="009EC0"/>
-            </a:solidFill>
-          </a:ln>
-        </p:spPr>
-        <p:style>
-          <a:lnRef idx="1">
-            <a:schemeClr val="dk1"/>
-          </a:lnRef>
-          <a:fillRef idx="0">
-            <a:schemeClr val="dk1"/>
-          </a:fillRef>
-          <a:effectRef idx="0">
-            <a:schemeClr val="dk1"/>
-          </a:effectRef>
-          <a:fontRef idx="minor">
-            <a:schemeClr val="tx1"/>
-          </a:fontRef>
-        </p:style>
-      </p:cxnSp>
-    </p:spTree>
-    <p:extLst>
-      <p:ext uri="{BB962C8B-B14F-4D97-AF65-F5344CB8AC3E}">
-        <p14:creationId xmlns:p14="http://schemas.microsoft.com/office/powerpoint/2010/main" val="2780261844"/>
-      </p:ext>
-    </p:extLst>
-  </p:cSld>
-  <p:clrMapOvr>
-    <a:masterClrMapping/>
-  </p:clrMapOvr>
-  <p:timing>
-    <p:tnLst>
-      <p:par>
-        <p:cTn id="1" dur="indefinite" restart="never" nodeType="tmRoot">
-          <p:childTnLst>
-            <p:seq concurrent="1" nextAc="seek">
-              <p:cTn id="2" dur="indefinite" nodeType="mainSeq">
-                <p:childTnLst>
-                  <p:par>
-                    <p:cTn id="3" fill="hold">
-                      <p:stCondLst>
-                        <p:cond delay="indefinite"/>
-                      </p:stCondLst>
-                      <p:childTnLst>
-                        <p:par>
-                          <p:cTn id="4" fill="hold">
-                            <p:stCondLst>
-                              <p:cond delay="0"/>
-                            </p:stCondLst>
-                            <p:childTnLst>
-                              <p:par>
-                                <p:cTn id="5" presetID="10" presetClass="entr" presetSubtype="0" fill="hold" grpId="0" nodeType="clickEffect">
-                                  <p:stCondLst>
-                                    <p:cond delay="0"/>
-                                  </p:stCondLst>
-                                  <p:childTnLst>
-                                    <p:set>
-                                      <p:cBhvr>
-                                        <p:cTn id="6" dur="1" fill="hold">
-                                          <p:stCondLst>
-                                            <p:cond delay="0"/>
-                                          </p:stCondLst>
-                                        </p:cTn>
-                                        <p:tgtEl>
-                                          <p:spTgt spid="6"/>
-                                        </p:tgtEl>
-                                        <p:attrNameLst>
-                                          <p:attrName>style.visibility</p:attrName>
-                                        </p:attrNameLst>
-                                      </p:cBhvr>
-                                      <p:to>
-                                        <p:strVal val="visible"/>
-                                      </p:to>
-                                    </p:set>
-                                    <p:animEffect transition="in" filter="fade">
-                                      <p:cBhvr>
-                                        <p:cTn id="7" dur="250"/>
-                                        <p:tgtEl>
-                                          <p:spTgt spid="6"/>
-                                        </p:tgtEl>
-                                      </p:cBhvr>
-                                    </p:animEffect>
-                                  </p:childTnLst>
-                                </p:cTn>
-                              </p:par>
-                            </p:childTnLst>
-                          </p:cTn>
-                        </p:par>
-                        <p:par>
-                          <p:cTn id="8" fill="hold">
-                            <p:stCondLst>
-                              <p:cond delay="250"/>
-                            </p:stCondLst>
-                            <p:childTnLst>
-                              <p:par>
-                                <p:cTn id="9" presetID="10" presetClass="entr" presetSubtype="0" fill="hold" nodeType="afterEffect">
-                                  <p:stCondLst>
-                                    <p:cond delay="0"/>
-                                  </p:stCondLst>
-                                  <p:childTnLst>
-                                    <p:set>
-                                      <p:cBhvr>
-                                        <p:cTn id="10" dur="1" fill="hold">
-                                          <p:stCondLst>
-                                            <p:cond delay="0"/>
-                                          </p:stCondLst>
-                                        </p:cTn>
-                                        <p:tgtEl>
-                                          <p:spTgt spid="8"/>
-                                        </p:tgtEl>
-                                        <p:attrNameLst>
-                                          <p:attrName>style.visibility</p:attrName>
-                                        </p:attrNameLst>
-                                      </p:cBhvr>
-                                      <p:to>
-                                        <p:strVal val="visible"/>
-                                      </p:to>
-                                    </p:set>
-                                    <p:animEffect transition="in" filter="fade">
-                                      <p:cBhvr>
-                                        <p:cTn id="11" dur="250"/>
-                                        <p:tgtEl>
-                                          <p:spTgt spid="8"/>
-                                        </p:tgtEl>
-                                      </p:cBhvr>
-                                    </p:animEffect>
-                                  </p:childTnLst>
-                                </p:cTn>
-                              </p:par>
-                            </p:childTnLst>
-                          </p:cTn>
-                        </p:par>
-                      </p:childTnLst>
-                    </p:cTn>
-                  </p:par>
-                  <p:par>
-                    <p:cTn id="12" fill="hold">
-                      <p:stCondLst>
-                        <p:cond delay="indefinite"/>
-                      </p:stCondLst>
-                      <p:childTnLst>
-                        <p:par>
-                          <p:cTn id="13" fill="hold">
-                            <p:stCondLst>
-                              <p:cond delay="0"/>
-                            </p:stCondLst>
-                            <p:childTnLst>
-                              <p:par>
-                                <p:cTn id="14" presetID="10" presetClass="entr" presetSubtype="0" fill="hold" nodeType="clickEffect">
-                                  <p:stCondLst>
-                                    <p:cond delay="0"/>
-                                  </p:stCondLst>
-                                  <p:childTnLst>
-                                    <p:set>
-                                      <p:cBhvr>
-                                        <p:cTn id="15" dur="1" fill="hold">
-                                          <p:stCondLst>
-                                            <p:cond delay="0"/>
-                                          </p:stCondLst>
-                                        </p:cTn>
-                                        <p:tgtEl>
-                                          <p:spTgt spid="9"/>
-                                        </p:tgtEl>
-                                        <p:attrNameLst>
-                                          <p:attrName>style.visibility</p:attrName>
-                                        </p:attrNameLst>
-                                      </p:cBhvr>
-                                      <p:to>
-                                        <p:strVal val="visible"/>
-                                      </p:to>
-                                    </p:set>
-                                    <p:animEffect transition="in" filter="fade">
-                                      <p:cBhvr>
-                                        <p:cTn id="16" dur="250"/>
-                                        <p:tgtEl>
-                                          <p:spTgt spid="9"/>
-                                        </p:tgtEl>
-                                      </p:cBhvr>
-                                    </p:animEffect>
-                                  </p:childTnLst>
-                                </p:cTn>
-                              </p:par>
-                            </p:childTnLst>
-                          </p:cTn>
-                        </p:par>
-                      </p:childTnLst>
-                    </p:cTn>
-                  </p:par>
-                  <p:par>
-                    <p:cTn id="17" fill="hold">
-                      <p:stCondLst>
-                        <p:cond delay="indefinite"/>
-                      </p:stCondLst>
-                      <p:childTnLst>
-                        <p:par>
-                          <p:cTn id="18" fill="hold">
-                            <p:stCondLst>
-                              <p:cond delay="0"/>
-                            </p:stCondLst>
-                            <p:childTnLst>
-                              <p:par>
-                                <p:cTn id="19" presetID="10" presetClass="entr" presetSubtype="0" fill="hold" nodeType="clickEffect">
-                                  <p:stCondLst>
-                                    <p:cond delay="0"/>
-                                  </p:stCondLst>
-                                  <p:childTnLst>
-                                    <p:set>
-                                      <p:cBhvr>
-                                        <p:cTn id="20" dur="1" fill="hold">
-                                          <p:stCondLst>
-                                            <p:cond delay="0"/>
-                                          </p:stCondLst>
-                                        </p:cTn>
-                                        <p:tgtEl>
-                                          <p:spTgt spid="12"/>
-                                        </p:tgtEl>
-                                        <p:attrNameLst>
-                                          <p:attrName>style.visibility</p:attrName>
-                                        </p:attrNameLst>
-                                      </p:cBhvr>
-                                      <p:to>
-                                        <p:strVal val="visible"/>
-                                      </p:to>
-                                    </p:set>
-                                    <p:animEffect transition="in" filter="fade">
-                                      <p:cBhvr>
-                                        <p:cTn id="21" dur="250"/>
-                                        <p:tgtEl>
-                                          <p:spTgt spid="12"/>
-                                        </p:tgtEl>
-                                      </p:cBhvr>
-                                    </p:animEffect>
-                                  </p:childTnLst>
-                                </p:cTn>
-                              </p:par>
-                            </p:childTnLst>
-                          </p:cTn>
-                        </p:par>
-                      </p:childTnLst>
-                    </p:cTn>
-                  </p:par>
-                </p:childTnLst>
-              </p:cTn>
-              <p:prevCondLst>
-                <p:cond evt="onPrev" delay="0">
-                  <p:tgtEl>
-                    <p:sldTgt/>
-                  </p:tgtEl>
-                </p:cond>
-              </p:prevCondLst>
-              <p:nextCondLst>
-                <p:cond evt="onNext" delay="0">
-                  <p:tgtEl>
-                    <p:sldTgt/>
-                  </p:tgtEl>
-                </p:cond>
-              </p:nextCondLst>
-            </p:seq>
-          </p:childTnLst>
-        </p:cTn>
-      </p:par>
-    </p:tnLst>
-    <p:bldLst>
-      <p:bldP spid="6" grpId="0"/>
-    </p:bldLst>
-  </p:timing>
-</p:sld>
-</file>
-
-<file path=ppt/slides/slide6.xml><?xml version="1.0" encoding="utf-8"?>
-<p:sld xmlns:a="http://schemas.openxmlformats.org/drawingml/2006/main" xmlns:r="http://schemas.openxmlformats.org/officeDocument/2006/relationships" xmlns:p="http://schemas.openxmlformats.org/presentationml/2006/main">
-  <p:cSld>
-    <p:bg>
-      <p:bgPr>
-        <a:solidFill>
-          <a:schemeClr val="bg1"/>
-        </a:solidFill>
-        <a:effectLst/>
-      </p:bgPr>
-    </p:bg>
-    <p:spTree>
-      <p:nvGrpSpPr>
-        <p:cNvPr id="1" name=""/>
-        <p:cNvGrpSpPr/>
-        <p:nvPr/>
-      </p:nvGrpSpPr>
-      <p:grpSpPr>
-        <a:xfrm>
-          <a:off x="0" y="0"/>
-          <a:ext cx="0" cy="0"/>
-          <a:chOff x="0" y="0"/>
-          <a:chExt cx="0" cy="0"/>
-        </a:xfrm>
-      </p:grpSpPr>
-      <p:pic>
-        <p:nvPicPr>
-          <p:cNvPr id="1026" name="Picture 2" descr="A close up of a book&#10;&#10;Description automatically generated">
-            <a:extLst>
-              <a:ext uri="{FF2B5EF4-FFF2-40B4-BE49-F238E27FC236}">
-                <a16:creationId xmlns:a16="http://schemas.microsoft.com/office/drawing/2014/main" id="{7FB8E70F-E96B-5D43-8FE1-A0D42BEE7C4D}"/>
-              </a:ext>
-            </a:extLst>
-          </p:cNvPr>
-          <p:cNvPicPr>
-            <a:picLocks noChangeAspect="1" noChangeArrowheads="1"/>
-          </p:cNvPicPr>
-          <p:nvPr/>
-        </p:nvPicPr>
-        <p:blipFill>
-          <a:blip r:embed="rId3">
-            <a:extLst>
-              <a:ext uri="{28A0092B-C50C-407E-A947-70E740481C1C}">
-                <a14:useLocalDpi xmlns:a14="http://schemas.microsoft.com/office/drawing/2010/main" val="0"/>
-              </a:ext>
-            </a:extLst>
-          </a:blip>
-          <a:stretch>
-            <a:fillRect/>
-          </a:stretch>
-        </p:blipFill>
-        <p:spPr bwMode="auto">
-          <a:xfrm>
-            <a:off x="2401242" y="643466"/>
-            <a:ext cx="4341515" cy="5571067"/>
-          </a:xfrm>
-          <a:prstGeom prst="rect">
-            <a:avLst/>
-          </a:prstGeom>
-          <a:noFill/>
-          <a:extLst>
-            <a:ext uri="{909E8E84-426E-40DD-AFC4-6F175D3DCCD1}">
-              <a14:hiddenFill xmlns:a14="http://schemas.microsoft.com/office/drawing/2010/main">
-                <a:solidFill>
-                  <a:srgbClr val="FFFFFF"/>
-                </a:solidFill>
-              </a14:hiddenFill>
-            </a:ext>
-          </a:extLst>
-        </p:spPr>
-      </p:pic>
-    </p:spTree>
-    <p:extLst>
-      <p:ext uri="{BB962C8B-B14F-4D97-AF65-F5344CB8AC3E}">
-        <p14:creationId xmlns:p14="http://schemas.microsoft.com/office/powerpoint/2010/main" val="4168533294"/>
-      </p:ext>
-    </p:extLst>
-  </p:cSld>
-  <p:clrMapOvr>
-    <a:masterClrMapping/>
-  </p:clrMapOvr>
-  <p:timing>
-    <p:tnLst>
-      <p:par>
-        <p:cTn id="1" dur="indefinite" restart="never" nodeType="tmRoot">
-          <p:childTnLst>
-            <p:seq concurrent="1" nextAc="seek">
-              <p:cTn id="2" dur="indefinite" nodeType="mainSeq">
-                <p:childTnLst>
-                  <p:par>
-                    <p:cTn id="3" fill="hold">
-                      <p:stCondLst>
-                        <p:cond delay="indefinite"/>
-                      </p:stCondLst>
-                      <p:childTnLst>
-                        <p:par>
-                          <p:cTn id="4" fill="hold">
-                            <p:stCondLst>
-                              <p:cond delay="0"/>
-                            </p:stCondLst>
-                            <p:childTnLst>
-                              <p:par>
-                                <p:cTn id="5" presetID="10" presetClass="entr" presetSubtype="0" fill="hold" nodeType="clickEffect">
-                                  <p:stCondLst>
-                                    <p:cond delay="0"/>
-                                  </p:stCondLst>
-                                  <p:childTnLst>
-                                    <p:set>
-                                      <p:cBhvr>
-                                        <p:cTn id="6" dur="1" fill="hold">
-                                          <p:stCondLst>
-                                            <p:cond delay="0"/>
-                                          </p:stCondLst>
-                                        </p:cTn>
-                                        <p:tgtEl>
-                                          <p:spTgt spid="1026"/>
-                                        </p:tgtEl>
-                                        <p:attrNameLst>
-                                          <p:attrName>style.visibility</p:attrName>
-                                        </p:attrNameLst>
-                                      </p:cBhvr>
-                                      <p:to>
-                                        <p:strVal val="visible"/>
-                                      </p:to>
-                                    </p:set>
-                                    <p:animEffect transition="in" filter="fade">
-                                      <p:cBhvr>
-                                        <p:cTn id="7" dur="250"/>
-                                        <p:tgtEl>
-                                          <p:spTgt spid="1026"/>
-                                        </p:tgtEl>
-                                      </p:cBhvr>
-                                    </p:animEffect>
-                                  </p:childTnLst>
-                                </p:cTn>
-                              </p:par>
-                            </p:childTnLst>
-                          </p:cTn>
-                        </p:par>
-                      </p:childTnLst>
-                    </p:cTn>
-                  </p:par>
-                </p:childTnLst>
-              </p:cTn>
-              <p:prevCondLst>
-                <p:cond evt="onPrev" delay="0">
-                  <p:tgtEl>
-                    <p:sldTgt/>
-                  </p:tgtEl>
-                </p:cond>
-              </p:prevCondLst>
-              <p:nextCondLst>
-                <p:cond evt="onNext" delay="0">
-                  <p:tgtEl>
-                    <p:sldTgt/>
-                  </p:tgtEl>
-                </p:cond>
-              </p:nextCondLst>
-            </p:seq>
-          </p:childTnLst>
-        </p:cTn>
-      </p:par>
-    </p:tnLst>
-  </p:timing>
-</p:sld>
-</file>
-
-<file path=ppt/slides/slide7.xml><?xml version="1.0" encoding="utf-8"?>
-<p:sld xmlns:a="http://schemas.openxmlformats.org/drawingml/2006/main" xmlns:r="http://schemas.openxmlformats.org/officeDocument/2006/relationships" xmlns:p="http://schemas.openxmlformats.org/presentationml/2006/main">
-  <p:cSld>
-    <p:spTree>
-      <p:nvGrpSpPr>
-        <p:cNvPr id="1" name=""/>
-        <p:cNvGrpSpPr/>
-        <p:nvPr/>
-      </p:nvGrpSpPr>
-      <p:grpSpPr>
-        <a:xfrm>
-          <a:off x="0" y="0"/>
-          <a:ext cx="0" cy="0"/>
-          <a:chOff x="0" y="0"/>
-          <a:chExt cx="0" cy="0"/>
-        </a:xfrm>
-      </p:grpSpPr>
-      <p:sp>
-        <p:nvSpPr>
-          <p:cNvPr id="6" name="TextBox 5"/>
-          <p:cNvSpPr txBox="1"/>
-          <p:nvPr/>
-        </p:nvSpPr>
-        <p:spPr>
-          <a:xfrm>
-            <a:off x="228600" y="152400"/>
-            <a:ext cx="8610600" cy="646331"/>
-          </a:xfrm>
-          <a:prstGeom prst="rect">
-            <a:avLst/>
-          </a:prstGeom>
-          <a:noFill/>
-        </p:spPr>
-        <p:txBody>
-          <a:bodyPr wrap="square" rtlCol="0">
-            <a:spAutoFit/>
-          </a:bodyPr>
-          <a:lstStyle/>
-          <a:p>
-            <a:r>
-              <a:rPr lang="en-US" sz="3600" b="1" dirty="0"/>
-              <a:t>Why focus on a defense of the resurrection?</a:t>
-            </a:r>
-          </a:p>
-        </p:txBody>
-      </p:sp>
-      <p:grpSp>
-        <p:nvGrpSpPr>
-          <p:cNvPr id="12" name="Group 11">
-            <a:extLst>
-              <a:ext uri="{FF2B5EF4-FFF2-40B4-BE49-F238E27FC236}">
-                <a16:creationId xmlns:a16="http://schemas.microsoft.com/office/drawing/2014/main" id="{9C7293A5-9F6A-4A42-B28F-77E682AEFD25}"/>
-              </a:ext>
-            </a:extLst>
-          </p:cNvPr>
-          <p:cNvGrpSpPr/>
-          <p:nvPr/>
-        </p:nvGrpSpPr>
-        <p:grpSpPr>
-          <a:xfrm>
-            <a:off x="533400" y="2895600"/>
-            <a:ext cx="8001000" cy="685800"/>
-            <a:chOff x="533400" y="2895600"/>
-            <a:chExt cx="8001000" cy="685800"/>
-          </a:xfrm>
-        </p:grpSpPr>
-        <p:sp>
-          <p:nvSpPr>
-            <p:cNvPr id="7" name="Oval 6">
-              <a:extLst>
-                <a:ext uri="{FF2B5EF4-FFF2-40B4-BE49-F238E27FC236}">
-                  <a16:creationId xmlns:a16="http://schemas.microsoft.com/office/drawing/2014/main" id="{536B79E8-7DCE-0445-821B-D0B03DF78CAA}"/>
-                </a:ext>
-              </a:extLst>
-            </p:cNvPr>
-            <p:cNvSpPr/>
-            <p:nvPr/>
-          </p:nvSpPr>
-          <p:spPr>
-            <a:xfrm>
-              <a:off x="533400" y="2895600"/>
-              <a:ext cx="685800" cy="685800"/>
-            </a:xfrm>
-            <a:prstGeom prst="ellipse">
-              <a:avLst/>
-            </a:prstGeom>
-            <a:solidFill>
-              <a:srgbClr val="009EC0"/>
-            </a:solidFill>
-            <a:ln>
-              <a:noFill/>
-            </a:ln>
-          </p:spPr>
-          <p:style>
-            <a:lnRef idx="2">
-              <a:schemeClr val="accent1">
-                <a:shade val="50000"/>
-              </a:schemeClr>
-            </a:lnRef>
-            <a:fillRef idx="1">
-              <a:schemeClr val="accent1"/>
-            </a:fillRef>
-            <a:effectRef idx="0">
-              <a:schemeClr val="accent1"/>
-            </a:effectRef>
-            <a:fontRef idx="minor">
-              <a:schemeClr val="lt1"/>
-            </a:fontRef>
-          </p:style>
-          <p:txBody>
-            <a:bodyPr rtlCol="0" anchor="ctr"/>
-            <a:lstStyle/>
-            <a:p>
-              <a:pPr algn="ctr"/>
-              <a:r>
-                <a:rPr lang="en-US" sz="2800" dirty="0">
-                  <a:solidFill>
-                    <a:schemeClr val="tx1"/>
-                  </a:solidFill>
-                </a:rPr>
-                <a:t>2</a:t>
-              </a:r>
-            </a:p>
-          </p:txBody>
-        </p:sp>
-        <p:sp>
-          <p:nvSpPr>
-            <p:cNvPr id="4" name="Rectangle 3">
-              <a:extLst>
-                <a:ext uri="{FF2B5EF4-FFF2-40B4-BE49-F238E27FC236}">
-                  <a16:creationId xmlns:a16="http://schemas.microsoft.com/office/drawing/2014/main" id="{8330B7FE-A318-9845-8F59-02267667CECB}"/>
-                </a:ext>
-              </a:extLst>
-            </p:cNvPr>
-            <p:cNvSpPr/>
-            <p:nvPr/>
-          </p:nvSpPr>
-          <p:spPr>
-            <a:xfrm>
-              <a:off x="1447800" y="2895600"/>
-              <a:ext cx="7086600" cy="685800"/>
-            </a:xfrm>
-            <a:prstGeom prst="rect">
-              <a:avLst/>
-            </a:prstGeom>
-            <a:noFill/>
-            <a:ln>
-              <a:noFill/>
-            </a:ln>
-          </p:spPr>
-          <p:style>
-            <a:lnRef idx="2">
-              <a:schemeClr val="accent1">
-                <a:shade val="50000"/>
-              </a:schemeClr>
-            </a:lnRef>
-            <a:fillRef idx="1">
-              <a:schemeClr val="accent1"/>
-            </a:fillRef>
-            <a:effectRef idx="0">
-              <a:schemeClr val="accent1"/>
-            </a:effectRef>
-            <a:fontRef idx="minor">
-              <a:schemeClr val="lt1"/>
-            </a:fontRef>
-          </p:style>
-          <p:txBody>
-            <a:bodyPr rtlCol="0" anchor="ctr"/>
-            <a:lstStyle/>
-            <a:p>
-              <a:r>
-                <a:rPr lang="en-US" sz="2400" dirty="0">
-                  <a:solidFill>
-                    <a:schemeClr val="tx1"/>
-                  </a:solidFill>
-                </a:rPr>
-                <a:t>It’s </a:t>
-              </a:r>
-              <a:r>
-                <a:rPr lang="en-US" sz="2400" b="1" dirty="0">
-                  <a:solidFill>
-                    <a:schemeClr val="tx1"/>
-                  </a:solidFill>
-                  <a:highlight>
-                    <a:srgbClr val="C00002"/>
-                  </a:highlight>
-                </a:rPr>
-                <a:t>simpler &amp; easier</a:t>
-              </a:r>
-              <a:r>
-                <a:rPr lang="en-US" sz="2400" b="1" dirty="0">
-                  <a:solidFill>
-                    <a:schemeClr val="tx1"/>
-                  </a:solidFill>
-                </a:rPr>
-                <a:t> </a:t>
-              </a:r>
-              <a:r>
-                <a:rPr lang="en-US" sz="2400" dirty="0">
-                  <a:solidFill>
-                    <a:schemeClr val="tx1"/>
-                  </a:solidFill>
-                </a:rPr>
-                <a:t>(since the Gospel is your strength)</a:t>
-              </a:r>
-            </a:p>
-          </p:txBody>
-        </p:sp>
-      </p:grpSp>
-      <p:grpSp>
-        <p:nvGrpSpPr>
-          <p:cNvPr id="9" name="Group 8">
-            <a:extLst>
-              <a:ext uri="{FF2B5EF4-FFF2-40B4-BE49-F238E27FC236}">
-                <a16:creationId xmlns:a16="http://schemas.microsoft.com/office/drawing/2014/main" id="{55676BE1-B42E-AD44-9DD5-FF20BEB47F36}"/>
-              </a:ext>
-            </a:extLst>
-          </p:cNvPr>
-          <p:cNvGrpSpPr/>
-          <p:nvPr/>
-        </p:nvGrpSpPr>
-        <p:grpSpPr>
-          <a:xfrm>
-            <a:off x="533400" y="1833265"/>
-            <a:ext cx="8001000" cy="685800"/>
-            <a:chOff x="533400" y="1833265"/>
-            <a:chExt cx="8001000" cy="685800"/>
-          </a:xfrm>
-        </p:grpSpPr>
-        <p:sp>
-          <p:nvSpPr>
-            <p:cNvPr id="2" name="Oval 1">
-              <a:extLst>
-                <a:ext uri="{FF2B5EF4-FFF2-40B4-BE49-F238E27FC236}">
-                  <a16:creationId xmlns:a16="http://schemas.microsoft.com/office/drawing/2014/main" id="{876D5A54-0C8D-804B-88A0-6609A2C1405C}"/>
-                </a:ext>
-              </a:extLst>
-            </p:cNvPr>
-            <p:cNvSpPr/>
-            <p:nvPr/>
-          </p:nvSpPr>
-          <p:spPr>
-            <a:xfrm>
-              <a:off x="533400" y="1833265"/>
-              <a:ext cx="685800" cy="685800"/>
-            </a:xfrm>
-            <a:prstGeom prst="ellipse">
-              <a:avLst/>
-            </a:prstGeom>
-            <a:solidFill>
-              <a:srgbClr val="009EC0"/>
-            </a:solidFill>
-            <a:ln>
-              <a:noFill/>
-            </a:ln>
-          </p:spPr>
-          <p:style>
-            <a:lnRef idx="2">
-              <a:schemeClr val="accent1">
-                <a:shade val="50000"/>
-              </a:schemeClr>
-            </a:lnRef>
-            <a:fillRef idx="1">
-              <a:schemeClr val="accent1"/>
-            </a:fillRef>
-            <a:effectRef idx="0">
-              <a:schemeClr val="accent1"/>
-            </a:effectRef>
-            <a:fontRef idx="minor">
-              <a:schemeClr val="lt1"/>
-            </a:fontRef>
-          </p:style>
-          <p:txBody>
-            <a:bodyPr rtlCol="0" anchor="ctr"/>
-            <a:lstStyle/>
-            <a:p>
-              <a:pPr algn="ctr"/>
-              <a:r>
-                <a:rPr lang="en-US" sz="2800" dirty="0">
-                  <a:solidFill>
-                    <a:schemeClr val="tx1"/>
-                  </a:solidFill>
-                </a:rPr>
-                <a:t>1</a:t>
-              </a:r>
-            </a:p>
-          </p:txBody>
-        </p:sp>
-        <p:sp>
-          <p:nvSpPr>
-            <p:cNvPr id="10" name="Rectangle 9">
-              <a:extLst>
-                <a:ext uri="{FF2B5EF4-FFF2-40B4-BE49-F238E27FC236}">
-                  <a16:creationId xmlns:a16="http://schemas.microsoft.com/office/drawing/2014/main" id="{312C2DC5-5653-DC4B-98A2-76A0B8F08883}"/>
-                </a:ext>
-              </a:extLst>
-            </p:cNvPr>
-            <p:cNvSpPr/>
-            <p:nvPr/>
-          </p:nvSpPr>
-          <p:spPr>
-            <a:xfrm>
-              <a:off x="1447800" y="1833265"/>
-              <a:ext cx="7086600" cy="685800"/>
-            </a:xfrm>
-            <a:prstGeom prst="rect">
-              <a:avLst/>
-            </a:prstGeom>
-            <a:noFill/>
-            <a:ln>
-              <a:noFill/>
-            </a:ln>
-          </p:spPr>
-          <p:style>
-            <a:lnRef idx="2">
-              <a:schemeClr val="accent1">
-                <a:shade val="50000"/>
-              </a:schemeClr>
-            </a:lnRef>
-            <a:fillRef idx="1">
-              <a:schemeClr val="accent1"/>
-            </a:fillRef>
-            <a:effectRef idx="0">
-              <a:schemeClr val="accent1"/>
-            </a:effectRef>
-            <a:fontRef idx="minor">
-              <a:schemeClr val="lt1"/>
-            </a:fontRef>
-          </p:style>
-          <p:txBody>
-            <a:bodyPr rtlCol="0" anchor="ctr"/>
-            <a:lstStyle/>
-            <a:p>
-              <a:r>
-                <a:rPr lang="en-US" sz="2400" dirty="0">
-                  <a:solidFill>
-                    <a:schemeClr val="tx1"/>
-                  </a:solidFill>
-                </a:rPr>
-                <a:t>It’s </a:t>
-              </a:r>
-              <a:r>
-                <a:rPr lang="en-US" sz="2400" b="1" dirty="0">
-                  <a:solidFill>
-                    <a:schemeClr val="tx1"/>
-                  </a:solidFill>
-                  <a:highlight>
-                    <a:srgbClr val="C00002"/>
-                  </a:highlight>
-                </a:rPr>
-                <a:t>Biblical</a:t>
-              </a:r>
-              <a:endParaRPr lang="en-US" sz="2400" dirty="0">
-                <a:solidFill>
-                  <a:schemeClr val="tx1"/>
-                </a:solidFill>
-                <a:highlight>
-                  <a:srgbClr val="C00002"/>
-                </a:highlight>
-              </a:endParaRPr>
-            </a:p>
-          </p:txBody>
-        </p:sp>
-      </p:grpSp>
-      <p:grpSp>
-        <p:nvGrpSpPr>
-          <p:cNvPr id="14" name="Group 13">
-            <a:extLst>
-              <a:ext uri="{FF2B5EF4-FFF2-40B4-BE49-F238E27FC236}">
-                <a16:creationId xmlns:a16="http://schemas.microsoft.com/office/drawing/2014/main" id="{F0A87E3B-646D-1E41-9334-E8ECC604DF38}"/>
-              </a:ext>
-            </a:extLst>
-          </p:cNvPr>
-          <p:cNvGrpSpPr/>
-          <p:nvPr/>
-        </p:nvGrpSpPr>
-        <p:grpSpPr>
-          <a:xfrm>
-            <a:off x="533400" y="3957935"/>
-            <a:ext cx="8458200" cy="685800"/>
-            <a:chOff x="533400" y="2895600"/>
-            <a:chExt cx="8458200" cy="685800"/>
-          </a:xfrm>
-        </p:grpSpPr>
-        <p:sp>
-          <p:nvSpPr>
-            <p:cNvPr id="15" name="Oval 14">
-              <a:extLst>
-                <a:ext uri="{FF2B5EF4-FFF2-40B4-BE49-F238E27FC236}">
-                  <a16:creationId xmlns:a16="http://schemas.microsoft.com/office/drawing/2014/main" id="{602F0422-D845-1E4E-A7C5-B2069A212A2E}"/>
-                </a:ext>
-              </a:extLst>
-            </p:cNvPr>
-            <p:cNvSpPr/>
-            <p:nvPr/>
-          </p:nvSpPr>
-          <p:spPr>
-            <a:xfrm>
-              <a:off x="533400" y="2895600"/>
-              <a:ext cx="685800" cy="685800"/>
-            </a:xfrm>
-            <a:prstGeom prst="ellipse">
-              <a:avLst/>
-            </a:prstGeom>
-            <a:solidFill>
-              <a:srgbClr val="009EC0"/>
-            </a:solidFill>
-            <a:ln>
-              <a:noFill/>
-            </a:ln>
-          </p:spPr>
-          <p:style>
-            <a:lnRef idx="2">
-              <a:schemeClr val="accent1">
-                <a:shade val="50000"/>
-              </a:schemeClr>
-            </a:lnRef>
-            <a:fillRef idx="1">
-              <a:schemeClr val="accent1"/>
-            </a:fillRef>
-            <a:effectRef idx="0">
-              <a:schemeClr val="accent1"/>
-            </a:effectRef>
-            <a:fontRef idx="minor">
-              <a:schemeClr val="lt1"/>
-            </a:fontRef>
-          </p:style>
-          <p:txBody>
-            <a:bodyPr rtlCol="0" anchor="ctr"/>
-            <a:lstStyle/>
-            <a:p>
-              <a:pPr algn="ctr"/>
-              <a:r>
-                <a:rPr lang="en-US" sz="2800" dirty="0">
-                  <a:solidFill>
-                    <a:schemeClr val="tx1"/>
-                  </a:solidFill>
-                </a:rPr>
-                <a:t>3</a:t>
-              </a:r>
-            </a:p>
-          </p:txBody>
-        </p:sp>
-        <p:sp>
-          <p:nvSpPr>
-            <p:cNvPr id="16" name="Rectangle 15">
-              <a:extLst>
-                <a:ext uri="{FF2B5EF4-FFF2-40B4-BE49-F238E27FC236}">
-                  <a16:creationId xmlns:a16="http://schemas.microsoft.com/office/drawing/2014/main" id="{93230A02-C278-BF4F-B7D5-75C53BF2251C}"/>
-                </a:ext>
-              </a:extLst>
-            </p:cNvPr>
-            <p:cNvSpPr/>
-            <p:nvPr/>
-          </p:nvSpPr>
-          <p:spPr>
-            <a:xfrm>
-              <a:off x="1447800" y="2895600"/>
-              <a:ext cx="7543800" cy="685800"/>
-            </a:xfrm>
-            <a:prstGeom prst="rect">
-              <a:avLst/>
-            </a:prstGeom>
-            <a:noFill/>
-            <a:ln>
-              <a:noFill/>
-            </a:ln>
-          </p:spPr>
-          <p:style>
-            <a:lnRef idx="2">
-              <a:schemeClr val="accent1">
-                <a:shade val="50000"/>
-              </a:schemeClr>
-            </a:lnRef>
-            <a:fillRef idx="1">
-              <a:schemeClr val="accent1"/>
-            </a:fillRef>
-            <a:effectRef idx="0">
-              <a:schemeClr val="accent1"/>
-            </a:effectRef>
-            <a:fontRef idx="minor">
-              <a:schemeClr val="lt1"/>
-            </a:fontRef>
-          </p:style>
-          <p:txBody>
-            <a:bodyPr rtlCol="0" anchor="ctr"/>
-            <a:lstStyle/>
-            <a:p>
-              <a:r>
-                <a:rPr lang="en-US" sz="2400" dirty="0">
-                  <a:solidFill>
-                    <a:schemeClr val="tx1"/>
-                  </a:solidFill>
-                </a:rPr>
-                <a:t>Become </a:t>
-              </a:r>
-              <a:r>
-                <a:rPr lang="en-US" sz="2400" b="1" dirty="0">
-                  <a:solidFill>
-                    <a:schemeClr val="tx1"/>
-                  </a:solidFill>
-                  <a:highlight>
-                    <a:srgbClr val="C00002"/>
-                  </a:highlight>
-                </a:rPr>
-                <a:t>more knowledgeable</a:t>
-              </a:r>
-              <a:r>
-                <a:rPr lang="en-US" sz="2400" b="1" dirty="0">
-                  <a:solidFill>
-                    <a:schemeClr val="tx1"/>
-                  </a:solidFill>
-                </a:rPr>
-                <a:t> </a:t>
-              </a:r>
-              <a:r>
-                <a:rPr lang="en-US" sz="2400" dirty="0">
-                  <a:solidFill>
-                    <a:schemeClr val="tx1"/>
-                  </a:solidFill>
-                </a:rPr>
-                <a:t>about the Gospel accounts</a:t>
-              </a:r>
-            </a:p>
-          </p:txBody>
-        </p:sp>
-      </p:grpSp>
-      <p:cxnSp>
-        <p:nvCxnSpPr>
-          <p:cNvPr id="8" name="Straight Connector 7">
-            <a:extLst>
-              <a:ext uri="{FF2B5EF4-FFF2-40B4-BE49-F238E27FC236}">
-                <a16:creationId xmlns:a16="http://schemas.microsoft.com/office/drawing/2014/main" id="{B1CE1C68-C736-2F42-AD3D-29FCB9A69CAD}"/>
-              </a:ext>
-            </a:extLst>
-          </p:cNvPr>
-          <p:cNvCxnSpPr>
-            <a:cxnSpLocks/>
-          </p:cNvCxnSpPr>
-          <p:nvPr/>
-        </p:nvCxnSpPr>
-        <p:spPr>
-          <a:xfrm>
-            <a:off x="228600" y="1066800"/>
-            <a:ext cx="2209800" cy="0"/>
-          </a:xfrm>
-          <a:prstGeom prst="line">
-            <a:avLst/>
-          </a:prstGeom>
-          <a:ln w="76200">
-            <a:solidFill>
-              <a:srgbClr val="009EC0"/>
-            </a:solidFill>
-          </a:ln>
-        </p:spPr>
-        <p:style>
-          <a:lnRef idx="1">
-            <a:schemeClr val="dk1"/>
-          </a:lnRef>
-          <a:fillRef idx="0">
-            <a:schemeClr val="dk1"/>
-          </a:fillRef>
-          <a:effectRef idx="0">
-            <a:schemeClr val="dk1"/>
-          </a:effectRef>
-          <a:fontRef idx="minor">
-            <a:schemeClr val="tx1"/>
-          </a:fontRef>
-        </p:style>
-      </p:cxnSp>
-    </p:spTree>
-    <p:extLst>
-      <p:ext uri="{BB962C8B-B14F-4D97-AF65-F5344CB8AC3E}">
-        <p14:creationId xmlns:p14="http://schemas.microsoft.com/office/powerpoint/2010/main" val="2420720546"/>
-      </p:ext>
-    </p:extLst>
-  </p:cSld>
-  <p:clrMapOvr>
-    <a:masterClrMapping/>
-  </p:clrMapOvr>
-  <p:timing>
-    <p:tnLst>
-      <p:par>
-        <p:cTn id="1" dur="indefinite" restart="never" nodeType="tmRoot">
-          <p:childTnLst>
-            <p:seq concurrent="1" nextAc="seek">
-              <p:cTn id="2" dur="indefinite" nodeType="mainSeq">
-                <p:childTnLst>
-                  <p:par>
-                    <p:cTn id="3" fill="hold">
-                      <p:stCondLst>
-                        <p:cond delay="indefinite"/>
-                      </p:stCondLst>
-                      <p:childTnLst>
-                        <p:par>
-                          <p:cTn id="4" fill="hold">
-                            <p:stCondLst>
-                              <p:cond delay="0"/>
-                            </p:stCondLst>
-                            <p:childTnLst>
-                              <p:par>
-                                <p:cTn id="5" presetID="10" presetClass="entr" presetSubtype="0" fill="hold" grpId="0" nodeType="clickEffect">
-                                  <p:stCondLst>
-                                    <p:cond delay="0"/>
-                                  </p:stCondLst>
-                                  <p:childTnLst>
-                                    <p:set>
-                                      <p:cBhvr>
-                                        <p:cTn id="6" dur="1" fill="hold">
-                                          <p:stCondLst>
-                                            <p:cond delay="0"/>
-                                          </p:stCondLst>
-                                        </p:cTn>
-                                        <p:tgtEl>
-                                          <p:spTgt spid="6"/>
-                                        </p:tgtEl>
-                                        <p:attrNameLst>
-                                          <p:attrName>style.visibility</p:attrName>
-                                        </p:attrNameLst>
-                                      </p:cBhvr>
-                                      <p:to>
-                                        <p:strVal val="visible"/>
-                                      </p:to>
-                                    </p:set>
-                                    <p:animEffect transition="in" filter="fade">
-                                      <p:cBhvr>
-                                        <p:cTn id="7" dur="250"/>
-                                        <p:tgtEl>
-                                          <p:spTgt spid="6"/>
-                                        </p:tgtEl>
-                                      </p:cBhvr>
-                                    </p:animEffect>
-                                  </p:childTnLst>
-                                </p:cTn>
-                              </p:par>
-                            </p:childTnLst>
-                          </p:cTn>
-                        </p:par>
-                        <p:par>
-                          <p:cTn id="8" fill="hold">
-                            <p:stCondLst>
-                              <p:cond delay="250"/>
-                            </p:stCondLst>
-                            <p:childTnLst>
-                              <p:par>
-                                <p:cTn id="9" presetID="10" presetClass="entr" presetSubtype="0" fill="hold" nodeType="afterEffect">
-                                  <p:stCondLst>
-                                    <p:cond delay="0"/>
-                                  </p:stCondLst>
-                                  <p:childTnLst>
-                                    <p:set>
-                                      <p:cBhvr>
-                                        <p:cTn id="10" dur="1" fill="hold">
-                                          <p:stCondLst>
-                                            <p:cond delay="0"/>
-                                          </p:stCondLst>
-                                        </p:cTn>
-                                        <p:tgtEl>
-                                          <p:spTgt spid="8"/>
-                                        </p:tgtEl>
-                                        <p:attrNameLst>
-                                          <p:attrName>style.visibility</p:attrName>
-                                        </p:attrNameLst>
-                                      </p:cBhvr>
-                                      <p:to>
-                                        <p:strVal val="visible"/>
-                                      </p:to>
-                                    </p:set>
-                                    <p:animEffect transition="in" filter="fade">
-                                      <p:cBhvr>
-                                        <p:cTn id="11" dur="250"/>
-                                        <p:tgtEl>
-                                          <p:spTgt spid="8"/>
-                                        </p:tgtEl>
-                                      </p:cBhvr>
-                                    </p:animEffect>
-                                  </p:childTnLst>
-                                </p:cTn>
-                              </p:par>
-                            </p:childTnLst>
-                          </p:cTn>
-                        </p:par>
-                      </p:childTnLst>
-                    </p:cTn>
-                  </p:par>
-                  <p:par>
-                    <p:cTn id="12" fill="hold">
-                      <p:stCondLst>
-                        <p:cond delay="indefinite"/>
-                      </p:stCondLst>
-                      <p:childTnLst>
-                        <p:par>
-                          <p:cTn id="13" fill="hold">
-                            <p:stCondLst>
-                              <p:cond delay="0"/>
-                            </p:stCondLst>
-                            <p:childTnLst>
-                              <p:par>
-                                <p:cTn id="14" presetID="10" presetClass="entr" presetSubtype="0" fill="hold" nodeType="clickEffect">
-                                  <p:stCondLst>
-                                    <p:cond delay="0"/>
-                                  </p:stCondLst>
-                                  <p:childTnLst>
-                                    <p:set>
-                                      <p:cBhvr>
-                                        <p:cTn id="15" dur="1" fill="hold">
-                                          <p:stCondLst>
-                                            <p:cond delay="0"/>
-                                          </p:stCondLst>
-                                        </p:cTn>
-                                        <p:tgtEl>
-                                          <p:spTgt spid="14"/>
-                                        </p:tgtEl>
-                                        <p:attrNameLst>
-                                          <p:attrName>style.visibility</p:attrName>
-                                        </p:attrNameLst>
-                                      </p:cBhvr>
-                                      <p:to>
-                                        <p:strVal val="visible"/>
-                                      </p:to>
-                                    </p:set>
-                                    <p:animEffect transition="in" filter="fade">
-                                      <p:cBhvr>
-                                        <p:cTn id="16" dur="250"/>
-                                        <p:tgtEl>
-                                          <p:spTgt spid="14"/>
-                                        </p:tgtEl>
-                                      </p:cBhvr>
-                                    </p:animEffect>
-                                  </p:childTnLst>
-                                </p:cTn>
-                              </p:par>
-                            </p:childTnLst>
-                          </p:cTn>
-                        </p:par>
-                      </p:childTnLst>
-                    </p:cTn>
-                  </p:par>
-                  <p:par>
-                    <p:cTn id="17" fill="hold">
-                      <p:stCondLst>
-                        <p:cond delay="indefinite"/>
-                      </p:stCondLst>
-                      <p:childTnLst>
-                        <p:par>
-                          <p:cTn id="18" fill="hold">
-                            <p:stCondLst>
-                              <p:cond delay="0"/>
-                            </p:stCondLst>
-                            <p:childTnLst>
-                              <p:par>
-                                <p:cTn id="19" presetID="10" presetClass="entr" presetSubtype="0" fill="hold" nodeType="clickEffect">
-                                  <p:stCondLst>
-                                    <p:cond delay="0"/>
-                                  </p:stCondLst>
-                                  <p:childTnLst>
-                                    <p:set>
-                                      <p:cBhvr>
-                                        <p:cTn id="20" dur="1" fill="hold">
-                                          <p:stCondLst>
-                                            <p:cond delay="0"/>
-                                          </p:stCondLst>
-                                        </p:cTn>
-                                        <p:tgtEl>
-                                          <p:spTgt spid="12"/>
-                                        </p:tgtEl>
-                                        <p:attrNameLst>
-                                          <p:attrName>style.visibility</p:attrName>
-                                        </p:attrNameLst>
-                                      </p:cBhvr>
-                                      <p:to>
-                                        <p:strVal val="visible"/>
-                                      </p:to>
-                                    </p:set>
-                                    <p:animEffect transition="in" filter="fade">
-                                      <p:cBhvr>
-                                        <p:cTn id="21" dur="250"/>
-                                        <p:tgtEl>
-                                          <p:spTgt spid="12"/>
-                                        </p:tgtEl>
-                                      </p:cBhvr>
-                                    </p:animEffect>
-                                  </p:childTnLst>
-                                </p:cTn>
-                              </p:par>
-                            </p:childTnLst>
-                          </p:cTn>
-                        </p:par>
-                      </p:childTnLst>
-                    </p:cTn>
-                  </p:par>
-                  <p:par>
-                    <p:cTn id="22" fill="hold">
-                      <p:stCondLst>
-                        <p:cond delay="indefinite"/>
-                      </p:stCondLst>
-                      <p:childTnLst>
-                        <p:par>
-                          <p:cTn id="23" fill="hold">
-                            <p:stCondLst>
-                              <p:cond delay="0"/>
-                            </p:stCondLst>
-                            <p:childTnLst>
-                              <p:par>
-                                <p:cTn id="24" presetID="10" presetClass="entr" presetSubtype="0" fill="hold" nodeType="clickEffect">
-                                  <p:stCondLst>
-                                    <p:cond delay="0"/>
-                                  </p:stCondLst>
-                                  <p:childTnLst>
-                                    <p:set>
-                                      <p:cBhvr>
-                                        <p:cTn id="25" dur="1" fill="hold">
-                                          <p:stCondLst>
-                                            <p:cond delay="0"/>
-                                          </p:stCondLst>
-                                        </p:cTn>
-                                        <p:tgtEl>
-                                          <p:spTgt spid="9"/>
-                                        </p:tgtEl>
-                                        <p:attrNameLst>
-                                          <p:attrName>style.visibility</p:attrName>
-                                        </p:attrNameLst>
-                                      </p:cBhvr>
-                                      <p:to>
-                                        <p:strVal val="visible"/>
-                                      </p:to>
-                                    </p:set>
-                                    <p:animEffect transition="in" filter="fade">
-                                      <p:cBhvr>
-                                        <p:cTn id="26" dur="250"/>
-                                        <p:tgtEl>
-                                          <p:spTgt spid="9"/>
-                                        </p:tgtEl>
-                                      </p:cBhvr>
-                                    </p:animEffect>
-                                  </p:childTnLst>
-                                </p:cTn>
-                              </p:par>
-                            </p:childTnLst>
-                          </p:cTn>
-                        </p:par>
-                      </p:childTnLst>
-                    </p:cTn>
-                  </p:par>
-                </p:childTnLst>
-              </p:cTn>
-              <p:prevCondLst>
-                <p:cond evt="onPrev" delay="0">
-                  <p:tgtEl>
-                    <p:sldTgt/>
-                  </p:tgtEl>
-                </p:cond>
-              </p:prevCondLst>
-              <p:nextCondLst>
-                <p:cond evt="onNext" delay="0">
-                  <p:tgtEl>
-                    <p:sldTgt/>
-                  </p:tgtEl>
-                </p:cond>
-              </p:nextCondLst>
-            </p:seq>
-          </p:childTnLst>
-        </p:cTn>
-      </p:par>
-    </p:tnLst>
-    <p:bldLst>
-      <p:bldP spid="6" grpId="0"/>
-    </p:bldLst>
-  </p:timing>
-</p:sld>
-</file>
-
-<file path=ppt/slides/slide8.xml><?xml version="1.0" encoding="utf-8"?>
-<p:sld xmlns:a="http://schemas.openxmlformats.org/drawingml/2006/main" xmlns:r="http://schemas.openxmlformats.org/officeDocument/2006/relationships" xmlns:p="http://schemas.openxmlformats.org/presentationml/2006/main">
-  <p:cSld>
-    <p:spTree>
-      <p:nvGrpSpPr>
-        <p:cNvPr id="1" name=""/>
-        <p:cNvGrpSpPr/>
-        <p:nvPr/>
-      </p:nvGrpSpPr>
-      <p:grpSpPr>
-        <a:xfrm>
-          <a:off x="0" y="0"/>
-          <a:ext cx="0" cy="0"/>
-          <a:chOff x="0" y="0"/>
-          <a:chExt cx="0" cy="0"/>
-        </a:xfrm>
-      </p:grpSpPr>
-      <p:sp>
-        <p:nvSpPr>
-          <p:cNvPr id="5" name="TextBox 4">
-            <a:extLst>
-              <a:ext uri="{FF2B5EF4-FFF2-40B4-BE49-F238E27FC236}">
-                <a16:creationId xmlns:a16="http://schemas.microsoft.com/office/drawing/2014/main" id="{13CAC97E-8C9F-1E45-BB52-945B952A4949}"/>
-              </a:ext>
-            </a:extLst>
-          </p:cNvPr>
-          <p:cNvSpPr txBox="1"/>
-          <p:nvPr/>
-        </p:nvSpPr>
-        <p:spPr>
-          <a:xfrm>
-            <a:off x="4724400" y="152400"/>
-            <a:ext cx="4114800" cy="1015663"/>
-          </a:xfrm>
-          <a:prstGeom prst="rect">
-            <a:avLst/>
-          </a:prstGeom>
-          <a:noFill/>
-        </p:spPr>
-        <p:txBody>
-          <a:bodyPr wrap="square" rtlCol="0">
-            <a:spAutoFit/>
-          </a:bodyPr>
-          <a:lstStyle/>
-          <a:p>
-            <a:r>
-              <a:rPr lang="en-US" sz="3600" b="1" dirty="0">
-                <a:solidFill>
-                  <a:srgbClr val="009FC0"/>
-                </a:solidFill>
-              </a:rPr>
-              <a:t>Facts</a:t>
-            </a:r>
-            <a:br>
-              <a:rPr lang="en-US" sz="3600" b="1" dirty="0"/>
-            </a:br>
-            <a:r>
-              <a:rPr lang="en-US" sz="2400" dirty="0"/>
-              <a:t>“I </a:t>
-            </a:r>
-            <a:r>
-              <a:rPr lang="en-US" sz="2400" i="1" dirty="0"/>
-              <a:t>believe</a:t>
-            </a:r>
-            <a:r>
-              <a:rPr lang="en-US" sz="2400" dirty="0"/>
-              <a:t> Christianity is true”</a:t>
-            </a:r>
-          </a:p>
-        </p:txBody>
-      </p:sp>
-      <p:sp>
-        <p:nvSpPr>
-          <p:cNvPr id="6" name="TextBox 5">
-            <a:extLst>
-              <a:ext uri="{FF2B5EF4-FFF2-40B4-BE49-F238E27FC236}">
-                <a16:creationId xmlns:a16="http://schemas.microsoft.com/office/drawing/2014/main" id="{22F44EDA-0820-D946-A634-4507830308A8}"/>
-              </a:ext>
-            </a:extLst>
-          </p:cNvPr>
-          <p:cNvSpPr txBox="1"/>
-          <p:nvPr/>
-        </p:nvSpPr>
-        <p:spPr>
-          <a:xfrm>
-            <a:off x="446314" y="145588"/>
-            <a:ext cx="4114800" cy="1015663"/>
-          </a:xfrm>
-          <a:prstGeom prst="rect">
-            <a:avLst/>
-          </a:prstGeom>
-          <a:noFill/>
-        </p:spPr>
-        <p:txBody>
-          <a:bodyPr wrap="square" rtlCol="0">
-            <a:spAutoFit/>
-          </a:bodyPr>
-          <a:lstStyle/>
-          <a:p>
-            <a:r>
-              <a:rPr lang="en-US" sz="3600" b="1" dirty="0">
-                <a:solidFill>
-                  <a:srgbClr val="009FC0"/>
-                </a:solidFill>
-              </a:rPr>
-              <a:t>Values &amp; Needs</a:t>
-            </a:r>
-          </a:p>
-          <a:p>
-            <a:r>
-              <a:rPr lang="en-US" sz="2400" dirty="0"/>
-              <a:t>“I </a:t>
-            </a:r>
-            <a:r>
-              <a:rPr lang="en-US" sz="2400" i="1" dirty="0"/>
-              <a:t>want</a:t>
-            </a:r>
-            <a:r>
-              <a:rPr lang="en-US" sz="2400" dirty="0"/>
-              <a:t> Christianity to be true”</a:t>
-            </a:r>
-            <a:endParaRPr lang="en-US" sz="2400" b="1" dirty="0"/>
-          </a:p>
-        </p:txBody>
-      </p:sp>
-      <p:cxnSp>
-        <p:nvCxnSpPr>
-          <p:cNvPr id="3" name="Straight Connector 2">
-            <a:extLst>
-              <a:ext uri="{FF2B5EF4-FFF2-40B4-BE49-F238E27FC236}">
-                <a16:creationId xmlns:a16="http://schemas.microsoft.com/office/drawing/2014/main" id="{9655C28E-AA74-7046-BEDE-734F1DA65678}"/>
-              </a:ext>
-            </a:extLst>
-          </p:cNvPr>
-          <p:cNvCxnSpPr>
-            <a:cxnSpLocks/>
-          </p:cNvCxnSpPr>
-          <p:nvPr/>
-        </p:nvCxnSpPr>
-        <p:spPr>
-          <a:xfrm>
-            <a:off x="4572000" y="228600"/>
-            <a:ext cx="0" cy="4648200"/>
-          </a:xfrm>
-          <a:prstGeom prst="line">
-            <a:avLst/>
-          </a:prstGeom>
-          <a:ln>
-            <a:solidFill>
-              <a:schemeClr val="bg1">
-                <a:lumMod val="65000"/>
-                <a:lumOff val="35000"/>
-              </a:schemeClr>
-            </a:solidFill>
-          </a:ln>
-        </p:spPr>
-        <p:style>
-          <a:lnRef idx="1">
-            <a:schemeClr val="accent1"/>
-          </a:lnRef>
-          <a:fillRef idx="0">
-            <a:schemeClr val="accent1"/>
-          </a:fillRef>
-          <a:effectRef idx="0">
-            <a:schemeClr val="accent1"/>
-          </a:effectRef>
-          <a:fontRef idx="minor">
-            <a:schemeClr val="tx1"/>
-          </a:fontRef>
-        </p:style>
-      </p:cxnSp>
-      <p:sp>
-        <p:nvSpPr>
-          <p:cNvPr id="7" name="TextBox 6">
-            <a:extLst>
-              <a:ext uri="{FF2B5EF4-FFF2-40B4-BE49-F238E27FC236}">
-                <a16:creationId xmlns:a16="http://schemas.microsoft.com/office/drawing/2014/main" id="{AE3917C3-FF01-8F40-B290-0C025DB242FF}"/>
-              </a:ext>
-            </a:extLst>
-          </p:cNvPr>
-          <p:cNvSpPr txBox="1"/>
-          <p:nvPr/>
-        </p:nvSpPr>
-        <p:spPr>
-          <a:xfrm>
-            <a:off x="4822384" y="1676400"/>
-            <a:ext cx="4038587" cy="369332"/>
-          </a:xfrm>
-          <a:prstGeom prst="rect">
-            <a:avLst/>
-          </a:prstGeom>
-          <a:noFill/>
-        </p:spPr>
-        <p:txBody>
-          <a:bodyPr wrap="square" rtlCol="0">
-            <a:spAutoFit/>
-          </a:bodyPr>
-          <a:lstStyle/>
-          <a:p>
-            <a:r>
-              <a:rPr lang="en-US" dirty="0"/>
-              <a:t>Undesigned coincidences</a:t>
-            </a:r>
-          </a:p>
-        </p:txBody>
-      </p:sp>
-      <p:sp>
-        <p:nvSpPr>
-          <p:cNvPr id="8" name="TextBox 7">
-            <a:extLst>
-              <a:ext uri="{FF2B5EF4-FFF2-40B4-BE49-F238E27FC236}">
-                <a16:creationId xmlns:a16="http://schemas.microsoft.com/office/drawing/2014/main" id="{D85122D7-0247-5044-A30C-2F1258A53BC2}"/>
-              </a:ext>
-            </a:extLst>
-          </p:cNvPr>
-          <p:cNvSpPr txBox="1"/>
-          <p:nvPr/>
-        </p:nvSpPr>
-        <p:spPr>
-          <a:xfrm>
-            <a:off x="457210" y="1676400"/>
-            <a:ext cx="4038587" cy="615553"/>
-          </a:xfrm>
-          <a:prstGeom prst="rect">
-            <a:avLst/>
-          </a:prstGeom>
-          <a:noFill/>
-        </p:spPr>
-        <p:txBody>
-          <a:bodyPr wrap="square" rtlCol="0">
-            <a:spAutoFit/>
-          </a:bodyPr>
-          <a:lstStyle/>
-          <a:p>
-            <a:pPr fontAlgn="t"/>
-            <a:r>
-              <a:rPr lang="en-US" dirty="0"/>
-              <a:t>Christianity can explain values</a:t>
-            </a:r>
-          </a:p>
-          <a:p>
-            <a:pPr fontAlgn="t"/>
-            <a:r>
-              <a:rPr lang="en-US" sz="1600" dirty="0">
-                <a:solidFill>
-                  <a:schemeClr val="bg1">
-                    <a:lumMod val="50000"/>
-                    <a:lumOff val="50000"/>
-                  </a:schemeClr>
-                </a:solidFill>
-              </a:rPr>
-              <a:t>(why racism is wrong, why truth matters, etc.)</a:t>
-            </a:r>
-          </a:p>
-        </p:txBody>
-      </p:sp>
-      <p:sp>
-        <p:nvSpPr>
-          <p:cNvPr id="9" name="TextBox 8">
-            <a:extLst>
-              <a:ext uri="{FF2B5EF4-FFF2-40B4-BE49-F238E27FC236}">
-                <a16:creationId xmlns:a16="http://schemas.microsoft.com/office/drawing/2014/main" id="{4F57F26C-472C-994C-AEFB-9EBFE3D4E413}"/>
-              </a:ext>
-            </a:extLst>
-          </p:cNvPr>
-          <p:cNvSpPr txBox="1"/>
-          <p:nvPr/>
-        </p:nvSpPr>
-        <p:spPr>
-          <a:xfrm>
-            <a:off x="4822384" y="2260546"/>
-            <a:ext cx="4038587" cy="369332"/>
-          </a:xfrm>
-          <a:prstGeom prst="rect">
-            <a:avLst/>
-          </a:prstGeom>
-          <a:noFill/>
-        </p:spPr>
-        <p:txBody>
-          <a:bodyPr wrap="square" rtlCol="0">
-            <a:spAutoFit/>
-          </a:bodyPr>
-          <a:lstStyle/>
-          <a:p>
-            <a:r>
-              <a:rPr lang="en-US" dirty="0"/>
-              <a:t>Eyewitness sources </a:t>
-            </a:r>
-          </a:p>
-        </p:txBody>
-      </p:sp>
-      <p:sp>
-        <p:nvSpPr>
-          <p:cNvPr id="10" name="TextBox 9">
-            <a:extLst>
-              <a:ext uri="{FF2B5EF4-FFF2-40B4-BE49-F238E27FC236}">
-                <a16:creationId xmlns:a16="http://schemas.microsoft.com/office/drawing/2014/main" id="{BA672B46-BD0A-0248-8B1E-B623C0FCB5B0}"/>
-              </a:ext>
-            </a:extLst>
-          </p:cNvPr>
-          <p:cNvSpPr txBox="1"/>
-          <p:nvPr/>
-        </p:nvSpPr>
-        <p:spPr>
-          <a:xfrm>
-            <a:off x="446314" y="2888706"/>
-            <a:ext cx="4038587" cy="646331"/>
-          </a:xfrm>
-          <a:prstGeom prst="rect">
-            <a:avLst/>
-          </a:prstGeom>
-          <a:noFill/>
-        </p:spPr>
-        <p:txBody>
-          <a:bodyPr wrap="square" rtlCol="0">
-            <a:spAutoFit/>
-          </a:bodyPr>
-          <a:lstStyle/>
-          <a:p>
-            <a:pPr fontAlgn="t"/>
-            <a:r>
-              <a:rPr lang="en-US" dirty="0"/>
-              <a:t>Christianity can fill our deepest needs</a:t>
-            </a:r>
-            <a:br>
-              <a:rPr lang="en-US" dirty="0"/>
-            </a:br>
-            <a:r>
-              <a:rPr lang="en-US" dirty="0">
-                <a:solidFill>
-                  <a:schemeClr val="bg1">
-                    <a:lumMod val="50000"/>
-                    <a:lumOff val="50000"/>
-                  </a:schemeClr>
-                </a:solidFill>
-              </a:rPr>
-              <a:t>(hope, love, forgiveness, justice)</a:t>
-            </a:r>
-          </a:p>
-        </p:txBody>
-      </p:sp>
-      <p:sp>
-        <p:nvSpPr>
-          <p:cNvPr id="11" name="TextBox 10">
-            <a:extLst>
-              <a:ext uri="{FF2B5EF4-FFF2-40B4-BE49-F238E27FC236}">
-                <a16:creationId xmlns:a16="http://schemas.microsoft.com/office/drawing/2014/main" id="{2CA3811B-CA1B-4C49-A7BB-A37BCE44149E}"/>
-              </a:ext>
-            </a:extLst>
-          </p:cNvPr>
-          <p:cNvSpPr txBox="1"/>
-          <p:nvPr/>
-        </p:nvSpPr>
-        <p:spPr>
-          <a:xfrm>
-            <a:off x="4822384" y="3793867"/>
-            <a:ext cx="4038587" cy="369332"/>
-          </a:xfrm>
-          <a:prstGeom prst="rect">
-            <a:avLst/>
-          </a:prstGeom>
-          <a:noFill/>
-        </p:spPr>
-        <p:txBody>
-          <a:bodyPr wrap="square" rtlCol="0">
-            <a:spAutoFit/>
-          </a:bodyPr>
-          <a:lstStyle/>
-          <a:p>
-            <a:r>
-              <a:rPr lang="en-US" dirty="0"/>
-              <a:t>Ancient Jewish teaching practices</a:t>
-            </a:r>
-          </a:p>
-        </p:txBody>
-      </p:sp>
-      <p:sp>
-        <p:nvSpPr>
-          <p:cNvPr id="12" name="TextBox 11">
-            <a:extLst>
-              <a:ext uri="{FF2B5EF4-FFF2-40B4-BE49-F238E27FC236}">
-                <a16:creationId xmlns:a16="http://schemas.microsoft.com/office/drawing/2014/main" id="{A4BA65D4-BB7E-3D43-8C26-E7E32EDB95CB}"/>
-              </a:ext>
-            </a:extLst>
-          </p:cNvPr>
-          <p:cNvSpPr txBox="1"/>
-          <p:nvPr/>
-        </p:nvSpPr>
-        <p:spPr>
-          <a:xfrm>
-            <a:off x="4822384" y="2888707"/>
-            <a:ext cx="4038587" cy="646331"/>
-          </a:xfrm>
-          <a:prstGeom prst="rect">
-            <a:avLst/>
-          </a:prstGeom>
-          <a:noFill/>
-        </p:spPr>
-        <p:txBody>
-          <a:bodyPr wrap="square" rtlCol="0">
-            <a:spAutoFit/>
-          </a:bodyPr>
-          <a:lstStyle/>
-          <a:p>
-            <a:r>
-              <a:rPr lang="en-US" dirty="0"/>
-              <a:t>Christianity shouldn’t exist</a:t>
-            </a:r>
-            <a:br>
-              <a:rPr lang="en-US" dirty="0"/>
-            </a:br>
-            <a:r>
-              <a:rPr lang="en-US" dirty="0">
-                <a:solidFill>
-                  <a:schemeClr val="bg1">
-                    <a:lumMod val="50000"/>
-                    <a:lumOff val="50000"/>
-                  </a:schemeClr>
-                </a:solidFill>
-              </a:rPr>
-              <a:t>(if not for Jesus’ resurrection)</a:t>
-            </a:r>
-          </a:p>
-        </p:txBody>
-      </p:sp>
-      <p:sp>
-        <p:nvSpPr>
-          <p:cNvPr id="13" name="TextBox 12">
-            <a:extLst>
-              <a:ext uri="{FF2B5EF4-FFF2-40B4-BE49-F238E27FC236}">
-                <a16:creationId xmlns:a16="http://schemas.microsoft.com/office/drawing/2014/main" id="{0A6197F4-BB3F-C24D-A053-A2855674FEB1}"/>
-              </a:ext>
-            </a:extLst>
-          </p:cNvPr>
-          <p:cNvSpPr txBox="1"/>
-          <p:nvPr/>
-        </p:nvSpPr>
-        <p:spPr>
-          <a:xfrm>
-            <a:off x="4822384" y="4422810"/>
-            <a:ext cx="4038587" cy="369332"/>
-          </a:xfrm>
-          <a:prstGeom prst="rect">
-            <a:avLst/>
-          </a:prstGeom>
-          <a:noFill/>
-        </p:spPr>
-        <p:txBody>
-          <a:bodyPr wrap="square" rtlCol="0">
-            <a:spAutoFit/>
-          </a:bodyPr>
-          <a:lstStyle/>
-          <a:p>
-            <a:r>
-              <a:rPr lang="en-US" dirty="0"/>
-              <a:t>Prophecy (Isaiah 53)</a:t>
-            </a:r>
-          </a:p>
-        </p:txBody>
-      </p:sp>
-    </p:spTree>
-    <p:extLst>
-      <p:ext uri="{BB962C8B-B14F-4D97-AF65-F5344CB8AC3E}">
-        <p14:creationId xmlns:p14="http://schemas.microsoft.com/office/powerpoint/2010/main" val="1351436791"/>
-      </p:ext>
-    </p:extLst>
-  </p:cSld>
-  <p:clrMapOvr>
-    <a:masterClrMapping/>
-  </p:clrMapOvr>
-  <p:timing>
-    <p:tnLst>
-      <p:par>
-        <p:cTn id="1" dur="indefinite" restart="never" nodeType="tmRoot">
-          <p:childTnLst>
-            <p:seq concurrent="1" nextAc="seek">
-              <p:cTn id="2" dur="indefinite" nodeType="mainSeq">
-                <p:childTnLst>
-                  <p:par>
-                    <p:cTn id="3" fill="hold">
-                      <p:stCondLst>
-                        <p:cond delay="indefinite"/>
-                      </p:stCondLst>
-                      <p:childTnLst>
-                        <p:par>
-                          <p:cTn id="4" fill="hold">
-                            <p:stCondLst>
-                              <p:cond delay="0"/>
-                            </p:stCondLst>
-                            <p:childTnLst>
-                              <p:par>
-                                <p:cTn id="5" presetID="10" presetClass="entr" presetSubtype="0" fill="hold" nodeType="clickEffect">
-                                  <p:stCondLst>
-                                    <p:cond delay="0"/>
-                                  </p:stCondLst>
-                                  <p:childTnLst>
-                                    <p:set>
-                                      <p:cBhvr>
-                                        <p:cTn id="6" dur="1" fill="hold">
-                                          <p:stCondLst>
-                                            <p:cond delay="0"/>
-                                          </p:stCondLst>
-                                        </p:cTn>
-                                        <p:tgtEl>
-                                          <p:spTgt spid="3"/>
-                                        </p:tgtEl>
-                                        <p:attrNameLst>
-                                          <p:attrName>style.visibility</p:attrName>
-                                        </p:attrNameLst>
-                                      </p:cBhvr>
-                                      <p:to>
-                                        <p:strVal val="visible"/>
-                                      </p:to>
-                                    </p:set>
-                                    <p:animEffect transition="in" filter="fade">
-                                      <p:cBhvr>
-                                        <p:cTn id="7" dur="500"/>
-                                        <p:tgtEl>
-                                          <p:spTgt spid="3"/>
-                                        </p:tgtEl>
-                                      </p:cBhvr>
-                                    </p:animEffect>
-                                  </p:childTnLst>
-                                </p:cTn>
-                              </p:par>
-                            </p:childTnLst>
-                          </p:cTn>
-                        </p:par>
-                      </p:childTnLst>
-                    </p:cTn>
-                  </p:par>
-                  <p:par>
-                    <p:cTn id="8" fill="hold">
-                      <p:stCondLst>
-                        <p:cond delay="indefinite"/>
-                      </p:stCondLst>
-                      <p:childTnLst>
-                        <p:par>
-                          <p:cTn id="9" fill="hold">
-                            <p:stCondLst>
-                              <p:cond delay="0"/>
-                            </p:stCondLst>
-                            <p:childTnLst>
-                              <p:par>
-                                <p:cTn id="10" presetID="10" presetClass="entr" presetSubtype="0" fill="hold" grpId="0" nodeType="clickEffect">
-                                  <p:stCondLst>
-                                    <p:cond delay="0"/>
-                                  </p:stCondLst>
-                                  <p:childTnLst>
-                                    <p:set>
-                                      <p:cBhvr>
-                                        <p:cTn id="11" dur="1" fill="hold">
-                                          <p:stCondLst>
-                                            <p:cond delay="0"/>
-                                          </p:stCondLst>
-                                        </p:cTn>
-                                        <p:tgtEl>
-                                          <p:spTgt spid="5"/>
-                                        </p:tgtEl>
-                                        <p:attrNameLst>
-                                          <p:attrName>style.visibility</p:attrName>
-                                        </p:attrNameLst>
-                                      </p:cBhvr>
-                                      <p:to>
-                                        <p:strVal val="visible"/>
-                                      </p:to>
-                                    </p:set>
-                                    <p:animEffect transition="in" filter="fade">
-                                      <p:cBhvr>
-                                        <p:cTn id="12" dur="250"/>
-                                        <p:tgtEl>
-                                          <p:spTgt spid="5"/>
-                                        </p:tgtEl>
-                                      </p:cBhvr>
-                                    </p:animEffect>
-                                  </p:childTnLst>
-                                </p:cTn>
-                              </p:par>
-                            </p:childTnLst>
-                          </p:cTn>
-                        </p:par>
-                      </p:childTnLst>
-                    </p:cTn>
-                  </p:par>
-                  <p:par>
-                    <p:cTn id="13" fill="hold">
-                      <p:stCondLst>
-                        <p:cond delay="indefinite"/>
-                      </p:stCondLst>
-                      <p:childTnLst>
-                        <p:par>
-                          <p:cTn id="14" fill="hold">
-                            <p:stCondLst>
-                              <p:cond delay="0"/>
-                            </p:stCondLst>
-                            <p:childTnLst>
-                              <p:par>
-                                <p:cTn id="15" presetID="10" presetClass="entr" presetSubtype="0" fill="hold" grpId="0" nodeType="clickEffect">
-                                  <p:stCondLst>
-                                    <p:cond delay="0"/>
-                                  </p:stCondLst>
-                                  <p:childTnLst>
-                                    <p:set>
-                                      <p:cBhvr>
-                                        <p:cTn id="16" dur="1" fill="hold">
-                                          <p:stCondLst>
-                                            <p:cond delay="0"/>
-                                          </p:stCondLst>
-                                        </p:cTn>
-                                        <p:tgtEl>
-                                          <p:spTgt spid="7"/>
-                                        </p:tgtEl>
-                                        <p:attrNameLst>
-                                          <p:attrName>style.visibility</p:attrName>
-                                        </p:attrNameLst>
-                                      </p:cBhvr>
-                                      <p:to>
-                                        <p:strVal val="visible"/>
-                                      </p:to>
-                                    </p:set>
-                                    <p:animEffect transition="in" filter="fade">
-                                      <p:cBhvr>
-                                        <p:cTn id="17" dur="500"/>
-                                        <p:tgtEl>
-                                          <p:spTgt spid="7"/>
-                                        </p:tgtEl>
-                                      </p:cBhvr>
-                                    </p:animEffect>
-                                  </p:childTnLst>
-                                </p:cTn>
-                              </p:par>
-                            </p:childTnLst>
-                          </p:cTn>
-                        </p:par>
-                      </p:childTnLst>
-                    </p:cTn>
-                  </p:par>
-                  <p:par>
-                    <p:cTn id="18" fill="hold">
-                      <p:stCondLst>
-                        <p:cond delay="indefinite"/>
-                      </p:stCondLst>
-                      <p:childTnLst>
-                        <p:par>
-                          <p:cTn id="19" fill="hold">
-                            <p:stCondLst>
-                              <p:cond delay="0"/>
-                            </p:stCondLst>
-                            <p:childTnLst>
-                              <p:par>
-                                <p:cTn id="20" presetID="10" presetClass="entr" presetSubtype="0" fill="hold" grpId="0" nodeType="clickEffect">
-                                  <p:stCondLst>
-                                    <p:cond delay="0"/>
-                                  </p:stCondLst>
-                                  <p:childTnLst>
-                                    <p:set>
-                                      <p:cBhvr>
-                                        <p:cTn id="21" dur="1" fill="hold">
-                                          <p:stCondLst>
-                                            <p:cond delay="0"/>
-                                          </p:stCondLst>
-                                        </p:cTn>
-                                        <p:tgtEl>
-                                          <p:spTgt spid="9"/>
-                                        </p:tgtEl>
-                                        <p:attrNameLst>
-                                          <p:attrName>style.visibility</p:attrName>
-                                        </p:attrNameLst>
-                                      </p:cBhvr>
-                                      <p:to>
-                                        <p:strVal val="visible"/>
-                                      </p:to>
-                                    </p:set>
-                                    <p:animEffect transition="in" filter="fade">
-                                      <p:cBhvr>
-                                        <p:cTn id="22" dur="500"/>
-                                        <p:tgtEl>
-                                          <p:spTgt spid="9"/>
-                                        </p:tgtEl>
-                                      </p:cBhvr>
-                                    </p:animEffect>
-                                  </p:childTnLst>
-                                </p:cTn>
-                              </p:par>
-                            </p:childTnLst>
-                          </p:cTn>
-                        </p:par>
-                      </p:childTnLst>
-                    </p:cTn>
-                  </p:par>
-                  <p:par>
-                    <p:cTn id="23" fill="hold">
-                      <p:stCondLst>
-                        <p:cond delay="indefinite"/>
-                      </p:stCondLst>
-                      <p:childTnLst>
-                        <p:par>
-                          <p:cTn id="24" fill="hold">
-                            <p:stCondLst>
-                              <p:cond delay="0"/>
-                            </p:stCondLst>
-                            <p:childTnLst>
-                              <p:par>
-                                <p:cTn id="25" presetID="10" presetClass="entr" presetSubtype="0" fill="hold" grpId="0" nodeType="clickEffect">
-                                  <p:stCondLst>
-                                    <p:cond delay="0"/>
-                                  </p:stCondLst>
-                                  <p:childTnLst>
-                                    <p:set>
-                                      <p:cBhvr>
-                                        <p:cTn id="26" dur="1" fill="hold">
-                                          <p:stCondLst>
-                                            <p:cond delay="0"/>
-                                          </p:stCondLst>
-                                        </p:cTn>
-                                        <p:tgtEl>
-                                          <p:spTgt spid="12"/>
-                                        </p:tgtEl>
-                                        <p:attrNameLst>
-                                          <p:attrName>style.visibility</p:attrName>
-                                        </p:attrNameLst>
-                                      </p:cBhvr>
-                                      <p:to>
-                                        <p:strVal val="visible"/>
-                                      </p:to>
-                                    </p:set>
-                                    <p:animEffect transition="in" filter="fade">
-                                      <p:cBhvr>
-                                        <p:cTn id="27" dur="500"/>
-                                        <p:tgtEl>
-                                          <p:spTgt spid="12"/>
-                                        </p:tgtEl>
-                                      </p:cBhvr>
-                                    </p:animEffect>
-                                  </p:childTnLst>
-                                </p:cTn>
-                              </p:par>
-                            </p:childTnLst>
-                          </p:cTn>
-                        </p:par>
-                      </p:childTnLst>
-                    </p:cTn>
-                  </p:par>
-                  <p:par>
-                    <p:cTn id="28" fill="hold">
-                      <p:stCondLst>
-                        <p:cond delay="indefinite"/>
-                      </p:stCondLst>
-                      <p:childTnLst>
-                        <p:par>
-                          <p:cTn id="29" fill="hold">
-                            <p:stCondLst>
-                              <p:cond delay="0"/>
-                            </p:stCondLst>
-                            <p:childTnLst>
-                              <p:par>
-                                <p:cTn id="30" presetID="10" presetClass="entr" presetSubtype="0" fill="hold" grpId="0" nodeType="clickEffect">
-                                  <p:stCondLst>
-                                    <p:cond delay="0"/>
-                                  </p:stCondLst>
-                                  <p:childTnLst>
-                                    <p:set>
-                                      <p:cBhvr>
-                                        <p:cTn id="31" dur="1" fill="hold">
-                                          <p:stCondLst>
-                                            <p:cond delay="0"/>
-                                          </p:stCondLst>
-                                        </p:cTn>
-                                        <p:tgtEl>
-                                          <p:spTgt spid="11"/>
-                                        </p:tgtEl>
-                                        <p:attrNameLst>
-                                          <p:attrName>style.visibility</p:attrName>
-                                        </p:attrNameLst>
-                                      </p:cBhvr>
-                                      <p:to>
-                                        <p:strVal val="visible"/>
-                                      </p:to>
-                                    </p:set>
-                                    <p:animEffect transition="in" filter="fade">
-                                      <p:cBhvr>
-                                        <p:cTn id="32" dur="500"/>
-                                        <p:tgtEl>
-                                          <p:spTgt spid="11"/>
-                                        </p:tgtEl>
-                                      </p:cBhvr>
-                                    </p:animEffect>
-                                  </p:childTnLst>
-                                </p:cTn>
-                              </p:par>
-                            </p:childTnLst>
-                          </p:cTn>
-                        </p:par>
-                      </p:childTnLst>
-                    </p:cTn>
-                  </p:par>
-                  <p:par>
-                    <p:cTn id="33" fill="hold">
-                      <p:stCondLst>
-                        <p:cond delay="indefinite"/>
-                      </p:stCondLst>
-                      <p:childTnLst>
-                        <p:par>
-                          <p:cTn id="34" fill="hold">
-                            <p:stCondLst>
-                              <p:cond delay="0"/>
-                            </p:stCondLst>
-                            <p:childTnLst>
-                              <p:par>
-                                <p:cTn id="35" presetID="10" presetClass="entr" presetSubtype="0" fill="hold" grpId="0" nodeType="clickEffect">
-                                  <p:stCondLst>
-                                    <p:cond delay="0"/>
-                                  </p:stCondLst>
-                                  <p:childTnLst>
-                                    <p:set>
-                                      <p:cBhvr>
-                                        <p:cTn id="36" dur="1" fill="hold">
-                                          <p:stCondLst>
-                                            <p:cond delay="0"/>
-                                          </p:stCondLst>
-                                        </p:cTn>
-                                        <p:tgtEl>
-                                          <p:spTgt spid="13"/>
-                                        </p:tgtEl>
-                                        <p:attrNameLst>
-                                          <p:attrName>style.visibility</p:attrName>
-                                        </p:attrNameLst>
-                                      </p:cBhvr>
-                                      <p:to>
-                                        <p:strVal val="visible"/>
-                                      </p:to>
-                                    </p:set>
-                                    <p:animEffect transition="in" filter="fade">
-                                      <p:cBhvr>
-                                        <p:cTn id="37" dur="500"/>
-                                        <p:tgtEl>
-                                          <p:spTgt spid="13"/>
-                                        </p:tgtEl>
-                                      </p:cBhvr>
-                                    </p:animEffect>
-                                  </p:childTnLst>
-                                </p:cTn>
-                              </p:par>
-                            </p:childTnLst>
-                          </p:cTn>
-                        </p:par>
-                      </p:childTnLst>
-                    </p:cTn>
-                  </p:par>
-                  <p:par>
-                    <p:cTn id="38" fill="hold">
-                      <p:stCondLst>
-                        <p:cond delay="indefinite"/>
-                      </p:stCondLst>
-                      <p:childTnLst>
-                        <p:par>
-                          <p:cTn id="39" fill="hold">
-                            <p:stCondLst>
-                              <p:cond delay="0"/>
-                            </p:stCondLst>
-                            <p:childTnLst>
-                              <p:par>
-                                <p:cTn id="40" presetID="10" presetClass="entr" presetSubtype="0" fill="hold" grpId="0" nodeType="clickEffect">
-                                  <p:stCondLst>
-                                    <p:cond delay="0"/>
-                                  </p:stCondLst>
-                                  <p:childTnLst>
-                                    <p:set>
-                                      <p:cBhvr>
-                                        <p:cTn id="41" dur="1" fill="hold">
-                                          <p:stCondLst>
-                                            <p:cond delay="0"/>
-                                          </p:stCondLst>
-                                        </p:cTn>
-                                        <p:tgtEl>
-                                          <p:spTgt spid="6"/>
-                                        </p:tgtEl>
-                                        <p:attrNameLst>
-                                          <p:attrName>style.visibility</p:attrName>
-                                        </p:attrNameLst>
-                                      </p:cBhvr>
-                                      <p:to>
-                                        <p:strVal val="visible"/>
-                                      </p:to>
-                                    </p:set>
-                                    <p:animEffect transition="in" filter="fade">
-                                      <p:cBhvr>
-                                        <p:cTn id="42" dur="250"/>
-                                        <p:tgtEl>
-                                          <p:spTgt spid="6"/>
-                                        </p:tgtEl>
-                                      </p:cBhvr>
-                                    </p:animEffect>
-                                  </p:childTnLst>
-                                </p:cTn>
-                              </p:par>
-                            </p:childTnLst>
-                          </p:cTn>
-                        </p:par>
-                      </p:childTnLst>
-                    </p:cTn>
-                  </p:par>
-                  <p:par>
-                    <p:cTn id="43" fill="hold">
-                      <p:stCondLst>
-                        <p:cond delay="indefinite"/>
-                      </p:stCondLst>
-                      <p:childTnLst>
-                        <p:par>
-                          <p:cTn id="44" fill="hold">
-                            <p:stCondLst>
-                              <p:cond delay="0"/>
-                            </p:stCondLst>
-                            <p:childTnLst>
-                              <p:par>
-                                <p:cTn id="45" presetID="10" presetClass="entr" presetSubtype="0" fill="hold" grpId="0" nodeType="clickEffect">
-                                  <p:stCondLst>
-                                    <p:cond delay="0"/>
-                                  </p:stCondLst>
-                                  <p:childTnLst>
-                                    <p:set>
-                                      <p:cBhvr>
-                                        <p:cTn id="46" dur="1" fill="hold">
-                                          <p:stCondLst>
-                                            <p:cond delay="0"/>
-                                          </p:stCondLst>
-                                        </p:cTn>
-                                        <p:tgtEl>
-                                          <p:spTgt spid="8"/>
-                                        </p:tgtEl>
-                                        <p:attrNameLst>
-                                          <p:attrName>style.visibility</p:attrName>
-                                        </p:attrNameLst>
-                                      </p:cBhvr>
-                                      <p:to>
-                                        <p:strVal val="visible"/>
-                                      </p:to>
-                                    </p:set>
-                                    <p:animEffect transition="in" filter="fade">
-                                      <p:cBhvr>
-                                        <p:cTn id="47" dur="500"/>
-                                        <p:tgtEl>
-                                          <p:spTgt spid="8"/>
-                                        </p:tgtEl>
-                                      </p:cBhvr>
-                                    </p:animEffect>
-                                  </p:childTnLst>
-                                </p:cTn>
-                              </p:par>
-                            </p:childTnLst>
-                          </p:cTn>
-                        </p:par>
-                      </p:childTnLst>
-                    </p:cTn>
-                  </p:par>
-                  <p:par>
-                    <p:cTn id="48" fill="hold">
-                      <p:stCondLst>
-                        <p:cond delay="indefinite"/>
-                      </p:stCondLst>
-                      <p:childTnLst>
-                        <p:par>
-                          <p:cTn id="49" fill="hold">
-                            <p:stCondLst>
-                              <p:cond delay="0"/>
-                            </p:stCondLst>
-                            <p:childTnLst>
-                              <p:par>
-                                <p:cTn id="50" presetID="10" presetClass="entr" presetSubtype="0" fill="hold" grpId="0" nodeType="clickEffect">
-                                  <p:stCondLst>
-                                    <p:cond delay="0"/>
-                                  </p:stCondLst>
-                                  <p:childTnLst>
-                                    <p:set>
-                                      <p:cBhvr>
-                                        <p:cTn id="51" dur="1" fill="hold">
-                                          <p:stCondLst>
-                                            <p:cond delay="0"/>
-                                          </p:stCondLst>
-                                        </p:cTn>
-                                        <p:tgtEl>
-                                          <p:spTgt spid="10"/>
-                                        </p:tgtEl>
-                                        <p:attrNameLst>
-                                          <p:attrName>style.visibility</p:attrName>
-                                        </p:attrNameLst>
-                                      </p:cBhvr>
-                                      <p:to>
-                                        <p:strVal val="visible"/>
-                                      </p:to>
-                                    </p:set>
-                                    <p:animEffect transition="in" filter="fade">
-                                      <p:cBhvr>
-                                        <p:cTn id="52" dur="500"/>
-                                        <p:tgtEl>
-                                          <p:spTgt spid="10"/>
-                                        </p:tgtEl>
-                                      </p:cBhvr>
-                                    </p:animEffect>
-                                  </p:childTnLst>
-                                </p:cTn>
-                              </p:par>
-                            </p:childTnLst>
-                          </p:cTn>
-                        </p:par>
-                      </p:childTnLst>
-                    </p:cTn>
-                  </p:par>
-                </p:childTnLst>
-              </p:cTn>
-              <p:prevCondLst>
-                <p:cond evt="onPrev" delay="0">
-                  <p:tgtEl>
-                    <p:sldTgt/>
-                  </p:tgtEl>
-                </p:cond>
-              </p:prevCondLst>
-              <p:nextCondLst>
-                <p:cond evt="onNext" delay="0">
-                  <p:tgtEl>
-                    <p:sldTgt/>
-                  </p:tgtEl>
-                </p:cond>
-              </p:nextCondLst>
-            </p:seq>
-          </p:childTnLst>
-        </p:cTn>
-      </p:par>
-    </p:tnLst>
-    <p:bldLst>
-      <p:bldP spid="5" grpId="0"/>
-      <p:bldP spid="6" grpId="0"/>
-      <p:bldP spid="7" grpId="0"/>
-      <p:bldP spid="8" grpId="0"/>
-      <p:bldP spid="9" grpId="0"/>
-      <p:bldP spid="10" grpId="0"/>
-      <p:bldP spid="11" grpId="0"/>
-      <p:bldP spid="12" grpId="0"/>
-      <p:bldP spid="13" grpId="0"/>
-    </p:bldLst>
-  </p:timing>
-</p:sld>
-</file>
-
-<file path=ppt/slides/slide9.xml><?xml version="1.0" encoding="utf-8"?>
-<p:sld xmlns:a="http://schemas.openxmlformats.org/drawingml/2006/main" xmlns:r="http://schemas.openxmlformats.org/officeDocument/2006/relationships" xmlns:p="http://schemas.openxmlformats.org/presentationml/2006/main">
-  <p:cSld>
-    <p:spTree>
-      <p:nvGrpSpPr>
-        <p:cNvPr id="1" name=""/>
-        <p:cNvGrpSpPr/>
-        <p:nvPr/>
-      </p:nvGrpSpPr>
-      <p:grpSpPr>
-        <a:xfrm>
-          <a:off x="0" y="0"/>
-          <a:ext cx="0" cy="0"/>
-          <a:chOff x="0" y="0"/>
-          <a:chExt cx="0" cy="0"/>
-        </a:xfrm>
-      </p:grpSpPr>
-      <p:pic>
-        <p:nvPicPr>
-          <p:cNvPr id="6" name="Picture 5" descr="A screenshot of a cell phone&#10;&#10;Description automatically generated">
-            <a:extLst>
-              <a:ext uri="{FF2B5EF4-FFF2-40B4-BE49-F238E27FC236}">
-                <a16:creationId xmlns:a16="http://schemas.microsoft.com/office/drawing/2014/main" id="{981165FD-3F91-5049-A8C6-CCA274230C56}"/>
-              </a:ext>
-            </a:extLst>
-          </p:cNvPr>
-          <p:cNvPicPr>
-            <a:picLocks noChangeAspect="1"/>
-          </p:cNvPicPr>
-          <p:nvPr/>
-        </p:nvPicPr>
-        <p:blipFill>
-          <a:blip r:embed="rId3">
-            <a:extLst>
-              <a:ext uri="{28A0092B-C50C-407E-A947-70E740481C1C}">
-                <a14:useLocalDpi xmlns:a14="http://schemas.microsoft.com/office/drawing/2010/main" val="0"/>
-              </a:ext>
-            </a:extLst>
-          </a:blip>
-          <a:stretch>
-            <a:fillRect/>
-          </a:stretch>
-        </p:blipFill>
-        <p:spPr>
-          <a:xfrm>
-            <a:off x="0" y="407737"/>
-            <a:ext cx="9144000" cy="6042526"/>
-          </a:xfrm>
-          <a:prstGeom prst="rect">
-            <a:avLst/>
-          </a:prstGeom>
-        </p:spPr>
-      </p:pic>
-      <p:sp>
-        <p:nvSpPr>
-          <p:cNvPr id="5" name="Rectangle 4"/>
-          <p:cNvSpPr/>
-          <p:nvPr/>
-        </p:nvSpPr>
-        <p:spPr>
-          <a:xfrm>
-            <a:off x="6288388" y="5606669"/>
-            <a:ext cx="1941212" cy="401464"/>
-          </a:xfrm>
-          <a:prstGeom prst="rect">
-            <a:avLst/>
-          </a:prstGeom>
-          <a:solidFill>
-            <a:schemeClr val="bg1"/>
-          </a:solidFill>
-          <a:ln w="34925">
-            <a:noFill/>
-          </a:ln>
-          <a:effectLst/>
-        </p:spPr>
-        <p:style>
-          <a:lnRef idx="1">
-            <a:schemeClr val="accent1"/>
-          </a:lnRef>
-          <a:fillRef idx="3">
-            <a:schemeClr val="accent1"/>
-          </a:fillRef>
-          <a:effectRef idx="2">
-            <a:schemeClr val="accent1"/>
-          </a:effectRef>
-          <a:fontRef idx="minor">
-            <a:schemeClr val="lt1"/>
-          </a:fontRef>
-        </p:style>
-        <p:txBody>
-          <a:bodyPr rtlCol="0" anchor="ctr"/>
-          <a:lstStyle/>
-          <a:p>
-            <a:endParaRPr lang="en-US" dirty="0"/>
-          </a:p>
-        </p:txBody>
-      </p:sp>
-      <p:sp>
-        <p:nvSpPr>
-          <p:cNvPr id="8" name="TextBox 7"/>
-          <p:cNvSpPr txBox="1"/>
-          <p:nvPr/>
-        </p:nvSpPr>
-        <p:spPr>
-          <a:xfrm>
-            <a:off x="6327495" y="5638800"/>
-            <a:ext cx="1867327" cy="369332"/>
-          </a:xfrm>
-          <a:prstGeom prst="rect">
-            <a:avLst/>
-          </a:prstGeom>
-          <a:noFill/>
-        </p:spPr>
-        <p:txBody>
-          <a:bodyPr wrap="square" rtlCol="0">
-            <a:spAutoFit/>
-          </a:bodyPr>
-          <a:lstStyle/>
-          <a:p>
-            <a:pPr algn="ctr"/>
-            <a:r>
-              <a:rPr lang="en-US" dirty="0">
-                <a:solidFill>
-                  <a:schemeClr val="tx1">
-                    <a:lumMod val="85000"/>
-                  </a:schemeClr>
-                </a:solidFill>
-                <a:latin typeface="Avenir Book"/>
-                <a:cs typeface="Avenir Book"/>
-              </a:rPr>
-              <a:t>https://</a:t>
-            </a:r>
-            <a:r>
-              <a:rPr lang="en-US" b="1" dirty="0">
-                <a:latin typeface="Avenir Book"/>
-                <a:cs typeface="Avenir Book"/>
-              </a:rPr>
-              <a:t>Ai1L.net</a:t>
-            </a:r>
-          </a:p>
-        </p:txBody>
-      </p:sp>
-    </p:spTree>
-    <p:extLst>
-      <p:ext uri="{BB962C8B-B14F-4D97-AF65-F5344CB8AC3E}">
-        <p14:creationId xmlns:p14="http://schemas.microsoft.com/office/powerpoint/2010/main" val="2193539815"/>
-      </p:ext>
-    </p:extLst>
-  </p:cSld>
-  <p:clrMapOvr>
-    <a:masterClrMapping/>
-  </p:clrMapOvr>
-  <p:timing>
-    <p:tnLst>
-      <p:par>
-        <p:cTn id="1" dur="indefinite" restart="never" nodeType="tmRoot">
-          <p:childTnLst>
-            <p:seq concurrent="1" nextAc="seek">
-              <p:cTn id="2" dur="indefinite" nodeType="mainSeq">
-                <p:childTnLst>
-                  <p:par>
-                    <p:cTn id="3" fill="hold">
-                      <p:stCondLst>
-                        <p:cond delay="indefinite"/>
-                        <p:cond evt="onBegin" delay="0">
-                          <p:tn val="2"/>
-                        </p:cond>
-                      </p:stCondLst>
-                      <p:childTnLst>
-                        <p:par>
-                          <p:cTn id="4" fill="hold">
-                            <p:stCondLst>
-                              <p:cond delay="0"/>
-                            </p:stCondLst>
-                            <p:childTnLst>
-                              <p:par>
-                                <p:cTn id="5" presetID="1" presetClass="entr" presetSubtype="0" fill="hold" grpId="2" nodeType="afterEffect">
-                                  <p:stCondLst>
-                                    <p:cond delay="1000"/>
-                                  </p:stCondLst>
-                                  <p:childTnLst>
-                                    <p:set>
-                                      <p:cBhvr>
-                                        <p:cTn id="6" dur="1" fill="hold">
-                                          <p:stCondLst>
-                                            <p:cond delay="0"/>
-                                          </p:stCondLst>
-                                        </p:cTn>
-                                        <p:tgtEl>
-                                          <p:spTgt spid="5"/>
-                                        </p:tgtEl>
-                                        <p:attrNameLst>
-                                          <p:attrName>style.visibility</p:attrName>
-                                        </p:attrNameLst>
-                                      </p:cBhvr>
-                                      <p:to>
-                                        <p:strVal val="visible"/>
-                                      </p:to>
-                                    </p:set>
-                                  </p:childTnLst>
-                                </p:cTn>
-                              </p:par>
-                            </p:childTnLst>
-                          </p:cTn>
-                        </p:par>
-                        <p:par>
-                          <p:cTn id="7" fill="hold">
-                            <p:stCondLst>
-                              <p:cond delay="1000"/>
-                            </p:stCondLst>
-                            <p:childTnLst>
-                              <p:par>
-                                <p:cTn id="8" presetID="0" presetClass="path" presetSubtype="0" accel="50000" decel="50000" fill="hold" grpId="0" nodeType="afterEffect">
-                                  <p:stCondLst>
-                                    <p:cond delay="0"/>
-                                  </p:stCondLst>
-                                  <p:childTnLst>
-                                    <p:animMotion origin="layout" path="M 0.04236 2.22222E-6 L 3.61111E-6 2.22222E-6 " pathEditMode="relative" rAng="0" ptsTypes="AA">
-                                      <p:cBhvr>
-                                        <p:cTn id="9" dur="300" fill="hold"/>
-                                        <p:tgtEl>
-                                          <p:spTgt spid="5"/>
-                                        </p:tgtEl>
-                                        <p:attrNameLst>
-                                          <p:attrName>ppt_x</p:attrName>
-                                          <p:attrName>ppt_y</p:attrName>
-                                        </p:attrNameLst>
-                                      </p:cBhvr>
-                                      <p:rCtr x="-2118" y="0"/>
-                                    </p:animMotion>
-                                  </p:childTnLst>
-                                </p:cTn>
-                              </p:par>
-                              <p:par>
-                                <p:cTn id="10" presetID="10" presetClass="entr" presetSubtype="0" fill="hold" grpId="1" nodeType="withEffect">
-                                  <p:stCondLst>
-                                    <p:cond delay="0"/>
-                                  </p:stCondLst>
-                                  <p:childTnLst>
-                                    <p:set>
-                                      <p:cBhvr>
-                                        <p:cTn id="11" dur="1" fill="hold">
-                                          <p:stCondLst>
-                                            <p:cond delay="0"/>
-                                          </p:stCondLst>
-                                        </p:cTn>
-                                        <p:tgtEl>
-                                          <p:spTgt spid="5"/>
-                                        </p:tgtEl>
-                                        <p:attrNameLst>
-                                          <p:attrName>style.visibility</p:attrName>
-                                        </p:attrNameLst>
-                                      </p:cBhvr>
-                                      <p:to>
-                                        <p:strVal val="visible"/>
-                                      </p:to>
-                                    </p:set>
-                                    <p:animEffect transition="in" filter="fade">
-                                      <p:cBhvr>
-                                        <p:cTn id="12" dur="500"/>
-                                        <p:tgtEl>
-                                          <p:spTgt spid="5"/>
-                                        </p:tgtEl>
-                                      </p:cBhvr>
-                                    </p:animEffect>
-                                  </p:childTnLst>
-                                </p:cTn>
-                              </p:par>
-                            </p:childTnLst>
-                          </p:cTn>
-                        </p:par>
-                        <p:par>
-                          <p:cTn id="13" fill="hold">
-                            <p:stCondLst>
-                              <p:cond delay="1500"/>
-                            </p:stCondLst>
-                            <p:childTnLst>
-                              <p:par>
-                                <p:cTn id="14" presetID="10" presetClass="entr" presetSubtype="0" fill="hold" grpId="0" nodeType="afterEffect">
-                                  <p:stCondLst>
-                                    <p:cond delay="0"/>
-                                  </p:stCondLst>
-                                  <p:childTnLst>
-                                    <p:set>
-                                      <p:cBhvr>
-                                        <p:cTn id="15" dur="1" fill="hold">
-                                          <p:stCondLst>
-                                            <p:cond delay="0"/>
-                                          </p:stCondLst>
-                                        </p:cTn>
-                                        <p:tgtEl>
-                                          <p:spTgt spid="8"/>
-                                        </p:tgtEl>
-                                        <p:attrNameLst>
-                                          <p:attrName>style.visibility</p:attrName>
-                                        </p:attrNameLst>
-                                      </p:cBhvr>
-                                      <p:to>
-                                        <p:strVal val="visible"/>
-                                      </p:to>
-                                    </p:set>
-                                    <p:animEffect transition="in" filter="fade">
-                                      <p:cBhvr>
-                                        <p:cTn id="16" dur="300"/>
-                                        <p:tgtEl>
-                                          <p:spTgt spid="8"/>
-                                        </p:tgtEl>
-                                      </p:cBhvr>
-                                    </p:animEffect>
-                                  </p:childTnLst>
-                                </p:cTn>
-                              </p:par>
-                              <p:par>
-                                <p:cTn id="17" presetID="0" presetClass="path" presetSubtype="0" accel="50000" decel="50000" fill="hold" grpId="1" nodeType="withEffect">
-                                  <p:stCondLst>
-                                    <p:cond delay="0"/>
-                                  </p:stCondLst>
-                                  <p:childTnLst>
-                                    <p:animMotion origin="layout" path="M 3.88889E-6 0.0169 L 3.88889E-6 -4.44444E-6 " pathEditMode="relative" rAng="0" ptsTypes="AA">
-                                      <p:cBhvr>
-                                        <p:cTn id="18" dur="200" fill="hold"/>
-                                        <p:tgtEl>
-                                          <p:spTgt spid="8"/>
-                                        </p:tgtEl>
-                                        <p:attrNameLst>
-                                          <p:attrName>ppt_x</p:attrName>
-                                          <p:attrName>ppt_y</p:attrName>
-                                        </p:attrNameLst>
-                                      </p:cBhvr>
-                                      <p:rCtr x="0" y="-856"/>
-                                    </p:animMotion>
-                                  </p:childTnLst>
-                                </p:cTn>
-                              </p:par>
-                            </p:childTnLst>
-                          </p:cTn>
-                        </p:par>
-                      </p:childTnLst>
-                    </p:cTn>
-                  </p:par>
-                </p:childTnLst>
-              </p:cTn>
-              <p:prevCondLst>
-                <p:cond evt="onPrev" delay="0">
-                  <p:tgtEl>
-                    <p:sldTgt/>
-                  </p:tgtEl>
-                </p:cond>
-              </p:prevCondLst>
-              <p:nextCondLst>
-                <p:cond evt="onNext" delay="0">
-                  <p:tgtEl>
-                    <p:sldTgt/>
-                  </p:tgtEl>
-                </p:cond>
-              </p:nextCondLst>
-            </p:seq>
-          </p:childTnLst>
-        </p:cTn>
-      </p:par>
-    </p:tnLst>
-    <p:bldLst>
-      <p:bldP spid="5" grpId="0" animBg="1"/>
-      <p:bldP spid="5" grpId="1" animBg="1"/>
-      <p:bldP spid="5" grpId="2" animBg="1"/>
-      <p:bldP spid="8" grpId="0"/>
-      <p:bldP spid="8" grpId="1"/>
-    </p:bldLst>
-  </p:timing>
-</p:sld>
-</file>
-
 <file path=ppt/theme/theme1.xml><?xml version="1.0" encoding="utf-8"?>
 <a:theme xmlns:a="http://schemas.openxmlformats.org/drawingml/2006/main" name="Office Theme">
   <a:themeElements>
